--- a/Documents/VertexSkeletonClassLibrary.pptx
+++ b/Documents/VertexSkeletonClassLibrary.pptx
@@ -30,10 +30,11 @@
     <p:sldId id="537" r:id="rId24"/>
     <p:sldId id="523" r:id="rId25"/>
     <p:sldId id="538" r:id="rId26"/>
-    <p:sldId id="539" r:id="rId27"/>
-    <p:sldId id="541" r:id="rId28"/>
-    <p:sldId id="542" r:id="rId29"/>
-    <p:sldId id="540" r:id="rId30"/>
+    <p:sldId id="544" r:id="rId27"/>
+    <p:sldId id="539" r:id="rId28"/>
+    <p:sldId id="541" r:id="rId29"/>
+    <p:sldId id="542" r:id="rId30"/>
+    <p:sldId id="540" r:id="rId31"/>
   </p:sldIdLst>
   <p:sldSz cx="12192000" cy="6858000"/>
   <p:notesSz cx="6858000" cy="9144000"/>
@@ -174,6 +175,7 @@
             <p14:sldId id="537"/>
             <p14:sldId id="523"/>
             <p14:sldId id="538"/>
+            <p14:sldId id="544"/>
             <p14:sldId id="539"/>
             <p14:sldId id="541"/>
             <p14:sldId id="542"/>
@@ -452,7 +454,7 @@
           <a:p>
             <a:fld id="{ADCEBF8C-22C0-4323-9BBB-9413232198F8}" type="datetimeFigureOut">
               <a:rPr lang="en-US" smtClean="0"/>
-              <a:t>4/29/2025</a:t>
+              <a:t>5/1/2025</a:t>
             </a:fld>
             <a:endParaRPr lang="en-US"/>
           </a:p>
@@ -650,7 +652,7 @@
           <a:p>
             <a:fld id="{ADCEBF8C-22C0-4323-9BBB-9413232198F8}" type="datetimeFigureOut">
               <a:rPr lang="en-US" smtClean="0"/>
-              <a:t>4/29/2025</a:t>
+              <a:t>5/1/2025</a:t>
             </a:fld>
             <a:endParaRPr lang="en-US"/>
           </a:p>
@@ -858,7 +860,7 @@
           <a:p>
             <a:fld id="{ADCEBF8C-22C0-4323-9BBB-9413232198F8}" type="datetimeFigureOut">
               <a:rPr lang="en-US" smtClean="0"/>
-              <a:t>4/29/2025</a:t>
+              <a:t>5/1/2025</a:t>
             </a:fld>
             <a:endParaRPr lang="en-US"/>
           </a:p>
@@ -1056,7 +1058,7 @@
           <a:p>
             <a:fld id="{ADCEBF8C-22C0-4323-9BBB-9413232198F8}" type="datetimeFigureOut">
               <a:rPr lang="en-US" smtClean="0"/>
-              <a:t>4/29/2025</a:t>
+              <a:t>5/1/2025</a:t>
             </a:fld>
             <a:endParaRPr lang="en-US"/>
           </a:p>
@@ -1331,7 +1333,7 @@
           <a:p>
             <a:fld id="{ADCEBF8C-22C0-4323-9BBB-9413232198F8}" type="datetimeFigureOut">
               <a:rPr lang="en-US" smtClean="0"/>
-              <a:t>4/29/2025</a:t>
+              <a:t>5/1/2025</a:t>
             </a:fld>
             <a:endParaRPr lang="en-US"/>
           </a:p>
@@ -1596,7 +1598,7 @@
           <a:p>
             <a:fld id="{ADCEBF8C-22C0-4323-9BBB-9413232198F8}" type="datetimeFigureOut">
               <a:rPr lang="en-US" smtClean="0"/>
-              <a:t>4/29/2025</a:t>
+              <a:t>5/1/2025</a:t>
             </a:fld>
             <a:endParaRPr lang="en-US"/>
           </a:p>
@@ -2008,7 +2010,7 @@
           <a:p>
             <a:fld id="{ADCEBF8C-22C0-4323-9BBB-9413232198F8}" type="datetimeFigureOut">
               <a:rPr lang="en-US" smtClean="0"/>
-              <a:t>4/29/2025</a:t>
+              <a:t>5/1/2025</a:t>
             </a:fld>
             <a:endParaRPr lang="en-US"/>
           </a:p>
@@ -2149,7 +2151,7 @@
           <a:p>
             <a:fld id="{ADCEBF8C-22C0-4323-9BBB-9413232198F8}" type="datetimeFigureOut">
               <a:rPr lang="en-US" smtClean="0"/>
-              <a:t>4/29/2025</a:t>
+              <a:t>5/1/2025</a:t>
             </a:fld>
             <a:endParaRPr lang="en-US"/>
           </a:p>
@@ -2262,7 +2264,7 @@
           <a:p>
             <a:fld id="{ADCEBF8C-22C0-4323-9BBB-9413232198F8}" type="datetimeFigureOut">
               <a:rPr lang="en-US" smtClean="0"/>
-              <a:t>4/29/2025</a:t>
+              <a:t>5/1/2025</a:t>
             </a:fld>
             <a:endParaRPr lang="en-US"/>
           </a:p>
@@ -2573,7 +2575,7 @@
           <a:p>
             <a:fld id="{ADCEBF8C-22C0-4323-9BBB-9413232198F8}" type="datetimeFigureOut">
               <a:rPr lang="en-US" smtClean="0"/>
-              <a:t>4/29/2025</a:t>
+              <a:t>5/1/2025</a:t>
             </a:fld>
             <a:endParaRPr lang="en-US"/>
           </a:p>
@@ -2861,7 +2863,7 @@
           <a:p>
             <a:fld id="{ADCEBF8C-22C0-4323-9BBB-9413232198F8}" type="datetimeFigureOut">
               <a:rPr lang="en-US" smtClean="0"/>
-              <a:t>4/29/2025</a:t>
+              <a:t>5/1/2025</a:t>
             </a:fld>
             <a:endParaRPr lang="en-US"/>
           </a:p>
@@ -3102,7 +3104,7 @@
           <a:p>
             <a:fld id="{ADCEBF8C-22C0-4323-9BBB-9413232198F8}" type="datetimeFigureOut">
               <a:rPr lang="en-US" smtClean="0"/>
-              <a:t>4/29/2025</a:t>
+              <a:t>5/1/2025</a:t>
             </a:fld>
             <a:endParaRPr lang="en-US"/>
           </a:p>
@@ -8118,14 +8120,16 @@
         </p:nvSpPr>
         <p:spPr/>
         <p:txBody>
-          <a:bodyPr/>
+          <a:bodyPr>
+            <a:normAutofit/>
+          </a:bodyPr>
           <a:lstStyle/>
           <a:p>
             <a:pPr marL="0" indent="0">
               <a:buNone/>
             </a:pPr>
             <a:r>
-              <a:rPr lang="en-US" sz="2800" dirty="0"/>
+              <a:rPr lang="en-US" sz="2000" dirty="0"/>
               <a:t>These include: </a:t>
             </a:r>
           </a:p>
@@ -8134,8 +8138,8 @@
               <a:buNone/>
             </a:pPr>
             <a:r>
-              <a:rPr lang="en-US" sz="2800" dirty="0"/>
-              <a:t>Distances from vertex-to-vertex, </a:t>
+              <a:rPr lang="en-US" sz="2000" dirty="0"/>
+              <a:t>Unit normal for segment ahead of each vertex</a:t>
             </a:r>
           </a:p>
           <a:p>
@@ -8143,36 +8147,48 @@
               <a:buNone/>
             </a:pPr>
             <a:r>
-              <a:rPr lang="en-US" dirty="0"/>
-              <a:t>U</a:t>
-            </a:r>
-            <a:r>
-              <a:rPr lang="en-US" sz="2800" dirty="0"/>
-              <a:t>nit vectors from vertex to vertex,</a:t>
+              <a:rPr lang="en-US" sz="2000" dirty="0"/>
+              <a:t>Unit vectors inward at each vertex</a:t>
             </a:r>
           </a:p>
           <a:p>
             <a:pPr marL="0" indent="0">
               <a:buNone/>
             </a:pPr>
-            <a:r>
-              <a:rPr lang="en-US" dirty="0"/>
-              <a:t>Unit normal for segment ahead of each vertex</a:t>
-            </a:r>
+            <a:endParaRPr lang="en-US" sz="2000" dirty="0"/>
           </a:p>
           <a:p>
             <a:pPr marL="0" indent="0">
               <a:buNone/>
             </a:pPr>
             <a:r>
-              <a:rPr lang="en-US" dirty="0"/>
-              <a:t>U</a:t>
-            </a:r>
-            <a:r>
-              <a:rPr lang="en-US" sz="2800" dirty="0"/>
-              <a:t>nit vectors inward at each vertex</a:t>
-            </a:r>
-            <a:endParaRPr lang="en-US" dirty="0"/>
+              <a:rPr lang="en-US" sz="2000" dirty="0"/>
+              <a:t>Inside the function, the following are also calculated</a:t>
+            </a:r>
+          </a:p>
+          <a:p>
+            <a:pPr marL="0" indent="0">
+              <a:buNone/>
+            </a:pPr>
+            <a:r>
+              <a:rPr lang="en-US" sz="2000" dirty="0"/>
+              <a:t>Distances from vertex-to-vertex, </a:t>
+            </a:r>
+          </a:p>
+          <a:p>
+            <a:pPr marL="0" indent="0">
+              <a:buNone/>
+            </a:pPr>
+            <a:r>
+              <a:rPr lang="en-US" sz="2000" dirty="0"/>
+              <a:t>Unit vectors from vertex to vertex,</a:t>
+            </a:r>
+          </a:p>
+          <a:p>
+            <a:pPr marL="0" indent="0">
+              <a:buNone/>
+            </a:pPr>
+            <a:endParaRPr lang="en-US" sz="2000" dirty="0"/>
           </a:p>
         </p:txBody>
       </p:sp>
@@ -8191,7 +8207,7 @@
         <p:spPr>
           <a:xfrm>
             <a:off x="332706" y="4719761"/>
-            <a:ext cx="6569962" cy="1200329"/>
+            <a:ext cx="6569962" cy="461665"/>
           </a:xfrm>
           <a:prstGeom prst="rect">
             <a:avLst/>
@@ -8216,7 +8232,7 @@
                 </a:solidFill>
                 <a:latin typeface="Courier New" panose="02070309020205020404" pitchFamily="49" charset="0"/>
               </a:rPr>
-              <a:t> [</a:t>
+              <a:t>[</a:t>
             </a:r>
             <a:r>
               <a:rPr lang="en-US" sz="1200" b="0" i="0" u="none" strike="noStrike" baseline="0" dirty="0" err="1">
@@ -8225,7 +8241,7 @@
                 </a:solidFill>
                 <a:latin typeface="Courier New" panose="02070309020205020404" pitchFamily="49" charset="0"/>
               </a:rPr>
-              <a:t>vector_direction_of_unit_cut</a:t>
+              <a:t>unit_normal_vectors</a:t>
             </a:r>
             <a:r>
               <a:rPr lang="en-US" sz="1200" b="0" i="0" u="none" strike="noStrike" baseline="0" dirty="0">
@@ -8237,16 +8253,32 @@
               <a:t>, </a:t>
             </a:r>
             <a:r>
+              <a:rPr lang="en-US" sz="1200" b="0" i="0" u="none" strike="noStrike" baseline="0" dirty="0" err="1">
+                <a:solidFill>
+                  <a:srgbClr val="000000"/>
+                </a:solidFill>
+                <a:latin typeface="Courier New" panose="02070309020205020404" pitchFamily="49" charset="0"/>
+              </a:rPr>
+              <a:t>vertex_projection_vectors</a:t>
+            </a:r>
+            <a:r>
               <a:rPr lang="en-US" sz="1200" b="0" i="0" u="none" strike="noStrike" baseline="0" dirty="0">
                 <a:solidFill>
-                  <a:srgbClr val="0E00FF"/>
-                </a:solidFill>
-                <a:latin typeface="Courier New" panose="02070309020205020404" pitchFamily="49" charset="0"/>
-              </a:rPr>
-              <a:t>...</a:t>
-            </a:r>
-          </a:p>
-          <a:p>
+                  <a:srgbClr val="000000"/>
+                </a:solidFill>
+                <a:latin typeface="Courier New" panose="02070309020205020404" pitchFamily="49" charset="0"/>
+              </a:rPr>
+              <a:t>] =... </a:t>
+            </a:r>
+            <a:r>
+              <a:rPr lang="en-US" sz="1200" b="0" i="0" u="none" strike="noStrike" baseline="0" dirty="0" err="1">
+                <a:solidFill>
+                  <a:srgbClr val="000000"/>
+                </a:solidFill>
+                <a:latin typeface="Courier New" panose="02070309020205020404" pitchFamily="49" charset="0"/>
+              </a:rPr>
+              <a:t>fcn_VSkel_fcn_polytopeFindUnitDirectionVectors</a:t>
+            </a:r>
             <a:r>
               <a:rPr lang="en-US" sz="1200" b="0" i="0" u="none" strike="noStrike" baseline="0" dirty="0">
                 <a:solidFill>
@@ -8254,7 +8286,7 @@
                 </a:solidFill>
                 <a:latin typeface="Courier New" panose="02070309020205020404" pitchFamily="49" charset="0"/>
               </a:rPr>
-              <a:t>            </a:t>
+              <a:t>(</a:t>
             </a:r>
             <a:r>
               <a:rPr lang="en-US" sz="1200" b="0" i="0" u="none" strike="noStrike" baseline="0" dirty="0" err="1">
@@ -8263,7 +8295,7 @@
                 </a:solidFill>
                 <a:latin typeface="Courier New" panose="02070309020205020404" pitchFamily="49" charset="0"/>
               </a:rPr>
-              <a:t>half_angles</a:t>
+              <a:t>vertices,fig_num</a:t>
             </a:r>
             <a:r>
               <a:rPr lang="en-US" sz="1200" b="0" i="0" u="none" strike="noStrike" baseline="0" dirty="0">
@@ -8272,132 +8304,17 @@
                 </a:solidFill>
                 <a:latin typeface="Courier New" panose="02070309020205020404" pitchFamily="49" charset="0"/>
               </a:rPr>
-              <a:t>,</a:t>
-            </a:r>
-            <a:r>
-              <a:rPr lang="en-US" sz="1200" b="0" i="0" u="none" strike="noStrike" baseline="0" dirty="0">
-                <a:solidFill>
-                  <a:srgbClr val="0E00FF"/>
-                </a:solidFill>
-                <a:latin typeface="Courier New" panose="02070309020205020404" pitchFamily="49" charset="0"/>
-              </a:rPr>
-              <a:t>...</a:t>
-            </a:r>
-          </a:p>
-          <a:p>
-            <a:r>
-              <a:rPr lang="en-US" sz="1200" b="0" i="0" u="none" strike="noStrike" baseline="0" dirty="0">
-                <a:solidFill>
-                  <a:srgbClr val="000000"/>
-                </a:solidFill>
-                <a:latin typeface="Courier New" panose="02070309020205020404" pitchFamily="49" charset="0"/>
-              </a:rPr>
-              <a:t>            </a:t>
-            </a:r>
-            <a:r>
-              <a:rPr lang="en-US" sz="1200" b="0" i="0" u="none" strike="noStrike" baseline="0" dirty="0" err="1">
-                <a:solidFill>
-                  <a:srgbClr val="000000"/>
-                </a:solidFill>
-                <a:latin typeface="Courier New" panose="02070309020205020404" pitchFamily="49" charset="0"/>
-              </a:rPr>
-              <a:t>distances_vertex_to_vertex</a:t>
-            </a:r>
-            <a:r>
-              <a:rPr lang="en-US" sz="1200" b="0" i="0" u="none" strike="noStrike" baseline="0" dirty="0">
-                <a:solidFill>
-                  <a:srgbClr val="000000"/>
-                </a:solidFill>
-                <a:latin typeface="Courier New" panose="02070309020205020404" pitchFamily="49" charset="0"/>
-              </a:rPr>
-              <a:t>,</a:t>
-            </a:r>
-            <a:r>
-              <a:rPr lang="en-US" sz="1200" b="0" i="0" u="none" strike="noStrike" baseline="0" dirty="0">
-                <a:solidFill>
-                  <a:srgbClr val="0E00FF"/>
-                </a:solidFill>
-                <a:latin typeface="Courier New" panose="02070309020205020404" pitchFamily="49" charset="0"/>
-              </a:rPr>
-              <a:t>...</a:t>
-            </a:r>
-          </a:p>
-          <a:p>
-            <a:r>
-              <a:rPr lang="en-US" sz="1200" b="0" i="0" u="none" strike="noStrike" baseline="0" dirty="0">
-                <a:solidFill>
-                  <a:srgbClr val="000000"/>
-                </a:solidFill>
-                <a:latin typeface="Courier New" panose="02070309020205020404" pitchFamily="49" charset="0"/>
-              </a:rPr>
-              <a:t>            </a:t>
-            </a:r>
-            <a:r>
-              <a:rPr lang="en-US" sz="1200" b="0" i="0" u="none" strike="noStrike" baseline="0" dirty="0" err="1">
-                <a:solidFill>
-                  <a:srgbClr val="000000"/>
-                </a:solidFill>
-                <a:latin typeface="Courier New" panose="02070309020205020404" pitchFamily="49" charset="0"/>
-              </a:rPr>
-              <a:t>unit_vectors_vertex_to_vertex</a:t>
-            </a:r>
-            <a:r>
-              <a:rPr lang="en-US" sz="1200" b="0" i="0" u="none" strike="noStrike" baseline="0" dirty="0">
-                <a:solidFill>
-                  <a:srgbClr val="000000"/>
-                </a:solidFill>
-                <a:latin typeface="Courier New" panose="02070309020205020404" pitchFamily="49" charset="0"/>
-              </a:rPr>
-              <a:t>] = </a:t>
-            </a:r>
-            <a:r>
-              <a:rPr lang="en-US" sz="1200" b="0" i="0" u="none" strike="noStrike" baseline="0" dirty="0">
-                <a:solidFill>
-                  <a:srgbClr val="0E00FF"/>
-                </a:solidFill>
-                <a:latin typeface="Courier New" panose="02070309020205020404" pitchFamily="49" charset="0"/>
-              </a:rPr>
-              <a:t>...</a:t>
-            </a:r>
-          </a:p>
-          <a:p>
-            <a:r>
-              <a:rPr lang="en-US" sz="1200" b="0" i="0" u="none" strike="noStrike" baseline="0" dirty="0">
-                <a:solidFill>
-                  <a:srgbClr val="000000"/>
-                </a:solidFill>
-                <a:latin typeface="Courier New" panose="02070309020205020404" pitchFamily="49" charset="0"/>
-              </a:rPr>
-              <a:t>            </a:t>
-            </a:r>
-            <a:r>
-              <a:rPr lang="en-US" sz="1200" b="0" i="0" u="none" strike="noStrike" baseline="0" dirty="0" err="1">
-                <a:solidFill>
-                  <a:srgbClr val="000000"/>
-                </a:solidFill>
-                <a:latin typeface="Courier New" panose="02070309020205020404" pitchFamily="49" charset="0"/>
-              </a:rPr>
-              <a:t>INTERNAL_fcn_findUnitDirectionVectors</a:t>
-            </a:r>
-            <a:r>
-              <a:rPr lang="en-US" sz="1200" b="0" i="0" u="none" strike="noStrike" baseline="0" dirty="0">
-                <a:solidFill>
-                  <a:srgbClr val="000000"/>
-                </a:solidFill>
-                <a:latin typeface="Courier New" panose="02070309020205020404" pitchFamily="49" charset="0"/>
-              </a:rPr>
-              <a:t>(working_vertices,333);</a:t>
-            </a:r>
-            <a:endParaRPr lang="en-US" sz="1200" dirty="0"/>
+              <a:t>);</a:t>
+            </a:r>
           </a:p>
         </p:txBody>
       </p:sp>
       <p:pic>
         <p:nvPicPr>
-          <p:cNvPr id="10" name="Picture 9">
+          <p:cNvPr id="8" name="Picture 7">
             <a:extLst>
               <a:ext uri="{FF2B5EF4-FFF2-40B4-BE49-F238E27FC236}">
-                <a16:creationId xmlns:a16="http://schemas.microsoft.com/office/drawing/2014/main" id="{CDD11AA6-FFD8-AD38-7F03-2743CC0D6116}"/>
+                <a16:creationId xmlns:a16="http://schemas.microsoft.com/office/drawing/2014/main" id="{1BCC176B-9E58-60FC-DFA1-5852A85B4023}"/>
               </a:ext>
             </a:extLst>
           </p:cNvPr>
@@ -8414,7 +8331,7 @@
         </p:blipFill>
         <p:spPr>
           <a:xfrm>
-            <a:off x="5834269" y="2857500"/>
+            <a:off x="6525294" y="1428750"/>
             <a:ext cx="5334000" cy="4000500"/>
           </a:xfrm>
           <a:prstGeom prst="rect">
@@ -8557,7 +8474,9 @@
           </a:xfrm>
         </p:spPr>
         <p:txBody>
-          <a:bodyPr/>
+          <a:bodyPr>
+            <a:normAutofit fontScale="92500" lnSpcReduction="10000"/>
+          </a:bodyPr>
           <a:lstStyle/>
           <a:p>
             <a:pPr marL="0" indent="0">
@@ -8573,15 +8492,19 @@
             </a:r>
             <a:r>
               <a:rPr lang="en-US" sz="2800" dirty="0"/>
-              <a:t>, this vertex will always be on the centerline of any circle center that is tangent to both </a:t>
+              <a:t>, this vertex will always be on the centerline of any circle center that is tangent to edges to the right and left, </a:t>
+            </a:r>
+            <a:r>
+              <a:rPr lang="en-US" dirty="0" err="1"/>
+              <a:t>e</a:t>
             </a:r>
             <a:r>
               <a:rPr lang="en-US" sz="2800" dirty="0" err="1"/>
-              <a:t>n_i</a:t>
+              <a:t>_i</a:t>
             </a:r>
             <a:r>
               <a:rPr lang="en-US" sz="2800" dirty="0"/>
-              <a:t> and n_i-1. So a projection from another edge must intersect </a:t>
+              <a:t> and e_i-1. So a projection from another edge must intersect </a:t>
             </a:r>
             <a:r>
               <a:rPr lang="en-US" sz="2800" dirty="0" err="1"/>
@@ -8589,7 +8512,7 @@
             </a:r>
             <a:r>
               <a:rPr lang="en-US" sz="2800" dirty="0"/>
-              <a:t> such that the orthogonal distance between both are equal. Note that this method works for any dimension (2D, 3D, 4D, etc.)</a:t>
+              <a:t> such that the orthogonal distance between both are equal. Note that this method works for any dimension (2D, 3D, and maybe 4+ D)</a:t>
             </a:r>
             <a:endParaRPr lang="en-US" dirty="0"/>
           </a:p>
@@ -9488,8 +9411,8 @@
           </p:sp>
         </mc:Fallback>
       </mc:AlternateContent>
-      <mc:AlternateContent xmlns:mc="http://schemas.openxmlformats.org/markup-compatibility/2006" xmlns:a14="http://schemas.microsoft.com/office/drawing/2010/main">
-        <mc:Choice Requires="a14">
+      <mc:AlternateContent xmlns:mc="http://schemas.openxmlformats.org/markup-compatibility/2006">
+        <mc:Choice xmlns:a14="http://schemas.microsoft.com/office/drawing/2010/main" Requires="a14">
           <p:sp>
             <p:nvSpPr>
               <p:cNvPr id="35" name="TextBox 34">
@@ -9721,49 +9644,6 @@
                                   </m:sSub>
                                 </m:e>
                               </m:acc>
-                              <m:r>
-                                <a:rPr lang="en-US" i="1">
-                                  <a:latin typeface="Cambria Math" panose="02040503050406030204" pitchFamily="18" charset="0"/>
-                                </a:rPr>
-                                <m:t>⋅</m:t>
-                              </m:r>
-                              <m:acc>
-                                <m:accPr>
-                                  <m:chr m:val="̂"/>
-                                  <m:ctrlPr>
-                                    <a:rPr lang="en-US" i="1">
-                                      <a:latin typeface="Cambria Math" panose="02040503050406030204" pitchFamily="18" charset="0"/>
-                                    </a:rPr>
-                                  </m:ctrlPr>
-                                </m:accPr>
-                                <m:e>
-                                  <m:sSub>
-                                    <m:sSubPr>
-                                      <m:ctrlPr>
-                                        <a:rPr lang="en-US" i="1">
-                                          <a:latin typeface="Cambria Math" panose="02040503050406030204" pitchFamily="18" charset="0"/>
-                                        </a:rPr>
-                                      </m:ctrlPr>
-                                    </m:sSubPr>
-                                    <m:e>
-                                      <m:r>
-                                        <a:rPr lang="en-US" i="1">
-                                          <a:latin typeface="Cambria Math" panose="02040503050406030204" pitchFamily="18" charset="0"/>
-                                        </a:rPr>
-                                        <m:t>𝑛</m:t>
-                                      </m:r>
-                                    </m:e>
-                                    <m:sub>
-                                      <m:r>
-                                        <a:rPr lang="en-US" i="1">
-                                          <a:latin typeface="Cambria Math" panose="02040503050406030204" pitchFamily="18" charset="0"/>
-                                        </a:rPr>
-                                        <m:t>𝑖</m:t>
-                                      </m:r>
-                                    </m:sub>
-                                  </m:sSub>
-                                </m:e>
-                              </m:acc>
                             </m:e>
                           </m:d>
                           <m:r>
@@ -9853,7 +9733,7 @@
             </p:txBody>
           </p:sp>
         </mc:Choice>
-        <mc:Fallback xmlns="">
+        <mc:Fallback>
           <p:sp>
             <p:nvSpPr>
               <p:cNvPr id="35" name="TextBox 34">
@@ -9879,7 +9759,7 @@
               <a:blipFill>
                 <a:blip r:embed="rId7"/>
                 <a:stretch>
-                  <a:fillRect r="-130"/>
+                  <a:fillRect/>
                 </a:stretch>
               </a:blipFill>
             </p:spPr>
@@ -9994,6 +9874,2235 @@
 </file>
 
 <file path=ppt/slides/slide26.xml><?xml version="1.0" encoding="utf-8"?>
+<p:sld xmlns:a="http://schemas.openxmlformats.org/drawingml/2006/main" xmlns:r="http://schemas.openxmlformats.org/officeDocument/2006/relationships" xmlns:p="http://schemas.openxmlformats.org/presentationml/2006/main">
+  <p:cSld>
+    <p:spTree>
+      <p:nvGrpSpPr>
+        <p:cNvPr id="1" name=""/>
+        <p:cNvGrpSpPr/>
+        <p:nvPr/>
+      </p:nvGrpSpPr>
+      <p:grpSpPr>
+        <a:xfrm>
+          <a:off x="0" y="0"/>
+          <a:ext cx="0" cy="0"/>
+          <a:chOff x="0" y="0"/>
+          <a:chExt cx="0" cy="0"/>
+        </a:xfrm>
+      </p:grpSpPr>
+      <p:sp>
+        <p:nvSpPr>
+          <p:cNvPr id="2" name="Title 1">
+            <a:extLst>
+              <a:ext uri="{FF2B5EF4-FFF2-40B4-BE49-F238E27FC236}">
+                <a16:creationId xmlns:a16="http://schemas.microsoft.com/office/drawing/2014/main" id="{7309D7AC-CDAA-C652-1078-6B82B4DF8597}"/>
+              </a:ext>
+            </a:extLst>
+          </p:cNvPr>
+          <p:cNvSpPr>
+            <a:spLocks noGrp="1"/>
+          </p:cNvSpPr>
+          <p:nvPr>
+            <p:ph type="title"/>
+          </p:nvPr>
+        </p:nvSpPr>
+        <p:spPr/>
+        <p:txBody>
+          <a:bodyPr>
+            <a:normAutofit fontScale="90000"/>
+          </a:bodyPr>
+          <a:lstStyle/>
+          <a:p>
+            <a:r>
+              <a:rPr lang="en-US" dirty="0"/>
+              <a:t>This can be solved to determine the projection distance, d, and radius from vertex </a:t>
+            </a:r>
+            <a:r>
+              <a:rPr lang="en-US" dirty="0" err="1"/>
+              <a:t>i</a:t>
+            </a:r>
+            <a:r>
+              <a:rPr lang="en-US" dirty="0"/>
+              <a:t> to edge j</a:t>
+            </a:r>
+          </a:p>
+        </p:txBody>
+      </p:sp>
+      <p:sp>
+        <p:nvSpPr>
+          <p:cNvPr id="3" name="Content Placeholder 2">
+            <a:extLst>
+              <a:ext uri="{FF2B5EF4-FFF2-40B4-BE49-F238E27FC236}">
+                <a16:creationId xmlns:a16="http://schemas.microsoft.com/office/drawing/2014/main" id="{340F2101-0D5B-553E-4D25-A72EF0909982}"/>
+              </a:ext>
+            </a:extLst>
+          </p:cNvPr>
+          <p:cNvSpPr>
+            <a:spLocks noGrp="1"/>
+          </p:cNvSpPr>
+          <p:nvPr>
+            <p:ph idx="1"/>
+          </p:nvPr>
+        </p:nvSpPr>
+        <p:spPr/>
+        <p:txBody>
+          <a:bodyPr/>
+          <a:lstStyle/>
+          <a:p>
+            <a:pPr marL="0" indent="0">
+              <a:buNone/>
+            </a:pPr>
+            <a:r>
+              <a:rPr lang="en-US" dirty="0"/>
+              <a:t>The projection distance, d:</a:t>
+            </a:r>
+          </a:p>
+          <a:p>
+            <a:pPr marL="0" indent="0">
+              <a:buNone/>
+            </a:pPr>
+            <a:endParaRPr lang="en-US" dirty="0"/>
+          </a:p>
+          <a:p>
+            <a:pPr marL="0" indent="0">
+              <a:buNone/>
+            </a:pPr>
+            <a:endParaRPr lang="en-US" dirty="0"/>
+          </a:p>
+          <a:p>
+            <a:pPr marL="0" indent="0">
+              <a:buNone/>
+            </a:pPr>
+            <a:endParaRPr lang="en-US" dirty="0"/>
+          </a:p>
+          <a:p>
+            <a:pPr marL="0" indent="0">
+              <a:buNone/>
+            </a:pPr>
+            <a:endParaRPr lang="en-US" dirty="0"/>
+          </a:p>
+          <a:p>
+            <a:pPr marL="0" indent="0">
+              <a:buNone/>
+            </a:pPr>
+            <a:endParaRPr lang="en-US" dirty="0"/>
+          </a:p>
+          <a:p>
+            <a:pPr marL="0" indent="0">
+              <a:buNone/>
+            </a:pPr>
+            <a:r>
+              <a:rPr lang="en-US" dirty="0"/>
+              <a:t>The radius:</a:t>
+            </a:r>
+          </a:p>
+        </p:txBody>
+      </p:sp>
+      <mc:AlternateContent xmlns:mc="http://schemas.openxmlformats.org/markup-compatibility/2006">
+        <mc:Choice xmlns:a14="http://schemas.microsoft.com/office/drawing/2010/main" Requires="a14">
+          <p:sp>
+            <p:nvSpPr>
+              <p:cNvPr id="4" name="TextBox 3">
+                <a:extLst>
+                  <a:ext uri="{FF2B5EF4-FFF2-40B4-BE49-F238E27FC236}">
+                    <a16:creationId xmlns:a16="http://schemas.microsoft.com/office/drawing/2014/main" id="{C7F8782B-D637-116A-DC62-B3EEFCA8169C}"/>
+                  </a:ext>
+                </a:extLst>
+              </p:cNvPr>
+              <p:cNvSpPr txBox="1"/>
+              <p:nvPr/>
+            </p:nvSpPr>
+            <p:spPr>
+              <a:xfrm>
+                <a:off x="5085112" y="1825625"/>
+                <a:ext cx="4693228" cy="3387530"/>
+              </a:xfrm>
+              <a:prstGeom prst="rect">
+                <a:avLst/>
+              </a:prstGeom>
+              <a:noFill/>
+            </p:spPr>
+            <p:txBody>
+              <a:bodyPr wrap="square">
+                <a:spAutoFit/>
+              </a:bodyPr>
+              <a:lstStyle/>
+              <a:p>
+                <a:pPr/>
+                <a14:m>
+                  <m:oMathPara xmlns:m="http://schemas.openxmlformats.org/officeDocument/2006/math">
+                    <m:oMathParaPr>
+                      <m:jc m:val="centerGroup"/>
+                    </m:oMathParaPr>
+                    <m:oMath xmlns:m="http://schemas.openxmlformats.org/officeDocument/2006/math">
+                      <m:r>
+                        <a:rPr lang="en-US" b="0" i="1" smtClean="0">
+                          <a:latin typeface="Cambria Math" panose="02040503050406030204" pitchFamily="18" charset="0"/>
+                        </a:rPr>
+                        <m:t>𝑑</m:t>
+                      </m:r>
+                      <m:r>
+                        <a:rPr lang="en-US" b="0" i="1" smtClean="0">
+                          <a:latin typeface="Cambria Math" panose="02040503050406030204" pitchFamily="18" charset="0"/>
+                        </a:rPr>
+                        <m:t>⋅</m:t>
+                      </m:r>
+                      <m:acc>
+                        <m:accPr>
+                          <m:chr m:val="̂"/>
+                          <m:ctrlPr>
+                            <a:rPr lang="en-US" b="0" i="1" smtClean="0">
+                              <a:latin typeface="Cambria Math" panose="02040503050406030204" pitchFamily="18" charset="0"/>
+                            </a:rPr>
+                          </m:ctrlPr>
+                        </m:accPr>
+                        <m:e>
+                          <m:sSub>
+                            <m:sSubPr>
+                              <m:ctrlPr>
+                                <a:rPr lang="en-US" i="1">
+                                  <a:latin typeface="Cambria Math" panose="02040503050406030204" pitchFamily="18" charset="0"/>
+                                </a:rPr>
+                              </m:ctrlPr>
+                            </m:sSubPr>
+                            <m:e>
+                              <m:r>
+                                <a:rPr lang="en-US" i="1">
+                                  <a:latin typeface="Cambria Math" panose="02040503050406030204" pitchFamily="18" charset="0"/>
+                                </a:rPr>
+                                <m:t>𝑣</m:t>
+                              </m:r>
+                            </m:e>
+                            <m:sub>
+                              <m:r>
+                                <a:rPr lang="en-US" i="1">
+                                  <a:latin typeface="Cambria Math" panose="02040503050406030204" pitchFamily="18" charset="0"/>
+                                </a:rPr>
+                                <m:t>𝑖</m:t>
+                              </m:r>
+                            </m:sub>
+                          </m:sSub>
+                        </m:e>
+                      </m:acc>
+                      <m:r>
+                        <a:rPr lang="en-US" b="0" i="1" smtClean="0">
+                          <a:latin typeface="Cambria Math" panose="02040503050406030204" pitchFamily="18" charset="0"/>
+                        </a:rPr>
+                        <m:t>⋅</m:t>
+                      </m:r>
+                      <m:acc>
+                        <m:accPr>
+                          <m:chr m:val="̂"/>
+                          <m:ctrlPr>
+                            <a:rPr lang="en-US" i="1">
+                              <a:latin typeface="Cambria Math" panose="02040503050406030204" pitchFamily="18" charset="0"/>
+                            </a:rPr>
+                          </m:ctrlPr>
+                        </m:accPr>
+                        <m:e>
+                          <m:sSub>
+                            <m:sSubPr>
+                              <m:ctrlPr>
+                                <a:rPr lang="en-US" i="1">
+                                  <a:latin typeface="Cambria Math" panose="02040503050406030204" pitchFamily="18" charset="0"/>
+                                </a:rPr>
+                              </m:ctrlPr>
+                            </m:sSubPr>
+                            <m:e>
+                              <m:r>
+                                <a:rPr lang="en-US" b="0" i="1" smtClean="0">
+                                  <a:latin typeface="Cambria Math" panose="02040503050406030204" pitchFamily="18" charset="0"/>
+                                </a:rPr>
+                                <m:t>𝑛</m:t>
+                              </m:r>
+                            </m:e>
+                            <m:sub>
+                              <m:r>
+                                <a:rPr lang="en-US" i="1">
+                                  <a:latin typeface="Cambria Math" panose="02040503050406030204" pitchFamily="18" charset="0"/>
+                                </a:rPr>
+                                <m:t>𝑖</m:t>
+                              </m:r>
+                            </m:sub>
+                          </m:sSub>
+                        </m:e>
+                      </m:acc>
+                      <m:r>
+                        <a:rPr lang="en-US" b="0" i="1" smtClean="0">
+                          <a:latin typeface="Cambria Math" panose="02040503050406030204" pitchFamily="18" charset="0"/>
+                        </a:rPr>
+                        <m:t>=</m:t>
+                      </m:r>
+                      <m:d>
+                        <m:dPr>
+                          <m:ctrlPr>
+                            <a:rPr lang="en-US" b="0" i="1" smtClean="0">
+                              <a:latin typeface="Cambria Math" panose="02040503050406030204" pitchFamily="18" charset="0"/>
+                            </a:rPr>
+                          </m:ctrlPr>
+                        </m:dPr>
+                        <m:e>
+                          <m:d>
+                            <m:dPr>
+                              <m:ctrlPr>
+                                <a:rPr lang="en-US" i="1">
+                                  <a:latin typeface="Cambria Math" panose="02040503050406030204" pitchFamily="18" charset="0"/>
+                                </a:rPr>
+                              </m:ctrlPr>
+                            </m:dPr>
+                            <m:e>
+                              <m:sSub>
+                                <m:sSubPr>
+                                  <m:ctrlPr>
+                                    <a:rPr lang="en-US" i="1">
+                                      <a:latin typeface="Cambria Math" panose="02040503050406030204" pitchFamily="18" charset="0"/>
+                                    </a:rPr>
+                                  </m:ctrlPr>
+                                </m:sSubPr>
+                                <m:e>
+                                  <m:r>
+                                    <a:rPr lang="en-US" i="1">
+                                      <a:latin typeface="Cambria Math" panose="02040503050406030204" pitchFamily="18" charset="0"/>
+                                    </a:rPr>
+                                    <m:t>𝑝</m:t>
+                                  </m:r>
+                                </m:e>
+                                <m:sub>
+                                  <m:r>
+                                    <a:rPr lang="en-US" i="1">
+                                      <a:latin typeface="Cambria Math" panose="02040503050406030204" pitchFamily="18" charset="0"/>
+                                    </a:rPr>
+                                    <m:t>𝑖</m:t>
+                                  </m:r>
+                                </m:sub>
+                              </m:sSub>
+                              <m:r>
+                                <a:rPr lang="en-US" i="1">
+                                  <a:latin typeface="Cambria Math" panose="02040503050406030204" pitchFamily="18" charset="0"/>
+                                </a:rPr>
+                                <m:t>+</m:t>
+                              </m:r>
+                              <m:r>
+                                <a:rPr lang="en-US" i="1">
+                                  <a:latin typeface="Cambria Math" panose="02040503050406030204" pitchFamily="18" charset="0"/>
+                                </a:rPr>
+                                <m:t>𝑑</m:t>
+                              </m:r>
+                              <m:r>
+                                <a:rPr lang="en-US" i="1">
+                                  <a:latin typeface="Cambria Math" panose="02040503050406030204" pitchFamily="18" charset="0"/>
+                                </a:rPr>
+                                <m:t>⋅</m:t>
+                              </m:r>
+                              <m:acc>
+                                <m:accPr>
+                                  <m:chr m:val="̂"/>
+                                  <m:ctrlPr>
+                                    <a:rPr lang="en-US" i="1">
+                                      <a:latin typeface="Cambria Math" panose="02040503050406030204" pitchFamily="18" charset="0"/>
+                                    </a:rPr>
+                                  </m:ctrlPr>
+                                </m:accPr>
+                                <m:e>
+                                  <m:sSub>
+                                    <m:sSubPr>
+                                      <m:ctrlPr>
+                                        <a:rPr lang="en-US" i="1">
+                                          <a:latin typeface="Cambria Math" panose="02040503050406030204" pitchFamily="18" charset="0"/>
+                                        </a:rPr>
+                                      </m:ctrlPr>
+                                    </m:sSubPr>
+                                    <m:e>
+                                      <m:r>
+                                        <a:rPr lang="en-US" i="1">
+                                          <a:latin typeface="Cambria Math" panose="02040503050406030204" pitchFamily="18" charset="0"/>
+                                        </a:rPr>
+                                        <m:t>𝑣</m:t>
+                                      </m:r>
+                                    </m:e>
+                                    <m:sub>
+                                      <m:r>
+                                        <a:rPr lang="en-US" i="1">
+                                          <a:latin typeface="Cambria Math" panose="02040503050406030204" pitchFamily="18" charset="0"/>
+                                        </a:rPr>
+                                        <m:t>𝑖</m:t>
+                                      </m:r>
+                                    </m:sub>
+                                  </m:sSub>
+                                </m:e>
+                              </m:acc>
+                            </m:e>
+                          </m:d>
+                          <m:r>
+                            <a:rPr lang="en-US" i="1">
+                              <a:latin typeface="Cambria Math" panose="02040503050406030204" pitchFamily="18" charset="0"/>
+                            </a:rPr>
+                            <m:t>−</m:t>
+                          </m:r>
+                          <m:sSub>
+                            <m:sSubPr>
+                              <m:ctrlPr>
+                                <a:rPr lang="en-US" i="1">
+                                  <a:latin typeface="Cambria Math" panose="02040503050406030204" pitchFamily="18" charset="0"/>
+                                </a:rPr>
+                              </m:ctrlPr>
+                            </m:sSubPr>
+                            <m:e>
+                              <m:r>
+                                <a:rPr lang="en-US" i="1">
+                                  <a:latin typeface="Cambria Math" panose="02040503050406030204" pitchFamily="18" charset="0"/>
+                                </a:rPr>
+                                <m:t>𝑝</m:t>
+                              </m:r>
+                            </m:e>
+                            <m:sub>
+                              <m:r>
+                                <a:rPr lang="en-US" i="1">
+                                  <a:latin typeface="Cambria Math" panose="02040503050406030204" pitchFamily="18" charset="0"/>
+                                </a:rPr>
+                                <m:t>𝑗</m:t>
+                              </m:r>
+                            </m:sub>
+                          </m:sSub>
+                        </m:e>
+                      </m:d>
+                      <m:r>
+                        <a:rPr lang="en-US" b="0" i="1" smtClean="0">
+                          <a:latin typeface="Cambria Math" panose="02040503050406030204" pitchFamily="18" charset="0"/>
+                        </a:rPr>
+                        <m:t>⋅</m:t>
+                      </m:r>
+                      <m:acc>
+                        <m:accPr>
+                          <m:chr m:val="̂"/>
+                          <m:ctrlPr>
+                            <a:rPr lang="en-US" i="1">
+                              <a:latin typeface="Cambria Math" panose="02040503050406030204" pitchFamily="18" charset="0"/>
+                            </a:rPr>
+                          </m:ctrlPr>
+                        </m:accPr>
+                        <m:e>
+                          <m:sSub>
+                            <m:sSubPr>
+                              <m:ctrlPr>
+                                <a:rPr lang="en-US" i="1">
+                                  <a:latin typeface="Cambria Math" panose="02040503050406030204" pitchFamily="18" charset="0"/>
+                                </a:rPr>
+                              </m:ctrlPr>
+                            </m:sSubPr>
+                            <m:e>
+                              <m:r>
+                                <a:rPr lang="en-US" i="1">
+                                  <a:latin typeface="Cambria Math" panose="02040503050406030204" pitchFamily="18" charset="0"/>
+                                </a:rPr>
+                                <m:t>𝑛</m:t>
+                              </m:r>
+                            </m:e>
+                            <m:sub>
+                              <m:r>
+                                <a:rPr lang="en-US" b="0" i="1" smtClean="0">
+                                  <a:latin typeface="Cambria Math" panose="02040503050406030204" pitchFamily="18" charset="0"/>
+                                </a:rPr>
+                                <m:t>𝑗</m:t>
+                              </m:r>
+                            </m:sub>
+                          </m:sSub>
+                        </m:e>
+                      </m:acc>
+                    </m:oMath>
+                  </m:oMathPara>
+                </a14:m>
+                <a:endParaRPr lang="en-US" b="0" dirty="0"/>
+              </a:p>
+              <a:p>
+                <a14:m>
+                  <m:oMathPara xmlns:m="http://schemas.openxmlformats.org/officeDocument/2006/math">
+                    <m:oMathParaPr>
+                      <m:jc m:val="centerGroup"/>
+                    </m:oMathParaPr>
+                    <m:oMath xmlns:m="http://schemas.openxmlformats.org/officeDocument/2006/math">
+                      <m:r>
+                        <a:rPr lang="en-US" b="0" i="1" smtClean="0">
+                          <a:latin typeface="Cambria Math" panose="02040503050406030204" pitchFamily="18" charset="0"/>
+                        </a:rPr>
+                        <m:t>𝑑</m:t>
+                      </m:r>
+                      <m:r>
+                        <a:rPr lang="en-US" b="0" i="1" smtClean="0">
+                          <a:latin typeface="Cambria Math" panose="02040503050406030204" pitchFamily="18" charset="0"/>
+                        </a:rPr>
+                        <m:t>⋅</m:t>
+                      </m:r>
+                      <m:acc>
+                        <m:accPr>
+                          <m:chr m:val="̂"/>
+                          <m:ctrlPr>
+                            <a:rPr lang="en-US" b="0" i="1" smtClean="0">
+                              <a:latin typeface="Cambria Math" panose="02040503050406030204" pitchFamily="18" charset="0"/>
+                            </a:rPr>
+                          </m:ctrlPr>
+                        </m:accPr>
+                        <m:e>
+                          <m:sSub>
+                            <m:sSubPr>
+                              <m:ctrlPr>
+                                <a:rPr lang="en-US" i="1">
+                                  <a:latin typeface="Cambria Math" panose="02040503050406030204" pitchFamily="18" charset="0"/>
+                                </a:rPr>
+                              </m:ctrlPr>
+                            </m:sSubPr>
+                            <m:e>
+                              <m:r>
+                                <a:rPr lang="en-US" i="1">
+                                  <a:latin typeface="Cambria Math" panose="02040503050406030204" pitchFamily="18" charset="0"/>
+                                </a:rPr>
+                                <m:t>𝑣</m:t>
+                              </m:r>
+                            </m:e>
+                            <m:sub>
+                              <m:r>
+                                <a:rPr lang="en-US" i="1">
+                                  <a:latin typeface="Cambria Math" panose="02040503050406030204" pitchFamily="18" charset="0"/>
+                                </a:rPr>
+                                <m:t>𝑖</m:t>
+                              </m:r>
+                            </m:sub>
+                          </m:sSub>
+                        </m:e>
+                      </m:acc>
+                      <m:r>
+                        <a:rPr lang="en-US" b="0" i="1" smtClean="0">
+                          <a:latin typeface="Cambria Math" panose="02040503050406030204" pitchFamily="18" charset="0"/>
+                        </a:rPr>
+                        <m:t>⋅</m:t>
+                      </m:r>
+                      <m:acc>
+                        <m:accPr>
+                          <m:chr m:val="̂"/>
+                          <m:ctrlPr>
+                            <a:rPr lang="en-US" i="1">
+                              <a:latin typeface="Cambria Math" panose="02040503050406030204" pitchFamily="18" charset="0"/>
+                            </a:rPr>
+                          </m:ctrlPr>
+                        </m:accPr>
+                        <m:e>
+                          <m:sSub>
+                            <m:sSubPr>
+                              <m:ctrlPr>
+                                <a:rPr lang="en-US" i="1">
+                                  <a:latin typeface="Cambria Math" panose="02040503050406030204" pitchFamily="18" charset="0"/>
+                                </a:rPr>
+                              </m:ctrlPr>
+                            </m:sSubPr>
+                            <m:e>
+                              <m:r>
+                                <a:rPr lang="en-US" b="0" i="1" smtClean="0">
+                                  <a:latin typeface="Cambria Math" panose="02040503050406030204" pitchFamily="18" charset="0"/>
+                                </a:rPr>
+                                <m:t>𝑛</m:t>
+                              </m:r>
+                            </m:e>
+                            <m:sub>
+                              <m:r>
+                                <a:rPr lang="en-US" i="1">
+                                  <a:latin typeface="Cambria Math" panose="02040503050406030204" pitchFamily="18" charset="0"/>
+                                </a:rPr>
+                                <m:t>𝑖</m:t>
+                              </m:r>
+                            </m:sub>
+                          </m:sSub>
+                        </m:e>
+                      </m:acc>
+                      <m:r>
+                        <a:rPr lang="en-US" b="0" i="1" smtClean="0">
+                          <a:latin typeface="Cambria Math" panose="02040503050406030204" pitchFamily="18" charset="0"/>
+                        </a:rPr>
+                        <m:t>=</m:t>
+                      </m:r>
+                      <m:d>
+                        <m:dPr>
+                          <m:ctrlPr>
+                            <a:rPr lang="en-US" b="0" i="1" smtClean="0">
+                              <a:latin typeface="Cambria Math" panose="02040503050406030204" pitchFamily="18" charset="0"/>
+                            </a:rPr>
+                          </m:ctrlPr>
+                        </m:dPr>
+                        <m:e>
+                          <m:d>
+                            <m:dPr>
+                              <m:ctrlPr>
+                                <a:rPr lang="en-US" i="1">
+                                  <a:latin typeface="Cambria Math" panose="02040503050406030204" pitchFamily="18" charset="0"/>
+                                </a:rPr>
+                              </m:ctrlPr>
+                            </m:dPr>
+                            <m:e>
+                              <m:r>
+                                <a:rPr lang="en-US" i="1">
+                                  <a:latin typeface="Cambria Math" panose="02040503050406030204" pitchFamily="18" charset="0"/>
+                                </a:rPr>
+                                <m:t>𝑑</m:t>
+                              </m:r>
+                              <m:r>
+                                <a:rPr lang="en-US" i="1">
+                                  <a:latin typeface="Cambria Math" panose="02040503050406030204" pitchFamily="18" charset="0"/>
+                                </a:rPr>
+                                <m:t>⋅</m:t>
+                              </m:r>
+                              <m:acc>
+                                <m:accPr>
+                                  <m:chr m:val="̂"/>
+                                  <m:ctrlPr>
+                                    <a:rPr lang="en-US" i="1">
+                                      <a:latin typeface="Cambria Math" panose="02040503050406030204" pitchFamily="18" charset="0"/>
+                                    </a:rPr>
+                                  </m:ctrlPr>
+                                </m:accPr>
+                                <m:e>
+                                  <m:sSub>
+                                    <m:sSubPr>
+                                      <m:ctrlPr>
+                                        <a:rPr lang="en-US" i="1">
+                                          <a:latin typeface="Cambria Math" panose="02040503050406030204" pitchFamily="18" charset="0"/>
+                                        </a:rPr>
+                                      </m:ctrlPr>
+                                    </m:sSubPr>
+                                    <m:e>
+                                      <m:r>
+                                        <a:rPr lang="en-US" i="1">
+                                          <a:latin typeface="Cambria Math" panose="02040503050406030204" pitchFamily="18" charset="0"/>
+                                        </a:rPr>
+                                        <m:t>𝑣</m:t>
+                                      </m:r>
+                                    </m:e>
+                                    <m:sub>
+                                      <m:r>
+                                        <a:rPr lang="en-US" i="1">
+                                          <a:latin typeface="Cambria Math" panose="02040503050406030204" pitchFamily="18" charset="0"/>
+                                        </a:rPr>
+                                        <m:t>𝑖</m:t>
+                                      </m:r>
+                                    </m:sub>
+                                  </m:sSub>
+                                </m:e>
+                              </m:acc>
+                            </m:e>
+                          </m:d>
+                          <m:r>
+                            <a:rPr lang="en-US" b="0" i="1" smtClean="0">
+                              <a:latin typeface="Cambria Math" panose="02040503050406030204" pitchFamily="18" charset="0"/>
+                            </a:rPr>
+                            <m:t>+</m:t>
+                          </m:r>
+                          <m:d>
+                            <m:dPr>
+                              <m:ctrlPr>
+                                <a:rPr lang="en-US" i="1" smtClean="0">
+                                  <a:latin typeface="Cambria Math" panose="02040503050406030204" pitchFamily="18" charset="0"/>
+                                </a:rPr>
+                              </m:ctrlPr>
+                            </m:dPr>
+                            <m:e>
+                              <m:sSub>
+                                <m:sSubPr>
+                                  <m:ctrlPr>
+                                    <a:rPr lang="en-US" i="1">
+                                      <a:latin typeface="Cambria Math" panose="02040503050406030204" pitchFamily="18" charset="0"/>
+                                    </a:rPr>
+                                  </m:ctrlPr>
+                                </m:sSubPr>
+                                <m:e>
+                                  <m:sSub>
+                                    <m:sSubPr>
+                                      <m:ctrlPr>
+                                        <a:rPr lang="en-US" i="1">
+                                          <a:latin typeface="Cambria Math" panose="02040503050406030204" pitchFamily="18" charset="0"/>
+                                        </a:rPr>
+                                      </m:ctrlPr>
+                                    </m:sSubPr>
+                                    <m:e>
+                                      <m:r>
+                                        <a:rPr lang="en-US" i="1">
+                                          <a:latin typeface="Cambria Math" panose="02040503050406030204" pitchFamily="18" charset="0"/>
+                                        </a:rPr>
+                                        <m:t>𝑝</m:t>
+                                      </m:r>
+                                    </m:e>
+                                    <m:sub>
+                                      <m:r>
+                                        <a:rPr lang="en-US" i="1">
+                                          <a:latin typeface="Cambria Math" panose="02040503050406030204" pitchFamily="18" charset="0"/>
+                                        </a:rPr>
+                                        <m:t>𝑖</m:t>
+                                      </m:r>
+                                    </m:sub>
+                                  </m:sSub>
+                                  <m:r>
+                                    <a:rPr lang="en-US" b="0" i="1" smtClean="0">
+                                      <a:latin typeface="Cambria Math" panose="02040503050406030204" pitchFamily="18" charset="0"/>
+                                    </a:rPr>
+                                    <m:t>−</m:t>
+                                  </m:r>
+                                  <m:r>
+                                    <a:rPr lang="en-US" i="1">
+                                      <a:latin typeface="Cambria Math" panose="02040503050406030204" pitchFamily="18" charset="0"/>
+                                    </a:rPr>
+                                    <m:t>𝑝</m:t>
+                                  </m:r>
+                                </m:e>
+                                <m:sub>
+                                  <m:r>
+                                    <a:rPr lang="en-US" i="1">
+                                      <a:latin typeface="Cambria Math" panose="02040503050406030204" pitchFamily="18" charset="0"/>
+                                    </a:rPr>
+                                    <m:t>𝑗</m:t>
+                                  </m:r>
+                                </m:sub>
+                              </m:sSub>
+                            </m:e>
+                          </m:d>
+                          <m:r>
+                            <a:rPr lang="en-US" b="0" i="1" smtClean="0">
+                              <a:latin typeface="Cambria Math" panose="02040503050406030204" pitchFamily="18" charset="0"/>
+                            </a:rPr>
+                            <m:t> </m:t>
+                          </m:r>
+                        </m:e>
+                      </m:d>
+                      <m:r>
+                        <a:rPr lang="en-US" b="0" i="1" smtClean="0">
+                          <a:latin typeface="Cambria Math" panose="02040503050406030204" pitchFamily="18" charset="0"/>
+                        </a:rPr>
+                        <m:t>⋅</m:t>
+                      </m:r>
+                      <m:acc>
+                        <m:accPr>
+                          <m:chr m:val="̂"/>
+                          <m:ctrlPr>
+                            <a:rPr lang="en-US" i="1">
+                              <a:latin typeface="Cambria Math" panose="02040503050406030204" pitchFamily="18" charset="0"/>
+                            </a:rPr>
+                          </m:ctrlPr>
+                        </m:accPr>
+                        <m:e>
+                          <m:sSub>
+                            <m:sSubPr>
+                              <m:ctrlPr>
+                                <a:rPr lang="en-US" i="1">
+                                  <a:latin typeface="Cambria Math" panose="02040503050406030204" pitchFamily="18" charset="0"/>
+                                </a:rPr>
+                              </m:ctrlPr>
+                            </m:sSubPr>
+                            <m:e>
+                              <m:r>
+                                <a:rPr lang="en-US" i="1">
+                                  <a:latin typeface="Cambria Math" panose="02040503050406030204" pitchFamily="18" charset="0"/>
+                                </a:rPr>
+                                <m:t>𝑛</m:t>
+                              </m:r>
+                            </m:e>
+                            <m:sub>
+                              <m:r>
+                                <a:rPr lang="en-US" b="0" i="1" smtClean="0">
+                                  <a:latin typeface="Cambria Math" panose="02040503050406030204" pitchFamily="18" charset="0"/>
+                                </a:rPr>
+                                <m:t>𝑗</m:t>
+                              </m:r>
+                            </m:sub>
+                          </m:sSub>
+                        </m:e>
+                      </m:acc>
+                    </m:oMath>
+                  </m:oMathPara>
+                </a14:m>
+                <a:endParaRPr lang="en-US" b="0" dirty="0"/>
+              </a:p>
+              <a:p>
+                <a14:m>
+                  <m:oMathPara xmlns:m="http://schemas.openxmlformats.org/officeDocument/2006/math">
+                    <m:oMathParaPr>
+                      <m:jc m:val="centerGroup"/>
+                    </m:oMathParaPr>
+                    <m:oMath xmlns:m="http://schemas.openxmlformats.org/officeDocument/2006/math">
+                      <m:r>
+                        <a:rPr lang="en-US" b="0" i="1" smtClean="0">
+                          <a:latin typeface="Cambria Math" panose="02040503050406030204" pitchFamily="18" charset="0"/>
+                        </a:rPr>
+                        <m:t>𝑑</m:t>
+                      </m:r>
+                      <m:r>
+                        <a:rPr lang="en-US" b="0" i="1" smtClean="0">
+                          <a:latin typeface="Cambria Math" panose="02040503050406030204" pitchFamily="18" charset="0"/>
+                        </a:rPr>
+                        <m:t>⋅</m:t>
+                      </m:r>
+                      <m:acc>
+                        <m:accPr>
+                          <m:chr m:val="̂"/>
+                          <m:ctrlPr>
+                            <a:rPr lang="en-US" b="0" i="1" smtClean="0">
+                              <a:latin typeface="Cambria Math" panose="02040503050406030204" pitchFamily="18" charset="0"/>
+                            </a:rPr>
+                          </m:ctrlPr>
+                        </m:accPr>
+                        <m:e>
+                          <m:sSub>
+                            <m:sSubPr>
+                              <m:ctrlPr>
+                                <a:rPr lang="en-US" i="1">
+                                  <a:latin typeface="Cambria Math" panose="02040503050406030204" pitchFamily="18" charset="0"/>
+                                </a:rPr>
+                              </m:ctrlPr>
+                            </m:sSubPr>
+                            <m:e>
+                              <m:r>
+                                <a:rPr lang="en-US" i="1">
+                                  <a:latin typeface="Cambria Math" panose="02040503050406030204" pitchFamily="18" charset="0"/>
+                                </a:rPr>
+                                <m:t>𝑣</m:t>
+                              </m:r>
+                            </m:e>
+                            <m:sub>
+                              <m:r>
+                                <a:rPr lang="en-US" i="1">
+                                  <a:latin typeface="Cambria Math" panose="02040503050406030204" pitchFamily="18" charset="0"/>
+                                </a:rPr>
+                                <m:t>𝑖</m:t>
+                              </m:r>
+                            </m:sub>
+                          </m:sSub>
+                        </m:e>
+                      </m:acc>
+                      <m:r>
+                        <a:rPr lang="en-US" b="0" i="1" smtClean="0">
+                          <a:latin typeface="Cambria Math" panose="02040503050406030204" pitchFamily="18" charset="0"/>
+                        </a:rPr>
+                        <m:t>⋅</m:t>
+                      </m:r>
+                      <m:acc>
+                        <m:accPr>
+                          <m:chr m:val="̂"/>
+                          <m:ctrlPr>
+                            <a:rPr lang="en-US" i="1">
+                              <a:latin typeface="Cambria Math" panose="02040503050406030204" pitchFamily="18" charset="0"/>
+                            </a:rPr>
+                          </m:ctrlPr>
+                        </m:accPr>
+                        <m:e>
+                          <m:sSub>
+                            <m:sSubPr>
+                              <m:ctrlPr>
+                                <a:rPr lang="en-US" i="1">
+                                  <a:latin typeface="Cambria Math" panose="02040503050406030204" pitchFamily="18" charset="0"/>
+                                </a:rPr>
+                              </m:ctrlPr>
+                            </m:sSubPr>
+                            <m:e>
+                              <m:r>
+                                <a:rPr lang="en-US" b="0" i="1" smtClean="0">
+                                  <a:latin typeface="Cambria Math" panose="02040503050406030204" pitchFamily="18" charset="0"/>
+                                </a:rPr>
+                                <m:t>𝑛</m:t>
+                              </m:r>
+                            </m:e>
+                            <m:sub>
+                              <m:r>
+                                <a:rPr lang="en-US" i="1">
+                                  <a:latin typeface="Cambria Math" panose="02040503050406030204" pitchFamily="18" charset="0"/>
+                                </a:rPr>
+                                <m:t>𝑖</m:t>
+                              </m:r>
+                            </m:sub>
+                          </m:sSub>
+                        </m:e>
+                      </m:acc>
+                      <m:r>
+                        <a:rPr lang="en-US" b="0" i="1" smtClean="0">
+                          <a:latin typeface="Cambria Math" panose="02040503050406030204" pitchFamily="18" charset="0"/>
+                        </a:rPr>
+                        <m:t>−</m:t>
+                      </m:r>
+                      <m:d>
+                        <m:dPr>
+                          <m:ctrlPr>
+                            <a:rPr lang="en-US" i="1">
+                              <a:latin typeface="Cambria Math" panose="02040503050406030204" pitchFamily="18" charset="0"/>
+                            </a:rPr>
+                          </m:ctrlPr>
+                        </m:dPr>
+                        <m:e>
+                          <m:r>
+                            <a:rPr lang="en-US" i="1">
+                              <a:latin typeface="Cambria Math" panose="02040503050406030204" pitchFamily="18" charset="0"/>
+                            </a:rPr>
+                            <m:t>𝑑</m:t>
+                          </m:r>
+                          <m:r>
+                            <a:rPr lang="en-US" i="1">
+                              <a:latin typeface="Cambria Math" panose="02040503050406030204" pitchFamily="18" charset="0"/>
+                            </a:rPr>
+                            <m:t>⋅</m:t>
+                          </m:r>
+                          <m:acc>
+                            <m:accPr>
+                              <m:chr m:val="̂"/>
+                              <m:ctrlPr>
+                                <a:rPr lang="en-US" i="1">
+                                  <a:latin typeface="Cambria Math" panose="02040503050406030204" pitchFamily="18" charset="0"/>
+                                </a:rPr>
+                              </m:ctrlPr>
+                            </m:accPr>
+                            <m:e>
+                              <m:sSub>
+                                <m:sSubPr>
+                                  <m:ctrlPr>
+                                    <a:rPr lang="en-US" i="1">
+                                      <a:latin typeface="Cambria Math" panose="02040503050406030204" pitchFamily="18" charset="0"/>
+                                    </a:rPr>
+                                  </m:ctrlPr>
+                                </m:sSubPr>
+                                <m:e>
+                                  <m:r>
+                                    <a:rPr lang="en-US" i="1">
+                                      <a:latin typeface="Cambria Math" panose="02040503050406030204" pitchFamily="18" charset="0"/>
+                                    </a:rPr>
+                                    <m:t>𝑣</m:t>
+                                  </m:r>
+                                </m:e>
+                                <m:sub>
+                                  <m:r>
+                                    <a:rPr lang="en-US" i="1">
+                                      <a:latin typeface="Cambria Math" panose="02040503050406030204" pitchFamily="18" charset="0"/>
+                                    </a:rPr>
+                                    <m:t>𝑖</m:t>
+                                  </m:r>
+                                </m:sub>
+                              </m:sSub>
+                            </m:e>
+                          </m:acc>
+                          <m:r>
+                            <a:rPr lang="en-US" i="1">
+                              <a:latin typeface="Cambria Math" panose="02040503050406030204" pitchFamily="18" charset="0"/>
+                            </a:rPr>
+                            <m:t>⋅</m:t>
+                          </m:r>
+                          <m:acc>
+                            <m:accPr>
+                              <m:chr m:val="̂"/>
+                              <m:ctrlPr>
+                                <a:rPr lang="en-US" i="1">
+                                  <a:latin typeface="Cambria Math" panose="02040503050406030204" pitchFamily="18" charset="0"/>
+                                </a:rPr>
+                              </m:ctrlPr>
+                            </m:accPr>
+                            <m:e>
+                              <m:sSub>
+                                <m:sSubPr>
+                                  <m:ctrlPr>
+                                    <a:rPr lang="en-US" i="1">
+                                      <a:latin typeface="Cambria Math" panose="02040503050406030204" pitchFamily="18" charset="0"/>
+                                    </a:rPr>
+                                  </m:ctrlPr>
+                                </m:sSubPr>
+                                <m:e>
+                                  <m:r>
+                                    <a:rPr lang="en-US" i="1">
+                                      <a:latin typeface="Cambria Math" panose="02040503050406030204" pitchFamily="18" charset="0"/>
+                                    </a:rPr>
+                                    <m:t>𝑛</m:t>
+                                  </m:r>
+                                </m:e>
+                                <m:sub>
+                                  <m:r>
+                                    <a:rPr lang="en-US" i="1">
+                                      <a:latin typeface="Cambria Math" panose="02040503050406030204" pitchFamily="18" charset="0"/>
+                                    </a:rPr>
+                                    <m:t>𝑗</m:t>
+                                  </m:r>
+                                </m:sub>
+                              </m:sSub>
+                            </m:e>
+                          </m:acc>
+                        </m:e>
+                      </m:d>
+                      <m:r>
+                        <a:rPr lang="en-US" b="0" i="1" smtClean="0">
+                          <a:latin typeface="Cambria Math" panose="02040503050406030204" pitchFamily="18" charset="0"/>
+                        </a:rPr>
+                        <m:t>=</m:t>
+                      </m:r>
+                      <m:d>
+                        <m:dPr>
+                          <m:ctrlPr>
+                            <a:rPr lang="en-US" i="1">
+                              <a:latin typeface="Cambria Math" panose="02040503050406030204" pitchFamily="18" charset="0"/>
+                            </a:rPr>
+                          </m:ctrlPr>
+                        </m:dPr>
+                        <m:e>
+                          <m:sSub>
+                            <m:sSubPr>
+                              <m:ctrlPr>
+                                <a:rPr lang="en-US" i="1">
+                                  <a:latin typeface="Cambria Math" panose="02040503050406030204" pitchFamily="18" charset="0"/>
+                                </a:rPr>
+                              </m:ctrlPr>
+                            </m:sSubPr>
+                            <m:e>
+                              <m:sSub>
+                                <m:sSubPr>
+                                  <m:ctrlPr>
+                                    <a:rPr lang="en-US" i="1">
+                                      <a:latin typeface="Cambria Math" panose="02040503050406030204" pitchFamily="18" charset="0"/>
+                                    </a:rPr>
+                                  </m:ctrlPr>
+                                </m:sSubPr>
+                                <m:e>
+                                  <m:r>
+                                    <a:rPr lang="en-US" i="1">
+                                      <a:latin typeface="Cambria Math" panose="02040503050406030204" pitchFamily="18" charset="0"/>
+                                    </a:rPr>
+                                    <m:t>𝑝</m:t>
+                                  </m:r>
+                                </m:e>
+                                <m:sub>
+                                  <m:r>
+                                    <a:rPr lang="en-US" i="1">
+                                      <a:latin typeface="Cambria Math" panose="02040503050406030204" pitchFamily="18" charset="0"/>
+                                    </a:rPr>
+                                    <m:t>𝑖</m:t>
+                                  </m:r>
+                                </m:sub>
+                              </m:sSub>
+                              <m:r>
+                                <a:rPr lang="en-US" i="1">
+                                  <a:latin typeface="Cambria Math" panose="02040503050406030204" pitchFamily="18" charset="0"/>
+                                </a:rPr>
+                                <m:t>−</m:t>
+                              </m:r>
+                              <m:r>
+                                <a:rPr lang="en-US" i="1">
+                                  <a:latin typeface="Cambria Math" panose="02040503050406030204" pitchFamily="18" charset="0"/>
+                                </a:rPr>
+                                <m:t>𝑝</m:t>
+                              </m:r>
+                            </m:e>
+                            <m:sub>
+                              <m:r>
+                                <a:rPr lang="en-US" i="1">
+                                  <a:latin typeface="Cambria Math" panose="02040503050406030204" pitchFamily="18" charset="0"/>
+                                </a:rPr>
+                                <m:t>𝑗</m:t>
+                              </m:r>
+                            </m:sub>
+                          </m:sSub>
+                        </m:e>
+                      </m:d>
+                      <m:r>
+                        <a:rPr lang="en-US" b="0" i="1" smtClean="0">
+                          <a:latin typeface="Cambria Math" panose="02040503050406030204" pitchFamily="18" charset="0"/>
+                        </a:rPr>
+                        <m:t>⋅</m:t>
+                      </m:r>
+                      <m:acc>
+                        <m:accPr>
+                          <m:chr m:val="̂"/>
+                          <m:ctrlPr>
+                            <a:rPr lang="en-US" i="1">
+                              <a:latin typeface="Cambria Math" panose="02040503050406030204" pitchFamily="18" charset="0"/>
+                            </a:rPr>
+                          </m:ctrlPr>
+                        </m:accPr>
+                        <m:e>
+                          <m:sSub>
+                            <m:sSubPr>
+                              <m:ctrlPr>
+                                <a:rPr lang="en-US" i="1">
+                                  <a:latin typeface="Cambria Math" panose="02040503050406030204" pitchFamily="18" charset="0"/>
+                                </a:rPr>
+                              </m:ctrlPr>
+                            </m:sSubPr>
+                            <m:e>
+                              <m:r>
+                                <a:rPr lang="en-US" i="1">
+                                  <a:latin typeface="Cambria Math" panose="02040503050406030204" pitchFamily="18" charset="0"/>
+                                </a:rPr>
+                                <m:t>𝑛</m:t>
+                              </m:r>
+                            </m:e>
+                            <m:sub>
+                              <m:r>
+                                <a:rPr lang="en-US" b="0" i="1" smtClean="0">
+                                  <a:latin typeface="Cambria Math" panose="02040503050406030204" pitchFamily="18" charset="0"/>
+                                </a:rPr>
+                                <m:t>𝑗</m:t>
+                              </m:r>
+                            </m:sub>
+                          </m:sSub>
+                        </m:e>
+                      </m:acc>
+                    </m:oMath>
+                  </m:oMathPara>
+                </a14:m>
+                <a:endParaRPr lang="en-US" b="0" dirty="0"/>
+              </a:p>
+              <a:p>
+                <a14:m>
+                  <m:oMathPara xmlns:m="http://schemas.openxmlformats.org/officeDocument/2006/math">
+                    <m:oMathParaPr>
+                      <m:jc m:val="centerGroup"/>
+                    </m:oMathParaPr>
+                    <m:oMath xmlns:m="http://schemas.openxmlformats.org/officeDocument/2006/math">
+                      <m:r>
+                        <a:rPr lang="en-US" b="0" i="1" smtClean="0">
+                          <a:latin typeface="Cambria Math" panose="02040503050406030204" pitchFamily="18" charset="0"/>
+                        </a:rPr>
+                        <m:t>𝑑</m:t>
+                      </m:r>
+                      <m:r>
+                        <a:rPr lang="en-US" b="0" i="1" smtClean="0">
+                          <a:latin typeface="Cambria Math" panose="02040503050406030204" pitchFamily="18" charset="0"/>
+                        </a:rPr>
+                        <m:t>⋅</m:t>
+                      </m:r>
+                      <m:d>
+                        <m:dPr>
+                          <m:ctrlPr>
+                            <a:rPr lang="en-US" i="1">
+                              <a:latin typeface="Cambria Math" panose="02040503050406030204" pitchFamily="18" charset="0"/>
+                            </a:rPr>
+                          </m:ctrlPr>
+                        </m:dPr>
+                        <m:e>
+                          <m:acc>
+                            <m:accPr>
+                              <m:chr m:val="̂"/>
+                              <m:ctrlPr>
+                                <a:rPr lang="en-US" i="1">
+                                  <a:latin typeface="Cambria Math" panose="02040503050406030204" pitchFamily="18" charset="0"/>
+                                </a:rPr>
+                              </m:ctrlPr>
+                            </m:accPr>
+                            <m:e>
+                              <m:sSub>
+                                <m:sSubPr>
+                                  <m:ctrlPr>
+                                    <a:rPr lang="en-US" i="1">
+                                      <a:latin typeface="Cambria Math" panose="02040503050406030204" pitchFamily="18" charset="0"/>
+                                    </a:rPr>
+                                  </m:ctrlPr>
+                                </m:sSubPr>
+                                <m:e>
+                                  <m:r>
+                                    <a:rPr lang="en-US" i="1">
+                                      <a:latin typeface="Cambria Math" panose="02040503050406030204" pitchFamily="18" charset="0"/>
+                                    </a:rPr>
+                                    <m:t>𝑣</m:t>
+                                  </m:r>
+                                </m:e>
+                                <m:sub>
+                                  <m:r>
+                                    <a:rPr lang="en-US" i="1">
+                                      <a:latin typeface="Cambria Math" panose="02040503050406030204" pitchFamily="18" charset="0"/>
+                                    </a:rPr>
+                                    <m:t>𝑖</m:t>
+                                  </m:r>
+                                </m:sub>
+                              </m:sSub>
+                            </m:e>
+                          </m:acc>
+                          <m:r>
+                            <a:rPr lang="en-US" i="1">
+                              <a:latin typeface="Cambria Math" panose="02040503050406030204" pitchFamily="18" charset="0"/>
+                            </a:rPr>
+                            <m:t>⋅</m:t>
+                          </m:r>
+                          <m:acc>
+                            <m:accPr>
+                              <m:chr m:val="̂"/>
+                              <m:ctrlPr>
+                                <a:rPr lang="en-US" i="1">
+                                  <a:latin typeface="Cambria Math" panose="02040503050406030204" pitchFamily="18" charset="0"/>
+                                </a:rPr>
+                              </m:ctrlPr>
+                            </m:accPr>
+                            <m:e>
+                              <m:sSub>
+                                <m:sSubPr>
+                                  <m:ctrlPr>
+                                    <a:rPr lang="en-US" i="1">
+                                      <a:latin typeface="Cambria Math" panose="02040503050406030204" pitchFamily="18" charset="0"/>
+                                    </a:rPr>
+                                  </m:ctrlPr>
+                                </m:sSubPr>
+                                <m:e>
+                                  <m:r>
+                                    <a:rPr lang="en-US" i="1">
+                                      <a:latin typeface="Cambria Math" panose="02040503050406030204" pitchFamily="18" charset="0"/>
+                                    </a:rPr>
+                                    <m:t>𝑛</m:t>
+                                  </m:r>
+                                </m:e>
+                                <m:sub>
+                                  <m:r>
+                                    <a:rPr lang="en-US" i="1">
+                                      <a:latin typeface="Cambria Math" panose="02040503050406030204" pitchFamily="18" charset="0"/>
+                                    </a:rPr>
+                                    <m:t>𝑖</m:t>
+                                  </m:r>
+                                </m:sub>
+                              </m:sSub>
+                            </m:e>
+                          </m:acc>
+                          <m:r>
+                            <a:rPr lang="en-US" i="1">
+                              <a:latin typeface="Cambria Math" panose="02040503050406030204" pitchFamily="18" charset="0"/>
+                            </a:rPr>
+                            <m:t>−</m:t>
+                          </m:r>
+                          <m:acc>
+                            <m:accPr>
+                              <m:chr m:val="̂"/>
+                              <m:ctrlPr>
+                                <a:rPr lang="en-US" i="1">
+                                  <a:latin typeface="Cambria Math" panose="02040503050406030204" pitchFamily="18" charset="0"/>
+                                </a:rPr>
+                              </m:ctrlPr>
+                            </m:accPr>
+                            <m:e>
+                              <m:sSub>
+                                <m:sSubPr>
+                                  <m:ctrlPr>
+                                    <a:rPr lang="en-US" i="1">
+                                      <a:latin typeface="Cambria Math" panose="02040503050406030204" pitchFamily="18" charset="0"/>
+                                    </a:rPr>
+                                  </m:ctrlPr>
+                                </m:sSubPr>
+                                <m:e>
+                                  <m:r>
+                                    <a:rPr lang="en-US" i="1">
+                                      <a:latin typeface="Cambria Math" panose="02040503050406030204" pitchFamily="18" charset="0"/>
+                                    </a:rPr>
+                                    <m:t>𝑣</m:t>
+                                  </m:r>
+                                </m:e>
+                                <m:sub>
+                                  <m:r>
+                                    <a:rPr lang="en-US" i="1">
+                                      <a:latin typeface="Cambria Math" panose="02040503050406030204" pitchFamily="18" charset="0"/>
+                                    </a:rPr>
+                                    <m:t>𝑖</m:t>
+                                  </m:r>
+                                </m:sub>
+                              </m:sSub>
+                            </m:e>
+                          </m:acc>
+                          <m:r>
+                            <a:rPr lang="en-US" i="1">
+                              <a:latin typeface="Cambria Math" panose="02040503050406030204" pitchFamily="18" charset="0"/>
+                            </a:rPr>
+                            <m:t>⋅</m:t>
+                          </m:r>
+                          <m:acc>
+                            <m:accPr>
+                              <m:chr m:val="̂"/>
+                              <m:ctrlPr>
+                                <a:rPr lang="en-US" i="1">
+                                  <a:latin typeface="Cambria Math" panose="02040503050406030204" pitchFamily="18" charset="0"/>
+                                </a:rPr>
+                              </m:ctrlPr>
+                            </m:accPr>
+                            <m:e>
+                              <m:sSub>
+                                <m:sSubPr>
+                                  <m:ctrlPr>
+                                    <a:rPr lang="en-US" i="1">
+                                      <a:latin typeface="Cambria Math" panose="02040503050406030204" pitchFamily="18" charset="0"/>
+                                    </a:rPr>
+                                  </m:ctrlPr>
+                                </m:sSubPr>
+                                <m:e>
+                                  <m:r>
+                                    <a:rPr lang="en-US" i="1">
+                                      <a:latin typeface="Cambria Math" panose="02040503050406030204" pitchFamily="18" charset="0"/>
+                                    </a:rPr>
+                                    <m:t>𝑛</m:t>
+                                  </m:r>
+                                </m:e>
+                                <m:sub>
+                                  <m:r>
+                                    <a:rPr lang="en-US" i="1">
+                                      <a:latin typeface="Cambria Math" panose="02040503050406030204" pitchFamily="18" charset="0"/>
+                                    </a:rPr>
+                                    <m:t>𝑗</m:t>
+                                  </m:r>
+                                </m:sub>
+                              </m:sSub>
+                            </m:e>
+                          </m:acc>
+                        </m:e>
+                      </m:d>
+                      <m:r>
+                        <a:rPr lang="en-US" b="0" i="1" smtClean="0">
+                          <a:latin typeface="Cambria Math" panose="02040503050406030204" pitchFamily="18" charset="0"/>
+                        </a:rPr>
+                        <m:t>=</m:t>
+                      </m:r>
+                      <m:d>
+                        <m:dPr>
+                          <m:ctrlPr>
+                            <a:rPr lang="en-US" i="1">
+                              <a:latin typeface="Cambria Math" panose="02040503050406030204" pitchFamily="18" charset="0"/>
+                            </a:rPr>
+                          </m:ctrlPr>
+                        </m:dPr>
+                        <m:e>
+                          <m:sSub>
+                            <m:sSubPr>
+                              <m:ctrlPr>
+                                <a:rPr lang="en-US" i="1">
+                                  <a:latin typeface="Cambria Math" panose="02040503050406030204" pitchFamily="18" charset="0"/>
+                                </a:rPr>
+                              </m:ctrlPr>
+                            </m:sSubPr>
+                            <m:e>
+                              <m:sSub>
+                                <m:sSubPr>
+                                  <m:ctrlPr>
+                                    <a:rPr lang="en-US" i="1">
+                                      <a:latin typeface="Cambria Math" panose="02040503050406030204" pitchFamily="18" charset="0"/>
+                                    </a:rPr>
+                                  </m:ctrlPr>
+                                </m:sSubPr>
+                                <m:e>
+                                  <m:r>
+                                    <a:rPr lang="en-US" i="1">
+                                      <a:latin typeface="Cambria Math" panose="02040503050406030204" pitchFamily="18" charset="0"/>
+                                    </a:rPr>
+                                    <m:t>𝑝</m:t>
+                                  </m:r>
+                                </m:e>
+                                <m:sub>
+                                  <m:r>
+                                    <a:rPr lang="en-US" i="1">
+                                      <a:latin typeface="Cambria Math" panose="02040503050406030204" pitchFamily="18" charset="0"/>
+                                    </a:rPr>
+                                    <m:t>𝑖</m:t>
+                                  </m:r>
+                                </m:sub>
+                              </m:sSub>
+                              <m:r>
+                                <a:rPr lang="en-US" i="1">
+                                  <a:latin typeface="Cambria Math" panose="02040503050406030204" pitchFamily="18" charset="0"/>
+                                </a:rPr>
+                                <m:t>−</m:t>
+                              </m:r>
+                              <m:r>
+                                <a:rPr lang="en-US" i="1">
+                                  <a:latin typeface="Cambria Math" panose="02040503050406030204" pitchFamily="18" charset="0"/>
+                                </a:rPr>
+                                <m:t>𝑝</m:t>
+                              </m:r>
+                            </m:e>
+                            <m:sub>
+                              <m:r>
+                                <a:rPr lang="en-US" i="1">
+                                  <a:latin typeface="Cambria Math" panose="02040503050406030204" pitchFamily="18" charset="0"/>
+                                </a:rPr>
+                                <m:t>𝑗</m:t>
+                              </m:r>
+                            </m:sub>
+                          </m:sSub>
+                        </m:e>
+                      </m:d>
+                      <m:r>
+                        <a:rPr lang="en-US" b="0" i="1" smtClean="0">
+                          <a:latin typeface="Cambria Math" panose="02040503050406030204" pitchFamily="18" charset="0"/>
+                        </a:rPr>
+                        <m:t>⋅</m:t>
+                      </m:r>
+                      <m:acc>
+                        <m:accPr>
+                          <m:chr m:val="̂"/>
+                          <m:ctrlPr>
+                            <a:rPr lang="en-US" i="1">
+                              <a:latin typeface="Cambria Math" panose="02040503050406030204" pitchFamily="18" charset="0"/>
+                            </a:rPr>
+                          </m:ctrlPr>
+                        </m:accPr>
+                        <m:e>
+                          <m:sSub>
+                            <m:sSubPr>
+                              <m:ctrlPr>
+                                <a:rPr lang="en-US" i="1">
+                                  <a:latin typeface="Cambria Math" panose="02040503050406030204" pitchFamily="18" charset="0"/>
+                                </a:rPr>
+                              </m:ctrlPr>
+                            </m:sSubPr>
+                            <m:e>
+                              <m:r>
+                                <a:rPr lang="en-US" i="1">
+                                  <a:latin typeface="Cambria Math" panose="02040503050406030204" pitchFamily="18" charset="0"/>
+                                </a:rPr>
+                                <m:t>𝑛</m:t>
+                              </m:r>
+                            </m:e>
+                            <m:sub>
+                              <m:r>
+                                <a:rPr lang="en-US" b="0" i="1" smtClean="0">
+                                  <a:latin typeface="Cambria Math" panose="02040503050406030204" pitchFamily="18" charset="0"/>
+                                </a:rPr>
+                                <m:t>𝑗</m:t>
+                              </m:r>
+                            </m:sub>
+                          </m:sSub>
+                        </m:e>
+                      </m:acc>
+                    </m:oMath>
+                  </m:oMathPara>
+                </a14:m>
+                <a:endParaRPr lang="en-US" b="0" dirty="0"/>
+              </a:p>
+              <a:p>
+                <a14:m>
+                  <m:oMathPara xmlns:m="http://schemas.openxmlformats.org/officeDocument/2006/math">
+                    <m:oMathParaPr>
+                      <m:jc m:val="centerGroup"/>
+                    </m:oMathParaPr>
+                    <m:oMath xmlns:m="http://schemas.openxmlformats.org/officeDocument/2006/math">
+                      <m:r>
+                        <a:rPr lang="en-US" b="0" i="1" smtClean="0">
+                          <a:latin typeface="Cambria Math" panose="02040503050406030204" pitchFamily="18" charset="0"/>
+                        </a:rPr>
+                        <m:t>𝑑</m:t>
+                      </m:r>
+                      <m:r>
+                        <a:rPr lang="en-US" b="0" i="1" smtClean="0">
+                          <a:latin typeface="Cambria Math" panose="02040503050406030204" pitchFamily="18" charset="0"/>
+                        </a:rPr>
+                        <m:t>⋅</m:t>
+                      </m:r>
+                      <m:acc>
+                        <m:accPr>
+                          <m:chr m:val="̂"/>
+                          <m:ctrlPr>
+                            <a:rPr lang="en-US" i="1">
+                              <a:latin typeface="Cambria Math" panose="02040503050406030204" pitchFamily="18" charset="0"/>
+                            </a:rPr>
+                          </m:ctrlPr>
+                        </m:accPr>
+                        <m:e>
+                          <m:sSub>
+                            <m:sSubPr>
+                              <m:ctrlPr>
+                                <a:rPr lang="en-US" i="1">
+                                  <a:latin typeface="Cambria Math" panose="02040503050406030204" pitchFamily="18" charset="0"/>
+                                </a:rPr>
+                              </m:ctrlPr>
+                            </m:sSubPr>
+                            <m:e>
+                              <m:r>
+                                <a:rPr lang="en-US" i="1">
+                                  <a:latin typeface="Cambria Math" panose="02040503050406030204" pitchFamily="18" charset="0"/>
+                                </a:rPr>
+                                <m:t>𝑣</m:t>
+                              </m:r>
+                            </m:e>
+                            <m:sub>
+                              <m:r>
+                                <a:rPr lang="en-US" i="1">
+                                  <a:latin typeface="Cambria Math" panose="02040503050406030204" pitchFamily="18" charset="0"/>
+                                </a:rPr>
+                                <m:t>𝑖</m:t>
+                              </m:r>
+                            </m:sub>
+                          </m:sSub>
+                        </m:e>
+                      </m:acc>
+                      <m:r>
+                        <a:rPr lang="en-US" b="0" i="1" smtClean="0">
+                          <a:latin typeface="Cambria Math" panose="02040503050406030204" pitchFamily="18" charset="0"/>
+                        </a:rPr>
+                        <m:t>⋅</m:t>
+                      </m:r>
+                      <m:d>
+                        <m:dPr>
+                          <m:ctrlPr>
+                            <a:rPr lang="en-US" i="1">
+                              <a:latin typeface="Cambria Math" panose="02040503050406030204" pitchFamily="18" charset="0"/>
+                            </a:rPr>
+                          </m:ctrlPr>
+                        </m:dPr>
+                        <m:e>
+                          <m:acc>
+                            <m:accPr>
+                              <m:chr m:val="̂"/>
+                              <m:ctrlPr>
+                                <a:rPr lang="en-US" i="1">
+                                  <a:latin typeface="Cambria Math" panose="02040503050406030204" pitchFamily="18" charset="0"/>
+                                </a:rPr>
+                              </m:ctrlPr>
+                            </m:accPr>
+                            <m:e>
+                              <m:sSub>
+                                <m:sSubPr>
+                                  <m:ctrlPr>
+                                    <a:rPr lang="en-US" i="1">
+                                      <a:latin typeface="Cambria Math" panose="02040503050406030204" pitchFamily="18" charset="0"/>
+                                    </a:rPr>
+                                  </m:ctrlPr>
+                                </m:sSubPr>
+                                <m:e>
+                                  <m:r>
+                                    <a:rPr lang="en-US" i="1">
+                                      <a:latin typeface="Cambria Math" panose="02040503050406030204" pitchFamily="18" charset="0"/>
+                                    </a:rPr>
+                                    <m:t>𝑛</m:t>
+                                  </m:r>
+                                </m:e>
+                                <m:sub>
+                                  <m:r>
+                                    <a:rPr lang="en-US" i="1">
+                                      <a:latin typeface="Cambria Math" panose="02040503050406030204" pitchFamily="18" charset="0"/>
+                                    </a:rPr>
+                                    <m:t>𝑖</m:t>
+                                  </m:r>
+                                </m:sub>
+                              </m:sSub>
+                            </m:e>
+                          </m:acc>
+                          <m:r>
+                            <a:rPr lang="en-US" i="1">
+                              <a:latin typeface="Cambria Math" panose="02040503050406030204" pitchFamily="18" charset="0"/>
+                            </a:rPr>
+                            <m:t>−</m:t>
+                          </m:r>
+                          <m:acc>
+                            <m:accPr>
+                              <m:chr m:val="̂"/>
+                              <m:ctrlPr>
+                                <a:rPr lang="en-US" i="1">
+                                  <a:latin typeface="Cambria Math" panose="02040503050406030204" pitchFamily="18" charset="0"/>
+                                </a:rPr>
+                              </m:ctrlPr>
+                            </m:accPr>
+                            <m:e>
+                              <m:sSub>
+                                <m:sSubPr>
+                                  <m:ctrlPr>
+                                    <a:rPr lang="en-US" i="1">
+                                      <a:latin typeface="Cambria Math" panose="02040503050406030204" pitchFamily="18" charset="0"/>
+                                    </a:rPr>
+                                  </m:ctrlPr>
+                                </m:sSubPr>
+                                <m:e>
+                                  <m:r>
+                                    <a:rPr lang="en-US" i="1">
+                                      <a:latin typeface="Cambria Math" panose="02040503050406030204" pitchFamily="18" charset="0"/>
+                                    </a:rPr>
+                                    <m:t>𝑛</m:t>
+                                  </m:r>
+                                </m:e>
+                                <m:sub>
+                                  <m:r>
+                                    <a:rPr lang="en-US" i="1">
+                                      <a:latin typeface="Cambria Math" panose="02040503050406030204" pitchFamily="18" charset="0"/>
+                                    </a:rPr>
+                                    <m:t>𝑗</m:t>
+                                  </m:r>
+                                </m:sub>
+                              </m:sSub>
+                            </m:e>
+                          </m:acc>
+                        </m:e>
+                      </m:d>
+                      <m:r>
+                        <a:rPr lang="en-US" b="0" i="1" smtClean="0">
+                          <a:latin typeface="Cambria Math" panose="02040503050406030204" pitchFamily="18" charset="0"/>
+                        </a:rPr>
+                        <m:t>=</m:t>
+                      </m:r>
+                      <m:d>
+                        <m:dPr>
+                          <m:ctrlPr>
+                            <a:rPr lang="en-US" i="1">
+                              <a:latin typeface="Cambria Math" panose="02040503050406030204" pitchFamily="18" charset="0"/>
+                            </a:rPr>
+                          </m:ctrlPr>
+                        </m:dPr>
+                        <m:e>
+                          <m:sSub>
+                            <m:sSubPr>
+                              <m:ctrlPr>
+                                <a:rPr lang="en-US" i="1">
+                                  <a:latin typeface="Cambria Math" panose="02040503050406030204" pitchFamily="18" charset="0"/>
+                                </a:rPr>
+                              </m:ctrlPr>
+                            </m:sSubPr>
+                            <m:e>
+                              <m:sSub>
+                                <m:sSubPr>
+                                  <m:ctrlPr>
+                                    <a:rPr lang="en-US" i="1">
+                                      <a:latin typeface="Cambria Math" panose="02040503050406030204" pitchFamily="18" charset="0"/>
+                                    </a:rPr>
+                                  </m:ctrlPr>
+                                </m:sSubPr>
+                                <m:e>
+                                  <m:r>
+                                    <a:rPr lang="en-US" i="1">
+                                      <a:latin typeface="Cambria Math" panose="02040503050406030204" pitchFamily="18" charset="0"/>
+                                    </a:rPr>
+                                    <m:t>𝑝</m:t>
+                                  </m:r>
+                                </m:e>
+                                <m:sub>
+                                  <m:r>
+                                    <a:rPr lang="en-US" i="1">
+                                      <a:latin typeface="Cambria Math" panose="02040503050406030204" pitchFamily="18" charset="0"/>
+                                    </a:rPr>
+                                    <m:t>𝑖</m:t>
+                                  </m:r>
+                                </m:sub>
+                              </m:sSub>
+                              <m:r>
+                                <a:rPr lang="en-US" i="1">
+                                  <a:latin typeface="Cambria Math" panose="02040503050406030204" pitchFamily="18" charset="0"/>
+                                </a:rPr>
+                                <m:t>−</m:t>
+                              </m:r>
+                              <m:r>
+                                <a:rPr lang="en-US" i="1">
+                                  <a:latin typeface="Cambria Math" panose="02040503050406030204" pitchFamily="18" charset="0"/>
+                                </a:rPr>
+                                <m:t>𝑝</m:t>
+                              </m:r>
+                            </m:e>
+                            <m:sub>
+                              <m:r>
+                                <a:rPr lang="en-US" i="1">
+                                  <a:latin typeface="Cambria Math" panose="02040503050406030204" pitchFamily="18" charset="0"/>
+                                </a:rPr>
+                                <m:t>𝑗</m:t>
+                              </m:r>
+                            </m:sub>
+                          </m:sSub>
+                        </m:e>
+                      </m:d>
+                      <m:r>
+                        <a:rPr lang="en-US" b="0" i="1" smtClean="0">
+                          <a:latin typeface="Cambria Math" panose="02040503050406030204" pitchFamily="18" charset="0"/>
+                        </a:rPr>
+                        <m:t>⋅</m:t>
+                      </m:r>
+                      <m:acc>
+                        <m:accPr>
+                          <m:chr m:val="̂"/>
+                          <m:ctrlPr>
+                            <a:rPr lang="en-US" i="1">
+                              <a:latin typeface="Cambria Math" panose="02040503050406030204" pitchFamily="18" charset="0"/>
+                            </a:rPr>
+                          </m:ctrlPr>
+                        </m:accPr>
+                        <m:e>
+                          <m:sSub>
+                            <m:sSubPr>
+                              <m:ctrlPr>
+                                <a:rPr lang="en-US" i="1">
+                                  <a:latin typeface="Cambria Math" panose="02040503050406030204" pitchFamily="18" charset="0"/>
+                                </a:rPr>
+                              </m:ctrlPr>
+                            </m:sSubPr>
+                            <m:e>
+                              <m:r>
+                                <a:rPr lang="en-US" i="1">
+                                  <a:latin typeface="Cambria Math" panose="02040503050406030204" pitchFamily="18" charset="0"/>
+                                </a:rPr>
+                                <m:t>𝑛</m:t>
+                              </m:r>
+                            </m:e>
+                            <m:sub>
+                              <m:r>
+                                <a:rPr lang="en-US" b="0" i="1" smtClean="0">
+                                  <a:latin typeface="Cambria Math" panose="02040503050406030204" pitchFamily="18" charset="0"/>
+                                </a:rPr>
+                                <m:t>𝑗</m:t>
+                              </m:r>
+                            </m:sub>
+                          </m:sSub>
+                        </m:e>
+                      </m:acc>
+                    </m:oMath>
+                  </m:oMathPara>
+                </a14:m>
+                <a:endParaRPr lang="en-US" b="0" dirty="0"/>
+              </a:p>
+              <a:p>
+                <a14:m>
+                  <m:oMathPara xmlns:m="http://schemas.openxmlformats.org/officeDocument/2006/math">
+                    <m:oMathParaPr>
+                      <m:jc m:val="centerGroup"/>
+                    </m:oMathParaPr>
+                    <m:oMath xmlns:m="http://schemas.openxmlformats.org/officeDocument/2006/math">
+                      <m:r>
+                        <a:rPr lang="en-US" b="0" i="1" smtClean="0">
+                          <a:latin typeface="Cambria Math" panose="02040503050406030204" pitchFamily="18" charset="0"/>
+                        </a:rPr>
+                        <m:t>𝑑</m:t>
+                      </m:r>
+                      <m:r>
+                        <a:rPr lang="en-US" b="0" i="1" smtClean="0">
+                          <a:latin typeface="Cambria Math" panose="02040503050406030204" pitchFamily="18" charset="0"/>
+                        </a:rPr>
+                        <m:t>=</m:t>
+                      </m:r>
+                      <m:f>
+                        <m:fPr>
+                          <m:ctrlPr>
+                            <a:rPr lang="en-US" b="0" i="1" smtClean="0">
+                              <a:latin typeface="Cambria Math" panose="02040503050406030204" pitchFamily="18" charset="0"/>
+                            </a:rPr>
+                          </m:ctrlPr>
+                        </m:fPr>
+                        <m:num>
+                          <m:d>
+                            <m:dPr>
+                              <m:ctrlPr>
+                                <a:rPr lang="en-US" i="1">
+                                  <a:latin typeface="Cambria Math" panose="02040503050406030204" pitchFamily="18" charset="0"/>
+                                </a:rPr>
+                              </m:ctrlPr>
+                            </m:dPr>
+                            <m:e>
+                              <m:sSub>
+                                <m:sSubPr>
+                                  <m:ctrlPr>
+                                    <a:rPr lang="en-US" i="1">
+                                      <a:latin typeface="Cambria Math" panose="02040503050406030204" pitchFamily="18" charset="0"/>
+                                    </a:rPr>
+                                  </m:ctrlPr>
+                                </m:sSubPr>
+                                <m:e>
+                                  <m:sSub>
+                                    <m:sSubPr>
+                                      <m:ctrlPr>
+                                        <a:rPr lang="en-US" i="1">
+                                          <a:latin typeface="Cambria Math" panose="02040503050406030204" pitchFamily="18" charset="0"/>
+                                        </a:rPr>
+                                      </m:ctrlPr>
+                                    </m:sSubPr>
+                                    <m:e>
+                                      <m:r>
+                                        <a:rPr lang="en-US" i="1">
+                                          <a:latin typeface="Cambria Math" panose="02040503050406030204" pitchFamily="18" charset="0"/>
+                                        </a:rPr>
+                                        <m:t>𝑝</m:t>
+                                      </m:r>
+                                    </m:e>
+                                    <m:sub>
+                                      <m:r>
+                                        <a:rPr lang="en-US" i="1">
+                                          <a:latin typeface="Cambria Math" panose="02040503050406030204" pitchFamily="18" charset="0"/>
+                                        </a:rPr>
+                                        <m:t>𝑖</m:t>
+                                      </m:r>
+                                    </m:sub>
+                                  </m:sSub>
+                                  <m:r>
+                                    <a:rPr lang="en-US" i="1">
+                                      <a:latin typeface="Cambria Math" panose="02040503050406030204" pitchFamily="18" charset="0"/>
+                                    </a:rPr>
+                                    <m:t>−</m:t>
+                                  </m:r>
+                                  <m:r>
+                                    <a:rPr lang="en-US" i="1">
+                                      <a:latin typeface="Cambria Math" panose="02040503050406030204" pitchFamily="18" charset="0"/>
+                                    </a:rPr>
+                                    <m:t>𝑝</m:t>
+                                  </m:r>
+                                </m:e>
+                                <m:sub>
+                                  <m:r>
+                                    <a:rPr lang="en-US" i="1">
+                                      <a:latin typeface="Cambria Math" panose="02040503050406030204" pitchFamily="18" charset="0"/>
+                                    </a:rPr>
+                                    <m:t>𝑗</m:t>
+                                  </m:r>
+                                </m:sub>
+                              </m:sSub>
+                            </m:e>
+                          </m:d>
+                          <m:r>
+                            <a:rPr lang="en-US" i="1">
+                              <a:latin typeface="Cambria Math" panose="02040503050406030204" pitchFamily="18" charset="0"/>
+                            </a:rPr>
+                            <m:t>⋅</m:t>
+                          </m:r>
+                          <m:acc>
+                            <m:accPr>
+                              <m:chr m:val="̂"/>
+                              <m:ctrlPr>
+                                <a:rPr lang="en-US" i="1">
+                                  <a:latin typeface="Cambria Math" panose="02040503050406030204" pitchFamily="18" charset="0"/>
+                                </a:rPr>
+                              </m:ctrlPr>
+                            </m:accPr>
+                            <m:e>
+                              <m:sSub>
+                                <m:sSubPr>
+                                  <m:ctrlPr>
+                                    <a:rPr lang="en-US" i="1">
+                                      <a:latin typeface="Cambria Math" panose="02040503050406030204" pitchFamily="18" charset="0"/>
+                                    </a:rPr>
+                                  </m:ctrlPr>
+                                </m:sSubPr>
+                                <m:e>
+                                  <m:r>
+                                    <a:rPr lang="en-US" i="1">
+                                      <a:latin typeface="Cambria Math" panose="02040503050406030204" pitchFamily="18" charset="0"/>
+                                    </a:rPr>
+                                    <m:t>𝑛</m:t>
+                                  </m:r>
+                                </m:e>
+                                <m:sub>
+                                  <m:r>
+                                    <a:rPr lang="en-US" i="1">
+                                      <a:latin typeface="Cambria Math" panose="02040503050406030204" pitchFamily="18" charset="0"/>
+                                    </a:rPr>
+                                    <m:t>𝑗</m:t>
+                                  </m:r>
+                                </m:sub>
+                              </m:sSub>
+                            </m:e>
+                          </m:acc>
+                        </m:num>
+                        <m:den>
+                          <m:acc>
+                            <m:accPr>
+                              <m:chr m:val="̂"/>
+                              <m:ctrlPr>
+                                <a:rPr lang="en-US" i="1">
+                                  <a:latin typeface="Cambria Math" panose="02040503050406030204" pitchFamily="18" charset="0"/>
+                                </a:rPr>
+                              </m:ctrlPr>
+                            </m:accPr>
+                            <m:e>
+                              <m:sSub>
+                                <m:sSubPr>
+                                  <m:ctrlPr>
+                                    <a:rPr lang="en-US" i="1">
+                                      <a:latin typeface="Cambria Math" panose="02040503050406030204" pitchFamily="18" charset="0"/>
+                                    </a:rPr>
+                                  </m:ctrlPr>
+                                </m:sSubPr>
+                                <m:e>
+                                  <m:r>
+                                    <a:rPr lang="en-US" i="1">
+                                      <a:latin typeface="Cambria Math" panose="02040503050406030204" pitchFamily="18" charset="0"/>
+                                    </a:rPr>
+                                    <m:t>𝑣</m:t>
+                                  </m:r>
+                                </m:e>
+                                <m:sub>
+                                  <m:r>
+                                    <a:rPr lang="en-US" i="1">
+                                      <a:latin typeface="Cambria Math" panose="02040503050406030204" pitchFamily="18" charset="0"/>
+                                    </a:rPr>
+                                    <m:t>𝑖</m:t>
+                                  </m:r>
+                                </m:sub>
+                              </m:sSub>
+                            </m:e>
+                          </m:acc>
+                          <m:r>
+                            <a:rPr lang="en-US" i="1">
+                              <a:latin typeface="Cambria Math" panose="02040503050406030204" pitchFamily="18" charset="0"/>
+                            </a:rPr>
+                            <m:t>⋅</m:t>
+                          </m:r>
+                          <m:d>
+                            <m:dPr>
+                              <m:ctrlPr>
+                                <a:rPr lang="en-US" i="1">
+                                  <a:latin typeface="Cambria Math" panose="02040503050406030204" pitchFamily="18" charset="0"/>
+                                </a:rPr>
+                              </m:ctrlPr>
+                            </m:dPr>
+                            <m:e>
+                              <m:acc>
+                                <m:accPr>
+                                  <m:chr m:val="̂"/>
+                                  <m:ctrlPr>
+                                    <a:rPr lang="en-US" i="1">
+                                      <a:latin typeface="Cambria Math" panose="02040503050406030204" pitchFamily="18" charset="0"/>
+                                    </a:rPr>
+                                  </m:ctrlPr>
+                                </m:accPr>
+                                <m:e>
+                                  <m:sSub>
+                                    <m:sSubPr>
+                                      <m:ctrlPr>
+                                        <a:rPr lang="en-US" i="1">
+                                          <a:latin typeface="Cambria Math" panose="02040503050406030204" pitchFamily="18" charset="0"/>
+                                        </a:rPr>
+                                      </m:ctrlPr>
+                                    </m:sSubPr>
+                                    <m:e>
+                                      <m:r>
+                                        <a:rPr lang="en-US" i="1">
+                                          <a:latin typeface="Cambria Math" panose="02040503050406030204" pitchFamily="18" charset="0"/>
+                                        </a:rPr>
+                                        <m:t>𝑛</m:t>
+                                      </m:r>
+                                    </m:e>
+                                    <m:sub>
+                                      <m:r>
+                                        <a:rPr lang="en-US" i="1">
+                                          <a:latin typeface="Cambria Math" panose="02040503050406030204" pitchFamily="18" charset="0"/>
+                                        </a:rPr>
+                                        <m:t>𝑖</m:t>
+                                      </m:r>
+                                    </m:sub>
+                                  </m:sSub>
+                                </m:e>
+                              </m:acc>
+                              <m:r>
+                                <a:rPr lang="en-US" i="1">
+                                  <a:latin typeface="Cambria Math" panose="02040503050406030204" pitchFamily="18" charset="0"/>
+                                </a:rPr>
+                                <m:t>−</m:t>
+                              </m:r>
+                              <m:acc>
+                                <m:accPr>
+                                  <m:chr m:val="̂"/>
+                                  <m:ctrlPr>
+                                    <a:rPr lang="en-US" i="1">
+                                      <a:latin typeface="Cambria Math" panose="02040503050406030204" pitchFamily="18" charset="0"/>
+                                    </a:rPr>
+                                  </m:ctrlPr>
+                                </m:accPr>
+                                <m:e>
+                                  <m:sSub>
+                                    <m:sSubPr>
+                                      <m:ctrlPr>
+                                        <a:rPr lang="en-US" i="1">
+                                          <a:latin typeface="Cambria Math" panose="02040503050406030204" pitchFamily="18" charset="0"/>
+                                        </a:rPr>
+                                      </m:ctrlPr>
+                                    </m:sSubPr>
+                                    <m:e>
+                                      <m:r>
+                                        <a:rPr lang="en-US" i="1">
+                                          <a:latin typeface="Cambria Math" panose="02040503050406030204" pitchFamily="18" charset="0"/>
+                                        </a:rPr>
+                                        <m:t>𝑛</m:t>
+                                      </m:r>
+                                    </m:e>
+                                    <m:sub>
+                                      <m:r>
+                                        <a:rPr lang="en-US" i="1">
+                                          <a:latin typeface="Cambria Math" panose="02040503050406030204" pitchFamily="18" charset="0"/>
+                                        </a:rPr>
+                                        <m:t>𝑗</m:t>
+                                      </m:r>
+                                    </m:sub>
+                                  </m:sSub>
+                                </m:e>
+                              </m:acc>
+                            </m:e>
+                          </m:d>
+                        </m:den>
+                      </m:f>
+                    </m:oMath>
+                  </m:oMathPara>
+                </a14:m>
+                <a:endParaRPr lang="en-US" b="0" dirty="0"/>
+              </a:p>
+              <a:p>
+                <a:endParaRPr lang="en-US" b="0" dirty="0"/>
+              </a:p>
+              <a:p>
+                <a:pPr/>
+                <a:endParaRPr lang="en-US" b="0" dirty="0"/>
+              </a:p>
+              <a:p>
+                <a:endParaRPr lang="en-US" dirty="0"/>
+              </a:p>
+            </p:txBody>
+          </p:sp>
+        </mc:Choice>
+        <mc:Fallback>
+          <p:sp>
+            <p:nvSpPr>
+              <p:cNvPr id="4" name="TextBox 3">
+                <a:extLst>
+                  <a:ext uri="{FF2B5EF4-FFF2-40B4-BE49-F238E27FC236}">
+                    <a16:creationId xmlns:a16="http://schemas.microsoft.com/office/drawing/2014/main" id="{C7F8782B-D637-116A-DC62-B3EEFCA8169C}"/>
+                  </a:ext>
+                </a:extLst>
+              </p:cNvPr>
+              <p:cNvSpPr txBox="1">
+                <a:spLocks noRot="1" noChangeAspect="1" noMove="1" noResize="1" noEditPoints="1" noAdjustHandles="1" noChangeArrowheads="1" noChangeShapeType="1" noTextEdit="1"/>
+              </p:cNvSpPr>
+              <p:nvPr/>
+            </p:nvSpPr>
+            <p:spPr>
+              <a:xfrm>
+                <a:off x="5085112" y="1825625"/>
+                <a:ext cx="4693228" cy="3387530"/>
+              </a:xfrm>
+              <a:prstGeom prst="rect">
+                <a:avLst/>
+              </a:prstGeom>
+              <a:blipFill>
+                <a:blip r:embed="rId2"/>
+                <a:stretch>
+                  <a:fillRect/>
+                </a:stretch>
+              </a:blipFill>
+            </p:spPr>
+            <p:txBody>
+              <a:bodyPr/>
+              <a:lstStyle/>
+              <a:p>
+                <a:r>
+                  <a:rPr lang="en-US">
+                    <a:noFill/>
+                  </a:rPr>
+                  <a:t> </a:t>
+                </a:r>
+              </a:p>
+            </p:txBody>
+          </p:sp>
+        </mc:Fallback>
+      </mc:AlternateContent>
+      <mc:AlternateContent xmlns:mc="http://schemas.openxmlformats.org/markup-compatibility/2006">
+        <mc:Choice xmlns:a14="http://schemas.microsoft.com/office/drawing/2010/main" Requires="a14">
+          <p:sp>
+            <p:nvSpPr>
+              <p:cNvPr id="6" name="TextBox 5">
+                <a:extLst>
+                  <a:ext uri="{FF2B5EF4-FFF2-40B4-BE49-F238E27FC236}">
+                    <a16:creationId xmlns:a16="http://schemas.microsoft.com/office/drawing/2014/main" id="{60E5F323-6B30-8B45-B55E-7AB449E685DA}"/>
+                  </a:ext>
+                </a:extLst>
+              </p:cNvPr>
+              <p:cNvSpPr txBox="1"/>
+              <p:nvPr/>
+            </p:nvSpPr>
+            <p:spPr>
+              <a:xfrm>
+                <a:off x="2663599" y="4978760"/>
+                <a:ext cx="6094638" cy="391646"/>
+              </a:xfrm>
+              <a:prstGeom prst="rect">
+                <a:avLst/>
+              </a:prstGeom>
+              <a:noFill/>
+            </p:spPr>
+            <p:txBody>
+              <a:bodyPr wrap="square">
+                <a:spAutoFit/>
+              </a:bodyPr>
+              <a:lstStyle/>
+              <a:p>
+                <a:pPr/>
+                <a14:m>
+                  <m:oMathPara xmlns:m="http://schemas.openxmlformats.org/officeDocument/2006/math">
+                    <m:oMathParaPr>
+                      <m:jc m:val="centerGroup"/>
+                    </m:oMathParaPr>
+                    <m:oMath xmlns:m="http://schemas.openxmlformats.org/officeDocument/2006/math">
+                      <m:sSub>
+                        <m:sSubPr>
+                          <m:ctrlPr>
+                            <a:rPr lang="en-US" b="0" i="1" smtClean="0">
+                              <a:latin typeface="Cambria Math" panose="02040503050406030204" pitchFamily="18" charset="0"/>
+                            </a:rPr>
+                          </m:ctrlPr>
+                        </m:sSubPr>
+                        <m:e>
+                          <m:r>
+                            <a:rPr lang="en-US" b="0" i="1" smtClean="0">
+                              <a:latin typeface="Cambria Math" panose="02040503050406030204" pitchFamily="18" charset="0"/>
+                            </a:rPr>
+                            <m:t>𝑟</m:t>
+                          </m:r>
+                        </m:e>
+                        <m:sub>
+                          <m:r>
+                            <a:rPr lang="en-US" b="0" i="1" smtClean="0">
+                              <a:latin typeface="Cambria Math" panose="02040503050406030204" pitchFamily="18" charset="0"/>
+                            </a:rPr>
+                            <m:t>𝑖𝑗</m:t>
+                          </m:r>
+                        </m:sub>
+                      </m:sSub>
+                      <m:r>
+                        <a:rPr lang="en-US" b="0" i="1" smtClean="0">
+                          <a:latin typeface="Cambria Math" panose="02040503050406030204" pitchFamily="18" charset="0"/>
+                        </a:rPr>
+                        <m:t>=</m:t>
+                      </m:r>
+                      <m:r>
+                        <a:rPr lang="en-US" b="0" i="1" smtClean="0">
+                          <a:latin typeface="Cambria Math" panose="02040503050406030204" pitchFamily="18" charset="0"/>
+                        </a:rPr>
+                        <m:t>𝑑</m:t>
+                      </m:r>
+                      <m:r>
+                        <a:rPr lang="en-US" b="0" i="1" smtClean="0">
+                          <a:latin typeface="Cambria Math" panose="02040503050406030204" pitchFamily="18" charset="0"/>
+                        </a:rPr>
+                        <m:t>⋅</m:t>
+                      </m:r>
+                      <m:acc>
+                        <m:accPr>
+                          <m:chr m:val="̂"/>
+                          <m:ctrlPr>
+                            <a:rPr lang="en-US" b="0" i="1" smtClean="0">
+                              <a:latin typeface="Cambria Math" panose="02040503050406030204" pitchFamily="18" charset="0"/>
+                            </a:rPr>
+                          </m:ctrlPr>
+                        </m:accPr>
+                        <m:e>
+                          <m:sSub>
+                            <m:sSubPr>
+                              <m:ctrlPr>
+                                <a:rPr lang="en-US" i="1">
+                                  <a:latin typeface="Cambria Math" panose="02040503050406030204" pitchFamily="18" charset="0"/>
+                                </a:rPr>
+                              </m:ctrlPr>
+                            </m:sSubPr>
+                            <m:e>
+                              <m:r>
+                                <a:rPr lang="en-US" i="1">
+                                  <a:latin typeface="Cambria Math" panose="02040503050406030204" pitchFamily="18" charset="0"/>
+                                </a:rPr>
+                                <m:t>𝑣</m:t>
+                              </m:r>
+                            </m:e>
+                            <m:sub>
+                              <m:r>
+                                <a:rPr lang="en-US" i="1">
+                                  <a:latin typeface="Cambria Math" panose="02040503050406030204" pitchFamily="18" charset="0"/>
+                                </a:rPr>
+                                <m:t>𝑖</m:t>
+                              </m:r>
+                            </m:sub>
+                          </m:sSub>
+                        </m:e>
+                      </m:acc>
+                      <m:r>
+                        <a:rPr lang="en-US" b="0" i="1" smtClean="0">
+                          <a:latin typeface="Cambria Math" panose="02040503050406030204" pitchFamily="18" charset="0"/>
+                        </a:rPr>
+                        <m:t>⋅</m:t>
+                      </m:r>
+                      <m:acc>
+                        <m:accPr>
+                          <m:chr m:val="̂"/>
+                          <m:ctrlPr>
+                            <a:rPr lang="en-US" i="1">
+                              <a:latin typeface="Cambria Math" panose="02040503050406030204" pitchFamily="18" charset="0"/>
+                            </a:rPr>
+                          </m:ctrlPr>
+                        </m:accPr>
+                        <m:e>
+                          <m:sSub>
+                            <m:sSubPr>
+                              <m:ctrlPr>
+                                <a:rPr lang="en-US" i="1">
+                                  <a:latin typeface="Cambria Math" panose="02040503050406030204" pitchFamily="18" charset="0"/>
+                                </a:rPr>
+                              </m:ctrlPr>
+                            </m:sSubPr>
+                            <m:e>
+                              <m:r>
+                                <a:rPr lang="en-US" b="0" i="1" smtClean="0">
+                                  <a:latin typeface="Cambria Math" panose="02040503050406030204" pitchFamily="18" charset="0"/>
+                                </a:rPr>
+                                <m:t>𝑛</m:t>
+                              </m:r>
+                            </m:e>
+                            <m:sub>
+                              <m:r>
+                                <a:rPr lang="en-US" i="1">
+                                  <a:latin typeface="Cambria Math" panose="02040503050406030204" pitchFamily="18" charset="0"/>
+                                </a:rPr>
+                                <m:t>𝑖</m:t>
+                              </m:r>
+                            </m:sub>
+                          </m:sSub>
+                        </m:e>
+                      </m:acc>
+                    </m:oMath>
+                  </m:oMathPara>
+                </a14:m>
+                <a:endParaRPr lang="en-US" dirty="0"/>
+              </a:p>
+            </p:txBody>
+          </p:sp>
+        </mc:Choice>
+        <mc:Fallback>
+          <p:sp>
+            <p:nvSpPr>
+              <p:cNvPr id="6" name="TextBox 5">
+                <a:extLst>
+                  <a:ext uri="{FF2B5EF4-FFF2-40B4-BE49-F238E27FC236}">
+                    <a16:creationId xmlns:a16="http://schemas.microsoft.com/office/drawing/2014/main" id="{60E5F323-6B30-8B45-B55E-7AB449E685DA}"/>
+                  </a:ext>
+                </a:extLst>
+              </p:cNvPr>
+              <p:cNvSpPr txBox="1">
+                <a:spLocks noRot="1" noChangeAspect="1" noMove="1" noResize="1" noEditPoints="1" noAdjustHandles="1" noChangeArrowheads="1" noChangeShapeType="1" noTextEdit="1"/>
+              </p:cNvSpPr>
+              <p:nvPr/>
+            </p:nvSpPr>
+            <p:spPr>
+              <a:xfrm>
+                <a:off x="2663599" y="4978760"/>
+                <a:ext cx="6094638" cy="391646"/>
+              </a:xfrm>
+              <a:prstGeom prst="rect">
+                <a:avLst/>
+              </a:prstGeom>
+              <a:blipFill>
+                <a:blip r:embed="rId3"/>
+                <a:stretch>
+                  <a:fillRect t="-4688" b="-7813"/>
+                </a:stretch>
+              </a:blipFill>
+            </p:spPr>
+            <p:txBody>
+              <a:bodyPr/>
+              <a:lstStyle/>
+              <a:p>
+                <a:r>
+                  <a:rPr lang="en-US">
+                    <a:noFill/>
+                  </a:rPr>
+                  <a:t> </a:t>
+                </a:r>
+              </a:p>
+            </p:txBody>
+          </p:sp>
+        </mc:Fallback>
+      </mc:AlternateContent>
+    </p:spTree>
+    <p:extLst>
+      <p:ext uri="{BB962C8B-B14F-4D97-AF65-F5344CB8AC3E}">
+        <p14:creationId xmlns:p14="http://schemas.microsoft.com/office/powerpoint/2010/main" val="3094639192"/>
+      </p:ext>
+    </p:extLst>
+  </p:cSld>
+  <p:clrMapOvr>
+    <a:masterClrMapping/>
+  </p:clrMapOvr>
+</p:sld>
+</file>
+
+<file path=ppt/slides/slide27.xml><?xml version="1.0" encoding="utf-8"?>
 <p:sld xmlns:a="http://schemas.openxmlformats.org/drawingml/2006/main" xmlns:r="http://schemas.openxmlformats.org/officeDocument/2006/relationships" xmlns:p="http://schemas.openxmlformats.org/presentationml/2006/main">
   <p:cSld>
     <p:spTree>
@@ -11032,7 +13141,7 @@
 </p:sld>
 </file>
 
-<file path=ppt/slides/slide27.xml><?xml version="1.0" encoding="utf-8"?>
+<file path=ppt/slides/slide28.xml><?xml version="1.0" encoding="utf-8"?>
 <p:sld xmlns:a="http://schemas.openxmlformats.org/drawingml/2006/main" xmlns:r="http://schemas.openxmlformats.org/officeDocument/2006/relationships" xmlns:p="http://schemas.openxmlformats.org/presentationml/2006/main">
   <p:cSld>
     <p:spTree>
@@ -11101,7 +13210,7 @@
         </p:spPr>
         <p:txBody>
           <a:bodyPr>
-            <a:normAutofit lnSpcReduction="10000"/>
+            <a:normAutofit/>
           </a:bodyPr>
           <a:lstStyle/>
           <a:p>
@@ -11110,8 +13219,13 @@
             </a:pPr>
             <a:r>
               <a:rPr lang="en-US" dirty="0"/>
-              <a:t>Each candidate plane has vertex projections that define its boundaries. From the known radius, one can project the edge outward along these vertex projections. The circle center must lie within the envelope of points created by projecting by these vertices</a:t>
-            </a:r>
+              <a:t>The circle center, after it is found, can be projected in the opposite direction of the edge’s unit normal vector, by a radius distance. This projection MUST be on the edge for the point to </a:t>
+            </a:r>
+            <a:r>
+              <a:rPr lang="en-US"/>
+              <a:t>be valid.</a:t>
+            </a:r>
+            <a:endParaRPr lang="en-US" dirty="0"/>
           </a:p>
         </p:txBody>
       </p:sp>
@@ -11469,107 +13583,86 @@
           </a:fontRef>
         </p:style>
       </p:cxnSp>
-      <p:grpSp>
-        <p:nvGrpSpPr>
-          <p:cNvPr id="10" name="Group 9">
+      <p:cxnSp>
+        <p:nvCxnSpPr>
+          <p:cNvPr id="17" name="Straight Connector 16">
             <a:extLst>
               <a:ext uri="{FF2B5EF4-FFF2-40B4-BE49-F238E27FC236}">
-                <a16:creationId xmlns:a16="http://schemas.microsoft.com/office/drawing/2014/main" id="{7437973F-B558-E431-721D-B3F8C59F9D68}"/>
+                <a16:creationId xmlns:a16="http://schemas.microsoft.com/office/drawing/2014/main" id="{54CD5415-D347-2F5D-2F04-30DD4B534D13}"/>
               </a:ext>
             </a:extLst>
           </p:cNvPr>
-          <p:cNvGrpSpPr/>
+          <p:cNvCxnSpPr>
+            <a:cxnSpLocks/>
+          </p:cNvCxnSpPr>
           <p:nvPr/>
-        </p:nvGrpSpPr>
-        <p:grpSpPr>
-          <a:xfrm rot="8193490">
-            <a:off x="6952057" y="2781166"/>
-            <a:ext cx="459744" cy="580060"/>
-            <a:chOff x="7558295" y="1666605"/>
-            <a:chExt cx="1309163" cy="1673737"/>
+        </p:nvCxnSpPr>
+        <p:spPr>
+          <a:xfrm rot="8193490" flipH="1" flipV="1">
+            <a:off x="6910537" y="2797706"/>
+            <a:ext cx="459744" cy="459295"/>
           </a:xfrm>
-        </p:grpSpPr>
-        <p:cxnSp>
-          <p:nvCxnSpPr>
-            <p:cNvPr id="17" name="Straight Connector 16">
-              <a:extLst>
-                <a:ext uri="{FF2B5EF4-FFF2-40B4-BE49-F238E27FC236}">
-                  <a16:creationId xmlns:a16="http://schemas.microsoft.com/office/drawing/2014/main" id="{54CD5415-D347-2F5D-2F04-30DD4B534D13}"/>
-                </a:ext>
-              </a:extLst>
-            </p:cNvPr>
-            <p:cNvCxnSpPr>
-              <a:cxnSpLocks/>
-            </p:cNvCxnSpPr>
-            <p:nvPr/>
-          </p:nvCxnSpPr>
-          <p:spPr>
-            <a:xfrm flipH="1" flipV="1">
-              <a:off x="7558295" y="2015067"/>
-              <a:ext cx="1309163" cy="1325275"/>
-            </a:xfrm>
-            <a:prstGeom prst="line">
-              <a:avLst/>
-            </a:prstGeom>
-            <a:ln w="38100"/>
-          </p:spPr>
-          <p:style>
-            <a:lnRef idx="1">
-              <a:schemeClr val="accent1"/>
-            </a:lnRef>
-            <a:fillRef idx="0">
-              <a:schemeClr val="accent1"/>
-            </a:fillRef>
-            <a:effectRef idx="0">
-              <a:schemeClr val="accent1"/>
-            </a:effectRef>
-            <a:fontRef idx="minor">
-              <a:schemeClr val="tx1"/>
-            </a:fontRef>
-          </p:style>
-        </p:cxnSp>
-        <p:cxnSp>
-          <p:nvCxnSpPr>
-            <p:cNvPr id="18" name="Straight Connector 17">
-              <a:extLst>
-                <a:ext uri="{FF2B5EF4-FFF2-40B4-BE49-F238E27FC236}">
-                  <a16:creationId xmlns:a16="http://schemas.microsoft.com/office/drawing/2014/main" id="{410B5434-3B14-CE65-A72B-7306CAC93F72}"/>
-                </a:ext>
-              </a:extLst>
-            </p:cNvPr>
-            <p:cNvCxnSpPr>
-              <a:cxnSpLocks/>
-            </p:cNvCxnSpPr>
-            <p:nvPr/>
-          </p:nvCxnSpPr>
-          <p:spPr>
-            <a:xfrm rot="13406510" flipH="1">
-              <a:off x="8698972" y="1666605"/>
-              <a:ext cx="111648" cy="1266617"/>
-            </a:xfrm>
-            <a:prstGeom prst="line">
-              <a:avLst/>
-            </a:prstGeom>
-            <a:ln w="38100">
-              <a:tailEnd type="triangle"/>
-            </a:ln>
-          </p:spPr>
-          <p:style>
-            <a:lnRef idx="1">
-              <a:schemeClr val="accent1"/>
-            </a:lnRef>
-            <a:fillRef idx="0">
-              <a:schemeClr val="accent1"/>
-            </a:fillRef>
-            <a:effectRef idx="0">
-              <a:schemeClr val="accent1"/>
-            </a:effectRef>
-            <a:fontRef idx="minor">
-              <a:schemeClr val="tx1"/>
-            </a:fontRef>
-          </p:style>
-        </p:cxnSp>
-      </p:grpSp>
+          <a:prstGeom prst="line">
+            <a:avLst/>
+          </a:prstGeom>
+          <a:ln w="38100"/>
+        </p:spPr>
+        <p:style>
+          <a:lnRef idx="1">
+            <a:schemeClr val="accent1"/>
+          </a:lnRef>
+          <a:fillRef idx="0">
+            <a:schemeClr val="accent1"/>
+          </a:fillRef>
+          <a:effectRef idx="0">
+            <a:schemeClr val="accent1"/>
+          </a:effectRef>
+          <a:fontRef idx="minor">
+            <a:schemeClr val="tx1"/>
+          </a:fontRef>
+        </p:style>
+      </p:cxnSp>
+      <p:cxnSp>
+        <p:nvCxnSpPr>
+          <p:cNvPr id="18" name="Straight Connector 17">
+            <a:extLst>
+              <a:ext uri="{FF2B5EF4-FFF2-40B4-BE49-F238E27FC236}">
+                <a16:creationId xmlns:a16="http://schemas.microsoft.com/office/drawing/2014/main" id="{410B5434-3B14-CE65-A72B-7306CAC93F72}"/>
+              </a:ext>
+            </a:extLst>
+          </p:cNvPr>
+          <p:cNvCxnSpPr>
+            <a:cxnSpLocks/>
+          </p:cNvCxnSpPr>
+          <p:nvPr/>
+        </p:nvCxnSpPr>
+        <p:spPr>
+          <a:xfrm flipV="1">
+            <a:off x="7230336" y="3021908"/>
+            <a:ext cx="10930" cy="240907"/>
+          </a:xfrm>
+          <a:prstGeom prst="line">
+            <a:avLst/>
+          </a:prstGeom>
+          <a:ln w="38100">
+            <a:tailEnd type="triangle"/>
+          </a:ln>
+        </p:spPr>
+        <p:style>
+          <a:lnRef idx="1">
+            <a:schemeClr val="accent1"/>
+          </a:lnRef>
+          <a:fillRef idx="0">
+            <a:schemeClr val="accent1"/>
+          </a:fillRef>
+          <a:effectRef idx="0">
+            <a:schemeClr val="accent1"/>
+          </a:effectRef>
+          <a:fontRef idx="minor">
+            <a:schemeClr val="tx1"/>
+          </a:fontRef>
+        </p:style>
+      </p:cxnSp>
       <p:cxnSp>
         <p:nvCxnSpPr>
           <p:cNvPr id="11" name="Straight Connector 10">
@@ -11904,9 +13997,9 @@
           <p:nvPr/>
         </p:nvSpPr>
         <p:spPr>
-          <a:xfrm>
-            <a:off x="6690240" y="3459960"/>
-            <a:ext cx="1097280" cy="0"/>
+          <a:xfrm flipV="1">
+            <a:off x="7459526" y="3019186"/>
+            <a:ext cx="2245147" cy="11905"/>
           </a:xfrm>
           <a:prstGeom prst="line">
             <a:avLst/>
@@ -11961,7 +14054,7 @@
 </p:sld>
 </file>
 
-<file path=ppt/slides/slide28.xml><?xml version="1.0" encoding="utf-8"?>
+<file path=ppt/slides/slide29.xml><?xml version="1.0" encoding="utf-8"?>
 <p:sld xmlns:a="http://schemas.openxmlformats.org/drawingml/2006/main" xmlns:r="http://schemas.openxmlformats.org/officeDocument/2006/relationships" xmlns:p="http://schemas.openxmlformats.org/presentationml/2006/main">
   <p:cSld>
     <p:spTree>
@@ -13527,119 +15620,6 @@
 </p:sld>
 </file>
 
-<file path=ppt/slides/slide29.xml><?xml version="1.0" encoding="utf-8"?>
-<p:sld xmlns:a="http://schemas.openxmlformats.org/drawingml/2006/main" xmlns:r="http://schemas.openxmlformats.org/officeDocument/2006/relationships" xmlns:p="http://schemas.openxmlformats.org/presentationml/2006/main">
-  <p:cSld>
-    <p:spTree>
-      <p:nvGrpSpPr>
-        <p:cNvPr id="1" name=""/>
-        <p:cNvGrpSpPr/>
-        <p:nvPr/>
-      </p:nvGrpSpPr>
-      <p:grpSpPr>
-        <a:xfrm>
-          <a:off x="0" y="0"/>
-          <a:ext cx="0" cy="0"/>
-          <a:chOff x="0" y="0"/>
-          <a:chExt cx="0" cy="0"/>
-        </a:xfrm>
-      </p:grpSpPr>
-      <p:sp>
-        <p:nvSpPr>
-          <p:cNvPr id="2" name="Title 1">
-            <a:extLst>
-              <a:ext uri="{FF2B5EF4-FFF2-40B4-BE49-F238E27FC236}">
-                <a16:creationId xmlns:a16="http://schemas.microsoft.com/office/drawing/2014/main" id="{7B57B615-DD34-9F76-3378-32A88136AB95}"/>
-              </a:ext>
-            </a:extLst>
-          </p:cNvPr>
-          <p:cNvSpPr>
-            <a:spLocks noGrp="1"/>
-          </p:cNvSpPr>
-          <p:nvPr>
-            <p:ph type="title"/>
-          </p:nvPr>
-        </p:nvSpPr>
-        <p:spPr/>
-        <p:txBody>
-          <a:bodyPr/>
-          <a:lstStyle/>
-          <a:p>
-            <a:endParaRPr lang="en-US"/>
-          </a:p>
-        </p:txBody>
-      </p:sp>
-      <p:sp>
-        <p:nvSpPr>
-          <p:cNvPr id="3" name="Content Placeholder 2">
-            <a:extLst>
-              <a:ext uri="{FF2B5EF4-FFF2-40B4-BE49-F238E27FC236}">
-                <a16:creationId xmlns:a16="http://schemas.microsoft.com/office/drawing/2014/main" id="{EAB47625-3F95-A826-39DF-D706732828AA}"/>
-              </a:ext>
-            </a:extLst>
-          </p:cNvPr>
-          <p:cNvSpPr>
-            <a:spLocks noGrp="1"/>
-          </p:cNvSpPr>
-          <p:nvPr>
-            <p:ph idx="1"/>
-          </p:nvPr>
-        </p:nvSpPr>
-        <p:spPr/>
-        <p:txBody>
-          <a:bodyPr/>
-          <a:lstStyle/>
-          <a:p>
-            <a:r>
-              <a:rPr lang="en-US" dirty="0">
-                <a:hlinkClick r:id="rId2"/>
-              </a:rPr>
-              <a:t>https://www.mdpi.com/2220-9964/9/5/304</a:t>
-            </a:r>
-            <a:endParaRPr lang="en-US" dirty="0"/>
-          </a:p>
-          <a:p>
-            <a:r>
-              <a:rPr lang="en-US" dirty="0">
-                <a:hlinkClick r:id="rId3"/>
-              </a:rPr>
-              <a:t>https://stackoverflow.com/questions/69237154/how-do-you-get-the-medial-axis-of-a-multipolygon-using-cgal</a:t>
-            </a:r>
-            <a:endParaRPr lang="en-US" dirty="0"/>
-          </a:p>
-          <a:p>
-            <a:endParaRPr lang="en-US" dirty="0"/>
-          </a:p>
-          <a:p>
-            <a:r>
-              <a:rPr lang="en-US" dirty="0">
-                <a:hlinkClick r:id="rId4"/>
-              </a:rPr>
-              <a:t>https://groups.csail.mit.edu/graphics/classes/6.838/S98/meetings/m25/m25.html</a:t>
-            </a:r>
-            <a:r>
-              <a:rPr lang="en-US" dirty="0"/>
-              <a:t> </a:t>
-            </a:r>
-          </a:p>
-          <a:p>
-            <a:endParaRPr lang="en-US" dirty="0"/>
-          </a:p>
-        </p:txBody>
-      </p:sp>
-    </p:spTree>
-    <p:extLst>
-      <p:ext uri="{BB962C8B-B14F-4D97-AF65-F5344CB8AC3E}">
-        <p14:creationId xmlns:p14="http://schemas.microsoft.com/office/powerpoint/2010/main" val="4045957193"/>
-      </p:ext>
-    </p:extLst>
-  </p:cSld>
-  <p:clrMapOvr>
-    <a:masterClrMapping/>
-  </p:clrMapOvr>
-</p:sld>
-</file>
-
 <file path=ppt/slides/slide3.xml><?xml version="1.0" encoding="utf-8"?>
 <p:sld xmlns:a="http://schemas.openxmlformats.org/drawingml/2006/main" xmlns:r="http://schemas.openxmlformats.org/officeDocument/2006/relationships" xmlns:p="http://schemas.openxmlformats.org/presentationml/2006/main">
   <p:cSld>
@@ -14273,6 +16253,119 @@
     <p:extLst>
       <p:ext uri="{BB962C8B-B14F-4D97-AF65-F5344CB8AC3E}">
         <p14:creationId xmlns:p14="http://schemas.microsoft.com/office/powerpoint/2010/main" val="3283178281"/>
+      </p:ext>
+    </p:extLst>
+  </p:cSld>
+  <p:clrMapOvr>
+    <a:masterClrMapping/>
+  </p:clrMapOvr>
+</p:sld>
+</file>
+
+<file path=ppt/slides/slide30.xml><?xml version="1.0" encoding="utf-8"?>
+<p:sld xmlns:a="http://schemas.openxmlformats.org/drawingml/2006/main" xmlns:r="http://schemas.openxmlformats.org/officeDocument/2006/relationships" xmlns:p="http://schemas.openxmlformats.org/presentationml/2006/main">
+  <p:cSld>
+    <p:spTree>
+      <p:nvGrpSpPr>
+        <p:cNvPr id="1" name=""/>
+        <p:cNvGrpSpPr/>
+        <p:nvPr/>
+      </p:nvGrpSpPr>
+      <p:grpSpPr>
+        <a:xfrm>
+          <a:off x="0" y="0"/>
+          <a:ext cx="0" cy="0"/>
+          <a:chOff x="0" y="0"/>
+          <a:chExt cx="0" cy="0"/>
+        </a:xfrm>
+      </p:grpSpPr>
+      <p:sp>
+        <p:nvSpPr>
+          <p:cNvPr id="2" name="Title 1">
+            <a:extLst>
+              <a:ext uri="{FF2B5EF4-FFF2-40B4-BE49-F238E27FC236}">
+                <a16:creationId xmlns:a16="http://schemas.microsoft.com/office/drawing/2014/main" id="{7B57B615-DD34-9F76-3378-32A88136AB95}"/>
+              </a:ext>
+            </a:extLst>
+          </p:cNvPr>
+          <p:cNvSpPr>
+            <a:spLocks noGrp="1"/>
+          </p:cNvSpPr>
+          <p:nvPr>
+            <p:ph type="title"/>
+          </p:nvPr>
+        </p:nvSpPr>
+        <p:spPr/>
+        <p:txBody>
+          <a:bodyPr/>
+          <a:lstStyle/>
+          <a:p>
+            <a:endParaRPr lang="en-US"/>
+          </a:p>
+        </p:txBody>
+      </p:sp>
+      <p:sp>
+        <p:nvSpPr>
+          <p:cNvPr id="3" name="Content Placeholder 2">
+            <a:extLst>
+              <a:ext uri="{FF2B5EF4-FFF2-40B4-BE49-F238E27FC236}">
+                <a16:creationId xmlns:a16="http://schemas.microsoft.com/office/drawing/2014/main" id="{EAB47625-3F95-A826-39DF-D706732828AA}"/>
+              </a:ext>
+            </a:extLst>
+          </p:cNvPr>
+          <p:cNvSpPr>
+            <a:spLocks noGrp="1"/>
+          </p:cNvSpPr>
+          <p:nvPr>
+            <p:ph idx="1"/>
+          </p:nvPr>
+        </p:nvSpPr>
+        <p:spPr/>
+        <p:txBody>
+          <a:bodyPr/>
+          <a:lstStyle/>
+          <a:p>
+            <a:r>
+              <a:rPr lang="en-US" dirty="0">
+                <a:hlinkClick r:id="rId2"/>
+              </a:rPr>
+              <a:t>https://www.mdpi.com/2220-9964/9/5/304</a:t>
+            </a:r>
+            <a:endParaRPr lang="en-US" dirty="0"/>
+          </a:p>
+          <a:p>
+            <a:r>
+              <a:rPr lang="en-US" dirty="0">
+                <a:hlinkClick r:id="rId3"/>
+              </a:rPr>
+              <a:t>https://stackoverflow.com/questions/69237154/how-do-you-get-the-medial-axis-of-a-multipolygon-using-cgal</a:t>
+            </a:r>
+            <a:endParaRPr lang="en-US" dirty="0"/>
+          </a:p>
+          <a:p>
+            <a:endParaRPr lang="en-US" dirty="0"/>
+          </a:p>
+          <a:p>
+            <a:r>
+              <a:rPr lang="en-US" dirty="0">
+                <a:hlinkClick r:id="rId4"/>
+              </a:rPr>
+              <a:t>https://groups.csail.mit.edu/graphics/classes/6.838/S98/meetings/m25/m25.html</a:t>
+            </a:r>
+            <a:r>
+              <a:rPr lang="en-US" dirty="0"/>
+              <a:t> </a:t>
+            </a:r>
+          </a:p>
+          <a:p>
+            <a:endParaRPr lang="en-US" dirty="0"/>
+          </a:p>
+        </p:txBody>
+      </p:sp>
+    </p:spTree>
+    <p:extLst>
+      <p:ext uri="{BB962C8B-B14F-4D97-AF65-F5344CB8AC3E}">
+        <p14:creationId xmlns:p14="http://schemas.microsoft.com/office/powerpoint/2010/main" val="4045957193"/>
       </p:ext>
     </p:extLst>
   </p:cSld>

--- a/Documents/VertexSkeletonClassLibrary.pptx
+++ b/Documents/VertexSkeletonClassLibrary.pptx
@@ -29,12 +29,15 @@
     <p:sldId id="536" r:id="rId23"/>
     <p:sldId id="537" r:id="rId24"/>
     <p:sldId id="523" r:id="rId25"/>
-    <p:sldId id="538" r:id="rId26"/>
-    <p:sldId id="544" r:id="rId27"/>
-    <p:sldId id="539" r:id="rId28"/>
-    <p:sldId id="541" r:id="rId29"/>
-    <p:sldId id="542" r:id="rId30"/>
-    <p:sldId id="540" r:id="rId31"/>
+    <p:sldId id="545" r:id="rId26"/>
+    <p:sldId id="546" r:id="rId27"/>
+    <p:sldId id="538" r:id="rId28"/>
+    <p:sldId id="544" r:id="rId29"/>
+    <p:sldId id="539" r:id="rId30"/>
+    <p:sldId id="541" r:id="rId31"/>
+    <p:sldId id="547" r:id="rId32"/>
+    <p:sldId id="548" r:id="rId33"/>
+    <p:sldId id="540" r:id="rId34"/>
   </p:sldIdLst>
   <p:sldSz cx="12192000" cy="6858000"/>
   <p:notesSz cx="6858000" cy="9144000"/>
@@ -174,11 +177,14 @@
             <p14:sldId id="536"/>
             <p14:sldId id="537"/>
             <p14:sldId id="523"/>
+            <p14:sldId id="545"/>
+            <p14:sldId id="546"/>
             <p14:sldId id="538"/>
             <p14:sldId id="544"/>
             <p14:sldId id="539"/>
             <p14:sldId id="541"/>
-            <p14:sldId id="542"/>
+            <p14:sldId id="547"/>
+            <p14:sldId id="548"/>
             <p14:sldId id="540"/>
           </p14:sldIdLst>
         </p14:section>
@@ -454,7 +460,7 @@
           <a:p>
             <a:fld id="{ADCEBF8C-22C0-4323-9BBB-9413232198F8}" type="datetimeFigureOut">
               <a:rPr lang="en-US" smtClean="0"/>
-              <a:t>5/1/2025</a:t>
+              <a:t>5/4/2025</a:t>
             </a:fld>
             <a:endParaRPr lang="en-US"/>
           </a:p>
@@ -652,7 +658,7 @@
           <a:p>
             <a:fld id="{ADCEBF8C-22C0-4323-9BBB-9413232198F8}" type="datetimeFigureOut">
               <a:rPr lang="en-US" smtClean="0"/>
-              <a:t>5/1/2025</a:t>
+              <a:t>5/4/2025</a:t>
             </a:fld>
             <a:endParaRPr lang="en-US"/>
           </a:p>
@@ -860,7 +866,7 @@
           <a:p>
             <a:fld id="{ADCEBF8C-22C0-4323-9BBB-9413232198F8}" type="datetimeFigureOut">
               <a:rPr lang="en-US" smtClean="0"/>
-              <a:t>5/1/2025</a:t>
+              <a:t>5/4/2025</a:t>
             </a:fld>
             <a:endParaRPr lang="en-US"/>
           </a:p>
@@ -1058,7 +1064,7 @@
           <a:p>
             <a:fld id="{ADCEBF8C-22C0-4323-9BBB-9413232198F8}" type="datetimeFigureOut">
               <a:rPr lang="en-US" smtClean="0"/>
-              <a:t>5/1/2025</a:t>
+              <a:t>5/4/2025</a:t>
             </a:fld>
             <a:endParaRPr lang="en-US"/>
           </a:p>
@@ -1333,7 +1339,7 @@
           <a:p>
             <a:fld id="{ADCEBF8C-22C0-4323-9BBB-9413232198F8}" type="datetimeFigureOut">
               <a:rPr lang="en-US" smtClean="0"/>
-              <a:t>5/1/2025</a:t>
+              <a:t>5/4/2025</a:t>
             </a:fld>
             <a:endParaRPr lang="en-US"/>
           </a:p>
@@ -1598,7 +1604,7 @@
           <a:p>
             <a:fld id="{ADCEBF8C-22C0-4323-9BBB-9413232198F8}" type="datetimeFigureOut">
               <a:rPr lang="en-US" smtClean="0"/>
-              <a:t>5/1/2025</a:t>
+              <a:t>5/4/2025</a:t>
             </a:fld>
             <a:endParaRPr lang="en-US"/>
           </a:p>
@@ -2010,7 +2016,7 @@
           <a:p>
             <a:fld id="{ADCEBF8C-22C0-4323-9BBB-9413232198F8}" type="datetimeFigureOut">
               <a:rPr lang="en-US" smtClean="0"/>
-              <a:t>5/1/2025</a:t>
+              <a:t>5/4/2025</a:t>
             </a:fld>
             <a:endParaRPr lang="en-US"/>
           </a:p>
@@ -2151,7 +2157,7 @@
           <a:p>
             <a:fld id="{ADCEBF8C-22C0-4323-9BBB-9413232198F8}" type="datetimeFigureOut">
               <a:rPr lang="en-US" smtClean="0"/>
-              <a:t>5/1/2025</a:t>
+              <a:t>5/4/2025</a:t>
             </a:fld>
             <a:endParaRPr lang="en-US"/>
           </a:p>
@@ -2264,7 +2270,7 @@
           <a:p>
             <a:fld id="{ADCEBF8C-22C0-4323-9BBB-9413232198F8}" type="datetimeFigureOut">
               <a:rPr lang="en-US" smtClean="0"/>
-              <a:t>5/1/2025</a:t>
+              <a:t>5/4/2025</a:t>
             </a:fld>
             <a:endParaRPr lang="en-US"/>
           </a:p>
@@ -2575,7 +2581,7 @@
           <a:p>
             <a:fld id="{ADCEBF8C-22C0-4323-9BBB-9413232198F8}" type="datetimeFigureOut">
               <a:rPr lang="en-US" smtClean="0"/>
-              <a:t>5/1/2025</a:t>
+              <a:t>5/4/2025</a:t>
             </a:fld>
             <a:endParaRPr lang="en-US"/>
           </a:p>
@@ -2863,7 +2869,7 @@
           <a:p>
             <a:fld id="{ADCEBF8C-22C0-4323-9BBB-9413232198F8}" type="datetimeFigureOut">
               <a:rPr lang="en-US" smtClean="0"/>
-              <a:t>5/1/2025</a:t>
+              <a:t>5/4/2025</a:t>
             </a:fld>
             <a:endParaRPr lang="en-US"/>
           </a:p>
@@ -3104,7 +3110,7 @@
           <a:p>
             <a:fld id="{ADCEBF8C-22C0-4323-9BBB-9413232198F8}" type="datetimeFigureOut">
               <a:rPr lang="en-US" smtClean="0"/>
-              <a:t>5/1/2025</a:t>
+              <a:t>5/4/2025</a:t>
             </a:fld>
             <a:endParaRPr lang="en-US"/>
           </a:p>
@@ -7931,9 +7937,10 @@
           <a:lstStyle/>
           <a:p>
             <a:r>
-              <a:rPr lang="en-US" dirty="0"/>
+              <a:rPr lang="en-US"/>
               <a:t>For non-convex polytopes, the previous method requires modification.</a:t>
             </a:r>
+            <a:endParaRPr lang="en-US" dirty="0"/>
           </a:p>
         </p:txBody>
       </p:sp>
@@ -7962,7 +7969,7 @@
               <a:buNone/>
             </a:pPr>
             <a:r>
-              <a:rPr lang="en-US" dirty="0"/>
+              <a:rPr lang="en-US"/>
               <a:t>Namely, in step 2, the intersections may include other sides</a:t>
             </a:r>
           </a:p>
@@ -7972,7 +7979,7 @@
               <a:buAutoNum type="arabicPeriod"/>
             </a:pPr>
             <a:r>
-              <a:rPr lang="en-US" dirty="0"/>
+              <a:rPr lang="en-US"/>
               <a:t>Calculates the vectors pointing inward, and angles they make relative to next segment (“half angles”)</a:t>
             </a:r>
           </a:p>
@@ -7982,7 +7989,7 @@
               <a:buAutoNum type="arabicPeriod"/>
             </a:pPr>
             <a:r>
-              <a:rPr lang="en-US" dirty="0">
+              <a:rPr lang="en-US">
                 <a:solidFill>
                   <a:srgbClr val="FF0000"/>
                 </a:solidFill>
@@ -7996,7 +8003,7 @@
               <a:buAutoNum type="arabicPeriod"/>
             </a:pPr>
             <a:r>
-              <a:rPr lang="en-US" dirty="0"/>
+              <a:rPr lang="en-US"/>
               <a:t>Finds the minimum distance of intersection</a:t>
             </a:r>
           </a:p>
@@ -8006,7 +8013,7 @@
               <a:buAutoNum type="arabicPeriod"/>
             </a:pPr>
             <a:r>
-              <a:rPr lang="en-US" dirty="0"/>
+              <a:rPr lang="en-US"/>
               <a:t>Merges vertices that come together</a:t>
             </a:r>
           </a:p>
@@ -8016,7 +8023,7 @@
               <a:buAutoNum type="arabicPeriod"/>
             </a:pPr>
             <a:r>
-              <a:rPr lang="en-US" dirty="0"/>
+              <a:rPr lang="en-US"/>
               <a:t>Repeats</a:t>
             </a:r>
           </a:p>
@@ -8025,7 +8032,7 @@
               <a:buFont typeface="+mj-lt"/>
               <a:buAutoNum type="arabicPeriod"/>
             </a:pPr>
-            <a:endParaRPr lang="en-US" dirty="0"/>
+            <a:endParaRPr lang="en-US"/>
           </a:p>
           <a:p>
             <a:pPr marL="514350" indent="-514350">
@@ -8118,7 +8125,12 @@
             <p:ph idx="1"/>
           </p:nvPr>
         </p:nvSpPr>
-        <p:spPr/>
+        <p:spPr>
+          <a:xfrm>
+            <a:off x="838200" y="1825625"/>
+            <a:ext cx="6064468" cy="4351338"/>
+          </a:xfrm>
+        </p:spPr>
         <p:txBody>
           <a:bodyPr>
             <a:normAutofit/>
@@ -8149,6 +8161,15 @@
             <a:r>
               <a:rPr lang="en-US" sz="2000" dirty="0"/>
               <a:t>Unit vectors inward at each vertex</a:t>
+            </a:r>
+          </a:p>
+          <a:p>
+            <a:pPr marL="0" indent="0">
+              <a:buNone/>
+            </a:pPr>
+            <a:r>
+              <a:rPr lang="en-US" sz="2000" dirty="0"/>
+              <a:t>Magnitude and direction vector defining vertex motion for a unit cut</a:t>
             </a:r>
           </a:p>
           <a:p>
@@ -8206,7 +8227,7 @@
         </p:nvSpPr>
         <p:spPr>
           <a:xfrm>
-            <a:off x="332706" y="4719761"/>
+            <a:off x="438842" y="5850235"/>
             <a:ext cx="6569962" cy="461665"/>
           </a:xfrm>
           <a:prstGeom prst="rect">
@@ -8353,6 +8374,1451 @@
 </file>
 
 <file path=ppt/slides/slide25.xml><?xml version="1.0" encoding="utf-8"?>
+<p:sld xmlns:a="http://schemas.openxmlformats.org/drawingml/2006/main" xmlns:r="http://schemas.openxmlformats.org/officeDocument/2006/relationships" xmlns:p="http://schemas.openxmlformats.org/presentationml/2006/main">
+  <p:cSld>
+    <p:spTree>
+      <p:nvGrpSpPr>
+        <p:cNvPr id="1" name="">
+          <a:extLst>
+            <a:ext uri="{FF2B5EF4-FFF2-40B4-BE49-F238E27FC236}">
+              <a16:creationId xmlns:a16="http://schemas.microsoft.com/office/drawing/2014/main" id="{49BB3D00-1AA9-178D-003D-D44FE67B1715}"/>
+            </a:ext>
+          </a:extLst>
+        </p:cNvPr>
+        <p:cNvGrpSpPr/>
+        <p:nvPr/>
+      </p:nvGrpSpPr>
+      <p:grpSpPr>
+        <a:xfrm>
+          <a:off x="0" y="0"/>
+          <a:ext cx="0" cy="0"/>
+          <a:chOff x="0" y="0"/>
+          <a:chExt cx="0" cy="0"/>
+        </a:xfrm>
+      </p:grpSpPr>
+      <p:sp>
+        <p:nvSpPr>
+          <p:cNvPr id="4" name="Content Placeholder 3">
+            <a:extLst>
+              <a:ext uri="{FF2B5EF4-FFF2-40B4-BE49-F238E27FC236}">
+                <a16:creationId xmlns:a16="http://schemas.microsoft.com/office/drawing/2014/main" id="{26F3DE35-F96D-3707-380B-87848458E841}"/>
+              </a:ext>
+            </a:extLst>
+          </p:cNvPr>
+          <p:cNvSpPr>
+            <a:spLocks noGrp="1"/>
+          </p:cNvSpPr>
+          <p:nvPr>
+            <p:ph idx="1"/>
+          </p:nvPr>
+        </p:nvSpPr>
+        <p:spPr>
+          <a:xfrm>
+            <a:off x="838200" y="1825625"/>
+            <a:ext cx="6064468" cy="4351338"/>
+          </a:xfrm>
+        </p:spPr>
+        <p:txBody>
+          <a:bodyPr>
+            <a:normAutofit/>
+          </a:bodyPr>
+          <a:lstStyle/>
+          <a:p>
+            <a:pPr marL="0" indent="0">
+              <a:buNone/>
+            </a:pPr>
+            <a:r>
+              <a:rPr lang="en-US" sz="2000" dirty="0"/>
+              <a:t>Given:</a:t>
+            </a:r>
+          </a:p>
+          <a:p>
+            <a:pPr marL="0" indent="0">
+              <a:buNone/>
+            </a:pPr>
+            <a:r>
+              <a:rPr lang="en-US" sz="2000" dirty="0"/>
+              <a:t>Unit normal for segment ahead of each vertex</a:t>
+            </a:r>
+          </a:p>
+          <a:p>
+            <a:pPr marL="0" indent="0">
+              <a:buNone/>
+            </a:pPr>
+            <a:r>
+              <a:rPr lang="en-US" sz="2000" dirty="0"/>
+              <a:t>Unit vectors inward at each vertex</a:t>
+            </a:r>
+          </a:p>
+          <a:p>
+            <a:pPr marL="0" indent="0">
+              <a:buNone/>
+            </a:pPr>
+            <a:endParaRPr lang="en-US" sz="2000" dirty="0"/>
+          </a:p>
+          <a:p>
+            <a:pPr marL="0" indent="0">
+              <a:buNone/>
+            </a:pPr>
+            <a:r>
+              <a:rPr lang="en-US" sz="2000" dirty="0"/>
+              <a:t>For a unit travel in direction </a:t>
+            </a:r>
+            <a:r>
+              <a:rPr lang="en-US" sz="2000" dirty="0" err="1"/>
+              <a:t>n_i</a:t>
+            </a:r>
+            <a:r>
+              <a:rPr lang="en-US" sz="2000" dirty="0"/>
+              <a:t>:</a:t>
+            </a:r>
+          </a:p>
+          <a:p>
+            <a:pPr marL="0" indent="0">
+              <a:buNone/>
+            </a:pPr>
+            <a:endParaRPr lang="en-US" sz="2000" dirty="0"/>
+          </a:p>
+          <a:p>
+            <a:pPr marL="0" indent="0">
+              <a:buNone/>
+            </a:pPr>
+            <a:endParaRPr lang="en-US" sz="2000" dirty="0"/>
+          </a:p>
+          <a:p>
+            <a:pPr marL="0" indent="0">
+              <a:buNone/>
+            </a:pPr>
+            <a:endParaRPr lang="en-US" sz="2000" dirty="0"/>
+          </a:p>
+          <a:p>
+            <a:pPr marL="0" indent="0">
+              <a:buNone/>
+            </a:pPr>
+            <a:r>
+              <a:rPr lang="en-US" sz="2000" dirty="0"/>
+              <a:t>And projection vector for unit cut is given by:</a:t>
+            </a:r>
+          </a:p>
+          <a:p>
+            <a:pPr marL="0" indent="0">
+              <a:buNone/>
+            </a:pPr>
+            <a:endParaRPr lang="en-US" sz="1400" b="0" i="1" dirty="0">
+              <a:latin typeface="Cambria Math" panose="02040503050406030204" pitchFamily="18" charset="0"/>
+            </a:endParaRPr>
+          </a:p>
+          <a:p>
+            <a:pPr marL="0" indent="0">
+              <a:buNone/>
+            </a:pPr>
+            <a:endParaRPr lang="en-US" sz="2000" dirty="0"/>
+          </a:p>
+        </p:txBody>
+      </p:sp>
+      <p:sp>
+        <p:nvSpPr>
+          <p:cNvPr id="2" name="Title 1">
+            <a:extLst>
+              <a:ext uri="{FF2B5EF4-FFF2-40B4-BE49-F238E27FC236}">
+                <a16:creationId xmlns:a16="http://schemas.microsoft.com/office/drawing/2014/main" id="{DBA1B8AB-F900-2747-EB6A-118CC8B36037}"/>
+              </a:ext>
+            </a:extLst>
+          </p:cNvPr>
+          <p:cNvSpPr>
+            <a:spLocks noGrp="1"/>
+          </p:cNvSpPr>
+          <p:nvPr>
+            <p:ph type="title"/>
+          </p:nvPr>
+        </p:nvSpPr>
+        <p:spPr/>
+        <p:txBody>
+          <a:bodyPr>
+            <a:noAutofit/>
+          </a:bodyPr>
+          <a:lstStyle/>
+          <a:p>
+            <a:r>
+              <a:rPr lang="en-US" sz="3600" dirty="0"/>
+              <a:t>The magnitude of vertex motion for a unit cut can be found via the following</a:t>
+            </a:r>
+          </a:p>
+        </p:txBody>
+      </p:sp>
+      <p:sp>
+        <p:nvSpPr>
+          <p:cNvPr id="6" name="Rectangle 5">
+            <a:extLst>
+              <a:ext uri="{FF2B5EF4-FFF2-40B4-BE49-F238E27FC236}">
+                <a16:creationId xmlns:a16="http://schemas.microsoft.com/office/drawing/2014/main" id="{9DC9F0FC-CF50-BFE9-2064-4564A680FA6A}"/>
+              </a:ext>
+            </a:extLst>
+          </p:cNvPr>
+          <p:cNvSpPr/>
+          <p:nvPr/>
+        </p:nvSpPr>
+        <p:spPr>
+          <a:xfrm>
+            <a:off x="1606940" y="5946130"/>
+            <a:ext cx="6569962" cy="646331"/>
+          </a:xfrm>
+          <a:prstGeom prst="rect">
+            <a:avLst/>
+          </a:prstGeom>
+          <a:solidFill>
+            <a:schemeClr val="accent4">
+              <a:lumMod val="20000"/>
+              <a:lumOff val="80000"/>
+            </a:schemeClr>
+          </a:solidFill>
+        </p:spPr>
+        <p:txBody>
+          <a:bodyPr wrap="square" lIns="91440" tIns="45720" rIns="91440" bIns="45720" anchor="t">
+            <a:spAutoFit/>
+          </a:bodyPr>
+          <a:lstStyle/>
+          <a:p>
+            <a:r>
+              <a:rPr lang="en-US" sz="1200" b="0" i="0" u="none" strike="noStrike" baseline="0" dirty="0">
+                <a:solidFill>
+                  <a:srgbClr val="000000"/>
+                </a:solidFill>
+                <a:latin typeface="Courier New" panose="02070309020205020404" pitchFamily="49" charset="0"/>
+              </a:rPr>
+              <a:t>[</a:t>
+            </a:r>
+            <a:r>
+              <a:rPr lang="en-US" sz="1200" b="0" i="0" u="none" strike="noStrike" baseline="0" dirty="0" err="1">
+                <a:solidFill>
+                  <a:srgbClr val="000000"/>
+                </a:solidFill>
+                <a:latin typeface="Courier New" panose="02070309020205020404" pitchFamily="49" charset="0"/>
+              </a:rPr>
+              <a:t>unit_normal_vectors</a:t>
+            </a:r>
+            <a:r>
+              <a:rPr lang="en-US" sz="1200" b="0" i="0" u="none" strike="noStrike" baseline="0" dirty="0">
+                <a:solidFill>
+                  <a:srgbClr val="000000"/>
+                </a:solidFill>
+                <a:latin typeface="Courier New" panose="02070309020205020404" pitchFamily="49" charset="0"/>
+              </a:rPr>
+              <a:t>, </a:t>
+            </a:r>
+            <a:r>
+              <a:rPr lang="en-US" sz="1200" b="0" i="0" u="none" strike="noStrike" baseline="0" dirty="0" err="1">
+                <a:solidFill>
+                  <a:srgbClr val="000000"/>
+                </a:solidFill>
+                <a:latin typeface="Courier New" panose="02070309020205020404" pitchFamily="49" charset="0"/>
+              </a:rPr>
+              <a:t>unit_vertex_projection_vectors</a:t>
+            </a:r>
+            <a:r>
+              <a:rPr lang="en-US" sz="1200" b="0" i="0" u="none" strike="noStrike" baseline="0" dirty="0">
+                <a:solidFill>
+                  <a:srgbClr val="000000"/>
+                </a:solidFill>
+                <a:latin typeface="Courier New" panose="02070309020205020404" pitchFamily="49" charset="0"/>
+              </a:rPr>
+              <a:t>, </a:t>
+            </a:r>
+            <a:r>
+              <a:rPr lang="en-US" sz="1200" b="0" i="0" u="none" strike="noStrike" baseline="0" dirty="0" err="1">
+                <a:solidFill>
+                  <a:srgbClr val="000000"/>
+                </a:solidFill>
+                <a:latin typeface="Courier New" panose="02070309020205020404" pitchFamily="49" charset="0"/>
+              </a:rPr>
+              <a:t>vector_direction_of_unit_cut</a:t>
+            </a:r>
+            <a:r>
+              <a:rPr lang="en-US" sz="1200" b="0" i="0" u="none" strike="noStrike" baseline="0" dirty="0">
+                <a:solidFill>
+                  <a:srgbClr val="000000"/>
+                </a:solidFill>
+                <a:latin typeface="Courier New" panose="02070309020205020404" pitchFamily="49" charset="0"/>
+              </a:rPr>
+              <a:t>] = ...</a:t>
+            </a:r>
+          </a:p>
+          <a:p>
+            <a:r>
+              <a:rPr lang="en-US" sz="1200" b="0" i="0" u="none" strike="noStrike" baseline="0" dirty="0">
+                <a:solidFill>
+                  <a:srgbClr val="000000"/>
+                </a:solidFill>
+                <a:latin typeface="Courier New" panose="02070309020205020404" pitchFamily="49" charset="0"/>
+              </a:rPr>
+              <a:t>    </a:t>
+            </a:r>
+            <a:r>
+              <a:rPr lang="en-US" sz="1200" b="0" i="0" u="none" strike="noStrike" baseline="0" dirty="0" err="1">
+                <a:solidFill>
+                  <a:srgbClr val="000000"/>
+                </a:solidFill>
+                <a:latin typeface="Courier New" panose="02070309020205020404" pitchFamily="49" charset="0"/>
+              </a:rPr>
+              <a:t>fcn_VSkel_fcn_polytopeFindUnitDirectionVectors</a:t>
+            </a:r>
+            <a:r>
+              <a:rPr lang="en-US" sz="1200" b="0" i="0" u="none" strike="noStrike" baseline="0" dirty="0">
+                <a:solidFill>
+                  <a:srgbClr val="000000"/>
+                </a:solidFill>
+                <a:latin typeface="Courier New" panose="02070309020205020404" pitchFamily="49" charset="0"/>
+              </a:rPr>
+              <a:t>(</a:t>
+            </a:r>
+            <a:r>
+              <a:rPr lang="en-US" sz="1200" b="0" i="0" u="none" strike="noStrike" baseline="0" dirty="0" err="1">
+                <a:solidFill>
+                  <a:srgbClr val="000000"/>
+                </a:solidFill>
+                <a:latin typeface="Courier New" panose="02070309020205020404" pitchFamily="49" charset="0"/>
+              </a:rPr>
+              <a:t>vertices,fig_num</a:t>
+            </a:r>
+            <a:r>
+              <a:rPr lang="en-US" sz="1200" b="0" i="0" u="none" strike="noStrike" baseline="0" dirty="0">
+                <a:solidFill>
+                  <a:srgbClr val="000000"/>
+                </a:solidFill>
+                <a:latin typeface="Courier New" panose="02070309020205020404" pitchFamily="49" charset="0"/>
+              </a:rPr>
+              <a:t>);</a:t>
+            </a:r>
+          </a:p>
+        </p:txBody>
+      </p:sp>
+      <p:cxnSp>
+        <p:nvCxnSpPr>
+          <p:cNvPr id="3" name="Straight Connector 2">
+            <a:extLst>
+              <a:ext uri="{FF2B5EF4-FFF2-40B4-BE49-F238E27FC236}">
+                <a16:creationId xmlns:a16="http://schemas.microsoft.com/office/drawing/2014/main" id="{2D2E098F-BF7B-0406-DC24-61FB43DF6B57}"/>
+              </a:ext>
+            </a:extLst>
+          </p:cNvPr>
+          <p:cNvCxnSpPr>
+            <a:cxnSpLocks/>
+          </p:cNvCxnSpPr>
+          <p:nvPr/>
+        </p:nvCxnSpPr>
+        <p:spPr>
+          <a:xfrm flipV="1">
+            <a:off x="6096000" y="3429000"/>
+            <a:ext cx="1426321" cy="1458135"/>
+          </a:xfrm>
+          <a:prstGeom prst="line">
+            <a:avLst/>
+          </a:prstGeom>
+          <a:ln w="38100"/>
+        </p:spPr>
+        <p:style>
+          <a:lnRef idx="1">
+            <a:schemeClr val="accent1"/>
+          </a:lnRef>
+          <a:fillRef idx="0">
+            <a:schemeClr val="accent1"/>
+          </a:fillRef>
+          <a:effectRef idx="0">
+            <a:schemeClr val="accent1"/>
+          </a:effectRef>
+          <a:fontRef idx="minor">
+            <a:schemeClr val="tx1"/>
+          </a:fontRef>
+        </p:style>
+      </p:cxnSp>
+      <p:cxnSp>
+        <p:nvCxnSpPr>
+          <p:cNvPr id="5" name="Straight Connector 4">
+            <a:extLst>
+              <a:ext uri="{FF2B5EF4-FFF2-40B4-BE49-F238E27FC236}">
+                <a16:creationId xmlns:a16="http://schemas.microsoft.com/office/drawing/2014/main" id="{6F121AD1-B3FB-EED7-71A3-107AD547483E}"/>
+              </a:ext>
+            </a:extLst>
+          </p:cNvPr>
+          <p:cNvCxnSpPr>
+            <a:cxnSpLocks/>
+          </p:cNvCxnSpPr>
+          <p:nvPr/>
+        </p:nvCxnSpPr>
+        <p:spPr>
+          <a:xfrm flipH="1" flipV="1">
+            <a:off x="7522321" y="3429000"/>
+            <a:ext cx="1309163" cy="1325275"/>
+          </a:xfrm>
+          <a:prstGeom prst="line">
+            <a:avLst/>
+          </a:prstGeom>
+          <a:ln w="38100"/>
+        </p:spPr>
+        <p:style>
+          <a:lnRef idx="1">
+            <a:schemeClr val="accent1"/>
+          </a:lnRef>
+          <a:fillRef idx="0">
+            <a:schemeClr val="accent1"/>
+          </a:fillRef>
+          <a:effectRef idx="0">
+            <a:schemeClr val="accent1"/>
+          </a:effectRef>
+          <a:fontRef idx="minor">
+            <a:schemeClr val="tx1"/>
+          </a:fontRef>
+        </p:style>
+      </p:cxnSp>
+      <p:grpSp>
+        <p:nvGrpSpPr>
+          <p:cNvPr id="7" name="Group 6">
+            <a:extLst>
+              <a:ext uri="{FF2B5EF4-FFF2-40B4-BE49-F238E27FC236}">
+                <a16:creationId xmlns:a16="http://schemas.microsoft.com/office/drawing/2014/main" id="{100BBF5D-3C17-DC10-4215-40B69CB68AD8}"/>
+              </a:ext>
+            </a:extLst>
+          </p:cNvPr>
+          <p:cNvGrpSpPr/>
+          <p:nvPr/>
+        </p:nvGrpSpPr>
+        <p:grpSpPr>
+          <a:xfrm>
+            <a:off x="7409494" y="2584565"/>
+            <a:ext cx="250325" cy="844435"/>
+            <a:chOff x="6972766" y="3719509"/>
+            <a:chExt cx="250325" cy="844435"/>
+          </a:xfrm>
+        </p:grpSpPr>
+        <p:cxnSp>
+          <p:nvCxnSpPr>
+            <p:cNvPr id="9" name="Straight Connector 8">
+              <a:extLst>
+                <a:ext uri="{FF2B5EF4-FFF2-40B4-BE49-F238E27FC236}">
+                  <a16:creationId xmlns:a16="http://schemas.microsoft.com/office/drawing/2014/main" id="{DD763962-7B46-F506-42D0-4F820620D3E3}"/>
+                </a:ext>
+              </a:extLst>
+            </p:cNvPr>
+            <p:cNvCxnSpPr>
+              <a:cxnSpLocks/>
+            </p:cNvCxnSpPr>
+            <p:nvPr/>
+          </p:nvCxnSpPr>
+          <p:spPr>
+            <a:xfrm flipV="1">
+              <a:off x="7079970" y="4063977"/>
+              <a:ext cx="17959" cy="499967"/>
+            </a:xfrm>
+            <a:prstGeom prst="line">
+              <a:avLst/>
+            </a:prstGeom>
+            <a:ln w="31750">
+              <a:tailEnd type="triangle"/>
+            </a:ln>
+          </p:spPr>
+          <p:style>
+            <a:lnRef idx="1">
+              <a:schemeClr val="accent1"/>
+            </a:lnRef>
+            <a:fillRef idx="0">
+              <a:schemeClr val="accent1"/>
+            </a:fillRef>
+            <a:effectRef idx="0">
+              <a:schemeClr val="accent1"/>
+            </a:effectRef>
+            <a:fontRef idx="minor">
+              <a:schemeClr val="tx1"/>
+            </a:fontRef>
+          </p:style>
+        </p:cxnSp>
+        <mc:AlternateContent xmlns:mc="http://schemas.openxmlformats.org/markup-compatibility/2006" xmlns:a14="http://schemas.microsoft.com/office/drawing/2010/main">
+          <mc:Choice Requires="a14">
+            <p:sp>
+              <p:nvSpPr>
+                <p:cNvPr id="10" name="TextBox 9">
+                  <a:extLst>
+                    <a:ext uri="{FF2B5EF4-FFF2-40B4-BE49-F238E27FC236}">
+                      <a16:creationId xmlns:a16="http://schemas.microsoft.com/office/drawing/2014/main" id="{E9A75DCA-C84D-A7B5-883D-2AB47031510A}"/>
+                    </a:ext>
+                  </a:extLst>
+                </p:cNvPr>
+                <p:cNvSpPr txBox="1"/>
+                <p:nvPr/>
+              </p:nvSpPr>
+              <p:spPr>
+                <a:xfrm>
+                  <a:off x="6972766" y="3719509"/>
+                  <a:ext cx="250325" cy="276999"/>
+                </a:xfrm>
+                <a:prstGeom prst="rect">
+                  <a:avLst/>
+                </a:prstGeom>
+                <a:noFill/>
+              </p:spPr>
+              <p:txBody>
+                <a:bodyPr wrap="none" lIns="0" tIns="0" rIns="0" bIns="0" rtlCol="0">
+                  <a:spAutoFit/>
+                </a:bodyPr>
+                <a:lstStyle/>
+                <a:p>
+                  <a:pPr/>
+                  <a14:m>
+                    <m:oMathPara xmlns:m="http://schemas.openxmlformats.org/officeDocument/2006/math">
+                      <m:oMathParaPr>
+                        <m:jc m:val="centerGroup"/>
+                      </m:oMathParaPr>
+                      <m:oMath xmlns:m="http://schemas.openxmlformats.org/officeDocument/2006/math">
+                        <m:acc>
+                          <m:accPr>
+                            <m:chr m:val="̂"/>
+                            <m:ctrlPr>
+                              <a:rPr lang="en-US" b="0" i="1" smtClean="0">
+                                <a:latin typeface="Cambria Math" panose="02040503050406030204" pitchFamily="18" charset="0"/>
+                              </a:rPr>
+                            </m:ctrlPr>
+                          </m:accPr>
+                          <m:e>
+                            <m:sSub>
+                              <m:sSubPr>
+                                <m:ctrlPr>
+                                  <a:rPr lang="en-US" b="0" i="1" smtClean="0">
+                                    <a:latin typeface="Cambria Math" panose="02040503050406030204" pitchFamily="18" charset="0"/>
+                                  </a:rPr>
+                                </m:ctrlPr>
+                              </m:sSubPr>
+                              <m:e>
+                                <m:r>
+                                  <a:rPr lang="en-US" b="0" i="1" smtClean="0">
+                                    <a:latin typeface="Cambria Math" panose="02040503050406030204" pitchFamily="18" charset="0"/>
+                                  </a:rPr>
+                                  <m:t>𝑣</m:t>
+                                </m:r>
+                              </m:e>
+                              <m:sub>
+                                <m:r>
+                                  <a:rPr lang="en-US" b="0" i="1" smtClean="0">
+                                    <a:latin typeface="Cambria Math" panose="02040503050406030204" pitchFamily="18" charset="0"/>
+                                  </a:rPr>
+                                  <m:t>𝑖</m:t>
+                                </m:r>
+                              </m:sub>
+                            </m:sSub>
+                          </m:e>
+                        </m:acc>
+                      </m:oMath>
+                    </m:oMathPara>
+                  </a14:m>
+                  <a:endParaRPr lang="en-US" b="0" dirty="0"/>
+                </a:p>
+              </p:txBody>
+            </p:sp>
+          </mc:Choice>
+          <mc:Fallback xmlns="">
+            <p:sp>
+              <p:nvSpPr>
+                <p:cNvPr id="14" name="TextBox 13">
+                  <a:extLst>
+                    <a:ext uri="{FF2B5EF4-FFF2-40B4-BE49-F238E27FC236}">
+                      <a16:creationId xmlns:a16="http://schemas.microsoft.com/office/drawing/2014/main" id="{F7FCBA7A-D404-50E4-E61A-710C042C12CF}"/>
+                    </a:ext>
+                  </a:extLst>
+                </p:cNvPr>
+                <p:cNvSpPr txBox="1">
+                  <a:spLocks noRot="1" noChangeAspect="1" noMove="1" noResize="1" noEditPoints="1" noAdjustHandles="1" noChangeArrowheads="1" noChangeShapeType="1" noTextEdit="1"/>
+                </p:cNvSpPr>
+                <p:nvPr/>
+              </p:nvSpPr>
+              <p:spPr>
+                <a:xfrm>
+                  <a:off x="6972766" y="3719509"/>
+                  <a:ext cx="250325" cy="276999"/>
+                </a:xfrm>
+                <a:prstGeom prst="rect">
+                  <a:avLst/>
+                </a:prstGeom>
+                <a:blipFill>
+                  <a:blip r:embed="rId2"/>
+                  <a:stretch>
+                    <a:fillRect l="-14634" t="-23913" r="-56098" b="-17391"/>
+                  </a:stretch>
+                </a:blipFill>
+              </p:spPr>
+              <p:txBody>
+                <a:bodyPr/>
+                <a:lstStyle/>
+                <a:p>
+                  <a:r>
+                    <a:rPr lang="en-US">
+                      <a:noFill/>
+                    </a:rPr>
+                    <a:t> </a:t>
+                  </a:r>
+                </a:p>
+              </p:txBody>
+            </p:sp>
+          </mc:Fallback>
+        </mc:AlternateContent>
+      </p:grpSp>
+      <mc:AlternateContent xmlns:mc="http://schemas.openxmlformats.org/markup-compatibility/2006" xmlns:a14="http://schemas.microsoft.com/office/drawing/2010/main">
+        <mc:Choice Requires="a14">
+          <p:sp>
+            <p:nvSpPr>
+              <p:cNvPr id="11" name="TextBox 10">
+                <a:extLst>
+                  <a:ext uri="{FF2B5EF4-FFF2-40B4-BE49-F238E27FC236}">
+                    <a16:creationId xmlns:a16="http://schemas.microsoft.com/office/drawing/2014/main" id="{34A25BD1-0690-4FDD-1804-F291230614FA}"/>
+                  </a:ext>
+                </a:extLst>
+              </p:cNvPr>
+              <p:cNvSpPr txBox="1"/>
+              <p:nvPr/>
+            </p:nvSpPr>
+            <p:spPr>
+              <a:xfrm>
+                <a:off x="7590429" y="3290500"/>
+                <a:ext cx="248465" cy="276999"/>
+              </a:xfrm>
+              <a:prstGeom prst="rect">
+                <a:avLst/>
+              </a:prstGeom>
+              <a:noFill/>
+            </p:spPr>
+            <p:txBody>
+              <a:bodyPr wrap="square" lIns="0" tIns="0" rIns="0" bIns="0" rtlCol="0">
+                <a:spAutoFit/>
+              </a:bodyPr>
+              <a:lstStyle/>
+              <a:p>
+                <a:pPr/>
+                <a14:m>
+                  <m:oMathPara xmlns:m="http://schemas.openxmlformats.org/officeDocument/2006/math">
+                    <m:oMathParaPr>
+                      <m:jc m:val="centerGroup"/>
+                    </m:oMathParaPr>
+                    <m:oMath xmlns:m="http://schemas.openxmlformats.org/officeDocument/2006/math">
+                      <m:sSub>
+                        <m:sSubPr>
+                          <m:ctrlPr>
+                            <a:rPr lang="en-US" b="0" i="1" smtClean="0">
+                              <a:latin typeface="Cambria Math" panose="02040503050406030204" pitchFamily="18" charset="0"/>
+                            </a:rPr>
+                          </m:ctrlPr>
+                        </m:sSubPr>
+                        <m:e>
+                          <m:r>
+                            <a:rPr lang="en-US" b="0" i="1" smtClean="0">
+                              <a:latin typeface="Cambria Math" panose="02040503050406030204" pitchFamily="18" charset="0"/>
+                            </a:rPr>
+                            <m:t>𝑝</m:t>
+                          </m:r>
+                        </m:e>
+                        <m:sub>
+                          <m:r>
+                            <a:rPr lang="en-US" b="0" i="1" smtClean="0">
+                              <a:latin typeface="Cambria Math" panose="02040503050406030204" pitchFamily="18" charset="0"/>
+                            </a:rPr>
+                            <m:t>𝑖</m:t>
+                          </m:r>
+                        </m:sub>
+                      </m:sSub>
+                    </m:oMath>
+                  </m:oMathPara>
+                </a14:m>
+                <a:endParaRPr lang="en-US" dirty="0"/>
+              </a:p>
+            </p:txBody>
+          </p:sp>
+        </mc:Choice>
+        <mc:Fallback xmlns="">
+          <p:sp>
+            <p:nvSpPr>
+              <p:cNvPr id="11" name="TextBox 10">
+                <a:extLst>
+                  <a:ext uri="{FF2B5EF4-FFF2-40B4-BE49-F238E27FC236}">
+                    <a16:creationId xmlns:a16="http://schemas.microsoft.com/office/drawing/2014/main" id="{34A25BD1-0690-4FDD-1804-F291230614FA}"/>
+                  </a:ext>
+                </a:extLst>
+              </p:cNvPr>
+              <p:cNvSpPr txBox="1">
+                <a:spLocks noRot="1" noChangeAspect="1" noMove="1" noResize="1" noEditPoints="1" noAdjustHandles="1" noChangeArrowheads="1" noChangeShapeType="1" noTextEdit="1"/>
+              </p:cNvSpPr>
+              <p:nvPr/>
+            </p:nvSpPr>
+            <p:spPr>
+              <a:xfrm>
+                <a:off x="7590429" y="3290500"/>
+                <a:ext cx="248465" cy="276999"/>
+              </a:xfrm>
+              <a:prstGeom prst="rect">
+                <a:avLst/>
+              </a:prstGeom>
+              <a:blipFill>
+                <a:blip r:embed="rId3"/>
+                <a:stretch>
+                  <a:fillRect l="-24390" r="-9756" b="-26667"/>
+                </a:stretch>
+              </a:blipFill>
+            </p:spPr>
+            <p:txBody>
+              <a:bodyPr/>
+              <a:lstStyle/>
+              <a:p>
+                <a:r>
+                  <a:rPr lang="en-US">
+                    <a:noFill/>
+                  </a:rPr>
+                  <a:t> </a:t>
+                </a:r>
+              </a:p>
+            </p:txBody>
+          </p:sp>
+        </mc:Fallback>
+      </mc:AlternateContent>
+      <p:cxnSp>
+        <p:nvCxnSpPr>
+          <p:cNvPr id="12" name="Straight Connector 11">
+            <a:extLst>
+              <a:ext uri="{FF2B5EF4-FFF2-40B4-BE49-F238E27FC236}">
+                <a16:creationId xmlns:a16="http://schemas.microsoft.com/office/drawing/2014/main" id="{21760814-3F2B-D19D-20CA-93398DC0A607}"/>
+              </a:ext>
+            </a:extLst>
+          </p:cNvPr>
+          <p:cNvCxnSpPr>
+            <a:cxnSpLocks/>
+          </p:cNvCxnSpPr>
+          <p:nvPr/>
+        </p:nvCxnSpPr>
+        <p:spPr>
+          <a:xfrm flipV="1">
+            <a:off x="8246853" y="3846489"/>
+            <a:ext cx="223857" cy="288446"/>
+          </a:xfrm>
+          <a:prstGeom prst="line">
+            <a:avLst/>
+          </a:prstGeom>
+          <a:ln w="31750">
+            <a:tailEnd type="triangle"/>
+          </a:ln>
+        </p:spPr>
+        <p:style>
+          <a:lnRef idx="1">
+            <a:schemeClr val="accent1"/>
+          </a:lnRef>
+          <a:fillRef idx="0">
+            <a:schemeClr val="accent1"/>
+          </a:fillRef>
+          <a:effectRef idx="0">
+            <a:schemeClr val="accent1"/>
+          </a:effectRef>
+          <a:fontRef idx="minor">
+            <a:schemeClr val="tx1"/>
+          </a:fontRef>
+        </p:style>
+      </p:cxnSp>
+      <mc:AlternateContent xmlns:mc="http://schemas.openxmlformats.org/markup-compatibility/2006" xmlns:a14="http://schemas.microsoft.com/office/drawing/2010/main">
+        <mc:Choice Requires="a14">
+          <p:sp>
+            <p:nvSpPr>
+              <p:cNvPr id="13" name="TextBox 12">
+                <a:extLst>
+                  <a:ext uri="{FF2B5EF4-FFF2-40B4-BE49-F238E27FC236}">
+                    <a16:creationId xmlns:a16="http://schemas.microsoft.com/office/drawing/2014/main" id="{23249F55-6931-34DD-4F85-909EC42DA5C5}"/>
+                  </a:ext>
+                </a:extLst>
+              </p:cNvPr>
+              <p:cNvSpPr txBox="1"/>
+              <p:nvPr/>
+            </p:nvSpPr>
+            <p:spPr>
+              <a:xfrm>
+                <a:off x="8139649" y="3290500"/>
+                <a:ext cx="260584" cy="276999"/>
+              </a:xfrm>
+              <a:prstGeom prst="rect">
+                <a:avLst/>
+              </a:prstGeom>
+              <a:noFill/>
+            </p:spPr>
+            <p:txBody>
+              <a:bodyPr wrap="none" lIns="0" tIns="0" rIns="0" bIns="0" rtlCol="0">
+                <a:spAutoFit/>
+              </a:bodyPr>
+              <a:lstStyle/>
+              <a:p>
+                <a:pPr/>
+                <a14:m>
+                  <m:oMathPara xmlns:m="http://schemas.openxmlformats.org/officeDocument/2006/math">
+                    <m:oMathParaPr>
+                      <m:jc m:val="centerGroup"/>
+                    </m:oMathParaPr>
+                    <m:oMath xmlns:m="http://schemas.openxmlformats.org/officeDocument/2006/math">
+                      <m:acc>
+                        <m:accPr>
+                          <m:chr m:val="̂"/>
+                          <m:ctrlPr>
+                            <a:rPr lang="en-US" b="0" i="1" smtClean="0">
+                              <a:latin typeface="Cambria Math" panose="02040503050406030204" pitchFamily="18" charset="0"/>
+                            </a:rPr>
+                          </m:ctrlPr>
+                        </m:accPr>
+                        <m:e>
+                          <m:sSub>
+                            <m:sSubPr>
+                              <m:ctrlPr>
+                                <a:rPr lang="en-US" b="0" i="1" smtClean="0">
+                                  <a:latin typeface="Cambria Math" panose="02040503050406030204" pitchFamily="18" charset="0"/>
+                                </a:rPr>
+                              </m:ctrlPr>
+                            </m:sSubPr>
+                            <m:e>
+                              <m:r>
+                                <a:rPr lang="en-US" b="0" i="1" smtClean="0">
+                                  <a:latin typeface="Cambria Math" panose="02040503050406030204" pitchFamily="18" charset="0"/>
+                                </a:rPr>
+                                <m:t>𝑛</m:t>
+                              </m:r>
+                            </m:e>
+                            <m:sub>
+                              <m:r>
+                                <a:rPr lang="en-US" b="0" i="1" smtClean="0">
+                                  <a:latin typeface="Cambria Math" panose="02040503050406030204" pitchFamily="18" charset="0"/>
+                                </a:rPr>
+                                <m:t>𝑖</m:t>
+                              </m:r>
+                            </m:sub>
+                          </m:sSub>
+                        </m:e>
+                      </m:acc>
+                    </m:oMath>
+                  </m:oMathPara>
+                </a14:m>
+                <a:endParaRPr lang="en-US" b="0" dirty="0"/>
+              </a:p>
+            </p:txBody>
+          </p:sp>
+        </mc:Choice>
+        <mc:Fallback xmlns="">
+          <p:sp>
+            <p:nvSpPr>
+              <p:cNvPr id="13" name="TextBox 12">
+                <a:extLst>
+                  <a:ext uri="{FF2B5EF4-FFF2-40B4-BE49-F238E27FC236}">
+                    <a16:creationId xmlns:a16="http://schemas.microsoft.com/office/drawing/2014/main" id="{23249F55-6931-34DD-4F85-909EC42DA5C5}"/>
+                  </a:ext>
+                </a:extLst>
+              </p:cNvPr>
+              <p:cNvSpPr txBox="1">
+                <a:spLocks noRot="1" noChangeAspect="1" noMove="1" noResize="1" noEditPoints="1" noAdjustHandles="1" noChangeArrowheads="1" noChangeShapeType="1" noTextEdit="1"/>
+              </p:cNvSpPr>
+              <p:nvPr/>
+            </p:nvSpPr>
+            <p:spPr>
+              <a:xfrm>
+                <a:off x="8139649" y="3290500"/>
+                <a:ext cx="260584" cy="276999"/>
+              </a:xfrm>
+              <a:prstGeom prst="rect">
+                <a:avLst/>
+              </a:prstGeom>
+              <a:blipFill>
+                <a:blip r:embed="rId4"/>
+                <a:stretch>
+                  <a:fillRect l="-13953" t="-26667" r="-58140" b="-17778"/>
+                </a:stretch>
+              </a:blipFill>
+            </p:spPr>
+            <p:txBody>
+              <a:bodyPr/>
+              <a:lstStyle/>
+              <a:p>
+                <a:r>
+                  <a:rPr lang="en-US">
+                    <a:noFill/>
+                  </a:rPr>
+                  <a:t> </a:t>
+                </a:r>
+              </a:p>
+            </p:txBody>
+          </p:sp>
+        </mc:Fallback>
+      </mc:AlternateContent>
+      <mc:AlternateContent xmlns:mc="http://schemas.openxmlformats.org/markup-compatibility/2006" xmlns:a14="http://schemas.microsoft.com/office/drawing/2010/main">
+        <mc:Choice Requires="a14">
+          <p:sp>
+            <p:nvSpPr>
+              <p:cNvPr id="15" name="TextBox 14">
+                <a:extLst>
+                  <a:ext uri="{FF2B5EF4-FFF2-40B4-BE49-F238E27FC236}">
+                    <a16:creationId xmlns:a16="http://schemas.microsoft.com/office/drawing/2014/main" id="{A8DCD132-4A80-26FB-EEFD-F84BDEDA7607}"/>
+                  </a:ext>
+                </a:extLst>
+              </p:cNvPr>
+              <p:cNvSpPr txBox="1"/>
+              <p:nvPr/>
+            </p:nvSpPr>
+            <p:spPr>
+              <a:xfrm>
+                <a:off x="1572346" y="3846489"/>
+                <a:ext cx="2517962" cy="1216551"/>
+              </a:xfrm>
+              <a:prstGeom prst="rect">
+                <a:avLst/>
+              </a:prstGeom>
+              <a:noFill/>
+            </p:spPr>
+            <p:txBody>
+              <a:bodyPr wrap="square">
+                <a:spAutoFit/>
+              </a:bodyPr>
+              <a:lstStyle/>
+              <a:p>
+                <a:pPr/>
+                <a14:m>
+                  <m:oMathPara xmlns:m="http://schemas.openxmlformats.org/officeDocument/2006/math">
+                    <m:oMathParaPr>
+                      <m:jc m:val="centerGroup"/>
+                    </m:oMathParaPr>
+                    <m:oMath xmlns:m="http://schemas.openxmlformats.org/officeDocument/2006/math">
+                      <m:r>
+                        <a:rPr lang="en-US" b="0" i="1" smtClean="0">
+                          <a:latin typeface="Cambria Math" panose="02040503050406030204" pitchFamily="18" charset="0"/>
+                        </a:rPr>
+                        <m:t>𝑑</m:t>
+                      </m:r>
+                      <m:r>
+                        <a:rPr lang="en-US" b="0" i="1" smtClean="0">
+                          <a:latin typeface="Cambria Math" panose="02040503050406030204" pitchFamily="18" charset="0"/>
+                        </a:rPr>
+                        <m:t>⋅</m:t>
+                      </m:r>
+                      <m:acc>
+                        <m:accPr>
+                          <m:chr m:val="̂"/>
+                          <m:ctrlPr>
+                            <a:rPr lang="en-US" b="0" i="1" smtClean="0">
+                              <a:latin typeface="Cambria Math" panose="02040503050406030204" pitchFamily="18" charset="0"/>
+                            </a:rPr>
+                          </m:ctrlPr>
+                        </m:accPr>
+                        <m:e>
+                          <m:sSub>
+                            <m:sSubPr>
+                              <m:ctrlPr>
+                                <a:rPr lang="en-US" i="1">
+                                  <a:latin typeface="Cambria Math" panose="02040503050406030204" pitchFamily="18" charset="0"/>
+                                </a:rPr>
+                              </m:ctrlPr>
+                            </m:sSubPr>
+                            <m:e>
+                              <m:r>
+                                <a:rPr lang="en-US" i="1">
+                                  <a:latin typeface="Cambria Math" panose="02040503050406030204" pitchFamily="18" charset="0"/>
+                                </a:rPr>
+                                <m:t>𝑣</m:t>
+                              </m:r>
+                            </m:e>
+                            <m:sub>
+                              <m:r>
+                                <a:rPr lang="en-US" i="1">
+                                  <a:latin typeface="Cambria Math" panose="02040503050406030204" pitchFamily="18" charset="0"/>
+                                </a:rPr>
+                                <m:t>𝑖</m:t>
+                              </m:r>
+                            </m:sub>
+                          </m:sSub>
+                        </m:e>
+                      </m:acc>
+                      <m:r>
+                        <a:rPr lang="en-US" b="0" i="1" smtClean="0">
+                          <a:latin typeface="Cambria Math" panose="02040503050406030204" pitchFamily="18" charset="0"/>
+                        </a:rPr>
+                        <m:t>⋅</m:t>
+                      </m:r>
+                      <m:acc>
+                        <m:accPr>
+                          <m:chr m:val="̂"/>
+                          <m:ctrlPr>
+                            <a:rPr lang="en-US" i="1">
+                              <a:latin typeface="Cambria Math" panose="02040503050406030204" pitchFamily="18" charset="0"/>
+                            </a:rPr>
+                          </m:ctrlPr>
+                        </m:accPr>
+                        <m:e>
+                          <m:sSub>
+                            <m:sSubPr>
+                              <m:ctrlPr>
+                                <a:rPr lang="en-US" i="1">
+                                  <a:latin typeface="Cambria Math" panose="02040503050406030204" pitchFamily="18" charset="0"/>
+                                </a:rPr>
+                              </m:ctrlPr>
+                            </m:sSubPr>
+                            <m:e>
+                              <m:r>
+                                <a:rPr lang="en-US" b="0" i="1" smtClean="0">
+                                  <a:latin typeface="Cambria Math" panose="02040503050406030204" pitchFamily="18" charset="0"/>
+                                </a:rPr>
+                                <m:t>𝑛</m:t>
+                              </m:r>
+                            </m:e>
+                            <m:sub>
+                              <m:r>
+                                <a:rPr lang="en-US" i="1">
+                                  <a:latin typeface="Cambria Math" panose="02040503050406030204" pitchFamily="18" charset="0"/>
+                                </a:rPr>
+                                <m:t>𝑖</m:t>
+                              </m:r>
+                            </m:sub>
+                          </m:sSub>
+                        </m:e>
+                      </m:acc>
+                      <m:r>
+                        <a:rPr lang="en-US" b="0" i="1" smtClean="0">
+                          <a:latin typeface="Cambria Math" panose="02040503050406030204" pitchFamily="18" charset="0"/>
+                        </a:rPr>
+                        <m:t>=1</m:t>
+                      </m:r>
+                    </m:oMath>
+                  </m:oMathPara>
+                </a14:m>
+                <a:endParaRPr lang="en-US" b="0" dirty="0"/>
+              </a:p>
+              <a:p>
+                <a:endParaRPr lang="en-US" b="0" dirty="0"/>
+              </a:p>
+              <a:p>
+                <a:pPr/>
+                <a14:m>
+                  <m:oMathPara xmlns:m="http://schemas.openxmlformats.org/officeDocument/2006/math">
+                    <m:oMathParaPr>
+                      <m:jc m:val="centerGroup"/>
+                    </m:oMathParaPr>
+                    <m:oMath xmlns:m="http://schemas.openxmlformats.org/officeDocument/2006/math">
+                      <m:r>
+                        <a:rPr lang="en-US" b="0" i="1" smtClean="0">
+                          <a:latin typeface="Cambria Math" panose="02040503050406030204" pitchFamily="18" charset="0"/>
+                        </a:rPr>
+                        <m:t>𝑑</m:t>
+                      </m:r>
+                      <m:r>
+                        <a:rPr lang="en-US" b="0" i="1" smtClean="0">
+                          <a:latin typeface="Cambria Math" panose="02040503050406030204" pitchFamily="18" charset="0"/>
+                        </a:rPr>
+                        <m:t>=1/(</m:t>
+                      </m:r>
+                      <m:acc>
+                        <m:accPr>
+                          <m:chr m:val="̂"/>
+                          <m:ctrlPr>
+                            <a:rPr lang="en-US" i="1">
+                              <a:latin typeface="Cambria Math" panose="02040503050406030204" pitchFamily="18" charset="0"/>
+                            </a:rPr>
+                          </m:ctrlPr>
+                        </m:accPr>
+                        <m:e>
+                          <m:sSub>
+                            <m:sSubPr>
+                              <m:ctrlPr>
+                                <a:rPr lang="en-US" i="1">
+                                  <a:latin typeface="Cambria Math" panose="02040503050406030204" pitchFamily="18" charset="0"/>
+                                </a:rPr>
+                              </m:ctrlPr>
+                            </m:sSubPr>
+                            <m:e>
+                              <m:r>
+                                <a:rPr lang="en-US" i="1">
+                                  <a:latin typeface="Cambria Math" panose="02040503050406030204" pitchFamily="18" charset="0"/>
+                                </a:rPr>
+                                <m:t>𝑣</m:t>
+                              </m:r>
+                            </m:e>
+                            <m:sub>
+                              <m:r>
+                                <a:rPr lang="en-US" i="1">
+                                  <a:latin typeface="Cambria Math" panose="02040503050406030204" pitchFamily="18" charset="0"/>
+                                </a:rPr>
+                                <m:t>𝑖</m:t>
+                              </m:r>
+                            </m:sub>
+                          </m:sSub>
+                        </m:e>
+                      </m:acc>
+                      <m:r>
+                        <a:rPr lang="en-US" i="1">
+                          <a:latin typeface="Cambria Math" panose="02040503050406030204" pitchFamily="18" charset="0"/>
+                        </a:rPr>
+                        <m:t>⋅</m:t>
+                      </m:r>
+                      <m:acc>
+                        <m:accPr>
+                          <m:chr m:val="̂"/>
+                          <m:ctrlPr>
+                            <a:rPr lang="en-US" i="1">
+                              <a:latin typeface="Cambria Math" panose="02040503050406030204" pitchFamily="18" charset="0"/>
+                            </a:rPr>
+                          </m:ctrlPr>
+                        </m:accPr>
+                        <m:e>
+                          <m:sSub>
+                            <m:sSubPr>
+                              <m:ctrlPr>
+                                <a:rPr lang="en-US" i="1">
+                                  <a:latin typeface="Cambria Math" panose="02040503050406030204" pitchFamily="18" charset="0"/>
+                                </a:rPr>
+                              </m:ctrlPr>
+                            </m:sSubPr>
+                            <m:e>
+                              <m:r>
+                                <a:rPr lang="en-US" i="1">
+                                  <a:latin typeface="Cambria Math" panose="02040503050406030204" pitchFamily="18" charset="0"/>
+                                </a:rPr>
+                                <m:t>𝑛</m:t>
+                              </m:r>
+                            </m:e>
+                            <m:sub>
+                              <m:r>
+                                <a:rPr lang="en-US" i="1">
+                                  <a:latin typeface="Cambria Math" panose="02040503050406030204" pitchFamily="18" charset="0"/>
+                                </a:rPr>
+                                <m:t>𝑖</m:t>
+                              </m:r>
+                            </m:sub>
+                          </m:sSub>
+                        </m:e>
+                      </m:acc>
+                      <m:r>
+                        <a:rPr lang="en-US" b="0" i="1" smtClean="0">
+                          <a:latin typeface="Cambria Math" panose="02040503050406030204" pitchFamily="18" charset="0"/>
+                        </a:rPr>
+                        <m:t>)</m:t>
+                      </m:r>
+                    </m:oMath>
+                  </m:oMathPara>
+                </a14:m>
+                <a:endParaRPr lang="en-US" b="0" dirty="0"/>
+              </a:p>
+              <a:p>
+                <a:endParaRPr lang="en-US" b="0" dirty="0"/>
+              </a:p>
+            </p:txBody>
+          </p:sp>
+        </mc:Choice>
+        <mc:Fallback xmlns="">
+          <p:sp>
+            <p:nvSpPr>
+              <p:cNvPr id="15" name="TextBox 14">
+                <a:extLst>
+                  <a:ext uri="{FF2B5EF4-FFF2-40B4-BE49-F238E27FC236}">
+                    <a16:creationId xmlns:a16="http://schemas.microsoft.com/office/drawing/2014/main" id="{A8DCD132-4A80-26FB-EEFD-F84BDEDA7607}"/>
+                  </a:ext>
+                </a:extLst>
+              </p:cNvPr>
+              <p:cNvSpPr txBox="1">
+                <a:spLocks noRot="1" noChangeAspect="1" noMove="1" noResize="1" noEditPoints="1" noAdjustHandles="1" noChangeArrowheads="1" noChangeShapeType="1" noTextEdit="1"/>
+              </p:cNvSpPr>
+              <p:nvPr/>
+            </p:nvSpPr>
+            <p:spPr>
+              <a:xfrm>
+                <a:off x="1572346" y="3846489"/>
+                <a:ext cx="2517962" cy="1216551"/>
+              </a:xfrm>
+              <a:prstGeom prst="rect">
+                <a:avLst/>
+              </a:prstGeom>
+              <a:blipFill>
+                <a:blip r:embed="rId5"/>
+                <a:stretch>
+                  <a:fillRect t="-2000"/>
+                </a:stretch>
+              </a:blipFill>
+            </p:spPr>
+            <p:txBody>
+              <a:bodyPr/>
+              <a:lstStyle/>
+              <a:p>
+                <a:r>
+                  <a:rPr lang="en-US">
+                    <a:noFill/>
+                  </a:rPr>
+                  <a:t> </a:t>
+                </a:r>
+              </a:p>
+            </p:txBody>
+          </p:sp>
+        </mc:Fallback>
+      </mc:AlternateContent>
+      <mc:AlternateContent xmlns:mc="http://schemas.openxmlformats.org/markup-compatibility/2006" xmlns:a14="http://schemas.microsoft.com/office/drawing/2010/main">
+        <mc:Choice Requires="a14">
+          <p:sp>
+            <p:nvSpPr>
+              <p:cNvPr id="17" name="TextBox 16">
+                <a:extLst>
+                  <a:ext uri="{FF2B5EF4-FFF2-40B4-BE49-F238E27FC236}">
+                    <a16:creationId xmlns:a16="http://schemas.microsoft.com/office/drawing/2014/main" id="{0E53E8ED-1630-652D-7FCC-14B6203C068F}"/>
+                  </a:ext>
+                </a:extLst>
+              </p:cNvPr>
+              <p:cNvSpPr txBox="1"/>
+              <p:nvPr/>
+            </p:nvSpPr>
+            <p:spPr>
+              <a:xfrm>
+                <a:off x="-215992" y="5345966"/>
+                <a:ext cx="6094638" cy="369332"/>
+              </a:xfrm>
+              <a:prstGeom prst="rect">
+                <a:avLst/>
+              </a:prstGeom>
+              <a:noFill/>
+            </p:spPr>
+            <p:txBody>
+              <a:bodyPr wrap="square">
+                <a:spAutoFit/>
+              </a:bodyPr>
+              <a:lstStyle/>
+              <a:p>
+                <a:pPr/>
+                <a14:m>
+                  <m:oMathPara xmlns:m="http://schemas.openxmlformats.org/officeDocument/2006/math">
+                    <m:oMathParaPr>
+                      <m:jc m:val="centerGroup"/>
+                    </m:oMathParaPr>
+                    <m:oMath xmlns:m="http://schemas.openxmlformats.org/officeDocument/2006/math">
+                      <m:sSub>
+                        <m:sSubPr>
+                          <m:ctrlPr>
+                            <a:rPr lang="en-US" sz="1800" b="0" i="1" smtClean="0">
+                              <a:latin typeface="Cambria Math" panose="02040503050406030204" pitchFamily="18" charset="0"/>
+                            </a:rPr>
+                          </m:ctrlPr>
+                        </m:sSubPr>
+                        <m:e>
+                          <m:r>
+                            <a:rPr lang="en-US" sz="1800" b="0" i="1" smtClean="0">
+                              <a:latin typeface="Cambria Math" panose="02040503050406030204" pitchFamily="18" charset="0"/>
+                            </a:rPr>
+                            <m:t>𝑣</m:t>
+                          </m:r>
+                        </m:e>
+                        <m:sub>
+                          <m:r>
+                            <a:rPr lang="en-US" sz="1800" b="0" i="1" smtClean="0">
+                              <a:latin typeface="Cambria Math" panose="02040503050406030204" pitchFamily="18" charset="0"/>
+                            </a:rPr>
+                            <m:t>𝑖</m:t>
+                          </m:r>
+                        </m:sub>
+                      </m:sSub>
+                      <m:r>
+                        <a:rPr lang="en-US" sz="1800" b="0" i="1" smtClean="0">
+                          <a:latin typeface="Cambria Math" panose="02040503050406030204" pitchFamily="18" charset="0"/>
+                        </a:rPr>
+                        <m:t>=</m:t>
+                      </m:r>
+                      <m:r>
+                        <a:rPr lang="en-US" sz="1800" b="0" i="1" smtClean="0">
+                          <a:latin typeface="Cambria Math" panose="02040503050406030204" pitchFamily="18" charset="0"/>
+                        </a:rPr>
+                        <m:t>𝑑</m:t>
+                      </m:r>
+                      <m:r>
+                        <a:rPr lang="en-US" sz="1800" b="0" i="1" smtClean="0">
+                          <a:latin typeface="Cambria Math" panose="02040503050406030204" pitchFamily="18" charset="0"/>
+                        </a:rPr>
+                        <m:t>⋅</m:t>
+                      </m:r>
+                      <m:acc>
+                        <m:accPr>
+                          <m:chr m:val="̂"/>
+                          <m:ctrlPr>
+                            <a:rPr lang="en-US" sz="1800" b="0" i="1" smtClean="0">
+                              <a:latin typeface="Cambria Math" panose="02040503050406030204" pitchFamily="18" charset="0"/>
+                            </a:rPr>
+                          </m:ctrlPr>
+                        </m:accPr>
+                        <m:e>
+                          <m:sSub>
+                            <m:sSubPr>
+                              <m:ctrlPr>
+                                <a:rPr lang="en-US" sz="1800" i="1">
+                                  <a:latin typeface="Cambria Math" panose="02040503050406030204" pitchFamily="18" charset="0"/>
+                                </a:rPr>
+                              </m:ctrlPr>
+                            </m:sSubPr>
+                            <m:e>
+                              <m:r>
+                                <a:rPr lang="en-US" sz="1800" i="1">
+                                  <a:latin typeface="Cambria Math" panose="02040503050406030204" pitchFamily="18" charset="0"/>
+                                </a:rPr>
+                                <m:t>𝑣</m:t>
+                              </m:r>
+                            </m:e>
+                            <m:sub>
+                              <m:r>
+                                <a:rPr lang="en-US" sz="1800" i="1">
+                                  <a:latin typeface="Cambria Math" panose="02040503050406030204" pitchFamily="18" charset="0"/>
+                                </a:rPr>
+                                <m:t>𝑖</m:t>
+                              </m:r>
+                            </m:sub>
+                          </m:sSub>
+                        </m:e>
+                      </m:acc>
+                    </m:oMath>
+                  </m:oMathPara>
+                </a14:m>
+                <a:endParaRPr lang="en-US" dirty="0"/>
+              </a:p>
+            </p:txBody>
+          </p:sp>
+        </mc:Choice>
+        <mc:Fallback xmlns="">
+          <p:sp>
+            <p:nvSpPr>
+              <p:cNvPr id="17" name="TextBox 16">
+                <a:extLst>
+                  <a:ext uri="{FF2B5EF4-FFF2-40B4-BE49-F238E27FC236}">
+                    <a16:creationId xmlns:a16="http://schemas.microsoft.com/office/drawing/2014/main" id="{0E53E8ED-1630-652D-7FCC-14B6203C068F}"/>
+                  </a:ext>
+                </a:extLst>
+              </p:cNvPr>
+              <p:cNvSpPr txBox="1">
+                <a:spLocks noRot="1" noChangeAspect="1" noMove="1" noResize="1" noEditPoints="1" noAdjustHandles="1" noChangeArrowheads="1" noChangeShapeType="1" noTextEdit="1"/>
+              </p:cNvSpPr>
+              <p:nvPr/>
+            </p:nvSpPr>
+            <p:spPr>
+              <a:xfrm>
+                <a:off x="-215992" y="5345966"/>
+                <a:ext cx="6094638" cy="369332"/>
+              </a:xfrm>
+              <a:prstGeom prst="rect">
+                <a:avLst/>
+              </a:prstGeom>
+              <a:blipFill>
+                <a:blip r:embed="rId6"/>
+                <a:stretch>
+                  <a:fillRect t="-6557"/>
+                </a:stretch>
+              </a:blipFill>
+            </p:spPr>
+            <p:txBody>
+              <a:bodyPr/>
+              <a:lstStyle/>
+              <a:p>
+                <a:r>
+                  <a:rPr lang="en-US">
+                    <a:noFill/>
+                  </a:rPr>
+                  <a:t> </a:t>
+                </a:r>
+              </a:p>
+            </p:txBody>
+          </p:sp>
+        </mc:Fallback>
+      </mc:AlternateContent>
+    </p:spTree>
+    <p:extLst>
+      <p:ext uri="{BB962C8B-B14F-4D97-AF65-F5344CB8AC3E}">
+        <p14:creationId xmlns:p14="http://schemas.microsoft.com/office/powerpoint/2010/main" val="3903472698"/>
+      </p:ext>
+    </p:extLst>
+  </p:cSld>
+  <p:clrMapOvr>
+    <a:masterClrMapping/>
+  </p:clrMapOvr>
+</p:sld>
+</file>
+
+<file path=ppt/slides/slide26.xml><?xml version="1.0" encoding="utf-8"?>
+<p:sld xmlns:a="http://schemas.openxmlformats.org/drawingml/2006/main" xmlns:r="http://schemas.openxmlformats.org/officeDocument/2006/relationships" xmlns:p="http://schemas.openxmlformats.org/presentationml/2006/main">
+  <p:cSld>
+    <p:spTree>
+      <p:nvGrpSpPr>
+        <p:cNvPr id="1" name=""/>
+        <p:cNvGrpSpPr/>
+        <p:nvPr/>
+      </p:nvGrpSpPr>
+      <p:grpSpPr>
+        <a:xfrm>
+          <a:off x="0" y="0"/>
+          <a:ext cx="0" cy="0"/>
+          <a:chOff x="0" y="0"/>
+          <a:chExt cx="0" cy="0"/>
+        </a:xfrm>
+      </p:grpSpPr>
+      <p:sp>
+        <p:nvSpPr>
+          <p:cNvPr id="2" name="Title 1">
+            <a:extLst>
+              <a:ext uri="{FF2B5EF4-FFF2-40B4-BE49-F238E27FC236}">
+                <a16:creationId xmlns:a16="http://schemas.microsoft.com/office/drawing/2014/main" id="{EB0AD418-3698-1169-7A54-6B0EE3336504}"/>
+              </a:ext>
+            </a:extLst>
+          </p:cNvPr>
+          <p:cNvSpPr>
+            <a:spLocks noGrp="1"/>
+          </p:cNvSpPr>
+          <p:nvPr>
+            <p:ph type="title"/>
+          </p:nvPr>
+        </p:nvSpPr>
+        <p:spPr/>
+        <p:txBody>
+          <a:bodyPr/>
+          <a:lstStyle/>
+          <a:p>
+            <a:r>
+              <a:rPr lang="en-US" dirty="0"/>
+              <a:t>Some example results from Step 1</a:t>
+            </a:r>
+          </a:p>
+        </p:txBody>
+      </p:sp>
+      <p:pic>
+        <p:nvPicPr>
+          <p:cNvPr id="5" name="Picture 4">
+            <a:extLst>
+              <a:ext uri="{FF2B5EF4-FFF2-40B4-BE49-F238E27FC236}">
+                <a16:creationId xmlns:a16="http://schemas.microsoft.com/office/drawing/2014/main" id="{0CD27793-6947-92FD-C529-A35B314F6A2B}"/>
+              </a:ext>
+            </a:extLst>
+          </p:cNvPr>
+          <p:cNvPicPr>
+            <a:picLocks noChangeAspect="1"/>
+          </p:cNvPicPr>
+          <p:nvPr/>
+        </p:nvPicPr>
+        <p:blipFill>
+          <a:blip r:embed="rId2"/>
+          <a:stretch>
+            <a:fillRect/>
+          </a:stretch>
+        </p:blipFill>
+        <p:spPr>
+          <a:xfrm>
+            <a:off x="4171950" y="2237015"/>
+            <a:ext cx="5334000" cy="4000500"/>
+          </a:xfrm>
+          <a:prstGeom prst="rect">
+            <a:avLst/>
+          </a:prstGeom>
+        </p:spPr>
+      </p:pic>
+    </p:spTree>
+    <p:extLst>
+      <p:ext uri="{BB962C8B-B14F-4D97-AF65-F5344CB8AC3E}">
+        <p14:creationId xmlns:p14="http://schemas.microsoft.com/office/powerpoint/2010/main" val="3807234391"/>
+      </p:ext>
+    </p:extLst>
+  </p:cSld>
+  <p:clrMapOvr>
+    <a:masterClrMapping/>
+  </p:clrMapOvr>
+</p:sld>
+</file>
+
+<file path=ppt/slides/slide27.xml><?xml version="1.0" encoding="utf-8"?>
 <p:sld xmlns:a="http://schemas.openxmlformats.org/drawingml/2006/main" xmlns:r="http://schemas.openxmlformats.org/officeDocument/2006/relationships" xmlns:p="http://schemas.openxmlformats.org/presentationml/2006/main">
   <p:cSld>
     <p:spTree>
@@ -9411,8 +10877,8 @@
           </p:sp>
         </mc:Fallback>
       </mc:AlternateContent>
-      <mc:AlternateContent xmlns:mc="http://schemas.openxmlformats.org/markup-compatibility/2006">
-        <mc:Choice xmlns:a14="http://schemas.microsoft.com/office/drawing/2010/main" Requires="a14">
+      <mc:AlternateContent xmlns:mc="http://schemas.openxmlformats.org/markup-compatibility/2006" xmlns:a14="http://schemas.microsoft.com/office/drawing/2010/main">
+        <mc:Choice Requires="a14">
           <p:sp>
             <p:nvSpPr>
               <p:cNvPr id="35" name="TextBox 34">
@@ -9733,7 +11199,7 @@
             </p:txBody>
           </p:sp>
         </mc:Choice>
-        <mc:Fallback>
+        <mc:Fallback xmlns="">
           <p:sp>
             <p:nvSpPr>
               <p:cNvPr id="35" name="TextBox 34">
@@ -9873,7 +11339,7 @@
 </p:sld>
 </file>
 
-<file path=ppt/slides/slide26.xml><?xml version="1.0" encoding="utf-8"?>
+<file path=ppt/slides/slide28.xml><?xml version="1.0" encoding="utf-8"?>
 <p:sld xmlns:a="http://schemas.openxmlformats.org/drawingml/2006/main" xmlns:r="http://schemas.openxmlformats.org/officeDocument/2006/relationships" xmlns:p="http://schemas.openxmlformats.org/presentationml/2006/main">
   <p:cSld>
     <p:spTree>
@@ -9998,8 +11464,8 @@
           </a:p>
         </p:txBody>
       </p:sp>
-      <mc:AlternateContent xmlns:mc="http://schemas.openxmlformats.org/markup-compatibility/2006">
-        <mc:Choice xmlns:a14="http://schemas.microsoft.com/office/drawing/2010/main" Requires="a14">
+      <mc:AlternateContent xmlns:mc="http://schemas.openxmlformats.org/markup-compatibility/2006" xmlns:a14="http://schemas.microsoft.com/office/drawing/2010/main">
+        <mc:Choice Requires="a14">
           <p:sp>
             <p:nvSpPr>
               <p:cNvPr id="4" name="TextBox 3">
@@ -10315,6 +11781,7 @@
                 <a:endParaRPr lang="en-US" b="0" dirty="0"/>
               </a:p>
               <a:p>
+                <a:pPr/>
                 <a14:m>
                   <m:oMathPara xmlns:m="http://schemas.openxmlformats.org/officeDocument/2006/math">
                     <m:oMathParaPr>
@@ -10618,6 +12085,7 @@
                 <a:endParaRPr lang="en-US" b="0" dirty="0"/>
               </a:p>
               <a:p>
+                <a:pPr/>
                 <a14:m>
                   <m:oMathPara xmlns:m="http://schemas.openxmlformats.org/officeDocument/2006/math">
                     <m:oMathParaPr>
@@ -10947,6 +12415,7 @@
                 <a:endParaRPr lang="en-US" b="0" dirty="0"/>
               </a:p>
               <a:p>
+                <a:pPr/>
                 <a14:m>
                   <m:oMathPara xmlns:m="http://schemas.openxmlformats.org/officeDocument/2006/math">
                     <m:oMathParaPr>
@@ -11264,6 +12733,7 @@
                 <a:endParaRPr lang="en-US" b="0" dirty="0"/>
               </a:p>
               <a:p>
+                <a:pPr/>
                 <a14:m>
                   <m:oMathPara xmlns:m="http://schemas.openxmlformats.org/officeDocument/2006/math">
                     <m:oMathParaPr>
@@ -11538,6 +13008,7 @@
                 <a:endParaRPr lang="en-US" b="0" dirty="0"/>
               </a:p>
               <a:p>
+                <a:pPr/>
                 <a14:m>
                   <m:oMathPara xmlns:m="http://schemas.openxmlformats.org/officeDocument/2006/math">
                     <m:oMathParaPr>
@@ -11822,7 +13293,6 @@
                 <a:endParaRPr lang="en-US" b="0" dirty="0"/>
               </a:p>
               <a:p>
-                <a:pPr/>
                 <a:endParaRPr lang="en-US" b="0" dirty="0"/>
               </a:p>
               <a:p>
@@ -11831,7 +13301,7 @@
             </p:txBody>
           </p:sp>
         </mc:Choice>
-        <mc:Fallback>
+        <mc:Fallback xmlns="">
           <p:sp>
             <p:nvSpPr>
               <p:cNvPr id="4" name="TextBox 3">
@@ -11876,8 +13346,8 @@
           </p:sp>
         </mc:Fallback>
       </mc:AlternateContent>
-      <mc:AlternateContent xmlns:mc="http://schemas.openxmlformats.org/markup-compatibility/2006">
-        <mc:Choice xmlns:a14="http://schemas.microsoft.com/office/drawing/2010/main" Requires="a14">
+      <mc:AlternateContent xmlns:mc="http://schemas.openxmlformats.org/markup-compatibility/2006" xmlns:a14="http://schemas.microsoft.com/office/drawing/2010/main">
+        <mc:Choice Requires="a14">
           <p:sp>
             <p:nvSpPr>
               <p:cNvPr id="6" name="TextBox 5">
@@ -12044,7 +13514,7 @@
             </p:txBody>
           </p:sp>
         </mc:Choice>
-        <mc:Fallback>
+        <mc:Fallback xmlns="">
           <p:sp>
             <p:nvSpPr>
               <p:cNvPr id="6" name="TextBox 5">
@@ -12102,7 +13572,7 @@
 </p:sld>
 </file>
 
-<file path=ppt/slides/slide27.xml><?xml version="1.0" encoding="utf-8"?>
+<file path=ppt/slides/slide29.xml><?xml version="1.0" encoding="utf-8"?>
 <p:sld xmlns:a="http://schemas.openxmlformats.org/drawingml/2006/main" xmlns:r="http://schemas.openxmlformats.org/officeDocument/2006/relationships" xmlns:p="http://schemas.openxmlformats.org/presentationml/2006/main">
   <p:cSld>
     <p:spTree>
@@ -13141,7 +14611,649 @@
 </p:sld>
 </file>
 
-<file path=ppt/slides/slide28.xml><?xml version="1.0" encoding="utf-8"?>
+<file path=ppt/slides/slide3.xml><?xml version="1.0" encoding="utf-8"?>
+<p:sld xmlns:a="http://schemas.openxmlformats.org/drawingml/2006/main" xmlns:r="http://schemas.openxmlformats.org/officeDocument/2006/relationships" xmlns:p="http://schemas.openxmlformats.org/presentationml/2006/main">
+  <p:cSld>
+    <p:spTree>
+      <p:nvGrpSpPr>
+        <p:cNvPr id="1" name=""/>
+        <p:cNvGrpSpPr/>
+        <p:nvPr/>
+      </p:nvGrpSpPr>
+      <p:grpSpPr>
+        <a:xfrm>
+          <a:off x="0" y="0"/>
+          <a:ext cx="0" cy="0"/>
+          <a:chOff x="0" y="0"/>
+          <a:chExt cx="0" cy="0"/>
+        </a:xfrm>
+      </p:grpSpPr>
+      <p:sp>
+        <p:nvSpPr>
+          <p:cNvPr id="2" name="Title 1">
+            <a:extLst>
+              <a:ext uri="{FF2B5EF4-FFF2-40B4-BE49-F238E27FC236}">
+                <a16:creationId xmlns:a16="http://schemas.microsoft.com/office/drawing/2014/main" id="{F61BB289-6F7D-4E26-9549-A418B0B98DBB}"/>
+              </a:ext>
+            </a:extLst>
+          </p:cNvPr>
+          <p:cNvSpPr>
+            <a:spLocks noGrp="1"/>
+          </p:cNvSpPr>
+          <p:nvPr>
+            <p:ph type="title"/>
+          </p:nvPr>
+        </p:nvSpPr>
+        <p:spPr/>
+        <p:txBody>
+          <a:bodyPr>
+            <a:normAutofit/>
+          </a:bodyPr>
+          <a:lstStyle/>
+          <a:p>
+            <a:r>
+              <a:rPr lang="en-US" dirty="0"/>
+              <a:t>Each function uses a class-specific argument check function</a:t>
+            </a:r>
+          </a:p>
+        </p:txBody>
+      </p:sp>
+      <p:sp>
+        <p:nvSpPr>
+          <p:cNvPr id="5" name="Rectangle 4">
+            <a:extLst>
+              <a:ext uri="{FF2B5EF4-FFF2-40B4-BE49-F238E27FC236}">
+                <a16:creationId xmlns:a16="http://schemas.microsoft.com/office/drawing/2014/main" id="{F0CB9B29-E4C5-4A4F-9118-99BC76FA2AD9}"/>
+              </a:ext>
+            </a:extLst>
+          </p:cNvPr>
+          <p:cNvSpPr/>
+          <p:nvPr/>
+        </p:nvSpPr>
+        <p:spPr>
+          <a:xfrm>
+            <a:off x="374433" y="2022133"/>
+            <a:ext cx="5909136" cy="3554819"/>
+          </a:xfrm>
+          <a:prstGeom prst="rect">
+            <a:avLst/>
+          </a:prstGeom>
+          <a:solidFill>
+            <a:schemeClr val="accent4">
+              <a:lumMod val="20000"/>
+              <a:lumOff val="80000"/>
+            </a:schemeClr>
+          </a:solidFill>
+        </p:spPr>
+        <p:txBody>
+          <a:bodyPr wrap="square">
+            <a:spAutoFit/>
+          </a:bodyPr>
+          <a:lstStyle/>
+          <a:p>
+            <a:r>
+              <a:rPr lang="en-US" sz="900" dirty="0">
+                <a:solidFill>
+                  <a:srgbClr val="0E00FF"/>
+                </a:solidFill>
+                <a:latin typeface="Courier New" panose="02070309020205020404" pitchFamily="49" charset="0"/>
+              </a:rPr>
+              <a:t>function</a:t>
+            </a:r>
+            <a:r>
+              <a:rPr lang="en-US" sz="900" dirty="0">
+                <a:solidFill>
+                  <a:srgbClr val="000000"/>
+                </a:solidFill>
+                <a:latin typeface="Courier New" panose="02070309020205020404" pitchFamily="49" charset="0"/>
+              </a:rPr>
+              <a:t> </a:t>
+            </a:r>
+            <a:r>
+              <a:rPr lang="en-US" sz="900" dirty="0" err="1">
+                <a:solidFill>
+                  <a:srgbClr val="000000"/>
+                </a:solidFill>
+                <a:latin typeface="Courier New" panose="02070309020205020404" pitchFamily="49" charset="0"/>
+              </a:rPr>
+              <a:t>fcn_MapGen_checkInputsToFunctions</a:t>
+            </a:r>
+            <a:r>
+              <a:rPr lang="en-US" sz="900" dirty="0">
+                <a:solidFill>
+                  <a:srgbClr val="000000"/>
+                </a:solidFill>
+                <a:latin typeface="Courier New" panose="02070309020205020404" pitchFamily="49" charset="0"/>
+              </a:rPr>
+              <a:t>(</a:t>
+            </a:r>
+            <a:r>
+              <a:rPr lang="en-US" sz="900" dirty="0">
+                <a:solidFill>
+                  <a:srgbClr val="0E00FF"/>
+                </a:solidFill>
+                <a:latin typeface="Courier New" panose="02070309020205020404" pitchFamily="49" charset="0"/>
+              </a:rPr>
+              <a:t>...</a:t>
+            </a:r>
+          </a:p>
+          <a:p>
+            <a:r>
+              <a:rPr lang="en-US" sz="900" dirty="0">
+                <a:solidFill>
+                  <a:srgbClr val="000000"/>
+                </a:solidFill>
+                <a:latin typeface="Courier New" panose="02070309020205020404" pitchFamily="49" charset="0"/>
+              </a:rPr>
+              <a:t>    </a:t>
+            </a:r>
+            <a:r>
+              <a:rPr lang="en-US" sz="900" dirty="0" err="1">
+                <a:solidFill>
+                  <a:srgbClr val="000000"/>
+                </a:solidFill>
+                <a:latin typeface="Courier New" panose="02070309020205020404" pitchFamily="49" charset="0"/>
+              </a:rPr>
+              <a:t>variable,variable_type_string,varargin</a:t>
+            </a:r>
+            <a:r>
+              <a:rPr lang="en-US" sz="900" dirty="0">
+                <a:solidFill>
+                  <a:srgbClr val="000000"/>
+                </a:solidFill>
+                <a:latin typeface="Courier New" panose="02070309020205020404" pitchFamily="49" charset="0"/>
+              </a:rPr>
+              <a:t>)</a:t>
+            </a:r>
+          </a:p>
+          <a:p>
+            <a:r>
+              <a:rPr lang="en-US" sz="900" dirty="0">
+                <a:solidFill>
+                  <a:srgbClr val="000000"/>
+                </a:solidFill>
+                <a:latin typeface="Courier New" panose="02070309020205020404" pitchFamily="49" charset="0"/>
+              </a:rPr>
+              <a:t> </a:t>
+            </a:r>
+          </a:p>
+          <a:p>
+            <a:r>
+              <a:rPr lang="en-US" sz="900" dirty="0">
+                <a:solidFill>
+                  <a:srgbClr val="028009"/>
+                </a:solidFill>
+                <a:latin typeface="Courier New" panose="02070309020205020404" pitchFamily="49" charset="0"/>
+              </a:rPr>
+              <a:t>% </a:t>
+            </a:r>
+            <a:r>
+              <a:rPr lang="en-US" sz="900" dirty="0" err="1">
+                <a:solidFill>
+                  <a:srgbClr val="028009"/>
+                </a:solidFill>
+                <a:latin typeface="Courier New" panose="02070309020205020404" pitchFamily="49" charset="0"/>
+              </a:rPr>
+              <a:t>fcn_MapGen_checkInputsToFunctions</a:t>
+            </a:r>
+            <a:endParaRPr lang="en-US" sz="900" dirty="0">
+              <a:solidFill>
+                <a:srgbClr val="028009"/>
+              </a:solidFill>
+              <a:latin typeface="Courier New" panose="02070309020205020404" pitchFamily="49" charset="0"/>
+            </a:endParaRPr>
+          </a:p>
+          <a:p>
+            <a:r>
+              <a:rPr lang="en-US" sz="900" dirty="0">
+                <a:solidFill>
+                  <a:srgbClr val="028009"/>
+                </a:solidFill>
+                <a:latin typeface="Courier New" panose="02070309020205020404" pitchFamily="49" charset="0"/>
+              </a:rPr>
+              <a:t>% Checks the variable types commonly used in the </a:t>
+            </a:r>
+            <a:r>
+              <a:rPr lang="en-US" sz="900" dirty="0" err="1">
+                <a:solidFill>
+                  <a:srgbClr val="028009"/>
+                </a:solidFill>
+                <a:latin typeface="Courier New" panose="02070309020205020404" pitchFamily="49" charset="0"/>
+              </a:rPr>
+              <a:t>MapGen</a:t>
+            </a:r>
+            <a:r>
+              <a:rPr lang="en-US" sz="900" dirty="0">
+                <a:solidFill>
+                  <a:srgbClr val="028009"/>
+                </a:solidFill>
+                <a:latin typeface="Courier New" panose="02070309020205020404" pitchFamily="49" charset="0"/>
+              </a:rPr>
+              <a:t> codes to</a:t>
+            </a:r>
+          </a:p>
+          <a:p>
+            <a:r>
+              <a:rPr lang="en-US" sz="900" dirty="0">
+                <a:solidFill>
+                  <a:srgbClr val="028009"/>
+                </a:solidFill>
+                <a:latin typeface="Courier New" panose="02070309020205020404" pitchFamily="49" charset="0"/>
+              </a:rPr>
+              <a:t>% ensure they are correctly formed.</a:t>
+            </a:r>
+          </a:p>
+          <a:p>
+            <a:r>
+              <a:rPr lang="en-US" sz="900" dirty="0">
+                <a:solidFill>
+                  <a:srgbClr val="028009"/>
+                </a:solidFill>
+                <a:latin typeface="Courier New" panose="02070309020205020404" pitchFamily="49" charset="0"/>
+              </a:rPr>
+              <a:t>%</a:t>
+            </a:r>
+          </a:p>
+          <a:p>
+            <a:r>
+              <a:rPr lang="en-US" sz="900" dirty="0">
+                <a:solidFill>
+                  <a:srgbClr val="028009"/>
+                </a:solidFill>
+                <a:latin typeface="Courier New" panose="02070309020205020404" pitchFamily="49" charset="0"/>
+              </a:rPr>
+              <a:t>% This function is typically called at the top of most functions. The input</a:t>
+            </a:r>
+          </a:p>
+          <a:p>
+            <a:r>
+              <a:rPr lang="en-US" sz="900" dirty="0">
+                <a:solidFill>
+                  <a:srgbClr val="028009"/>
+                </a:solidFill>
+                <a:latin typeface="Courier New" panose="02070309020205020404" pitchFamily="49" charset="0"/>
+              </a:rPr>
+              <a:t>% is a variable and a string defining the "type" of the variable. This</a:t>
+            </a:r>
+          </a:p>
+          <a:p>
+            <a:r>
+              <a:rPr lang="en-US" sz="900" dirty="0">
+                <a:solidFill>
+                  <a:srgbClr val="028009"/>
+                </a:solidFill>
+                <a:latin typeface="Courier New" panose="02070309020205020404" pitchFamily="49" charset="0"/>
+              </a:rPr>
+              <a:t>% function checks to see that they are compatible. For example, say there</a:t>
+            </a:r>
+          </a:p>
+          <a:p>
+            <a:r>
+              <a:rPr lang="en-US" sz="900" dirty="0">
+                <a:solidFill>
+                  <a:srgbClr val="028009"/>
+                </a:solidFill>
+                <a:latin typeface="Courier New" panose="02070309020205020404" pitchFamily="49" charset="0"/>
+              </a:rPr>
+              <a:t>% '</a:t>
+            </a:r>
+            <a:r>
+              <a:rPr lang="en-US" sz="900" dirty="0" err="1">
+                <a:solidFill>
+                  <a:srgbClr val="028009"/>
+                </a:solidFill>
+                <a:latin typeface="Courier New" panose="02070309020205020404" pitchFamily="49" charset="0"/>
+              </a:rPr>
+              <a:t>column_vector</a:t>
+            </a:r>
+            <a:r>
+              <a:rPr lang="en-US" sz="900" dirty="0">
+                <a:solidFill>
+                  <a:srgbClr val="028009"/>
+                </a:solidFill>
+                <a:latin typeface="Courier New" panose="02070309020205020404" pitchFamily="49" charset="0"/>
+              </a:rPr>
+              <a:t>' type of variables used in the function that is always a N</a:t>
+            </a:r>
+          </a:p>
+          <a:p>
+            <a:r>
+              <a:rPr lang="en-US" sz="900" dirty="0">
+                <a:solidFill>
+                  <a:srgbClr val="028009"/>
+                </a:solidFill>
+                <a:latin typeface="Courier New" panose="02070309020205020404" pitchFamily="49" charset="0"/>
+              </a:rPr>
+              <a:t>% x 1 array; if someone had a variable called "</a:t>
+            </a:r>
+            <a:r>
+              <a:rPr lang="en-US" sz="900" dirty="0" err="1">
+                <a:solidFill>
+                  <a:srgbClr val="028009"/>
+                </a:solidFill>
+                <a:latin typeface="Courier New" panose="02070309020205020404" pitchFamily="49" charset="0"/>
+              </a:rPr>
+              <a:t>test_example</a:t>
+            </a:r>
+            <a:r>
+              <a:rPr lang="en-US" sz="900" dirty="0">
+                <a:solidFill>
+                  <a:srgbClr val="028009"/>
+                </a:solidFill>
+                <a:latin typeface="Courier New" panose="02070309020205020404" pitchFamily="49" charset="0"/>
+              </a:rPr>
+              <a:t>", they could</a:t>
+            </a:r>
+          </a:p>
+          <a:p>
+            <a:r>
+              <a:rPr lang="en-US" sz="900" dirty="0">
+                <a:solidFill>
+                  <a:srgbClr val="028009"/>
+                </a:solidFill>
+                <a:latin typeface="Courier New" panose="02070309020205020404" pitchFamily="49" charset="0"/>
+              </a:rPr>
+              <a:t>% check that this fit the '</a:t>
+            </a:r>
+            <a:r>
+              <a:rPr lang="en-US" sz="900" dirty="0" err="1">
+                <a:solidFill>
+                  <a:srgbClr val="028009"/>
+                </a:solidFill>
+                <a:latin typeface="Courier New" panose="02070309020205020404" pitchFamily="49" charset="0"/>
+              </a:rPr>
+              <a:t>column_vector</a:t>
+            </a:r>
+            <a:r>
+              <a:rPr lang="en-US" sz="900" dirty="0">
+                <a:solidFill>
+                  <a:srgbClr val="028009"/>
+                </a:solidFill>
+                <a:latin typeface="Courier New" panose="02070309020205020404" pitchFamily="49" charset="0"/>
+              </a:rPr>
+              <a:t>' type by calling</a:t>
+            </a:r>
+          </a:p>
+          <a:p>
+            <a:r>
+              <a:rPr lang="en-US" sz="900" dirty="0">
+                <a:solidFill>
+                  <a:srgbClr val="028009"/>
+                </a:solidFill>
+                <a:latin typeface="Courier New" panose="02070309020205020404" pitchFamily="49" charset="0"/>
+              </a:rPr>
+              <a:t>% </a:t>
+            </a:r>
+            <a:r>
+              <a:rPr lang="en-US" sz="900" dirty="0" err="1">
+                <a:solidFill>
+                  <a:srgbClr val="028009"/>
+                </a:solidFill>
+                <a:latin typeface="Courier New" panose="02070309020205020404" pitchFamily="49" charset="0"/>
+              </a:rPr>
+              <a:t>fcn_MapGen_checkInputsToFunctions</a:t>
+            </a:r>
+            <a:r>
+              <a:rPr lang="en-US" sz="900" dirty="0">
+                <a:solidFill>
+                  <a:srgbClr val="028009"/>
+                </a:solidFill>
+                <a:latin typeface="Courier New" panose="02070309020205020404" pitchFamily="49" charset="0"/>
+              </a:rPr>
+              <a:t>(test_example,'</a:t>
+            </a:r>
+            <a:r>
+              <a:rPr lang="en-US" sz="900" dirty="0" err="1">
+                <a:solidFill>
+                  <a:srgbClr val="028009"/>
+                </a:solidFill>
+                <a:latin typeface="Courier New" panose="02070309020205020404" pitchFamily="49" charset="0"/>
+              </a:rPr>
+              <a:t>column_vector</a:t>
+            </a:r>
+            <a:r>
+              <a:rPr lang="en-US" sz="900" dirty="0">
+                <a:solidFill>
+                  <a:srgbClr val="028009"/>
+                </a:solidFill>
+                <a:latin typeface="Courier New" panose="02070309020205020404" pitchFamily="49" charset="0"/>
+              </a:rPr>
+              <a:t>').</a:t>
+            </a:r>
+          </a:p>
+          <a:p>
+            <a:r>
+              <a:rPr lang="en-US" sz="900" dirty="0">
+                <a:solidFill>
+                  <a:srgbClr val="028009"/>
+                </a:solidFill>
+                <a:latin typeface="Courier New" panose="02070309020205020404" pitchFamily="49" charset="0"/>
+              </a:rPr>
+              <a:t>% This function would then check that the array was N x 1, and if it was</a:t>
+            </a:r>
+          </a:p>
+          <a:p>
+            <a:r>
+              <a:rPr lang="en-US" sz="900" dirty="0">
+                <a:solidFill>
+                  <a:srgbClr val="028009"/>
+                </a:solidFill>
+                <a:latin typeface="Courier New" panose="02070309020205020404" pitchFamily="49" charset="0"/>
+              </a:rPr>
+              <a:t>% not, it would send out an error warning.</a:t>
+            </a:r>
+          </a:p>
+          <a:p>
+            <a:r>
+              <a:rPr lang="en-US" sz="900" dirty="0">
+                <a:solidFill>
+                  <a:srgbClr val="028009"/>
+                </a:solidFill>
+                <a:latin typeface="Courier New" panose="02070309020205020404" pitchFamily="49" charset="0"/>
+              </a:rPr>
+              <a:t>%</a:t>
+            </a:r>
+          </a:p>
+          <a:p>
+            <a:r>
+              <a:rPr lang="en-US" sz="900" dirty="0">
+                <a:solidFill>
+                  <a:srgbClr val="028009"/>
+                </a:solidFill>
+                <a:latin typeface="Courier New" panose="02070309020205020404" pitchFamily="49" charset="0"/>
+              </a:rPr>
+              <a:t>% FORMAT:</a:t>
+            </a:r>
+          </a:p>
+          <a:p>
+            <a:r>
+              <a:rPr lang="en-US" sz="900" dirty="0">
+                <a:solidFill>
+                  <a:srgbClr val="028009"/>
+                </a:solidFill>
+                <a:latin typeface="Courier New" panose="02070309020205020404" pitchFamily="49" charset="0"/>
+              </a:rPr>
+              <a:t>%</a:t>
+            </a:r>
+          </a:p>
+          <a:p>
+            <a:r>
+              <a:rPr lang="en-US" sz="900" dirty="0">
+                <a:solidFill>
+                  <a:srgbClr val="028009"/>
+                </a:solidFill>
+                <a:latin typeface="Courier New" panose="02070309020205020404" pitchFamily="49" charset="0"/>
+              </a:rPr>
+              <a:t>%      </a:t>
+            </a:r>
+            <a:r>
+              <a:rPr lang="en-US" sz="900" dirty="0" err="1">
+                <a:solidFill>
+                  <a:srgbClr val="028009"/>
+                </a:solidFill>
+                <a:latin typeface="Courier New" panose="02070309020205020404" pitchFamily="49" charset="0"/>
+              </a:rPr>
+              <a:t>fcn_MapGen_checkInputsToFunctions</a:t>
+            </a:r>
+            <a:r>
+              <a:rPr lang="en-US" sz="900" dirty="0">
+                <a:solidFill>
+                  <a:srgbClr val="028009"/>
+                </a:solidFill>
+                <a:latin typeface="Courier New" panose="02070309020205020404" pitchFamily="49" charset="0"/>
+              </a:rPr>
+              <a:t>(...</a:t>
+            </a:r>
+          </a:p>
+          <a:p>
+            <a:r>
+              <a:rPr lang="en-US" sz="900" dirty="0">
+                <a:solidFill>
+                  <a:srgbClr val="028009"/>
+                </a:solidFill>
+                <a:latin typeface="Courier New" panose="02070309020205020404" pitchFamily="49" charset="0"/>
+              </a:rPr>
+              <a:t>%      </a:t>
+            </a:r>
+            <a:r>
+              <a:rPr lang="en-US" sz="900" dirty="0" err="1">
+                <a:solidFill>
+                  <a:srgbClr val="028009"/>
+                </a:solidFill>
+                <a:latin typeface="Courier New" panose="02070309020205020404" pitchFamily="49" charset="0"/>
+              </a:rPr>
+              <a:t>variable,variable_type_string</a:t>
+            </a:r>
+            <a:r>
+              <a:rPr lang="en-US" sz="900" dirty="0">
+                <a:solidFill>
+                  <a:srgbClr val="028009"/>
+                </a:solidFill>
+                <a:latin typeface="Courier New" panose="02070309020205020404" pitchFamily="49" charset="0"/>
+              </a:rPr>
+              <a:t>,(</a:t>
+            </a:r>
+            <a:r>
+              <a:rPr lang="en-US" sz="900" dirty="0" err="1">
+                <a:solidFill>
+                  <a:srgbClr val="028009"/>
+                </a:solidFill>
+                <a:latin typeface="Courier New" panose="02070309020205020404" pitchFamily="49" charset="0"/>
+              </a:rPr>
+              <a:t>optional_arguments</a:t>
+            </a:r>
+            <a:r>
+              <a:rPr lang="en-US" sz="900" dirty="0">
+                <a:solidFill>
+                  <a:srgbClr val="028009"/>
+                </a:solidFill>
+                <a:latin typeface="Courier New" panose="02070309020205020404" pitchFamily="49" charset="0"/>
+              </a:rPr>
+              <a:t>))</a:t>
+            </a:r>
+          </a:p>
+          <a:p>
+            <a:r>
+              <a:rPr lang="en-US" sz="900" dirty="0">
+                <a:solidFill>
+                  <a:srgbClr val="028009"/>
+                </a:solidFill>
+                <a:latin typeface="Courier New" panose="02070309020205020404" pitchFamily="49" charset="0"/>
+              </a:rPr>
+              <a:t>%</a:t>
+            </a:r>
+          </a:p>
+          <a:p>
+            <a:r>
+              <a:rPr lang="en-US" sz="900" dirty="0">
+                <a:solidFill>
+                  <a:srgbClr val="028009"/>
+                </a:solidFill>
+                <a:latin typeface="Courier New" panose="02070309020205020404" pitchFamily="49" charset="0"/>
+              </a:rPr>
+              <a:t>% INPUTS:</a:t>
+            </a:r>
+          </a:p>
+          <a:p>
+            <a:r>
+              <a:rPr lang="en-US" sz="900" dirty="0">
+                <a:solidFill>
+                  <a:srgbClr val="028009"/>
+                </a:solidFill>
+                <a:latin typeface="Courier New" panose="02070309020205020404" pitchFamily="49" charset="0"/>
+              </a:rPr>
+              <a:t>%</a:t>
+            </a:r>
+          </a:p>
+          <a:p>
+            <a:r>
+              <a:rPr lang="en-US" sz="900" dirty="0">
+                <a:solidFill>
+                  <a:srgbClr val="028009"/>
+                </a:solidFill>
+                <a:latin typeface="Courier New" panose="02070309020205020404" pitchFamily="49" charset="0"/>
+              </a:rPr>
+              <a:t>%      variable: the variable to check</a:t>
+            </a:r>
+          </a:p>
+        </p:txBody>
+      </p:sp>
+      <p:sp>
+        <p:nvSpPr>
+          <p:cNvPr id="3" name="Rectangle 2">
+            <a:extLst>
+              <a:ext uri="{FF2B5EF4-FFF2-40B4-BE49-F238E27FC236}">
+                <a16:creationId xmlns:a16="http://schemas.microsoft.com/office/drawing/2014/main" id="{75616B01-3EEF-43F9-B062-A030413183B5}"/>
+              </a:ext>
+            </a:extLst>
+          </p:cNvPr>
+          <p:cNvSpPr/>
+          <p:nvPr/>
+        </p:nvSpPr>
+        <p:spPr>
+          <a:xfrm>
+            <a:off x="3692063" y="6308209"/>
+            <a:ext cx="7414594" cy="369332"/>
+          </a:xfrm>
+          <a:prstGeom prst="rect">
+            <a:avLst/>
+          </a:prstGeom>
+        </p:spPr>
+        <p:txBody>
+          <a:bodyPr wrap="none">
+            <a:spAutoFit/>
+          </a:bodyPr>
+          <a:lstStyle/>
+          <a:p>
+            <a:r>
+              <a:rPr lang="en-US" dirty="0"/>
+              <a:t>See: </a:t>
+            </a:r>
+            <a:r>
+              <a:rPr lang="en-US" dirty="0" err="1"/>
+              <a:t>script_test_fcn_MapGen_checkInputsToFunctions.m</a:t>
+            </a:r>
+            <a:r>
+              <a:rPr lang="en-US" dirty="0"/>
+              <a:t> for example usages</a:t>
+            </a:r>
+          </a:p>
+        </p:txBody>
+      </p:sp>
+    </p:spTree>
+    <p:extLst>
+      <p:ext uri="{BB962C8B-B14F-4D97-AF65-F5344CB8AC3E}">
+        <p14:creationId xmlns:p14="http://schemas.microsoft.com/office/powerpoint/2010/main" val="3283178281"/>
+      </p:ext>
+    </p:extLst>
+  </p:cSld>
+  <p:clrMapOvr>
+    <a:masterClrMapping/>
+  </p:clrMapOvr>
+</p:sld>
+</file>
+
+<file path=ppt/slides/slide30.xml><?xml version="1.0" encoding="utf-8"?>
 <p:sld xmlns:a="http://schemas.openxmlformats.org/drawingml/2006/main" xmlns:r="http://schemas.openxmlformats.org/officeDocument/2006/relationships" xmlns:p="http://schemas.openxmlformats.org/presentationml/2006/main">
   <p:cSld>
     <p:spTree>
@@ -13210,7 +15322,7 @@
         </p:spPr>
         <p:txBody>
           <a:bodyPr>
-            <a:normAutofit/>
+            <a:normAutofit lnSpcReduction="10000"/>
           </a:bodyPr>
           <a:lstStyle/>
           <a:p>
@@ -13219,13 +15331,8 @@
             </a:pPr>
             <a:r>
               <a:rPr lang="en-US" dirty="0"/>
-              <a:t>The circle center, after it is found, can be projected in the opposite direction of the edge’s unit normal vector, by a radius distance. This projection MUST be on the edge for the point to </a:t>
-            </a:r>
-            <a:r>
-              <a:rPr lang="en-US"/>
-              <a:t>be valid.</a:t>
-            </a:r>
-            <a:endParaRPr lang="en-US" dirty="0"/>
+              <a:t>The circle center, after it is found, can be projected in the opposite direction of the edge’s unit normal vector, by a radius distance. This projection must either be on the edge for the point to be valid, or the projection must be inside of the “apex” triangle created by the vertex.</a:t>
+            </a:r>
           </a:p>
         </p:txBody>
       </p:sp>
@@ -14054,7 +16161,7 @@
 </p:sld>
 </file>
 
-<file path=ppt/slides/slide29.xml><?xml version="1.0" encoding="utf-8"?>
+<file path=ppt/slides/slide31.xml><?xml version="1.0" encoding="utf-8"?>
 <p:sld xmlns:a="http://schemas.openxmlformats.org/drawingml/2006/main" xmlns:r="http://schemas.openxmlformats.org/officeDocument/2006/relationships" xmlns:p="http://schemas.openxmlformats.org/presentationml/2006/main">
   <p:cSld>
     <p:spTree>
@@ -14076,7 +16183,7 @@
           <p:cNvPr id="2" name="Title 1">
             <a:extLst>
               <a:ext uri="{FF2B5EF4-FFF2-40B4-BE49-F238E27FC236}">
-                <a16:creationId xmlns:a16="http://schemas.microsoft.com/office/drawing/2014/main" id="{2EC18456-FE65-117C-A754-596E594E63C8}"/>
+                <a16:creationId xmlns:a16="http://schemas.microsoft.com/office/drawing/2014/main" id="{76211925-55EA-16D9-9573-52C1955BFAA0}"/>
               </a:ext>
             </a:extLst>
           </p:cNvPr>
@@ -14094,1523 +16201,45 @@
           <a:p>
             <a:r>
               <a:rPr lang="en-US" dirty="0"/>
-              <a:t>How to find if the center is “enclosed” by the projected plane? </a:t>
+              <a:t>Some results from Step 2</a:t>
             </a:r>
           </a:p>
         </p:txBody>
       </p:sp>
-      <p:sp>
-        <p:nvSpPr>
-          <p:cNvPr id="3" name="Content Placeholder 2">
+      <p:pic>
+        <p:nvPicPr>
+          <p:cNvPr id="5" name="Picture 4">
             <a:extLst>
               <a:ext uri="{FF2B5EF4-FFF2-40B4-BE49-F238E27FC236}">
-                <a16:creationId xmlns:a16="http://schemas.microsoft.com/office/drawing/2014/main" id="{5A82A140-D2C8-7EE0-F8B5-930900879F40}"/>
+                <a16:creationId xmlns:a16="http://schemas.microsoft.com/office/drawing/2014/main" id="{B1BC2D17-9947-076D-04EA-7BD39BA2A160}"/>
               </a:ext>
             </a:extLst>
           </p:cNvPr>
-          <p:cNvSpPr>
-            <a:spLocks noGrp="1"/>
-          </p:cNvSpPr>
-          <p:nvPr>
-            <p:ph idx="1"/>
-          </p:nvPr>
-        </p:nvSpPr>
-        <p:spPr/>
-        <p:txBody>
-          <a:bodyPr/>
-          <a:lstStyle/>
-          <a:p>
-            <a:pPr marL="0" indent="0">
-              <a:buNone/>
-            </a:pPr>
-            <a:r>
-              <a:rPr lang="en-US" dirty="0"/>
-              <a:t>Knowing the projection distance, d, we can calculate the projection distance of each unit vector vertex using:</a:t>
-            </a:r>
-          </a:p>
-          <a:p>
-            <a:pPr marL="0" indent="0">
-              <a:buNone/>
-            </a:pPr>
-            <a:endParaRPr lang="en-US" dirty="0"/>
-          </a:p>
-          <a:p>
-            <a:pPr marL="0" indent="0">
-              <a:buNone/>
-            </a:pPr>
-            <a:endParaRPr lang="en-US" dirty="0"/>
-          </a:p>
-          <a:p>
-            <a:pPr marL="0" indent="0">
-              <a:buNone/>
-            </a:pPr>
-            <a:endParaRPr lang="en-US" dirty="0"/>
-          </a:p>
-          <a:p>
-            <a:pPr marL="0" indent="0">
-              <a:buNone/>
-            </a:pPr>
-            <a:endParaRPr lang="en-US" dirty="0"/>
-          </a:p>
-          <a:p>
-            <a:pPr marL="0" indent="0">
-              <a:buNone/>
-            </a:pPr>
-            <a:endParaRPr lang="en-US" dirty="0"/>
-          </a:p>
-          <a:p>
-            <a:pPr marL="0" indent="0">
-              <a:buNone/>
-            </a:pPr>
-            <a:r>
-              <a:rPr lang="en-US" dirty="0"/>
-              <a:t>Each point of the vertex, defined by the point </a:t>
-            </a:r>
-            <a:r>
-              <a:rPr lang="en-US" dirty="0" err="1"/>
-              <a:t>Pj</a:t>
-            </a:r>
-            <a:r>
-              <a:rPr lang="en-US" dirty="0"/>
-              <a:t> projected outward to </a:t>
-            </a:r>
-            <a:r>
-              <a:rPr lang="en-US" dirty="0" err="1"/>
-              <a:t>Pj</a:t>
-            </a:r>
-            <a:r>
-              <a:rPr lang="en-US" dirty="0"/>
-              <a:t>’, creates an encirclement criterion </a:t>
-            </a:r>
-          </a:p>
-        </p:txBody>
-      </p:sp>
-      <p:grpSp>
-        <p:nvGrpSpPr>
-          <p:cNvPr id="4" name="Group 3">
-            <a:extLst>
-              <a:ext uri="{FF2B5EF4-FFF2-40B4-BE49-F238E27FC236}">
-                <a16:creationId xmlns:a16="http://schemas.microsoft.com/office/drawing/2014/main" id="{02B621B5-45BD-DE58-B78E-D164000E107F}"/>
-              </a:ext>
-            </a:extLst>
-          </p:cNvPr>
-          <p:cNvGrpSpPr/>
+          <p:cNvPicPr>
+            <a:picLocks noChangeAspect="1"/>
+          </p:cNvPicPr>
           <p:nvPr/>
-        </p:nvGrpSpPr>
-        <p:grpSpPr>
-          <a:xfrm rot="8193490">
-            <a:off x="6952057" y="2781166"/>
-            <a:ext cx="459744" cy="580060"/>
-            <a:chOff x="7558295" y="1666605"/>
-            <a:chExt cx="1309163" cy="1673737"/>
+        </p:nvPicPr>
+        <p:blipFill>
+          <a:blip r:embed="rId2"/>
+          <a:stretch>
+            <a:fillRect/>
+          </a:stretch>
+        </p:blipFill>
+        <p:spPr>
+          <a:xfrm>
+            <a:off x="0" y="1879169"/>
+            <a:ext cx="12192000" cy="3099661"/>
           </a:xfrm>
-        </p:grpSpPr>
-        <p:cxnSp>
-          <p:nvCxnSpPr>
-            <p:cNvPr id="5" name="Straight Connector 4">
-              <a:extLst>
-                <a:ext uri="{FF2B5EF4-FFF2-40B4-BE49-F238E27FC236}">
-                  <a16:creationId xmlns:a16="http://schemas.microsoft.com/office/drawing/2014/main" id="{F1FD2CDC-18EE-FB3A-A54D-142611CFA967}"/>
-                </a:ext>
-              </a:extLst>
-            </p:cNvPr>
-            <p:cNvCxnSpPr>
-              <a:cxnSpLocks/>
-            </p:cNvCxnSpPr>
-            <p:nvPr/>
-          </p:nvCxnSpPr>
-          <p:spPr>
-            <a:xfrm flipH="1" flipV="1">
-              <a:off x="7558295" y="2015067"/>
-              <a:ext cx="1309163" cy="1325275"/>
-            </a:xfrm>
-            <a:prstGeom prst="line">
-              <a:avLst/>
-            </a:prstGeom>
-            <a:ln w="38100"/>
-          </p:spPr>
-          <p:style>
-            <a:lnRef idx="1">
-              <a:schemeClr val="accent1"/>
-            </a:lnRef>
-            <a:fillRef idx="0">
-              <a:schemeClr val="accent1"/>
-            </a:fillRef>
-            <a:effectRef idx="0">
-              <a:schemeClr val="accent1"/>
-            </a:effectRef>
-            <a:fontRef idx="minor">
-              <a:schemeClr val="tx1"/>
-            </a:fontRef>
-          </p:style>
-        </p:cxnSp>
-        <p:cxnSp>
-          <p:nvCxnSpPr>
-            <p:cNvPr id="6" name="Straight Connector 5">
-              <a:extLst>
-                <a:ext uri="{FF2B5EF4-FFF2-40B4-BE49-F238E27FC236}">
-                  <a16:creationId xmlns:a16="http://schemas.microsoft.com/office/drawing/2014/main" id="{0E012661-90C1-C36F-D889-F51953FF2858}"/>
-                </a:ext>
-              </a:extLst>
-            </p:cNvPr>
-            <p:cNvCxnSpPr>
-              <a:cxnSpLocks/>
-            </p:cNvCxnSpPr>
-            <p:nvPr/>
-          </p:nvCxnSpPr>
-          <p:spPr>
-            <a:xfrm rot="13406510" flipH="1">
-              <a:off x="8698972" y="1666605"/>
-              <a:ext cx="111648" cy="1266617"/>
-            </a:xfrm>
-            <a:prstGeom prst="line">
-              <a:avLst/>
-            </a:prstGeom>
-            <a:ln w="38100">
-              <a:tailEnd type="triangle"/>
-            </a:ln>
-          </p:spPr>
-          <p:style>
-            <a:lnRef idx="1">
-              <a:schemeClr val="accent1"/>
-            </a:lnRef>
-            <a:fillRef idx="0">
-              <a:schemeClr val="accent1"/>
-            </a:fillRef>
-            <a:effectRef idx="0">
-              <a:schemeClr val="accent1"/>
-            </a:effectRef>
-            <a:fontRef idx="minor">
-              <a:schemeClr val="tx1"/>
-            </a:fontRef>
-          </p:style>
-        </p:cxnSp>
-      </p:grpSp>
-      <p:cxnSp>
-        <p:nvCxnSpPr>
-          <p:cNvPr id="7" name="Straight Connector 6">
-            <a:extLst>
-              <a:ext uri="{FF2B5EF4-FFF2-40B4-BE49-F238E27FC236}">
-                <a16:creationId xmlns:a16="http://schemas.microsoft.com/office/drawing/2014/main" id="{8BF8D311-EF46-EDE5-1052-946C0FC79B4E}"/>
-              </a:ext>
-            </a:extLst>
-          </p:cNvPr>
-          <p:cNvCxnSpPr>
-            <a:cxnSpLocks/>
-          </p:cNvCxnSpPr>
-          <p:nvPr/>
-        </p:nvCxnSpPr>
-        <p:spPr>
-          <a:xfrm flipH="1" flipV="1">
-            <a:off x="7465223" y="3031091"/>
-            <a:ext cx="626986" cy="713994"/>
-          </a:xfrm>
-          <a:prstGeom prst="line">
+          <a:prstGeom prst="rect">
             <a:avLst/>
           </a:prstGeom>
-          <a:ln>
-            <a:prstDash val="sysDot"/>
-          </a:ln>
         </p:spPr>
-        <p:style>
-          <a:lnRef idx="1">
-            <a:schemeClr val="accent1"/>
-          </a:lnRef>
-          <a:fillRef idx="0">
-            <a:schemeClr val="accent1"/>
-          </a:fillRef>
-          <a:effectRef idx="0">
-            <a:schemeClr val="accent1"/>
-          </a:effectRef>
-          <a:fontRef idx="minor">
-            <a:schemeClr val="tx1"/>
-          </a:fontRef>
-        </p:style>
-      </p:cxnSp>
-      <p:cxnSp>
-        <p:nvCxnSpPr>
-          <p:cNvPr id="8" name="Straight Connector 7">
-            <a:extLst>
-              <a:ext uri="{FF2B5EF4-FFF2-40B4-BE49-F238E27FC236}">
-                <a16:creationId xmlns:a16="http://schemas.microsoft.com/office/drawing/2014/main" id="{06127B8B-03AB-5375-31B7-CA0F7ABF2B88}"/>
-              </a:ext>
-            </a:extLst>
-          </p:cNvPr>
-          <p:cNvCxnSpPr>
-            <a:cxnSpLocks/>
-          </p:cNvCxnSpPr>
-          <p:nvPr/>
-        </p:nvCxnSpPr>
-        <p:spPr>
-          <a:xfrm flipV="1">
-            <a:off x="6520513" y="3043594"/>
-            <a:ext cx="312098" cy="836258"/>
-          </a:xfrm>
-          <a:prstGeom prst="line">
-            <a:avLst/>
-          </a:prstGeom>
-          <a:ln>
-            <a:prstDash val="sysDot"/>
-          </a:ln>
-        </p:spPr>
-        <p:style>
-          <a:lnRef idx="1">
-            <a:schemeClr val="accent1"/>
-          </a:lnRef>
-          <a:fillRef idx="0">
-            <a:schemeClr val="accent1"/>
-          </a:fillRef>
-          <a:effectRef idx="0">
-            <a:schemeClr val="accent1"/>
-          </a:effectRef>
-          <a:fontRef idx="minor">
-            <a:schemeClr val="tx1"/>
-          </a:fontRef>
-        </p:style>
-      </p:cxnSp>
-      <p:sp>
-        <p:nvSpPr>
-          <p:cNvPr id="9" name="Connecteur droit 20">
-            <a:extLst>
-              <a:ext uri="{FF2B5EF4-FFF2-40B4-BE49-F238E27FC236}">
-                <a16:creationId xmlns:a16="http://schemas.microsoft.com/office/drawing/2014/main" id="{662C6EA7-A350-C68A-CD99-4C37221CFA49}"/>
-              </a:ext>
-            </a:extLst>
-          </p:cNvPr>
-          <p:cNvSpPr/>
-          <p:nvPr/>
-        </p:nvSpPr>
-        <p:spPr>
-          <a:xfrm rot="2930468">
-            <a:off x="7351622" y="3245002"/>
-            <a:ext cx="548640" cy="0"/>
-          </a:xfrm>
-          <a:prstGeom prst="line">
-            <a:avLst/>
-          </a:prstGeom>
-          <a:solidFill>
-            <a:srgbClr val="000000">
-              <a:alpha val="5000"/>
-            </a:srgbClr>
-          </a:solidFill>
-          <a:ln w="12600">
-            <a:solidFill>
-              <a:srgbClr val="000000"/>
-            </a:solidFill>
-            <a:tailEnd type="triangle"/>
-          </a:ln>
-        </p:spPr>
-        <p:style>
-          <a:lnRef idx="1">
-            <a:schemeClr val="accent1"/>
-          </a:lnRef>
-          <a:fillRef idx="0">
-            <a:schemeClr val="accent1"/>
-          </a:fillRef>
-          <a:effectRef idx="0">
-            <a:schemeClr val="accent1"/>
-          </a:effectRef>
-          <a:fontRef idx="minor">
-            <a:schemeClr val="tx1"/>
-          </a:fontRef>
-        </p:style>
-        <p:txBody>
-          <a:bodyPr wrap="none" rtlCol="0" anchor="ctr" anchorCtr="1"/>
-          <a:lstStyle/>
-          <a:p>
-            <a:endParaRPr lang="en-US">
-              <a:solidFill>
-                <a:srgbClr val="000000"/>
-              </a:solidFill>
-            </a:endParaRPr>
-          </a:p>
-        </p:txBody>
-      </p:sp>
-      <p:sp>
-        <p:nvSpPr>
-          <p:cNvPr id="10" name="Connecteur droit 20">
-            <a:extLst>
-              <a:ext uri="{FF2B5EF4-FFF2-40B4-BE49-F238E27FC236}">
-                <a16:creationId xmlns:a16="http://schemas.microsoft.com/office/drawing/2014/main" id="{30DAE494-4BDB-9A71-E195-658F97571936}"/>
-              </a:ext>
-            </a:extLst>
-          </p:cNvPr>
-          <p:cNvSpPr/>
-          <p:nvPr/>
-        </p:nvSpPr>
-        <p:spPr>
-          <a:xfrm rot="2930468">
-            <a:off x="6619944" y="3041861"/>
-            <a:ext cx="239638" cy="410926"/>
-          </a:xfrm>
-          <a:prstGeom prst="line">
-            <a:avLst/>
-          </a:prstGeom>
-          <a:solidFill>
-            <a:srgbClr val="000000">
-              <a:alpha val="5000"/>
-            </a:srgbClr>
-          </a:solidFill>
-          <a:ln w="12600">
-            <a:solidFill>
-              <a:srgbClr val="000000"/>
-            </a:solidFill>
-            <a:tailEnd type="triangle"/>
-          </a:ln>
-        </p:spPr>
-        <p:style>
-          <a:lnRef idx="1">
-            <a:schemeClr val="accent1"/>
-          </a:lnRef>
-          <a:fillRef idx="0">
-            <a:schemeClr val="accent1"/>
-          </a:fillRef>
-          <a:effectRef idx="0">
-            <a:schemeClr val="accent1"/>
-          </a:effectRef>
-          <a:fontRef idx="minor">
-            <a:schemeClr val="tx1"/>
-          </a:fontRef>
-        </p:style>
-        <p:txBody>
-          <a:bodyPr wrap="none" rtlCol="0" anchor="ctr" anchorCtr="1"/>
-          <a:lstStyle/>
-          <a:p>
-            <a:endParaRPr lang="en-US">
-              <a:solidFill>
-                <a:srgbClr val="000000"/>
-              </a:solidFill>
-            </a:endParaRPr>
-          </a:p>
-        </p:txBody>
-      </p:sp>
-      <p:sp>
-        <p:nvSpPr>
-          <p:cNvPr id="11" name="Conector recto 26">
-            <a:extLst>
-              <a:ext uri="{FF2B5EF4-FFF2-40B4-BE49-F238E27FC236}">
-                <a16:creationId xmlns:a16="http://schemas.microsoft.com/office/drawing/2014/main" id="{FE822832-0058-12F7-3391-21F3CCD1CC9E}"/>
-              </a:ext>
-            </a:extLst>
-          </p:cNvPr>
-          <p:cNvSpPr/>
-          <p:nvPr/>
-        </p:nvSpPr>
-        <p:spPr>
-          <a:xfrm>
-            <a:off x="6690240" y="3459960"/>
-            <a:ext cx="1097280" cy="0"/>
-          </a:xfrm>
-          <a:prstGeom prst="line">
-            <a:avLst/>
-          </a:prstGeom>
-          <a:solidFill>
-            <a:srgbClr val="E71224">
-              <a:alpha val="5000"/>
-            </a:srgbClr>
-          </a:solidFill>
-          <a:ln w="57150">
-            <a:solidFill>
-              <a:srgbClr val="E71224"/>
-            </a:solidFill>
-          </a:ln>
-        </p:spPr>
-        <p:style>
-          <a:lnRef idx="1">
-            <a:schemeClr val="accent1"/>
-          </a:lnRef>
-          <a:fillRef idx="0">
-            <a:schemeClr val="accent1"/>
-          </a:fillRef>
-          <a:effectRef idx="0">
-            <a:schemeClr val="accent1"/>
-          </a:effectRef>
-          <a:fontRef idx="minor">
-            <a:schemeClr val="tx1"/>
-          </a:fontRef>
-        </p:style>
-        <p:txBody>
-          <a:bodyPr wrap="none" rtlCol="0" anchor="ctr" anchorCtr="1"/>
-          <a:lstStyle/>
-          <a:p>
-            <a:endParaRPr lang="en-US" dirty="0">
-              <a:solidFill>
-                <a:srgbClr val="E71224"/>
-              </a:solidFill>
-            </a:endParaRPr>
-          </a:p>
-        </p:txBody>
-      </p:sp>
-      <mc:AlternateContent xmlns:mc="http://schemas.openxmlformats.org/markup-compatibility/2006" xmlns:a14="http://schemas.microsoft.com/office/drawing/2010/main">
-        <mc:Choice Requires="a14">
-          <p:sp>
-            <p:nvSpPr>
-              <p:cNvPr id="12" name="TextBox 11">
-                <a:extLst>
-                  <a:ext uri="{FF2B5EF4-FFF2-40B4-BE49-F238E27FC236}">
-                    <a16:creationId xmlns:a16="http://schemas.microsoft.com/office/drawing/2014/main" id="{E14DBCDD-05B8-C092-698A-B7AEF24A5AF9}"/>
-                  </a:ext>
-                </a:extLst>
-              </p:cNvPr>
-              <p:cNvSpPr txBox="1"/>
-              <p:nvPr/>
-            </p:nvSpPr>
-            <p:spPr>
-              <a:xfrm>
-                <a:off x="1587239" y="3038469"/>
-                <a:ext cx="4693228" cy="1458733"/>
-              </a:xfrm>
-              <a:prstGeom prst="rect">
-                <a:avLst/>
-              </a:prstGeom>
-              <a:noFill/>
-            </p:spPr>
-            <p:txBody>
-              <a:bodyPr wrap="square">
-                <a:spAutoFit/>
-              </a:bodyPr>
-              <a:lstStyle/>
-              <a:p>
-                <a:pPr algn="ctr"/>
-                <a14:m>
-                  <m:oMathPara xmlns:m="http://schemas.openxmlformats.org/officeDocument/2006/math">
-                    <m:oMathParaPr>
-                      <m:jc m:val="centerGroup"/>
-                    </m:oMathParaPr>
-                    <m:oMath xmlns:m="http://schemas.openxmlformats.org/officeDocument/2006/math">
-                      <m:r>
-                        <a:rPr lang="en-US" b="0" i="1" smtClean="0">
-                          <a:latin typeface="Cambria Math" panose="02040503050406030204" pitchFamily="18" charset="0"/>
-                        </a:rPr>
-                        <m:t>𝑑</m:t>
-                      </m:r>
-                      <m:r>
-                        <a:rPr lang="en-US" b="0" i="1" smtClean="0">
-                          <a:latin typeface="Cambria Math" panose="02040503050406030204" pitchFamily="18" charset="0"/>
-                        </a:rPr>
-                        <m:t>=</m:t>
-                      </m:r>
-                      <m:sSub>
-                        <m:sSubPr>
-                          <m:ctrlPr>
-                            <a:rPr lang="en-US" b="0" i="1" smtClean="0">
-                              <a:latin typeface="Cambria Math" panose="02040503050406030204" pitchFamily="18" charset="0"/>
-                            </a:rPr>
-                          </m:ctrlPr>
-                        </m:sSubPr>
-                        <m:e>
-                          <m:r>
-                            <a:rPr lang="en-US" b="0" i="1" smtClean="0">
-                              <a:latin typeface="Cambria Math" panose="02040503050406030204" pitchFamily="18" charset="0"/>
-                            </a:rPr>
-                            <m:t>𝑙</m:t>
-                          </m:r>
-                        </m:e>
-                        <m:sub>
-                          <m:r>
-                            <a:rPr lang="en-US" b="0" i="1" smtClean="0">
-                              <a:latin typeface="Cambria Math" panose="02040503050406030204" pitchFamily="18" charset="0"/>
-                            </a:rPr>
-                            <m:t>𝑗</m:t>
-                          </m:r>
-                        </m:sub>
-                      </m:sSub>
-                      <m:r>
-                        <a:rPr lang="en-US" i="1">
-                          <a:latin typeface="Cambria Math" panose="02040503050406030204" pitchFamily="18" charset="0"/>
-                        </a:rPr>
-                        <m:t>⋅</m:t>
-                      </m:r>
-                      <m:acc>
-                        <m:accPr>
-                          <m:chr m:val="̂"/>
-                          <m:ctrlPr>
-                            <a:rPr lang="en-US" i="1">
-                              <a:latin typeface="Cambria Math" panose="02040503050406030204" pitchFamily="18" charset="0"/>
-                            </a:rPr>
-                          </m:ctrlPr>
-                        </m:accPr>
-                        <m:e>
-                          <m:sSub>
-                            <m:sSubPr>
-                              <m:ctrlPr>
-                                <a:rPr lang="en-US" i="1">
-                                  <a:latin typeface="Cambria Math" panose="02040503050406030204" pitchFamily="18" charset="0"/>
-                                </a:rPr>
-                              </m:ctrlPr>
-                            </m:sSubPr>
-                            <m:e>
-                              <m:r>
-                                <a:rPr lang="en-US" i="1">
-                                  <a:latin typeface="Cambria Math" panose="02040503050406030204" pitchFamily="18" charset="0"/>
-                                </a:rPr>
-                                <m:t>𝑣</m:t>
-                              </m:r>
-                            </m:e>
-                            <m:sub>
-                              <m:r>
-                                <a:rPr lang="en-US" b="0" i="1" smtClean="0">
-                                  <a:latin typeface="Cambria Math" panose="02040503050406030204" pitchFamily="18" charset="0"/>
-                                </a:rPr>
-                                <m:t>𝑗</m:t>
-                              </m:r>
-                            </m:sub>
-                          </m:sSub>
-                        </m:e>
-                      </m:acc>
-                      <m:r>
-                        <a:rPr lang="en-US" i="1">
-                          <a:latin typeface="Cambria Math" panose="02040503050406030204" pitchFamily="18" charset="0"/>
-                        </a:rPr>
-                        <m:t>⋅</m:t>
-                      </m:r>
-                      <m:acc>
-                        <m:accPr>
-                          <m:chr m:val="̂"/>
-                          <m:ctrlPr>
-                            <a:rPr lang="en-US" i="1">
-                              <a:latin typeface="Cambria Math" panose="02040503050406030204" pitchFamily="18" charset="0"/>
-                            </a:rPr>
-                          </m:ctrlPr>
-                        </m:accPr>
-                        <m:e>
-                          <m:sSub>
-                            <m:sSubPr>
-                              <m:ctrlPr>
-                                <a:rPr lang="en-US" i="1">
-                                  <a:latin typeface="Cambria Math" panose="02040503050406030204" pitchFamily="18" charset="0"/>
-                                </a:rPr>
-                              </m:ctrlPr>
-                            </m:sSubPr>
-                            <m:e>
-                              <m:r>
-                                <a:rPr lang="en-US" i="1">
-                                  <a:latin typeface="Cambria Math" panose="02040503050406030204" pitchFamily="18" charset="0"/>
-                                </a:rPr>
-                                <m:t>𝑛</m:t>
-                              </m:r>
-                            </m:e>
-                            <m:sub>
-                              <m:r>
-                                <a:rPr lang="en-US" b="0" i="1" smtClean="0">
-                                  <a:latin typeface="Cambria Math" panose="02040503050406030204" pitchFamily="18" charset="0"/>
-                                </a:rPr>
-                                <m:t>𝑗</m:t>
-                              </m:r>
-                            </m:sub>
-                          </m:sSub>
-                        </m:e>
-                      </m:acc>
-                    </m:oMath>
-                  </m:oMathPara>
-                </a14:m>
-                <a:endParaRPr lang="en-US" dirty="0"/>
-              </a:p>
-              <a:p>
-                <a:pPr algn="ctr"/>
-                <a14:m>
-                  <m:oMathPara xmlns:m="http://schemas.openxmlformats.org/officeDocument/2006/math">
-                    <m:oMathParaPr>
-                      <m:jc m:val="centerGroup"/>
-                    </m:oMathParaPr>
-                    <m:oMath xmlns:m="http://schemas.openxmlformats.org/officeDocument/2006/math">
-                      <m:f>
-                        <m:fPr>
-                          <m:ctrlPr>
-                            <a:rPr lang="en-US" b="0" i="1" smtClean="0">
-                              <a:latin typeface="Cambria Math" panose="02040503050406030204" pitchFamily="18" charset="0"/>
-                            </a:rPr>
-                          </m:ctrlPr>
-                        </m:fPr>
-                        <m:num>
-                          <m:r>
-                            <a:rPr lang="en-US" b="0" i="1" smtClean="0">
-                              <a:latin typeface="Cambria Math" panose="02040503050406030204" pitchFamily="18" charset="0"/>
-                            </a:rPr>
-                            <m:t>𝑑</m:t>
-                          </m:r>
-                        </m:num>
-                        <m:den>
-                          <m:acc>
-                            <m:accPr>
-                              <m:chr m:val="̂"/>
-                              <m:ctrlPr>
-                                <a:rPr lang="en-US" i="1">
-                                  <a:latin typeface="Cambria Math" panose="02040503050406030204" pitchFamily="18" charset="0"/>
-                                </a:rPr>
-                              </m:ctrlPr>
-                            </m:accPr>
-                            <m:e>
-                              <m:sSub>
-                                <m:sSubPr>
-                                  <m:ctrlPr>
-                                    <a:rPr lang="en-US" i="1">
-                                      <a:latin typeface="Cambria Math" panose="02040503050406030204" pitchFamily="18" charset="0"/>
-                                    </a:rPr>
-                                  </m:ctrlPr>
-                                </m:sSubPr>
-                                <m:e>
-                                  <m:r>
-                                    <a:rPr lang="en-US" i="1">
-                                      <a:latin typeface="Cambria Math" panose="02040503050406030204" pitchFamily="18" charset="0"/>
-                                    </a:rPr>
-                                    <m:t>𝑣</m:t>
-                                  </m:r>
-                                </m:e>
-                                <m:sub>
-                                  <m:r>
-                                    <a:rPr lang="en-US" i="1">
-                                      <a:latin typeface="Cambria Math" panose="02040503050406030204" pitchFamily="18" charset="0"/>
-                                    </a:rPr>
-                                    <m:t>𝑗</m:t>
-                                  </m:r>
-                                </m:sub>
-                              </m:sSub>
-                            </m:e>
-                          </m:acc>
-                          <m:r>
-                            <a:rPr lang="en-US" i="1">
-                              <a:latin typeface="Cambria Math" panose="02040503050406030204" pitchFamily="18" charset="0"/>
-                            </a:rPr>
-                            <m:t>⋅</m:t>
-                          </m:r>
-                          <m:acc>
-                            <m:accPr>
-                              <m:chr m:val="̂"/>
-                              <m:ctrlPr>
-                                <a:rPr lang="en-US" i="1">
-                                  <a:latin typeface="Cambria Math" panose="02040503050406030204" pitchFamily="18" charset="0"/>
-                                </a:rPr>
-                              </m:ctrlPr>
-                            </m:accPr>
-                            <m:e>
-                              <m:sSub>
-                                <m:sSubPr>
-                                  <m:ctrlPr>
-                                    <a:rPr lang="en-US" i="1">
-                                      <a:latin typeface="Cambria Math" panose="02040503050406030204" pitchFamily="18" charset="0"/>
-                                    </a:rPr>
-                                  </m:ctrlPr>
-                                </m:sSubPr>
-                                <m:e>
-                                  <m:r>
-                                    <a:rPr lang="en-US" i="1">
-                                      <a:latin typeface="Cambria Math" panose="02040503050406030204" pitchFamily="18" charset="0"/>
-                                    </a:rPr>
-                                    <m:t>𝑛</m:t>
-                                  </m:r>
-                                </m:e>
-                                <m:sub>
-                                  <m:r>
-                                    <a:rPr lang="en-US" i="1">
-                                      <a:latin typeface="Cambria Math" panose="02040503050406030204" pitchFamily="18" charset="0"/>
-                                    </a:rPr>
-                                    <m:t>𝑗</m:t>
-                                  </m:r>
-                                </m:sub>
-                              </m:sSub>
-                            </m:e>
-                          </m:acc>
-                        </m:den>
-                      </m:f>
-                      <m:r>
-                        <a:rPr lang="en-US" b="0" i="1" smtClean="0">
-                          <a:latin typeface="Cambria Math" panose="02040503050406030204" pitchFamily="18" charset="0"/>
-                        </a:rPr>
-                        <m:t>=</m:t>
-                      </m:r>
-                      <m:sSub>
-                        <m:sSubPr>
-                          <m:ctrlPr>
-                            <a:rPr lang="en-US" b="0" i="1" smtClean="0">
-                              <a:latin typeface="Cambria Math" panose="02040503050406030204" pitchFamily="18" charset="0"/>
-                            </a:rPr>
-                          </m:ctrlPr>
-                        </m:sSubPr>
-                        <m:e>
-                          <m:r>
-                            <a:rPr lang="en-US" b="0" i="1" smtClean="0">
-                              <a:latin typeface="Cambria Math" panose="02040503050406030204" pitchFamily="18" charset="0"/>
-                            </a:rPr>
-                            <m:t>𝑙</m:t>
-                          </m:r>
-                        </m:e>
-                        <m:sub>
-                          <m:r>
-                            <a:rPr lang="en-US" b="0" i="1" smtClean="0">
-                              <a:latin typeface="Cambria Math" panose="02040503050406030204" pitchFamily="18" charset="0"/>
-                            </a:rPr>
-                            <m:t>𝑗</m:t>
-                          </m:r>
-                        </m:sub>
-                      </m:sSub>
-                    </m:oMath>
-                  </m:oMathPara>
-                </a14:m>
-                <a:endParaRPr lang="en-US" dirty="0"/>
-              </a:p>
-              <a:p>
-                <a:pPr algn="ctr"/>
-                <a14:m>
-                  <m:oMath xmlns:m="http://schemas.openxmlformats.org/officeDocument/2006/math">
-                    <m:sSub>
-                      <m:sSubPr>
-                        <m:ctrlPr>
-                          <a:rPr lang="en-US" b="0" i="1" smtClean="0">
-                            <a:latin typeface="Cambria Math" panose="02040503050406030204" pitchFamily="18" charset="0"/>
-                          </a:rPr>
-                        </m:ctrlPr>
-                      </m:sSubPr>
-                      <m:e>
-                        <m:r>
-                          <a:rPr lang="en-US" b="0" i="1" smtClean="0">
-                            <a:latin typeface="Cambria Math" panose="02040503050406030204" pitchFamily="18" charset="0"/>
-                          </a:rPr>
-                          <m:t>𝑃</m:t>
-                        </m:r>
-                      </m:e>
-                      <m:sub>
-                        <m:r>
-                          <a:rPr lang="en-US" b="0" i="1" smtClean="0">
-                            <a:latin typeface="Cambria Math" panose="02040503050406030204" pitchFamily="18" charset="0"/>
-                          </a:rPr>
-                          <m:t>𝑗</m:t>
-                        </m:r>
-                        <m:r>
-                          <a:rPr lang="en-US" b="0" i="1" smtClean="0">
-                            <a:latin typeface="Cambria Math" panose="02040503050406030204" pitchFamily="18" charset="0"/>
-                          </a:rPr>
-                          <m:t>′</m:t>
-                        </m:r>
-                      </m:sub>
-                    </m:sSub>
-                    <m:r>
-                      <a:rPr lang="en-US" b="0" i="1" smtClean="0">
-                        <a:latin typeface="Cambria Math" panose="02040503050406030204" pitchFamily="18" charset="0"/>
-                      </a:rPr>
-                      <m:t>=</m:t>
-                    </m:r>
-                    <m:sSub>
-                      <m:sSubPr>
-                        <m:ctrlPr>
-                          <a:rPr lang="en-US" b="0" i="1" smtClean="0">
-                            <a:latin typeface="Cambria Math" panose="02040503050406030204" pitchFamily="18" charset="0"/>
-                          </a:rPr>
-                        </m:ctrlPr>
-                      </m:sSubPr>
-                      <m:e>
-                        <m:r>
-                          <a:rPr lang="en-US" b="0" i="1" smtClean="0">
-                            <a:latin typeface="Cambria Math" panose="02040503050406030204" pitchFamily="18" charset="0"/>
-                          </a:rPr>
-                          <m:t>𝑃</m:t>
-                        </m:r>
-                      </m:e>
-                      <m:sub>
-                        <m:r>
-                          <a:rPr lang="en-US" b="0" i="1" smtClean="0">
-                            <a:latin typeface="Cambria Math" panose="02040503050406030204" pitchFamily="18" charset="0"/>
-                          </a:rPr>
-                          <m:t>𝑗</m:t>
-                        </m:r>
-                      </m:sub>
-                    </m:sSub>
-                    <m:r>
-                      <a:rPr lang="en-US" b="0" i="1" smtClean="0">
-                        <a:latin typeface="Cambria Math" panose="02040503050406030204" pitchFamily="18" charset="0"/>
-                      </a:rPr>
-                      <m:t>+</m:t>
-                    </m:r>
-                    <m:sSub>
-                      <m:sSubPr>
-                        <m:ctrlPr>
-                          <a:rPr lang="en-US" b="0" i="1" smtClean="0">
-                            <a:latin typeface="Cambria Math" panose="02040503050406030204" pitchFamily="18" charset="0"/>
-                          </a:rPr>
-                        </m:ctrlPr>
-                      </m:sSubPr>
-                      <m:e>
-                        <m:r>
-                          <a:rPr lang="en-US" b="0" i="1" smtClean="0">
-                            <a:latin typeface="Cambria Math" panose="02040503050406030204" pitchFamily="18" charset="0"/>
-                          </a:rPr>
-                          <m:t>𝑙</m:t>
-                        </m:r>
-                      </m:e>
-                      <m:sub>
-                        <m:r>
-                          <a:rPr lang="en-US" b="0" i="1" smtClean="0">
-                            <a:latin typeface="Cambria Math" panose="02040503050406030204" pitchFamily="18" charset="0"/>
-                          </a:rPr>
-                          <m:t>𝑗</m:t>
-                        </m:r>
-                      </m:sub>
-                    </m:sSub>
-                    <m:r>
-                      <a:rPr lang="en-US" b="0" i="1" smtClean="0">
-                        <a:latin typeface="Cambria Math" panose="02040503050406030204" pitchFamily="18" charset="0"/>
-                      </a:rPr>
-                      <m:t>⋅</m:t>
-                    </m:r>
-                    <m:acc>
-                      <m:accPr>
-                        <m:chr m:val="̂"/>
-                        <m:ctrlPr>
-                          <a:rPr lang="en-US" i="1">
-                            <a:latin typeface="Cambria Math" panose="02040503050406030204" pitchFamily="18" charset="0"/>
-                          </a:rPr>
-                        </m:ctrlPr>
-                      </m:accPr>
-                      <m:e>
-                        <m:sSub>
-                          <m:sSubPr>
-                            <m:ctrlPr>
-                              <a:rPr lang="en-US" i="1">
-                                <a:latin typeface="Cambria Math" panose="02040503050406030204" pitchFamily="18" charset="0"/>
-                              </a:rPr>
-                            </m:ctrlPr>
-                          </m:sSubPr>
-                          <m:e>
-                            <m:r>
-                              <a:rPr lang="en-US" i="1">
-                                <a:latin typeface="Cambria Math" panose="02040503050406030204" pitchFamily="18" charset="0"/>
-                              </a:rPr>
-                              <m:t>𝑣</m:t>
-                            </m:r>
-                          </m:e>
-                          <m:sub>
-                            <m:r>
-                              <a:rPr lang="en-US" i="1">
-                                <a:latin typeface="Cambria Math" panose="02040503050406030204" pitchFamily="18" charset="0"/>
-                              </a:rPr>
-                              <m:t>𝑗</m:t>
-                            </m:r>
-                          </m:sub>
-                        </m:sSub>
-                      </m:e>
-                    </m:acc>
-                    <m:r>
-                      <a:rPr lang="en-US" b="0" i="1" smtClean="0">
-                        <a:latin typeface="Cambria Math" panose="02040503050406030204" pitchFamily="18" charset="0"/>
-                      </a:rPr>
-                      <m:t>=</m:t>
-                    </m:r>
-                  </m:oMath>
-                </a14:m>
-                <a:r>
-                  <a:rPr lang="en-US" dirty="0"/>
-                  <a:t> </a:t>
-                </a:r>
-                <a14:m>
-                  <m:oMath xmlns:m="http://schemas.openxmlformats.org/officeDocument/2006/math">
-                    <m:sSub>
-                      <m:sSubPr>
-                        <m:ctrlPr>
-                          <a:rPr lang="en-US" i="1">
-                            <a:latin typeface="Cambria Math" panose="02040503050406030204" pitchFamily="18" charset="0"/>
-                          </a:rPr>
-                        </m:ctrlPr>
-                      </m:sSubPr>
-                      <m:e>
-                        <m:r>
-                          <a:rPr lang="en-US" i="1">
-                            <a:latin typeface="Cambria Math" panose="02040503050406030204" pitchFamily="18" charset="0"/>
-                          </a:rPr>
-                          <m:t>𝑃</m:t>
-                        </m:r>
-                      </m:e>
-                      <m:sub>
-                        <m:r>
-                          <a:rPr lang="en-US" i="1">
-                            <a:latin typeface="Cambria Math" panose="02040503050406030204" pitchFamily="18" charset="0"/>
-                          </a:rPr>
-                          <m:t>𝑗</m:t>
-                        </m:r>
-                      </m:sub>
-                    </m:sSub>
-                    <m:r>
-                      <a:rPr lang="en-US" i="1">
-                        <a:latin typeface="Cambria Math" panose="02040503050406030204" pitchFamily="18" charset="0"/>
-                      </a:rPr>
-                      <m:t>+</m:t>
-                    </m:r>
-                    <m:f>
-                      <m:fPr>
-                        <m:ctrlPr>
-                          <a:rPr lang="en-US" i="1">
-                            <a:latin typeface="Cambria Math" panose="02040503050406030204" pitchFamily="18" charset="0"/>
-                          </a:rPr>
-                        </m:ctrlPr>
-                      </m:fPr>
-                      <m:num>
-                        <m:r>
-                          <a:rPr lang="en-US" i="1">
-                            <a:latin typeface="Cambria Math" panose="02040503050406030204" pitchFamily="18" charset="0"/>
-                          </a:rPr>
-                          <m:t>𝑑</m:t>
-                        </m:r>
-                      </m:num>
-                      <m:den>
-                        <m:acc>
-                          <m:accPr>
-                            <m:chr m:val="̂"/>
-                            <m:ctrlPr>
-                              <a:rPr lang="en-US" i="1">
-                                <a:latin typeface="Cambria Math" panose="02040503050406030204" pitchFamily="18" charset="0"/>
-                              </a:rPr>
-                            </m:ctrlPr>
-                          </m:accPr>
-                          <m:e>
-                            <m:sSub>
-                              <m:sSubPr>
-                                <m:ctrlPr>
-                                  <a:rPr lang="en-US" i="1">
-                                    <a:latin typeface="Cambria Math" panose="02040503050406030204" pitchFamily="18" charset="0"/>
-                                  </a:rPr>
-                                </m:ctrlPr>
-                              </m:sSubPr>
-                              <m:e>
-                                <m:r>
-                                  <a:rPr lang="en-US" i="1">
-                                    <a:latin typeface="Cambria Math" panose="02040503050406030204" pitchFamily="18" charset="0"/>
-                                  </a:rPr>
-                                  <m:t>𝑛</m:t>
-                                </m:r>
-                              </m:e>
-                              <m:sub>
-                                <m:r>
-                                  <a:rPr lang="en-US" i="1">
-                                    <a:latin typeface="Cambria Math" panose="02040503050406030204" pitchFamily="18" charset="0"/>
-                                  </a:rPr>
-                                  <m:t>𝑗</m:t>
-                                </m:r>
-                              </m:sub>
-                            </m:sSub>
-                          </m:e>
-                        </m:acc>
-                      </m:den>
-                    </m:f>
-                  </m:oMath>
-                </a14:m>
-                <a:endParaRPr lang="en-US" dirty="0"/>
-              </a:p>
-            </p:txBody>
-          </p:sp>
-        </mc:Choice>
-        <mc:Fallback xmlns="">
-          <p:sp>
-            <p:nvSpPr>
-              <p:cNvPr id="12" name="TextBox 11">
-                <a:extLst>
-                  <a:ext uri="{FF2B5EF4-FFF2-40B4-BE49-F238E27FC236}">
-                    <a16:creationId xmlns:a16="http://schemas.microsoft.com/office/drawing/2014/main" id="{E14DBCDD-05B8-C092-698A-B7AEF24A5AF9}"/>
-                  </a:ext>
-                </a:extLst>
-              </p:cNvPr>
-              <p:cNvSpPr txBox="1">
-                <a:spLocks noRot="1" noChangeAspect="1" noMove="1" noResize="1" noEditPoints="1" noAdjustHandles="1" noChangeArrowheads="1" noChangeShapeType="1" noTextEdit="1"/>
-              </p:cNvSpPr>
-              <p:nvPr/>
-            </p:nvSpPr>
-            <p:spPr>
-              <a:xfrm>
-                <a:off x="1587239" y="3038469"/>
-                <a:ext cx="4693228" cy="1458733"/>
-              </a:xfrm>
-              <a:prstGeom prst="rect">
-                <a:avLst/>
-              </a:prstGeom>
-              <a:blipFill>
-                <a:blip r:embed="rId2"/>
-                <a:stretch>
-                  <a:fillRect t="-1250" b="-417"/>
-                </a:stretch>
-              </a:blipFill>
-            </p:spPr>
-            <p:txBody>
-              <a:bodyPr/>
-              <a:lstStyle/>
-              <a:p>
-                <a:r>
-                  <a:rPr lang="en-US">
-                    <a:noFill/>
-                  </a:rPr>
-                  <a:t> </a:t>
-                </a:r>
-              </a:p>
-            </p:txBody>
-          </p:sp>
-        </mc:Fallback>
-      </mc:AlternateContent>
-      <mc:AlternateContent xmlns:mc="http://schemas.openxmlformats.org/markup-compatibility/2006" xmlns:a14="http://schemas.microsoft.com/office/drawing/2010/main">
-        <mc:Choice Requires="a14">
-          <p:sp>
-            <p:nvSpPr>
-              <p:cNvPr id="14" name="TextBox 13">
-                <a:extLst>
-                  <a:ext uri="{FF2B5EF4-FFF2-40B4-BE49-F238E27FC236}">
-                    <a16:creationId xmlns:a16="http://schemas.microsoft.com/office/drawing/2014/main" id="{22101277-4EEF-32F3-34BA-42DFFBCA2A76}"/>
-                  </a:ext>
-                </a:extLst>
-              </p:cNvPr>
-              <p:cNvSpPr txBox="1"/>
-              <p:nvPr/>
-            </p:nvSpPr>
-            <p:spPr>
-              <a:xfrm>
-                <a:off x="6366774" y="2712821"/>
-                <a:ext cx="577755" cy="391646"/>
-              </a:xfrm>
-              <a:prstGeom prst="rect">
-                <a:avLst/>
-              </a:prstGeom>
-              <a:noFill/>
-            </p:spPr>
-            <p:txBody>
-              <a:bodyPr wrap="square">
-                <a:spAutoFit/>
-              </a:bodyPr>
-              <a:lstStyle/>
-              <a:p>
-                <a:pPr/>
-                <a14:m>
-                  <m:oMathPara xmlns:m="http://schemas.openxmlformats.org/officeDocument/2006/math">
-                    <m:oMathParaPr>
-                      <m:jc m:val="centerGroup"/>
-                    </m:oMathParaPr>
-                    <m:oMath xmlns:m="http://schemas.openxmlformats.org/officeDocument/2006/math">
-                      <m:acc>
-                        <m:accPr>
-                          <m:chr m:val="̂"/>
-                          <m:ctrlPr>
-                            <a:rPr lang="en-US" b="0" i="1" smtClean="0">
-                              <a:latin typeface="Cambria Math" panose="02040503050406030204" pitchFamily="18" charset="0"/>
-                            </a:rPr>
-                          </m:ctrlPr>
-                        </m:accPr>
-                        <m:e>
-                          <m:sSub>
-                            <m:sSubPr>
-                              <m:ctrlPr>
-                                <a:rPr lang="en-US" i="1">
-                                  <a:latin typeface="Cambria Math" panose="02040503050406030204" pitchFamily="18" charset="0"/>
-                                </a:rPr>
-                              </m:ctrlPr>
-                            </m:sSubPr>
-                            <m:e>
-                              <m:r>
-                                <a:rPr lang="en-US" i="1">
-                                  <a:latin typeface="Cambria Math" panose="02040503050406030204" pitchFamily="18" charset="0"/>
-                                </a:rPr>
-                                <m:t>𝑣</m:t>
-                              </m:r>
-                            </m:e>
-                            <m:sub>
-                              <m:r>
-                                <a:rPr lang="en-US" b="0" i="1" smtClean="0">
-                                  <a:latin typeface="Cambria Math" panose="02040503050406030204" pitchFamily="18" charset="0"/>
-                                </a:rPr>
-                                <m:t>𝑗</m:t>
-                              </m:r>
-                            </m:sub>
-                          </m:sSub>
-                        </m:e>
-                      </m:acc>
-                    </m:oMath>
-                  </m:oMathPara>
-                </a14:m>
-                <a:endParaRPr lang="en-US" dirty="0"/>
-              </a:p>
-            </p:txBody>
-          </p:sp>
-        </mc:Choice>
-        <mc:Fallback xmlns="">
-          <p:sp>
-            <p:nvSpPr>
-              <p:cNvPr id="14" name="TextBox 13">
-                <a:extLst>
-                  <a:ext uri="{FF2B5EF4-FFF2-40B4-BE49-F238E27FC236}">
-                    <a16:creationId xmlns:a16="http://schemas.microsoft.com/office/drawing/2014/main" id="{22101277-4EEF-32F3-34BA-42DFFBCA2A76}"/>
-                  </a:ext>
-                </a:extLst>
-              </p:cNvPr>
-              <p:cNvSpPr txBox="1">
-                <a:spLocks noRot="1" noChangeAspect="1" noMove="1" noResize="1" noEditPoints="1" noAdjustHandles="1" noChangeArrowheads="1" noChangeShapeType="1" noTextEdit="1"/>
-              </p:cNvSpPr>
-              <p:nvPr/>
-            </p:nvSpPr>
-            <p:spPr>
-              <a:xfrm>
-                <a:off x="6366774" y="2712821"/>
-                <a:ext cx="577755" cy="391646"/>
-              </a:xfrm>
-              <a:prstGeom prst="rect">
-                <a:avLst/>
-              </a:prstGeom>
-              <a:blipFill>
-                <a:blip r:embed="rId3"/>
-                <a:stretch>
-                  <a:fillRect t="-4688" r="-22105" b="-9375"/>
-                </a:stretch>
-              </a:blipFill>
-            </p:spPr>
-            <p:txBody>
-              <a:bodyPr/>
-              <a:lstStyle/>
-              <a:p>
-                <a:r>
-                  <a:rPr lang="en-US">
-                    <a:noFill/>
-                  </a:rPr>
-                  <a:t> </a:t>
-                </a:r>
-              </a:p>
-            </p:txBody>
-          </p:sp>
-        </mc:Fallback>
-      </mc:AlternateContent>
-      <mc:AlternateContent xmlns:mc="http://schemas.openxmlformats.org/markup-compatibility/2006" xmlns:a14="http://schemas.microsoft.com/office/drawing/2010/main">
-        <mc:Choice Requires="a14">
-          <p:sp>
-            <p:nvSpPr>
-              <p:cNvPr id="16" name="TextBox 15">
-                <a:extLst>
-                  <a:ext uri="{FF2B5EF4-FFF2-40B4-BE49-F238E27FC236}">
-                    <a16:creationId xmlns:a16="http://schemas.microsoft.com/office/drawing/2014/main" id="{81F70075-E495-0782-6385-14BEB3262BA0}"/>
-                  </a:ext>
-                </a:extLst>
-              </p:cNvPr>
-              <p:cNvSpPr txBox="1"/>
-              <p:nvPr/>
-            </p:nvSpPr>
-            <p:spPr>
-              <a:xfrm>
-                <a:off x="6905273" y="3032490"/>
-                <a:ext cx="763066" cy="391646"/>
-              </a:xfrm>
-              <a:prstGeom prst="rect">
-                <a:avLst/>
-              </a:prstGeom>
-              <a:noFill/>
-            </p:spPr>
-            <p:txBody>
-              <a:bodyPr wrap="square">
-                <a:spAutoFit/>
-              </a:bodyPr>
-              <a:lstStyle/>
-              <a:p>
-                <a:pPr/>
-                <a14:m>
-                  <m:oMathPara xmlns:m="http://schemas.openxmlformats.org/officeDocument/2006/math">
-                    <m:oMathParaPr>
-                      <m:jc m:val="centerGroup"/>
-                    </m:oMathParaPr>
-                    <m:oMath xmlns:m="http://schemas.openxmlformats.org/officeDocument/2006/math">
-                      <m:acc>
-                        <m:accPr>
-                          <m:chr m:val="̂"/>
-                          <m:ctrlPr>
-                            <a:rPr lang="en-US" i="1" smtClean="0">
-                              <a:latin typeface="Cambria Math" panose="02040503050406030204" pitchFamily="18" charset="0"/>
-                            </a:rPr>
-                          </m:ctrlPr>
-                        </m:accPr>
-                        <m:e>
-                          <m:sSub>
-                            <m:sSubPr>
-                              <m:ctrlPr>
-                                <a:rPr lang="en-US" i="1">
-                                  <a:latin typeface="Cambria Math" panose="02040503050406030204" pitchFamily="18" charset="0"/>
-                                </a:rPr>
-                              </m:ctrlPr>
-                            </m:sSubPr>
-                            <m:e>
-                              <m:r>
-                                <a:rPr lang="en-US" i="1">
-                                  <a:latin typeface="Cambria Math" panose="02040503050406030204" pitchFamily="18" charset="0"/>
-                                </a:rPr>
-                                <m:t>𝑛</m:t>
-                              </m:r>
-                            </m:e>
-                            <m:sub>
-                              <m:r>
-                                <a:rPr lang="en-US" b="0" i="1" smtClean="0">
-                                  <a:latin typeface="Cambria Math" panose="02040503050406030204" pitchFamily="18" charset="0"/>
-                                </a:rPr>
-                                <m:t>𝑗</m:t>
-                              </m:r>
-                            </m:sub>
-                          </m:sSub>
-                        </m:e>
-                      </m:acc>
-                    </m:oMath>
-                  </m:oMathPara>
-                </a14:m>
-                <a:endParaRPr lang="en-US" dirty="0"/>
-              </a:p>
-            </p:txBody>
-          </p:sp>
-        </mc:Choice>
-        <mc:Fallback xmlns="">
-          <p:sp>
-            <p:nvSpPr>
-              <p:cNvPr id="16" name="TextBox 15">
-                <a:extLst>
-                  <a:ext uri="{FF2B5EF4-FFF2-40B4-BE49-F238E27FC236}">
-                    <a16:creationId xmlns:a16="http://schemas.microsoft.com/office/drawing/2014/main" id="{81F70075-E495-0782-6385-14BEB3262BA0}"/>
-                  </a:ext>
-                </a:extLst>
-              </p:cNvPr>
-              <p:cNvSpPr txBox="1">
-                <a:spLocks noRot="1" noChangeAspect="1" noMove="1" noResize="1" noEditPoints="1" noAdjustHandles="1" noChangeArrowheads="1" noChangeShapeType="1" noTextEdit="1"/>
-              </p:cNvSpPr>
-              <p:nvPr/>
-            </p:nvSpPr>
-            <p:spPr>
-              <a:xfrm>
-                <a:off x="6905273" y="3032490"/>
-                <a:ext cx="763066" cy="391646"/>
-              </a:xfrm>
-              <a:prstGeom prst="rect">
-                <a:avLst/>
-              </a:prstGeom>
-              <a:blipFill>
-                <a:blip r:embed="rId4"/>
-                <a:stretch>
-                  <a:fillRect t="-4615" r="-23200" b="-7692"/>
-                </a:stretch>
-              </a:blipFill>
-            </p:spPr>
-            <p:txBody>
-              <a:bodyPr/>
-              <a:lstStyle/>
-              <a:p>
-                <a:r>
-                  <a:rPr lang="en-US">
-                    <a:noFill/>
-                  </a:rPr>
-                  <a:t> </a:t>
-                </a:r>
-              </a:p>
-            </p:txBody>
-          </p:sp>
-        </mc:Fallback>
-      </mc:AlternateContent>
-      <mc:AlternateContent xmlns:mc="http://schemas.openxmlformats.org/markup-compatibility/2006" xmlns:a14="http://schemas.microsoft.com/office/drawing/2010/main">
-        <mc:Choice Requires="a14">
-          <p:sp>
-            <p:nvSpPr>
-              <p:cNvPr id="18" name="TextBox 17">
-                <a:extLst>
-                  <a:ext uri="{FF2B5EF4-FFF2-40B4-BE49-F238E27FC236}">
-                    <a16:creationId xmlns:a16="http://schemas.microsoft.com/office/drawing/2014/main" id="{5D77E69E-9C8B-A856-9753-39943AC56ED6}"/>
-                  </a:ext>
-                </a:extLst>
-              </p:cNvPr>
-              <p:cNvSpPr txBox="1"/>
-              <p:nvPr/>
-            </p:nvSpPr>
-            <p:spPr>
-              <a:xfrm>
-                <a:off x="6369664" y="3021888"/>
-                <a:ext cx="468573" cy="391646"/>
-              </a:xfrm>
-              <a:prstGeom prst="rect">
-                <a:avLst/>
-              </a:prstGeom>
-              <a:noFill/>
-            </p:spPr>
-            <p:txBody>
-              <a:bodyPr wrap="square">
-                <a:spAutoFit/>
-              </a:bodyPr>
-              <a:lstStyle/>
-              <a:p>
-                <a:pPr/>
-                <a14:m>
-                  <m:oMathPara xmlns:m="http://schemas.openxmlformats.org/officeDocument/2006/math">
-                    <m:oMathParaPr>
-                      <m:jc m:val="centerGroup"/>
-                    </m:oMathParaPr>
-                    <m:oMath xmlns:m="http://schemas.openxmlformats.org/officeDocument/2006/math">
-                      <m:sSub>
-                        <m:sSubPr>
-                          <m:ctrlPr>
-                            <a:rPr lang="en-US" b="0" i="1" smtClean="0">
-                              <a:latin typeface="Cambria Math" panose="02040503050406030204" pitchFamily="18" charset="0"/>
-                            </a:rPr>
-                          </m:ctrlPr>
-                        </m:sSubPr>
-                        <m:e>
-                          <m:r>
-                            <a:rPr lang="en-US" b="0" i="1" smtClean="0">
-                              <a:latin typeface="Cambria Math" panose="02040503050406030204" pitchFamily="18" charset="0"/>
-                            </a:rPr>
-                            <m:t>𝑙</m:t>
-                          </m:r>
-                        </m:e>
-                        <m:sub>
-                          <m:r>
-                            <a:rPr lang="en-US" b="0" i="1" smtClean="0">
-                              <a:latin typeface="Cambria Math" panose="02040503050406030204" pitchFamily="18" charset="0"/>
-                            </a:rPr>
-                            <m:t>𝑗</m:t>
-                          </m:r>
-                        </m:sub>
-                      </m:sSub>
-                    </m:oMath>
-                  </m:oMathPara>
-                </a14:m>
-                <a:endParaRPr lang="en-US" dirty="0"/>
-              </a:p>
-            </p:txBody>
-          </p:sp>
-        </mc:Choice>
-        <mc:Fallback xmlns="">
-          <p:sp>
-            <p:nvSpPr>
-              <p:cNvPr id="18" name="TextBox 17">
-                <a:extLst>
-                  <a:ext uri="{FF2B5EF4-FFF2-40B4-BE49-F238E27FC236}">
-                    <a16:creationId xmlns:a16="http://schemas.microsoft.com/office/drawing/2014/main" id="{5D77E69E-9C8B-A856-9753-39943AC56ED6}"/>
-                  </a:ext>
-                </a:extLst>
-              </p:cNvPr>
-              <p:cNvSpPr txBox="1">
-                <a:spLocks noRot="1" noChangeAspect="1" noMove="1" noResize="1" noEditPoints="1" noAdjustHandles="1" noChangeArrowheads="1" noChangeShapeType="1" noTextEdit="1"/>
-              </p:cNvSpPr>
-              <p:nvPr/>
-            </p:nvSpPr>
-            <p:spPr>
-              <a:xfrm>
-                <a:off x="6369664" y="3021888"/>
-                <a:ext cx="468573" cy="391646"/>
-              </a:xfrm>
-              <a:prstGeom prst="rect">
-                <a:avLst/>
-              </a:prstGeom>
-              <a:blipFill>
-                <a:blip r:embed="rId5"/>
-                <a:stretch>
-                  <a:fillRect b="-7813"/>
-                </a:stretch>
-              </a:blipFill>
-            </p:spPr>
-            <p:txBody>
-              <a:bodyPr/>
-              <a:lstStyle/>
-              <a:p>
-                <a:r>
-                  <a:rPr lang="en-US">
-                    <a:noFill/>
-                  </a:rPr>
-                  <a:t> </a:t>
-                </a:r>
-              </a:p>
-            </p:txBody>
-          </p:sp>
-        </mc:Fallback>
-      </mc:AlternateContent>
-      <mc:AlternateContent xmlns:mc="http://schemas.openxmlformats.org/markup-compatibility/2006" xmlns:a14="http://schemas.microsoft.com/office/drawing/2010/main">
-        <mc:Choice Requires="a14">
-          <p:sp>
-            <p:nvSpPr>
-              <p:cNvPr id="19" name="TextBox 18">
-                <a:extLst>
-                  <a:ext uri="{FF2B5EF4-FFF2-40B4-BE49-F238E27FC236}">
-                    <a16:creationId xmlns:a16="http://schemas.microsoft.com/office/drawing/2014/main" id="{0C42DB23-9755-27CF-FB75-3F9115E34465}"/>
-                  </a:ext>
-                </a:extLst>
-              </p:cNvPr>
-              <p:cNvSpPr txBox="1"/>
-              <p:nvPr/>
-            </p:nvSpPr>
-            <p:spPr>
-              <a:xfrm>
-                <a:off x="6746574" y="2955070"/>
-                <a:ext cx="468573" cy="369332"/>
-              </a:xfrm>
-              <a:prstGeom prst="rect">
-                <a:avLst/>
-              </a:prstGeom>
-              <a:noFill/>
-            </p:spPr>
-            <p:txBody>
-              <a:bodyPr wrap="square">
-                <a:spAutoFit/>
-              </a:bodyPr>
-              <a:lstStyle/>
-              <a:p>
-                <a:pPr/>
-                <a14:m>
-                  <m:oMathPara xmlns:m="http://schemas.openxmlformats.org/officeDocument/2006/math">
-                    <m:oMathParaPr>
-                      <m:jc m:val="centerGroup"/>
-                    </m:oMathParaPr>
-                    <m:oMath xmlns:m="http://schemas.openxmlformats.org/officeDocument/2006/math">
-                      <m:r>
-                        <a:rPr lang="en-US" b="0" i="1" smtClean="0">
-                          <a:latin typeface="Cambria Math" panose="02040503050406030204" pitchFamily="18" charset="0"/>
-                        </a:rPr>
-                        <m:t>𝑑</m:t>
-                      </m:r>
-                    </m:oMath>
-                  </m:oMathPara>
-                </a14:m>
-                <a:endParaRPr lang="en-US" dirty="0"/>
-              </a:p>
-            </p:txBody>
-          </p:sp>
-        </mc:Choice>
-        <mc:Fallback xmlns="">
-          <p:sp>
-            <p:nvSpPr>
-              <p:cNvPr id="19" name="TextBox 18">
-                <a:extLst>
-                  <a:ext uri="{FF2B5EF4-FFF2-40B4-BE49-F238E27FC236}">
-                    <a16:creationId xmlns:a16="http://schemas.microsoft.com/office/drawing/2014/main" id="{0C42DB23-9755-27CF-FB75-3F9115E34465}"/>
-                  </a:ext>
-                </a:extLst>
-              </p:cNvPr>
-              <p:cNvSpPr txBox="1">
-                <a:spLocks noRot="1" noChangeAspect="1" noMove="1" noResize="1" noEditPoints="1" noAdjustHandles="1" noChangeArrowheads="1" noChangeShapeType="1" noTextEdit="1"/>
-              </p:cNvSpPr>
-              <p:nvPr/>
-            </p:nvSpPr>
-            <p:spPr>
-              <a:xfrm>
-                <a:off x="6746574" y="2955070"/>
-                <a:ext cx="468573" cy="369332"/>
-              </a:xfrm>
-              <a:prstGeom prst="rect">
-                <a:avLst/>
-              </a:prstGeom>
-              <a:blipFill>
-                <a:blip r:embed="rId6"/>
-                <a:stretch>
-                  <a:fillRect/>
-                </a:stretch>
-              </a:blipFill>
-            </p:spPr>
-            <p:txBody>
-              <a:bodyPr/>
-              <a:lstStyle/>
-              <a:p>
-                <a:r>
-                  <a:rPr lang="en-US">
-                    <a:noFill/>
-                  </a:rPr>
-                  <a:t> </a:t>
-                </a:r>
-              </a:p>
-            </p:txBody>
-          </p:sp>
-        </mc:Fallback>
-      </mc:AlternateContent>
+      </p:pic>
     </p:spTree>
     <p:extLst>
       <p:ext uri="{BB962C8B-B14F-4D97-AF65-F5344CB8AC3E}">
-        <p14:creationId xmlns:p14="http://schemas.microsoft.com/office/powerpoint/2010/main" val="1760538069"/>
+        <p14:creationId xmlns:p14="http://schemas.microsoft.com/office/powerpoint/2010/main" val="1782756671"/>
       </p:ext>
     </p:extLst>
   </p:cSld>
@@ -15620,12 +16249,18 @@
 </p:sld>
 </file>
 
-<file path=ppt/slides/slide3.xml><?xml version="1.0" encoding="utf-8"?>
+<file path=ppt/slides/slide32.xml><?xml version="1.0" encoding="utf-8"?>
 <p:sld xmlns:a="http://schemas.openxmlformats.org/drawingml/2006/main" xmlns:r="http://schemas.openxmlformats.org/officeDocument/2006/relationships" xmlns:p="http://schemas.openxmlformats.org/presentationml/2006/main">
   <p:cSld>
     <p:spTree>
       <p:nvGrpSpPr>
-        <p:cNvPr id="1" name=""/>
+        <p:cNvPr id="1" name="">
+          <a:extLst>
+            <a:ext uri="{FF2B5EF4-FFF2-40B4-BE49-F238E27FC236}">
+              <a16:creationId xmlns:a16="http://schemas.microsoft.com/office/drawing/2014/main" id="{434B47B7-A3B9-0B69-485F-BD711BD487B2}"/>
+            </a:ext>
+          </a:extLst>
+        </p:cNvPr>
         <p:cNvGrpSpPr/>
         <p:nvPr/>
       </p:nvGrpSpPr>
@@ -15642,7 +16277,7 @@
           <p:cNvPr id="2" name="Title 1">
             <a:extLst>
               <a:ext uri="{FF2B5EF4-FFF2-40B4-BE49-F238E27FC236}">
-                <a16:creationId xmlns:a16="http://schemas.microsoft.com/office/drawing/2014/main" id="{F61BB289-6F7D-4E26-9549-A418B0B98DBB}"/>
+                <a16:creationId xmlns:a16="http://schemas.microsoft.com/office/drawing/2014/main" id="{79916BA4-BEE8-4016-C252-0BDDC29CB0FC}"/>
               </a:ext>
             </a:extLst>
           </p:cNvPr>
@@ -15656,603 +16291,88 @@
         <p:spPr/>
         <p:txBody>
           <a:bodyPr>
-            <a:normAutofit/>
+            <a:noAutofit/>
           </a:bodyPr>
           <a:lstStyle/>
           <a:p>
             <a:r>
-              <a:rPr lang="en-US" dirty="0"/>
-              <a:t>Each function uses a class-specific argument check function</a:t>
+              <a:rPr lang="en-US" sz="3600" dirty="0"/>
+              <a:t>Step 3: This is implemented by simply finding the smallest radius among all fitted spheres</a:t>
             </a:r>
           </a:p>
         </p:txBody>
       </p:sp>
       <p:sp>
         <p:nvSpPr>
-          <p:cNvPr id="5" name="Rectangle 4">
+          <p:cNvPr id="4" name="Content Placeholder 3">
             <a:extLst>
               <a:ext uri="{FF2B5EF4-FFF2-40B4-BE49-F238E27FC236}">
-                <a16:creationId xmlns:a16="http://schemas.microsoft.com/office/drawing/2014/main" id="{F0CB9B29-E4C5-4A4F-9118-99BC76FA2AD9}"/>
+                <a16:creationId xmlns:a16="http://schemas.microsoft.com/office/drawing/2014/main" id="{D141612E-C4A5-ACC5-72CF-CF73F2A788B6}"/>
               </a:ext>
             </a:extLst>
           </p:cNvPr>
-          <p:cNvSpPr/>
-          <p:nvPr/>
+          <p:cNvSpPr>
+            <a:spLocks noGrp="1"/>
+          </p:cNvSpPr>
+          <p:nvPr>
+            <p:ph idx="1"/>
+          </p:nvPr>
         </p:nvSpPr>
         <p:spPr>
           <a:xfrm>
-            <a:off x="374433" y="2022133"/>
-            <a:ext cx="5909136" cy="3554819"/>
+            <a:off x="838200" y="1825625"/>
+            <a:ext cx="4552666" cy="4351338"/>
           </a:xfrm>
-          <a:prstGeom prst="rect">
-            <a:avLst/>
-          </a:prstGeom>
-          <a:solidFill>
-            <a:schemeClr val="accent4">
-              <a:lumMod val="20000"/>
-              <a:lumOff val="80000"/>
-            </a:schemeClr>
-          </a:solidFill>
         </p:spPr>
         <p:txBody>
-          <a:bodyPr wrap="square">
-            <a:spAutoFit/>
+          <a:bodyPr>
+            <a:normAutofit fontScale="92500" lnSpcReduction="10000"/>
           </a:bodyPr>
           <a:lstStyle/>
           <a:p>
-            <a:r>
-              <a:rPr lang="en-US" sz="900" dirty="0">
-                <a:solidFill>
-                  <a:srgbClr val="0E00FF"/>
-                </a:solidFill>
-                <a:latin typeface="Courier New" panose="02070309020205020404" pitchFamily="49" charset="0"/>
-              </a:rPr>
-              <a:t>function</a:t>
-            </a:r>
-            <a:r>
-              <a:rPr lang="en-US" sz="900" dirty="0">
-                <a:solidFill>
-                  <a:srgbClr val="000000"/>
-                </a:solidFill>
-                <a:latin typeface="Courier New" panose="02070309020205020404" pitchFamily="49" charset="0"/>
-              </a:rPr>
-              <a:t> </a:t>
-            </a:r>
-            <a:r>
-              <a:rPr lang="en-US" sz="900" dirty="0" err="1">
-                <a:solidFill>
-                  <a:srgbClr val="000000"/>
-                </a:solidFill>
-                <a:latin typeface="Courier New" panose="02070309020205020404" pitchFamily="49" charset="0"/>
-              </a:rPr>
-              <a:t>fcn_MapGen_checkInputsToFunctions</a:t>
-            </a:r>
-            <a:r>
-              <a:rPr lang="en-US" sz="900" dirty="0">
-                <a:solidFill>
-                  <a:srgbClr val="000000"/>
-                </a:solidFill>
-                <a:latin typeface="Courier New" panose="02070309020205020404" pitchFamily="49" charset="0"/>
-              </a:rPr>
-              <a:t>(</a:t>
-            </a:r>
-            <a:r>
-              <a:rPr lang="en-US" sz="900" dirty="0">
-                <a:solidFill>
-                  <a:srgbClr val="0E00FF"/>
-                </a:solidFill>
-                <a:latin typeface="Courier New" panose="02070309020205020404" pitchFamily="49" charset="0"/>
-              </a:rPr>
-              <a:t>...</a:t>
-            </a:r>
-          </a:p>
-          <a:p>
-            <a:r>
-              <a:rPr lang="en-US" sz="900" dirty="0">
-                <a:solidFill>
-                  <a:srgbClr val="000000"/>
-                </a:solidFill>
-                <a:latin typeface="Courier New" panose="02070309020205020404" pitchFamily="49" charset="0"/>
-              </a:rPr>
-              <a:t>    </a:t>
-            </a:r>
-            <a:r>
-              <a:rPr lang="en-US" sz="900" dirty="0" err="1">
-                <a:solidFill>
-                  <a:srgbClr val="000000"/>
-                </a:solidFill>
-                <a:latin typeface="Courier New" panose="02070309020205020404" pitchFamily="49" charset="0"/>
-              </a:rPr>
-              <a:t>variable,variable_type_string,varargin</a:t>
-            </a:r>
-            <a:r>
-              <a:rPr lang="en-US" sz="900" dirty="0">
-                <a:solidFill>
-                  <a:srgbClr val="000000"/>
-                </a:solidFill>
-                <a:latin typeface="Courier New" panose="02070309020205020404" pitchFamily="49" charset="0"/>
-              </a:rPr>
-              <a:t>)</a:t>
-            </a:r>
-          </a:p>
-          <a:p>
-            <a:r>
-              <a:rPr lang="en-US" sz="900" dirty="0">
-                <a:solidFill>
-                  <a:srgbClr val="000000"/>
-                </a:solidFill>
-                <a:latin typeface="Courier New" panose="02070309020205020404" pitchFamily="49" charset="0"/>
-              </a:rPr>
-              <a:t> </a:t>
-            </a:r>
-          </a:p>
-          <a:p>
-            <a:r>
-              <a:rPr lang="en-US" sz="900" dirty="0">
-                <a:solidFill>
-                  <a:srgbClr val="028009"/>
-                </a:solidFill>
-                <a:latin typeface="Courier New" panose="02070309020205020404" pitchFamily="49" charset="0"/>
-              </a:rPr>
-              <a:t>% </a:t>
-            </a:r>
-            <a:r>
-              <a:rPr lang="en-US" sz="900" dirty="0" err="1">
-                <a:solidFill>
-                  <a:srgbClr val="028009"/>
-                </a:solidFill>
-                <a:latin typeface="Courier New" panose="02070309020205020404" pitchFamily="49" charset="0"/>
-              </a:rPr>
-              <a:t>fcn_MapGen_checkInputsToFunctions</a:t>
-            </a:r>
-            <a:endParaRPr lang="en-US" sz="900" dirty="0">
-              <a:solidFill>
-                <a:srgbClr val="028009"/>
-              </a:solidFill>
-              <a:latin typeface="Courier New" panose="02070309020205020404" pitchFamily="49" charset="0"/>
-            </a:endParaRPr>
-          </a:p>
-          <a:p>
-            <a:r>
-              <a:rPr lang="en-US" sz="900" dirty="0">
-                <a:solidFill>
-                  <a:srgbClr val="028009"/>
-                </a:solidFill>
-                <a:latin typeface="Courier New" panose="02070309020205020404" pitchFamily="49" charset="0"/>
-              </a:rPr>
-              <a:t>% Checks the variable types commonly used in the </a:t>
-            </a:r>
-            <a:r>
-              <a:rPr lang="en-US" sz="900" dirty="0" err="1">
-                <a:solidFill>
-                  <a:srgbClr val="028009"/>
-                </a:solidFill>
-                <a:latin typeface="Courier New" panose="02070309020205020404" pitchFamily="49" charset="0"/>
-              </a:rPr>
-              <a:t>MapGen</a:t>
-            </a:r>
-            <a:r>
-              <a:rPr lang="en-US" sz="900" dirty="0">
-                <a:solidFill>
-                  <a:srgbClr val="028009"/>
-                </a:solidFill>
-                <a:latin typeface="Courier New" panose="02070309020205020404" pitchFamily="49" charset="0"/>
-              </a:rPr>
-              <a:t> codes to</a:t>
-            </a:r>
-          </a:p>
-          <a:p>
-            <a:r>
-              <a:rPr lang="en-US" sz="900" dirty="0">
-                <a:solidFill>
-                  <a:srgbClr val="028009"/>
-                </a:solidFill>
-                <a:latin typeface="Courier New" panose="02070309020205020404" pitchFamily="49" charset="0"/>
-              </a:rPr>
-              <a:t>% ensure they are correctly formed.</a:t>
-            </a:r>
-          </a:p>
-          <a:p>
-            <a:r>
-              <a:rPr lang="en-US" sz="900" dirty="0">
-                <a:solidFill>
-                  <a:srgbClr val="028009"/>
-                </a:solidFill>
-                <a:latin typeface="Courier New" panose="02070309020205020404" pitchFamily="49" charset="0"/>
-              </a:rPr>
-              <a:t>%</a:t>
-            </a:r>
-          </a:p>
-          <a:p>
-            <a:r>
-              <a:rPr lang="en-US" sz="900" dirty="0">
-                <a:solidFill>
-                  <a:srgbClr val="028009"/>
-                </a:solidFill>
-                <a:latin typeface="Courier New" panose="02070309020205020404" pitchFamily="49" charset="0"/>
-              </a:rPr>
-              <a:t>% This function is typically called at the top of most functions. The input</a:t>
-            </a:r>
-          </a:p>
-          <a:p>
-            <a:r>
-              <a:rPr lang="en-US" sz="900" dirty="0">
-                <a:solidFill>
-                  <a:srgbClr val="028009"/>
-                </a:solidFill>
-                <a:latin typeface="Courier New" panose="02070309020205020404" pitchFamily="49" charset="0"/>
-              </a:rPr>
-              <a:t>% is a variable and a string defining the "type" of the variable. This</a:t>
-            </a:r>
-          </a:p>
-          <a:p>
-            <a:r>
-              <a:rPr lang="en-US" sz="900" dirty="0">
-                <a:solidFill>
-                  <a:srgbClr val="028009"/>
-                </a:solidFill>
-                <a:latin typeface="Courier New" panose="02070309020205020404" pitchFamily="49" charset="0"/>
-              </a:rPr>
-              <a:t>% function checks to see that they are compatible. For example, say there</a:t>
-            </a:r>
-          </a:p>
-          <a:p>
-            <a:r>
-              <a:rPr lang="en-US" sz="900" dirty="0">
-                <a:solidFill>
-                  <a:srgbClr val="028009"/>
-                </a:solidFill>
-                <a:latin typeface="Courier New" panose="02070309020205020404" pitchFamily="49" charset="0"/>
-              </a:rPr>
-              <a:t>% '</a:t>
-            </a:r>
-            <a:r>
-              <a:rPr lang="en-US" sz="900" dirty="0" err="1">
-                <a:solidFill>
-                  <a:srgbClr val="028009"/>
-                </a:solidFill>
-                <a:latin typeface="Courier New" panose="02070309020205020404" pitchFamily="49" charset="0"/>
-              </a:rPr>
-              <a:t>column_vector</a:t>
-            </a:r>
-            <a:r>
-              <a:rPr lang="en-US" sz="900" dirty="0">
-                <a:solidFill>
-                  <a:srgbClr val="028009"/>
-                </a:solidFill>
-                <a:latin typeface="Courier New" panose="02070309020205020404" pitchFamily="49" charset="0"/>
-              </a:rPr>
-              <a:t>' type of variables used in the function that is always a N</a:t>
-            </a:r>
-          </a:p>
-          <a:p>
-            <a:r>
-              <a:rPr lang="en-US" sz="900" dirty="0">
-                <a:solidFill>
-                  <a:srgbClr val="028009"/>
-                </a:solidFill>
-                <a:latin typeface="Courier New" panose="02070309020205020404" pitchFamily="49" charset="0"/>
-              </a:rPr>
-              <a:t>% x 1 array; if someone had a variable called "</a:t>
-            </a:r>
-            <a:r>
-              <a:rPr lang="en-US" sz="900" dirty="0" err="1">
-                <a:solidFill>
-                  <a:srgbClr val="028009"/>
-                </a:solidFill>
-                <a:latin typeface="Courier New" panose="02070309020205020404" pitchFamily="49" charset="0"/>
-              </a:rPr>
-              <a:t>test_example</a:t>
-            </a:r>
-            <a:r>
-              <a:rPr lang="en-US" sz="900" dirty="0">
-                <a:solidFill>
-                  <a:srgbClr val="028009"/>
-                </a:solidFill>
-                <a:latin typeface="Courier New" panose="02070309020205020404" pitchFamily="49" charset="0"/>
-              </a:rPr>
-              <a:t>", they could</a:t>
-            </a:r>
-          </a:p>
-          <a:p>
-            <a:r>
-              <a:rPr lang="en-US" sz="900" dirty="0">
-                <a:solidFill>
-                  <a:srgbClr val="028009"/>
-                </a:solidFill>
-                <a:latin typeface="Courier New" panose="02070309020205020404" pitchFamily="49" charset="0"/>
-              </a:rPr>
-              <a:t>% check that this fit the '</a:t>
-            </a:r>
-            <a:r>
-              <a:rPr lang="en-US" sz="900" dirty="0" err="1">
-                <a:solidFill>
-                  <a:srgbClr val="028009"/>
-                </a:solidFill>
-                <a:latin typeface="Courier New" panose="02070309020205020404" pitchFamily="49" charset="0"/>
-              </a:rPr>
-              <a:t>column_vector</a:t>
-            </a:r>
-            <a:r>
-              <a:rPr lang="en-US" sz="900" dirty="0">
-                <a:solidFill>
-                  <a:srgbClr val="028009"/>
-                </a:solidFill>
-                <a:latin typeface="Courier New" panose="02070309020205020404" pitchFamily="49" charset="0"/>
-              </a:rPr>
-              <a:t>' type by calling</a:t>
-            </a:r>
-          </a:p>
-          <a:p>
-            <a:r>
-              <a:rPr lang="en-US" sz="900" dirty="0">
-                <a:solidFill>
-                  <a:srgbClr val="028009"/>
-                </a:solidFill>
-                <a:latin typeface="Courier New" panose="02070309020205020404" pitchFamily="49" charset="0"/>
-              </a:rPr>
-              <a:t>% </a:t>
-            </a:r>
-            <a:r>
-              <a:rPr lang="en-US" sz="900" dirty="0" err="1">
-                <a:solidFill>
-                  <a:srgbClr val="028009"/>
-                </a:solidFill>
-                <a:latin typeface="Courier New" panose="02070309020205020404" pitchFamily="49" charset="0"/>
-              </a:rPr>
-              <a:t>fcn_MapGen_checkInputsToFunctions</a:t>
-            </a:r>
-            <a:r>
-              <a:rPr lang="en-US" sz="900" dirty="0">
-                <a:solidFill>
-                  <a:srgbClr val="028009"/>
-                </a:solidFill>
-                <a:latin typeface="Courier New" panose="02070309020205020404" pitchFamily="49" charset="0"/>
-              </a:rPr>
-              <a:t>(test_example,'</a:t>
-            </a:r>
-            <a:r>
-              <a:rPr lang="en-US" sz="900" dirty="0" err="1">
-                <a:solidFill>
-                  <a:srgbClr val="028009"/>
-                </a:solidFill>
-                <a:latin typeface="Courier New" panose="02070309020205020404" pitchFamily="49" charset="0"/>
-              </a:rPr>
-              <a:t>column_vector</a:t>
-            </a:r>
-            <a:r>
-              <a:rPr lang="en-US" sz="900" dirty="0">
-                <a:solidFill>
-                  <a:srgbClr val="028009"/>
-                </a:solidFill>
-                <a:latin typeface="Courier New" panose="02070309020205020404" pitchFamily="49" charset="0"/>
-              </a:rPr>
-              <a:t>').</a:t>
-            </a:r>
-          </a:p>
-          <a:p>
-            <a:r>
-              <a:rPr lang="en-US" sz="900" dirty="0">
-                <a:solidFill>
-                  <a:srgbClr val="028009"/>
-                </a:solidFill>
-                <a:latin typeface="Courier New" panose="02070309020205020404" pitchFamily="49" charset="0"/>
-              </a:rPr>
-              <a:t>% This function would then check that the array was N x 1, and if it was</a:t>
-            </a:r>
-          </a:p>
-          <a:p>
-            <a:r>
-              <a:rPr lang="en-US" sz="900" dirty="0">
-                <a:solidFill>
-                  <a:srgbClr val="028009"/>
-                </a:solidFill>
-                <a:latin typeface="Courier New" panose="02070309020205020404" pitchFamily="49" charset="0"/>
-              </a:rPr>
-              <a:t>% not, it would send out an error warning.</a:t>
-            </a:r>
-          </a:p>
-          <a:p>
-            <a:r>
-              <a:rPr lang="en-US" sz="900" dirty="0">
-                <a:solidFill>
-                  <a:srgbClr val="028009"/>
-                </a:solidFill>
-                <a:latin typeface="Courier New" panose="02070309020205020404" pitchFamily="49" charset="0"/>
-              </a:rPr>
-              <a:t>%</a:t>
-            </a:r>
-          </a:p>
-          <a:p>
-            <a:r>
-              <a:rPr lang="en-US" sz="900" dirty="0">
-                <a:solidFill>
-                  <a:srgbClr val="028009"/>
-                </a:solidFill>
-                <a:latin typeface="Courier New" panose="02070309020205020404" pitchFamily="49" charset="0"/>
-              </a:rPr>
-              <a:t>% FORMAT:</a:t>
-            </a:r>
-          </a:p>
-          <a:p>
-            <a:r>
-              <a:rPr lang="en-US" sz="900" dirty="0">
-                <a:solidFill>
-                  <a:srgbClr val="028009"/>
-                </a:solidFill>
-                <a:latin typeface="Courier New" panose="02070309020205020404" pitchFamily="49" charset="0"/>
-              </a:rPr>
-              <a:t>%</a:t>
-            </a:r>
-          </a:p>
-          <a:p>
-            <a:r>
-              <a:rPr lang="en-US" sz="900" dirty="0">
-                <a:solidFill>
-                  <a:srgbClr val="028009"/>
-                </a:solidFill>
-                <a:latin typeface="Courier New" panose="02070309020205020404" pitchFamily="49" charset="0"/>
-              </a:rPr>
-              <a:t>%      </a:t>
-            </a:r>
-            <a:r>
-              <a:rPr lang="en-US" sz="900" dirty="0" err="1">
-                <a:solidFill>
-                  <a:srgbClr val="028009"/>
-                </a:solidFill>
-                <a:latin typeface="Courier New" panose="02070309020205020404" pitchFamily="49" charset="0"/>
-              </a:rPr>
-              <a:t>fcn_MapGen_checkInputsToFunctions</a:t>
-            </a:r>
-            <a:r>
-              <a:rPr lang="en-US" sz="900" dirty="0">
-                <a:solidFill>
-                  <a:srgbClr val="028009"/>
-                </a:solidFill>
-                <a:latin typeface="Courier New" panose="02070309020205020404" pitchFamily="49" charset="0"/>
-              </a:rPr>
-              <a:t>(...</a:t>
-            </a:r>
-          </a:p>
-          <a:p>
-            <a:r>
-              <a:rPr lang="en-US" sz="900" dirty="0">
-                <a:solidFill>
-                  <a:srgbClr val="028009"/>
-                </a:solidFill>
-                <a:latin typeface="Courier New" panose="02070309020205020404" pitchFamily="49" charset="0"/>
-              </a:rPr>
-              <a:t>%      </a:t>
-            </a:r>
-            <a:r>
-              <a:rPr lang="en-US" sz="900" dirty="0" err="1">
-                <a:solidFill>
-                  <a:srgbClr val="028009"/>
-                </a:solidFill>
-                <a:latin typeface="Courier New" panose="02070309020205020404" pitchFamily="49" charset="0"/>
-              </a:rPr>
-              <a:t>variable,variable_type_string</a:t>
-            </a:r>
-            <a:r>
-              <a:rPr lang="en-US" sz="900" dirty="0">
-                <a:solidFill>
-                  <a:srgbClr val="028009"/>
-                </a:solidFill>
-                <a:latin typeface="Courier New" panose="02070309020205020404" pitchFamily="49" charset="0"/>
-              </a:rPr>
-              <a:t>,(</a:t>
-            </a:r>
-            <a:r>
-              <a:rPr lang="en-US" sz="900" dirty="0" err="1">
-                <a:solidFill>
-                  <a:srgbClr val="028009"/>
-                </a:solidFill>
-                <a:latin typeface="Courier New" panose="02070309020205020404" pitchFamily="49" charset="0"/>
-              </a:rPr>
-              <a:t>optional_arguments</a:t>
-            </a:r>
-            <a:r>
-              <a:rPr lang="en-US" sz="900" dirty="0">
-                <a:solidFill>
-                  <a:srgbClr val="028009"/>
-                </a:solidFill>
-                <a:latin typeface="Courier New" panose="02070309020205020404" pitchFamily="49" charset="0"/>
-              </a:rPr>
-              <a:t>))</a:t>
-            </a:r>
-          </a:p>
-          <a:p>
-            <a:r>
-              <a:rPr lang="en-US" sz="900" dirty="0">
-                <a:solidFill>
-                  <a:srgbClr val="028009"/>
-                </a:solidFill>
-                <a:latin typeface="Courier New" panose="02070309020205020404" pitchFamily="49" charset="0"/>
-              </a:rPr>
-              <a:t>%</a:t>
-            </a:r>
-          </a:p>
-          <a:p>
-            <a:r>
-              <a:rPr lang="en-US" sz="900" dirty="0">
-                <a:solidFill>
-                  <a:srgbClr val="028009"/>
-                </a:solidFill>
-                <a:latin typeface="Courier New" panose="02070309020205020404" pitchFamily="49" charset="0"/>
-              </a:rPr>
-              <a:t>% INPUTS:</a:t>
-            </a:r>
-          </a:p>
-          <a:p>
-            <a:r>
-              <a:rPr lang="en-US" sz="900" dirty="0">
-                <a:solidFill>
-                  <a:srgbClr val="028009"/>
-                </a:solidFill>
-                <a:latin typeface="Courier New" panose="02070309020205020404" pitchFamily="49" charset="0"/>
-              </a:rPr>
-              <a:t>%</a:t>
-            </a:r>
-          </a:p>
-          <a:p>
-            <a:r>
-              <a:rPr lang="en-US" sz="900" dirty="0">
-                <a:solidFill>
-                  <a:srgbClr val="028009"/>
-                </a:solidFill>
-                <a:latin typeface="Courier New" panose="02070309020205020404" pitchFamily="49" charset="0"/>
-              </a:rPr>
-              <a:t>%      variable: the variable to check</a:t>
-            </a:r>
-          </a:p>
-        </p:txBody>
-      </p:sp>
-      <p:sp>
-        <p:nvSpPr>
-          <p:cNvPr id="3" name="Rectangle 2">
-            <a:extLst>
-              <a:ext uri="{FF2B5EF4-FFF2-40B4-BE49-F238E27FC236}">
-                <a16:creationId xmlns:a16="http://schemas.microsoft.com/office/drawing/2014/main" id="{75616B01-3EEF-43F9-B062-A030413183B5}"/>
-              </a:ext>
-            </a:extLst>
-          </p:cNvPr>
-          <p:cNvSpPr/>
-          <p:nvPr/>
-        </p:nvSpPr>
-        <p:spPr>
-          <a:xfrm>
-            <a:off x="3692063" y="6308209"/>
-            <a:ext cx="7414594" cy="369332"/>
-          </a:xfrm>
-          <a:prstGeom prst="rect">
-            <a:avLst/>
-          </a:prstGeom>
-        </p:spPr>
-        <p:txBody>
-          <a:bodyPr wrap="none">
-            <a:spAutoFit/>
-          </a:bodyPr>
-          <a:lstStyle/>
-          <a:p>
-            <a:r>
-              <a:rPr lang="en-US" dirty="0"/>
-              <a:t>See: </a:t>
+            <a:pPr marL="0" indent="0">
+              <a:buNone/>
+            </a:pPr>
+            <a:r>
+              <a:rPr lang="en-US" sz="2800" dirty="0"/>
+              <a:t>Given a unit vertex projection, </a:t>
+            </a:r>
+            <a:r>
+              <a:rPr lang="en-US" sz="2800" dirty="0" err="1"/>
+              <a:t>v_i</a:t>
+            </a:r>
+            <a:r>
+              <a:rPr lang="en-US" sz="2800" dirty="0"/>
+              <a:t>, this vertex will always be on the centerline of any circle center that is tangent to edges to the right and left, </a:t>
             </a:r>
             <a:r>
               <a:rPr lang="en-US" dirty="0" err="1"/>
-              <a:t>script_test_fcn_MapGen_checkInputsToFunctions.m</a:t>
-            </a:r>
-            <a:r>
-              <a:rPr lang="en-US" dirty="0"/>
-              <a:t> for example usages</a:t>
-            </a:r>
+              <a:t>e</a:t>
+            </a:r>
+            <a:r>
+              <a:rPr lang="en-US" sz="2800" dirty="0" err="1"/>
+              <a:t>_i</a:t>
+            </a:r>
+            <a:r>
+              <a:rPr lang="en-US" sz="2800" dirty="0"/>
+              <a:t> and e_i-1. So a projection from another edge must intersect </a:t>
+            </a:r>
+            <a:r>
+              <a:rPr lang="en-US" sz="2800" dirty="0" err="1"/>
+              <a:t>v_j</a:t>
+            </a:r>
+            <a:r>
+              <a:rPr lang="en-US" sz="2800" dirty="0"/>
+              <a:t> such that the orthogonal distance between both are equal. Note that this method works for any dimension (2D, 3D, and maybe 4+ D)</a:t>
+            </a:r>
+            <a:endParaRPr lang="en-US" dirty="0"/>
           </a:p>
         </p:txBody>
       </p:sp>
     </p:spTree>
     <p:extLst>
       <p:ext uri="{BB962C8B-B14F-4D97-AF65-F5344CB8AC3E}">
-        <p14:creationId xmlns:p14="http://schemas.microsoft.com/office/powerpoint/2010/main" val="3283178281"/>
+        <p14:creationId xmlns:p14="http://schemas.microsoft.com/office/powerpoint/2010/main" val="3165881572"/>
       </p:ext>
     </p:extLst>
   </p:cSld>
@@ -16262,7 +16382,7 @@
 </p:sld>
 </file>
 
-<file path=ppt/slides/slide30.xml><?xml version="1.0" encoding="utf-8"?>
+<file path=ppt/slides/slide33.xml><?xml version="1.0" encoding="utf-8"?>
 <p:sld xmlns:a="http://schemas.openxmlformats.org/drawingml/2006/main" xmlns:r="http://schemas.openxmlformats.org/officeDocument/2006/relationships" xmlns:p="http://schemas.openxmlformats.org/presentationml/2006/main">
   <p:cSld>
     <p:spTree>

--- a/Documents/VertexSkeletonClassLibrary.pptx
+++ b/Documents/VertexSkeletonClassLibrary.pptx
@@ -31,13 +31,15 @@
     <p:sldId id="523" r:id="rId25"/>
     <p:sldId id="545" r:id="rId26"/>
     <p:sldId id="546" r:id="rId27"/>
-    <p:sldId id="538" r:id="rId28"/>
-    <p:sldId id="544" r:id="rId29"/>
-    <p:sldId id="539" r:id="rId30"/>
-    <p:sldId id="541" r:id="rId31"/>
-    <p:sldId id="547" r:id="rId32"/>
-    <p:sldId id="548" r:id="rId33"/>
-    <p:sldId id="540" r:id="rId34"/>
+    <p:sldId id="550" r:id="rId28"/>
+    <p:sldId id="538" r:id="rId29"/>
+    <p:sldId id="544" r:id="rId30"/>
+    <p:sldId id="549" r:id="rId31"/>
+    <p:sldId id="541" r:id="rId32"/>
+    <p:sldId id="547" r:id="rId33"/>
+    <p:sldId id="551" r:id="rId34"/>
+    <p:sldId id="548" r:id="rId35"/>
+    <p:sldId id="540" r:id="rId36"/>
   </p:sldIdLst>
   <p:sldSz cx="12192000" cy="6858000"/>
   <p:notesSz cx="6858000" cy="9144000"/>
@@ -179,11 +181,13 @@
             <p14:sldId id="523"/>
             <p14:sldId id="545"/>
             <p14:sldId id="546"/>
+            <p14:sldId id="550"/>
             <p14:sldId id="538"/>
             <p14:sldId id="544"/>
-            <p14:sldId id="539"/>
+            <p14:sldId id="549"/>
             <p14:sldId id="541"/>
             <p14:sldId id="547"/>
+            <p14:sldId id="551"/>
             <p14:sldId id="548"/>
             <p14:sldId id="540"/>
           </p14:sldIdLst>
@@ -203,114 +207,6 @@
     <p1510:client id="{951D1DCD-C2F6-3274-E915-1D7099145DCA}" v="895" dt="2021-09-10T02:19:31.036"/>
   </p1510:revLst>
 </p1510:revInfo>
-</file>
-
-<file path=ppt/ink/ink1.xml><?xml version="1.0" encoding="utf-8"?>
-<inkml:ink xmlns:inkml="http://www.w3.org/2003/InkML">
-  <inkml:definitions>
-    <inkml:context xml:id="ctx0">
-      <inkml:inkSource xml:id="inkSrc0">
-        <inkml:traceFormat>
-          <inkml:channel name="X" type="integer" min="-2.14748E9" max="2.14748E9" units="cm"/>
-          <inkml:channel name="Y" type="integer" min="-2.14748E9" max="2.14748E9" units="cm"/>
-          <inkml:channel name="F" type="integer" max="32767" units="dev"/>
-        </inkml:traceFormat>
-        <inkml:channelProperties>
-          <inkml:channelProperty channel="X" name="resolution" value="1000" units="1/cm"/>
-          <inkml:channelProperty channel="Y" name="resolution" value="1000" units="1/cm"/>
-          <inkml:channelProperty channel="F" name="resolution" value="0" units="1/dev"/>
-        </inkml:channelProperties>
-      </inkml:inkSource>
-      <inkml:timestamp xml:id="ts0" timeString="2025-04-20T05:31:08.587"/>
-    </inkml:context>
-    <inkml:brush xml:id="br0">
-      <inkml:brushProperty name="width" value="0.035" units="cm"/>
-      <inkml:brushProperty name="height" value="0.035" units="cm"/>
-    </inkml:brush>
-  </inkml:definitions>
-  <inkml:trace contextRef="#ctx0" brushRef="#br0">0 3666 24119,'76'-3665'0</inkml:trace>
-</inkml:ink>
-</file>
-
-<file path=ppt/ink/ink2.xml><?xml version="1.0" encoding="utf-8"?>
-<inkml:ink xmlns:inkml="http://www.w3.org/2003/InkML">
-  <inkml:definitions>
-    <inkml:context xml:id="ctx0">
-      <inkml:inkSource xml:id="inkSrc0">
-        <inkml:traceFormat>
-          <inkml:channel name="X" type="integer" min="-2.14748E9" max="2.14748E9" units="cm"/>
-          <inkml:channel name="Y" type="integer" min="-2.14748E9" max="2.14748E9" units="cm"/>
-          <inkml:channel name="F" type="integer" max="32767" units="dev"/>
-        </inkml:traceFormat>
-        <inkml:channelProperties>
-          <inkml:channelProperty channel="X" name="resolution" value="1000" units="1/cm"/>
-          <inkml:channelProperty channel="Y" name="resolution" value="1000" units="1/cm"/>
-          <inkml:channelProperty channel="F" name="resolution" value="0" units="1/dev"/>
-        </inkml:channelProperties>
-      </inkml:inkSource>
-      <inkml:timestamp xml:id="ts0" timeString="2025-04-20T05:31:12.286"/>
-    </inkml:context>
-    <inkml:brush xml:id="br0">
-      <inkml:brushProperty name="width" value="0.035" units="cm"/>
-      <inkml:brushProperty name="height" value="0.035" units="cm"/>
-    </inkml:brush>
-  </inkml:definitions>
-  <inkml:trace contextRef="#ctx0" brushRef="#br0">0 122 24415,'7843'0'0</inkml:trace>
-</inkml:ink>
-</file>
-
-<file path=ppt/ink/ink3.xml><?xml version="1.0" encoding="utf-8"?>
-<inkml:ink xmlns:inkml="http://www.w3.org/2003/InkML">
-  <inkml:definitions>
-    <inkml:context xml:id="ctx0">
-      <inkml:inkSource xml:id="inkSrc0">
-        <inkml:traceFormat>
-          <inkml:channel name="X" type="integer" min="-2.14748E9" max="2.14748E9" units="cm"/>
-          <inkml:channel name="Y" type="integer" min="-2.14748E9" max="2.14748E9" units="cm"/>
-          <inkml:channel name="F" type="integer" max="32767" units="dev"/>
-        </inkml:traceFormat>
-        <inkml:channelProperties>
-          <inkml:channelProperty channel="X" name="resolution" value="1000" units="1/cm"/>
-          <inkml:channelProperty channel="Y" name="resolution" value="1000" units="1/cm"/>
-          <inkml:channelProperty channel="F" name="resolution" value="0" units="1/dev"/>
-        </inkml:channelProperties>
-      </inkml:inkSource>
-      <inkml:timestamp xml:id="ts0" timeString="2025-04-20T05:31:17.551"/>
-    </inkml:context>
-    <inkml:brush xml:id="br0">
-      <inkml:brushProperty name="width" value="0.035" units="cm"/>
-      <inkml:brushProperty name="height" value="0.035" units="cm"/>
-    </inkml:brush>
-  </inkml:definitions>
-  <inkml:trace contextRef="#ctx0" brushRef="#br0">1 1 24251,'7228'3589'0</inkml:trace>
-</inkml:ink>
-</file>
-
-<file path=ppt/ink/ink4.xml><?xml version="1.0" encoding="utf-8"?>
-<inkml:ink xmlns:inkml="http://www.w3.org/2003/InkML">
-  <inkml:definitions>
-    <inkml:context xml:id="ctx0">
-      <inkml:inkSource xml:id="inkSrc0">
-        <inkml:traceFormat>
-          <inkml:channel name="X" type="integer" min="-2.14748E9" max="2.14748E9" units="cm"/>
-          <inkml:channel name="Y" type="integer" min="-2.14748E9" max="2.14748E9" units="cm"/>
-          <inkml:channel name="F" type="integer" max="32767" units="dev"/>
-        </inkml:traceFormat>
-        <inkml:channelProperties>
-          <inkml:channelProperty channel="X" name="resolution" value="1000" units="1/cm"/>
-          <inkml:channelProperty channel="Y" name="resolution" value="1000" units="1/cm"/>
-          <inkml:channelProperty channel="F" name="resolution" value="0" units="1/dev"/>
-        </inkml:channelProperties>
-      </inkml:inkSource>
-      <inkml:timestamp xml:id="ts0" timeString="2025-04-20T05:31:30.623"/>
-    </inkml:context>
-    <inkml:brush xml:id="br0">
-      <inkml:brushProperty name="width" value="0.035" units="cm"/>
-      <inkml:brushProperty name="height" value="0.035" units="cm"/>
-    </inkml:brush>
-  </inkml:definitions>
-  <inkml:trace contextRef="#ctx0" brushRef="#br0">1 1074 24436,'1352'-1073'0</inkml:trace>
-</inkml:ink>
 </file>
 
 <file path=ppt/slideLayouts/slideLayout1.xml><?xml version="1.0" encoding="utf-8"?>
@@ -7969,8 +7865,8 @@
               <a:buNone/>
             </a:pPr>
             <a:r>
-              <a:rPr lang="en-US"/>
-              <a:t>Namely, in step 2, the intersections may include other sides</a:t>
+              <a:rPr lang="en-US" dirty="0"/>
+              <a:t>Namely, for non-convex polytopes, vertex intersections may include non-adjacent sides</a:t>
             </a:r>
           </a:p>
           <a:p>
@@ -7979,8 +7875,16 @@
               <a:buAutoNum type="arabicPeriod"/>
             </a:pPr>
             <a:r>
-              <a:rPr lang="en-US"/>
-              <a:t>Calculates the vectors pointing inward, and angles they make relative to next segment (“half angles”)</a:t>
+              <a:rPr lang="en-US" dirty="0"/>
+              <a:t>Calculates the vectors pointing inward,</a:t>
+            </a:r>
+            <a:r>
+              <a:rPr lang="en-US" dirty="0">
+                <a:solidFill>
+                  <a:srgbClr val="FF0000"/>
+                </a:solidFill>
+              </a:rPr>
+              <a:t> vectors normal, vector projections from each vertex per unit cut, and maximum cut distances for each edge</a:t>
             </a:r>
           </a:p>
           <a:p>
@@ -7989,7 +7893,7 @@
               <a:buAutoNum type="arabicPeriod"/>
             </a:pPr>
             <a:r>
-              <a:rPr lang="en-US">
+              <a:rPr lang="en-US" dirty="0">
                 <a:solidFill>
                   <a:srgbClr val="FF0000"/>
                 </a:solidFill>
@@ -8003,7 +7907,7 @@
               <a:buAutoNum type="arabicPeriod"/>
             </a:pPr>
             <a:r>
-              <a:rPr lang="en-US"/>
+              <a:rPr lang="en-US" dirty="0"/>
               <a:t>Finds the minimum distance of intersection</a:t>
             </a:r>
           </a:p>
@@ -8013,7 +7917,7 @@
               <a:buAutoNum type="arabicPeriod"/>
             </a:pPr>
             <a:r>
-              <a:rPr lang="en-US"/>
+              <a:rPr lang="en-US" dirty="0"/>
               <a:t>Merges vertices that come together</a:t>
             </a:r>
           </a:p>
@@ -8023,7 +7927,7 @@
               <a:buAutoNum type="arabicPeriod"/>
             </a:pPr>
             <a:r>
-              <a:rPr lang="en-US"/>
+              <a:rPr lang="en-US" dirty="0"/>
               <a:t>Repeats</a:t>
             </a:r>
           </a:p>
@@ -8032,7 +7936,7 @@
               <a:buFont typeface="+mj-lt"/>
               <a:buAutoNum type="arabicPeriod"/>
             </a:pPr>
-            <a:endParaRPr lang="en-US"/>
+            <a:endParaRPr lang="en-US" dirty="0"/>
           </a:p>
           <a:p>
             <a:pPr marL="514350" indent="-514350">
@@ -9823,6 +9727,439 @@
   <p:cSld>
     <p:spTree>
       <p:nvGrpSpPr>
+        <p:cNvPr id="1" name=""/>
+        <p:cNvGrpSpPr/>
+        <p:nvPr/>
+      </p:nvGrpSpPr>
+      <p:grpSpPr>
+        <a:xfrm>
+          <a:off x="0" y="0"/>
+          <a:ext cx="0" cy="0"/>
+          <a:chOff x="0" y="0"/>
+          <a:chExt cx="0" cy="0"/>
+        </a:xfrm>
+      </p:grpSpPr>
+      <p:sp>
+        <p:nvSpPr>
+          <p:cNvPr id="2" name="Title 1">
+            <a:extLst>
+              <a:ext uri="{FF2B5EF4-FFF2-40B4-BE49-F238E27FC236}">
+                <a16:creationId xmlns:a16="http://schemas.microsoft.com/office/drawing/2014/main" id="{21A534AD-D0CF-C17D-B214-2D3F674269E1}"/>
+              </a:ext>
+            </a:extLst>
+          </p:cNvPr>
+          <p:cNvSpPr>
+            <a:spLocks noGrp="1"/>
+          </p:cNvSpPr>
+          <p:nvPr>
+            <p:ph type="title"/>
+          </p:nvPr>
+        </p:nvSpPr>
+        <p:spPr/>
+        <p:txBody>
+          <a:bodyPr/>
+          <a:lstStyle/>
+          <a:p>
+            <a:r>
+              <a:rPr lang="en-US" dirty="0"/>
+              <a:t>For each edge, the vertex projections at each end can limit the allowable cut distances</a:t>
+            </a:r>
+          </a:p>
+        </p:txBody>
+      </p:sp>
+      <p:sp>
+        <p:nvSpPr>
+          <p:cNvPr id="3" name="Content Placeholder 2">
+            <a:extLst>
+              <a:ext uri="{FF2B5EF4-FFF2-40B4-BE49-F238E27FC236}">
+                <a16:creationId xmlns:a16="http://schemas.microsoft.com/office/drawing/2014/main" id="{BF0079C1-AD91-323F-1F0B-D5EE57DE6047}"/>
+              </a:ext>
+            </a:extLst>
+          </p:cNvPr>
+          <p:cNvSpPr>
+            <a:spLocks noGrp="1"/>
+          </p:cNvSpPr>
+          <p:nvPr>
+            <p:ph idx="1"/>
+          </p:nvPr>
+        </p:nvSpPr>
+        <p:spPr>
+          <a:xfrm>
+            <a:off x="838200" y="1825625"/>
+            <a:ext cx="5053084" cy="4351338"/>
+          </a:xfrm>
+        </p:spPr>
+        <p:txBody>
+          <a:bodyPr/>
+          <a:lstStyle/>
+          <a:p>
+            <a:pPr marL="0" indent="0">
+              <a:buNone/>
+            </a:pPr>
+            <a:r>
+              <a:rPr lang="en-US" dirty="0"/>
+              <a:t>Most vertices will have a finite cut distance. For polytopes that are convex, all vertices have finite cut distances.</a:t>
+            </a:r>
+          </a:p>
+        </p:txBody>
+      </p:sp>
+      <p:pic>
+        <p:nvPicPr>
+          <p:cNvPr id="5" name="Picture 4">
+            <a:extLst>
+              <a:ext uri="{FF2B5EF4-FFF2-40B4-BE49-F238E27FC236}">
+                <a16:creationId xmlns:a16="http://schemas.microsoft.com/office/drawing/2014/main" id="{1CFB7792-2D48-FA53-5437-7EA92F9B508A}"/>
+              </a:ext>
+            </a:extLst>
+          </p:cNvPr>
+          <p:cNvPicPr>
+            <a:picLocks noChangeAspect="1"/>
+          </p:cNvPicPr>
+          <p:nvPr/>
+        </p:nvPicPr>
+        <p:blipFill>
+          <a:blip r:embed="rId2"/>
+          <a:stretch>
+            <a:fillRect/>
+          </a:stretch>
+        </p:blipFill>
+        <p:spPr>
+          <a:xfrm>
+            <a:off x="6019800" y="2131484"/>
+            <a:ext cx="5334000" cy="4000500"/>
+          </a:xfrm>
+          <a:prstGeom prst="rect">
+            <a:avLst/>
+          </a:prstGeom>
+        </p:spPr>
+      </p:pic>
+      <p:sp>
+        <p:nvSpPr>
+          <p:cNvPr id="6" name="Rectangle 5">
+            <a:extLst>
+              <a:ext uri="{FF2B5EF4-FFF2-40B4-BE49-F238E27FC236}">
+                <a16:creationId xmlns:a16="http://schemas.microsoft.com/office/drawing/2014/main" id="{B811982B-157D-20D3-7B21-5F5DDEEFC738}"/>
+              </a:ext>
+            </a:extLst>
+          </p:cNvPr>
+          <p:cNvSpPr/>
+          <p:nvPr/>
+        </p:nvSpPr>
+        <p:spPr>
+          <a:xfrm>
+            <a:off x="294607" y="4001294"/>
+            <a:ext cx="6569962" cy="1869743"/>
+          </a:xfrm>
+          <a:prstGeom prst="rect">
+            <a:avLst/>
+          </a:prstGeom>
+          <a:solidFill>
+            <a:schemeClr val="accent4">
+              <a:lumMod val="20000"/>
+              <a:lumOff val="80000"/>
+            </a:schemeClr>
+          </a:solidFill>
+        </p:spPr>
+        <p:txBody>
+          <a:bodyPr wrap="square" lIns="91440" tIns="45720" rIns="91440" bIns="45720" anchor="t">
+            <a:spAutoFit/>
+          </a:bodyPr>
+          <a:lstStyle/>
+          <a:p>
+            <a:r>
+              <a:rPr lang="en-US" sz="1050" b="0" i="0" u="none" strike="noStrike" baseline="0" dirty="0" err="1">
+                <a:solidFill>
+                  <a:srgbClr val="000000"/>
+                </a:solidFill>
+                <a:latin typeface="Courier New" panose="02070309020205020404" pitchFamily="49" charset="0"/>
+              </a:rPr>
+              <a:t>fig_num</a:t>
+            </a:r>
+            <a:r>
+              <a:rPr lang="en-US" sz="1050" b="0" i="0" u="none" strike="noStrike" baseline="0" dirty="0">
+                <a:solidFill>
+                  <a:srgbClr val="000000"/>
+                </a:solidFill>
+                <a:latin typeface="Courier New" panose="02070309020205020404" pitchFamily="49" charset="0"/>
+              </a:rPr>
+              <a:t> = 0001;</a:t>
+            </a:r>
+          </a:p>
+          <a:p>
+            <a:r>
+              <a:rPr lang="en-US" sz="1050" b="0" i="0" u="none" strike="noStrike" baseline="0" dirty="0">
+                <a:solidFill>
+                  <a:srgbClr val="000000"/>
+                </a:solidFill>
+                <a:latin typeface="Courier New" panose="02070309020205020404" pitchFamily="49" charset="0"/>
+              </a:rPr>
+              <a:t>figure(</a:t>
+            </a:r>
+            <a:r>
+              <a:rPr lang="en-US" sz="1050" b="0" i="0" u="none" strike="noStrike" baseline="0" dirty="0" err="1">
+                <a:solidFill>
+                  <a:srgbClr val="000000"/>
+                </a:solidFill>
+                <a:latin typeface="Courier New" panose="02070309020205020404" pitchFamily="49" charset="0"/>
+              </a:rPr>
+              <a:t>fig_num</a:t>
+            </a:r>
+            <a:r>
+              <a:rPr lang="en-US" sz="1050" b="0" i="0" u="none" strike="noStrike" baseline="0" dirty="0">
+                <a:solidFill>
+                  <a:srgbClr val="000000"/>
+                </a:solidFill>
+                <a:latin typeface="Courier New" panose="02070309020205020404" pitchFamily="49" charset="0"/>
+              </a:rPr>
+              <a:t>);</a:t>
+            </a:r>
+          </a:p>
+          <a:p>
+            <a:r>
+              <a:rPr lang="en-US" sz="1050" b="0" i="0" u="none" strike="noStrike" baseline="0" dirty="0" err="1">
+                <a:solidFill>
+                  <a:srgbClr val="000000"/>
+                </a:solidFill>
+                <a:latin typeface="Courier New" panose="02070309020205020404" pitchFamily="49" charset="0"/>
+              </a:rPr>
+              <a:t>clf</a:t>
+            </a:r>
+            <a:r>
+              <a:rPr lang="en-US" sz="1050" b="0" i="0" u="none" strike="noStrike" baseline="0" dirty="0">
+                <a:solidFill>
+                  <a:srgbClr val="000000"/>
+                </a:solidFill>
+                <a:latin typeface="Courier New" panose="02070309020205020404" pitchFamily="49" charset="0"/>
+              </a:rPr>
+              <a:t>;</a:t>
+            </a:r>
+          </a:p>
+          <a:p>
+            <a:endParaRPr lang="en-US" sz="1050" b="0" i="0" u="none" strike="noStrike" baseline="0" dirty="0">
+              <a:solidFill>
+                <a:srgbClr val="000000"/>
+              </a:solidFill>
+              <a:latin typeface="Courier New" panose="02070309020205020404" pitchFamily="49" charset="0"/>
+            </a:endParaRPr>
+          </a:p>
+          <a:p>
+            <a:r>
+              <a:rPr lang="en-US" sz="1050" b="0" i="0" u="none" strike="noStrike" baseline="0" dirty="0">
+                <a:solidFill>
+                  <a:srgbClr val="000000"/>
+                </a:solidFill>
+                <a:latin typeface="Courier New" panose="02070309020205020404" pitchFamily="49" charset="0"/>
+              </a:rPr>
+              <a:t>% this polytope has two nonconvex vertices facing each other</a:t>
+            </a:r>
+          </a:p>
+          <a:p>
+            <a:r>
+              <a:rPr lang="en-US" sz="1050" b="0" i="0" u="none" strike="noStrike" baseline="0" dirty="0">
+                <a:solidFill>
+                  <a:srgbClr val="000000"/>
+                </a:solidFill>
+                <a:latin typeface="Courier New" panose="02070309020205020404" pitchFamily="49" charset="0"/>
+              </a:rPr>
+              <a:t>vertices = [5 4; 6 0; 10 0; 10 7; 8 8; 10 9; 10 10; 0 10; 0 0; 4 0; 5 4];</a:t>
+            </a:r>
+          </a:p>
+          <a:p>
+            <a:r>
+              <a:rPr lang="en-US" sz="1050" b="0" i="0" u="none" strike="noStrike" baseline="0" dirty="0">
+                <a:solidFill>
+                  <a:srgbClr val="000000"/>
+                </a:solidFill>
+                <a:latin typeface="Courier New" panose="02070309020205020404" pitchFamily="49" charset="0"/>
+              </a:rPr>
+              <a:t>[</a:t>
+            </a:r>
+            <a:r>
+              <a:rPr lang="en-US" sz="1050" b="0" i="0" u="none" strike="noStrike" baseline="0" dirty="0" err="1">
+                <a:solidFill>
+                  <a:srgbClr val="000000"/>
+                </a:solidFill>
+                <a:latin typeface="Courier New" panose="02070309020205020404" pitchFamily="49" charset="0"/>
+              </a:rPr>
+              <a:t>unit_normal_vectors</a:t>
+            </a:r>
+            <a:r>
+              <a:rPr lang="en-US" sz="1050" b="0" i="0" u="none" strike="noStrike" baseline="0" dirty="0">
+                <a:solidFill>
+                  <a:srgbClr val="000000"/>
+                </a:solidFill>
+                <a:latin typeface="Courier New" panose="02070309020205020404" pitchFamily="49" charset="0"/>
+              </a:rPr>
+              <a:t>, </a:t>
+            </a:r>
+            <a:r>
+              <a:rPr lang="en-US" sz="1050" b="0" i="0" u="none" strike="noStrike" baseline="0" dirty="0" err="1">
+                <a:solidFill>
+                  <a:srgbClr val="000000"/>
+                </a:solidFill>
+                <a:latin typeface="Courier New" panose="02070309020205020404" pitchFamily="49" charset="0"/>
+              </a:rPr>
+              <a:t>unit_vertex_projection_vectors</a:t>
+            </a:r>
+            <a:r>
+              <a:rPr lang="en-US" sz="1050" b="0" i="0" u="none" strike="noStrike" baseline="0" dirty="0">
+                <a:solidFill>
+                  <a:srgbClr val="000000"/>
+                </a:solidFill>
+                <a:latin typeface="Courier New" panose="02070309020205020404" pitchFamily="49" charset="0"/>
+              </a:rPr>
+              <a:t>, ~, ~] = ...</a:t>
+            </a:r>
+          </a:p>
+          <a:p>
+            <a:r>
+              <a:rPr lang="en-US" sz="1050" b="0" i="0" u="none" strike="noStrike" baseline="0" dirty="0">
+                <a:solidFill>
+                  <a:srgbClr val="000000"/>
+                </a:solidFill>
+                <a:latin typeface="Courier New" panose="02070309020205020404" pitchFamily="49" charset="0"/>
+              </a:rPr>
+              <a:t>    </a:t>
+            </a:r>
+            <a:r>
+              <a:rPr lang="en-US" sz="1050" b="0" i="0" u="none" strike="noStrike" baseline="0" dirty="0" err="1">
+                <a:solidFill>
+                  <a:srgbClr val="000000"/>
+                </a:solidFill>
+                <a:latin typeface="Courier New" panose="02070309020205020404" pitchFamily="49" charset="0"/>
+              </a:rPr>
+              <a:t>fcn_VSkel_polytopeFindUnitDirectionVectors</a:t>
+            </a:r>
+            <a:r>
+              <a:rPr lang="en-US" sz="1050" b="0" i="0" u="none" strike="noStrike" baseline="0" dirty="0">
+                <a:solidFill>
+                  <a:srgbClr val="000000"/>
+                </a:solidFill>
+                <a:latin typeface="Courier New" panose="02070309020205020404" pitchFamily="49" charset="0"/>
+              </a:rPr>
+              <a:t>(vertices,-1);</a:t>
+            </a:r>
+          </a:p>
+          <a:p>
+            <a:endParaRPr lang="en-US" sz="1050" b="0" i="0" u="none" strike="noStrike" baseline="0" dirty="0">
+              <a:solidFill>
+                <a:srgbClr val="000000"/>
+              </a:solidFill>
+              <a:latin typeface="Courier New" panose="02070309020205020404" pitchFamily="49" charset="0"/>
+            </a:endParaRPr>
+          </a:p>
+          <a:p>
+            <a:r>
+              <a:rPr lang="en-US" sz="1050" b="0" i="0" u="none" strike="noStrike" baseline="0" dirty="0" err="1">
+                <a:solidFill>
+                  <a:srgbClr val="000000"/>
+                </a:solidFill>
+                <a:latin typeface="Courier New" panose="02070309020205020404" pitchFamily="49" charset="0"/>
+              </a:rPr>
+              <a:t>max_edge_cuts</a:t>
+            </a:r>
+            <a:r>
+              <a:rPr lang="en-US" sz="1050" b="0" i="0" u="none" strike="noStrike" baseline="0" dirty="0">
+                <a:solidFill>
+                  <a:srgbClr val="000000"/>
+                </a:solidFill>
+                <a:latin typeface="Courier New" panose="02070309020205020404" pitchFamily="49" charset="0"/>
+              </a:rPr>
+              <a:t> = </a:t>
+            </a:r>
+            <a:r>
+              <a:rPr lang="en-US" sz="1050" b="0" i="0" u="none" strike="noStrike" baseline="0" dirty="0" err="1">
+                <a:solidFill>
+                  <a:srgbClr val="000000"/>
+                </a:solidFill>
+                <a:latin typeface="Courier New" panose="02070309020205020404" pitchFamily="49" charset="0"/>
+              </a:rPr>
+              <a:t>fcn_VSkel_polytopeFindMaxEdgeCut</a:t>
+            </a:r>
+            <a:r>
+              <a:rPr lang="en-US" sz="1050" b="0" i="0" u="none" strike="noStrike" baseline="0" dirty="0">
+                <a:solidFill>
+                  <a:srgbClr val="000000"/>
+                </a:solidFill>
+                <a:latin typeface="Courier New" panose="02070309020205020404" pitchFamily="49" charset="0"/>
+              </a:rPr>
+              <a:t>(vertices, </a:t>
+            </a:r>
+            <a:r>
+              <a:rPr lang="en-US" sz="1050" b="0" i="0" u="none" strike="noStrike" baseline="0" dirty="0" err="1">
+                <a:solidFill>
+                  <a:srgbClr val="000000"/>
+                </a:solidFill>
+                <a:latin typeface="Courier New" panose="02070309020205020404" pitchFamily="49" charset="0"/>
+              </a:rPr>
+              <a:t>unit_normal_vectors</a:t>
+            </a:r>
+            <a:r>
+              <a:rPr lang="en-US" sz="1050" b="0" i="0" u="none" strike="noStrike" baseline="0" dirty="0">
+                <a:solidFill>
+                  <a:srgbClr val="000000"/>
+                </a:solidFill>
+                <a:latin typeface="Courier New" panose="02070309020205020404" pitchFamily="49" charset="0"/>
+              </a:rPr>
+              <a:t>, </a:t>
+            </a:r>
+            <a:r>
+              <a:rPr lang="en-US" sz="1050" b="0" i="0" u="none" strike="noStrike" baseline="0" dirty="0" err="1">
+                <a:solidFill>
+                  <a:srgbClr val="000000"/>
+                </a:solidFill>
+                <a:latin typeface="Courier New" panose="02070309020205020404" pitchFamily="49" charset="0"/>
+              </a:rPr>
+              <a:t>unit_vertex_projection_vectors</a:t>
+            </a:r>
+            <a:r>
+              <a:rPr lang="en-US" sz="1050" b="0" i="0" u="none" strike="noStrike" baseline="0" dirty="0">
+                <a:solidFill>
+                  <a:srgbClr val="000000"/>
+                </a:solidFill>
+                <a:latin typeface="Courier New" panose="02070309020205020404" pitchFamily="49" charset="0"/>
+              </a:rPr>
+              <a:t>, (</a:t>
+            </a:r>
+            <a:r>
+              <a:rPr lang="en-US" sz="1050" b="0" i="0" u="none" strike="noStrike" baseline="0" dirty="0" err="1">
+                <a:solidFill>
+                  <a:srgbClr val="000000"/>
+                </a:solidFill>
+                <a:latin typeface="Courier New" panose="02070309020205020404" pitchFamily="49" charset="0"/>
+              </a:rPr>
+              <a:t>fig_num</a:t>
+            </a:r>
+            <a:r>
+              <a:rPr lang="en-US" sz="1050" b="0" i="0" u="none" strike="noStrike" baseline="0" dirty="0">
+                <a:solidFill>
+                  <a:srgbClr val="000000"/>
+                </a:solidFill>
+                <a:latin typeface="Courier New" panose="02070309020205020404" pitchFamily="49" charset="0"/>
+              </a:rPr>
+              <a:t>));</a:t>
+            </a:r>
+          </a:p>
+        </p:txBody>
+      </p:sp>
+    </p:spTree>
+    <p:extLst>
+      <p:ext uri="{BB962C8B-B14F-4D97-AF65-F5344CB8AC3E}">
+        <p14:creationId xmlns:p14="http://schemas.microsoft.com/office/powerpoint/2010/main" val="3310269684"/>
+      </p:ext>
+    </p:extLst>
+  </p:cSld>
+  <p:clrMapOvr>
+    <a:masterClrMapping/>
+  </p:clrMapOvr>
+</p:sld>
+</file>
+
+<file path=ppt/slides/slide28.xml><?xml version="1.0" encoding="utf-8"?>
+<p:sld xmlns:a="http://schemas.openxmlformats.org/drawingml/2006/main" xmlns:r="http://schemas.openxmlformats.org/officeDocument/2006/relationships" xmlns:p="http://schemas.openxmlformats.org/presentationml/2006/main">
+  <p:cSld>
+    <p:spTree>
+      <p:nvGrpSpPr>
         <p:cNvPr id="1" name="">
           <a:extLst>
             <a:ext uri="{FF2B5EF4-FFF2-40B4-BE49-F238E27FC236}">
@@ -9949,8 +10286,12 @@
               <a:buNone/>
             </a:pPr>
             <a:r>
+              <a:rPr lang="en-US" dirty="0"/>
+              <a:t>For vertex to edge intersections, g</a:t>
+            </a:r>
+            <a:r>
               <a:rPr lang="en-US" sz="2800" dirty="0"/>
-              <a:t>Given a unit vertex projection, </a:t>
+              <a:t>iven a unit vertex projection, </a:t>
             </a:r>
             <a:r>
               <a:rPr lang="en-US" sz="2800" dirty="0" err="1"/>
@@ -10267,7 +10608,7 @@
             </p:nvSpPr>
             <p:spPr>
               <a:xfrm>
-                <a:off x="7153701" y="4425444"/>
+                <a:off x="7153701" y="4457918"/>
                 <a:ext cx="248465" cy="276999"/>
               </a:xfrm>
               <a:prstGeom prst="rect">
@@ -10338,7 +10679,7 @@
             </p:nvSpPr>
             <p:spPr>
               <a:xfrm>
-                <a:off x="7153701" y="4425444"/>
+                <a:off x="7153701" y="4457918"/>
                 <a:ext cx="248465" cy="276999"/>
               </a:xfrm>
               <a:prstGeom prst="rect">
@@ -10347,7 +10688,7 @@
               <a:blipFill>
                 <a:blip r:embed="rId3"/>
                 <a:stretch>
-                  <a:fillRect l="-25000" r="-10000" b="-26667"/>
+                  <a:fillRect l="-25000" r="-10000" b="-23913"/>
                 </a:stretch>
               </a:blipFill>
             </p:spPr>
@@ -10778,7 +11119,7 @@
             </p:nvSpPr>
             <p:spPr>
               <a:xfrm>
-                <a:off x="8652680" y="3387722"/>
+                <a:off x="8652680" y="3420196"/>
                 <a:ext cx="248465" cy="299313"/>
               </a:xfrm>
               <a:prstGeom prst="rect">
@@ -10849,7 +11190,7 @@
             </p:nvSpPr>
             <p:spPr>
               <a:xfrm>
-                <a:off x="8652680" y="3387722"/>
+                <a:off x="8652680" y="3420196"/>
                 <a:ext cx="248465" cy="299313"/>
               </a:xfrm>
               <a:prstGeom prst="rect">
@@ -10893,7 +11234,7 @@
             </p:nvSpPr>
             <p:spPr>
               <a:xfrm>
-                <a:off x="7665027" y="3996508"/>
+                <a:off x="7665027" y="4028982"/>
                 <a:ext cx="4693228" cy="783869"/>
               </a:xfrm>
               <a:prstGeom prst="rect">
@@ -11216,7 +11557,7 @@
             </p:nvSpPr>
             <p:spPr>
               <a:xfrm>
-                <a:off x="7665027" y="3996508"/>
+                <a:off x="7665027" y="4028982"/>
                 <a:ext cx="4693228" cy="783869"/>
               </a:xfrm>
               <a:prstGeom prst="rect">
@@ -11339,7 +11680,7 @@
 </p:sld>
 </file>
 
-<file path=ppt/slides/slide28.xml><?xml version="1.0" encoding="utf-8"?>
+<file path=ppt/slides/slide29.xml><?xml version="1.0" encoding="utf-8"?>
 <p:sld xmlns:a="http://schemas.openxmlformats.org/drawingml/2006/main" xmlns:r="http://schemas.openxmlformats.org/officeDocument/2006/relationships" xmlns:p="http://schemas.openxmlformats.org/presentationml/2006/main">
   <p:cSld>
     <p:spTree>
@@ -11389,7 +11730,7 @@
             </a:r>
             <a:r>
               <a:rPr lang="en-US" dirty="0"/>
-              <a:t> to edge j</a:t>
+              <a:t> to edge j. </a:t>
             </a:r>
           </a:p>
         </p:txBody>
@@ -11410,7 +11751,12 @@
             <p:ph idx="1"/>
           </p:nvPr>
         </p:nvSpPr>
-        <p:spPr/>
+        <p:spPr>
+          <a:xfrm>
+            <a:off x="838200" y="2499359"/>
+            <a:ext cx="10515600" cy="3677603"/>
+          </a:xfrm>
+        </p:spPr>
         <p:txBody>
           <a:bodyPr/>
           <a:lstStyle/>
@@ -13572,1045 +13918,6 @@
 </p:sld>
 </file>
 
-<file path=ppt/slides/slide29.xml><?xml version="1.0" encoding="utf-8"?>
-<p:sld xmlns:a="http://schemas.openxmlformats.org/drawingml/2006/main" xmlns:r="http://schemas.openxmlformats.org/officeDocument/2006/relationships" xmlns:p="http://schemas.openxmlformats.org/presentationml/2006/main">
-  <p:cSld>
-    <p:spTree>
-      <p:nvGrpSpPr>
-        <p:cNvPr id="1" name=""/>
-        <p:cNvGrpSpPr/>
-        <p:nvPr/>
-      </p:nvGrpSpPr>
-      <p:grpSpPr>
-        <a:xfrm>
-          <a:off x="0" y="0"/>
-          <a:ext cx="0" cy="0"/>
-          <a:chOff x="0" y="0"/>
-          <a:chExt cx="0" cy="0"/>
-        </a:xfrm>
-      </p:grpSpPr>
-      <p:sp>
-        <p:nvSpPr>
-          <p:cNvPr id="2" name="Title 1">
-            <a:extLst>
-              <a:ext uri="{FF2B5EF4-FFF2-40B4-BE49-F238E27FC236}">
-                <a16:creationId xmlns:a16="http://schemas.microsoft.com/office/drawing/2014/main" id="{574BEF0D-68CB-EC75-4557-65310F26DC0F}"/>
-              </a:ext>
-            </a:extLst>
-          </p:cNvPr>
-          <p:cNvSpPr>
-            <a:spLocks noGrp="1"/>
-          </p:cNvSpPr>
-          <p:nvPr>
-            <p:ph type="title"/>
-          </p:nvPr>
-        </p:nvSpPr>
-        <p:spPr/>
-        <p:txBody>
-          <a:bodyPr/>
-          <a:lstStyle/>
-          <a:p>
-            <a:r>
-              <a:rPr lang="en-US" dirty="0"/>
-              <a:t>Not all edges participate in this calculation</a:t>
-            </a:r>
-          </a:p>
-        </p:txBody>
-      </p:sp>
-      <p:sp>
-        <p:nvSpPr>
-          <p:cNvPr id="3" name="Content Placeholder 2">
-            <a:extLst>
-              <a:ext uri="{FF2B5EF4-FFF2-40B4-BE49-F238E27FC236}">
-                <a16:creationId xmlns:a16="http://schemas.microsoft.com/office/drawing/2014/main" id="{49F522CE-64B1-FC5F-5A40-6D0BDDA3EBB3}"/>
-              </a:ext>
-            </a:extLst>
-          </p:cNvPr>
-          <p:cNvSpPr>
-            <a:spLocks noGrp="1"/>
-          </p:cNvSpPr>
-          <p:nvPr>
-            <p:ph idx="1"/>
-          </p:nvPr>
-        </p:nvSpPr>
-        <p:spPr>
-          <a:xfrm>
-            <a:off x="838200" y="1825625"/>
-            <a:ext cx="3183340" cy="4351338"/>
-          </a:xfrm>
-        </p:spPr>
-        <p:txBody>
-          <a:bodyPr>
-            <a:normAutofit fontScale="92500" lnSpcReduction="10000"/>
-          </a:bodyPr>
-          <a:lstStyle/>
-          <a:p>
-            <a:pPr marL="0" indent="0">
-              <a:buNone/>
-            </a:pPr>
-            <a:r>
-              <a:rPr lang="en-US" dirty="0"/>
-              <a:t>The center of the resulting circle must be “within” the shrink envelope of the test edge. For example, the circle shown here is “inscribed” by 3 edges, but the top-left edge would not actually project enough to contact the circle at this radius.</a:t>
-            </a:r>
-          </a:p>
-        </p:txBody>
-      </p:sp>
-      <mc:AlternateContent xmlns:mc="http://schemas.openxmlformats.org/markup-compatibility/2006" xmlns:p14="http://schemas.microsoft.com/office/powerpoint/2010/main">
-        <mc:Choice Requires="p14">
-          <p:contentPart p14:bwMode="auto" r:id="rId2">
-            <p14:nvContentPartPr>
-              <p14:cNvPr id="22" name="Ink 21">
-                <a:extLst>
-                  <a:ext uri="{FF2B5EF4-FFF2-40B4-BE49-F238E27FC236}">
-                    <a16:creationId xmlns:a16="http://schemas.microsoft.com/office/drawing/2014/main" id="{6191A9C2-6780-4794-B41F-4E7304F51037}"/>
-                  </a:ext>
-                </a:extLst>
-              </p14:cNvPr>
-              <p14:cNvContentPartPr/>
-              <p14:nvPr/>
-            </p14:nvContentPartPr>
-            <p14:xfrm>
-              <a:off x="5923010" y="2569787"/>
-              <a:ext cx="27720" cy="1319760"/>
-            </p14:xfrm>
-          </p:contentPart>
-        </mc:Choice>
-        <mc:Fallback xmlns="">
-          <p:pic>
-            <p:nvPicPr>
-              <p:cNvPr id="22" name="Ink 21">
-                <a:extLst>
-                  <a:ext uri="{FF2B5EF4-FFF2-40B4-BE49-F238E27FC236}">
-                    <a16:creationId xmlns:a16="http://schemas.microsoft.com/office/drawing/2014/main" id="{6191A9C2-6780-4794-B41F-4E7304F51037}"/>
-                  </a:ext>
-                </a:extLst>
-              </p:cNvPr>
-              <p:cNvPicPr/>
-              <p:nvPr/>
-            </p:nvPicPr>
-            <p:blipFill>
-              <a:blip r:embed="rId3"/>
-              <a:stretch>
-                <a:fillRect/>
-              </a:stretch>
-            </p:blipFill>
-            <p:spPr>
-              <a:xfrm>
-                <a:off x="5916890" y="2563667"/>
-                <a:ext cx="39960" cy="1332000"/>
-              </a:xfrm>
-              <a:prstGeom prst="rect">
-                <a:avLst/>
-              </a:prstGeom>
-            </p:spPr>
-          </p:pic>
-        </mc:Fallback>
-      </mc:AlternateContent>
-      <mc:AlternateContent xmlns:mc="http://schemas.openxmlformats.org/markup-compatibility/2006" xmlns:p14="http://schemas.microsoft.com/office/powerpoint/2010/main">
-        <mc:Choice Requires="p14">
-          <p:contentPart p14:bwMode="auto" r:id="rId4">
-            <p14:nvContentPartPr>
-              <p14:cNvPr id="24" name="Ink 23">
-                <a:extLst>
-                  <a:ext uri="{FF2B5EF4-FFF2-40B4-BE49-F238E27FC236}">
-                    <a16:creationId xmlns:a16="http://schemas.microsoft.com/office/drawing/2014/main" id="{5605DC39-726F-FFCB-0B9B-9E0F9CE975F0}"/>
-                  </a:ext>
-                </a:extLst>
-              </p14:cNvPr>
-              <p14:cNvContentPartPr/>
-              <p14:nvPr/>
-            </p14:nvContentPartPr>
-            <p14:xfrm>
-              <a:off x="5950370" y="2569787"/>
-              <a:ext cx="2823840" cy="720"/>
-            </p14:xfrm>
-          </p:contentPart>
-        </mc:Choice>
-        <mc:Fallback xmlns="">
-          <p:pic>
-            <p:nvPicPr>
-              <p:cNvPr id="24" name="Ink 23">
-                <a:extLst>
-                  <a:ext uri="{FF2B5EF4-FFF2-40B4-BE49-F238E27FC236}">
-                    <a16:creationId xmlns:a16="http://schemas.microsoft.com/office/drawing/2014/main" id="{5605DC39-726F-FFCB-0B9B-9E0F9CE975F0}"/>
-                  </a:ext>
-                </a:extLst>
-              </p:cNvPr>
-              <p:cNvPicPr/>
-              <p:nvPr/>
-            </p:nvPicPr>
-            <p:blipFill>
-              <a:blip r:embed="rId5"/>
-              <a:stretch>
-                <a:fillRect/>
-              </a:stretch>
-            </p:blipFill>
-            <p:spPr>
-              <a:xfrm>
-                <a:off x="5944250" y="2557547"/>
-                <a:ext cx="2836080" cy="25200"/>
-              </a:xfrm>
-              <a:prstGeom prst="rect">
-                <a:avLst/>
-              </a:prstGeom>
-            </p:spPr>
-          </p:pic>
-        </mc:Fallback>
-      </mc:AlternateContent>
-      <mc:AlternateContent xmlns:mc="http://schemas.openxmlformats.org/markup-compatibility/2006" xmlns:p14="http://schemas.microsoft.com/office/powerpoint/2010/main">
-        <mc:Choice Requires="p14">
-          <p:contentPart p14:bwMode="auto" r:id="rId6">
-            <p14:nvContentPartPr>
-              <p14:cNvPr id="26" name="Ink 25">
-                <a:extLst>
-                  <a:ext uri="{FF2B5EF4-FFF2-40B4-BE49-F238E27FC236}">
-                    <a16:creationId xmlns:a16="http://schemas.microsoft.com/office/drawing/2014/main" id="{BCEEE500-717D-AFA0-4774-12A4050317DA}"/>
-                  </a:ext>
-                </a:extLst>
-              </p14:cNvPr>
-              <p14:cNvContentPartPr/>
-              <p14:nvPr/>
-            </p14:nvContentPartPr>
-            <p14:xfrm>
-              <a:off x="8797970" y="2569787"/>
-              <a:ext cx="2602440" cy="1292760"/>
-            </p14:xfrm>
-          </p:contentPart>
-        </mc:Choice>
-        <mc:Fallback xmlns="">
-          <p:pic>
-            <p:nvPicPr>
-              <p:cNvPr id="26" name="Ink 25">
-                <a:extLst>
-                  <a:ext uri="{FF2B5EF4-FFF2-40B4-BE49-F238E27FC236}">
-                    <a16:creationId xmlns:a16="http://schemas.microsoft.com/office/drawing/2014/main" id="{BCEEE500-717D-AFA0-4774-12A4050317DA}"/>
-                  </a:ext>
-                </a:extLst>
-              </p:cNvPr>
-              <p:cNvPicPr/>
-              <p:nvPr/>
-            </p:nvPicPr>
-            <p:blipFill>
-              <a:blip r:embed="rId7"/>
-              <a:stretch>
-                <a:fillRect/>
-              </a:stretch>
-            </p:blipFill>
-            <p:spPr>
-              <a:xfrm>
-                <a:off x="8791850" y="2563667"/>
-                <a:ext cx="2614680" cy="1305000"/>
-              </a:xfrm>
-              <a:prstGeom prst="rect">
-                <a:avLst/>
-              </a:prstGeom>
-            </p:spPr>
-          </p:pic>
-        </mc:Fallback>
-      </mc:AlternateContent>
-      <mc:AlternateContent xmlns:mc="http://schemas.openxmlformats.org/markup-compatibility/2006" xmlns:p14="http://schemas.microsoft.com/office/powerpoint/2010/main">
-        <mc:Choice Requires="p14">
-          <p:contentPart p14:bwMode="auto" r:id="rId8">
-            <p14:nvContentPartPr>
-              <p14:cNvPr id="28" name="Ink 27">
-                <a:extLst>
-                  <a:ext uri="{FF2B5EF4-FFF2-40B4-BE49-F238E27FC236}">
-                    <a16:creationId xmlns:a16="http://schemas.microsoft.com/office/drawing/2014/main" id="{9EA17BEB-956B-425B-73B9-2E511B8FF68D}"/>
-                  </a:ext>
-                </a:extLst>
-              </p14:cNvPr>
-              <p14:cNvContentPartPr/>
-              <p14:nvPr/>
-            </p14:nvContentPartPr>
-            <p14:xfrm>
-              <a:off x="11413730" y="3461867"/>
-              <a:ext cx="487440" cy="386640"/>
-            </p14:xfrm>
-          </p:contentPart>
-        </mc:Choice>
-        <mc:Fallback xmlns="">
-          <p:pic>
-            <p:nvPicPr>
-              <p:cNvPr id="28" name="Ink 27">
-                <a:extLst>
-                  <a:ext uri="{FF2B5EF4-FFF2-40B4-BE49-F238E27FC236}">
-                    <a16:creationId xmlns:a16="http://schemas.microsoft.com/office/drawing/2014/main" id="{9EA17BEB-956B-425B-73B9-2E511B8FF68D}"/>
-                  </a:ext>
-                </a:extLst>
-              </p:cNvPr>
-              <p:cNvPicPr/>
-              <p:nvPr/>
-            </p:nvPicPr>
-            <p:blipFill>
-              <a:blip r:embed="rId9"/>
-              <a:stretch>
-                <a:fillRect/>
-              </a:stretch>
-            </p:blipFill>
-            <p:spPr>
-              <a:xfrm>
-                <a:off x="11407610" y="3455747"/>
-                <a:ext cx="499680" cy="398880"/>
-              </a:xfrm>
-              <a:prstGeom prst="rect">
-                <a:avLst/>
-              </a:prstGeom>
-            </p:spPr>
-          </p:pic>
-        </mc:Fallback>
-      </mc:AlternateContent>
-      <p:grpSp>
-        <p:nvGrpSpPr>
-          <p:cNvPr id="36" name="Group 35">
-            <a:extLst>
-              <a:ext uri="{FF2B5EF4-FFF2-40B4-BE49-F238E27FC236}">
-                <a16:creationId xmlns:a16="http://schemas.microsoft.com/office/drawing/2014/main" id="{4A423E9B-A5EE-3173-0465-229EF60C5F30}"/>
-              </a:ext>
-            </a:extLst>
-          </p:cNvPr>
-          <p:cNvGrpSpPr/>
-          <p:nvPr/>
-        </p:nvGrpSpPr>
-        <p:grpSpPr>
-          <a:xfrm>
-            <a:off x="4997856" y="3282080"/>
-            <a:ext cx="3776354" cy="2739999"/>
-            <a:chOff x="4997856" y="3282080"/>
-            <a:chExt cx="3776354" cy="2739999"/>
-          </a:xfrm>
-        </p:grpSpPr>
-        <p:sp>
-          <p:nvSpPr>
-            <p:cNvPr id="30" name="Oval 29">
-              <a:extLst>
-                <a:ext uri="{FF2B5EF4-FFF2-40B4-BE49-F238E27FC236}">
-                  <a16:creationId xmlns:a16="http://schemas.microsoft.com/office/drawing/2014/main" id="{1A52B41F-435E-40CD-31A5-3F0FE1EF786A}"/>
-                </a:ext>
-              </a:extLst>
-            </p:cNvPr>
-            <p:cNvSpPr/>
-            <p:nvPr/>
-          </p:nvSpPr>
-          <p:spPr>
-            <a:xfrm>
-              <a:off x="6738162" y="3889547"/>
-              <a:ext cx="636187" cy="546604"/>
-            </a:xfrm>
-            <a:prstGeom prst="ellipse">
-              <a:avLst/>
-            </a:prstGeom>
-            <a:solidFill>
-              <a:schemeClr val="accent4">
-                <a:lumMod val="20000"/>
-                <a:lumOff val="80000"/>
-              </a:schemeClr>
-            </a:solidFill>
-          </p:spPr>
-          <p:txBody>
-            <a:bodyPr wrap="square" lIns="91440" tIns="45720" rIns="91440" bIns="45720" rtlCol="0" anchor="t">
-              <a:spAutoFit/>
-            </a:bodyPr>
-            <a:lstStyle/>
-            <a:p>
-              <a:pPr algn="l"/>
-              <a:endParaRPr lang="en-US" sz="1200" dirty="0">
-                <a:solidFill>
-                  <a:schemeClr val="accent6">
-                    <a:lumMod val="75000"/>
-                  </a:schemeClr>
-                </a:solidFill>
-                <a:latin typeface="Courier New"/>
-                <a:cs typeface="Calibri"/>
-              </a:endParaRPr>
-            </a:p>
-          </p:txBody>
-        </p:sp>
-        <p:cxnSp>
-          <p:nvCxnSpPr>
-            <p:cNvPr id="4" name="Straight Connector 3">
-              <a:extLst>
-                <a:ext uri="{FF2B5EF4-FFF2-40B4-BE49-F238E27FC236}">
-                  <a16:creationId xmlns:a16="http://schemas.microsoft.com/office/drawing/2014/main" id="{F5B25AC3-02B1-BCB9-F930-520A3A46E17E}"/>
-                </a:ext>
-              </a:extLst>
-            </p:cNvPr>
-            <p:cNvCxnSpPr>
-              <a:cxnSpLocks/>
-            </p:cNvCxnSpPr>
-            <p:nvPr/>
-          </p:nvCxnSpPr>
-          <p:spPr>
-            <a:xfrm flipV="1">
-              <a:off x="5659272" y="4563944"/>
-              <a:ext cx="1426321" cy="1458135"/>
-            </a:xfrm>
-            <a:prstGeom prst="line">
-              <a:avLst/>
-            </a:prstGeom>
-            <a:ln w="38100"/>
-          </p:spPr>
-          <p:style>
-            <a:lnRef idx="1">
-              <a:schemeClr val="accent1"/>
-            </a:lnRef>
-            <a:fillRef idx="0">
-              <a:schemeClr val="accent1"/>
-            </a:fillRef>
-            <a:effectRef idx="0">
-              <a:schemeClr val="accent1"/>
-            </a:effectRef>
-            <a:fontRef idx="minor">
-              <a:schemeClr val="tx1"/>
-            </a:fontRef>
-          </p:style>
-        </p:cxnSp>
-        <p:cxnSp>
-          <p:nvCxnSpPr>
-            <p:cNvPr id="5" name="Straight Connector 4">
-              <a:extLst>
-                <a:ext uri="{FF2B5EF4-FFF2-40B4-BE49-F238E27FC236}">
-                  <a16:creationId xmlns:a16="http://schemas.microsoft.com/office/drawing/2014/main" id="{CAF92664-7AC7-D2BE-BA18-3C97A5A6D4B6}"/>
-                </a:ext>
-              </a:extLst>
-            </p:cNvPr>
-            <p:cNvCxnSpPr>
-              <a:cxnSpLocks/>
-            </p:cNvCxnSpPr>
-            <p:nvPr/>
-          </p:nvCxnSpPr>
-          <p:spPr>
-            <a:xfrm flipH="1" flipV="1">
-              <a:off x="7085593" y="4563944"/>
-              <a:ext cx="1309163" cy="1325275"/>
-            </a:xfrm>
-            <a:prstGeom prst="line">
-              <a:avLst/>
-            </a:prstGeom>
-            <a:ln w="38100"/>
-          </p:spPr>
-          <p:style>
-            <a:lnRef idx="1">
-              <a:schemeClr val="accent1"/>
-            </a:lnRef>
-            <a:fillRef idx="0">
-              <a:schemeClr val="accent1"/>
-            </a:fillRef>
-            <a:effectRef idx="0">
-              <a:schemeClr val="accent1"/>
-            </a:effectRef>
-            <a:fontRef idx="minor">
-              <a:schemeClr val="tx1"/>
-            </a:fontRef>
-          </p:style>
-        </p:cxnSp>
-        <p:grpSp>
-          <p:nvGrpSpPr>
-            <p:cNvPr id="6" name="Group 5">
-              <a:extLst>
-                <a:ext uri="{FF2B5EF4-FFF2-40B4-BE49-F238E27FC236}">
-                  <a16:creationId xmlns:a16="http://schemas.microsoft.com/office/drawing/2014/main" id="{5B5BABE2-A1DF-DC4D-1513-849879A94D73}"/>
-                </a:ext>
-              </a:extLst>
-            </p:cNvPr>
-            <p:cNvGrpSpPr/>
-            <p:nvPr/>
-          </p:nvGrpSpPr>
-          <p:grpSpPr>
-            <a:xfrm>
-              <a:off x="6972766" y="3719509"/>
-              <a:ext cx="250325" cy="844435"/>
-              <a:chOff x="6972766" y="3719509"/>
-              <a:chExt cx="250325" cy="844435"/>
-            </a:xfrm>
-          </p:grpSpPr>
-          <p:cxnSp>
-            <p:nvCxnSpPr>
-              <p:cNvPr id="7" name="Straight Connector 6">
-                <a:extLst>
-                  <a:ext uri="{FF2B5EF4-FFF2-40B4-BE49-F238E27FC236}">
-                    <a16:creationId xmlns:a16="http://schemas.microsoft.com/office/drawing/2014/main" id="{BAE950CA-92F0-53F0-79CE-909EE1D104AF}"/>
-                  </a:ext>
-                </a:extLst>
-              </p:cNvPr>
-              <p:cNvCxnSpPr>
-                <a:cxnSpLocks/>
-              </p:cNvCxnSpPr>
-              <p:nvPr/>
-            </p:nvCxnSpPr>
-            <p:spPr>
-              <a:xfrm flipV="1">
-                <a:off x="7079970" y="4063977"/>
-                <a:ext cx="17959" cy="499967"/>
-              </a:xfrm>
-              <a:prstGeom prst="line">
-                <a:avLst/>
-              </a:prstGeom>
-              <a:ln w="31750">
-                <a:tailEnd type="triangle"/>
-              </a:ln>
-            </p:spPr>
-            <p:style>
-              <a:lnRef idx="1">
-                <a:schemeClr val="accent1"/>
-              </a:lnRef>
-              <a:fillRef idx="0">
-                <a:schemeClr val="accent1"/>
-              </a:fillRef>
-              <a:effectRef idx="0">
-                <a:schemeClr val="accent1"/>
-              </a:effectRef>
-              <a:fontRef idx="minor">
-                <a:schemeClr val="tx1"/>
-              </a:fontRef>
-            </p:style>
-          </p:cxnSp>
-          <mc:AlternateContent xmlns:mc="http://schemas.openxmlformats.org/markup-compatibility/2006" xmlns:a14="http://schemas.microsoft.com/office/drawing/2010/main">
-            <mc:Choice Requires="a14">
-              <p:sp>
-                <p:nvSpPr>
-                  <p:cNvPr id="8" name="TextBox 7">
-                    <a:extLst>
-                      <a:ext uri="{FF2B5EF4-FFF2-40B4-BE49-F238E27FC236}">
-                        <a16:creationId xmlns:a16="http://schemas.microsoft.com/office/drawing/2014/main" id="{32D10848-8DF6-8576-1A2C-29A868A96B1C}"/>
-                      </a:ext>
-                    </a:extLst>
-                  </p:cNvPr>
-                  <p:cNvSpPr txBox="1"/>
-                  <p:nvPr/>
-                </p:nvSpPr>
-                <p:spPr>
-                  <a:xfrm>
-                    <a:off x="6972766" y="3719509"/>
-                    <a:ext cx="250325" cy="276999"/>
-                  </a:xfrm>
-                  <a:prstGeom prst="rect">
-                    <a:avLst/>
-                  </a:prstGeom>
-                  <a:noFill/>
-                </p:spPr>
-                <p:txBody>
-                  <a:bodyPr wrap="none" lIns="0" tIns="0" rIns="0" bIns="0" rtlCol="0">
-                    <a:spAutoFit/>
-                  </a:bodyPr>
-                  <a:lstStyle/>
-                  <a:p>
-                    <a:pPr/>
-                    <a14:m>
-                      <m:oMathPara xmlns:m="http://schemas.openxmlformats.org/officeDocument/2006/math">
-                        <m:oMathParaPr>
-                          <m:jc m:val="centerGroup"/>
-                        </m:oMathParaPr>
-                        <m:oMath xmlns:m="http://schemas.openxmlformats.org/officeDocument/2006/math">
-                          <m:acc>
-                            <m:accPr>
-                              <m:chr m:val="̂"/>
-                              <m:ctrlPr>
-                                <a:rPr lang="en-US" b="0" i="1" smtClean="0">
-                                  <a:latin typeface="Cambria Math" panose="02040503050406030204" pitchFamily="18" charset="0"/>
-                                </a:rPr>
-                              </m:ctrlPr>
-                            </m:accPr>
-                            <m:e>
-                              <m:sSub>
-                                <m:sSubPr>
-                                  <m:ctrlPr>
-                                    <a:rPr lang="en-US" b="0" i="1" smtClean="0">
-                                      <a:latin typeface="Cambria Math" panose="02040503050406030204" pitchFamily="18" charset="0"/>
-                                    </a:rPr>
-                                  </m:ctrlPr>
-                                </m:sSubPr>
-                                <m:e>
-                                  <m:r>
-                                    <a:rPr lang="en-US" b="0" i="1" smtClean="0">
-                                      <a:latin typeface="Cambria Math" panose="02040503050406030204" pitchFamily="18" charset="0"/>
-                                    </a:rPr>
-                                    <m:t>𝑣</m:t>
-                                  </m:r>
-                                </m:e>
-                                <m:sub>
-                                  <m:r>
-                                    <a:rPr lang="en-US" b="0" i="1" smtClean="0">
-                                      <a:latin typeface="Cambria Math" panose="02040503050406030204" pitchFamily="18" charset="0"/>
-                                    </a:rPr>
-                                    <m:t>𝑖</m:t>
-                                  </m:r>
-                                </m:sub>
-                              </m:sSub>
-                            </m:e>
-                          </m:acc>
-                        </m:oMath>
-                      </m:oMathPara>
-                    </a14:m>
-                    <a:endParaRPr lang="en-US" b="0" dirty="0"/>
-                  </a:p>
-                </p:txBody>
-              </p:sp>
-            </mc:Choice>
-            <mc:Fallback xmlns="">
-              <p:sp>
-                <p:nvSpPr>
-                  <p:cNvPr id="8" name="TextBox 7">
-                    <a:extLst>
-                      <a:ext uri="{FF2B5EF4-FFF2-40B4-BE49-F238E27FC236}">
-                        <a16:creationId xmlns:a16="http://schemas.microsoft.com/office/drawing/2014/main" id="{32D10848-8DF6-8576-1A2C-29A868A96B1C}"/>
-                      </a:ext>
-                    </a:extLst>
-                  </p:cNvPr>
-                  <p:cNvSpPr txBox="1">
-                    <a:spLocks noRot="1" noChangeAspect="1" noMove="1" noResize="1" noEditPoints="1" noAdjustHandles="1" noChangeArrowheads="1" noChangeShapeType="1" noTextEdit="1"/>
-                  </p:cNvSpPr>
-                  <p:nvPr/>
-                </p:nvSpPr>
-                <p:spPr>
-                  <a:xfrm>
-                    <a:off x="6972766" y="3719509"/>
-                    <a:ext cx="250325" cy="276999"/>
-                  </a:xfrm>
-                  <a:prstGeom prst="rect">
-                    <a:avLst/>
-                  </a:prstGeom>
-                  <a:blipFill>
-                    <a:blip r:embed="rId10"/>
-                    <a:stretch>
-                      <a:fillRect l="-14634" t="-23913" r="-56098" b="-17391"/>
-                    </a:stretch>
-                  </a:blipFill>
-                </p:spPr>
-                <p:txBody>
-                  <a:bodyPr/>
-                  <a:lstStyle/>
-                  <a:p>
-                    <a:r>
-                      <a:rPr lang="en-US">
-                        <a:noFill/>
-                      </a:rPr>
-                      <a:t> </a:t>
-                    </a:r>
-                  </a:p>
-                </p:txBody>
-              </p:sp>
-            </mc:Fallback>
-          </mc:AlternateContent>
-        </p:grpSp>
-        <p:cxnSp>
-          <p:nvCxnSpPr>
-            <p:cNvPr id="9" name="Straight Connector 8">
-              <a:extLst>
-                <a:ext uri="{FF2B5EF4-FFF2-40B4-BE49-F238E27FC236}">
-                  <a16:creationId xmlns:a16="http://schemas.microsoft.com/office/drawing/2014/main" id="{FBEC0FBF-0B40-CD80-1F3C-711C1E18B419}"/>
-                </a:ext>
-              </a:extLst>
-            </p:cNvPr>
-            <p:cNvCxnSpPr>
-              <a:cxnSpLocks/>
-            </p:cNvCxnSpPr>
-            <p:nvPr/>
-          </p:nvCxnSpPr>
-          <p:spPr>
-            <a:xfrm flipV="1">
-              <a:off x="7810125" y="4981433"/>
-              <a:ext cx="223857" cy="288446"/>
-            </a:xfrm>
-            <a:prstGeom prst="line">
-              <a:avLst/>
-            </a:prstGeom>
-            <a:ln w="31750">
-              <a:tailEnd type="triangle"/>
-            </a:ln>
-          </p:spPr>
-          <p:style>
-            <a:lnRef idx="1">
-              <a:schemeClr val="accent1"/>
-            </a:lnRef>
-            <a:fillRef idx="0">
-              <a:schemeClr val="accent1"/>
-            </a:fillRef>
-            <a:effectRef idx="0">
-              <a:schemeClr val="accent1"/>
-            </a:effectRef>
-            <a:fontRef idx="minor">
-              <a:schemeClr val="tx1"/>
-            </a:fontRef>
-          </p:style>
-        </p:cxnSp>
-        <p:grpSp>
-          <p:nvGrpSpPr>
-            <p:cNvPr id="10" name="Group 9">
-              <a:extLst>
-                <a:ext uri="{FF2B5EF4-FFF2-40B4-BE49-F238E27FC236}">
-                  <a16:creationId xmlns:a16="http://schemas.microsoft.com/office/drawing/2014/main" id="{EF548428-01EC-F833-1F9D-37AB56740BBA}"/>
-                </a:ext>
-              </a:extLst>
-            </p:cNvPr>
-            <p:cNvGrpSpPr/>
-            <p:nvPr/>
-          </p:nvGrpSpPr>
-          <p:grpSpPr>
-            <a:xfrm rot="8193490">
-              <a:off x="5429400" y="3655284"/>
-              <a:ext cx="459744" cy="580060"/>
-              <a:chOff x="7558295" y="1666605"/>
-              <a:chExt cx="1309163" cy="1673737"/>
-            </a:xfrm>
-          </p:grpSpPr>
-          <p:cxnSp>
-            <p:nvCxnSpPr>
-              <p:cNvPr id="11" name="Straight Connector 10">
-                <a:extLst>
-                  <a:ext uri="{FF2B5EF4-FFF2-40B4-BE49-F238E27FC236}">
-                    <a16:creationId xmlns:a16="http://schemas.microsoft.com/office/drawing/2014/main" id="{05A744F2-74DE-A256-B6BE-D0FF496DE699}"/>
-                  </a:ext>
-                </a:extLst>
-              </p:cNvPr>
-              <p:cNvCxnSpPr>
-                <a:cxnSpLocks/>
-              </p:cNvCxnSpPr>
-              <p:nvPr/>
-            </p:nvCxnSpPr>
-            <p:spPr>
-              <a:xfrm flipH="1" flipV="1">
-                <a:off x="7558295" y="2015067"/>
-                <a:ext cx="1309163" cy="1325275"/>
-              </a:xfrm>
-              <a:prstGeom prst="line">
-                <a:avLst/>
-              </a:prstGeom>
-              <a:ln w="38100"/>
-            </p:spPr>
-            <p:style>
-              <a:lnRef idx="1">
-                <a:schemeClr val="accent1"/>
-              </a:lnRef>
-              <a:fillRef idx="0">
-                <a:schemeClr val="accent1"/>
-              </a:fillRef>
-              <a:effectRef idx="0">
-                <a:schemeClr val="accent1"/>
-              </a:effectRef>
-              <a:fontRef idx="minor">
-                <a:schemeClr val="tx1"/>
-              </a:fontRef>
-            </p:style>
-          </p:cxnSp>
-          <p:cxnSp>
-            <p:nvCxnSpPr>
-              <p:cNvPr id="12" name="Straight Connector 11">
-                <a:extLst>
-                  <a:ext uri="{FF2B5EF4-FFF2-40B4-BE49-F238E27FC236}">
-                    <a16:creationId xmlns:a16="http://schemas.microsoft.com/office/drawing/2014/main" id="{4AD45A54-CB17-AAB6-3AE7-A5CFE4F89525}"/>
-                  </a:ext>
-                </a:extLst>
-              </p:cNvPr>
-              <p:cNvCxnSpPr>
-                <a:cxnSpLocks/>
-              </p:cNvCxnSpPr>
-              <p:nvPr/>
-            </p:nvCxnSpPr>
-            <p:spPr>
-              <a:xfrm rot="13406510" flipH="1">
-                <a:off x="8698972" y="1666605"/>
-                <a:ext cx="111648" cy="1266617"/>
-              </a:xfrm>
-              <a:prstGeom prst="line">
-                <a:avLst/>
-              </a:prstGeom>
-              <a:ln w="38100">
-                <a:tailEnd type="triangle"/>
-              </a:ln>
-            </p:spPr>
-            <p:style>
-              <a:lnRef idx="1">
-                <a:schemeClr val="accent1"/>
-              </a:lnRef>
-              <a:fillRef idx="0">
-                <a:schemeClr val="accent1"/>
-              </a:fillRef>
-              <a:effectRef idx="0">
-                <a:schemeClr val="accent1"/>
-              </a:effectRef>
-              <a:fontRef idx="minor">
-                <a:schemeClr val="tx1"/>
-              </a:fontRef>
-            </p:style>
-          </p:cxnSp>
-        </p:grpSp>
-        <p:cxnSp>
-          <p:nvCxnSpPr>
-            <p:cNvPr id="15" name="Straight Connector 14">
-              <a:extLst>
-                <a:ext uri="{FF2B5EF4-FFF2-40B4-BE49-F238E27FC236}">
-                  <a16:creationId xmlns:a16="http://schemas.microsoft.com/office/drawing/2014/main" id="{A36C846B-D7D2-6D3A-EC81-E9DFF3C57BFD}"/>
-                </a:ext>
-              </a:extLst>
-            </p:cNvPr>
-            <p:cNvCxnSpPr>
-              <a:cxnSpLocks/>
-            </p:cNvCxnSpPr>
-            <p:nvPr/>
-          </p:nvCxnSpPr>
-          <p:spPr>
-            <a:xfrm flipH="1" flipV="1">
-              <a:off x="5758471" y="3283329"/>
-              <a:ext cx="1309163" cy="1325275"/>
-            </a:xfrm>
-            <a:prstGeom prst="line">
-              <a:avLst/>
-            </a:prstGeom>
-            <a:ln>
-              <a:prstDash val="sysDot"/>
-            </a:ln>
-          </p:spPr>
-          <p:style>
-            <a:lnRef idx="1">
-              <a:schemeClr val="accent1"/>
-            </a:lnRef>
-            <a:fillRef idx="0">
-              <a:schemeClr val="accent1"/>
-            </a:fillRef>
-            <a:effectRef idx="0">
-              <a:schemeClr val="accent1"/>
-            </a:effectRef>
-            <a:fontRef idx="minor">
-              <a:schemeClr val="tx1"/>
-            </a:fontRef>
-          </p:style>
-        </p:cxnSp>
-        <p:cxnSp>
-          <p:nvCxnSpPr>
-            <p:cNvPr id="16" name="Straight Connector 15">
-              <a:extLst>
-                <a:ext uri="{FF2B5EF4-FFF2-40B4-BE49-F238E27FC236}">
-                  <a16:creationId xmlns:a16="http://schemas.microsoft.com/office/drawing/2014/main" id="{8EC303E8-F7D2-723E-3625-041A4179C969}"/>
-                </a:ext>
-              </a:extLst>
-            </p:cNvPr>
-            <p:cNvCxnSpPr>
-              <a:cxnSpLocks/>
-            </p:cNvCxnSpPr>
-            <p:nvPr/>
-          </p:nvCxnSpPr>
-          <p:spPr>
-            <a:xfrm flipV="1">
-              <a:off x="7088949" y="3282080"/>
-              <a:ext cx="1305807" cy="1271265"/>
-            </a:xfrm>
-            <a:prstGeom prst="line">
-              <a:avLst/>
-            </a:prstGeom>
-            <a:ln>
-              <a:prstDash val="sysDot"/>
-            </a:ln>
-          </p:spPr>
-          <p:style>
-            <a:lnRef idx="1">
-              <a:schemeClr val="accent1"/>
-            </a:lnRef>
-            <a:fillRef idx="0">
-              <a:schemeClr val="accent1"/>
-            </a:fillRef>
-            <a:effectRef idx="0">
-              <a:schemeClr val="accent1"/>
-            </a:effectRef>
-            <a:fontRef idx="minor">
-              <a:schemeClr val="tx1"/>
-            </a:fontRef>
-          </p:style>
-        </p:cxnSp>
-        <p:cxnSp>
-          <p:nvCxnSpPr>
-            <p:cNvPr id="17" name="Straight Connector 16">
-              <a:extLst>
-                <a:ext uri="{FF2B5EF4-FFF2-40B4-BE49-F238E27FC236}">
-                  <a16:creationId xmlns:a16="http://schemas.microsoft.com/office/drawing/2014/main" id="{6F42D957-021B-BF51-C058-37A49CBC963B}"/>
-                </a:ext>
-              </a:extLst>
-            </p:cNvPr>
-            <p:cNvCxnSpPr>
-              <a:cxnSpLocks/>
-            </p:cNvCxnSpPr>
-            <p:nvPr/>
-          </p:nvCxnSpPr>
-          <p:spPr>
-            <a:xfrm flipH="1" flipV="1">
-              <a:off x="5942566" y="3905209"/>
-              <a:ext cx="626986" cy="713994"/>
-            </a:xfrm>
-            <a:prstGeom prst="line">
-              <a:avLst/>
-            </a:prstGeom>
-            <a:ln>
-              <a:prstDash val="sysDot"/>
-            </a:ln>
-          </p:spPr>
-          <p:style>
-            <a:lnRef idx="1">
-              <a:schemeClr val="accent1"/>
-            </a:lnRef>
-            <a:fillRef idx="0">
-              <a:schemeClr val="accent1"/>
-            </a:fillRef>
-            <a:effectRef idx="0">
-              <a:schemeClr val="accent1"/>
-            </a:effectRef>
-            <a:fontRef idx="minor">
-              <a:schemeClr val="tx1"/>
-            </a:fontRef>
-          </p:style>
-        </p:cxnSp>
-        <p:cxnSp>
-          <p:nvCxnSpPr>
-            <p:cNvPr id="19" name="Straight Connector 18">
-              <a:extLst>
-                <a:ext uri="{FF2B5EF4-FFF2-40B4-BE49-F238E27FC236}">
-                  <a16:creationId xmlns:a16="http://schemas.microsoft.com/office/drawing/2014/main" id="{0521A4DB-8F1A-4359-0A90-C16B087878A9}"/>
-                </a:ext>
-              </a:extLst>
-            </p:cNvPr>
-            <p:cNvCxnSpPr>
-              <a:cxnSpLocks/>
-            </p:cNvCxnSpPr>
-            <p:nvPr/>
-          </p:nvCxnSpPr>
-          <p:spPr>
-            <a:xfrm flipV="1">
-              <a:off x="4997856" y="3917712"/>
-              <a:ext cx="312098" cy="836258"/>
-            </a:xfrm>
-            <a:prstGeom prst="line">
-              <a:avLst/>
-            </a:prstGeom>
-            <a:ln>
-              <a:prstDash val="sysDot"/>
-            </a:ln>
-          </p:spPr>
-          <p:style>
-            <a:lnRef idx="1">
-              <a:schemeClr val="accent1"/>
-            </a:lnRef>
-            <a:fillRef idx="0">
-              <a:schemeClr val="accent1"/>
-            </a:fillRef>
-            <a:effectRef idx="0">
-              <a:schemeClr val="accent1"/>
-            </a:effectRef>
-            <a:fontRef idx="minor">
-              <a:schemeClr val="tx1"/>
-            </a:fontRef>
-          </p:style>
-        </p:cxnSp>
-        <p:cxnSp>
-          <p:nvCxnSpPr>
-            <p:cNvPr id="31" name="Straight Connector 30">
-              <a:extLst>
-                <a:ext uri="{FF2B5EF4-FFF2-40B4-BE49-F238E27FC236}">
-                  <a16:creationId xmlns:a16="http://schemas.microsoft.com/office/drawing/2014/main" id="{E9D6F629-C1F0-18E2-A075-D489C2339340}"/>
-                </a:ext>
-              </a:extLst>
-            </p:cNvPr>
-            <p:cNvCxnSpPr>
-              <a:cxnSpLocks/>
-            </p:cNvCxnSpPr>
-            <p:nvPr/>
-          </p:nvCxnSpPr>
-          <p:spPr>
-            <a:xfrm flipH="1" flipV="1">
-              <a:off x="5936870" y="3896007"/>
-              <a:ext cx="2837340" cy="11905"/>
-            </a:xfrm>
-            <a:prstGeom prst="line">
-              <a:avLst/>
-            </a:prstGeom>
-            <a:ln>
-              <a:prstDash val="sysDot"/>
-            </a:ln>
-          </p:spPr>
-          <p:style>
-            <a:lnRef idx="1">
-              <a:schemeClr val="accent1"/>
-            </a:lnRef>
-            <a:fillRef idx="0">
-              <a:schemeClr val="accent1"/>
-            </a:fillRef>
-            <a:effectRef idx="0">
-              <a:schemeClr val="accent1"/>
-            </a:effectRef>
-            <a:fontRef idx="minor">
-              <a:schemeClr val="tx1"/>
-            </a:fontRef>
-          </p:style>
-        </p:cxnSp>
-        <p:sp>
-          <p:nvSpPr>
-            <p:cNvPr id="21" name="Connecteur droit 20">
-              <a:extLst>
-                <a:ext uri="{FF2B5EF4-FFF2-40B4-BE49-F238E27FC236}">
-                  <a16:creationId xmlns:a16="http://schemas.microsoft.com/office/drawing/2014/main" id="{0FEC644D-29C2-4FCA-B552-30A37134F6E7}"/>
-                </a:ext>
-              </a:extLst>
-            </p:cNvPr>
-            <p:cNvSpPr/>
-            <p:nvPr/>
-          </p:nvSpPr>
-          <p:spPr>
-            <a:xfrm rot="2930468">
-              <a:off x="5828965" y="4119120"/>
-              <a:ext cx="548640" cy="0"/>
-            </a:xfrm>
-            <a:prstGeom prst="line">
-              <a:avLst/>
-            </a:prstGeom>
-            <a:solidFill>
-              <a:srgbClr val="000000">
-                <a:alpha val="5000"/>
-              </a:srgbClr>
-            </a:solidFill>
-            <a:ln w="12600">
-              <a:solidFill>
-                <a:srgbClr val="000000"/>
-              </a:solidFill>
-              <a:tailEnd type="triangle"/>
-            </a:ln>
-          </p:spPr>
-          <p:style>
-            <a:lnRef idx="1">
-              <a:schemeClr val="accent1"/>
-            </a:lnRef>
-            <a:fillRef idx="0">
-              <a:schemeClr val="accent1"/>
-            </a:fillRef>
-            <a:effectRef idx="0">
-              <a:schemeClr val="accent1"/>
-            </a:effectRef>
-            <a:fontRef idx="minor">
-              <a:schemeClr val="tx1"/>
-            </a:fontRef>
-          </p:style>
-          <p:txBody>
-            <a:bodyPr wrap="none" rtlCol="0" anchor="ctr" anchorCtr="1"/>
-            <a:lstStyle/>
-            <a:p>
-              <a:endParaRPr lang="en-US">
-                <a:solidFill>
-                  <a:srgbClr val="000000"/>
-                </a:solidFill>
-              </a:endParaRPr>
-            </a:p>
-          </p:txBody>
-        </p:sp>
-      </p:grpSp>
-    </p:spTree>
-    <p:extLst>
-      <p:ext uri="{BB962C8B-B14F-4D97-AF65-F5344CB8AC3E}">
-        <p14:creationId xmlns:p14="http://schemas.microsoft.com/office/powerpoint/2010/main" val="3658574458"/>
-      </p:ext>
-    </p:extLst>
-  </p:cSld>
-  <p:clrMapOvr>
-    <a:masterClrMapping/>
-  </p:clrMapOvr>
-</p:sld>
-</file>
-
 <file path=ppt/slides/slide3.xml><?xml version="1.0" encoding="utf-8"?>
 <p:sld xmlns:a="http://schemas.openxmlformats.org/drawingml/2006/main" xmlns:r="http://schemas.openxmlformats.org/officeDocument/2006/relationships" xmlns:p="http://schemas.openxmlformats.org/presentationml/2006/main">
   <p:cSld>
@@ -15275,6 +14582,101 @@
           <p:cNvPr id="2" name="Title 1">
             <a:extLst>
               <a:ext uri="{FF2B5EF4-FFF2-40B4-BE49-F238E27FC236}">
+                <a16:creationId xmlns:a16="http://schemas.microsoft.com/office/drawing/2014/main" id="{BE2BF8AD-4C4B-BAE5-26CF-B4BF23DECCCF}"/>
+              </a:ext>
+            </a:extLst>
+          </p:cNvPr>
+          <p:cNvSpPr>
+            <a:spLocks noGrp="1"/>
+          </p:cNvSpPr>
+          <p:nvPr>
+            <p:ph type="title"/>
+          </p:nvPr>
+        </p:nvSpPr>
+        <p:spPr>
+          <a:xfrm>
+            <a:off x="413657" y="365125"/>
+            <a:ext cx="10940143" cy="1325563"/>
+          </a:xfrm>
+        </p:spPr>
+        <p:txBody>
+          <a:bodyPr>
+            <a:normAutofit fontScale="90000"/>
+          </a:bodyPr>
+          <a:lstStyle/>
+          <a:p>
+            <a:r>
+              <a:rPr lang="en-US" dirty="0"/>
+              <a:t>Of note, the edge that is tangent may shrink or grow, so we must find tangents not only to the current edge segment, but as well to any extensions</a:t>
+            </a:r>
+          </a:p>
+        </p:txBody>
+      </p:sp>
+      <p:pic>
+        <p:nvPicPr>
+          <p:cNvPr id="5" name="Picture 4">
+            <a:extLst>
+              <a:ext uri="{FF2B5EF4-FFF2-40B4-BE49-F238E27FC236}">
+                <a16:creationId xmlns:a16="http://schemas.microsoft.com/office/drawing/2014/main" id="{9C474C83-8FB6-D96A-D98E-6757E4A4D251}"/>
+              </a:ext>
+            </a:extLst>
+          </p:cNvPr>
+          <p:cNvPicPr>
+            <a:picLocks noChangeAspect="1"/>
+          </p:cNvPicPr>
+          <p:nvPr/>
+        </p:nvPicPr>
+        <p:blipFill>
+          <a:blip r:embed="rId2"/>
+          <a:stretch>
+            <a:fillRect/>
+          </a:stretch>
+        </p:blipFill>
+        <p:spPr>
+          <a:xfrm>
+            <a:off x="2892188" y="2215771"/>
+            <a:ext cx="5334000" cy="4000500"/>
+          </a:xfrm>
+          <a:prstGeom prst="rect">
+            <a:avLst/>
+          </a:prstGeom>
+        </p:spPr>
+      </p:pic>
+    </p:spTree>
+    <p:extLst>
+      <p:ext uri="{BB962C8B-B14F-4D97-AF65-F5344CB8AC3E}">
+        <p14:creationId xmlns:p14="http://schemas.microsoft.com/office/powerpoint/2010/main" val="3766501253"/>
+      </p:ext>
+    </p:extLst>
+  </p:cSld>
+  <p:clrMapOvr>
+    <a:masterClrMapping/>
+  </p:clrMapOvr>
+</p:sld>
+</file>
+
+<file path=ppt/slides/slide31.xml><?xml version="1.0" encoding="utf-8"?>
+<p:sld xmlns:a="http://schemas.openxmlformats.org/drawingml/2006/main" xmlns:r="http://schemas.openxmlformats.org/officeDocument/2006/relationships" xmlns:p="http://schemas.openxmlformats.org/presentationml/2006/main">
+  <p:cSld>
+    <p:spTree>
+      <p:nvGrpSpPr>
+        <p:cNvPr id="1" name=""/>
+        <p:cNvGrpSpPr/>
+        <p:nvPr/>
+      </p:nvGrpSpPr>
+      <p:grpSpPr>
+        <a:xfrm>
+          <a:off x="0" y="0"/>
+          <a:ext cx="0" cy="0"/>
+          <a:chOff x="0" y="0"/>
+          <a:chExt cx="0" cy="0"/>
+        </a:xfrm>
+      </p:grpSpPr>
+      <p:sp>
+        <p:nvSpPr>
+          <p:cNvPr id="2" name="Title 1">
+            <a:extLst>
+              <a:ext uri="{FF2B5EF4-FFF2-40B4-BE49-F238E27FC236}">
                 <a16:creationId xmlns:a16="http://schemas.microsoft.com/office/drawing/2014/main" id="{71E51AC3-5020-3A08-636D-09846795A9A0}"/>
               </a:ext>
             </a:extLst>
@@ -15322,7 +14724,7 @@
         </p:spPr>
         <p:txBody>
           <a:bodyPr>
-            <a:normAutofit lnSpcReduction="10000"/>
+            <a:normAutofit/>
           </a:bodyPr>
           <a:lstStyle/>
           <a:p>
@@ -15331,7 +14733,7 @@
             </a:pPr>
             <a:r>
               <a:rPr lang="en-US" dirty="0"/>
-              <a:t>The circle center, after it is found, can be projected in the opposite direction of the edge’s unit normal vector, by a radius distance. This projection must either be on the edge for the point to be valid, or the projection must be inside of the “apex” triangle created by the vertex.</a:t>
+              <a:t>The circle center, after it is found, can be projected in the opposite direction of the edge’s unit normal vector, by a radius distance. This projection must either be on the edge for the point to be valid intersection with the segment.</a:t>
             </a:r>
           </a:p>
         </p:txBody>
@@ -16105,8 +15507,8 @@
         </p:nvSpPr>
         <p:spPr>
           <a:xfrm flipV="1">
-            <a:off x="7459526" y="3019186"/>
-            <a:ext cx="2245147" cy="11905"/>
+            <a:off x="6745582" y="3230032"/>
+            <a:ext cx="882625" cy="1354"/>
           </a:xfrm>
           <a:prstGeom prst="line">
             <a:avLst/>
@@ -16148,6 +15550,132 @@
           </a:p>
         </p:txBody>
       </p:sp>
+      <p:sp>
+        <p:nvSpPr>
+          <p:cNvPr id="4" name="Rectangle 3">
+            <a:extLst>
+              <a:ext uri="{FF2B5EF4-FFF2-40B4-BE49-F238E27FC236}">
+                <a16:creationId xmlns:a16="http://schemas.microsoft.com/office/drawing/2014/main" id="{3915CFB4-617D-A28A-4E3B-502EEC05F25E}"/>
+              </a:ext>
+            </a:extLst>
+          </p:cNvPr>
+          <p:cNvSpPr/>
+          <p:nvPr/>
+        </p:nvSpPr>
+        <p:spPr>
+          <a:xfrm>
+            <a:off x="4610108" y="5973979"/>
+            <a:ext cx="6569962" cy="577081"/>
+          </a:xfrm>
+          <a:prstGeom prst="rect">
+            <a:avLst/>
+          </a:prstGeom>
+          <a:solidFill>
+            <a:schemeClr val="accent4">
+              <a:lumMod val="20000"/>
+              <a:lumOff val="80000"/>
+            </a:schemeClr>
+          </a:solidFill>
+        </p:spPr>
+        <p:txBody>
+          <a:bodyPr wrap="square" lIns="91440" tIns="45720" rIns="91440" bIns="45720" anchor="t">
+            <a:spAutoFit/>
+          </a:bodyPr>
+          <a:lstStyle/>
+          <a:p>
+            <a:r>
+              <a:rPr lang="en-US" sz="1050" b="0" i="0" u="none" strike="noStrike" baseline="0" dirty="0" err="1">
+                <a:solidFill>
+                  <a:srgbClr val="000000"/>
+                </a:solidFill>
+                <a:latin typeface="Courier New" panose="02070309020205020404" pitchFamily="49" charset="0"/>
+              </a:rPr>
+              <a:t>isOnEdge</a:t>
+            </a:r>
+            <a:r>
+              <a:rPr lang="en-US" sz="1050" b="0" i="0" u="none" strike="noStrike" baseline="0" dirty="0">
+                <a:solidFill>
+                  <a:srgbClr val="000000"/>
+                </a:solidFill>
+                <a:latin typeface="Courier New" panose="02070309020205020404" pitchFamily="49" charset="0"/>
+              </a:rPr>
+              <a:t> = </a:t>
+            </a:r>
+            <a:r>
+              <a:rPr lang="en-US" sz="1050" b="0" i="0" u="none" strike="noStrike" baseline="0" dirty="0" err="1">
+                <a:solidFill>
+                  <a:srgbClr val="000000"/>
+                </a:solidFill>
+                <a:latin typeface="Courier New" panose="02070309020205020404" pitchFamily="49" charset="0"/>
+              </a:rPr>
+              <a:t>fcn_INTERNAL_isPointOnEdge</a:t>
+            </a:r>
+            <a:r>
+              <a:rPr lang="en-US" sz="1050" b="0" i="0" u="none" strike="noStrike" baseline="0" dirty="0">
+                <a:solidFill>
+                  <a:srgbClr val="000000"/>
+                </a:solidFill>
+                <a:latin typeface="Courier New" panose="02070309020205020404" pitchFamily="49" charset="0"/>
+              </a:rPr>
+              <a:t>(</a:t>
+            </a:r>
+            <a:r>
+              <a:rPr lang="en-US" sz="1050" b="0" i="0" u="none" strike="noStrike" baseline="0" dirty="0" err="1">
+                <a:solidFill>
+                  <a:srgbClr val="000000"/>
+                </a:solidFill>
+                <a:latin typeface="Courier New" panose="02070309020205020404" pitchFamily="49" charset="0"/>
+              </a:rPr>
+              <a:t>new_edgePointStart,new_edgePointEnd,sphereCenter</a:t>
+            </a:r>
+            <a:r>
+              <a:rPr lang="en-US" sz="1050" b="0" i="0" u="none" strike="noStrike" baseline="0" dirty="0">
+                <a:solidFill>
+                  <a:srgbClr val="000000"/>
+                </a:solidFill>
+                <a:latin typeface="Courier New" panose="02070309020205020404" pitchFamily="49" charset="0"/>
+              </a:rPr>
+              <a:t>, </a:t>
+            </a:r>
+            <a:r>
+              <a:rPr lang="en-US" sz="1050" b="0" i="0" u="none" strike="noStrike" baseline="0" dirty="0" err="1">
+                <a:solidFill>
+                  <a:srgbClr val="000000"/>
+                </a:solidFill>
+                <a:latin typeface="Courier New" panose="02070309020205020404" pitchFamily="49" charset="0"/>
+              </a:rPr>
+              <a:t>flag_do_debug</a:t>
+            </a:r>
+            <a:r>
+              <a:rPr lang="en-US" sz="1050" b="0" i="0" u="none" strike="noStrike" baseline="0" dirty="0">
+                <a:solidFill>
+                  <a:srgbClr val="000000"/>
+                </a:solidFill>
+                <a:latin typeface="Courier New" panose="02070309020205020404" pitchFamily="49" charset="0"/>
+              </a:rPr>
+              <a:t>, </a:t>
+            </a:r>
+            <a:r>
+              <a:rPr lang="en-US" sz="1050" b="0" i="0" u="none" strike="noStrike" baseline="0" dirty="0" err="1">
+                <a:solidFill>
+                  <a:srgbClr val="000000"/>
+                </a:solidFill>
+                <a:latin typeface="Courier New" panose="02070309020205020404" pitchFamily="49" charset="0"/>
+              </a:rPr>
+              <a:t>debug_fig_num</a:t>
+            </a:r>
+            <a:r>
+              <a:rPr lang="en-US" sz="1050" b="0" i="0" u="none" strike="noStrike" baseline="0" dirty="0">
+                <a:solidFill>
+                  <a:srgbClr val="000000"/>
+                </a:solidFill>
+                <a:latin typeface="Courier New" panose="02070309020205020404" pitchFamily="49" charset="0"/>
+              </a:rPr>
+              <a:t>);</a:t>
+            </a:r>
+          </a:p>
+        </p:txBody>
+      </p:sp>
     </p:spTree>
     <p:extLst>
       <p:ext uri="{BB962C8B-B14F-4D97-AF65-F5344CB8AC3E}">
@@ -16161,7 +15689,7 @@
 </p:sld>
 </file>
 
-<file path=ppt/slides/slide31.xml><?xml version="1.0" encoding="utf-8"?>
+<file path=ppt/slides/slide32.xml><?xml version="1.0" encoding="utf-8"?>
 <p:sld xmlns:a="http://schemas.openxmlformats.org/drawingml/2006/main" xmlns:r="http://schemas.openxmlformats.org/officeDocument/2006/relationships" xmlns:p="http://schemas.openxmlformats.org/presentationml/2006/main">
   <p:cSld>
     <p:spTree>
@@ -16249,7 +15777,95 @@
 </p:sld>
 </file>
 
-<file path=ppt/slides/slide32.xml><?xml version="1.0" encoding="utf-8"?>
+<file path=ppt/slides/slide33.xml><?xml version="1.0" encoding="utf-8"?>
+<p:sld xmlns:a="http://schemas.openxmlformats.org/drawingml/2006/main" xmlns:r="http://schemas.openxmlformats.org/officeDocument/2006/relationships" xmlns:p="http://schemas.openxmlformats.org/presentationml/2006/main">
+  <p:cSld>
+    <p:spTree>
+      <p:nvGrpSpPr>
+        <p:cNvPr id="1" name=""/>
+        <p:cNvGrpSpPr/>
+        <p:nvPr/>
+      </p:nvGrpSpPr>
+      <p:grpSpPr>
+        <a:xfrm>
+          <a:off x="0" y="0"/>
+          <a:ext cx="0" cy="0"/>
+          <a:chOff x="0" y="0"/>
+          <a:chExt cx="0" cy="0"/>
+        </a:xfrm>
+      </p:grpSpPr>
+      <p:sp>
+        <p:nvSpPr>
+          <p:cNvPr id="2" name="Title 1">
+            <a:extLst>
+              <a:ext uri="{FF2B5EF4-FFF2-40B4-BE49-F238E27FC236}">
+                <a16:creationId xmlns:a16="http://schemas.microsoft.com/office/drawing/2014/main" id="{98F1C496-4B8B-E0D7-460E-07A0F3227D10}"/>
+              </a:ext>
+            </a:extLst>
+          </p:cNvPr>
+          <p:cNvSpPr>
+            <a:spLocks noGrp="1"/>
+          </p:cNvSpPr>
+          <p:nvPr>
+            <p:ph type="title"/>
+          </p:nvPr>
+        </p:nvSpPr>
+        <p:spPr/>
+        <p:txBody>
+          <a:bodyPr/>
+          <a:lstStyle/>
+          <a:p>
+            <a:r>
+              <a:rPr lang="en-US" dirty="0"/>
+              <a:t>Non-convex case</a:t>
+            </a:r>
+          </a:p>
+        </p:txBody>
+      </p:sp>
+      <p:pic>
+        <p:nvPicPr>
+          <p:cNvPr id="5" name="Picture 4">
+            <a:extLst>
+              <a:ext uri="{FF2B5EF4-FFF2-40B4-BE49-F238E27FC236}">
+                <a16:creationId xmlns:a16="http://schemas.microsoft.com/office/drawing/2014/main" id="{B542D1F3-388B-C43D-3346-47CBF1855035}"/>
+              </a:ext>
+            </a:extLst>
+          </p:cNvPr>
+          <p:cNvPicPr>
+            <a:picLocks noChangeAspect="1"/>
+          </p:cNvPicPr>
+          <p:nvPr/>
+        </p:nvPicPr>
+        <p:blipFill>
+          <a:blip r:embed="rId2"/>
+          <a:stretch>
+            <a:fillRect/>
+          </a:stretch>
+        </p:blipFill>
+        <p:spPr>
+          <a:xfrm>
+            <a:off x="644540" y="1214303"/>
+            <a:ext cx="11071754" cy="5459451"/>
+          </a:xfrm>
+          <a:prstGeom prst="rect">
+            <a:avLst/>
+          </a:prstGeom>
+        </p:spPr>
+      </p:pic>
+    </p:spTree>
+    <p:extLst>
+      <p:ext uri="{BB962C8B-B14F-4D97-AF65-F5344CB8AC3E}">
+        <p14:creationId xmlns:p14="http://schemas.microsoft.com/office/powerpoint/2010/main" val="746931676"/>
+      </p:ext>
+    </p:extLst>
+  </p:cSld>
+  <p:clrMapOvr>
+    <a:masterClrMapping/>
+  </p:clrMapOvr>
+</p:sld>
+</file>
+
+<file path=ppt/slides/slide34.xml><?xml version="1.0" encoding="utf-8"?>
 <p:sld xmlns:a="http://schemas.openxmlformats.org/drawingml/2006/main" xmlns:r="http://schemas.openxmlformats.org/officeDocument/2006/relationships" xmlns:p="http://schemas.openxmlformats.org/presentationml/2006/main">
   <p:cSld>
     <p:spTree>
@@ -16297,7 +15913,7 @@
           <a:p>
             <a:r>
               <a:rPr lang="en-US" sz="3600" dirty="0"/>
-              <a:t>Step 3: This is implemented by simply finding the smallest radius among all fitted spheres</a:t>
+              <a:t>Step 3: Find the smallest feasible cut. This is implemented by simply finding the smallest radius among all fitted spheres</a:t>
             </a:r>
           </a:p>
         </p:txBody>
@@ -16369,6 +15985,658 @@
           </a:p>
         </p:txBody>
       </p:sp>
+      <p:sp>
+        <p:nvSpPr>
+          <p:cNvPr id="3" name="Rectangle 2">
+            <a:extLst>
+              <a:ext uri="{FF2B5EF4-FFF2-40B4-BE49-F238E27FC236}">
+                <a16:creationId xmlns:a16="http://schemas.microsoft.com/office/drawing/2014/main" id="{BE16825F-B2E8-31FC-4FA0-415D79419DD5}"/>
+              </a:ext>
+            </a:extLst>
+          </p:cNvPr>
+          <p:cNvSpPr/>
+          <p:nvPr/>
+        </p:nvSpPr>
+        <p:spPr>
+          <a:xfrm>
+            <a:off x="5187666" y="3952579"/>
+            <a:ext cx="6569962" cy="2677656"/>
+          </a:xfrm>
+          <a:prstGeom prst="rect">
+            <a:avLst/>
+          </a:prstGeom>
+          <a:solidFill>
+            <a:schemeClr val="accent4">
+              <a:lumMod val="20000"/>
+              <a:lumOff val="80000"/>
+            </a:schemeClr>
+          </a:solidFill>
+        </p:spPr>
+        <p:txBody>
+          <a:bodyPr wrap="square" lIns="91440" tIns="45720" rIns="91440" bIns="45720" anchor="t">
+            <a:spAutoFit/>
+          </a:bodyPr>
+          <a:lstStyle/>
+          <a:p>
+            <a:pPr>
+              <a:buNone/>
+            </a:pPr>
+            <a:r>
+              <a:rPr lang="en-US" sz="1050" b="0" i="0" dirty="0" err="1">
+                <a:effectLst/>
+                <a:latin typeface="Menlo"/>
+              </a:rPr>
+              <a:t>fig_num</a:t>
+            </a:r>
+            <a:r>
+              <a:rPr lang="en-US" sz="1050" b="0" i="0" dirty="0">
+                <a:effectLst/>
+                <a:latin typeface="Menlo"/>
+              </a:rPr>
+              <a:t> = 1006; figure(</a:t>
+            </a:r>
+            <a:r>
+              <a:rPr lang="en-US" sz="1050" b="0" i="0" dirty="0" err="1">
+                <a:effectLst/>
+                <a:latin typeface="Menlo"/>
+              </a:rPr>
+              <a:t>fig_num</a:t>
+            </a:r>
+            <a:r>
+              <a:rPr lang="en-US" sz="1050" b="0" i="0" dirty="0">
+                <a:effectLst/>
+                <a:latin typeface="Menlo"/>
+              </a:rPr>
+              <a:t>); </a:t>
+            </a:r>
+            <a:r>
+              <a:rPr lang="en-US" sz="1050" b="0" i="0" dirty="0" err="1">
+                <a:effectLst/>
+                <a:latin typeface="Menlo"/>
+              </a:rPr>
+              <a:t>clf</a:t>
+            </a:r>
+            <a:r>
+              <a:rPr lang="en-US" sz="1050" b="0" i="0" dirty="0">
+                <a:effectLst/>
+                <a:latin typeface="Menlo"/>
+              </a:rPr>
+              <a:t>;</a:t>
+            </a:r>
+          </a:p>
+          <a:p>
+            <a:pPr>
+              <a:buNone/>
+            </a:pPr>
+            <a:endParaRPr lang="en-US" sz="1050" b="0" i="0" dirty="0">
+              <a:effectLst/>
+              <a:latin typeface="Menlo"/>
+            </a:endParaRPr>
+          </a:p>
+          <a:p>
+            <a:pPr>
+              <a:buNone/>
+            </a:pPr>
+            <a:r>
+              <a:rPr lang="en-US" sz="1050" b="0" i="0" dirty="0">
+                <a:solidFill>
+                  <a:srgbClr val="008013"/>
+                </a:solidFill>
+                <a:effectLst/>
+                <a:latin typeface="Menlo"/>
+              </a:rPr>
+              <a:t>% this polytope has a vertical wall</a:t>
+            </a:r>
+            <a:endParaRPr lang="en-US" sz="1050" b="0" i="0" dirty="0">
+              <a:effectLst/>
+              <a:latin typeface="Menlo"/>
+            </a:endParaRPr>
+          </a:p>
+          <a:p>
+            <a:pPr>
+              <a:buNone/>
+            </a:pPr>
+            <a:r>
+              <a:rPr lang="en-US" sz="1050" b="0" i="0" dirty="0">
+                <a:effectLst/>
+                <a:latin typeface="Menlo"/>
+              </a:rPr>
+              <a:t>vertices = [0 0; 3/5 0; 1 1; 7/5 0; 2 0; 1 2; 0 1; 0 0]*5;</a:t>
+            </a:r>
+          </a:p>
+          <a:p>
+            <a:pPr>
+              <a:buNone/>
+            </a:pPr>
+            <a:r>
+              <a:rPr lang="en-US" sz="1050" b="0" i="0" dirty="0">
+                <a:effectLst/>
+                <a:latin typeface="Menlo"/>
+              </a:rPr>
+              <a:t>[</a:t>
+            </a:r>
+            <a:r>
+              <a:rPr lang="en-US" sz="1050" b="0" i="0" dirty="0" err="1">
+                <a:effectLst/>
+                <a:latin typeface="Menlo"/>
+              </a:rPr>
+              <a:t>unit_normal_vectors</a:t>
+            </a:r>
+            <a:r>
+              <a:rPr lang="en-US" sz="1050" b="0" i="0" dirty="0">
+                <a:effectLst/>
+                <a:latin typeface="Menlo"/>
+              </a:rPr>
+              <a:t>, </a:t>
+            </a:r>
+            <a:r>
+              <a:rPr lang="en-US" sz="1050" b="0" i="0" dirty="0" err="1">
+                <a:effectLst/>
+                <a:latin typeface="Menlo"/>
+              </a:rPr>
+              <a:t>unit_vertex_projection_vectors</a:t>
+            </a:r>
+            <a:r>
+              <a:rPr lang="en-US" sz="1050" b="0" i="0" dirty="0">
+                <a:effectLst/>
+                <a:latin typeface="Menlo"/>
+              </a:rPr>
+              <a:t>, </a:t>
+            </a:r>
+            <a:r>
+              <a:rPr lang="en-US" sz="1050" b="0" i="0" dirty="0" err="1">
+                <a:effectLst/>
+                <a:latin typeface="Menlo"/>
+              </a:rPr>
+              <a:t>vector_direction_of_unit_cut</a:t>
+            </a:r>
+            <a:r>
+              <a:rPr lang="en-US" sz="1050" b="0" i="0" dirty="0">
+                <a:effectLst/>
+                <a:latin typeface="Menlo"/>
+              </a:rPr>
+              <a:t>, </a:t>
+            </a:r>
+            <a:r>
+              <a:rPr lang="en-US" sz="1050" b="0" i="0" dirty="0" err="1">
+                <a:effectLst/>
+                <a:latin typeface="Menlo"/>
+              </a:rPr>
+              <a:t>flag_vertexIsNonConvex</a:t>
+            </a:r>
+            <a:r>
+              <a:rPr lang="en-US" sz="1050" b="0" i="0" dirty="0">
+                <a:effectLst/>
+                <a:latin typeface="Menlo"/>
+              </a:rPr>
+              <a:t>] = </a:t>
+            </a:r>
+            <a:r>
+              <a:rPr lang="en-US" sz="1050" b="0" i="0" dirty="0" err="1">
+                <a:effectLst/>
+                <a:latin typeface="Menlo"/>
+              </a:rPr>
+              <a:t>fcn_VSkel_polytopeFindUnitDirectionVectors</a:t>
+            </a:r>
+            <a:r>
+              <a:rPr lang="en-US" sz="1050" b="0" i="0" dirty="0">
+                <a:effectLst/>
+                <a:latin typeface="Menlo"/>
+              </a:rPr>
+              <a:t>(vertices,-1);</a:t>
+            </a:r>
+          </a:p>
+          <a:p>
+            <a:pPr>
+              <a:buNone/>
+            </a:pPr>
+            <a:r>
+              <a:rPr lang="en-US" sz="1050" b="0" i="0" dirty="0" err="1">
+                <a:effectLst/>
+                <a:latin typeface="Menlo"/>
+              </a:rPr>
+              <a:t>max_edge_cuts</a:t>
+            </a:r>
+            <a:r>
+              <a:rPr lang="en-US" sz="1050" b="0" i="0" dirty="0">
+                <a:effectLst/>
+                <a:latin typeface="Menlo"/>
+              </a:rPr>
+              <a:t> = </a:t>
+            </a:r>
+            <a:r>
+              <a:rPr lang="en-US" sz="1050" b="0" i="0" dirty="0" err="1">
+                <a:effectLst/>
+                <a:latin typeface="Menlo"/>
+              </a:rPr>
+              <a:t>fcn_VSkel_polytopeFindMaxEdgeCut</a:t>
+            </a:r>
+            <a:r>
+              <a:rPr lang="en-US" sz="1050" b="0" i="0" dirty="0">
+                <a:effectLst/>
+                <a:latin typeface="Menlo"/>
+              </a:rPr>
+              <a:t>(vertices, </a:t>
+            </a:r>
+            <a:r>
+              <a:rPr lang="en-US" sz="1050" b="0" i="0" dirty="0" err="1">
+                <a:effectLst/>
+                <a:latin typeface="Menlo"/>
+              </a:rPr>
+              <a:t>unit_normal_vectors</a:t>
+            </a:r>
+            <a:r>
+              <a:rPr lang="en-US" sz="1050" b="0" i="0" dirty="0">
+                <a:effectLst/>
+                <a:latin typeface="Menlo"/>
+              </a:rPr>
+              <a:t>, </a:t>
+            </a:r>
+            <a:r>
+              <a:rPr lang="en-US" sz="1050" b="0" i="0" dirty="0" err="1">
+                <a:effectLst/>
+                <a:latin typeface="Menlo"/>
+              </a:rPr>
+              <a:t>unit_vertex_projection_vectors</a:t>
+            </a:r>
+            <a:r>
+              <a:rPr lang="en-US" sz="1050" b="0" i="0" dirty="0">
+                <a:effectLst/>
+                <a:latin typeface="Menlo"/>
+              </a:rPr>
+              <a:t>, (-1));</a:t>
+            </a:r>
+          </a:p>
+          <a:p>
+            <a:pPr>
+              <a:buNone/>
+            </a:pPr>
+            <a:r>
+              <a:rPr lang="en-US" sz="1050" b="0" i="0" dirty="0">
+                <a:effectLst/>
+                <a:latin typeface="Menlo"/>
+              </a:rPr>
+              <a:t>[</a:t>
+            </a:r>
+            <a:r>
+              <a:rPr lang="en-US" sz="1050" b="0" i="0" dirty="0" err="1">
+                <a:effectLst/>
+                <a:latin typeface="Menlo"/>
+              </a:rPr>
+              <a:t>sphereRadii</a:t>
+            </a:r>
+            <a:r>
+              <a:rPr lang="en-US" sz="1050" b="0" i="0" dirty="0">
+                <a:effectLst/>
+                <a:latin typeface="Menlo"/>
+              </a:rPr>
+              <a:t>, </a:t>
+            </a:r>
+            <a:r>
+              <a:rPr lang="en-US" sz="1050" b="0" i="0" dirty="0" err="1">
+                <a:effectLst/>
+                <a:latin typeface="Menlo"/>
+              </a:rPr>
+              <a:t>definingEdges</a:t>
+            </a:r>
+            <a:r>
+              <a:rPr lang="en-US" sz="1050" b="0" i="0" dirty="0">
+                <a:effectLst/>
+                <a:latin typeface="Menlo"/>
+              </a:rPr>
+              <a:t>] = </a:t>
+            </a:r>
+            <a:r>
+              <a:rPr lang="en-US" sz="1050" b="0" i="0" dirty="0" err="1">
+                <a:effectLst/>
+                <a:latin typeface="Menlo"/>
+              </a:rPr>
+              <a:t>fcn_VSkel_polytopeFindEnclosedSpheres</a:t>
+            </a:r>
+            <a:r>
+              <a:rPr lang="en-US" sz="1050" b="0" i="0" dirty="0">
+                <a:effectLst/>
+                <a:latin typeface="Menlo"/>
+              </a:rPr>
+              <a:t>(vertices, </a:t>
+            </a:r>
+            <a:r>
+              <a:rPr lang="en-US" sz="1050" b="0" i="0" dirty="0" err="1">
+                <a:effectLst/>
+                <a:latin typeface="Menlo"/>
+              </a:rPr>
+              <a:t>unit_normal_vectors</a:t>
+            </a:r>
+            <a:r>
+              <a:rPr lang="en-US" sz="1050" b="0" i="0" dirty="0">
+                <a:effectLst/>
+                <a:latin typeface="Menlo"/>
+              </a:rPr>
+              <a:t>, </a:t>
+            </a:r>
+            <a:r>
+              <a:rPr lang="en-US" sz="1050" b="0" i="0" dirty="0" err="1">
+                <a:effectLst/>
+                <a:latin typeface="Menlo"/>
+              </a:rPr>
+              <a:t>unit_vertex_projection_vectors</a:t>
+            </a:r>
+            <a:r>
+              <a:rPr lang="en-US" sz="1050" b="0" i="0" dirty="0">
+                <a:effectLst/>
+                <a:latin typeface="Menlo"/>
+              </a:rPr>
+              <a:t>, </a:t>
+            </a:r>
+            <a:r>
+              <a:rPr lang="en-US" sz="1050" b="0" i="0" dirty="0" err="1">
+                <a:effectLst/>
+                <a:latin typeface="Menlo"/>
+              </a:rPr>
+              <a:t>vector_direction_of_unit_cut</a:t>
+            </a:r>
+            <a:r>
+              <a:rPr lang="en-US" sz="1050" b="0" i="0" dirty="0">
+                <a:effectLst/>
+                <a:latin typeface="Menlo"/>
+              </a:rPr>
+              <a:t>, </a:t>
+            </a:r>
+            <a:r>
+              <a:rPr lang="en-US" sz="1050" b="0" i="0" dirty="0" err="1">
+                <a:effectLst/>
+                <a:latin typeface="Menlo"/>
+              </a:rPr>
+              <a:t>flag_vertexIsNonConvex</a:t>
+            </a:r>
+            <a:r>
+              <a:rPr lang="en-US" sz="1050" b="0" i="0" dirty="0">
+                <a:effectLst/>
+                <a:latin typeface="Menlo"/>
+              </a:rPr>
+              <a:t>, </a:t>
+            </a:r>
+            <a:r>
+              <a:rPr lang="en-US" sz="1050" b="0" i="0" dirty="0" err="1">
+                <a:effectLst/>
+                <a:latin typeface="Menlo"/>
+              </a:rPr>
+              <a:t>max_edge_cuts</a:t>
+            </a:r>
+            <a:r>
+              <a:rPr lang="en-US" sz="1050" b="0" i="0" dirty="0">
+                <a:effectLst/>
+                <a:latin typeface="Menlo"/>
+              </a:rPr>
+              <a:t>, (-1));</a:t>
+            </a:r>
+          </a:p>
+          <a:p>
+            <a:pPr>
+              <a:buNone/>
+            </a:pPr>
+            <a:endParaRPr lang="en-US" sz="1050" b="0" i="0" dirty="0">
+              <a:effectLst/>
+              <a:latin typeface="Menlo"/>
+            </a:endParaRPr>
+          </a:p>
+          <a:p>
+            <a:pPr>
+              <a:buNone/>
+            </a:pPr>
+            <a:r>
+              <a:rPr lang="en-US" sz="1050" b="0" i="0" dirty="0">
+                <a:effectLst/>
+                <a:latin typeface="Menlo"/>
+              </a:rPr>
+              <a:t>[</a:t>
+            </a:r>
+            <a:r>
+              <a:rPr lang="en-US" sz="1050" b="0" i="0" dirty="0" err="1">
+                <a:effectLst/>
+                <a:latin typeface="Menlo"/>
+              </a:rPr>
+              <a:t>min_cut</a:t>
+            </a:r>
+            <a:r>
+              <a:rPr lang="en-US" sz="1050" b="0" i="0" dirty="0">
+                <a:effectLst/>
+                <a:latin typeface="Menlo"/>
+              </a:rPr>
+              <a:t>, </a:t>
+            </a:r>
+            <a:r>
+              <a:rPr lang="en-US" sz="1050" b="0" i="0" dirty="0">
+                <a:solidFill>
+                  <a:srgbClr val="0E00FF"/>
+                </a:solidFill>
+                <a:effectLst/>
+                <a:latin typeface="Menlo"/>
+              </a:rPr>
+              <a:t>...</a:t>
+            </a:r>
+            <a:endParaRPr lang="en-US" sz="1050" b="0" i="0" dirty="0">
+              <a:effectLst/>
+              <a:latin typeface="Menlo"/>
+            </a:endParaRPr>
+          </a:p>
+          <a:p>
+            <a:pPr>
+              <a:buNone/>
+            </a:pPr>
+            <a:r>
+              <a:rPr lang="en-US" sz="1050" b="0" i="0" dirty="0" err="1">
+                <a:effectLst/>
+                <a:latin typeface="Menlo"/>
+              </a:rPr>
+              <a:t>indices_repeated</a:t>
+            </a:r>
+            <a:r>
+              <a:rPr lang="en-US" sz="1050" b="0" i="0" dirty="0">
+                <a:effectLst/>
+                <a:latin typeface="Menlo"/>
+              </a:rPr>
+              <a:t>, </a:t>
+            </a:r>
+            <a:r>
+              <a:rPr lang="en-US" sz="1050" b="0" i="0" dirty="0" err="1">
+                <a:effectLst/>
+                <a:latin typeface="Menlo"/>
+              </a:rPr>
+              <a:t>intersection_points</a:t>
+            </a:r>
+            <a:r>
+              <a:rPr lang="en-US" sz="1050" b="0" i="0" dirty="0">
+                <a:effectLst/>
+                <a:latin typeface="Menlo"/>
+              </a:rPr>
+              <a:t>] = </a:t>
+            </a:r>
+            <a:r>
+              <a:rPr lang="en-US" sz="1050" b="0" i="0" dirty="0">
+                <a:solidFill>
+                  <a:srgbClr val="0E00FF"/>
+                </a:solidFill>
+                <a:effectLst/>
+                <a:latin typeface="Menlo"/>
+              </a:rPr>
+              <a:t>...</a:t>
+            </a:r>
+            <a:endParaRPr lang="en-US" sz="1050" b="0" i="0" dirty="0">
+              <a:effectLst/>
+              <a:latin typeface="Menlo"/>
+            </a:endParaRPr>
+          </a:p>
+          <a:p>
+            <a:pPr>
+              <a:buNone/>
+            </a:pPr>
+            <a:r>
+              <a:rPr lang="en-US" sz="1050" b="0" i="0" dirty="0" err="1">
+                <a:effectLst/>
+                <a:latin typeface="Menlo"/>
+              </a:rPr>
+              <a:t>fcn_VSkel_polytopeFindMinimumEnclosedSphere</a:t>
+            </a:r>
+            <a:r>
+              <a:rPr lang="en-US" sz="1050" b="0" i="0" dirty="0">
+                <a:effectLst/>
+                <a:latin typeface="Menlo"/>
+              </a:rPr>
+              <a:t>(vertices, </a:t>
+            </a:r>
+            <a:r>
+              <a:rPr lang="en-US" sz="1050" b="0" i="0" dirty="0">
+                <a:solidFill>
+                  <a:srgbClr val="0E00FF"/>
+                </a:solidFill>
+                <a:effectLst/>
+                <a:latin typeface="Menlo"/>
+              </a:rPr>
+              <a:t>...</a:t>
+            </a:r>
+            <a:endParaRPr lang="en-US" sz="1050" b="0" i="0" dirty="0">
+              <a:effectLst/>
+              <a:latin typeface="Menlo"/>
+            </a:endParaRPr>
+          </a:p>
+          <a:p>
+            <a:pPr>
+              <a:buNone/>
+            </a:pPr>
+            <a:r>
+              <a:rPr lang="en-US" sz="1050" b="0" i="0" dirty="0" err="1">
+                <a:effectLst/>
+                <a:latin typeface="Menlo"/>
+              </a:rPr>
+              <a:t>sphereRadii</a:t>
+            </a:r>
+            <a:r>
+              <a:rPr lang="en-US" sz="1050" b="0" i="0" dirty="0">
+                <a:effectLst/>
+                <a:latin typeface="Menlo"/>
+              </a:rPr>
+              <a:t>, </a:t>
+            </a:r>
+            <a:r>
+              <a:rPr lang="en-US" sz="1050" b="0" i="0" dirty="0" err="1">
+                <a:effectLst/>
+                <a:latin typeface="Menlo"/>
+              </a:rPr>
+              <a:t>definingEdges</a:t>
+            </a:r>
+            <a:r>
+              <a:rPr lang="en-US" sz="1050" b="0" i="0" dirty="0">
+                <a:effectLst/>
+                <a:latin typeface="Menlo"/>
+              </a:rPr>
+              <a:t>, </a:t>
+            </a:r>
+            <a:r>
+              <a:rPr lang="en-US" sz="1050" b="0" i="0" dirty="0" err="1">
+                <a:effectLst/>
+                <a:latin typeface="Menlo"/>
+              </a:rPr>
+              <a:t>unit_normal_vectors</a:t>
+            </a:r>
+            <a:r>
+              <a:rPr lang="en-US" sz="1050" b="0" i="0" dirty="0">
+                <a:effectLst/>
+                <a:latin typeface="Menlo"/>
+              </a:rPr>
+              <a:t>, </a:t>
+            </a:r>
+            <a:r>
+              <a:rPr lang="en-US" sz="1050" b="0" i="0" dirty="0" err="1">
+                <a:effectLst/>
+                <a:latin typeface="Menlo"/>
+              </a:rPr>
+              <a:t>unit_vertex_projection_vectors</a:t>
+            </a:r>
+            <a:r>
+              <a:rPr lang="en-US" sz="1050" b="0" i="0" dirty="0">
+                <a:effectLst/>
+                <a:latin typeface="Menlo"/>
+              </a:rPr>
+              <a:t>, </a:t>
+            </a:r>
+            <a:r>
+              <a:rPr lang="en-US" sz="1050" b="0" i="0" dirty="0">
+                <a:solidFill>
+                  <a:srgbClr val="0E00FF"/>
+                </a:solidFill>
+                <a:effectLst/>
+                <a:latin typeface="Menlo"/>
+              </a:rPr>
+              <a:t>...</a:t>
+            </a:r>
+            <a:endParaRPr lang="en-US" sz="1050" b="0" i="0" dirty="0">
+              <a:effectLst/>
+              <a:latin typeface="Menlo"/>
+            </a:endParaRPr>
+          </a:p>
+          <a:p>
+            <a:r>
+              <a:rPr lang="en-US" sz="1050" b="0" i="0" dirty="0" err="1">
+                <a:effectLst/>
+                <a:latin typeface="Menlo"/>
+              </a:rPr>
+              <a:t>vector_direction_of_unit_cut</a:t>
+            </a:r>
+            <a:r>
+              <a:rPr lang="en-US" sz="1050" b="0" i="0" dirty="0">
+                <a:effectLst/>
+                <a:latin typeface="Menlo"/>
+              </a:rPr>
+              <a:t>, (</a:t>
+            </a:r>
+            <a:r>
+              <a:rPr lang="en-US" sz="1050" b="0" i="0" dirty="0" err="1">
+                <a:effectLst/>
+                <a:latin typeface="Menlo"/>
+              </a:rPr>
+              <a:t>fig_num</a:t>
+            </a:r>
+            <a:r>
+              <a:rPr lang="en-US" sz="1050" b="0" i="0" dirty="0">
+                <a:effectLst/>
+                <a:latin typeface="Menlo"/>
+              </a:rPr>
+              <a:t>));</a:t>
+            </a:r>
+          </a:p>
+        </p:txBody>
+      </p:sp>
+      <p:pic>
+        <p:nvPicPr>
+          <p:cNvPr id="6" name="Picture 5">
+            <a:extLst>
+              <a:ext uri="{FF2B5EF4-FFF2-40B4-BE49-F238E27FC236}">
+                <a16:creationId xmlns:a16="http://schemas.microsoft.com/office/drawing/2014/main" id="{9840E2B0-5817-342E-5920-86C47E1E17F5}"/>
+              </a:ext>
+            </a:extLst>
+          </p:cNvPr>
+          <p:cNvPicPr>
+            <a:picLocks noChangeAspect="1"/>
+          </p:cNvPicPr>
+          <p:nvPr/>
+        </p:nvPicPr>
+        <p:blipFill>
+          <a:blip r:embed="rId2"/>
+          <a:stretch>
+            <a:fillRect/>
+          </a:stretch>
+        </p:blipFill>
+        <p:spPr>
+          <a:xfrm>
+            <a:off x="7420402" y="1241277"/>
+            <a:ext cx="4394200" cy="3295650"/>
+          </a:xfrm>
+          <a:prstGeom prst="rect">
+            <a:avLst/>
+          </a:prstGeom>
+        </p:spPr>
+      </p:pic>
     </p:spTree>
     <p:extLst>
       <p:ext uri="{BB962C8B-B14F-4D97-AF65-F5344CB8AC3E}">
@@ -16382,7 +16650,7 @@
 </p:sld>
 </file>
 
-<file path=ppt/slides/slide33.xml><?xml version="1.0" encoding="utf-8"?>
+<file path=ppt/slides/slide35.xml><?xml version="1.0" encoding="utf-8"?>
 <p:sld xmlns:a="http://schemas.openxmlformats.org/drawingml/2006/main" xmlns:r="http://schemas.openxmlformats.org/officeDocument/2006/relationships" xmlns:p="http://schemas.openxmlformats.org/presentationml/2006/main">
   <p:cSld>
     <p:spTree>

--- a/Documents/VertexSkeletonClassLibrary.pptx
+++ b/Documents/VertexSkeletonClassLibrary.pptx
@@ -39,7 +39,8 @@
     <p:sldId id="547" r:id="rId33"/>
     <p:sldId id="551" r:id="rId34"/>
     <p:sldId id="548" r:id="rId35"/>
-    <p:sldId id="540" r:id="rId36"/>
+    <p:sldId id="552" r:id="rId36"/>
+    <p:sldId id="540" r:id="rId37"/>
   </p:sldIdLst>
   <p:sldSz cx="12192000" cy="6858000"/>
   <p:notesSz cx="6858000" cy="9144000"/>
@@ -189,6 +190,7 @@
             <p14:sldId id="547"/>
             <p14:sldId id="551"/>
             <p14:sldId id="548"/>
+            <p14:sldId id="552"/>
             <p14:sldId id="540"/>
           </p14:sldIdLst>
         </p14:section>
@@ -356,7 +358,7 @@
           <a:p>
             <a:fld id="{ADCEBF8C-22C0-4323-9BBB-9413232198F8}" type="datetimeFigureOut">
               <a:rPr lang="en-US" smtClean="0"/>
-              <a:t>5/4/2025</a:t>
+              <a:t>5/6/2025</a:t>
             </a:fld>
             <a:endParaRPr lang="en-US"/>
           </a:p>
@@ -554,7 +556,7 @@
           <a:p>
             <a:fld id="{ADCEBF8C-22C0-4323-9BBB-9413232198F8}" type="datetimeFigureOut">
               <a:rPr lang="en-US" smtClean="0"/>
-              <a:t>5/4/2025</a:t>
+              <a:t>5/6/2025</a:t>
             </a:fld>
             <a:endParaRPr lang="en-US"/>
           </a:p>
@@ -762,7 +764,7 @@
           <a:p>
             <a:fld id="{ADCEBF8C-22C0-4323-9BBB-9413232198F8}" type="datetimeFigureOut">
               <a:rPr lang="en-US" smtClean="0"/>
-              <a:t>5/4/2025</a:t>
+              <a:t>5/6/2025</a:t>
             </a:fld>
             <a:endParaRPr lang="en-US"/>
           </a:p>
@@ -960,7 +962,7 @@
           <a:p>
             <a:fld id="{ADCEBF8C-22C0-4323-9BBB-9413232198F8}" type="datetimeFigureOut">
               <a:rPr lang="en-US" smtClean="0"/>
-              <a:t>5/4/2025</a:t>
+              <a:t>5/6/2025</a:t>
             </a:fld>
             <a:endParaRPr lang="en-US"/>
           </a:p>
@@ -1235,7 +1237,7 @@
           <a:p>
             <a:fld id="{ADCEBF8C-22C0-4323-9BBB-9413232198F8}" type="datetimeFigureOut">
               <a:rPr lang="en-US" smtClean="0"/>
-              <a:t>5/4/2025</a:t>
+              <a:t>5/6/2025</a:t>
             </a:fld>
             <a:endParaRPr lang="en-US"/>
           </a:p>
@@ -1500,7 +1502,7 @@
           <a:p>
             <a:fld id="{ADCEBF8C-22C0-4323-9BBB-9413232198F8}" type="datetimeFigureOut">
               <a:rPr lang="en-US" smtClean="0"/>
-              <a:t>5/4/2025</a:t>
+              <a:t>5/6/2025</a:t>
             </a:fld>
             <a:endParaRPr lang="en-US"/>
           </a:p>
@@ -1912,7 +1914,7 @@
           <a:p>
             <a:fld id="{ADCEBF8C-22C0-4323-9BBB-9413232198F8}" type="datetimeFigureOut">
               <a:rPr lang="en-US" smtClean="0"/>
-              <a:t>5/4/2025</a:t>
+              <a:t>5/6/2025</a:t>
             </a:fld>
             <a:endParaRPr lang="en-US"/>
           </a:p>
@@ -2053,7 +2055,7 @@
           <a:p>
             <a:fld id="{ADCEBF8C-22C0-4323-9BBB-9413232198F8}" type="datetimeFigureOut">
               <a:rPr lang="en-US" smtClean="0"/>
-              <a:t>5/4/2025</a:t>
+              <a:t>5/6/2025</a:t>
             </a:fld>
             <a:endParaRPr lang="en-US"/>
           </a:p>
@@ -2166,7 +2168,7 @@
           <a:p>
             <a:fld id="{ADCEBF8C-22C0-4323-9BBB-9413232198F8}" type="datetimeFigureOut">
               <a:rPr lang="en-US" smtClean="0"/>
-              <a:t>5/4/2025</a:t>
+              <a:t>5/6/2025</a:t>
             </a:fld>
             <a:endParaRPr lang="en-US"/>
           </a:p>
@@ -2477,7 +2479,7 @@
           <a:p>
             <a:fld id="{ADCEBF8C-22C0-4323-9BBB-9413232198F8}" type="datetimeFigureOut">
               <a:rPr lang="en-US" smtClean="0"/>
-              <a:t>5/4/2025</a:t>
+              <a:t>5/6/2025</a:t>
             </a:fld>
             <a:endParaRPr lang="en-US"/>
           </a:p>
@@ -2765,7 +2767,7 @@
           <a:p>
             <a:fld id="{ADCEBF8C-22C0-4323-9BBB-9413232198F8}" type="datetimeFigureOut">
               <a:rPr lang="en-US" smtClean="0"/>
-              <a:t>5/4/2025</a:t>
+              <a:t>5/6/2025</a:t>
             </a:fld>
             <a:endParaRPr lang="en-US"/>
           </a:p>
@@ -3006,7 +3008,7 @@
           <a:p>
             <a:fld id="{ADCEBF8C-22C0-4323-9BBB-9413232198F8}" type="datetimeFigureOut">
               <a:rPr lang="en-US" smtClean="0"/>
-              <a:t>5/4/2025</a:t>
+              <a:t>5/6/2025</a:t>
             </a:fld>
             <a:endParaRPr lang="en-US"/>
           </a:p>
@@ -16651,6 +16653,791 @@
 </file>
 
 <file path=ppt/slides/slide35.xml><?xml version="1.0" encoding="utf-8"?>
+<p:sld xmlns:a="http://schemas.openxmlformats.org/drawingml/2006/main" xmlns:r="http://schemas.openxmlformats.org/officeDocument/2006/relationships" xmlns:p="http://schemas.openxmlformats.org/presentationml/2006/main">
+  <p:cSld>
+    <p:spTree>
+      <p:nvGrpSpPr>
+        <p:cNvPr id="1" name="">
+          <a:extLst>
+            <a:ext uri="{FF2B5EF4-FFF2-40B4-BE49-F238E27FC236}">
+              <a16:creationId xmlns:a16="http://schemas.microsoft.com/office/drawing/2014/main" id="{97CF172E-32A5-FA37-F54A-67C8531A8FD7}"/>
+            </a:ext>
+          </a:extLst>
+        </p:cNvPr>
+        <p:cNvGrpSpPr/>
+        <p:nvPr/>
+      </p:nvGrpSpPr>
+      <p:grpSpPr>
+        <a:xfrm>
+          <a:off x="0" y="0"/>
+          <a:ext cx="0" cy="0"/>
+          <a:chOff x="0" y="0"/>
+          <a:chExt cx="0" cy="0"/>
+        </a:xfrm>
+      </p:grpSpPr>
+      <p:sp>
+        <p:nvSpPr>
+          <p:cNvPr id="2" name="Title 1">
+            <a:extLst>
+              <a:ext uri="{FF2B5EF4-FFF2-40B4-BE49-F238E27FC236}">
+                <a16:creationId xmlns:a16="http://schemas.microsoft.com/office/drawing/2014/main" id="{F76E531D-1F94-D823-29AF-038173E1E8D9}"/>
+              </a:ext>
+            </a:extLst>
+          </p:cNvPr>
+          <p:cNvSpPr>
+            <a:spLocks noGrp="1"/>
+          </p:cNvSpPr>
+          <p:nvPr>
+            <p:ph type="title"/>
+          </p:nvPr>
+        </p:nvSpPr>
+        <p:spPr/>
+        <p:txBody>
+          <a:bodyPr>
+            <a:noAutofit/>
+          </a:bodyPr>
+          <a:lstStyle/>
+          <a:p>
+            <a:r>
+              <a:rPr lang="en-US" sz="3600" dirty="0"/>
+              <a:t>Step 4: Merge all the vertices that come together</a:t>
+            </a:r>
+          </a:p>
+        </p:txBody>
+      </p:sp>
+      <p:sp>
+        <p:nvSpPr>
+          <p:cNvPr id="4" name="Content Placeholder 3">
+            <a:extLst>
+              <a:ext uri="{FF2B5EF4-FFF2-40B4-BE49-F238E27FC236}">
+                <a16:creationId xmlns:a16="http://schemas.microsoft.com/office/drawing/2014/main" id="{42832A2E-B849-5A87-7EBB-85ECB8D02C37}"/>
+              </a:ext>
+            </a:extLst>
+          </p:cNvPr>
+          <p:cNvSpPr>
+            <a:spLocks noGrp="1"/>
+          </p:cNvSpPr>
+          <p:nvPr>
+            <p:ph idx="1"/>
+          </p:nvPr>
+        </p:nvSpPr>
+        <p:spPr>
+          <a:xfrm>
+            <a:off x="838200" y="1825625"/>
+            <a:ext cx="4552666" cy="4351338"/>
+          </a:xfrm>
+        </p:spPr>
+        <p:txBody>
+          <a:bodyPr>
+            <a:normAutofit fontScale="92500" lnSpcReduction="10000"/>
+          </a:bodyPr>
+          <a:lstStyle/>
+          <a:p>
+            <a:pPr marL="0" indent="0">
+              <a:buNone/>
+            </a:pPr>
+            <a:r>
+              <a:rPr lang="en-US" sz="2800" dirty="0"/>
+              <a:t>Given a unit vertex projection, </a:t>
+            </a:r>
+            <a:r>
+              <a:rPr lang="en-US" sz="2800" dirty="0" err="1"/>
+              <a:t>v_i</a:t>
+            </a:r>
+            <a:r>
+              <a:rPr lang="en-US" sz="2800" dirty="0"/>
+              <a:t>, this vertex will always be on the centerline of any circle center that is tangent to edges to the right and left, </a:t>
+            </a:r>
+            <a:r>
+              <a:rPr lang="en-US" dirty="0" err="1"/>
+              <a:t>e</a:t>
+            </a:r>
+            <a:r>
+              <a:rPr lang="en-US" sz="2800" dirty="0" err="1"/>
+              <a:t>_i</a:t>
+            </a:r>
+            <a:r>
+              <a:rPr lang="en-US" sz="2800" dirty="0"/>
+              <a:t> and e_i-1. So a projection from another edge must intersect </a:t>
+            </a:r>
+            <a:r>
+              <a:rPr lang="en-US" sz="2800" dirty="0" err="1"/>
+              <a:t>v_j</a:t>
+            </a:r>
+            <a:r>
+              <a:rPr lang="en-US" sz="2800" dirty="0"/>
+              <a:t> such that the orthogonal distance between both are equal. Note that this method works for any dimension (2D, 3D, and maybe 4+ D)</a:t>
+            </a:r>
+            <a:endParaRPr lang="en-US" dirty="0"/>
+          </a:p>
+        </p:txBody>
+      </p:sp>
+      <p:sp>
+        <p:nvSpPr>
+          <p:cNvPr id="3" name="Rectangle 2">
+            <a:extLst>
+              <a:ext uri="{FF2B5EF4-FFF2-40B4-BE49-F238E27FC236}">
+                <a16:creationId xmlns:a16="http://schemas.microsoft.com/office/drawing/2014/main" id="{52BB54A6-F261-A77A-019B-964ABA5CF2A4}"/>
+              </a:ext>
+            </a:extLst>
+          </p:cNvPr>
+          <p:cNvSpPr/>
+          <p:nvPr/>
+        </p:nvSpPr>
+        <p:spPr>
+          <a:xfrm>
+            <a:off x="5187666" y="3952579"/>
+            <a:ext cx="6569962" cy="2677656"/>
+          </a:xfrm>
+          <a:prstGeom prst="rect">
+            <a:avLst/>
+          </a:prstGeom>
+          <a:solidFill>
+            <a:schemeClr val="accent4">
+              <a:lumMod val="20000"/>
+              <a:lumOff val="80000"/>
+            </a:schemeClr>
+          </a:solidFill>
+        </p:spPr>
+        <p:txBody>
+          <a:bodyPr wrap="square" lIns="91440" tIns="45720" rIns="91440" bIns="45720" anchor="t">
+            <a:spAutoFit/>
+          </a:bodyPr>
+          <a:lstStyle/>
+          <a:p>
+            <a:pPr>
+              <a:buNone/>
+            </a:pPr>
+            <a:r>
+              <a:rPr lang="en-US" sz="1050" b="0" i="0" dirty="0" err="1">
+                <a:effectLst/>
+                <a:latin typeface="Menlo"/>
+              </a:rPr>
+              <a:t>fig_num</a:t>
+            </a:r>
+            <a:r>
+              <a:rPr lang="en-US" sz="1050" b="0" i="0" dirty="0">
+                <a:effectLst/>
+                <a:latin typeface="Menlo"/>
+              </a:rPr>
+              <a:t> = 1006; figure(</a:t>
+            </a:r>
+            <a:r>
+              <a:rPr lang="en-US" sz="1050" b="0" i="0" dirty="0" err="1">
+                <a:effectLst/>
+                <a:latin typeface="Menlo"/>
+              </a:rPr>
+              <a:t>fig_num</a:t>
+            </a:r>
+            <a:r>
+              <a:rPr lang="en-US" sz="1050" b="0" i="0" dirty="0">
+                <a:effectLst/>
+                <a:latin typeface="Menlo"/>
+              </a:rPr>
+              <a:t>); </a:t>
+            </a:r>
+            <a:r>
+              <a:rPr lang="en-US" sz="1050" b="0" i="0" dirty="0" err="1">
+                <a:effectLst/>
+                <a:latin typeface="Menlo"/>
+              </a:rPr>
+              <a:t>clf</a:t>
+            </a:r>
+            <a:r>
+              <a:rPr lang="en-US" sz="1050" b="0" i="0" dirty="0">
+                <a:effectLst/>
+                <a:latin typeface="Menlo"/>
+              </a:rPr>
+              <a:t>;</a:t>
+            </a:r>
+          </a:p>
+          <a:p>
+            <a:pPr>
+              <a:buNone/>
+            </a:pPr>
+            <a:endParaRPr lang="en-US" sz="1050" b="0" i="0" dirty="0">
+              <a:effectLst/>
+              <a:latin typeface="Menlo"/>
+            </a:endParaRPr>
+          </a:p>
+          <a:p>
+            <a:pPr>
+              <a:buNone/>
+            </a:pPr>
+            <a:r>
+              <a:rPr lang="en-US" sz="1050" b="0" i="0" dirty="0">
+                <a:solidFill>
+                  <a:srgbClr val="008013"/>
+                </a:solidFill>
+                <a:effectLst/>
+                <a:latin typeface="Menlo"/>
+              </a:rPr>
+              <a:t>% this polytope has a vertical wall</a:t>
+            </a:r>
+            <a:endParaRPr lang="en-US" sz="1050" b="0" i="0" dirty="0">
+              <a:effectLst/>
+              <a:latin typeface="Menlo"/>
+            </a:endParaRPr>
+          </a:p>
+          <a:p>
+            <a:pPr>
+              <a:buNone/>
+            </a:pPr>
+            <a:r>
+              <a:rPr lang="en-US" sz="1050" b="0" i="0" dirty="0">
+                <a:effectLst/>
+                <a:latin typeface="Menlo"/>
+              </a:rPr>
+              <a:t>vertices = [0 0; 3/5 0; 1 1; 7/5 0; 2 0; 1 2; 0 1; 0 0]*5;</a:t>
+            </a:r>
+          </a:p>
+          <a:p>
+            <a:pPr>
+              <a:buNone/>
+            </a:pPr>
+            <a:r>
+              <a:rPr lang="en-US" sz="1050" b="0" i="0" dirty="0">
+                <a:effectLst/>
+                <a:latin typeface="Menlo"/>
+              </a:rPr>
+              <a:t>[</a:t>
+            </a:r>
+            <a:r>
+              <a:rPr lang="en-US" sz="1050" b="0" i="0" dirty="0" err="1">
+                <a:effectLst/>
+                <a:latin typeface="Menlo"/>
+              </a:rPr>
+              <a:t>unit_normal_vectors</a:t>
+            </a:r>
+            <a:r>
+              <a:rPr lang="en-US" sz="1050" b="0" i="0" dirty="0">
+                <a:effectLst/>
+                <a:latin typeface="Menlo"/>
+              </a:rPr>
+              <a:t>, </a:t>
+            </a:r>
+            <a:r>
+              <a:rPr lang="en-US" sz="1050" b="0" i="0" dirty="0" err="1">
+                <a:effectLst/>
+                <a:latin typeface="Menlo"/>
+              </a:rPr>
+              <a:t>unit_vertex_projection_vectors</a:t>
+            </a:r>
+            <a:r>
+              <a:rPr lang="en-US" sz="1050" b="0" i="0" dirty="0">
+                <a:effectLst/>
+                <a:latin typeface="Menlo"/>
+              </a:rPr>
+              <a:t>, </a:t>
+            </a:r>
+            <a:r>
+              <a:rPr lang="en-US" sz="1050" b="0" i="0" dirty="0" err="1">
+                <a:effectLst/>
+                <a:latin typeface="Menlo"/>
+              </a:rPr>
+              <a:t>vector_direction_of_unit_cut</a:t>
+            </a:r>
+            <a:r>
+              <a:rPr lang="en-US" sz="1050" b="0" i="0" dirty="0">
+                <a:effectLst/>
+                <a:latin typeface="Menlo"/>
+              </a:rPr>
+              <a:t>, </a:t>
+            </a:r>
+            <a:r>
+              <a:rPr lang="en-US" sz="1050" b="0" i="0" dirty="0" err="1">
+                <a:effectLst/>
+                <a:latin typeface="Menlo"/>
+              </a:rPr>
+              <a:t>flag_vertexIsNonConvex</a:t>
+            </a:r>
+            <a:r>
+              <a:rPr lang="en-US" sz="1050" b="0" i="0" dirty="0">
+                <a:effectLst/>
+                <a:latin typeface="Menlo"/>
+              </a:rPr>
+              <a:t>] = </a:t>
+            </a:r>
+            <a:r>
+              <a:rPr lang="en-US" sz="1050" b="0" i="0" dirty="0" err="1">
+                <a:effectLst/>
+                <a:latin typeface="Menlo"/>
+              </a:rPr>
+              <a:t>fcn_VSkel_polytopeFindUnitDirectionVectors</a:t>
+            </a:r>
+            <a:r>
+              <a:rPr lang="en-US" sz="1050" b="0" i="0" dirty="0">
+                <a:effectLst/>
+                <a:latin typeface="Menlo"/>
+              </a:rPr>
+              <a:t>(vertices,-1);</a:t>
+            </a:r>
+          </a:p>
+          <a:p>
+            <a:pPr>
+              <a:buNone/>
+            </a:pPr>
+            <a:r>
+              <a:rPr lang="en-US" sz="1050" b="0" i="0" dirty="0" err="1">
+                <a:effectLst/>
+                <a:latin typeface="Menlo"/>
+              </a:rPr>
+              <a:t>max_edge_cuts</a:t>
+            </a:r>
+            <a:r>
+              <a:rPr lang="en-US" sz="1050" b="0" i="0" dirty="0">
+                <a:effectLst/>
+                <a:latin typeface="Menlo"/>
+              </a:rPr>
+              <a:t> = </a:t>
+            </a:r>
+            <a:r>
+              <a:rPr lang="en-US" sz="1050" b="0" i="0" dirty="0" err="1">
+                <a:effectLst/>
+                <a:latin typeface="Menlo"/>
+              </a:rPr>
+              <a:t>fcn_VSkel_polytopeFindMaxEdgeCut</a:t>
+            </a:r>
+            <a:r>
+              <a:rPr lang="en-US" sz="1050" b="0" i="0" dirty="0">
+                <a:effectLst/>
+                <a:latin typeface="Menlo"/>
+              </a:rPr>
+              <a:t>(vertices, </a:t>
+            </a:r>
+            <a:r>
+              <a:rPr lang="en-US" sz="1050" b="0" i="0" dirty="0" err="1">
+                <a:effectLst/>
+                <a:latin typeface="Menlo"/>
+              </a:rPr>
+              <a:t>unit_normal_vectors</a:t>
+            </a:r>
+            <a:r>
+              <a:rPr lang="en-US" sz="1050" b="0" i="0" dirty="0">
+                <a:effectLst/>
+                <a:latin typeface="Menlo"/>
+              </a:rPr>
+              <a:t>, </a:t>
+            </a:r>
+            <a:r>
+              <a:rPr lang="en-US" sz="1050" b="0" i="0" dirty="0" err="1">
+                <a:effectLst/>
+                <a:latin typeface="Menlo"/>
+              </a:rPr>
+              <a:t>unit_vertex_projection_vectors</a:t>
+            </a:r>
+            <a:r>
+              <a:rPr lang="en-US" sz="1050" b="0" i="0" dirty="0">
+                <a:effectLst/>
+                <a:latin typeface="Menlo"/>
+              </a:rPr>
+              <a:t>, (-1));</a:t>
+            </a:r>
+          </a:p>
+          <a:p>
+            <a:pPr>
+              <a:buNone/>
+            </a:pPr>
+            <a:r>
+              <a:rPr lang="en-US" sz="1050" b="0" i="0" dirty="0">
+                <a:effectLst/>
+                <a:latin typeface="Menlo"/>
+              </a:rPr>
+              <a:t>[</a:t>
+            </a:r>
+            <a:r>
+              <a:rPr lang="en-US" sz="1050" b="0" i="0" dirty="0" err="1">
+                <a:effectLst/>
+                <a:latin typeface="Menlo"/>
+              </a:rPr>
+              <a:t>sphereRadii</a:t>
+            </a:r>
+            <a:r>
+              <a:rPr lang="en-US" sz="1050" b="0" i="0" dirty="0">
+                <a:effectLst/>
+                <a:latin typeface="Menlo"/>
+              </a:rPr>
+              <a:t>, </a:t>
+            </a:r>
+            <a:r>
+              <a:rPr lang="en-US" sz="1050" b="0" i="0" dirty="0" err="1">
+                <a:effectLst/>
+                <a:latin typeface="Menlo"/>
+              </a:rPr>
+              <a:t>definingEdges</a:t>
+            </a:r>
+            <a:r>
+              <a:rPr lang="en-US" sz="1050" b="0" i="0" dirty="0">
+                <a:effectLst/>
+                <a:latin typeface="Menlo"/>
+              </a:rPr>
+              <a:t>] = </a:t>
+            </a:r>
+            <a:r>
+              <a:rPr lang="en-US" sz="1050" b="0" i="0" dirty="0" err="1">
+                <a:effectLst/>
+                <a:latin typeface="Menlo"/>
+              </a:rPr>
+              <a:t>fcn_VSkel_polytopeFindEnclosedSpheres</a:t>
+            </a:r>
+            <a:r>
+              <a:rPr lang="en-US" sz="1050" b="0" i="0" dirty="0">
+                <a:effectLst/>
+                <a:latin typeface="Menlo"/>
+              </a:rPr>
+              <a:t>(vertices, </a:t>
+            </a:r>
+            <a:r>
+              <a:rPr lang="en-US" sz="1050" b="0" i="0" dirty="0" err="1">
+                <a:effectLst/>
+                <a:latin typeface="Menlo"/>
+              </a:rPr>
+              <a:t>unit_normal_vectors</a:t>
+            </a:r>
+            <a:r>
+              <a:rPr lang="en-US" sz="1050" b="0" i="0" dirty="0">
+                <a:effectLst/>
+                <a:latin typeface="Menlo"/>
+              </a:rPr>
+              <a:t>, </a:t>
+            </a:r>
+            <a:r>
+              <a:rPr lang="en-US" sz="1050" b="0" i="0" dirty="0" err="1">
+                <a:effectLst/>
+                <a:latin typeface="Menlo"/>
+              </a:rPr>
+              <a:t>unit_vertex_projection_vectors</a:t>
+            </a:r>
+            <a:r>
+              <a:rPr lang="en-US" sz="1050" b="0" i="0" dirty="0">
+                <a:effectLst/>
+                <a:latin typeface="Menlo"/>
+              </a:rPr>
+              <a:t>, </a:t>
+            </a:r>
+            <a:r>
+              <a:rPr lang="en-US" sz="1050" b="0" i="0" dirty="0" err="1">
+                <a:effectLst/>
+                <a:latin typeface="Menlo"/>
+              </a:rPr>
+              <a:t>vector_direction_of_unit_cut</a:t>
+            </a:r>
+            <a:r>
+              <a:rPr lang="en-US" sz="1050" b="0" i="0" dirty="0">
+                <a:effectLst/>
+                <a:latin typeface="Menlo"/>
+              </a:rPr>
+              <a:t>, </a:t>
+            </a:r>
+            <a:r>
+              <a:rPr lang="en-US" sz="1050" b="0" i="0" dirty="0" err="1">
+                <a:effectLst/>
+                <a:latin typeface="Menlo"/>
+              </a:rPr>
+              <a:t>flag_vertexIsNonConvex</a:t>
+            </a:r>
+            <a:r>
+              <a:rPr lang="en-US" sz="1050" b="0" i="0" dirty="0">
+                <a:effectLst/>
+                <a:latin typeface="Menlo"/>
+              </a:rPr>
+              <a:t>, </a:t>
+            </a:r>
+            <a:r>
+              <a:rPr lang="en-US" sz="1050" b="0" i="0" dirty="0" err="1">
+                <a:effectLst/>
+                <a:latin typeface="Menlo"/>
+              </a:rPr>
+              <a:t>max_edge_cuts</a:t>
+            </a:r>
+            <a:r>
+              <a:rPr lang="en-US" sz="1050" b="0" i="0" dirty="0">
+                <a:effectLst/>
+                <a:latin typeface="Menlo"/>
+              </a:rPr>
+              <a:t>, (-1));</a:t>
+            </a:r>
+          </a:p>
+          <a:p>
+            <a:pPr>
+              <a:buNone/>
+            </a:pPr>
+            <a:endParaRPr lang="en-US" sz="1050" b="0" i="0" dirty="0">
+              <a:effectLst/>
+              <a:latin typeface="Menlo"/>
+            </a:endParaRPr>
+          </a:p>
+          <a:p>
+            <a:pPr>
+              <a:buNone/>
+            </a:pPr>
+            <a:r>
+              <a:rPr lang="en-US" sz="1050" b="0" i="0" dirty="0">
+                <a:effectLst/>
+                <a:latin typeface="Menlo"/>
+              </a:rPr>
+              <a:t>[</a:t>
+            </a:r>
+            <a:r>
+              <a:rPr lang="en-US" sz="1050" b="0" i="0" dirty="0" err="1">
+                <a:effectLst/>
+                <a:latin typeface="Menlo"/>
+              </a:rPr>
+              <a:t>min_cut</a:t>
+            </a:r>
+            <a:r>
+              <a:rPr lang="en-US" sz="1050" b="0" i="0" dirty="0">
+                <a:effectLst/>
+                <a:latin typeface="Menlo"/>
+              </a:rPr>
+              <a:t>, </a:t>
+            </a:r>
+            <a:r>
+              <a:rPr lang="en-US" sz="1050" b="0" i="0" dirty="0">
+                <a:solidFill>
+                  <a:srgbClr val="0E00FF"/>
+                </a:solidFill>
+                <a:effectLst/>
+                <a:latin typeface="Menlo"/>
+              </a:rPr>
+              <a:t>...</a:t>
+            </a:r>
+            <a:endParaRPr lang="en-US" sz="1050" b="0" i="0" dirty="0">
+              <a:effectLst/>
+              <a:latin typeface="Menlo"/>
+            </a:endParaRPr>
+          </a:p>
+          <a:p>
+            <a:pPr>
+              <a:buNone/>
+            </a:pPr>
+            <a:r>
+              <a:rPr lang="en-US" sz="1050" b="0" i="0" dirty="0" err="1">
+                <a:effectLst/>
+                <a:latin typeface="Menlo"/>
+              </a:rPr>
+              <a:t>indices_repeated</a:t>
+            </a:r>
+            <a:r>
+              <a:rPr lang="en-US" sz="1050" b="0" i="0" dirty="0">
+                <a:effectLst/>
+                <a:latin typeface="Menlo"/>
+              </a:rPr>
+              <a:t>, </a:t>
+            </a:r>
+            <a:r>
+              <a:rPr lang="en-US" sz="1050" b="0" i="0" dirty="0" err="1">
+                <a:effectLst/>
+                <a:latin typeface="Menlo"/>
+              </a:rPr>
+              <a:t>intersection_points</a:t>
+            </a:r>
+            <a:r>
+              <a:rPr lang="en-US" sz="1050" b="0" i="0" dirty="0">
+                <a:effectLst/>
+                <a:latin typeface="Menlo"/>
+              </a:rPr>
+              <a:t>] = </a:t>
+            </a:r>
+            <a:r>
+              <a:rPr lang="en-US" sz="1050" b="0" i="0" dirty="0">
+                <a:solidFill>
+                  <a:srgbClr val="0E00FF"/>
+                </a:solidFill>
+                <a:effectLst/>
+                <a:latin typeface="Menlo"/>
+              </a:rPr>
+              <a:t>...</a:t>
+            </a:r>
+            <a:endParaRPr lang="en-US" sz="1050" b="0" i="0" dirty="0">
+              <a:effectLst/>
+              <a:latin typeface="Menlo"/>
+            </a:endParaRPr>
+          </a:p>
+          <a:p>
+            <a:pPr>
+              <a:buNone/>
+            </a:pPr>
+            <a:r>
+              <a:rPr lang="en-US" sz="1050" b="0" i="0" dirty="0" err="1">
+                <a:effectLst/>
+                <a:latin typeface="Menlo"/>
+              </a:rPr>
+              <a:t>fcn_VSkel_polytopeFindMinimumEnclosedSphere</a:t>
+            </a:r>
+            <a:r>
+              <a:rPr lang="en-US" sz="1050" b="0" i="0" dirty="0">
+                <a:effectLst/>
+                <a:latin typeface="Menlo"/>
+              </a:rPr>
+              <a:t>(vertices, </a:t>
+            </a:r>
+            <a:r>
+              <a:rPr lang="en-US" sz="1050" b="0" i="0" dirty="0">
+                <a:solidFill>
+                  <a:srgbClr val="0E00FF"/>
+                </a:solidFill>
+                <a:effectLst/>
+                <a:latin typeface="Menlo"/>
+              </a:rPr>
+              <a:t>...</a:t>
+            </a:r>
+            <a:endParaRPr lang="en-US" sz="1050" b="0" i="0" dirty="0">
+              <a:effectLst/>
+              <a:latin typeface="Menlo"/>
+            </a:endParaRPr>
+          </a:p>
+          <a:p>
+            <a:pPr>
+              <a:buNone/>
+            </a:pPr>
+            <a:r>
+              <a:rPr lang="en-US" sz="1050" b="0" i="0" dirty="0" err="1">
+                <a:effectLst/>
+                <a:latin typeface="Menlo"/>
+              </a:rPr>
+              <a:t>sphereRadii</a:t>
+            </a:r>
+            <a:r>
+              <a:rPr lang="en-US" sz="1050" b="0" i="0" dirty="0">
+                <a:effectLst/>
+                <a:latin typeface="Menlo"/>
+              </a:rPr>
+              <a:t>, </a:t>
+            </a:r>
+            <a:r>
+              <a:rPr lang="en-US" sz="1050" b="0" i="0" dirty="0" err="1">
+                <a:effectLst/>
+                <a:latin typeface="Menlo"/>
+              </a:rPr>
+              <a:t>definingEdges</a:t>
+            </a:r>
+            <a:r>
+              <a:rPr lang="en-US" sz="1050" b="0" i="0" dirty="0">
+                <a:effectLst/>
+                <a:latin typeface="Menlo"/>
+              </a:rPr>
+              <a:t>, </a:t>
+            </a:r>
+            <a:r>
+              <a:rPr lang="en-US" sz="1050" b="0" i="0" dirty="0" err="1">
+                <a:effectLst/>
+                <a:latin typeface="Menlo"/>
+              </a:rPr>
+              <a:t>unit_normal_vectors</a:t>
+            </a:r>
+            <a:r>
+              <a:rPr lang="en-US" sz="1050" b="0" i="0" dirty="0">
+                <a:effectLst/>
+                <a:latin typeface="Menlo"/>
+              </a:rPr>
+              <a:t>, </a:t>
+            </a:r>
+            <a:r>
+              <a:rPr lang="en-US" sz="1050" b="0" i="0" dirty="0" err="1">
+                <a:effectLst/>
+                <a:latin typeface="Menlo"/>
+              </a:rPr>
+              <a:t>unit_vertex_projection_vectors</a:t>
+            </a:r>
+            <a:r>
+              <a:rPr lang="en-US" sz="1050" b="0" i="0" dirty="0">
+                <a:effectLst/>
+                <a:latin typeface="Menlo"/>
+              </a:rPr>
+              <a:t>, </a:t>
+            </a:r>
+            <a:r>
+              <a:rPr lang="en-US" sz="1050" b="0" i="0" dirty="0">
+                <a:solidFill>
+                  <a:srgbClr val="0E00FF"/>
+                </a:solidFill>
+                <a:effectLst/>
+                <a:latin typeface="Menlo"/>
+              </a:rPr>
+              <a:t>...</a:t>
+            </a:r>
+            <a:endParaRPr lang="en-US" sz="1050" b="0" i="0" dirty="0">
+              <a:effectLst/>
+              <a:latin typeface="Menlo"/>
+            </a:endParaRPr>
+          </a:p>
+          <a:p>
+            <a:r>
+              <a:rPr lang="en-US" sz="1050" b="0" i="0" dirty="0" err="1">
+                <a:effectLst/>
+                <a:latin typeface="Menlo"/>
+              </a:rPr>
+              <a:t>vector_direction_of_unit_cut</a:t>
+            </a:r>
+            <a:r>
+              <a:rPr lang="en-US" sz="1050" b="0" i="0" dirty="0">
+                <a:effectLst/>
+                <a:latin typeface="Menlo"/>
+              </a:rPr>
+              <a:t>, (</a:t>
+            </a:r>
+            <a:r>
+              <a:rPr lang="en-US" sz="1050" b="0" i="0" dirty="0" err="1">
+                <a:effectLst/>
+                <a:latin typeface="Menlo"/>
+              </a:rPr>
+              <a:t>fig_num</a:t>
+            </a:r>
+            <a:r>
+              <a:rPr lang="en-US" sz="1050" b="0" i="0" dirty="0">
+                <a:effectLst/>
+                <a:latin typeface="Menlo"/>
+              </a:rPr>
+              <a:t>));</a:t>
+            </a:r>
+          </a:p>
+        </p:txBody>
+      </p:sp>
+      <p:pic>
+        <p:nvPicPr>
+          <p:cNvPr id="6" name="Picture 5">
+            <a:extLst>
+              <a:ext uri="{FF2B5EF4-FFF2-40B4-BE49-F238E27FC236}">
+                <a16:creationId xmlns:a16="http://schemas.microsoft.com/office/drawing/2014/main" id="{E7F10906-9F45-C578-E4E6-5D69A329D99E}"/>
+              </a:ext>
+            </a:extLst>
+          </p:cNvPr>
+          <p:cNvPicPr>
+            <a:picLocks noChangeAspect="1"/>
+          </p:cNvPicPr>
+          <p:nvPr/>
+        </p:nvPicPr>
+        <p:blipFill>
+          <a:blip r:embed="rId2"/>
+          <a:stretch>
+            <a:fillRect/>
+          </a:stretch>
+        </p:blipFill>
+        <p:spPr>
+          <a:xfrm>
+            <a:off x="7420402" y="1241277"/>
+            <a:ext cx="4394200" cy="3295650"/>
+          </a:xfrm>
+          <a:prstGeom prst="rect">
+            <a:avLst/>
+          </a:prstGeom>
+        </p:spPr>
+      </p:pic>
+    </p:spTree>
+    <p:extLst>
+      <p:ext uri="{BB962C8B-B14F-4D97-AF65-F5344CB8AC3E}">
+        <p14:creationId xmlns:p14="http://schemas.microsoft.com/office/powerpoint/2010/main" val="225474345"/>
+      </p:ext>
+    </p:extLst>
+  </p:cSld>
+  <p:clrMapOvr>
+    <a:masterClrMapping/>
+  </p:clrMapOvr>
+</p:sld>
+</file>
+
+<file path=ppt/slides/slide36.xml><?xml version="1.0" encoding="utf-8"?>
 <p:sld xmlns:a="http://schemas.openxmlformats.org/drawingml/2006/main" xmlns:r="http://schemas.openxmlformats.org/officeDocument/2006/relationships" xmlns:p="http://schemas.openxmlformats.org/presentationml/2006/main">
   <p:cSld>
     <p:spTree>

--- a/Documents/VertexSkeletonClassLibrary.pptx
+++ b/Documents/VertexSkeletonClassLibrary.pptx
@@ -34,13 +34,19 @@
     <p:sldId id="550" r:id="rId28"/>
     <p:sldId id="538" r:id="rId29"/>
     <p:sldId id="544" r:id="rId30"/>
-    <p:sldId id="549" r:id="rId31"/>
-    <p:sldId id="541" r:id="rId32"/>
-    <p:sldId id="547" r:id="rId33"/>
-    <p:sldId id="551" r:id="rId34"/>
-    <p:sldId id="548" r:id="rId35"/>
-    <p:sldId id="552" r:id="rId36"/>
-    <p:sldId id="540" r:id="rId37"/>
+    <p:sldId id="558" r:id="rId31"/>
+    <p:sldId id="549" r:id="rId32"/>
+    <p:sldId id="541" r:id="rId33"/>
+    <p:sldId id="547" r:id="rId34"/>
+    <p:sldId id="551" r:id="rId35"/>
+    <p:sldId id="548" r:id="rId36"/>
+    <p:sldId id="552" r:id="rId37"/>
+    <p:sldId id="553" r:id="rId38"/>
+    <p:sldId id="554" r:id="rId39"/>
+    <p:sldId id="555" r:id="rId40"/>
+    <p:sldId id="556" r:id="rId41"/>
+    <p:sldId id="557" r:id="rId42"/>
+    <p:sldId id="540" r:id="rId43"/>
   </p:sldIdLst>
   <p:sldSz cx="12192000" cy="6858000"/>
   <p:notesSz cx="6858000" cy="9144000"/>
@@ -185,12 +191,18 @@
             <p14:sldId id="550"/>
             <p14:sldId id="538"/>
             <p14:sldId id="544"/>
+            <p14:sldId id="558"/>
             <p14:sldId id="549"/>
             <p14:sldId id="541"/>
             <p14:sldId id="547"/>
             <p14:sldId id="551"/>
             <p14:sldId id="548"/>
             <p14:sldId id="552"/>
+            <p14:sldId id="553"/>
+            <p14:sldId id="554"/>
+            <p14:sldId id="555"/>
+            <p14:sldId id="556"/>
+            <p14:sldId id="557"/>
             <p14:sldId id="540"/>
           </p14:sldIdLst>
         </p14:section>
@@ -209,6 +221,564 @@
     <p1510:client id="{951D1DCD-C2F6-3274-E915-1D7099145DCA}" v="895" dt="2021-09-10T02:19:31.036"/>
   </p1510:revLst>
 </p1510:revInfo>
+</file>
+
+<file path=ppt/ink/ink1.xml><?xml version="1.0" encoding="utf-8"?>
+<inkml:ink xmlns:inkml="http://www.w3.org/2003/InkML">
+  <inkml:definitions>
+    <inkml:context xml:id="ctx0">
+      <inkml:inkSource xml:id="inkSrc0">
+        <inkml:traceFormat>
+          <inkml:channel name="X" type="integer" min="-2.14748E9" max="2.14748E9" units="cm"/>
+          <inkml:channel name="Y" type="integer" min="-2.14748E9" max="2.14748E9" units="cm"/>
+          <inkml:channel name="F" type="integer" max="32767" units="dev"/>
+        </inkml:traceFormat>
+        <inkml:channelProperties>
+          <inkml:channelProperty channel="X" name="resolution" value="1000" units="1/cm"/>
+          <inkml:channelProperty channel="Y" name="resolution" value="1000" units="1/cm"/>
+          <inkml:channelProperty channel="F" name="resolution" value="0" units="1/dev"/>
+        </inkml:channelProperties>
+      </inkml:inkSource>
+      <inkml:timestamp xml:id="ts0" timeString="2025-05-13T14:48:35.480"/>
+    </inkml:context>
+    <inkml:brush xml:id="br0">
+      <inkml:brushProperty name="width" value="0.035" units="cm"/>
+      <inkml:brushProperty name="height" value="0.035" units="cm"/>
+    </inkml:brush>
+  </inkml:definitions>
+  <inkml:trace contextRef="#ctx0" brushRef="#br0">0 1 23380,'3175'126'0</inkml:trace>
+</inkml:ink>
+</file>
+
+<file path=ppt/ink/ink10.xml><?xml version="1.0" encoding="utf-8"?>
+<inkml:ink xmlns:inkml="http://www.w3.org/2003/InkML">
+  <inkml:definitions>
+    <inkml:context xml:id="ctx0">
+      <inkml:inkSource xml:id="inkSrc0">
+        <inkml:traceFormat>
+          <inkml:channel name="X" type="integer" min="-2.14748E9" max="2.14748E9" units="cm"/>
+          <inkml:channel name="Y" type="integer" min="-2.14748E9" max="2.14748E9" units="cm"/>
+          <inkml:channel name="F" type="integer" max="32767" units="dev"/>
+        </inkml:traceFormat>
+        <inkml:channelProperties>
+          <inkml:channelProperty channel="X" name="resolution" value="1000" units="1/cm"/>
+          <inkml:channelProperty channel="Y" name="resolution" value="1000" units="1/cm"/>
+          <inkml:channelProperty channel="F" name="resolution" value="0" units="1/dev"/>
+        </inkml:channelProperties>
+      </inkml:inkSource>
+      <inkml:timestamp xml:id="ts0" timeString="2025-05-13T15:22:50.370"/>
+    </inkml:context>
+    <inkml:brush xml:id="br0">
+      <inkml:brushProperty name="width" value="0.035" units="cm"/>
+      <inkml:brushProperty name="height" value="0.035" units="cm"/>
+      <inkml:brushProperty name="color" value="#004F8B"/>
+    </inkml:brush>
+  </inkml:definitions>
+  <inkml:trace contextRef="#ctx0" brushRef="#br0">3200 3306 24359,'-3199'-3305'0</inkml:trace>
+</inkml:ink>
+</file>
+
+<file path=ppt/ink/ink11.xml><?xml version="1.0" encoding="utf-8"?>
+<inkml:ink xmlns:inkml="http://www.w3.org/2003/InkML">
+  <inkml:definitions>
+    <inkml:context xml:id="ctx0">
+      <inkml:inkSource xml:id="inkSrc0">
+        <inkml:traceFormat>
+          <inkml:channel name="X" type="integer" min="-2.14748E9" max="2.14748E9" units="cm"/>
+          <inkml:channel name="Y" type="integer" min="-2.14748E9" max="2.14748E9" units="cm"/>
+          <inkml:channel name="F" type="integer" max="32767" units="dev"/>
+        </inkml:traceFormat>
+        <inkml:channelProperties>
+          <inkml:channelProperty channel="X" name="resolution" value="1000" units="1/cm"/>
+          <inkml:channelProperty channel="Y" name="resolution" value="1000" units="1/cm"/>
+          <inkml:channelProperty channel="F" name="resolution" value="0" units="1/dev"/>
+        </inkml:channelProperties>
+      </inkml:inkSource>
+      <inkml:timestamp xml:id="ts0" timeString="2025-05-13T15:22:55.392"/>
+    </inkml:context>
+    <inkml:brush xml:id="br0">
+      <inkml:brushProperty name="width" value="0.035" units="cm"/>
+      <inkml:brushProperty name="height" value="0.035" units="cm"/>
+      <inkml:brushProperty name="color" value="#004F8B"/>
+    </inkml:brush>
+  </inkml:definitions>
+  <inkml:trace contextRef="#ctx0" brushRef="#br0">2212 1 24301,'-2211'271'0</inkml:trace>
+</inkml:ink>
+</file>
+
+<file path=ppt/ink/ink12.xml><?xml version="1.0" encoding="utf-8"?>
+<inkml:ink xmlns:inkml="http://www.w3.org/2003/InkML">
+  <inkml:definitions>
+    <inkml:context xml:id="ctx0">
+      <inkml:inkSource xml:id="inkSrc0">
+        <inkml:traceFormat>
+          <inkml:channel name="X" type="integer" min="-2.14748E9" max="2.14748E9" units="cm"/>
+          <inkml:channel name="Y" type="integer" min="-2.14748E9" max="2.14748E9" units="cm"/>
+          <inkml:channel name="F" type="integer" max="32767" units="dev"/>
+        </inkml:traceFormat>
+        <inkml:channelProperties>
+          <inkml:channelProperty channel="X" name="resolution" value="1000" units="1/cm"/>
+          <inkml:channelProperty channel="Y" name="resolution" value="1000" units="1/cm"/>
+          <inkml:channelProperty channel="F" name="resolution" value="0" units="1/dev"/>
+        </inkml:channelProperties>
+      </inkml:inkSource>
+      <inkml:timestamp xml:id="ts0" timeString="2025-05-13T15:23:11.133"/>
+    </inkml:context>
+    <inkml:brush xml:id="br0">
+      <inkml:brushProperty name="width" value="0.035" units="cm"/>
+      <inkml:brushProperty name="height" value="0.035" units="cm"/>
+      <inkml:brushProperty name="color" value="#004F8B"/>
+    </inkml:brush>
+  </inkml:definitions>
+  <inkml:trace contextRef="#ctx0" brushRef="#br0">1152 1 24058,'-1152'5504'0</inkml:trace>
+</inkml:ink>
+</file>
+
+<file path=ppt/ink/ink13.xml><?xml version="1.0" encoding="utf-8"?>
+<inkml:ink xmlns:inkml="http://www.w3.org/2003/InkML">
+  <inkml:definitions>
+    <inkml:context xml:id="ctx0">
+      <inkml:inkSource xml:id="inkSrc0">
+        <inkml:traceFormat>
+          <inkml:channel name="X" type="integer" min="-2.14748E9" max="2.14748E9" units="cm"/>
+          <inkml:channel name="Y" type="integer" min="-2.14748E9" max="2.14748E9" units="cm"/>
+          <inkml:channel name="F" type="integer" max="32767" units="dev"/>
+        </inkml:traceFormat>
+        <inkml:channelProperties>
+          <inkml:channelProperty channel="X" name="resolution" value="1000" units="1/cm"/>
+          <inkml:channelProperty channel="Y" name="resolution" value="1000" units="1/cm"/>
+          <inkml:channelProperty channel="F" name="resolution" value="0" units="1/dev"/>
+        </inkml:channelProperties>
+      </inkml:inkSource>
+      <inkml:timestamp xml:id="ts0" timeString="2025-05-13T15:23:43.676"/>
+    </inkml:context>
+    <inkml:brush xml:id="br0">
+      <inkml:brushProperty name="width" value="0.035" units="cm"/>
+      <inkml:brushProperty name="height" value="0.035" units="cm"/>
+      <inkml:brushProperty name="color" value="#004F8B"/>
+    </inkml:brush>
+  </inkml:definitions>
+  <inkml:trace contextRef="#ctx0" brushRef="#br0">0 82 23892,'3587'-82'0</inkml:trace>
+</inkml:ink>
+</file>
+
+<file path=ppt/ink/ink14.xml><?xml version="1.0" encoding="utf-8"?>
+<inkml:ink xmlns:inkml="http://www.w3.org/2003/InkML">
+  <inkml:definitions>
+    <inkml:context xml:id="ctx0">
+      <inkml:inkSource xml:id="inkSrc0">
+        <inkml:traceFormat>
+          <inkml:channel name="X" type="integer" min="-2.14748E9" max="2.14748E9" units="cm"/>
+          <inkml:channel name="Y" type="integer" min="-2.14748E9" max="2.14748E9" units="cm"/>
+          <inkml:channel name="F" type="integer" max="32767" units="dev"/>
+        </inkml:traceFormat>
+        <inkml:channelProperties>
+          <inkml:channelProperty channel="X" name="resolution" value="1000" units="1/cm"/>
+          <inkml:channelProperty channel="Y" name="resolution" value="1000" units="1/cm"/>
+          <inkml:channelProperty channel="F" name="resolution" value="0" units="1/dev"/>
+        </inkml:channelProperties>
+      </inkml:inkSource>
+      <inkml:timestamp xml:id="ts0" timeString="2025-05-13T15:24:51.645"/>
+    </inkml:context>
+    <inkml:brush xml:id="br0">
+      <inkml:brushProperty name="width" value="0.035" units="cm"/>
+      <inkml:brushProperty name="height" value="0.035" units="cm"/>
+      <inkml:brushProperty name="color" value="#004F8B"/>
+    </inkml:brush>
+  </inkml:definitions>
+  <inkml:trace contextRef="#ctx0" brushRef="#br0">0 4116 24329,'2387'-4115'0</inkml:trace>
+</inkml:ink>
+</file>
+
+<file path=ppt/ink/ink15.xml><?xml version="1.0" encoding="utf-8"?>
+<inkml:ink xmlns:inkml="http://www.w3.org/2003/InkML">
+  <inkml:definitions>
+    <inkml:context xml:id="ctx0">
+      <inkml:inkSource xml:id="inkSrc0">
+        <inkml:traceFormat>
+          <inkml:channel name="X" type="integer" min="-2.14748E9" max="2.14748E9" units="cm"/>
+          <inkml:channel name="Y" type="integer" min="-2.14748E9" max="2.14748E9" units="cm"/>
+          <inkml:channel name="F" type="integer" max="32767" units="dev"/>
+        </inkml:traceFormat>
+        <inkml:channelProperties>
+          <inkml:channelProperty channel="X" name="resolution" value="1000" units="1/cm"/>
+          <inkml:channelProperty channel="Y" name="resolution" value="1000" units="1/cm"/>
+          <inkml:channelProperty channel="F" name="resolution" value="0" units="1/dev"/>
+        </inkml:channelProperties>
+      </inkml:inkSource>
+      <inkml:timestamp xml:id="ts0" timeString="2025-05-13T15:24:56.918"/>
+    </inkml:context>
+    <inkml:brush xml:id="br0">
+      <inkml:brushProperty name="width" value="0.035" units="cm"/>
+      <inkml:brushProperty name="height" value="0.035" units="cm"/>
+      <inkml:brushProperty name="color" value="#004F8B"/>
+    </inkml:brush>
+  </inkml:definitions>
+  <inkml:trace contextRef="#ctx0" brushRef="#br0">1 142 24140,'1823'-142'0</inkml:trace>
+</inkml:ink>
+</file>
+
+<file path=ppt/ink/ink16.xml><?xml version="1.0" encoding="utf-8"?>
+<inkml:ink xmlns:inkml="http://www.w3.org/2003/InkML">
+  <inkml:definitions>
+    <inkml:context xml:id="ctx0">
+      <inkml:inkSource xml:id="inkSrc0">
+        <inkml:traceFormat>
+          <inkml:channel name="X" type="integer" min="-2.14748E9" max="2.14748E9" units="cm"/>
+          <inkml:channel name="Y" type="integer" min="-2.14748E9" max="2.14748E9" units="cm"/>
+          <inkml:channel name="F" type="integer" max="32767" units="dev"/>
+        </inkml:traceFormat>
+        <inkml:channelProperties>
+          <inkml:channelProperty channel="X" name="resolution" value="1000" units="1/cm"/>
+          <inkml:channelProperty channel="Y" name="resolution" value="1000" units="1/cm"/>
+          <inkml:channelProperty channel="F" name="resolution" value="0" units="1/dev"/>
+        </inkml:channelProperties>
+      </inkml:inkSource>
+      <inkml:timestamp xml:id="ts0" timeString="2025-05-13T15:25:15.360"/>
+    </inkml:context>
+    <inkml:brush xml:id="br0">
+      <inkml:brushProperty name="width" value="0.035" units="cm"/>
+      <inkml:brushProperty name="height" value="0.035" units="cm"/>
+      <inkml:brushProperty name="color" value="#004F8B"/>
+    </inkml:brush>
+  </inkml:definitions>
+  <inkml:trace contextRef="#ctx0" brushRef="#br0">718 0 24284,'-717'2634'0</inkml:trace>
+</inkml:ink>
+</file>
+
+<file path=ppt/ink/ink17.xml><?xml version="1.0" encoding="utf-8"?>
+<inkml:ink xmlns:inkml="http://www.w3.org/2003/InkML">
+  <inkml:definitions>
+    <inkml:context xml:id="ctx0">
+      <inkml:inkSource xml:id="inkSrc0">
+        <inkml:traceFormat>
+          <inkml:channel name="X" type="integer" min="-2.14748E9" max="2.14748E9" units="cm"/>
+          <inkml:channel name="Y" type="integer" min="-2.14748E9" max="2.14748E9" units="cm"/>
+          <inkml:channel name="F" type="integer" max="32767" units="dev"/>
+        </inkml:traceFormat>
+        <inkml:channelProperties>
+          <inkml:channelProperty channel="X" name="resolution" value="1000" units="1/cm"/>
+          <inkml:channelProperty channel="Y" name="resolution" value="1000" units="1/cm"/>
+          <inkml:channelProperty channel="F" name="resolution" value="0" units="1/dev"/>
+        </inkml:channelProperties>
+      </inkml:inkSource>
+      <inkml:timestamp xml:id="ts0" timeString="2025-05-13T15:25:20.839"/>
+    </inkml:context>
+    <inkml:brush xml:id="br0">
+      <inkml:brushProperty name="width" value="0.035" units="cm"/>
+      <inkml:brushProperty name="height" value="0.035" units="cm"/>
+      <inkml:brushProperty name="color" value="#004F8B"/>
+    </inkml:brush>
+  </inkml:definitions>
+  <inkml:trace contextRef="#ctx0" brushRef="#br0">0 706 24415,'1352'-706'0</inkml:trace>
+</inkml:ink>
+</file>
+
+<file path=ppt/ink/ink18.xml><?xml version="1.0" encoding="utf-8"?>
+<inkml:ink xmlns:inkml="http://www.w3.org/2003/InkML">
+  <inkml:definitions>
+    <inkml:context xml:id="ctx0">
+      <inkml:inkSource xml:id="inkSrc0">
+        <inkml:traceFormat>
+          <inkml:channel name="X" type="integer" min="-2.14748E9" max="2.14748E9" units="cm"/>
+          <inkml:channel name="Y" type="integer" min="-2.14748E9" max="2.14748E9" units="cm"/>
+          <inkml:channel name="F" type="integer" max="32767" units="dev"/>
+        </inkml:traceFormat>
+        <inkml:channelProperties>
+          <inkml:channelProperty channel="X" name="resolution" value="1000" units="1/cm"/>
+          <inkml:channelProperty channel="Y" name="resolution" value="1000" units="1/cm"/>
+          <inkml:channelProperty channel="F" name="resolution" value="0" units="1/dev"/>
+        </inkml:channelProperties>
+      </inkml:inkSource>
+      <inkml:timestamp xml:id="ts0" timeString="2025-05-13T15:25:25.378"/>
+    </inkml:context>
+    <inkml:brush xml:id="br0">
+      <inkml:brushProperty name="width" value="0.035" units="cm"/>
+      <inkml:brushProperty name="height" value="0.035" units="cm"/>
+      <inkml:brushProperty name="color" value="#004F8B"/>
+    </inkml:brush>
+  </inkml:definitions>
+  <inkml:trace contextRef="#ctx0" brushRef="#br0">1 1 24357,'1247'3905'0</inkml:trace>
+</inkml:ink>
+</file>
+
+<file path=ppt/ink/ink19.xml><?xml version="1.0" encoding="utf-8"?>
+<inkml:ink xmlns:inkml="http://www.w3.org/2003/InkML">
+  <inkml:definitions>
+    <inkml:context xml:id="ctx0">
+      <inkml:inkSource xml:id="inkSrc0">
+        <inkml:traceFormat>
+          <inkml:channel name="X" type="integer" min="-2.14748E9" max="2.14748E9" units="cm"/>
+          <inkml:channel name="Y" type="integer" min="-2.14748E9" max="2.14748E9" units="cm"/>
+          <inkml:channel name="F" type="integer" max="32767" units="dev"/>
+        </inkml:traceFormat>
+        <inkml:channelProperties>
+          <inkml:channelProperty channel="X" name="resolution" value="1000" units="1/cm"/>
+          <inkml:channelProperty channel="Y" name="resolution" value="1000" units="1/cm"/>
+          <inkml:channelProperty channel="F" name="resolution" value="0" units="1/dev"/>
+        </inkml:channelProperties>
+      </inkml:inkSource>
+      <inkml:timestamp xml:id="ts0" timeString="2025-05-13T15:25:46.274"/>
+    </inkml:context>
+    <inkml:brush xml:id="br0">
+      <inkml:brushProperty name="width" value="0.035" units="cm"/>
+      <inkml:brushProperty name="height" value="0.035" units="cm"/>
+      <inkml:brushProperty name="color" value="#E71224"/>
+    </inkml:brush>
+  </inkml:definitions>
+  <inkml:trace contextRef="#ctx0" brushRef="#br0">83 39 24575,'-2'0'0,"0"1"0,-1-1 0,1 1 0,0-1 0,0 1 0,0 0 0,0 0 0,0 0 0,0 0 0,0 0 0,0 0 0,0 1 0,0-1 0,1 1 0,-1-1 0,1 1 0,-1 0 0,1-1 0,-1 1 0,1 0 0,0 0 0,0 0 0,-1 3 0,0-2 0,1-1 0,0 1 0,0 0 0,0 0 0,0 0 0,1 0 0,-1-1 0,1 1 0,0 0 0,-1 0 0,1 0 0,1 0 0,-1 0 0,0 0 0,1 0 0,-1 0 0,3 4 0,-2-4 0,1-1 0,-1 1 0,1-1 0,0 1 0,0-1 0,0 0 0,0 0 0,0 1 0,1-2 0,-1 1 0,1 0 0,-1 0 0,6 2 0,-3-2 0,1 0 0,-1 0 0,1-1 0,0 1 0,0-1 0,10 0 0,-5-1 0,0 0 0,0-1 0,0 0 0,0 0 0,-1-1 0,1-1 0,13-5 0,-21 7 0,0-1 0,0 0 0,0 0 0,0 1 0,-1-1 0,1-1 0,-1 1 0,1 0 0,-1-1 0,0 1 0,0-1 0,0 0 0,0 0 0,-1 0 0,1 1 0,-1-2 0,1 1 0,-1 0 0,0 0 0,0-4 0,0 3 0,0 0 0,0-1 0,-1 1 0,0 0 0,0 0 0,0 0 0,-1-1 0,1 1 0,-1 0 0,0 0 0,0 0 0,0 0 0,-1 0 0,1 0 0,-5-6 0,4 7 0,0 1 0,0 0 0,0 0 0,-1-1 0,1 2 0,-1-1 0,0 0 0,1 0 0,-1 1 0,0-1 0,0 1 0,0 0 0,0 0 0,0 0 0,0 1 0,0-1 0,-1 1 0,1-1 0,-5 1 0,-2 0 0,-1 0 0,1 1 0,0 0 0,-18 5 0,20-4 0,1 1 0,-1 0 0,1 1 0,0-1 0,0 1 0,0 0 0,1 1 0,-1 0 0,1 0 0,0 0 0,-7 9 0,10-10 0,-1 1 0,1-1 0,-1 1 0,1 0 0,1-1 0,-1 1 0,1 0 0,0 1 0,0-1 0,0 0 0,1 1 0,0-1 0,0 1 0,0-1 0,0 1 0,2 11 0,-1-15 0,1 0 0,-1 0 0,1 0 0,0 0 0,-1 0 0,1 0 0,0 0 0,1 0 0,-1 0 0,0 0 0,0-1 0,1 1 0,-1 0 0,1-1 0,0 1 0,-1-1 0,1 0 0,0 1 0,0-1 0,0 0 0,0 0 0,0 0 0,0-1 0,0 1 0,0 0 0,0-1 0,0 1 0,4 0 0,7 0 0,0 1 0,0-2 0,22-1 0,-24 1 0,-9 0 0,3 0 0,1-1 0,-1 1 0,1-1 0,-1 1 0,1-2 0,7-1 0,-11 2 0,-1 0 0,1 0 0,-1 0 0,0 0 0,1 0 0,-1 0 0,0-1 0,0 1 0,1 0 0,-1-1 0,0 1 0,0 0 0,-1-1 0,1 1 0,0-1 0,0 0 0,-1 1 0,1-1 0,-1 0 0,1 1 0,-1-1 0,0 0 0,0 1 0,1-4 0,-1 2 0,0 1 0,0-1 0,0 1 0,-1 0 0,1-1 0,0 1 0,-1 0 0,1-1 0,-1 1 0,0 0 0,0 0 0,0-1 0,0 1 0,0 0 0,-1 0 0,1 0 0,0 0 0,-1 1 0,0-1 0,-2-2 0,3 3 0,0 0 0,-1 1 0,1-1 0,0 0 0,-1 1 0,1-1 0,-1 1 0,1 0 0,-1-1 0,1 1 0,-1 0 0,0 0 0,1 0 0,-1 0 0,1 0 0,-1 0 0,1 0 0,-1 1 0,1-1 0,-1 1 0,1-1 0,-1 1 0,1-1 0,0 1 0,-1 0 0,1 0 0,0 0 0,-1-1 0,1 1 0,0 1 0,0-1 0,-1 1 0,-2 2 0,0 0 0,1 0 0,0 0 0,-1 1 0,2 0 0,-1-1 0,0 1 0,1 0 0,0 0 0,-3 10 0,5-13 0,-1-1 0,1 1 0,0-1 0,0 1 0,-1 0 0,1-1 0,0 1 0,0-1 0,1 1 0,-1 0 0,0-1 0,0 1 0,1-1 0,-1 1 0,1-1 0,0 1 0,-1-1 0,1 1 0,0-1 0,0 1 0,0-1 0,0 0 0,0 0 0,0 1 0,0-1 0,0 0 0,0 0 0,1 0 0,-1 0 0,0 0 0,1-1 0,-1 1 0,0 0 0,1-1 0,0 1 0,-1-1 0,1 1 0,-1-1 0,1 0 0,1 1 0,8 0 0,0 1 0,0-2 0,13 0 0,-20 0 0,0 0 0,1 0 0,-1-1 0,1 0 0,-1 0 0,0 0 0,1-1 0,-1 1 0,0-1 0,5-3 0,-7 4 0,-1 0 0,0-1 0,0 1 0,0-1 0,0 1 0,0-1 0,0 0 0,0 1 0,0-1 0,0 0 0,-1 1 0,1-1 0,-1 0 0,1 0 0,-1 0 0,0 1 0,0-1 0,0 0 0,0 0 0,0 0 0,0 0 0,0 0 0,-1 1 0,1-1 0,-1 0 0,1 0 0,-1 0 0,-1-2 0,1 2 0,1 1 0,-1-1 0,0 1 0,1-1 0,-1 1 0,0-1 0,0 1 0,0 0 0,0 0 0,0-1 0,-1 1 0,1 0 0,0 0 0,0 0 0,-1 0 0,1 0 0,-1 0 0,1 1 0,-1-1 0,1 0 0,-1 1 0,1-1 0,-1 1 0,0 0 0,1-1 0,-1 1 0,0 0 0,1 0 0,-1 0 0,1 0 0,-1 0 0,-2 1 0,3 0 18,-1-1 0,1 1 0,-1 0 0,1 0 0,-1 0 0,1 0 0,0 0 0,0 1 0,-1-1 0,1 0 0,0 1 0,0-1 0,0 0 0,0 1 0,0-1 0,1 1 0,-1 0 0,-1 2 0,-5 32-1725,5-17-5119</inkml:trace>
+</inkml:ink>
+</file>
+
+<file path=ppt/ink/ink2.xml><?xml version="1.0" encoding="utf-8"?>
+<inkml:ink xmlns:inkml="http://www.w3.org/2003/InkML">
+  <inkml:definitions>
+    <inkml:context xml:id="ctx0">
+      <inkml:inkSource xml:id="inkSrc0">
+        <inkml:traceFormat>
+          <inkml:channel name="X" type="integer" min="-2.14748E9" max="2.14748E9" units="cm"/>
+          <inkml:channel name="Y" type="integer" min="-2.14748E9" max="2.14748E9" units="cm"/>
+          <inkml:channel name="F" type="integer" max="32767" units="dev"/>
+        </inkml:traceFormat>
+        <inkml:channelProperties>
+          <inkml:channelProperty channel="X" name="resolution" value="1000" units="1/cm"/>
+          <inkml:channelProperty channel="Y" name="resolution" value="1000" units="1/cm"/>
+          <inkml:channelProperty channel="F" name="resolution" value="0" units="1/dev"/>
+        </inkml:channelProperties>
+      </inkml:inkSource>
+      <inkml:timestamp xml:id="ts0" timeString="2025-05-13T14:56:03.286"/>
+    </inkml:context>
+    <inkml:brush xml:id="br0">
+      <inkml:brushProperty name="width" value="0.035" units="cm"/>
+      <inkml:brushProperty name="height" value="0.035" units="cm"/>
+      <inkml:brushProperty name="color" value="#E71224"/>
+    </inkml:brush>
+  </inkml:definitions>
+  <inkml:trace contextRef="#ctx0" brushRef="#br0">0 1 24575,'0'0'-8191</inkml:trace>
+</inkml:ink>
+</file>
+
+<file path=ppt/ink/ink20.xml><?xml version="1.0" encoding="utf-8"?>
+<inkml:ink xmlns:inkml="http://www.w3.org/2003/InkML">
+  <inkml:definitions>
+    <inkml:context xml:id="ctx0">
+      <inkml:inkSource xml:id="inkSrc0">
+        <inkml:traceFormat>
+          <inkml:channel name="X" type="integer" min="-2.14748E9" max="2.14748E9" units="cm"/>
+          <inkml:channel name="Y" type="integer" min="-2.14748E9" max="2.14748E9" units="cm"/>
+          <inkml:channel name="F" type="integer" max="32767" units="dev"/>
+        </inkml:traceFormat>
+        <inkml:channelProperties>
+          <inkml:channelProperty channel="X" name="resolution" value="1000" units="1/cm"/>
+          <inkml:channelProperty channel="Y" name="resolution" value="1000" units="1/cm"/>
+          <inkml:channelProperty channel="F" name="resolution" value="0" units="1/dev"/>
+        </inkml:channelProperties>
+      </inkml:inkSource>
+      <inkml:timestamp xml:id="ts0" timeString="2025-05-13T15:25:48.595"/>
+    </inkml:context>
+    <inkml:brush xml:id="br0">
+      <inkml:brushProperty name="width" value="0.035" units="cm"/>
+      <inkml:brushProperty name="height" value="0.035" units="cm"/>
+      <inkml:brushProperty name="color" value="#E71224"/>
+    </inkml:brush>
+  </inkml:definitions>
+  <inkml:trace contextRef="#ctx0" brushRef="#br0">219 91 24575,'-6'-1'0,"0"2"0,0-1 0,0 1 0,0-1 0,0 2 0,1-1 0,-1 1 0,-7 3 0,10-4 0,0 1 0,0 0 0,0 0 0,1 0 0,-1 0 0,1 0 0,-1 0 0,1 1 0,0-1 0,0 1 0,0 0 0,1 0 0,-1 0 0,0 0 0,1 0 0,-2 4 0,3-5 0,-1-1 0,1 0 0,-1 1 0,1-1 0,0 1 0,0-1 0,-1 1 0,1-1 0,0 0 0,0 1 0,1-1 0,-1 1 0,0-1 0,0 1 0,1-1 0,-1 0 0,1 1 0,-1-1 0,1 0 0,-1 1 0,3 1 0,-2-1 0,1 0 0,-1-1 0,1 1 0,0-1 0,0 0 0,0 1 0,0-1 0,0 0 0,0 0 0,0 0 0,0-1 0,0 1 0,3 0 0,-1 0 0,0 0 0,1 0 0,0-1 0,-1 0 0,1 0 0,-1 0 0,1 0 0,-1-1 0,1 0 0,-1 1 0,1-2 0,-1 1 0,8-4 0,-7 1 0,0 1 0,-1-2 0,0 1 0,0 0 0,0-1 0,0 0 0,-1 0 0,0 0 0,0 0 0,0 0 0,0-1 0,2-9 0,-2 8 0,-1-1 0,0 1 0,0-1 0,0 0 0,-1 0 0,-1 0 0,1 0 0,-2-15 0,0 21 0,1 0 0,-1 0 0,1 1 0,-1-1 0,1 1 0,-1-1 0,0 1 0,0-1 0,0 1 0,0-1 0,0 1 0,0-1 0,0 1 0,0 0 0,-1 0 0,1 0 0,0 0 0,-1 0 0,1 0 0,-1 0 0,1 0 0,-1 0 0,1 1 0,-1-1 0,0 1 0,1-1 0,-1 1 0,0 0 0,0-1 0,1 1 0,-1 0 0,0 0 0,1 0 0,-3 1 0,-3-1 0,1 1 0,0 0 0,-1 0 0,1 1 0,0 0 0,0 0 0,0 0 0,-7 5 0,-6 4 0,1 0 0,1 2 0,0 0 0,-22 22 0,32-28 0,1 0 0,-1 0 0,1 1 0,1 0 0,0 0 0,0 0 0,0 1 0,1 0 0,0-1 0,1 1 0,0 1 0,-2 13 0,4-20 0,1 1 0,0-1 0,0 1 0,1-1 0,-1 1 0,1-1 0,-1 1 0,1-1 0,0 0 0,0 0 0,1 1 0,-1-1 0,1 0 0,-1 0 0,1 0 0,0 0 0,0-1 0,1 1 0,-1 0 0,0-1 0,1 1 0,0-1 0,4 3 0,-4-3 0,1 0 0,-1 1 0,1-2 0,0 1 0,0 0 0,0-1 0,0 0 0,0 0 0,0 0 0,0 0 0,1-1 0,-1 1 0,0-1 0,0 0 0,0-1 0,1 1 0,-1-1 0,0 1 0,5-3 0,-7 2 0,0 0 0,0 0 0,0 0 0,-1 0 0,1-1 0,0 1 0,0-1 0,-1 0 0,1 1 0,-1-1 0,0 0 0,1 0 0,-1 0 0,0 0 0,0 0 0,0 0 0,0 0 0,0 0 0,-1 0 0,1 0 0,-1-1 0,1 1 0,-1-4 0,1-8 0,0 1 0,-3-26 0,1 21 0,-3-12 0,-2 16 0,5 14 0,1-1 0,0 1 0,0 0 0,-1-1 0,1 1 0,0 0 0,-1 0 0,1 0 0,0-1 0,-1 1 0,1 0 0,-1 0 0,1 0 0,0 0 0,-1 0 0,1 0 0,-1 0 0,1-1 0,0 1 0,-1 0 0,1 0 0,0 1 0,-1-1 0,1 0 0,-1 0 0,1 0 0,0 0 0,-1 0 0,0 0 0,0 1 0,0 0 0,0 0 0,0 0 0,-1 0 0,1 1 0,0-1 0,0 0 0,1 0 0,-1 1 0,0-1 0,0 0 0,1 1 0,-1-1 0,1 1 0,-1-1 0,1 0 0,-1 1 0,1-1 0,0 1 0,0 0 0,0-1 0,0 1 0,0 1 0,0 2 0,0-1 0,1 1 0,-1-1 0,1 1 0,0-1 0,3 8 0,-3-10 0,0 0 0,0 0 0,0 0 0,0 0 0,1 0 0,-1 0 0,1 0 0,-1-1 0,1 1 0,0 0 0,0-1 0,-1 0 0,1 1 0,0-1 0,0 0 0,1 0 0,-1 0 0,3 1 0,-3-2 0,-1 0 0,0 0 0,1 0 0,-1 0 0,0 0 0,0 0 0,1 0 0,-1 0 0,0 0 0,1 0 0,-1-1 0,0 1 0,0-1 0,0 1 0,1-1 0,-1 1 0,0-1 0,0 0 0,0 0 0,0 1 0,0-1 0,0 0 0,0 0 0,0 0 0,-1 0 0,1 0 0,0 0 0,0 0 0,-1 0 0,1-1 0,-1 1 0,1 0 0,0-2 0,0 0-68,0 0 0,0 0-1,0 0 1,0 0 0,0-1 0,-1 1-1,0 0 1,1 0 0,-1 0 0,0 0-1,-1-1 1,1 1 0,-1 0 0,1 0-1,-1 0 1,0 0 0,0 0-1,0 0 1,-2-3 0,-5-4-6758</inkml:trace>
+</inkml:ink>
+</file>
+
+<file path=ppt/ink/ink3.xml><?xml version="1.0" encoding="utf-8"?>
+<inkml:ink xmlns:inkml="http://www.w3.org/2003/InkML">
+  <inkml:definitions>
+    <inkml:context xml:id="ctx0">
+      <inkml:inkSource xml:id="inkSrc0">
+        <inkml:traceFormat>
+          <inkml:channel name="X" type="integer" min="-2.14748E9" max="2.14748E9" units="cm"/>
+          <inkml:channel name="Y" type="integer" min="-2.14748E9" max="2.14748E9" units="cm"/>
+          <inkml:channel name="F" type="integer" max="32767" units="dev"/>
+        </inkml:traceFormat>
+        <inkml:channelProperties>
+          <inkml:channelProperty channel="X" name="resolution" value="1000" units="1/cm"/>
+          <inkml:channelProperty channel="Y" name="resolution" value="1000" units="1/cm"/>
+          <inkml:channelProperty channel="F" name="resolution" value="0" units="1/dev"/>
+        </inkml:channelProperties>
+      </inkml:inkSource>
+      <inkml:timestamp xml:id="ts0" timeString="2025-05-13T14:56:48.998"/>
+    </inkml:context>
+    <inkml:brush xml:id="br0">
+      <inkml:brushProperty name="width" value="0.035" units="cm"/>
+      <inkml:brushProperty name="height" value="0.035" units="cm"/>
+      <inkml:brushProperty name="color" value="#004F8B"/>
+    </inkml:brush>
+  </inkml:definitions>
+  <inkml:trace contextRef="#ctx0" brushRef="#br0">1 0 24404,'753'4880'0</inkml:trace>
+</inkml:ink>
+</file>
+
+<file path=ppt/ink/ink4.xml><?xml version="1.0" encoding="utf-8"?>
+<inkml:ink xmlns:inkml="http://www.w3.org/2003/InkML">
+  <inkml:definitions>
+    <inkml:context xml:id="ctx0">
+      <inkml:inkSource xml:id="inkSrc0">
+        <inkml:traceFormat>
+          <inkml:channel name="X" type="integer" min="-2.14748E9" max="2.14748E9" units="cm"/>
+          <inkml:channel name="Y" type="integer" min="-2.14748E9" max="2.14748E9" units="cm"/>
+          <inkml:channel name="F" type="integer" max="32767" units="dev"/>
+        </inkml:traceFormat>
+        <inkml:channelProperties>
+          <inkml:channelProperty channel="X" name="resolution" value="1000" units="1/cm"/>
+          <inkml:channelProperty channel="Y" name="resolution" value="1000" units="1/cm"/>
+          <inkml:channelProperty channel="F" name="resolution" value="0" units="1/dev"/>
+        </inkml:channelProperties>
+      </inkml:inkSource>
+      <inkml:timestamp xml:id="ts0" timeString="2025-05-13T14:56:42.613"/>
+    </inkml:context>
+    <inkml:brush xml:id="br0">
+      <inkml:brushProperty name="width" value="0.035" units="cm"/>
+      <inkml:brushProperty name="height" value="0.035" units="cm"/>
+      <inkml:brushProperty name="color" value="#004F8B"/>
+    </inkml:brush>
+  </inkml:definitions>
+  <inkml:trace contextRef="#ctx0" brushRef="#br0">0 682 24214,'4128'-681'0</inkml:trace>
+</inkml:ink>
+</file>
+
+<file path=ppt/ink/ink5.xml><?xml version="1.0" encoding="utf-8"?>
+<inkml:ink xmlns:inkml="http://www.w3.org/2003/InkML">
+  <inkml:definitions>
+    <inkml:context xml:id="ctx0">
+      <inkml:inkSource xml:id="inkSrc0">
+        <inkml:traceFormat>
+          <inkml:channel name="X" type="integer" min="-2.14748E9" max="2.14748E9" units="cm"/>
+          <inkml:channel name="Y" type="integer" min="-2.14748E9" max="2.14748E9" units="cm"/>
+          <inkml:channel name="F" type="integer" max="32767" units="dev"/>
+        </inkml:traceFormat>
+        <inkml:channelProperties>
+          <inkml:channelProperty channel="X" name="resolution" value="1000" units="1/cm"/>
+          <inkml:channelProperty channel="Y" name="resolution" value="1000" units="1/cm"/>
+          <inkml:channelProperty channel="F" name="resolution" value="0" units="1/dev"/>
+        </inkml:channelProperties>
+      </inkml:inkSource>
+      <inkml:timestamp xml:id="ts0" timeString="2025-05-13T14:48:35.480"/>
+    </inkml:context>
+    <inkml:brush xml:id="br0">
+      <inkml:brushProperty name="width" value="0.035" units="cm"/>
+      <inkml:brushProperty name="height" value="0.035" units="cm"/>
+    </inkml:brush>
+  </inkml:definitions>
+  <inkml:trace contextRef="#ctx0" brushRef="#br0">0 1 23380,'3175'126'0</inkml:trace>
+</inkml:ink>
+</file>
+
+<file path=ppt/ink/ink6.xml><?xml version="1.0" encoding="utf-8"?>
+<inkml:ink xmlns:inkml="http://www.w3.org/2003/InkML">
+  <inkml:definitions>
+    <inkml:context xml:id="ctx0">
+      <inkml:inkSource xml:id="inkSrc0">
+        <inkml:traceFormat>
+          <inkml:channel name="X" type="integer" min="-2.14748E9" max="2.14748E9" units="cm"/>
+          <inkml:channel name="Y" type="integer" min="-2.14748E9" max="2.14748E9" units="cm"/>
+          <inkml:channel name="F" type="integer" max="32767" units="dev"/>
+        </inkml:traceFormat>
+        <inkml:channelProperties>
+          <inkml:channelProperty channel="X" name="resolution" value="1000" units="1/cm"/>
+          <inkml:channelProperty channel="Y" name="resolution" value="1000" units="1/cm"/>
+          <inkml:channelProperty channel="F" name="resolution" value="0" units="1/dev"/>
+        </inkml:channelProperties>
+      </inkml:inkSource>
+      <inkml:timestamp xml:id="ts0" timeString="2025-05-13T14:56:03.286"/>
+    </inkml:context>
+    <inkml:brush xml:id="br0">
+      <inkml:brushProperty name="width" value="0.035" units="cm"/>
+      <inkml:brushProperty name="height" value="0.035" units="cm"/>
+      <inkml:brushProperty name="color" value="#E71224"/>
+    </inkml:brush>
+  </inkml:definitions>
+  <inkml:trace contextRef="#ctx0" brushRef="#br0">0 1 24575,'0'0'-8191</inkml:trace>
+</inkml:ink>
+</file>
+
+<file path=ppt/ink/ink7.xml><?xml version="1.0" encoding="utf-8"?>
+<inkml:ink xmlns:inkml="http://www.w3.org/2003/InkML">
+  <inkml:definitions>
+    <inkml:context xml:id="ctx0">
+      <inkml:inkSource xml:id="inkSrc0">
+        <inkml:traceFormat>
+          <inkml:channel name="X" type="integer" min="-2.14748E9" max="2.14748E9" units="cm"/>
+          <inkml:channel name="Y" type="integer" min="-2.14748E9" max="2.14748E9" units="cm"/>
+          <inkml:channel name="F" type="integer" max="32767" units="dev"/>
+        </inkml:traceFormat>
+        <inkml:channelProperties>
+          <inkml:channelProperty channel="X" name="resolution" value="1000" units="1/cm"/>
+          <inkml:channelProperty channel="Y" name="resolution" value="1000" units="1/cm"/>
+          <inkml:channelProperty channel="F" name="resolution" value="0" units="1/dev"/>
+        </inkml:channelProperties>
+      </inkml:inkSource>
+      <inkml:timestamp xml:id="ts0" timeString="2025-05-13T14:56:48.998"/>
+    </inkml:context>
+    <inkml:brush xml:id="br0">
+      <inkml:brushProperty name="width" value="0.035" units="cm"/>
+      <inkml:brushProperty name="height" value="0.035" units="cm"/>
+      <inkml:brushProperty name="color" value="#004F8B"/>
+    </inkml:brush>
+  </inkml:definitions>
+  <inkml:trace contextRef="#ctx0" brushRef="#br0">1 0 24404,'753'4880'0</inkml:trace>
+</inkml:ink>
+</file>
+
+<file path=ppt/ink/ink8.xml><?xml version="1.0" encoding="utf-8"?>
+<inkml:ink xmlns:inkml="http://www.w3.org/2003/InkML">
+  <inkml:definitions>
+    <inkml:context xml:id="ctx0">
+      <inkml:inkSource xml:id="inkSrc0">
+        <inkml:traceFormat>
+          <inkml:channel name="X" type="integer" min="-2.14748E9" max="2.14748E9" units="cm"/>
+          <inkml:channel name="Y" type="integer" min="-2.14748E9" max="2.14748E9" units="cm"/>
+          <inkml:channel name="F" type="integer" max="32767" units="dev"/>
+        </inkml:traceFormat>
+        <inkml:channelProperties>
+          <inkml:channelProperty channel="X" name="resolution" value="1000" units="1/cm"/>
+          <inkml:channelProperty channel="Y" name="resolution" value="1000" units="1/cm"/>
+          <inkml:channelProperty channel="F" name="resolution" value="0" units="1/dev"/>
+        </inkml:channelProperties>
+      </inkml:inkSource>
+      <inkml:timestamp xml:id="ts0" timeString="2025-05-13T14:56:42.613"/>
+    </inkml:context>
+    <inkml:brush xml:id="br0">
+      <inkml:brushProperty name="width" value="0.035" units="cm"/>
+      <inkml:brushProperty name="height" value="0.035" units="cm"/>
+      <inkml:brushProperty name="color" value="#004F8B"/>
+    </inkml:brush>
+  </inkml:definitions>
+  <inkml:trace contextRef="#ctx0" brushRef="#br0">0 682 24214,'4128'-681'0</inkml:trace>
+</inkml:ink>
+</file>
+
+<file path=ppt/ink/ink9.xml><?xml version="1.0" encoding="utf-8"?>
+<inkml:ink xmlns:inkml="http://www.w3.org/2003/InkML">
+  <inkml:definitions>
+    <inkml:context xml:id="ctx0">
+      <inkml:inkSource xml:id="inkSrc0">
+        <inkml:traceFormat>
+          <inkml:channel name="X" type="integer" min="-2.14748E9" max="2.14748E9" units="cm"/>
+          <inkml:channel name="Y" type="integer" min="-2.14748E9" max="2.14748E9" units="cm"/>
+          <inkml:channel name="F" type="integer" max="32767" units="dev"/>
+        </inkml:traceFormat>
+        <inkml:channelProperties>
+          <inkml:channelProperty channel="X" name="resolution" value="1000" units="1/cm"/>
+          <inkml:channelProperty channel="Y" name="resolution" value="1000" units="1/cm"/>
+          <inkml:channelProperty channel="F" name="resolution" value="0" units="1/dev"/>
+        </inkml:channelProperties>
+      </inkml:inkSource>
+      <inkml:timestamp xml:id="ts0" timeString="2025-05-13T15:22:46.164"/>
+    </inkml:context>
+    <inkml:brush xml:id="br0">
+      <inkml:brushProperty name="width" value="0.035" units="cm"/>
+      <inkml:brushProperty name="height" value="0.035" units="cm"/>
+      <inkml:brushProperty name="color" value="#004F8B"/>
+    </inkml:brush>
+  </inkml:definitions>
+  <inkml:trace contextRef="#ctx0" brushRef="#br0">1000 0 24392,'-999'3846'0</inkml:trace>
+</inkml:ink>
 </file>
 
 <file path=ppt/slideLayouts/slideLayout1.xml><?xml version="1.0" encoding="utf-8"?>
@@ -358,7 +928,7 @@
           <a:p>
             <a:fld id="{ADCEBF8C-22C0-4323-9BBB-9413232198F8}" type="datetimeFigureOut">
               <a:rPr lang="en-US" smtClean="0"/>
-              <a:t>5/6/2025</a:t>
+              <a:t>5/13/2025</a:t>
             </a:fld>
             <a:endParaRPr lang="en-US"/>
           </a:p>
@@ -556,7 +1126,7 @@
           <a:p>
             <a:fld id="{ADCEBF8C-22C0-4323-9BBB-9413232198F8}" type="datetimeFigureOut">
               <a:rPr lang="en-US" smtClean="0"/>
-              <a:t>5/6/2025</a:t>
+              <a:t>5/13/2025</a:t>
             </a:fld>
             <a:endParaRPr lang="en-US"/>
           </a:p>
@@ -764,7 +1334,7 @@
           <a:p>
             <a:fld id="{ADCEBF8C-22C0-4323-9BBB-9413232198F8}" type="datetimeFigureOut">
               <a:rPr lang="en-US" smtClean="0"/>
-              <a:t>5/6/2025</a:t>
+              <a:t>5/13/2025</a:t>
             </a:fld>
             <a:endParaRPr lang="en-US"/>
           </a:p>
@@ -962,7 +1532,7 @@
           <a:p>
             <a:fld id="{ADCEBF8C-22C0-4323-9BBB-9413232198F8}" type="datetimeFigureOut">
               <a:rPr lang="en-US" smtClean="0"/>
-              <a:t>5/6/2025</a:t>
+              <a:t>5/13/2025</a:t>
             </a:fld>
             <a:endParaRPr lang="en-US"/>
           </a:p>
@@ -1237,7 +1807,7 @@
           <a:p>
             <a:fld id="{ADCEBF8C-22C0-4323-9BBB-9413232198F8}" type="datetimeFigureOut">
               <a:rPr lang="en-US" smtClean="0"/>
-              <a:t>5/6/2025</a:t>
+              <a:t>5/13/2025</a:t>
             </a:fld>
             <a:endParaRPr lang="en-US"/>
           </a:p>
@@ -1502,7 +2072,7 @@
           <a:p>
             <a:fld id="{ADCEBF8C-22C0-4323-9BBB-9413232198F8}" type="datetimeFigureOut">
               <a:rPr lang="en-US" smtClean="0"/>
-              <a:t>5/6/2025</a:t>
+              <a:t>5/13/2025</a:t>
             </a:fld>
             <a:endParaRPr lang="en-US"/>
           </a:p>
@@ -1914,7 +2484,7 @@
           <a:p>
             <a:fld id="{ADCEBF8C-22C0-4323-9BBB-9413232198F8}" type="datetimeFigureOut">
               <a:rPr lang="en-US" smtClean="0"/>
-              <a:t>5/6/2025</a:t>
+              <a:t>5/13/2025</a:t>
             </a:fld>
             <a:endParaRPr lang="en-US"/>
           </a:p>
@@ -2055,7 +2625,7 @@
           <a:p>
             <a:fld id="{ADCEBF8C-22C0-4323-9BBB-9413232198F8}" type="datetimeFigureOut">
               <a:rPr lang="en-US" smtClean="0"/>
-              <a:t>5/6/2025</a:t>
+              <a:t>5/13/2025</a:t>
             </a:fld>
             <a:endParaRPr lang="en-US"/>
           </a:p>
@@ -2168,7 +2738,7 @@
           <a:p>
             <a:fld id="{ADCEBF8C-22C0-4323-9BBB-9413232198F8}" type="datetimeFigureOut">
               <a:rPr lang="en-US" smtClean="0"/>
-              <a:t>5/6/2025</a:t>
+              <a:t>5/13/2025</a:t>
             </a:fld>
             <a:endParaRPr lang="en-US"/>
           </a:p>
@@ -2479,7 +3049,7 @@
           <a:p>
             <a:fld id="{ADCEBF8C-22C0-4323-9BBB-9413232198F8}" type="datetimeFigureOut">
               <a:rPr lang="en-US" smtClean="0"/>
-              <a:t>5/6/2025</a:t>
+              <a:t>5/13/2025</a:t>
             </a:fld>
             <a:endParaRPr lang="en-US"/>
           </a:p>
@@ -2767,7 +3337,7 @@
           <a:p>
             <a:fld id="{ADCEBF8C-22C0-4323-9BBB-9413232198F8}" type="datetimeFigureOut">
               <a:rPr lang="en-US" smtClean="0"/>
-              <a:t>5/6/2025</a:t>
+              <a:t>5/13/2025</a:t>
             </a:fld>
             <a:endParaRPr lang="en-US"/>
           </a:p>
@@ -3008,7 +3578,7 @@
           <a:p>
             <a:fld id="{ADCEBF8C-22C0-4323-9BBB-9413232198F8}" type="datetimeFigureOut">
               <a:rPr lang="en-US" smtClean="0"/>
-              <a:t>5/6/2025</a:t>
+              <a:t>5/13/2025</a:t>
             </a:fld>
             <a:endParaRPr lang="en-US"/>
           </a:p>
@@ -14584,6 +15154,3156 @@
           <p:cNvPr id="2" name="Title 1">
             <a:extLst>
               <a:ext uri="{FF2B5EF4-FFF2-40B4-BE49-F238E27FC236}">
+                <a16:creationId xmlns:a16="http://schemas.microsoft.com/office/drawing/2014/main" id="{F092C66D-7722-AB40-355C-DF3958CD4C59}"/>
+              </a:ext>
+            </a:extLst>
+          </p:cNvPr>
+          <p:cNvSpPr>
+            <a:spLocks noGrp="1"/>
+          </p:cNvSpPr>
+          <p:nvPr>
+            <p:ph type="title"/>
+          </p:nvPr>
+        </p:nvSpPr>
+        <p:spPr/>
+        <p:txBody>
+          <a:bodyPr>
+            <a:normAutofit fontScale="90000"/>
+          </a:bodyPr>
+          <a:lstStyle/>
+          <a:p>
+            <a:r>
+              <a:rPr lang="en-US" dirty="0"/>
+              <a:t>This can be generalized into higher dimensions by noting that this is a process of solving linear equations</a:t>
+            </a:r>
+          </a:p>
+        </p:txBody>
+      </p:sp>
+      <p:sp>
+        <p:nvSpPr>
+          <p:cNvPr id="20" name="Content Placeholder 19">
+            <a:extLst>
+              <a:ext uri="{FF2B5EF4-FFF2-40B4-BE49-F238E27FC236}">
+                <a16:creationId xmlns:a16="http://schemas.microsoft.com/office/drawing/2014/main" id="{882979C6-78C8-27AD-B287-A9B4D2DD570A}"/>
+              </a:ext>
+            </a:extLst>
+          </p:cNvPr>
+          <p:cNvSpPr>
+            <a:spLocks noGrp="1"/>
+          </p:cNvSpPr>
+          <p:nvPr>
+            <p:ph idx="1"/>
+          </p:nvPr>
+        </p:nvSpPr>
+        <p:spPr>
+          <a:xfrm>
+            <a:off x="838200" y="1825625"/>
+            <a:ext cx="5074328" cy="4351338"/>
+          </a:xfrm>
+        </p:spPr>
+        <p:txBody>
+          <a:bodyPr/>
+          <a:lstStyle/>
+          <a:p>
+            <a:pPr marL="0" indent="0">
+              <a:buNone/>
+            </a:pPr>
+            <a:r>
+              <a:rPr lang="en-US" dirty="0"/>
+              <a:t>The </a:t>
+            </a:r>
+            <a:r>
+              <a:rPr lang="en-US" dirty="0" err="1"/>
+              <a:t>ith</a:t>
+            </a:r>
+            <a:r>
+              <a:rPr lang="en-US" dirty="0"/>
+              <a:t> vertex  is constrained by:</a:t>
+            </a:r>
+          </a:p>
+          <a:p>
+            <a:pPr marL="0" indent="0">
+              <a:buNone/>
+            </a:pPr>
+            <a:endParaRPr lang="en-US" dirty="0"/>
+          </a:p>
+          <a:p>
+            <a:pPr marL="0" indent="0">
+              <a:buNone/>
+            </a:pPr>
+            <a:endParaRPr lang="en-US" dirty="0"/>
+          </a:p>
+          <a:p>
+            <a:pPr marL="0" indent="0">
+              <a:buNone/>
+            </a:pPr>
+            <a:endParaRPr lang="en-US" dirty="0"/>
+          </a:p>
+          <a:p>
+            <a:pPr marL="0" indent="0">
+              <a:buNone/>
+            </a:pPr>
+            <a:r>
+              <a:rPr lang="en-US" dirty="0"/>
+              <a:t>For 3 edges in 2D, one can solve for the center and radius via:</a:t>
+            </a:r>
+          </a:p>
+          <a:p>
+            <a:pPr marL="0" indent="0">
+              <a:buNone/>
+            </a:pPr>
+            <a:endParaRPr lang="en-US" dirty="0"/>
+          </a:p>
+        </p:txBody>
+      </p:sp>
+      <p:sp>
+        <p:nvSpPr>
+          <p:cNvPr id="4" name="Oval 3">
+            <a:extLst>
+              <a:ext uri="{FF2B5EF4-FFF2-40B4-BE49-F238E27FC236}">
+                <a16:creationId xmlns:a16="http://schemas.microsoft.com/office/drawing/2014/main" id="{2AFC6CDA-7C8A-79A8-4D44-35013AC3AB83}"/>
+              </a:ext>
+            </a:extLst>
+          </p:cNvPr>
+          <p:cNvSpPr/>
+          <p:nvPr/>
+        </p:nvSpPr>
+        <p:spPr>
+          <a:xfrm>
+            <a:off x="8324791" y="1729004"/>
+            <a:ext cx="2219234" cy="2302570"/>
+          </a:xfrm>
+          <a:prstGeom prst="ellipse">
+            <a:avLst/>
+          </a:prstGeom>
+          <a:solidFill>
+            <a:schemeClr val="accent4">
+              <a:lumMod val="20000"/>
+              <a:lumOff val="80000"/>
+            </a:schemeClr>
+          </a:solidFill>
+        </p:spPr>
+        <p:txBody>
+          <a:bodyPr wrap="square" lIns="91440" tIns="45720" rIns="91440" bIns="45720" rtlCol="0" anchor="t">
+            <a:spAutoFit/>
+          </a:bodyPr>
+          <a:lstStyle/>
+          <a:p>
+            <a:pPr algn="l"/>
+            <a:endParaRPr lang="en-US" sz="1200" dirty="0">
+              <a:solidFill>
+                <a:schemeClr val="accent6">
+                  <a:lumMod val="75000"/>
+                </a:schemeClr>
+              </a:solidFill>
+              <a:latin typeface="Courier New"/>
+              <a:cs typeface="Calibri"/>
+            </a:endParaRPr>
+          </a:p>
+        </p:txBody>
+      </p:sp>
+      <p:cxnSp>
+        <p:nvCxnSpPr>
+          <p:cNvPr id="5" name="Straight Connector 4">
+            <a:extLst>
+              <a:ext uri="{FF2B5EF4-FFF2-40B4-BE49-F238E27FC236}">
+                <a16:creationId xmlns:a16="http://schemas.microsoft.com/office/drawing/2014/main" id="{BB506714-EA5F-72D7-39FD-6F216D195276}"/>
+              </a:ext>
+            </a:extLst>
+          </p:cNvPr>
+          <p:cNvCxnSpPr>
+            <a:cxnSpLocks/>
+          </p:cNvCxnSpPr>
+          <p:nvPr/>
+        </p:nvCxnSpPr>
+        <p:spPr>
+          <a:xfrm flipV="1">
+            <a:off x="7995804" y="4458111"/>
+            <a:ext cx="1426321" cy="1458135"/>
+          </a:xfrm>
+          <a:prstGeom prst="line">
+            <a:avLst/>
+          </a:prstGeom>
+          <a:ln w="38100"/>
+        </p:spPr>
+        <p:style>
+          <a:lnRef idx="1">
+            <a:schemeClr val="accent1"/>
+          </a:lnRef>
+          <a:fillRef idx="0">
+            <a:schemeClr val="accent1"/>
+          </a:fillRef>
+          <a:effectRef idx="0">
+            <a:schemeClr val="accent1"/>
+          </a:effectRef>
+          <a:fontRef idx="minor">
+            <a:schemeClr val="tx1"/>
+          </a:fontRef>
+        </p:style>
+      </p:cxnSp>
+      <p:cxnSp>
+        <p:nvCxnSpPr>
+          <p:cNvPr id="6" name="Straight Connector 5">
+            <a:extLst>
+              <a:ext uri="{FF2B5EF4-FFF2-40B4-BE49-F238E27FC236}">
+                <a16:creationId xmlns:a16="http://schemas.microsoft.com/office/drawing/2014/main" id="{ABEF8870-85AE-8432-0385-EEBD2CACBDF0}"/>
+              </a:ext>
+            </a:extLst>
+          </p:cNvPr>
+          <p:cNvCxnSpPr>
+            <a:cxnSpLocks/>
+          </p:cNvCxnSpPr>
+          <p:nvPr/>
+        </p:nvCxnSpPr>
+        <p:spPr>
+          <a:xfrm flipH="1" flipV="1">
+            <a:off x="9422125" y="4458111"/>
+            <a:ext cx="1309163" cy="1325275"/>
+          </a:xfrm>
+          <a:prstGeom prst="line">
+            <a:avLst/>
+          </a:prstGeom>
+          <a:ln w="38100"/>
+        </p:spPr>
+        <p:style>
+          <a:lnRef idx="1">
+            <a:schemeClr val="accent1"/>
+          </a:lnRef>
+          <a:fillRef idx="0">
+            <a:schemeClr val="accent1"/>
+          </a:fillRef>
+          <a:effectRef idx="0">
+            <a:schemeClr val="accent1"/>
+          </a:effectRef>
+          <a:fontRef idx="minor">
+            <a:schemeClr val="tx1"/>
+          </a:fontRef>
+        </p:style>
+      </p:cxnSp>
+      <p:cxnSp>
+        <p:nvCxnSpPr>
+          <p:cNvPr id="11" name="Straight Connector 10">
+            <a:extLst>
+              <a:ext uri="{FF2B5EF4-FFF2-40B4-BE49-F238E27FC236}">
+                <a16:creationId xmlns:a16="http://schemas.microsoft.com/office/drawing/2014/main" id="{02CE2610-BDE2-3C3E-5874-10A2ABB6F95F}"/>
+              </a:ext>
+            </a:extLst>
+          </p:cNvPr>
+          <p:cNvCxnSpPr>
+            <a:cxnSpLocks/>
+          </p:cNvCxnSpPr>
+          <p:nvPr/>
+        </p:nvCxnSpPr>
+        <p:spPr>
+          <a:xfrm flipV="1">
+            <a:off x="10146657" y="4875600"/>
+            <a:ext cx="223857" cy="288446"/>
+          </a:xfrm>
+          <a:prstGeom prst="line">
+            <a:avLst/>
+          </a:prstGeom>
+          <a:ln w="31750">
+            <a:tailEnd type="triangle"/>
+          </a:ln>
+        </p:spPr>
+        <p:style>
+          <a:lnRef idx="1">
+            <a:schemeClr val="accent1"/>
+          </a:lnRef>
+          <a:fillRef idx="0">
+            <a:schemeClr val="accent1"/>
+          </a:fillRef>
+          <a:effectRef idx="0">
+            <a:schemeClr val="accent1"/>
+          </a:effectRef>
+          <a:fontRef idx="minor">
+            <a:schemeClr val="tx1"/>
+          </a:fontRef>
+        </p:style>
+      </p:cxnSp>
+      <p:grpSp>
+        <p:nvGrpSpPr>
+          <p:cNvPr id="13" name="Group 12">
+            <a:extLst>
+              <a:ext uri="{FF2B5EF4-FFF2-40B4-BE49-F238E27FC236}">
+                <a16:creationId xmlns:a16="http://schemas.microsoft.com/office/drawing/2014/main" id="{0F6B52C0-4180-BA27-EA0D-53DAA531E404}"/>
+              </a:ext>
+            </a:extLst>
+          </p:cNvPr>
+          <p:cNvGrpSpPr/>
+          <p:nvPr/>
+        </p:nvGrpSpPr>
+        <p:grpSpPr>
+          <a:xfrm rot="11704470">
+            <a:off x="9894827" y="1909234"/>
+            <a:ext cx="1309163" cy="1325275"/>
+            <a:chOff x="7558295" y="2015067"/>
+            <a:chExt cx="1309163" cy="1325275"/>
+          </a:xfrm>
+        </p:grpSpPr>
+        <p:cxnSp>
+          <p:nvCxnSpPr>
+            <p:cNvPr id="14" name="Straight Connector 13">
+              <a:extLst>
+                <a:ext uri="{FF2B5EF4-FFF2-40B4-BE49-F238E27FC236}">
+                  <a16:creationId xmlns:a16="http://schemas.microsoft.com/office/drawing/2014/main" id="{3B8808D4-5BE5-549F-238B-B477C4291BE5}"/>
+                </a:ext>
+              </a:extLst>
+            </p:cNvPr>
+            <p:cNvCxnSpPr>
+              <a:cxnSpLocks/>
+            </p:cNvCxnSpPr>
+            <p:nvPr/>
+          </p:nvCxnSpPr>
+          <p:spPr>
+            <a:xfrm flipH="1" flipV="1">
+              <a:off x="7558295" y="2015067"/>
+              <a:ext cx="1309163" cy="1325275"/>
+            </a:xfrm>
+            <a:prstGeom prst="line">
+              <a:avLst/>
+            </a:prstGeom>
+            <a:ln w="38100"/>
+          </p:spPr>
+          <p:style>
+            <a:lnRef idx="1">
+              <a:schemeClr val="accent1"/>
+            </a:lnRef>
+            <a:fillRef idx="0">
+              <a:schemeClr val="accent1"/>
+            </a:fillRef>
+            <a:effectRef idx="0">
+              <a:schemeClr val="accent1"/>
+            </a:effectRef>
+            <a:fontRef idx="minor">
+              <a:schemeClr val="tx1"/>
+            </a:fontRef>
+          </p:style>
+        </p:cxnSp>
+        <p:cxnSp>
+          <p:nvCxnSpPr>
+            <p:cNvPr id="15" name="Straight Connector 14">
+              <a:extLst>
+                <a:ext uri="{FF2B5EF4-FFF2-40B4-BE49-F238E27FC236}">
+                  <a16:creationId xmlns:a16="http://schemas.microsoft.com/office/drawing/2014/main" id="{8621C938-0D36-DBFF-6463-D4E9413E85B2}"/>
+                </a:ext>
+              </a:extLst>
+            </p:cNvPr>
+            <p:cNvCxnSpPr>
+              <a:cxnSpLocks/>
+            </p:cNvCxnSpPr>
+            <p:nvPr/>
+          </p:nvCxnSpPr>
+          <p:spPr>
+            <a:xfrm flipV="1">
+              <a:off x="8282827" y="2432556"/>
+              <a:ext cx="223857" cy="288446"/>
+            </a:xfrm>
+            <a:prstGeom prst="line">
+              <a:avLst/>
+            </a:prstGeom>
+            <a:ln w="38100">
+              <a:tailEnd type="triangle"/>
+            </a:ln>
+          </p:spPr>
+          <p:style>
+            <a:lnRef idx="1">
+              <a:schemeClr val="accent1"/>
+            </a:lnRef>
+            <a:fillRef idx="0">
+              <a:schemeClr val="accent1"/>
+            </a:fillRef>
+            <a:effectRef idx="0">
+              <a:schemeClr val="accent1"/>
+            </a:effectRef>
+            <a:fontRef idx="minor">
+              <a:schemeClr val="tx1"/>
+            </a:fontRef>
+          </p:style>
+        </p:cxnSp>
+      </p:grpSp>
+      <mc:AlternateContent xmlns:mc="http://schemas.openxmlformats.org/markup-compatibility/2006">
+        <mc:Choice xmlns:a14="http://schemas.microsoft.com/office/drawing/2010/main" Requires="a14">
+          <p:sp>
+            <p:nvSpPr>
+              <p:cNvPr id="16" name="TextBox 15">
+                <a:extLst>
+                  <a:ext uri="{FF2B5EF4-FFF2-40B4-BE49-F238E27FC236}">
+                    <a16:creationId xmlns:a16="http://schemas.microsoft.com/office/drawing/2014/main" id="{69DBCFCF-70EE-7DEF-A43D-5B59F990AFD4}"/>
+                  </a:ext>
+                </a:extLst>
+              </p:cNvPr>
+              <p:cNvSpPr txBox="1"/>
+              <p:nvPr/>
+            </p:nvSpPr>
+            <p:spPr>
+              <a:xfrm>
+                <a:off x="10201954" y="2738434"/>
+                <a:ext cx="259302" cy="299313"/>
+              </a:xfrm>
+              <a:prstGeom prst="rect">
+                <a:avLst/>
+              </a:prstGeom>
+              <a:noFill/>
+            </p:spPr>
+            <p:txBody>
+              <a:bodyPr wrap="none" lIns="0" tIns="0" rIns="0" bIns="0" rtlCol="0">
+                <a:spAutoFit/>
+              </a:bodyPr>
+              <a:lstStyle/>
+              <a:p>
+                <a:pPr/>
+                <a14:m>
+                  <m:oMathPara xmlns:m="http://schemas.openxmlformats.org/officeDocument/2006/math">
+                    <m:oMathParaPr>
+                      <m:jc m:val="centerGroup"/>
+                    </m:oMathParaPr>
+                    <m:oMath xmlns:m="http://schemas.openxmlformats.org/officeDocument/2006/math">
+                      <m:acc>
+                        <m:accPr>
+                          <m:chr m:val="̂"/>
+                          <m:ctrlPr>
+                            <a:rPr lang="en-US" b="0" i="1" smtClean="0">
+                              <a:latin typeface="Cambria Math" panose="02040503050406030204" pitchFamily="18" charset="0"/>
+                            </a:rPr>
+                          </m:ctrlPr>
+                        </m:accPr>
+                        <m:e>
+                          <m:sSub>
+                            <m:sSubPr>
+                              <m:ctrlPr>
+                                <a:rPr lang="en-US" b="0" i="1" smtClean="0">
+                                  <a:latin typeface="Cambria Math" panose="02040503050406030204" pitchFamily="18" charset="0"/>
+                                </a:rPr>
+                              </m:ctrlPr>
+                            </m:sSubPr>
+                            <m:e>
+                              <m:r>
+                                <a:rPr lang="en-US" b="0" i="1" smtClean="0">
+                                  <a:latin typeface="Cambria Math" panose="02040503050406030204" pitchFamily="18" charset="0"/>
+                                </a:rPr>
+                                <m:t>𝑛</m:t>
+                              </m:r>
+                            </m:e>
+                            <m:sub>
+                              <m:r>
+                                <a:rPr lang="en-US" b="0" i="1" smtClean="0">
+                                  <a:latin typeface="Cambria Math" panose="02040503050406030204" pitchFamily="18" charset="0"/>
+                                </a:rPr>
+                                <m:t>𝑗</m:t>
+                              </m:r>
+                            </m:sub>
+                          </m:sSub>
+                        </m:e>
+                      </m:acc>
+                    </m:oMath>
+                  </m:oMathPara>
+                </a14:m>
+                <a:endParaRPr lang="en-US" b="0" dirty="0"/>
+              </a:p>
+            </p:txBody>
+          </p:sp>
+        </mc:Choice>
+        <mc:Fallback>
+          <p:sp>
+            <p:nvSpPr>
+              <p:cNvPr id="16" name="TextBox 15">
+                <a:extLst>
+                  <a:ext uri="{FF2B5EF4-FFF2-40B4-BE49-F238E27FC236}">
+                    <a16:creationId xmlns:a16="http://schemas.microsoft.com/office/drawing/2014/main" id="{69DBCFCF-70EE-7DEF-A43D-5B59F990AFD4}"/>
+                  </a:ext>
+                </a:extLst>
+              </p:cNvPr>
+              <p:cNvSpPr txBox="1">
+                <a:spLocks noRot="1" noChangeAspect="1" noMove="1" noResize="1" noEditPoints="1" noAdjustHandles="1" noChangeArrowheads="1" noChangeShapeType="1" noTextEdit="1"/>
+              </p:cNvSpPr>
+              <p:nvPr/>
+            </p:nvSpPr>
+            <p:spPr>
+              <a:xfrm>
+                <a:off x="10201954" y="2738434"/>
+                <a:ext cx="259302" cy="299313"/>
+              </a:xfrm>
+              <a:prstGeom prst="rect">
+                <a:avLst/>
+              </a:prstGeom>
+              <a:blipFill>
+                <a:blip r:embed="rId2"/>
+                <a:stretch>
+                  <a:fillRect l="-14286" t="-20408" r="-57143" b="-26531"/>
+                </a:stretch>
+              </a:blipFill>
+            </p:spPr>
+            <p:txBody>
+              <a:bodyPr/>
+              <a:lstStyle/>
+              <a:p>
+                <a:r>
+                  <a:rPr lang="en-US">
+                    <a:noFill/>
+                  </a:rPr>
+                  <a:t> </a:t>
+                </a:r>
+              </a:p>
+            </p:txBody>
+          </p:sp>
+        </mc:Fallback>
+      </mc:AlternateContent>
+      <mc:AlternateContent xmlns:mc="http://schemas.openxmlformats.org/markup-compatibility/2006">
+        <mc:Choice xmlns:a14="http://schemas.microsoft.com/office/drawing/2010/main" Requires="a14">
+          <p:sp>
+            <p:nvSpPr>
+              <p:cNvPr id="17" name="TextBox 16">
+                <a:extLst>
+                  <a:ext uri="{FF2B5EF4-FFF2-40B4-BE49-F238E27FC236}">
+                    <a16:creationId xmlns:a16="http://schemas.microsoft.com/office/drawing/2014/main" id="{D5D43641-0A47-4BF9-1AFB-A29BD8C9540F}"/>
+                  </a:ext>
+                </a:extLst>
+              </p:cNvPr>
+              <p:cNvSpPr txBox="1"/>
+              <p:nvPr/>
+            </p:nvSpPr>
+            <p:spPr>
+              <a:xfrm>
+                <a:off x="10989212" y="3314363"/>
+                <a:ext cx="248465" cy="299313"/>
+              </a:xfrm>
+              <a:prstGeom prst="rect">
+                <a:avLst/>
+              </a:prstGeom>
+              <a:noFill/>
+            </p:spPr>
+            <p:txBody>
+              <a:bodyPr wrap="square" lIns="0" tIns="0" rIns="0" bIns="0" rtlCol="0">
+                <a:spAutoFit/>
+              </a:bodyPr>
+              <a:lstStyle/>
+              <a:p>
+                <a:pPr/>
+                <a14:m>
+                  <m:oMathPara xmlns:m="http://schemas.openxmlformats.org/officeDocument/2006/math">
+                    <m:oMathParaPr>
+                      <m:jc m:val="centerGroup"/>
+                    </m:oMathParaPr>
+                    <m:oMath xmlns:m="http://schemas.openxmlformats.org/officeDocument/2006/math">
+                      <m:sSub>
+                        <m:sSubPr>
+                          <m:ctrlPr>
+                            <a:rPr lang="en-US" b="0" i="1" smtClean="0">
+                              <a:latin typeface="Cambria Math" panose="02040503050406030204" pitchFamily="18" charset="0"/>
+                            </a:rPr>
+                          </m:ctrlPr>
+                        </m:sSubPr>
+                        <m:e>
+                          <m:r>
+                            <a:rPr lang="en-US" b="0" i="1" smtClean="0">
+                              <a:latin typeface="Cambria Math" panose="02040503050406030204" pitchFamily="18" charset="0"/>
+                            </a:rPr>
+                            <m:t>𝑣</m:t>
+                          </m:r>
+                        </m:e>
+                        <m:sub>
+                          <m:r>
+                            <a:rPr lang="en-US" b="0" i="1" smtClean="0">
+                              <a:latin typeface="Cambria Math" panose="02040503050406030204" pitchFamily="18" charset="0"/>
+                            </a:rPr>
+                            <m:t>𝑗</m:t>
+                          </m:r>
+                        </m:sub>
+                      </m:sSub>
+                    </m:oMath>
+                  </m:oMathPara>
+                </a14:m>
+                <a:endParaRPr lang="en-US" dirty="0"/>
+              </a:p>
+            </p:txBody>
+          </p:sp>
+        </mc:Choice>
+        <mc:Fallback>
+          <p:sp>
+            <p:nvSpPr>
+              <p:cNvPr id="17" name="TextBox 16">
+                <a:extLst>
+                  <a:ext uri="{FF2B5EF4-FFF2-40B4-BE49-F238E27FC236}">
+                    <a16:creationId xmlns:a16="http://schemas.microsoft.com/office/drawing/2014/main" id="{D5D43641-0A47-4BF9-1AFB-A29BD8C9540F}"/>
+                  </a:ext>
+                </a:extLst>
+              </p:cNvPr>
+              <p:cNvSpPr txBox="1">
+                <a:spLocks noRot="1" noChangeAspect="1" noMove="1" noResize="1" noEditPoints="1" noAdjustHandles="1" noChangeArrowheads="1" noChangeShapeType="1" noTextEdit="1"/>
+              </p:cNvSpPr>
+              <p:nvPr/>
+            </p:nvSpPr>
+            <p:spPr>
+              <a:xfrm>
+                <a:off x="10989212" y="3314363"/>
+                <a:ext cx="248465" cy="299313"/>
+              </a:xfrm>
+              <a:prstGeom prst="rect">
+                <a:avLst/>
+              </a:prstGeom>
+              <a:blipFill>
+                <a:blip r:embed="rId3"/>
+                <a:stretch>
+                  <a:fillRect l="-15000" r="-20000" b="-26531"/>
+                </a:stretch>
+              </a:blipFill>
+            </p:spPr>
+            <p:txBody>
+              <a:bodyPr/>
+              <a:lstStyle/>
+              <a:p>
+                <a:r>
+                  <a:rPr lang="en-US">
+                    <a:noFill/>
+                  </a:rPr>
+                  <a:t> </a:t>
+                </a:r>
+              </a:p>
+            </p:txBody>
+          </p:sp>
+        </mc:Fallback>
+      </mc:AlternateContent>
+      <p:cxnSp>
+        <p:nvCxnSpPr>
+          <p:cNvPr id="18" name="Straight Connector 17">
+            <a:extLst>
+              <a:ext uri="{FF2B5EF4-FFF2-40B4-BE49-F238E27FC236}">
+                <a16:creationId xmlns:a16="http://schemas.microsoft.com/office/drawing/2014/main" id="{5E66C5D0-2BB2-6817-17CB-199E214C1259}"/>
+              </a:ext>
+            </a:extLst>
+          </p:cNvPr>
+          <p:cNvCxnSpPr>
+            <a:cxnSpLocks/>
+          </p:cNvCxnSpPr>
+          <p:nvPr/>
+        </p:nvCxnSpPr>
+        <p:spPr>
+          <a:xfrm flipH="1" flipV="1">
+            <a:off x="8095003" y="3177496"/>
+            <a:ext cx="1309163" cy="1325275"/>
+          </a:xfrm>
+          <a:prstGeom prst="line">
+            <a:avLst/>
+          </a:prstGeom>
+          <a:ln>
+            <a:prstDash val="sysDot"/>
+          </a:ln>
+        </p:spPr>
+        <p:style>
+          <a:lnRef idx="1">
+            <a:schemeClr val="accent1"/>
+          </a:lnRef>
+          <a:fillRef idx="0">
+            <a:schemeClr val="accent1"/>
+          </a:fillRef>
+          <a:effectRef idx="0">
+            <a:schemeClr val="accent1"/>
+          </a:effectRef>
+          <a:fontRef idx="minor">
+            <a:schemeClr val="tx1"/>
+          </a:fontRef>
+        </p:style>
+      </p:cxnSp>
+      <p:cxnSp>
+        <p:nvCxnSpPr>
+          <p:cNvPr id="19" name="Straight Connector 18">
+            <a:extLst>
+              <a:ext uri="{FF2B5EF4-FFF2-40B4-BE49-F238E27FC236}">
+                <a16:creationId xmlns:a16="http://schemas.microsoft.com/office/drawing/2014/main" id="{49588690-45AC-6EF8-0FCA-13F1F542A3E9}"/>
+              </a:ext>
+            </a:extLst>
+          </p:cNvPr>
+          <p:cNvCxnSpPr>
+            <a:cxnSpLocks/>
+          </p:cNvCxnSpPr>
+          <p:nvPr/>
+        </p:nvCxnSpPr>
+        <p:spPr>
+          <a:xfrm flipV="1">
+            <a:off x="9425481" y="3176247"/>
+            <a:ext cx="1305807" cy="1271265"/>
+          </a:xfrm>
+          <a:prstGeom prst="line">
+            <a:avLst/>
+          </a:prstGeom>
+          <a:ln>
+            <a:prstDash val="sysDot"/>
+          </a:ln>
+        </p:spPr>
+        <p:style>
+          <a:lnRef idx="1">
+            <a:schemeClr val="accent1"/>
+          </a:lnRef>
+          <a:fillRef idx="0">
+            <a:schemeClr val="accent1"/>
+          </a:fillRef>
+          <a:effectRef idx="0">
+            <a:schemeClr val="accent1"/>
+          </a:effectRef>
+          <a:fontRef idx="minor">
+            <a:schemeClr val="tx1"/>
+          </a:fontRef>
+        </p:style>
+      </p:cxnSp>
+      <mc:AlternateContent xmlns:mc="http://schemas.openxmlformats.org/markup-compatibility/2006">
+        <mc:Choice xmlns:a14="http://schemas.microsoft.com/office/drawing/2010/main" Requires="a14">
+          <p:sp>
+            <p:nvSpPr>
+              <p:cNvPr id="22" name="TextBox 21">
+                <a:extLst>
+                  <a:ext uri="{FF2B5EF4-FFF2-40B4-BE49-F238E27FC236}">
+                    <a16:creationId xmlns:a16="http://schemas.microsoft.com/office/drawing/2014/main" id="{157A7FED-38FB-BE03-4B30-4FA4EF58A5A0}"/>
+                  </a:ext>
+                </a:extLst>
+              </p:cNvPr>
+              <p:cNvSpPr txBox="1"/>
+              <p:nvPr/>
+            </p:nvSpPr>
+            <p:spPr>
+              <a:xfrm>
+                <a:off x="452917" y="2378222"/>
+                <a:ext cx="6096000" cy="1499257"/>
+              </a:xfrm>
+              <a:prstGeom prst="rect">
+                <a:avLst/>
+              </a:prstGeom>
+              <a:noFill/>
+            </p:spPr>
+            <p:txBody>
+              <a:bodyPr wrap="square">
+                <a:spAutoFit/>
+              </a:bodyPr>
+              <a:lstStyle/>
+              <a:p>
+                <a:pPr/>
+                <a14:m>
+                  <m:oMathPara xmlns:m="http://schemas.openxmlformats.org/officeDocument/2006/math">
+                    <m:oMathParaPr>
+                      <m:jc m:val="center"/>
+                    </m:oMathParaPr>
+                    <m:oMath xmlns:m="http://schemas.openxmlformats.org/officeDocument/2006/math">
+                      <m:r>
+                        <a:rPr lang="en-US" b="0" i="1" smtClean="0">
+                          <a:latin typeface="Cambria Math" panose="02040503050406030204" pitchFamily="18" charset="0"/>
+                        </a:rPr>
+                        <m:t>𝑟</m:t>
+                      </m:r>
+                      <m:r>
+                        <a:rPr lang="en-US" b="0" i="1" smtClean="0">
+                          <a:latin typeface="Cambria Math" panose="02040503050406030204" pitchFamily="18" charset="0"/>
+                        </a:rPr>
+                        <m:t>=</m:t>
+                      </m:r>
+                      <m:d>
+                        <m:dPr>
+                          <m:ctrlPr>
+                            <a:rPr lang="en-US" b="0" i="1" smtClean="0">
+                              <a:latin typeface="Cambria Math" panose="02040503050406030204" pitchFamily="18" charset="0"/>
+                            </a:rPr>
+                          </m:ctrlPr>
+                        </m:dPr>
+                        <m:e>
+                          <m:r>
+                            <a:rPr lang="en-US" b="0" i="1" smtClean="0">
+                              <a:latin typeface="Cambria Math" panose="02040503050406030204" pitchFamily="18" charset="0"/>
+                            </a:rPr>
+                            <m:t>𝐶</m:t>
+                          </m:r>
+                          <m:r>
+                            <a:rPr lang="en-US" b="0" i="1" smtClean="0">
+                              <a:latin typeface="Cambria Math" panose="02040503050406030204" pitchFamily="18" charset="0"/>
+                            </a:rPr>
+                            <m:t>−</m:t>
+                          </m:r>
+                          <m:sSub>
+                            <m:sSubPr>
+                              <m:ctrlPr>
+                                <a:rPr lang="en-US" b="0" i="1" smtClean="0">
+                                  <a:latin typeface="Cambria Math" panose="02040503050406030204" pitchFamily="18" charset="0"/>
+                                </a:rPr>
+                              </m:ctrlPr>
+                            </m:sSubPr>
+                            <m:e>
+                              <m:r>
+                                <a:rPr lang="en-US" b="0" i="1" smtClean="0">
+                                  <a:latin typeface="Cambria Math" panose="02040503050406030204" pitchFamily="18" charset="0"/>
+                                </a:rPr>
+                                <m:t>𝑣</m:t>
+                              </m:r>
+                            </m:e>
+                            <m:sub>
+                              <m:r>
+                                <a:rPr lang="en-US" b="0" i="1" smtClean="0">
+                                  <a:latin typeface="Cambria Math" panose="02040503050406030204" pitchFamily="18" charset="0"/>
+                                </a:rPr>
+                                <m:t>𝑖</m:t>
+                              </m:r>
+                            </m:sub>
+                          </m:sSub>
+                        </m:e>
+                      </m:d>
+                      <m:r>
+                        <a:rPr lang="en-US" b="0" i="1" smtClean="0">
+                          <a:latin typeface="Cambria Math" panose="02040503050406030204" pitchFamily="18" charset="0"/>
+                        </a:rPr>
+                        <m:t>⋅</m:t>
+                      </m:r>
+                      <m:acc>
+                        <m:accPr>
+                          <m:chr m:val="̂"/>
+                          <m:ctrlPr>
+                            <a:rPr lang="en-US" i="1">
+                              <a:latin typeface="Cambria Math" panose="02040503050406030204" pitchFamily="18" charset="0"/>
+                            </a:rPr>
+                          </m:ctrlPr>
+                        </m:accPr>
+                        <m:e>
+                          <m:sSub>
+                            <m:sSubPr>
+                              <m:ctrlPr>
+                                <a:rPr lang="en-US" i="1">
+                                  <a:latin typeface="Cambria Math" panose="02040503050406030204" pitchFamily="18" charset="0"/>
+                                </a:rPr>
+                              </m:ctrlPr>
+                            </m:sSubPr>
+                            <m:e>
+                              <m:r>
+                                <a:rPr lang="en-US" i="1">
+                                  <a:latin typeface="Cambria Math" panose="02040503050406030204" pitchFamily="18" charset="0"/>
+                                </a:rPr>
+                                <m:t>𝑛</m:t>
+                              </m:r>
+                            </m:e>
+                            <m:sub>
+                              <m:r>
+                                <a:rPr lang="en-US" b="0" i="1" smtClean="0">
+                                  <a:latin typeface="Cambria Math" panose="02040503050406030204" pitchFamily="18" charset="0"/>
+                                </a:rPr>
+                                <m:t>𝑖</m:t>
+                              </m:r>
+                            </m:sub>
+                          </m:sSub>
+                        </m:e>
+                      </m:acc>
+                    </m:oMath>
+                  </m:oMathPara>
+                </a14:m>
+                <a:endParaRPr lang="en-US" b="0" dirty="0"/>
+              </a:p>
+              <a:p>
+                <a:pPr/>
+                <a14:m>
+                  <m:oMathPara xmlns:m="http://schemas.openxmlformats.org/officeDocument/2006/math">
+                    <m:oMathParaPr>
+                      <m:jc m:val="center"/>
+                    </m:oMathParaPr>
+                    <m:oMath xmlns:m="http://schemas.openxmlformats.org/officeDocument/2006/math">
+                      <m:r>
+                        <a:rPr lang="en-US" b="0" i="1" smtClean="0">
+                          <a:latin typeface="Cambria Math" panose="02040503050406030204" pitchFamily="18" charset="0"/>
+                        </a:rPr>
+                        <m:t>𝑟</m:t>
+                      </m:r>
+                      <m:r>
+                        <a:rPr lang="en-US" b="0" i="1" smtClean="0">
+                          <a:latin typeface="Cambria Math" panose="02040503050406030204" pitchFamily="18" charset="0"/>
+                        </a:rPr>
+                        <m:t>=</m:t>
+                      </m:r>
+                      <m:r>
+                        <a:rPr lang="en-US" b="0" i="1" smtClean="0">
+                          <a:latin typeface="Cambria Math" panose="02040503050406030204" pitchFamily="18" charset="0"/>
+                        </a:rPr>
+                        <m:t>𝐶</m:t>
+                      </m:r>
+                      <m:r>
+                        <a:rPr lang="en-US" b="0" i="1" smtClean="0">
+                          <a:latin typeface="Cambria Math" panose="02040503050406030204" pitchFamily="18" charset="0"/>
+                        </a:rPr>
+                        <m:t>⋅</m:t>
+                      </m:r>
+                      <m:acc>
+                        <m:accPr>
+                          <m:chr m:val="̂"/>
+                          <m:ctrlPr>
+                            <a:rPr lang="en-US" i="1">
+                              <a:latin typeface="Cambria Math" panose="02040503050406030204" pitchFamily="18" charset="0"/>
+                            </a:rPr>
+                          </m:ctrlPr>
+                        </m:accPr>
+                        <m:e>
+                          <m:sSub>
+                            <m:sSubPr>
+                              <m:ctrlPr>
+                                <a:rPr lang="en-US" i="1">
+                                  <a:latin typeface="Cambria Math" panose="02040503050406030204" pitchFamily="18" charset="0"/>
+                                </a:rPr>
+                              </m:ctrlPr>
+                            </m:sSubPr>
+                            <m:e>
+                              <m:r>
+                                <a:rPr lang="en-US" i="1">
+                                  <a:latin typeface="Cambria Math" panose="02040503050406030204" pitchFamily="18" charset="0"/>
+                                </a:rPr>
+                                <m:t>𝑛</m:t>
+                              </m:r>
+                            </m:e>
+                            <m:sub>
+                              <m:r>
+                                <a:rPr lang="en-US" b="0" i="1" smtClean="0">
+                                  <a:latin typeface="Cambria Math" panose="02040503050406030204" pitchFamily="18" charset="0"/>
+                                </a:rPr>
+                                <m:t>𝑖</m:t>
+                              </m:r>
+                            </m:sub>
+                          </m:sSub>
+                        </m:e>
+                      </m:acc>
+                      <m:r>
+                        <a:rPr lang="en-US" i="1">
+                          <a:latin typeface="Cambria Math" panose="02040503050406030204" pitchFamily="18" charset="0"/>
+                        </a:rPr>
+                        <m:t>−</m:t>
+                      </m:r>
+                      <m:sSub>
+                        <m:sSubPr>
+                          <m:ctrlPr>
+                            <a:rPr lang="en-US" i="1">
+                              <a:latin typeface="Cambria Math" panose="02040503050406030204" pitchFamily="18" charset="0"/>
+                            </a:rPr>
+                          </m:ctrlPr>
+                        </m:sSubPr>
+                        <m:e>
+                          <m:r>
+                            <a:rPr lang="en-US" i="1">
+                              <a:latin typeface="Cambria Math" panose="02040503050406030204" pitchFamily="18" charset="0"/>
+                            </a:rPr>
+                            <m:t>𝑣</m:t>
+                          </m:r>
+                        </m:e>
+                        <m:sub>
+                          <m:r>
+                            <a:rPr lang="en-US" i="1">
+                              <a:latin typeface="Cambria Math" panose="02040503050406030204" pitchFamily="18" charset="0"/>
+                            </a:rPr>
+                            <m:t>𝑖</m:t>
+                          </m:r>
+                        </m:sub>
+                      </m:sSub>
+                      <m:r>
+                        <a:rPr lang="en-US" i="1">
+                          <a:latin typeface="Cambria Math" panose="02040503050406030204" pitchFamily="18" charset="0"/>
+                        </a:rPr>
+                        <m:t>⋅</m:t>
+                      </m:r>
+                      <m:acc>
+                        <m:accPr>
+                          <m:chr m:val="̂"/>
+                          <m:ctrlPr>
+                            <a:rPr lang="en-US" i="1">
+                              <a:latin typeface="Cambria Math" panose="02040503050406030204" pitchFamily="18" charset="0"/>
+                            </a:rPr>
+                          </m:ctrlPr>
+                        </m:accPr>
+                        <m:e>
+                          <m:sSub>
+                            <m:sSubPr>
+                              <m:ctrlPr>
+                                <a:rPr lang="en-US" i="1">
+                                  <a:latin typeface="Cambria Math" panose="02040503050406030204" pitchFamily="18" charset="0"/>
+                                </a:rPr>
+                              </m:ctrlPr>
+                            </m:sSubPr>
+                            <m:e>
+                              <m:r>
+                                <a:rPr lang="en-US" i="1">
+                                  <a:latin typeface="Cambria Math" panose="02040503050406030204" pitchFamily="18" charset="0"/>
+                                </a:rPr>
+                                <m:t>𝑛</m:t>
+                              </m:r>
+                            </m:e>
+                            <m:sub>
+                              <m:r>
+                                <a:rPr lang="en-US" i="1">
+                                  <a:latin typeface="Cambria Math" panose="02040503050406030204" pitchFamily="18" charset="0"/>
+                                </a:rPr>
+                                <m:t>𝑖</m:t>
+                              </m:r>
+                            </m:sub>
+                          </m:sSub>
+                        </m:e>
+                      </m:acc>
+                    </m:oMath>
+                  </m:oMathPara>
+                </a14:m>
+                <a:endParaRPr lang="en-US" i="1" dirty="0">
+                  <a:latin typeface="Cambria Math" panose="02040503050406030204" pitchFamily="18" charset="0"/>
+                </a:endParaRPr>
+              </a:p>
+              <a:p>
+                <a:pPr/>
+                <a14:m>
+                  <m:oMathPara xmlns:m="http://schemas.openxmlformats.org/officeDocument/2006/math">
+                    <m:oMathParaPr>
+                      <m:jc m:val="center"/>
+                    </m:oMathParaPr>
+                    <m:oMath xmlns:m="http://schemas.openxmlformats.org/officeDocument/2006/math">
+                      <m:sSub>
+                        <m:sSubPr>
+                          <m:ctrlPr>
+                            <a:rPr lang="en-US" i="1">
+                              <a:latin typeface="Cambria Math" panose="02040503050406030204" pitchFamily="18" charset="0"/>
+                            </a:rPr>
+                          </m:ctrlPr>
+                        </m:sSubPr>
+                        <m:e>
+                          <m:r>
+                            <a:rPr lang="en-US" i="1">
+                              <a:latin typeface="Cambria Math" panose="02040503050406030204" pitchFamily="18" charset="0"/>
+                            </a:rPr>
+                            <m:t>𝑣</m:t>
+                          </m:r>
+                        </m:e>
+                        <m:sub>
+                          <m:r>
+                            <a:rPr lang="en-US" i="1">
+                              <a:latin typeface="Cambria Math" panose="02040503050406030204" pitchFamily="18" charset="0"/>
+                            </a:rPr>
+                            <m:t>𝑖</m:t>
+                          </m:r>
+                        </m:sub>
+                      </m:sSub>
+                      <m:r>
+                        <a:rPr lang="en-US" i="1">
+                          <a:latin typeface="Cambria Math" panose="02040503050406030204" pitchFamily="18" charset="0"/>
+                        </a:rPr>
+                        <m:t>⋅</m:t>
+                      </m:r>
+                      <m:acc>
+                        <m:accPr>
+                          <m:chr m:val="̂"/>
+                          <m:ctrlPr>
+                            <a:rPr lang="en-US" i="1">
+                              <a:latin typeface="Cambria Math" panose="02040503050406030204" pitchFamily="18" charset="0"/>
+                            </a:rPr>
+                          </m:ctrlPr>
+                        </m:accPr>
+                        <m:e>
+                          <m:sSub>
+                            <m:sSubPr>
+                              <m:ctrlPr>
+                                <a:rPr lang="en-US" i="1">
+                                  <a:latin typeface="Cambria Math" panose="02040503050406030204" pitchFamily="18" charset="0"/>
+                                </a:rPr>
+                              </m:ctrlPr>
+                            </m:sSubPr>
+                            <m:e>
+                              <m:r>
+                                <a:rPr lang="en-US" i="1">
+                                  <a:latin typeface="Cambria Math" panose="02040503050406030204" pitchFamily="18" charset="0"/>
+                                </a:rPr>
+                                <m:t>𝑛</m:t>
+                              </m:r>
+                            </m:e>
+                            <m:sub>
+                              <m:r>
+                                <a:rPr lang="en-US" i="1">
+                                  <a:latin typeface="Cambria Math" panose="02040503050406030204" pitchFamily="18" charset="0"/>
+                                </a:rPr>
+                                <m:t>𝑖</m:t>
+                              </m:r>
+                            </m:sub>
+                          </m:sSub>
+                        </m:e>
+                      </m:acc>
+                      <m:r>
+                        <a:rPr lang="en-US" b="0" i="1" smtClean="0">
+                          <a:latin typeface="Cambria Math" panose="02040503050406030204" pitchFamily="18" charset="0"/>
+                        </a:rPr>
+                        <m:t>=</m:t>
+                      </m:r>
+                      <m:r>
+                        <a:rPr lang="en-US" b="0" i="1" smtClean="0">
+                          <a:latin typeface="Cambria Math" panose="02040503050406030204" pitchFamily="18" charset="0"/>
+                        </a:rPr>
+                        <m:t>𝐶</m:t>
+                      </m:r>
+                      <m:r>
+                        <a:rPr lang="en-US" b="0" i="1" smtClean="0">
+                          <a:latin typeface="Cambria Math" panose="02040503050406030204" pitchFamily="18" charset="0"/>
+                        </a:rPr>
+                        <m:t>⋅</m:t>
+                      </m:r>
+                      <m:acc>
+                        <m:accPr>
+                          <m:chr m:val="̂"/>
+                          <m:ctrlPr>
+                            <a:rPr lang="en-US" i="1">
+                              <a:latin typeface="Cambria Math" panose="02040503050406030204" pitchFamily="18" charset="0"/>
+                            </a:rPr>
+                          </m:ctrlPr>
+                        </m:accPr>
+                        <m:e>
+                          <m:sSub>
+                            <m:sSubPr>
+                              <m:ctrlPr>
+                                <a:rPr lang="en-US" i="1">
+                                  <a:latin typeface="Cambria Math" panose="02040503050406030204" pitchFamily="18" charset="0"/>
+                                </a:rPr>
+                              </m:ctrlPr>
+                            </m:sSubPr>
+                            <m:e>
+                              <m:r>
+                                <a:rPr lang="en-US" i="1">
+                                  <a:latin typeface="Cambria Math" panose="02040503050406030204" pitchFamily="18" charset="0"/>
+                                </a:rPr>
+                                <m:t>𝑛</m:t>
+                              </m:r>
+                            </m:e>
+                            <m:sub>
+                              <m:r>
+                                <a:rPr lang="en-US" b="0" i="1" smtClean="0">
+                                  <a:latin typeface="Cambria Math" panose="02040503050406030204" pitchFamily="18" charset="0"/>
+                                </a:rPr>
+                                <m:t>𝑖</m:t>
+                              </m:r>
+                            </m:sub>
+                          </m:sSub>
+                        </m:e>
+                      </m:acc>
+                      <m:r>
+                        <a:rPr lang="en-US" i="1">
+                          <a:latin typeface="Cambria Math" panose="02040503050406030204" pitchFamily="18" charset="0"/>
+                        </a:rPr>
+                        <m:t>−</m:t>
+                      </m:r>
+                      <m:r>
+                        <a:rPr lang="en-US" b="0" i="1" smtClean="0">
+                          <a:latin typeface="Cambria Math" panose="02040503050406030204" pitchFamily="18" charset="0"/>
+                        </a:rPr>
+                        <m:t>𝑟</m:t>
+                      </m:r>
+                    </m:oMath>
+                  </m:oMathPara>
+                </a14:m>
+                <a:endParaRPr lang="en-US" i="1" dirty="0">
+                  <a:latin typeface="Cambria Math" panose="02040503050406030204" pitchFamily="18" charset="0"/>
+                </a:endParaRPr>
+              </a:p>
+              <a:p>
+                <a14:m>
+                  <m:oMathPara xmlns:m="http://schemas.openxmlformats.org/officeDocument/2006/math">
+                    <m:oMathParaPr>
+                      <m:jc m:val="centerGroup"/>
+                    </m:oMathParaPr>
+                    <m:oMath xmlns:m="http://schemas.openxmlformats.org/officeDocument/2006/math">
+                      <m:sSub>
+                        <m:sSubPr>
+                          <m:ctrlPr>
+                            <a:rPr lang="en-US" i="1" smtClean="0">
+                              <a:latin typeface="Cambria Math" panose="02040503050406030204" pitchFamily="18" charset="0"/>
+                            </a:rPr>
+                          </m:ctrlPr>
+                        </m:sSubPr>
+                        <m:e>
+                          <m:r>
+                            <a:rPr lang="en-US" i="1">
+                              <a:latin typeface="Cambria Math" panose="02040503050406030204" pitchFamily="18" charset="0"/>
+                            </a:rPr>
+                            <m:t>𝑣</m:t>
+                          </m:r>
+                        </m:e>
+                        <m:sub>
+                          <m:r>
+                            <a:rPr lang="en-US" i="1">
+                              <a:latin typeface="Cambria Math" panose="02040503050406030204" pitchFamily="18" charset="0"/>
+                            </a:rPr>
+                            <m:t>𝑖</m:t>
+                          </m:r>
+                        </m:sub>
+                      </m:sSub>
+                      <m:r>
+                        <a:rPr lang="en-US" i="1">
+                          <a:latin typeface="Cambria Math" panose="02040503050406030204" pitchFamily="18" charset="0"/>
+                        </a:rPr>
+                        <m:t>⋅</m:t>
+                      </m:r>
+                      <m:acc>
+                        <m:accPr>
+                          <m:chr m:val="̂"/>
+                          <m:ctrlPr>
+                            <a:rPr lang="en-US" i="1">
+                              <a:latin typeface="Cambria Math" panose="02040503050406030204" pitchFamily="18" charset="0"/>
+                            </a:rPr>
+                          </m:ctrlPr>
+                        </m:accPr>
+                        <m:e>
+                          <m:sSub>
+                            <m:sSubPr>
+                              <m:ctrlPr>
+                                <a:rPr lang="en-US" i="1">
+                                  <a:latin typeface="Cambria Math" panose="02040503050406030204" pitchFamily="18" charset="0"/>
+                                </a:rPr>
+                              </m:ctrlPr>
+                            </m:sSubPr>
+                            <m:e>
+                              <m:r>
+                                <a:rPr lang="en-US" i="1">
+                                  <a:latin typeface="Cambria Math" panose="02040503050406030204" pitchFamily="18" charset="0"/>
+                                </a:rPr>
+                                <m:t>𝑛</m:t>
+                              </m:r>
+                            </m:e>
+                            <m:sub>
+                              <m:r>
+                                <a:rPr lang="en-US" i="1">
+                                  <a:latin typeface="Cambria Math" panose="02040503050406030204" pitchFamily="18" charset="0"/>
+                                </a:rPr>
+                                <m:t>𝑖</m:t>
+                              </m:r>
+                            </m:sub>
+                          </m:sSub>
+                        </m:e>
+                      </m:acc>
+                      <m:r>
+                        <a:rPr lang="en-US" b="0" i="1" smtClean="0">
+                          <a:latin typeface="Cambria Math" panose="02040503050406030204" pitchFamily="18" charset="0"/>
+                        </a:rPr>
+                        <m:t>=</m:t>
+                      </m:r>
+                      <m:sSub>
+                        <m:sSubPr>
+                          <m:ctrlPr>
+                            <a:rPr lang="en-US" b="0" i="1" smtClean="0">
+                              <a:latin typeface="Cambria Math" panose="02040503050406030204" pitchFamily="18" charset="0"/>
+                            </a:rPr>
+                          </m:ctrlPr>
+                        </m:sSubPr>
+                        <m:e>
+                          <m:r>
+                            <a:rPr lang="en-US" b="0" i="1" smtClean="0">
+                              <a:latin typeface="Cambria Math" panose="02040503050406030204" pitchFamily="18" charset="0"/>
+                            </a:rPr>
+                            <m:t>𝐶</m:t>
+                          </m:r>
+                        </m:e>
+                        <m:sub>
+                          <m:r>
+                            <a:rPr lang="en-US" b="0" i="1" smtClean="0">
+                              <a:latin typeface="Cambria Math" panose="02040503050406030204" pitchFamily="18" charset="0"/>
+                            </a:rPr>
+                            <m:t>𝑥</m:t>
+                          </m:r>
+                        </m:sub>
+                      </m:sSub>
+                      <m:r>
+                        <a:rPr lang="en-US" b="0" i="1" smtClean="0">
+                          <a:latin typeface="Cambria Math" panose="02040503050406030204" pitchFamily="18" charset="0"/>
+                        </a:rPr>
+                        <m:t>⋅</m:t>
+                      </m:r>
+                      <m:acc>
+                        <m:accPr>
+                          <m:chr m:val="̂"/>
+                          <m:ctrlPr>
+                            <a:rPr lang="en-US" i="1">
+                              <a:latin typeface="Cambria Math" panose="02040503050406030204" pitchFamily="18" charset="0"/>
+                            </a:rPr>
+                          </m:ctrlPr>
+                        </m:accPr>
+                        <m:e>
+                          <m:sSub>
+                            <m:sSubPr>
+                              <m:ctrlPr>
+                                <a:rPr lang="en-US" i="1">
+                                  <a:latin typeface="Cambria Math" panose="02040503050406030204" pitchFamily="18" charset="0"/>
+                                </a:rPr>
+                              </m:ctrlPr>
+                            </m:sSubPr>
+                            <m:e>
+                              <m:r>
+                                <a:rPr lang="en-US" i="1">
+                                  <a:latin typeface="Cambria Math" panose="02040503050406030204" pitchFamily="18" charset="0"/>
+                                </a:rPr>
+                                <m:t>𝑛</m:t>
+                              </m:r>
+                            </m:e>
+                            <m:sub>
+                              <m:r>
+                                <a:rPr lang="en-US" b="0" i="1" smtClean="0">
+                                  <a:latin typeface="Cambria Math" panose="02040503050406030204" pitchFamily="18" charset="0"/>
+                                </a:rPr>
+                                <m:t>𝑖</m:t>
+                              </m:r>
+                              <m:r>
+                                <a:rPr lang="en-US" b="0" i="1" smtClean="0">
+                                  <a:latin typeface="Cambria Math" panose="02040503050406030204" pitchFamily="18" charset="0"/>
+                                </a:rPr>
+                                <m:t>𝑥</m:t>
+                              </m:r>
+                            </m:sub>
+                          </m:sSub>
+                        </m:e>
+                      </m:acc>
+                      <m:r>
+                        <a:rPr lang="en-US" i="1">
+                          <a:latin typeface="Cambria Math" panose="02040503050406030204" pitchFamily="18" charset="0"/>
+                        </a:rPr>
+                        <m:t>+</m:t>
+                      </m:r>
+                      <m:sSub>
+                        <m:sSubPr>
+                          <m:ctrlPr>
+                            <a:rPr lang="en-US" b="0" i="1" smtClean="0">
+                              <a:latin typeface="Cambria Math" panose="02040503050406030204" pitchFamily="18" charset="0"/>
+                            </a:rPr>
+                          </m:ctrlPr>
+                        </m:sSubPr>
+                        <m:e>
+                          <m:r>
+                            <a:rPr lang="en-US" i="1">
+                              <a:latin typeface="Cambria Math" panose="02040503050406030204" pitchFamily="18" charset="0"/>
+                            </a:rPr>
+                            <m:t>𝐶</m:t>
+                          </m:r>
+                        </m:e>
+                        <m:sub>
+                          <m:r>
+                            <a:rPr lang="en-US" b="0" i="1" smtClean="0">
+                              <a:latin typeface="Cambria Math" panose="02040503050406030204" pitchFamily="18" charset="0"/>
+                            </a:rPr>
+                            <m:t>𝑦</m:t>
+                          </m:r>
+                        </m:sub>
+                      </m:sSub>
+                      <m:r>
+                        <a:rPr lang="en-US" i="1">
+                          <a:latin typeface="Cambria Math" panose="02040503050406030204" pitchFamily="18" charset="0"/>
+                        </a:rPr>
+                        <m:t>⋅</m:t>
+                      </m:r>
+                      <m:acc>
+                        <m:accPr>
+                          <m:chr m:val="̂"/>
+                          <m:ctrlPr>
+                            <a:rPr lang="en-US" i="1">
+                              <a:latin typeface="Cambria Math" panose="02040503050406030204" pitchFamily="18" charset="0"/>
+                            </a:rPr>
+                          </m:ctrlPr>
+                        </m:accPr>
+                        <m:e>
+                          <m:sSub>
+                            <m:sSubPr>
+                              <m:ctrlPr>
+                                <a:rPr lang="en-US" i="1">
+                                  <a:latin typeface="Cambria Math" panose="02040503050406030204" pitchFamily="18" charset="0"/>
+                                </a:rPr>
+                              </m:ctrlPr>
+                            </m:sSubPr>
+                            <m:e>
+                              <m:r>
+                                <a:rPr lang="en-US" i="1">
+                                  <a:latin typeface="Cambria Math" panose="02040503050406030204" pitchFamily="18" charset="0"/>
+                                </a:rPr>
+                                <m:t>𝑛</m:t>
+                              </m:r>
+                            </m:e>
+                            <m:sub>
+                              <m:r>
+                                <a:rPr lang="en-US" i="1">
+                                  <a:latin typeface="Cambria Math" panose="02040503050406030204" pitchFamily="18" charset="0"/>
+                                </a:rPr>
+                                <m:t>𝑖</m:t>
+                              </m:r>
+                              <m:r>
+                                <a:rPr lang="en-US" b="0" i="1" smtClean="0">
+                                  <a:latin typeface="Cambria Math" panose="02040503050406030204" pitchFamily="18" charset="0"/>
+                                </a:rPr>
+                                <m:t>𝑦</m:t>
+                              </m:r>
+                            </m:sub>
+                          </m:sSub>
+                        </m:e>
+                      </m:acc>
+                      <m:r>
+                        <a:rPr lang="en-US" i="1">
+                          <a:latin typeface="Cambria Math" panose="02040503050406030204" pitchFamily="18" charset="0"/>
+                        </a:rPr>
+                        <m:t>−</m:t>
+                      </m:r>
+                      <m:r>
+                        <a:rPr lang="en-US" b="0" i="1" smtClean="0">
+                          <a:latin typeface="Cambria Math" panose="02040503050406030204" pitchFamily="18" charset="0"/>
+                        </a:rPr>
+                        <m:t>𝑟</m:t>
+                      </m:r>
+                    </m:oMath>
+                  </m:oMathPara>
+                </a14:m>
+                <a:endParaRPr lang="en-US" i="1" dirty="0">
+                  <a:latin typeface="Cambria Math" panose="02040503050406030204" pitchFamily="18" charset="0"/>
+                </a:endParaRPr>
+              </a:p>
+              <a:p>
+                <a:pPr/>
+                <a:endParaRPr lang="en-US" dirty="0"/>
+              </a:p>
+            </p:txBody>
+          </p:sp>
+        </mc:Choice>
+        <mc:Fallback>
+          <p:sp>
+            <p:nvSpPr>
+              <p:cNvPr id="22" name="TextBox 21">
+                <a:extLst>
+                  <a:ext uri="{FF2B5EF4-FFF2-40B4-BE49-F238E27FC236}">
+                    <a16:creationId xmlns:a16="http://schemas.microsoft.com/office/drawing/2014/main" id="{157A7FED-38FB-BE03-4B30-4FA4EF58A5A0}"/>
+                  </a:ext>
+                </a:extLst>
+              </p:cNvPr>
+              <p:cNvSpPr txBox="1">
+                <a:spLocks noRot="1" noChangeAspect="1" noMove="1" noResize="1" noEditPoints="1" noAdjustHandles="1" noChangeArrowheads="1" noChangeShapeType="1" noTextEdit="1"/>
+              </p:cNvSpPr>
+              <p:nvPr/>
+            </p:nvSpPr>
+            <p:spPr>
+              <a:xfrm>
+                <a:off x="452917" y="2378222"/>
+                <a:ext cx="6096000" cy="1499257"/>
+              </a:xfrm>
+              <a:prstGeom prst="rect">
+                <a:avLst/>
+              </a:prstGeom>
+              <a:blipFill>
+                <a:blip r:embed="rId4"/>
+                <a:stretch>
+                  <a:fillRect t="-1626"/>
+                </a:stretch>
+              </a:blipFill>
+            </p:spPr>
+            <p:txBody>
+              <a:bodyPr/>
+              <a:lstStyle/>
+              <a:p>
+                <a:r>
+                  <a:rPr lang="en-US">
+                    <a:noFill/>
+                  </a:rPr>
+                  <a:t> </a:t>
+                </a:r>
+              </a:p>
+            </p:txBody>
+          </p:sp>
+        </mc:Fallback>
+      </mc:AlternateContent>
+      <mc:AlternateContent xmlns:mc="http://schemas.openxmlformats.org/markup-compatibility/2006">
+        <mc:Choice xmlns:a14="http://schemas.microsoft.com/office/drawing/2010/main" Requires="a14">
+          <p:sp>
+            <p:nvSpPr>
+              <p:cNvPr id="23" name="TextBox 22">
+                <a:extLst>
+                  <a:ext uri="{FF2B5EF4-FFF2-40B4-BE49-F238E27FC236}">
+                    <a16:creationId xmlns:a16="http://schemas.microsoft.com/office/drawing/2014/main" id="{C269AD5C-D53B-0705-4BFC-F6542823E55B}"/>
+                  </a:ext>
+                </a:extLst>
+              </p:cNvPr>
+              <p:cNvSpPr txBox="1"/>
+              <p:nvPr/>
+            </p:nvSpPr>
+            <p:spPr>
+              <a:xfrm>
+                <a:off x="9143713" y="2601302"/>
+                <a:ext cx="248465" cy="276999"/>
+              </a:xfrm>
+              <a:prstGeom prst="rect">
+                <a:avLst/>
+              </a:prstGeom>
+              <a:noFill/>
+            </p:spPr>
+            <p:txBody>
+              <a:bodyPr wrap="square" lIns="0" tIns="0" rIns="0" bIns="0" rtlCol="0">
+                <a:spAutoFit/>
+              </a:bodyPr>
+              <a:lstStyle/>
+              <a:p>
+                <a:pPr/>
+                <a14:m>
+                  <m:oMathPara xmlns:m="http://schemas.openxmlformats.org/officeDocument/2006/math">
+                    <m:oMathParaPr>
+                      <m:jc m:val="centerGroup"/>
+                    </m:oMathParaPr>
+                    <m:oMath xmlns:m="http://schemas.openxmlformats.org/officeDocument/2006/math">
+                      <m:r>
+                        <a:rPr lang="en-US" b="0" i="1" smtClean="0">
+                          <a:latin typeface="Cambria Math" panose="02040503050406030204" pitchFamily="18" charset="0"/>
+                        </a:rPr>
+                        <m:t>(</m:t>
+                      </m:r>
+                      <m:r>
+                        <a:rPr lang="en-US" b="0" i="1" smtClean="0">
+                          <a:latin typeface="Cambria Math" panose="02040503050406030204" pitchFamily="18" charset="0"/>
+                        </a:rPr>
+                        <m:t>𝐶𝑥</m:t>
+                      </m:r>
+                      <m:r>
+                        <a:rPr lang="en-US" b="0" i="1" smtClean="0">
+                          <a:latin typeface="Cambria Math" panose="02040503050406030204" pitchFamily="18" charset="0"/>
+                        </a:rPr>
+                        <m:t>, </m:t>
+                      </m:r>
+                      <m:r>
+                        <a:rPr lang="en-US" b="0" i="1" smtClean="0">
+                          <a:latin typeface="Cambria Math" panose="02040503050406030204" pitchFamily="18" charset="0"/>
+                        </a:rPr>
+                        <m:t>𝐶𝑦</m:t>
+                      </m:r>
+                      <m:r>
+                        <a:rPr lang="en-US" b="0" i="1" smtClean="0">
+                          <a:latin typeface="Cambria Math" panose="02040503050406030204" pitchFamily="18" charset="0"/>
+                        </a:rPr>
+                        <m:t>)</m:t>
+                      </m:r>
+                    </m:oMath>
+                  </m:oMathPara>
+                </a14:m>
+                <a:endParaRPr lang="en-US" dirty="0"/>
+              </a:p>
+            </p:txBody>
+          </p:sp>
+        </mc:Choice>
+        <mc:Fallback>
+          <p:sp>
+            <p:nvSpPr>
+              <p:cNvPr id="23" name="TextBox 22">
+                <a:extLst>
+                  <a:ext uri="{FF2B5EF4-FFF2-40B4-BE49-F238E27FC236}">
+                    <a16:creationId xmlns:a16="http://schemas.microsoft.com/office/drawing/2014/main" id="{C269AD5C-D53B-0705-4BFC-F6542823E55B}"/>
+                  </a:ext>
+                </a:extLst>
+              </p:cNvPr>
+              <p:cNvSpPr txBox="1">
+                <a:spLocks noRot="1" noChangeAspect="1" noMove="1" noResize="1" noEditPoints="1" noAdjustHandles="1" noChangeArrowheads="1" noChangeShapeType="1" noTextEdit="1"/>
+              </p:cNvSpPr>
+              <p:nvPr/>
+            </p:nvSpPr>
+            <p:spPr>
+              <a:xfrm>
+                <a:off x="9143713" y="2601302"/>
+                <a:ext cx="248465" cy="276999"/>
+              </a:xfrm>
+              <a:prstGeom prst="rect">
+                <a:avLst/>
+              </a:prstGeom>
+              <a:blipFill>
+                <a:blip r:embed="rId5"/>
+                <a:stretch>
+                  <a:fillRect l="-43902" t="-4444" r="-268293" b="-35556"/>
+                </a:stretch>
+              </a:blipFill>
+            </p:spPr>
+            <p:txBody>
+              <a:bodyPr/>
+              <a:lstStyle/>
+              <a:p>
+                <a:r>
+                  <a:rPr lang="en-US">
+                    <a:noFill/>
+                  </a:rPr>
+                  <a:t> </a:t>
+                </a:r>
+              </a:p>
+            </p:txBody>
+          </p:sp>
+        </mc:Fallback>
+      </mc:AlternateContent>
+      <p:cxnSp>
+        <p:nvCxnSpPr>
+          <p:cNvPr id="25" name="Straight Connector 24">
+            <a:extLst>
+              <a:ext uri="{FF2B5EF4-FFF2-40B4-BE49-F238E27FC236}">
+                <a16:creationId xmlns:a16="http://schemas.microsoft.com/office/drawing/2014/main" id="{23BA76ED-7659-36B2-7F87-90118EF644EF}"/>
+              </a:ext>
+            </a:extLst>
+          </p:cNvPr>
+          <p:cNvCxnSpPr>
+            <a:cxnSpLocks/>
+          </p:cNvCxnSpPr>
+          <p:nvPr/>
+        </p:nvCxnSpPr>
+        <p:spPr>
+          <a:xfrm flipH="1" flipV="1">
+            <a:off x="8376148" y="4929308"/>
+            <a:ext cx="291962" cy="281685"/>
+          </a:xfrm>
+          <a:prstGeom prst="line">
+            <a:avLst/>
+          </a:prstGeom>
+          <a:ln w="31750">
+            <a:tailEnd type="triangle"/>
+          </a:ln>
+        </p:spPr>
+        <p:style>
+          <a:lnRef idx="1">
+            <a:schemeClr val="accent1"/>
+          </a:lnRef>
+          <a:fillRef idx="0">
+            <a:schemeClr val="accent1"/>
+          </a:fillRef>
+          <a:effectRef idx="0">
+            <a:schemeClr val="accent1"/>
+          </a:effectRef>
+          <a:fontRef idx="minor">
+            <a:schemeClr val="tx1"/>
+          </a:fontRef>
+        </p:style>
+      </p:cxnSp>
+      <mc:AlternateContent xmlns:mc="http://schemas.openxmlformats.org/markup-compatibility/2006">
+        <mc:Choice xmlns:a14="http://schemas.microsoft.com/office/drawing/2010/main" Requires="a14">
+          <p:sp>
+            <p:nvSpPr>
+              <p:cNvPr id="26" name="TextBox 25">
+                <a:extLst>
+                  <a:ext uri="{FF2B5EF4-FFF2-40B4-BE49-F238E27FC236}">
+                    <a16:creationId xmlns:a16="http://schemas.microsoft.com/office/drawing/2014/main" id="{7C9CE853-BEA9-0610-9D25-217ECD478C16}"/>
+                  </a:ext>
+                </a:extLst>
+              </p:cNvPr>
+              <p:cNvSpPr txBox="1"/>
+              <p:nvPr/>
+            </p:nvSpPr>
+            <p:spPr>
+              <a:xfrm>
+                <a:off x="7513531" y="5649846"/>
+                <a:ext cx="469937" cy="276999"/>
+              </a:xfrm>
+              <a:prstGeom prst="rect">
+                <a:avLst/>
+              </a:prstGeom>
+              <a:noFill/>
+            </p:spPr>
+            <p:txBody>
+              <a:bodyPr wrap="none" lIns="0" tIns="0" rIns="0" bIns="0" rtlCol="0">
+                <a:spAutoFit/>
+              </a:bodyPr>
+              <a:lstStyle/>
+              <a:p>
+                <a:pPr/>
+                <a14:m>
+                  <m:oMathPara xmlns:m="http://schemas.openxmlformats.org/officeDocument/2006/math">
+                    <m:oMathParaPr>
+                      <m:jc m:val="centerGroup"/>
+                    </m:oMathParaPr>
+                    <m:oMath xmlns:m="http://schemas.openxmlformats.org/officeDocument/2006/math">
+                      <m:sSub>
+                        <m:sSubPr>
+                          <m:ctrlPr>
+                            <a:rPr lang="en-US" b="0" i="1" smtClean="0">
+                              <a:latin typeface="Cambria Math" panose="02040503050406030204" pitchFamily="18" charset="0"/>
+                            </a:rPr>
+                          </m:ctrlPr>
+                        </m:sSubPr>
+                        <m:e>
+                          <m:r>
+                            <a:rPr lang="en-US" b="0" i="1" smtClean="0">
+                              <a:latin typeface="Cambria Math" panose="02040503050406030204" pitchFamily="18" charset="0"/>
+                            </a:rPr>
+                            <m:t>𝑣</m:t>
+                          </m:r>
+                        </m:e>
+                        <m:sub>
+                          <m:r>
+                            <a:rPr lang="en-US" b="0" i="1" smtClean="0">
+                              <a:latin typeface="Cambria Math" panose="02040503050406030204" pitchFamily="18" charset="0"/>
+                            </a:rPr>
+                            <m:t>𝑖</m:t>
+                          </m:r>
+                          <m:r>
+                            <a:rPr lang="en-US" b="0" i="1" smtClean="0">
+                              <a:latin typeface="Cambria Math" panose="02040503050406030204" pitchFamily="18" charset="0"/>
+                            </a:rPr>
+                            <m:t>−1</m:t>
+                          </m:r>
+                        </m:sub>
+                      </m:sSub>
+                    </m:oMath>
+                  </m:oMathPara>
+                </a14:m>
+                <a:endParaRPr lang="en-US" b="0" dirty="0"/>
+              </a:p>
+            </p:txBody>
+          </p:sp>
+        </mc:Choice>
+        <mc:Fallback>
+          <p:sp>
+            <p:nvSpPr>
+              <p:cNvPr id="26" name="TextBox 25">
+                <a:extLst>
+                  <a:ext uri="{FF2B5EF4-FFF2-40B4-BE49-F238E27FC236}">
+                    <a16:creationId xmlns:a16="http://schemas.microsoft.com/office/drawing/2014/main" id="{7C9CE853-BEA9-0610-9D25-217ECD478C16}"/>
+                  </a:ext>
+                </a:extLst>
+              </p:cNvPr>
+              <p:cNvSpPr txBox="1">
+                <a:spLocks noRot="1" noChangeAspect="1" noMove="1" noResize="1" noEditPoints="1" noAdjustHandles="1" noChangeArrowheads="1" noChangeShapeType="1" noTextEdit="1"/>
+              </p:cNvSpPr>
+              <p:nvPr/>
+            </p:nvSpPr>
+            <p:spPr>
+              <a:xfrm>
+                <a:off x="7513531" y="5649846"/>
+                <a:ext cx="469937" cy="276999"/>
+              </a:xfrm>
+              <a:prstGeom prst="rect">
+                <a:avLst/>
+              </a:prstGeom>
+              <a:blipFill>
+                <a:blip r:embed="rId6"/>
+                <a:stretch>
+                  <a:fillRect l="-6494" r="-3896" b="-17778"/>
+                </a:stretch>
+              </a:blipFill>
+            </p:spPr>
+            <p:txBody>
+              <a:bodyPr/>
+              <a:lstStyle/>
+              <a:p>
+                <a:r>
+                  <a:rPr lang="en-US">
+                    <a:noFill/>
+                  </a:rPr>
+                  <a:t> </a:t>
+                </a:r>
+              </a:p>
+            </p:txBody>
+          </p:sp>
+        </mc:Fallback>
+      </mc:AlternateContent>
+      <p:cxnSp>
+        <p:nvCxnSpPr>
+          <p:cNvPr id="27" name="Straight Connector 26">
+            <a:extLst>
+              <a:ext uri="{FF2B5EF4-FFF2-40B4-BE49-F238E27FC236}">
+                <a16:creationId xmlns:a16="http://schemas.microsoft.com/office/drawing/2014/main" id="{A52FFCCD-FE45-EC51-728A-34D0B83AD44D}"/>
+              </a:ext>
+            </a:extLst>
+          </p:cNvPr>
+          <p:cNvCxnSpPr>
+            <a:cxnSpLocks/>
+          </p:cNvCxnSpPr>
+          <p:nvPr/>
+        </p:nvCxnSpPr>
+        <p:spPr>
+          <a:xfrm flipV="1">
+            <a:off x="8514730" y="6998659"/>
+            <a:ext cx="223857" cy="288446"/>
+          </a:xfrm>
+          <a:prstGeom prst="line">
+            <a:avLst/>
+          </a:prstGeom>
+          <a:ln w="31750">
+            <a:tailEnd type="triangle"/>
+          </a:ln>
+        </p:spPr>
+        <p:style>
+          <a:lnRef idx="1">
+            <a:schemeClr val="accent1"/>
+          </a:lnRef>
+          <a:fillRef idx="0">
+            <a:schemeClr val="accent1"/>
+          </a:fillRef>
+          <a:effectRef idx="0">
+            <a:schemeClr val="accent1"/>
+          </a:effectRef>
+          <a:fontRef idx="minor">
+            <a:schemeClr val="tx1"/>
+          </a:fontRef>
+        </p:style>
+      </p:cxnSp>
+      <mc:AlternateContent xmlns:mc="http://schemas.openxmlformats.org/markup-compatibility/2006">
+        <mc:Choice xmlns:a14="http://schemas.microsoft.com/office/drawing/2010/main" Requires="a14">
+          <p:sp>
+            <p:nvSpPr>
+              <p:cNvPr id="28" name="TextBox 27">
+                <a:extLst>
+                  <a:ext uri="{FF2B5EF4-FFF2-40B4-BE49-F238E27FC236}">
+                    <a16:creationId xmlns:a16="http://schemas.microsoft.com/office/drawing/2014/main" id="{94AE3574-34D2-6B66-0AAF-4FDF13B721A6}"/>
+                  </a:ext>
+                </a:extLst>
+              </p:cNvPr>
+              <p:cNvSpPr txBox="1"/>
+              <p:nvPr/>
+            </p:nvSpPr>
+            <p:spPr>
+              <a:xfrm>
+                <a:off x="8283402" y="4652309"/>
+                <a:ext cx="480196" cy="276999"/>
+              </a:xfrm>
+              <a:prstGeom prst="rect">
+                <a:avLst/>
+              </a:prstGeom>
+              <a:noFill/>
+            </p:spPr>
+            <p:txBody>
+              <a:bodyPr wrap="none" lIns="0" tIns="0" rIns="0" bIns="0" rtlCol="0">
+                <a:spAutoFit/>
+              </a:bodyPr>
+              <a:lstStyle/>
+              <a:p>
+                <a:pPr/>
+                <a14:m>
+                  <m:oMathPara xmlns:m="http://schemas.openxmlformats.org/officeDocument/2006/math">
+                    <m:oMathParaPr>
+                      <m:jc m:val="centerGroup"/>
+                    </m:oMathParaPr>
+                    <m:oMath xmlns:m="http://schemas.openxmlformats.org/officeDocument/2006/math">
+                      <m:acc>
+                        <m:accPr>
+                          <m:chr m:val="̂"/>
+                          <m:ctrlPr>
+                            <a:rPr lang="en-US" b="0" i="1" smtClean="0">
+                              <a:latin typeface="Cambria Math" panose="02040503050406030204" pitchFamily="18" charset="0"/>
+                            </a:rPr>
+                          </m:ctrlPr>
+                        </m:accPr>
+                        <m:e>
+                          <m:sSub>
+                            <m:sSubPr>
+                              <m:ctrlPr>
+                                <a:rPr lang="en-US" b="0" i="1" smtClean="0">
+                                  <a:latin typeface="Cambria Math" panose="02040503050406030204" pitchFamily="18" charset="0"/>
+                                </a:rPr>
+                              </m:ctrlPr>
+                            </m:sSubPr>
+                            <m:e>
+                              <m:r>
+                                <a:rPr lang="en-US" b="0" i="1" smtClean="0">
+                                  <a:latin typeface="Cambria Math" panose="02040503050406030204" pitchFamily="18" charset="0"/>
+                                </a:rPr>
+                                <m:t>𝑛</m:t>
+                              </m:r>
+                            </m:e>
+                            <m:sub>
+                              <m:r>
+                                <a:rPr lang="en-US" b="0" i="1" smtClean="0">
+                                  <a:latin typeface="Cambria Math" panose="02040503050406030204" pitchFamily="18" charset="0"/>
+                                </a:rPr>
+                                <m:t>𝑖</m:t>
+                              </m:r>
+                              <m:r>
+                                <a:rPr lang="en-US" b="0" i="1" smtClean="0">
+                                  <a:latin typeface="Cambria Math" panose="02040503050406030204" pitchFamily="18" charset="0"/>
+                                </a:rPr>
+                                <m:t>−1</m:t>
+                              </m:r>
+                            </m:sub>
+                          </m:sSub>
+                        </m:e>
+                      </m:acc>
+                    </m:oMath>
+                  </m:oMathPara>
+                </a14:m>
+                <a:endParaRPr lang="en-US" b="0" dirty="0"/>
+              </a:p>
+            </p:txBody>
+          </p:sp>
+        </mc:Choice>
+        <mc:Fallback>
+          <p:sp>
+            <p:nvSpPr>
+              <p:cNvPr id="28" name="TextBox 27">
+                <a:extLst>
+                  <a:ext uri="{FF2B5EF4-FFF2-40B4-BE49-F238E27FC236}">
+                    <a16:creationId xmlns:a16="http://schemas.microsoft.com/office/drawing/2014/main" id="{94AE3574-34D2-6B66-0AAF-4FDF13B721A6}"/>
+                  </a:ext>
+                </a:extLst>
+              </p:cNvPr>
+              <p:cNvSpPr txBox="1">
+                <a:spLocks noRot="1" noChangeAspect="1" noMove="1" noResize="1" noEditPoints="1" noAdjustHandles="1" noChangeArrowheads="1" noChangeShapeType="1" noTextEdit="1"/>
+              </p:cNvSpPr>
+              <p:nvPr/>
+            </p:nvSpPr>
+            <p:spPr>
+              <a:xfrm>
+                <a:off x="8283402" y="4652309"/>
+                <a:ext cx="480196" cy="276999"/>
+              </a:xfrm>
+              <a:prstGeom prst="rect">
+                <a:avLst/>
+              </a:prstGeom>
+              <a:blipFill>
+                <a:blip r:embed="rId7"/>
+                <a:stretch>
+                  <a:fillRect l="-11392" t="-23913" r="-25316" b="-17391"/>
+                </a:stretch>
+              </a:blipFill>
+            </p:spPr>
+            <p:txBody>
+              <a:bodyPr/>
+              <a:lstStyle/>
+              <a:p>
+                <a:r>
+                  <a:rPr lang="en-US">
+                    <a:noFill/>
+                  </a:rPr>
+                  <a:t> </a:t>
+                </a:r>
+              </a:p>
+            </p:txBody>
+          </p:sp>
+        </mc:Fallback>
+      </mc:AlternateContent>
+      <p:sp>
+        <p:nvSpPr>
+          <p:cNvPr id="30" name="Oval 29">
+            <a:extLst>
+              <a:ext uri="{FF2B5EF4-FFF2-40B4-BE49-F238E27FC236}">
+                <a16:creationId xmlns:a16="http://schemas.microsoft.com/office/drawing/2014/main" id="{AE950744-BF7F-80CA-B8FE-BEC8463C08E3}"/>
+              </a:ext>
+            </a:extLst>
+          </p:cNvPr>
+          <p:cNvSpPr/>
+          <p:nvPr/>
+        </p:nvSpPr>
+        <p:spPr>
+          <a:xfrm>
+            <a:off x="9468325" y="2915928"/>
+            <a:ext cx="55825" cy="67392"/>
+          </a:xfrm>
+          <a:prstGeom prst="ellipse">
+            <a:avLst/>
+          </a:prstGeom>
+          <a:solidFill>
+            <a:schemeClr val="tx1"/>
+          </a:solidFill>
+          <a:ln>
+            <a:solidFill>
+              <a:schemeClr val="tx1"/>
+            </a:solidFill>
+          </a:ln>
+        </p:spPr>
+        <p:txBody>
+          <a:bodyPr wrap="square" lIns="91440" tIns="45720" rIns="91440" bIns="45720" rtlCol="0" anchor="t">
+            <a:spAutoFit/>
+          </a:bodyPr>
+          <a:lstStyle/>
+          <a:p>
+            <a:pPr algn="l"/>
+            <a:endParaRPr lang="en-US" sz="1200" dirty="0">
+              <a:solidFill>
+                <a:schemeClr val="accent6">
+                  <a:lumMod val="75000"/>
+                </a:schemeClr>
+              </a:solidFill>
+              <a:latin typeface="Courier New"/>
+              <a:cs typeface="Calibri"/>
+            </a:endParaRPr>
+          </a:p>
+        </p:txBody>
+      </p:sp>
+      <p:cxnSp>
+        <p:nvCxnSpPr>
+          <p:cNvPr id="32" name="Straight Arrow Connector 31">
+            <a:extLst>
+              <a:ext uri="{FF2B5EF4-FFF2-40B4-BE49-F238E27FC236}">
+                <a16:creationId xmlns:a16="http://schemas.microsoft.com/office/drawing/2014/main" id="{38425797-C796-FCF8-BB9E-624117284ACB}"/>
+              </a:ext>
+            </a:extLst>
+          </p:cNvPr>
+          <p:cNvCxnSpPr>
+            <a:stCxn id="4" idx="3"/>
+          </p:cNvCxnSpPr>
+          <p:nvPr/>
+        </p:nvCxnSpPr>
+        <p:spPr>
+          <a:xfrm flipV="1">
+            <a:off x="8649790" y="3037747"/>
+            <a:ext cx="784618" cy="656623"/>
+          </a:xfrm>
+          <a:prstGeom prst="straightConnector1">
+            <a:avLst/>
+          </a:prstGeom>
+          <a:ln>
+            <a:tailEnd type="triangle"/>
+          </a:ln>
+        </p:spPr>
+        <p:style>
+          <a:lnRef idx="1">
+            <a:schemeClr val="accent1"/>
+          </a:lnRef>
+          <a:fillRef idx="0">
+            <a:schemeClr val="accent1"/>
+          </a:fillRef>
+          <a:effectRef idx="0">
+            <a:schemeClr val="accent1"/>
+          </a:effectRef>
+          <a:fontRef idx="minor">
+            <a:schemeClr val="tx1"/>
+          </a:fontRef>
+        </p:style>
+      </p:cxnSp>
+      <mc:AlternateContent xmlns:mc="http://schemas.openxmlformats.org/markup-compatibility/2006">
+        <mc:Choice xmlns:a14="http://schemas.microsoft.com/office/drawing/2010/main" Requires="a14">
+          <p:sp>
+            <p:nvSpPr>
+              <p:cNvPr id="33" name="TextBox 32">
+                <a:extLst>
+                  <a:ext uri="{FF2B5EF4-FFF2-40B4-BE49-F238E27FC236}">
+                    <a16:creationId xmlns:a16="http://schemas.microsoft.com/office/drawing/2014/main" id="{C28817DC-6FFE-1ABB-2D9B-3E1897DA3E59}"/>
+                  </a:ext>
+                </a:extLst>
+              </p:cNvPr>
+              <p:cNvSpPr txBox="1"/>
+              <p:nvPr/>
+            </p:nvSpPr>
+            <p:spPr>
+              <a:xfrm>
+                <a:off x="8851695" y="3089059"/>
+                <a:ext cx="166969" cy="276999"/>
+              </a:xfrm>
+              <a:prstGeom prst="rect">
+                <a:avLst/>
+              </a:prstGeom>
+              <a:noFill/>
+            </p:spPr>
+            <p:txBody>
+              <a:bodyPr wrap="none" lIns="0" tIns="0" rIns="0" bIns="0" rtlCol="0">
+                <a:spAutoFit/>
+              </a:bodyPr>
+              <a:lstStyle/>
+              <a:p>
+                <a:pPr/>
+                <a14:m>
+                  <m:oMathPara xmlns:m="http://schemas.openxmlformats.org/officeDocument/2006/math">
+                    <m:oMathParaPr>
+                      <m:jc m:val="centerGroup"/>
+                    </m:oMathParaPr>
+                    <m:oMath xmlns:m="http://schemas.openxmlformats.org/officeDocument/2006/math">
+                      <m:r>
+                        <a:rPr lang="en-US" b="0" i="1" smtClean="0">
+                          <a:latin typeface="Cambria Math" panose="02040503050406030204" pitchFamily="18" charset="0"/>
+                        </a:rPr>
+                        <m:t>𝑟</m:t>
+                      </m:r>
+                    </m:oMath>
+                  </m:oMathPara>
+                </a14:m>
+                <a:endParaRPr lang="en-US" b="0" dirty="0"/>
+              </a:p>
+            </p:txBody>
+          </p:sp>
+        </mc:Choice>
+        <mc:Fallback>
+          <p:sp>
+            <p:nvSpPr>
+              <p:cNvPr id="33" name="TextBox 32">
+                <a:extLst>
+                  <a:ext uri="{FF2B5EF4-FFF2-40B4-BE49-F238E27FC236}">
+                    <a16:creationId xmlns:a16="http://schemas.microsoft.com/office/drawing/2014/main" id="{C28817DC-6FFE-1ABB-2D9B-3E1897DA3E59}"/>
+                  </a:ext>
+                </a:extLst>
+              </p:cNvPr>
+              <p:cNvSpPr txBox="1">
+                <a:spLocks noRot="1" noChangeAspect="1" noMove="1" noResize="1" noEditPoints="1" noAdjustHandles="1" noChangeArrowheads="1" noChangeShapeType="1" noTextEdit="1"/>
+              </p:cNvSpPr>
+              <p:nvPr/>
+            </p:nvSpPr>
+            <p:spPr>
+              <a:xfrm>
+                <a:off x="8851695" y="3089059"/>
+                <a:ext cx="166969" cy="276999"/>
+              </a:xfrm>
+              <a:prstGeom prst="rect">
+                <a:avLst/>
+              </a:prstGeom>
+              <a:blipFill>
+                <a:blip r:embed="rId8"/>
+                <a:stretch>
+                  <a:fillRect l="-22222" r="-18519"/>
+                </a:stretch>
+              </a:blipFill>
+            </p:spPr>
+            <p:txBody>
+              <a:bodyPr/>
+              <a:lstStyle/>
+              <a:p>
+                <a:r>
+                  <a:rPr lang="en-US">
+                    <a:noFill/>
+                  </a:rPr>
+                  <a:t> </a:t>
+                </a:r>
+              </a:p>
+            </p:txBody>
+          </p:sp>
+        </mc:Fallback>
+      </mc:AlternateContent>
+      <mc:AlternateContent xmlns:mc="http://schemas.openxmlformats.org/markup-compatibility/2006">
+        <mc:Choice xmlns:a14="http://schemas.microsoft.com/office/drawing/2010/main" Requires="a14">
+          <p:sp>
+            <p:nvSpPr>
+              <p:cNvPr id="34" name="TextBox 33">
+                <a:extLst>
+                  <a:ext uri="{FF2B5EF4-FFF2-40B4-BE49-F238E27FC236}">
+                    <a16:creationId xmlns:a16="http://schemas.microsoft.com/office/drawing/2014/main" id="{22B3F735-3AF2-A7B8-FD3A-94D96D9276EC}"/>
+                  </a:ext>
+                </a:extLst>
+              </p:cNvPr>
+              <p:cNvSpPr txBox="1"/>
+              <p:nvPr/>
+            </p:nvSpPr>
+            <p:spPr>
+              <a:xfrm>
+                <a:off x="10191853" y="4472011"/>
+                <a:ext cx="260584" cy="276999"/>
+              </a:xfrm>
+              <a:prstGeom prst="rect">
+                <a:avLst/>
+              </a:prstGeom>
+              <a:noFill/>
+            </p:spPr>
+            <p:txBody>
+              <a:bodyPr wrap="none" lIns="0" tIns="0" rIns="0" bIns="0" rtlCol="0">
+                <a:spAutoFit/>
+              </a:bodyPr>
+              <a:lstStyle/>
+              <a:p>
+                <a:pPr/>
+                <a14:m>
+                  <m:oMathPara xmlns:m="http://schemas.openxmlformats.org/officeDocument/2006/math">
+                    <m:oMathParaPr>
+                      <m:jc m:val="centerGroup"/>
+                    </m:oMathParaPr>
+                    <m:oMath xmlns:m="http://schemas.openxmlformats.org/officeDocument/2006/math">
+                      <m:acc>
+                        <m:accPr>
+                          <m:chr m:val="̂"/>
+                          <m:ctrlPr>
+                            <a:rPr lang="en-US" b="0" i="1" smtClean="0">
+                              <a:latin typeface="Cambria Math" panose="02040503050406030204" pitchFamily="18" charset="0"/>
+                            </a:rPr>
+                          </m:ctrlPr>
+                        </m:accPr>
+                        <m:e>
+                          <m:sSub>
+                            <m:sSubPr>
+                              <m:ctrlPr>
+                                <a:rPr lang="en-US" b="0" i="1" smtClean="0">
+                                  <a:latin typeface="Cambria Math" panose="02040503050406030204" pitchFamily="18" charset="0"/>
+                                </a:rPr>
+                              </m:ctrlPr>
+                            </m:sSubPr>
+                            <m:e>
+                              <m:r>
+                                <a:rPr lang="en-US" b="0" i="1" smtClean="0">
+                                  <a:latin typeface="Cambria Math" panose="02040503050406030204" pitchFamily="18" charset="0"/>
+                                </a:rPr>
+                                <m:t>𝑛</m:t>
+                              </m:r>
+                            </m:e>
+                            <m:sub>
+                              <m:r>
+                                <a:rPr lang="en-US" b="0" i="1" smtClean="0">
+                                  <a:latin typeface="Cambria Math" panose="02040503050406030204" pitchFamily="18" charset="0"/>
+                                </a:rPr>
+                                <m:t>𝑖</m:t>
+                              </m:r>
+                            </m:sub>
+                          </m:sSub>
+                        </m:e>
+                      </m:acc>
+                    </m:oMath>
+                  </m:oMathPara>
+                </a14:m>
+                <a:endParaRPr lang="en-US" b="0" dirty="0"/>
+              </a:p>
+            </p:txBody>
+          </p:sp>
+        </mc:Choice>
+        <mc:Fallback>
+          <p:sp>
+            <p:nvSpPr>
+              <p:cNvPr id="34" name="TextBox 33">
+                <a:extLst>
+                  <a:ext uri="{FF2B5EF4-FFF2-40B4-BE49-F238E27FC236}">
+                    <a16:creationId xmlns:a16="http://schemas.microsoft.com/office/drawing/2014/main" id="{22B3F735-3AF2-A7B8-FD3A-94D96D9276EC}"/>
+                  </a:ext>
+                </a:extLst>
+              </p:cNvPr>
+              <p:cNvSpPr txBox="1">
+                <a:spLocks noRot="1" noChangeAspect="1" noMove="1" noResize="1" noEditPoints="1" noAdjustHandles="1" noChangeArrowheads="1" noChangeShapeType="1" noTextEdit="1"/>
+              </p:cNvSpPr>
+              <p:nvPr/>
+            </p:nvSpPr>
+            <p:spPr>
+              <a:xfrm>
+                <a:off x="10191853" y="4472011"/>
+                <a:ext cx="260584" cy="276999"/>
+              </a:xfrm>
+              <a:prstGeom prst="rect">
+                <a:avLst/>
+              </a:prstGeom>
+              <a:blipFill>
+                <a:blip r:embed="rId9"/>
+                <a:stretch>
+                  <a:fillRect l="-13953" t="-26667" r="-55814" b="-17778"/>
+                </a:stretch>
+              </a:blipFill>
+            </p:spPr>
+            <p:txBody>
+              <a:bodyPr/>
+              <a:lstStyle/>
+              <a:p>
+                <a:r>
+                  <a:rPr lang="en-US">
+                    <a:noFill/>
+                  </a:rPr>
+                  <a:t> </a:t>
+                </a:r>
+              </a:p>
+            </p:txBody>
+          </p:sp>
+        </mc:Fallback>
+      </mc:AlternateContent>
+      <mc:AlternateContent xmlns:mc="http://schemas.openxmlformats.org/markup-compatibility/2006">
+        <mc:Choice xmlns:a14="http://schemas.microsoft.com/office/drawing/2010/main" Requires="a14">
+          <p:sp>
+            <p:nvSpPr>
+              <p:cNvPr id="35" name="TextBox 34">
+                <a:extLst>
+                  <a:ext uri="{FF2B5EF4-FFF2-40B4-BE49-F238E27FC236}">
+                    <a16:creationId xmlns:a16="http://schemas.microsoft.com/office/drawing/2014/main" id="{B4D617CE-B3B9-778B-70AE-8DD8634EE405}"/>
+                  </a:ext>
+                </a:extLst>
+              </p:cNvPr>
+              <p:cNvSpPr txBox="1"/>
+              <p:nvPr/>
+            </p:nvSpPr>
+            <p:spPr>
+              <a:xfrm>
+                <a:off x="9243724" y="4583819"/>
+                <a:ext cx="250325" cy="276999"/>
+              </a:xfrm>
+              <a:prstGeom prst="rect">
+                <a:avLst/>
+              </a:prstGeom>
+              <a:noFill/>
+            </p:spPr>
+            <p:txBody>
+              <a:bodyPr wrap="none" lIns="0" tIns="0" rIns="0" bIns="0" rtlCol="0">
+                <a:spAutoFit/>
+              </a:bodyPr>
+              <a:lstStyle/>
+              <a:p>
+                <a:pPr/>
+                <a14:m>
+                  <m:oMathPara xmlns:m="http://schemas.openxmlformats.org/officeDocument/2006/math">
+                    <m:oMathParaPr>
+                      <m:jc m:val="centerGroup"/>
+                    </m:oMathParaPr>
+                    <m:oMath xmlns:m="http://schemas.openxmlformats.org/officeDocument/2006/math">
+                      <m:sSub>
+                        <m:sSubPr>
+                          <m:ctrlPr>
+                            <a:rPr lang="en-US" b="0" i="1" smtClean="0">
+                              <a:latin typeface="Cambria Math" panose="02040503050406030204" pitchFamily="18" charset="0"/>
+                            </a:rPr>
+                          </m:ctrlPr>
+                        </m:sSubPr>
+                        <m:e>
+                          <m:r>
+                            <a:rPr lang="en-US" b="0" i="1" smtClean="0">
+                              <a:latin typeface="Cambria Math" panose="02040503050406030204" pitchFamily="18" charset="0"/>
+                            </a:rPr>
+                            <m:t>𝑣</m:t>
+                          </m:r>
+                        </m:e>
+                        <m:sub>
+                          <m:r>
+                            <a:rPr lang="en-US" b="0" i="1" smtClean="0">
+                              <a:latin typeface="Cambria Math" panose="02040503050406030204" pitchFamily="18" charset="0"/>
+                            </a:rPr>
+                            <m:t>𝑖</m:t>
+                          </m:r>
+                        </m:sub>
+                      </m:sSub>
+                    </m:oMath>
+                  </m:oMathPara>
+                </a14:m>
+                <a:endParaRPr lang="en-US" b="0" dirty="0"/>
+              </a:p>
+            </p:txBody>
+          </p:sp>
+        </mc:Choice>
+        <mc:Fallback>
+          <p:sp>
+            <p:nvSpPr>
+              <p:cNvPr id="35" name="TextBox 34">
+                <a:extLst>
+                  <a:ext uri="{FF2B5EF4-FFF2-40B4-BE49-F238E27FC236}">
+                    <a16:creationId xmlns:a16="http://schemas.microsoft.com/office/drawing/2014/main" id="{B4D617CE-B3B9-778B-70AE-8DD8634EE405}"/>
+                  </a:ext>
+                </a:extLst>
+              </p:cNvPr>
+              <p:cNvSpPr txBox="1">
+                <a:spLocks noRot="1" noChangeAspect="1" noMove="1" noResize="1" noEditPoints="1" noAdjustHandles="1" noChangeArrowheads="1" noChangeShapeType="1" noTextEdit="1"/>
+              </p:cNvSpPr>
+              <p:nvPr/>
+            </p:nvSpPr>
+            <p:spPr>
+              <a:xfrm>
+                <a:off x="9243724" y="4583819"/>
+                <a:ext cx="250325" cy="276999"/>
+              </a:xfrm>
+              <a:prstGeom prst="rect">
+                <a:avLst/>
+              </a:prstGeom>
+              <a:blipFill>
+                <a:blip r:embed="rId10"/>
+                <a:stretch>
+                  <a:fillRect l="-14634" r="-12195" b="-17778"/>
+                </a:stretch>
+              </a:blipFill>
+            </p:spPr>
+            <p:txBody>
+              <a:bodyPr/>
+              <a:lstStyle/>
+              <a:p>
+                <a:r>
+                  <a:rPr lang="en-US">
+                    <a:noFill/>
+                  </a:rPr>
+                  <a:t> </a:t>
+                </a:r>
+              </a:p>
+            </p:txBody>
+          </p:sp>
+        </mc:Fallback>
+      </mc:AlternateContent>
+      <mc:AlternateContent xmlns:mc="http://schemas.openxmlformats.org/markup-compatibility/2006">
+        <mc:Choice xmlns:a14="http://schemas.microsoft.com/office/drawing/2010/main" Requires="a14">
+          <p:sp>
+            <p:nvSpPr>
+              <p:cNvPr id="37" name="TextBox 36">
+                <a:extLst>
+                  <a:ext uri="{FF2B5EF4-FFF2-40B4-BE49-F238E27FC236}">
+                    <a16:creationId xmlns:a16="http://schemas.microsoft.com/office/drawing/2014/main" id="{7ACFE3B5-09BA-0480-83EF-3E53D914C9F4}"/>
+                  </a:ext>
+                </a:extLst>
+              </p:cNvPr>
+              <p:cNvSpPr txBox="1"/>
+              <p:nvPr/>
+            </p:nvSpPr>
+            <p:spPr>
+              <a:xfrm>
+                <a:off x="488365" y="4790808"/>
+                <a:ext cx="6096740" cy="1579728"/>
+              </a:xfrm>
+              <a:prstGeom prst="rect">
+                <a:avLst/>
+              </a:prstGeom>
+              <a:noFill/>
+            </p:spPr>
+            <p:txBody>
+              <a:bodyPr wrap="square">
+                <a:spAutoFit/>
+              </a:bodyPr>
+              <a:lstStyle/>
+              <a:p>
+                <a:pPr/>
+                <a:br>
+                  <a:rPr lang="en-US" b="0" i="1" dirty="0">
+                    <a:latin typeface="Cambria Math" panose="02040503050406030204" pitchFamily="18" charset="0"/>
+                  </a:rPr>
+                </a:br>
+                <a14:m>
+                  <m:oMathPara xmlns:m="http://schemas.openxmlformats.org/officeDocument/2006/math">
+                    <m:oMathParaPr>
+                      <m:jc m:val="centerGroup"/>
+                    </m:oMathParaPr>
+                    <m:oMath xmlns:m="http://schemas.openxmlformats.org/officeDocument/2006/math">
+                      <m:d>
+                        <m:dPr>
+                          <m:begChr m:val="["/>
+                          <m:endChr m:val="]"/>
+                          <m:ctrlPr>
+                            <a:rPr lang="en-US" b="0" i="1" smtClean="0">
+                              <a:latin typeface="Cambria Math" panose="02040503050406030204" pitchFamily="18" charset="0"/>
+                            </a:rPr>
+                          </m:ctrlPr>
+                        </m:dPr>
+                        <m:e>
+                          <m:m>
+                            <m:mPr>
+                              <m:mcs>
+                                <m:mc>
+                                  <m:mcPr>
+                                    <m:count m:val="1"/>
+                                    <m:mcJc m:val="center"/>
+                                  </m:mcPr>
+                                </m:mc>
+                              </m:mcs>
+                              <m:ctrlPr>
+                                <a:rPr lang="en-US" b="0" i="1" smtClean="0">
+                                  <a:latin typeface="Cambria Math" panose="02040503050406030204" pitchFamily="18" charset="0"/>
+                                </a:rPr>
+                              </m:ctrlPr>
+                            </m:mPr>
+                            <m:mr>
+                              <m:e>
+                                <m:sSub>
+                                  <m:sSubPr>
+                                    <m:ctrlPr>
+                                      <a:rPr lang="en-US" i="1">
+                                        <a:latin typeface="Cambria Math" panose="02040503050406030204" pitchFamily="18" charset="0"/>
+                                      </a:rPr>
+                                    </m:ctrlPr>
+                                  </m:sSubPr>
+                                  <m:e>
+                                    <m:r>
+                                      <a:rPr lang="en-US" i="1">
+                                        <a:latin typeface="Cambria Math" panose="02040503050406030204" pitchFamily="18" charset="0"/>
+                                      </a:rPr>
+                                      <m:t>𝑣</m:t>
+                                    </m:r>
+                                  </m:e>
+                                  <m:sub>
+                                    <m:r>
+                                      <a:rPr lang="en-US" i="1">
+                                        <a:latin typeface="Cambria Math" panose="02040503050406030204" pitchFamily="18" charset="0"/>
+                                      </a:rPr>
+                                      <m:t>𝑖</m:t>
+                                    </m:r>
+                                  </m:sub>
+                                </m:sSub>
+                                <m:r>
+                                  <a:rPr lang="en-US" i="1">
+                                    <a:latin typeface="Cambria Math" panose="02040503050406030204" pitchFamily="18" charset="0"/>
+                                  </a:rPr>
+                                  <m:t>⋅</m:t>
+                                </m:r>
+                                <m:acc>
+                                  <m:accPr>
+                                    <m:chr m:val="̂"/>
+                                    <m:ctrlPr>
+                                      <a:rPr lang="en-US" i="1">
+                                        <a:latin typeface="Cambria Math" panose="02040503050406030204" pitchFamily="18" charset="0"/>
+                                      </a:rPr>
+                                    </m:ctrlPr>
+                                  </m:accPr>
+                                  <m:e>
+                                    <m:sSub>
+                                      <m:sSubPr>
+                                        <m:ctrlPr>
+                                          <a:rPr lang="en-US" i="1">
+                                            <a:latin typeface="Cambria Math" panose="02040503050406030204" pitchFamily="18" charset="0"/>
+                                          </a:rPr>
+                                        </m:ctrlPr>
+                                      </m:sSubPr>
+                                      <m:e>
+                                        <m:r>
+                                          <a:rPr lang="en-US" i="1">
+                                            <a:latin typeface="Cambria Math" panose="02040503050406030204" pitchFamily="18" charset="0"/>
+                                          </a:rPr>
+                                          <m:t>𝑛</m:t>
+                                        </m:r>
+                                      </m:e>
+                                      <m:sub>
+                                        <m:r>
+                                          <a:rPr lang="en-US" i="1">
+                                            <a:latin typeface="Cambria Math" panose="02040503050406030204" pitchFamily="18" charset="0"/>
+                                          </a:rPr>
+                                          <m:t>𝑖</m:t>
+                                        </m:r>
+                                      </m:sub>
+                                    </m:sSub>
+                                  </m:e>
+                                </m:acc>
+                              </m:e>
+                            </m:mr>
+                            <m:mr>
+                              <m:e>
+                                <m:sSub>
+                                  <m:sSubPr>
+                                    <m:ctrlPr>
+                                      <a:rPr lang="en-US" i="1">
+                                        <a:latin typeface="Cambria Math" panose="02040503050406030204" pitchFamily="18" charset="0"/>
+                                      </a:rPr>
+                                    </m:ctrlPr>
+                                  </m:sSubPr>
+                                  <m:e>
+                                    <m:r>
+                                      <a:rPr lang="en-US" i="1">
+                                        <a:latin typeface="Cambria Math" panose="02040503050406030204" pitchFamily="18" charset="0"/>
+                                      </a:rPr>
+                                      <m:t>𝑣</m:t>
+                                    </m:r>
+                                  </m:e>
+                                  <m:sub>
+                                    <m:r>
+                                      <a:rPr lang="en-US" b="0" i="1" smtClean="0">
+                                        <a:latin typeface="Cambria Math" panose="02040503050406030204" pitchFamily="18" charset="0"/>
+                                      </a:rPr>
+                                      <m:t>𝑗</m:t>
+                                    </m:r>
+                                  </m:sub>
+                                </m:sSub>
+                                <m:r>
+                                  <a:rPr lang="en-US" i="1">
+                                    <a:latin typeface="Cambria Math" panose="02040503050406030204" pitchFamily="18" charset="0"/>
+                                  </a:rPr>
+                                  <m:t>⋅</m:t>
+                                </m:r>
+                                <m:acc>
+                                  <m:accPr>
+                                    <m:chr m:val="̂"/>
+                                    <m:ctrlPr>
+                                      <a:rPr lang="en-US" i="1">
+                                        <a:latin typeface="Cambria Math" panose="02040503050406030204" pitchFamily="18" charset="0"/>
+                                      </a:rPr>
+                                    </m:ctrlPr>
+                                  </m:accPr>
+                                  <m:e>
+                                    <m:sSub>
+                                      <m:sSubPr>
+                                        <m:ctrlPr>
+                                          <a:rPr lang="en-US" i="1">
+                                            <a:latin typeface="Cambria Math" panose="02040503050406030204" pitchFamily="18" charset="0"/>
+                                          </a:rPr>
+                                        </m:ctrlPr>
+                                      </m:sSubPr>
+                                      <m:e>
+                                        <m:r>
+                                          <a:rPr lang="en-US" i="1">
+                                            <a:latin typeface="Cambria Math" panose="02040503050406030204" pitchFamily="18" charset="0"/>
+                                          </a:rPr>
+                                          <m:t>𝑛</m:t>
+                                        </m:r>
+                                      </m:e>
+                                      <m:sub>
+                                        <m:r>
+                                          <a:rPr lang="en-US" b="0" i="1" smtClean="0">
+                                            <a:latin typeface="Cambria Math" panose="02040503050406030204" pitchFamily="18" charset="0"/>
+                                          </a:rPr>
+                                          <m:t>𝑗</m:t>
+                                        </m:r>
+                                      </m:sub>
+                                    </m:sSub>
+                                  </m:e>
+                                </m:acc>
+                              </m:e>
+                            </m:mr>
+                            <m:mr>
+                              <m:e>
+                                <m:sSub>
+                                  <m:sSubPr>
+                                    <m:ctrlPr>
+                                      <a:rPr lang="en-US" i="1">
+                                        <a:latin typeface="Cambria Math" panose="02040503050406030204" pitchFamily="18" charset="0"/>
+                                      </a:rPr>
+                                    </m:ctrlPr>
+                                  </m:sSubPr>
+                                  <m:e>
+                                    <m:r>
+                                      <a:rPr lang="en-US" i="1">
+                                        <a:latin typeface="Cambria Math" panose="02040503050406030204" pitchFamily="18" charset="0"/>
+                                      </a:rPr>
+                                      <m:t>𝑣</m:t>
+                                    </m:r>
+                                  </m:e>
+                                  <m:sub>
+                                    <m:r>
+                                      <a:rPr lang="en-US" b="0" i="1" smtClean="0">
+                                        <a:latin typeface="Cambria Math" panose="02040503050406030204" pitchFamily="18" charset="0"/>
+                                      </a:rPr>
+                                      <m:t>𝑘</m:t>
+                                    </m:r>
+                                  </m:sub>
+                                </m:sSub>
+                                <m:r>
+                                  <a:rPr lang="en-US" i="1">
+                                    <a:latin typeface="Cambria Math" panose="02040503050406030204" pitchFamily="18" charset="0"/>
+                                  </a:rPr>
+                                  <m:t>⋅</m:t>
+                                </m:r>
+                                <m:acc>
+                                  <m:accPr>
+                                    <m:chr m:val="̂"/>
+                                    <m:ctrlPr>
+                                      <a:rPr lang="en-US" i="1">
+                                        <a:latin typeface="Cambria Math" panose="02040503050406030204" pitchFamily="18" charset="0"/>
+                                      </a:rPr>
+                                    </m:ctrlPr>
+                                  </m:accPr>
+                                  <m:e>
+                                    <m:sSub>
+                                      <m:sSubPr>
+                                        <m:ctrlPr>
+                                          <a:rPr lang="en-US" i="1">
+                                            <a:latin typeface="Cambria Math" panose="02040503050406030204" pitchFamily="18" charset="0"/>
+                                          </a:rPr>
+                                        </m:ctrlPr>
+                                      </m:sSubPr>
+                                      <m:e>
+                                        <m:r>
+                                          <a:rPr lang="en-US" i="1">
+                                            <a:latin typeface="Cambria Math" panose="02040503050406030204" pitchFamily="18" charset="0"/>
+                                          </a:rPr>
+                                          <m:t>𝑛</m:t>
+                                        </m:r>
+                                      </m:e>
+                                      <m:sub>
+                                        <m:r>
+                                          <a:rPr lang="en-US" b="0" i="1" smtClean="0">
+                                            <a:latin typeface="Cambria Math" panose="02040503050406030204" pitchFamily="18" charset="0"/>
+                                          </a:rPr>
+                                          <m:t>𝑘</m:t>
+                                        </m:r>
+                                      </m:sub>
+                                    </m:sSub>
+                                  </m:e>
+                                </m:acc>
+                              </m:e>
+                            </m:mr>
+                          </m:m>
+                        </m:e>
+                      </m:d>
+                      <m:r>
+                        <a:rPr lang="en-US" b="0" i="1" smtClean="0">
+                          <a:latin typeface="Cambria Math" panose="02040503050406030204" pitchFamily="18" charset="0"/>
+                        </a:rPr>
+                        <m:t>=</m:t>
+                      </m:r>
+                      <m:d>
+                        <m:dPr>
+                          <m:begChr m:val="["/>
+                          <m:endChr m:val="]"/>
+                          <m:ctrlPr>
+                            <a:rPr lang="en-US" b="0" i="1" smtClean="0">
+                              <a:latin typeface="Cambria Math" panose="02040503050406030204" pitchFamily="18" charset="0"/>
+                            </a:rPr>
+                          </m:ctrlPr>
+                        </m:dPr>
+                        <m:e>
+                          <m:m>
+                            <m:mPr>
+                              <m:mcs>
+                                <m:mc>
+                                  <m:mcPr>
+                                    <m:count m:val="3"/>
+                                    <m:mcJc m:val="center"/>
+                                  </m:mcPr>
+                                </m:mc>
+                              </m:mcs>
+                              <m:ctrlPr>
+                                <a:rPr lang="en-US" b="0" i="1" smtClean="0">
+                                  <a:latin typeface="Cambria Math" panose="02040503050406030204" pitchFamily="18" charset="0"/>
+                                </a:rPr>
+                              </m:ctrlPr>
+                            </m:mPr>
+                            <m:mr>
+                              <m:e>
+                                <m:acc>
+                                  <m:accPr>
+                                    <m:chr m:val="̂"/>
+                                    <m:ctrlPr>
+                                      <a:rPr lang="en-US" i="1">
+                                        <a:latin typeface="Cambria Math" panose="02040503050406030204" pitchFamily="18" charset="0"/>
+                                      </a:rPr>
+                                    </m:ctrlPr>
+                                  </m:accPr>
+                                  <m:e>
+                                    <m:sSub>
+                                      <m:sSubPr>
+                                        <m:ctrlPr>
+                                          <a:rPr lang="en-US" i="1">
+                                            <a:latin typeface="Cambria Math" panose="02040503050406030204" pitchFamily="18" charset="0"/>
+                                          </a:rPr>
+                                        </m:ctrlPr>
+                                      </m:sSubPr>
+                                      <m:e>
+                                        <m:r>
+                                          <a:rPr lang="en-US" i="1">
+                                            <a:latin typeface="Cambria Math" panose="02040503050406030204" pitchFamily="18" charset="0"/>
+                                          </a:rPr>
+                                          <m:t>𝑛</m:t>
+                                        </m:r>
+                                      </m:e>
+                                      <m:sub>
+                                        <m:r>
+                                          <a:rPr lang="en-US" i="1">
+                                            <a:latin typeface="Cambria Math" panose="02040503050406030204" pitchFamily="18" charset="0"/>
+                                          </a:rPr>
+                                          <m:t>𝑖𝑥</m:t>
+                                        </m:r>
+                                      </m:sub>
+                                    </m:sSub>
+                                  </m:e>
+                                </m:acc>
+                              </m:e>
+                              <m:e>
+                                <m:acc>
+                                  <m:accPr>
+                                    <m:chr m:val="̂"/>
+                                    <m:ctrlPr>
+                                      <a:rPr lang="en-US" i="1">
+                                        <a:latin typeface="Cambria Math" panose="02040503050406030204" pitchFamily="18" charset="0"/>
+                                      </a:rPr>
+                                    </m:ctrlPr>
+                                  </m:accPr>
+                                  <m:e>
+                                    <m:sSub>
+                                      <m:sSubPr>
+                                        <m:ctrlPr>
+                                          <a:rPr lang="en-US" i="1">
+                                            <a:latin typeface="Cambria Math" panose="02040503050406030204" pitchFamily="18" charset="0"/>
+                                          </a:rPr>
+                                        </m:ctrlPr>
+                                      </m:sSubPr>
+                                      <m:e>
+                                        <m:r>
+                                          <a:rPr lang="en-US" i="1">
+                                            <a:latin typeface="Cambria Math" panose="02040503050406030204" pitchFamily="18" charset="0"/>
+                                          </a:rPr>
+                                          <m:t>𝑛</m:t>
+                                        </m:r>
+                                      </m:e>
+                                      <m:sub>
+                                        <m:r>
+                                          <a:rPr lang="en-US" i="1">
+                                            <a:latin typeface="Cambria Math" panose="02040503050406030204" pitchFamily="18" charset="0"/>
+                                          </a:rPr>
+                                          <m:t>𝑖</m:t>
+                                        </m:r>
+                                        <m:r>
+                                          <a:rPr lang="en-US" b="0" i="1" smtClean="0">
+                                            <a:latin typeface="Cambria Math" panose="02040503050406030204" pitchFamily="18" charset="0"/>
+                                          </a:rPr>
+                                          <m:t>𝑦</m:t>
+                                        </m:r>
+                                      </m:sub>
+                                    </m:sSub>
+                                  </m:e>
+                                </m:acc>
+                              </m:e>
+                              <m:e>
+                                <m:r>
+                                  <a:rPr lang="en-US" b="0" i="1" smtClean="0">
+                                    <a:latin typeface="Cambria Math" panose="02040503050406030204" pitchFamily="18" charset="0"/>
+                                  </a:rPr>
+                                  <m:t>−1</m:t>
+                                </m:r>
+                              </m:e>
+                            </m:mr>
+                            <m:mr>
+                              <m:e>
+                                <m:acc>
+                                  <m:accPr>
+                                    <m:chr m:val="̂"/>
+                                    <m:ctrlPr>
+                                      <a:rPr lang="en-US" i="1">
+                                        <a:latin typeface="Cambria Math" panose="02040503050406030204" pitchFamily="18" charset="0"/>
+                                      </a:rPr>
+                                    </m:ctrlPr>
+                                  </m:accPr>
+                                  <m:e>
+                                    <m:sSub>
+                                      <m:sSubPr>
+                                        <m:ctrlPr>
+                                          <a:rPr lang="en-US" i="1">
+                                            <a:latin typeface="Cambria Math" panose="02040503050406030204" pitchFamily="18" charset="0"/>
+                                          </a:rPr>
+                                        </m:ctrlPr>
+                                      </m:sSubPr>
+                                      <m:e>
+                                        <m:r>
+                                          <a:rPr lang="en-US" i="1">
+                                            <a:latin typeface="Cambria Math" panose="02040503050406030204" pitchFamily="18" charset="0"/>
+                                          </a:rPr>
+                                          <m:t>𝑛</m:t>
+                                        </m:r>
+                                      </m:e>
+                                      <m:sub>
+                                        <m:r>
+                                          <a:rPr lang="en-US" b="0" i="1" smtClean="0">
+                                            <a:latin typeface="Cambria Math" panose="02040503050406030204" pitchFamily="18" charset="0"/>
+                                          </a:rPr>
+                                          <m:t>𝑗</m:t>
+                                        </m:r>
+                                        <m:r>
+                                          <a:rPr lang="en-US" i="1">
+                                            <a:latin typeface="Cambria Math" panose="02040503050406030204" pitchFamily="18" charset="0"/>
+                                          </a:rPr>
+                                          <m:t>𝑥</m:t>
+                                        </m:r>
+                                      </m:sub>
+                                    </m:sSub>
+                                  </m:e>
+                                </m:acc>
+                              </m:e>
+                              <m:e>
+                                <m:acc>
+                                  <m:accPr>
+                                    <m:chr m:val="̂"/>
+                                    <m:ctrlPr>
+                                      <a:rPr lang="en-US" i="1">
+                                        <a:latin typeface="Cambria Math" panose="02040503050406030204" pitchFamily="18" charset="0"/>
+                                      </a:rPr>
+                                    </m:ctrlPr>
+                                  </m:accPr>
+                                  <m:e>
+                                    <m:sSub>
+                                      <m:sSubPr>
+                                        <m:ctrlPr>
+                                          <a:rPr lang="en-US" i="1">
+                                            <a:latin typeface="Cambria Math" panose="02040503050406030204" pitchFamily="18" charset="0"/>
+                                          </a:rPr>
+                                        </m:ctrlPr>
+                                      </m:sSubPr>
+                                      <m:e>
+                                        <m:r>
+                                          <a:rPr lang="en-US" i="1">
+                                            <a:latin typeface="Cambria Math" panose="02040503050406030204" pitchFamily="18" charset="0"/>
+                                          </a:rPr>
+                                          <m:t>𝑛</m:t>
+                                        </m:r>
+                                      </m:e>
+                                      <m:sub>
+                                        <m:r>
+                                          <a:rPr lang="en-US" b="0" i="1" smtClean="0">
+                                            <a:latin typeface="Cambria Math" panose="02040503050406030204" pitchFamily="18" charset="0"/>
+                                          </a:rPr>
+                                          <m:t>𝑗</m:t>
+                                        </m:r>
+                                        <m:r>
+                                          <a:rPr lang="en-US" i="1">
+                                            <a:latin typeface="Cambria Math" panose="02040503050406030204" pitchFamily="18" charset="0"/>
+                                          </a:rPr>
+                                          <m:t>𝑦</m:t>
+                                        </m:r>
+                                      </m:sub>
+                                    </m:sSub>
+                                  </m:e>
+                                </m:acc>
+                              </m:e>
+                              <m:e>
+                                <m:r>
+                                  <a:rPr lang="en-US" b="0" i="1" smtClean="0">
+                                    <a:latin typeface="Cambria Math" panose="02040503050406030204" pitchFamily="18" charset="0"/>
+                                  </a:rPr>
+                                  <m:t>−1</m:t>
+                                </m:r>
+                              </m:e>
+                            </m:mr>
+                            <m:mr>
+                              <m:e>
+                                <m:acc>
+                                  <m:accPr>
+                                    <m:chr m:val="̂"/>
+                                    <m:ctrlPr>
+                                      <a:rPr lang="en-US" i="1">
+                                        <a:latin typeface="Cambria Math" panose="02040503050406030204" pitchFamily="18" charset="0"/>
+                                      </a:rPr>
+                                    </m:ctrlPr>
+                                  </m:accPr>
+                                  <m:e>
+                                    <m:sSub>
+                                      <m:sSubPr>
+                                        <m:ctrlPr>
+                                          <a:rPr lang="en-US" i="1">
+                                            <a:latin typeface="Cambria Math" panose="02040503050406030204" pitchFamily="18" charset="0"/>
+                                          </a:rPr>
+                                        </m:ctrlPr>
+                                      </m:sSubPr>
+                                      <m:e>
+                                        <m:r>
+                                          <a:rPr lang="en-US" i="1">
+                                            <a:latin typeface="Cambria Math" panose="02040503050406030204" pitchFamily="18" charset="0"/>
+                                          </a:rPr>
+                                          <m:t>𝑛</m:t>
+                                        </m:r>
+                                      </m:e>
+                                      <m:sub>
+                                        <m:r>
+                                          <a:rPr lang="en-US" b="0" i="1" smtClean="0">
+                                            <a:latin typeface="Cambria Math" panose="02040503050406030204" pitchFamily="18" charset="0"/>
+                                          </a:rPr>
+                                          <m:t>𝑘</m:t>
+                                        </m:r>
+                                        <m:r>
+                                          <a:rPr lang="en-US" i="1">
+                                            <a:latin typeface="Cambria Math" panose="02040503050406030204" pitchFamily="18" charset="0"/>
+                                          </a:rPr>
+                                          <m:t>𝑥</m:t>
+                                        </m:r>
+                                      </m:sub>
+                                    </m:sSub>
+                                  </m:e>
+                                </m:acc>
+                              </m:e>
+                              <m:e>
+                                <m:acc>
+                                  <m:accPr>
+                                    <m:chr m:val="̂"/>
+                                    <m:ctrlPr>
+                                      <a:rPr lang="en-US" i="1">
+                                        <a:latin typeface="Cambria Math" panose="02040503050406030204" pitchFamily="18" charset="0"/>
+                                      </a:rPr>
+                                    </m:ctrlPr>
+                                  </m:accPr>
+                                  <m:e>
+                                    <m:sSub>
+                                      <m:sSubPr>
+                                        <m:ctrlPr>
+                                          <a:rPr lang="en-US" i="1">
+                                            <a:latin typeface="Cambria Math" panose="02040503050406030204" pitchFamily="18" charset="0"/>
+                                          </a:rPr>
+                                        </m:ctrlPr>
+                                      </m:sSubPr>
+                                      <m:e>
+                                        <m:r>
+                                          <a:rPr lang="en-US" i="1">
+                                            <a:latin typeface="Cambria Math" panose="02040503050406030204" pitchFamily="18" charset="0"/>
+                                          </a:rPr>
+                                          <m:t>𝑛</m:t>
+                                        </m:r>
+                                      </m:e>
+                                      <m:sub>
+                                        <m:r>
+                                          <a:rPr lang="en-US" b="0" i="1" smtClean="0">
+                                            <a:latin typeface="Cambria Math" panose="02040503050406030204" pitchFamily="18" charset="0"/>
+                                          </a:rPr>
+                                          <m:t>𝑘</m:t>
+                                        </m:r>
+                                        <m:r>
+                                          <a:rPr lang="en-US" i="1">
+                                            <a:latin typeface="Cambria Math" panose="02040503050406030204" pitchFamily="18" charset="0"/>
+                                          </a:rPr>
+                                          <m:t>𝑦</m:t>
+                                        </m:r>
+                                      </m:sub>
+                                    </m:sSub>
+                                  </m:e>
+                                </m:acc>
+                              </m:e>
+                              <m:e>
+                                <m:r>
+                                  <a:rPr lang="en-US" b="0" i="1" smtClean="0">
+                                    <a:latin typeface="Cambria Math" panose="02040503050406030204" pitchFamily="18" charset="0"/>
+                                  </a:rPr>
+                                  <m:t>−1</m:t>
+                                </m:r>
+                              </m:e>
+                            </m:mr>
+                          </m:m>
+                        </m:e>
+                      </m:d>
+                      <m:r>
+                        <a:rPr lang="en-US" b="0" i="1" smtClean="0">
+                          <a:latin typeface="Cambria Math" panose="02040503050406030204" pitchFamily="18" charset="0"/>
+                        </a:rPr>
+                        <m:t>⋅</m:t>
+                      </m:r>
+                      <m:d>
+                        <m:dPr>
+                          <m:begChr m:val="["/>
+                          <m:endChr m:val="]"/>
+                          <m:ctrlPr>
+                            <a:rPr lang="en-US" b="0" i="1" smtClean="0">
+                              <a:latin typeface="Cambria Math" panose="02040503050406030204" pitchFamily="18" charset="0"/>
+                            </a:rPr>
+                          </m:ctrlPr>
+                        </m:dPr>
+                        <m:e>
+                          <m:m>
+                            <m:mPr>
+                              <m:mcs>
+                                <m:mc>
+                                  <m:mcPr>
+                                    <m:count m:val="1"/>
+                                    <m:mcJc m:val="center"/>
+                                  </m:mcPr>
+                                </m:mc>
+                              </m:mcs>
+                              <m:ctrlPr>
+                                <a:rPr lang="en-US" b="0" i="1" smtClean="0">
+                                  <a:latin typeface="Cambria Math" panose="02040503050406030204" pitchFamily="18" charset="0"/>
+                                </a:rPr>
+                              </m:ctrlPr>
+                            </m:mPr>
+                            <m:mr>
+                              <m:e>
+                                <m:sSub>
+                                  <m:sSubPr>
+                                    <m:ctrlPr>
+                                      <a:rPr lang="en-US" b="0" i="1" smtClean="0">
+                                        <a:latin typeface="Cambria Math" panose="02040503050406030204" pitchFamily="18" charset="0"/>
+                                      </a:rPr>
+                                    </m:ctrlPr>
+                                  </m:sSubPr>
+                                  <m:e>
+                                    <m:r>
+                                      <m:rPr>
+                                        <m:brk m:alnAt="7"/>
+                                      </m:rPr>
+                                      <a:rPr lang="en-US" b="0" i="1" smtClean="0">
+                                        <a:latin typeface="Cambria Math" panose="02040503050406030204" pitchFamily="18" charset="0"/>
+                                      </a:rPr>
+                                      <m:t>𝐶</m:t>
+                                    </m:r>
+                                  </m:e>
+                                  <m:sub>
+                                    <m:r>
+                                      <m:rPr>
+                                        <m:brk m:alnAt="7"/>
+                                      </m:rPr>
+                                      <a:rPr lang="en-US" b="0" i="1" smtClean="0">
+                                        <a:latin typeface="Cambria Math" panose="02040503050406030204" pitchFamily="18" charset="0"/>
+                                      </a:rPr>
+                                      <m:t>𝑥</m:t>
+                                    </m:r>
+                                  </m:sub>
+                                </m:sSub>
+                              </m:e>
+                            </m:mr>
+                            <m:mr>
+                              <m:e>
+                                <m:sSub>
+                                  <m:sSubPr>
+                                    <m:ctrlPr>
+                                      <a:rPr lang="en-US" b="0" i="1" smtClean="0">
+                                        <a:latin typeface="Cambria Math" panose="02040503050406030204" pitchFamily="18" charset="0"/>
+                                      </a:rPr>
+                                    </m:ctrlPr>
+                                  </m:sSubPr>
+                                  <m:e>
+                                    <m:r>
+                                      <a:rPr lang="en-US" b="0" i="1" smtClean="0">
+                                        <a:latin typeface="Cambria Math" panose="02040503050406030204" pitchFamily="18" charset="0"/>
+                                      </a:rPr>
+                                      <m:t>𝐶</m:t>
+                                    </m:r>
+                                  </m:e>
+                                  <m:sub>
+                                    <m:r>
+                                      <a:rPr lang="en-US" b="0" i="1" smtClean="0">
+                                        <a:latin typeface="Cambria Math" panose="02040503050406030204" pitchFamily="18" charset="0"/>
+                                      </a:rPr>
+                                      <m:t>𝑦</m:t>
+                                    </m:r>
+                                  </m:sub>
+                                </m:sSub>
+                              </m:e>
+                            </m:mr>
+                            <m:mr>
+                              <m:e>
+                                <m:r>
+                                  <a:rPr lang="en-US" b="0" i="1" smtClean="0">
+                                    <a:latin typeface="Cambria Math" panose="02040503050406030204" pitchFamily="18" charset="0"/>
+                                  </a:rPr>
+                                  <m:t>𝑟</m:t>
+                                </m:r>
+                              </m:e>
+                            </m:mr>
+                          </m:m>
+                        </m:e>
+                      </m:d>
+                    </m:oMath>
+                  </m:oMathPara>
+                </a14:m>
+                <a:endParaRPr lang="en-US" b="0" i="1" dirty="0">
+                  <a:latin typeface="Cambria Math" panose="02040503050406030204" pitchFamily="18" charset="0"/>
+                </a:endParaRPr>
+              </a:p>
+              <a:p>
+                <a:pPr/>
+                <a:endParaRPr lang="en-US" i="1" dirty="0">
+                  <a:latin typeface="Cambria Math" panose="02040503050406030204" pitchFamily="18" charset="0"/>
+                </a:endParaRPr>
+              </a:p>
+            </p:txBody>
+          </p:sp>
+        </mc:Choice>
+        <mc:Fallback>
+          <p:sp>
+            <p:nvSpPr>
+              <p:cNvPr id="37" name="TextBox 36">
+                <a:extLst>
+                  <a:ext uri="{FF2B5EF4-FFF2-40B4-BE49-F238E27FC236}">
+                    <a16:creationId xmlns:a16="http://schemas.microsoft.com/office/drawing/2014/main" id="{7ACFE3B5-09BA-0480-83EF-3E53D914C9F4}"/>
+                  </a:ext>
+                </a:extLst>
+              </p:cNvPr>
+              <p:cNvSpPr txBox="1">
+                <a:spLocks noRot="1" noChangeAspect="1" noMove="1" noResize="1" noEditPoints="1" noAdjustHandles="1" noChangeArrowheads="1" noChangeShapeType="1" noTextEdit="1"/>
+              </p:cNvSpPr>
+              <p:nvPr/>
+            </p:nvSpPr>
+            <p:spPr>
+              <a:xfrm>
+                <a:off x="488365" y="4790808"/>
+                <a:ext cx="6096740" cy="1579728"/>
+              </a:xfrm>
+              <a:prstGeom prst="rect">
+                <a:avLst/>
+              </a:prstGeom>
+              <a:blipFill>
+                <a:blip r:embed="rId11"/>
+                <a:stretch>
+                  <a:fillRect/>
+                </a:stretch>
+              </a:blipFill>
+            </p:spPr>
+            <p:txBody>
+              <a:bodyPr/>
+              <a:lstStyle/>
+              <a:p>
+                <a:r>
+                  <a:rPr lang="en-US">
+                    <a:noFill/>
+                  </a:rPr>
+                  <a:t> </a:t>
+                </a:r>
+              </a:p>
+            </p:txBody>
+          </p:sp>
+        </mc:Fallback>
+      </mc:AlternateContent>
+    </p:spTree>
+    <p:extLst>
+      <p:ext uri="{BB962C8B-B14F-4D97-AF65-F5344CB8AC3E}">
+        <p14:creationId xmlns:p14="http://schemas.microsoft.com/office/powerpoint/2010/main" val="4220528605"/>
+      </p:ext>
+    </p:extLst>
+  </p:cSld>
+  <p:clrMapOvr>
+    <a:masterClrMapping/>
+  </p:clrMapOvr>
+</p:sld>
+</file>
+
+<file path=ppt/slides/slide31.xml><?xml version="1.0" encoding="utf-8"?>
+<p:sld xmlns:a="http://schemas.openxmlformats.org/drawingml/2006/main" xmlns:r="http://schemas.openxmlformats.org/officeDocument/2006/relationships" xmlns:p="http://schemas.openxmlformats.org/presentationml/2006/main">
+  <p:cSld>
+    <p:spTree>
+      <p:nvGrpSpPr>
+        <p:cNvPr id="1" name=""/>
+        <p:cNvGrpSpPr/>
+        <p:nvPr/>
+      </p:nvGrpSpPr>
+      <p:grpSpPr>
+        <a:xfrm>
+          <a:off x="0" y="0"/>
+          <a:ext cx="0" cy="0"/>
+          <a:chOff x="0" y="0"/>
+          <a:chExt cx="0" cy="0"/>
+        </a:xfrm>
+      </p:grpSpPr>
+      <p:sp>
+        <p:nvSpPr>
+          <p:cNvPr id="2" name="Title 1">
+            <a:extLst>
+              <a:ext uri="{FF2B5EF4-FFF2-40B4-BE49-F238E27FC236}">
                 <a16:creationId xmlns:a16="http://schemas.microsoft.com/office/drawing/2014/main" id="{BE2BF8AD-4C4B-BAE5-26CF-B4BF23DECCCF}"/>
               </a:ext>
             </a:extLst>
@@ -14657,7 +18377,7 @@
 </p:sld>
 </file>
 
-<file path=ppt/slides/slide31.xml><?xml version="1.0" encoding="utf-8"?>
+<file path=ppt/slides/slide32.xml><?xml version="1.0" encoding="utf-8"?>
 <p:sld xmlns:a="http://schemas.openxmlformats.org/drawingml/2006/main" xmlns:r="http://schemas.openxmlformats.org/officeDocument/2006/relationships" xmlns:p="http://schemas.openxmlformats.org/presentationml/2006/main">
   <p:cSld>
     <p:spTree>
@@ -15691,7 +19411,7 @@
 </p:sld>
 </file>
 
-<file path=ppt/slides/slide32.xml><?xml version="1.0" encoding="utf-8"?>
+<file path=ppt/slides/slide33.xml><?xml version="1.0" encoding="utf-8"?>
 <p:sld xmlns:a="http://schemas.openxmlformats.org/drawingml/2006/main" xmlns:r="http://schemas.openxmlformats.org/officeDocument/2006/relationships" xmlns:p="http://schemas.openxmlformats.org/presentationml/2006/main">
   <p:cSld>
     <p:spTree>
@@ -15779,7 +19499,7 @@
 </p:sld>
 </file>
 
-<file path=ppt/slides/slide33.xml><?xml version="1.0" encoding="utf-8"?>
+<file path=ppt/slides/slide34.xml><?xml version="1.0" encoding="utf-8"?>
 <p:sld xmlns:a="http://schemas.openxmlformats.org/drawingml/2006/main" xmlns:r="http://schemas.openxmlformats.org/officeDocument/2006/relationships" xmlns:p="http://schemas.openxmlformats.org/presentationml/2006/main">
   <p:cSld>
     <p:spTree>
@@ -15867,7 +19587,7 @@
 </p:sld>
 </file>
 
-<file path=ppt/slides/slide34.xml><?xml version="1.0" encoding="utf-8"?>
+<file path=ppt/slides/slide35.xml><?xml version="1.0" encoding="utf-8"?>
 <p:sld xmlns:a="http://schemas.openxmlformats.org/drawingml/2006/main" xmlns:r="http://schemas.openxmlformats.org/officeDocument/2006/relationships" xmlns:p="http://schemas.openxmlformats.org/presentationml/2006/main">
   <p:cSld>
     <p:spTree>
@@ -16652,7 +20372,7 @@
 </p:sld>
 </file>
 
-<file path=ppt/slides/slide35.xml><?xml version="1.0" encoding="utf-8"?>
+<file path=ppt/slides/slide36.xml><?xml version="1.0" encoding="utf-8"?>
 <p:sld xmlns:a="http://schemas.openxmlformats.org/drawingml/2006/main" xmlns:r="http://schemas.openxmlformats.org/officeDocument/2006/relationships" xmlns:p="http://schemas.openxmlformats.org/presentationml/2006/main">
   <p:cSld>
     <p:spTree>
@@ -17437,7 +21157,7 @@
 </p:sld>
 </file>
 
-<file path=ppt/slides/slide36.xml><?xml version="1.0" encoding="utf-8"?>
+<file path=ppt/slides/slide37.xml><?xml version="1.0" encoding="utf-8"?>
 <p:sld xmlns:a="http://schemas.openxmlformats.org/drawingml/2006/main" xmlns:r="http://schemas.openxmlformats.org/officeDocument/2006/relationships" xmlns:p="http://schemas.openxmlformats.org/presentationml/2006/main">
   <p:cSld>
     <p:spTree>
@@ -17459,7 +21179,7 @@
           <p:cNvPr id="2" name="Title 1">
             <a:extLst>
               <a:ext uri="{FF2B5EF4-FFF2-40B4-BE49-F238E27FC236}">
-                <a16:creationId xmlns:a16="http://schemas.microsoft.com/office/drawing/2014/main" id="{7B57B615-DD34-9F76-3378-32A88136AB95}"/>
+                <a16:creationId xmlns:a16="http://schemas.microsoft.com/office/drawing/2014/main" id="{711B63D0-407E-228C-5940-AE7AA4E111E0}"/>
               </a:ext>
             </a:extLst>
           </p:cNvPr>
@@ -17475,7 +21195,10 @@
           <a:bodyPr/>
           <a:lstStyle/>
           <a:p>
-            <a:endParaRPr lang="en-US"/>
+            <a:r>
+              <a:rPr lang="en-US" dirty="0"/>
+              <a:t>How do we represent a vertex merger?</a:t>
+            </a:r>
           </a:p>
         </p:txBody>
       </p:sp>
@@ -17484,7 +21207,7 @@
           <p:cNvPr id="3" name="Content Placeholder 2">
             <a:extLst>
               <a:ext uri="{FF2B5EF4-FFF2-40B4-BE49-F238E27FC236}">
-                <a16:creationId xmlns:a16="http://schemas.microsoft.com/office/drawing/2014/main" id="{EAB47625-3F95-A826-39DF-D706732828AA}"/>
+                <a16:creationId xmlns:a16="http://schemas.microsoft.com/office/drawing/2014/main" id="{0340471F-7504-82CF-D966-8423EBE1B218}"/>
               </a:ext>
             </a:extLst>
           </p:cNvPr>
@@ -17495,52 +21218,2665 @@
             <p:ph idx="1"/>
           </p:nvPr>
         </p:nvSpPr>
+        <p:spPr>
+          <a:xfrm>
+            <a:off x="838200" y="1825625"/>
+            <a:ext cx="4673600" cy="4351338"/>
+          </a:xfrm>
+        </p:spPr>
+        <p:txBody>
+          <a:bodyPr>
+            <a:normAutofit lnSpcReduction="10000"/>
+          </a:bodyPr>
+          <a:lstStyle/>
+          <a:p>
+            <a:pPr marL="0" indent="0">
+              <a:buNone/>
+            </a:pPr>
+            <a:r>
+              <a:rPr lang="en-US" dirty="0"/>
+              <a:t>When a vertex encounters a boundary, it creates a break in that boundary. The break can be represented by a vertex insertion into a vertex sequence defining the boundary. For example, the vertex 3 intersecting segment 8 (which connects 8 to 9), can be represented as “3” added into the sequence: </a:t>
+            </a:r>
+          </a:p>
+          <a:p>
+            <a:pPr marL="0" indent="0">
+              <a:buNone/>
+            </a:pPr>
+            <a:r>
+              <a:rPr lang="en-US" dirty="0"/>
+              <a:t>7, 8, </a:t>
+            </a:r>
+            <a:r>
+              <a:rPr lang="en-US" b="1" dirty="0">
+                <a:solidFill>
+                  <a:srgbClr val="FF0000"/>
+                </a:solidFill>
+              </a:rPr>
+              <a:t>3</a:t>
+            </a:r>
+            <a:r>
+              <a:rPr lang="en-US" dirty="0"/>
+              <a:t>, 9 10</a:t>
+            </a:r>
+          </a:p>
+          <a:p>
+            <a:pPr marL="0" indent="0">
+              <a:buNone/>
+            </a:pPr>
+            <a:endParaRPr lang="en-US" dirty="0"/>
+          </a:p>
+        </p:txBody>
+      </p:sp>
+      <mc:AlternateContent xmlns:mc="http://schemas.openxmlformats.org/markup-compatibility/2006">
+        <mc:Choice xmlns:p14="http://schemas.microsoft.com/office/powerpoint/2010/main" Requires="p14">
+          <p:contentPart p14:bwMode="auto" r:id="rId2">
+            <p14:nvContentPartPr>
+              <p14:cNvPr id="4" name="Ink 3">
+                <a:extLst>
+                  <a:ext uri="{FF2B5EF4-FFF2-40B4-BE49-F238E27FC236}">
+                    <a16:creationId xmlns:a16="http://schemas.microsoft.com/office/drawing/2014/main" id="{17608BF2-CEB9-4E95-9F60-D74AF5EFD945}"/>
+                  </a:ext>
+                </a:extLst>
+              </p14:cNvPr>
+              <p14:cNvContentPartPr/>
+              <p14:nvPr/>
+            </p14:nvContentPartPr>
+            <p14:xfrm>
+              <a:off x="6294647" y="2027179"/>
+              <a:ext cx="1143360" cy="45719"/>
+            </p14:xfrm>
+          </p:contentPart>
+        </mc:Choice>
+        <mc:Fallback>
+          <p:pic>
+            <p:nvPicPr>
+              <p:cNvPr id="4" name="Ink 3">
+                <a:extLst>
+                  <a:ext uri="{FF2B5EF4-FFF2-40B4-BE49-F238E27FC236}">
+                    <a16:creationId xmlns:a16="http://schemas.microsoft.com/office/drawing/2014/main" id="{17608BF2-CEB9-4E95-9F60-D74AF5EFD945}"/>
+                  </a:ext>
+                </a:extLst>
+              </p:cNvPr>
+              <p:cNvPicPr/>
+              <p:nvPr/>
+            </p:nvPicPr>
+            <p:blipFill>
+              <a:blip r:embed="rId3"/>
+              <a:stretch>
+                <a:fillRect/>
+              </a:stretch>
+            </p:blipFill>
+            <p:spPr>
+              <a:xfrm>
+                <a:off x="6288527" y="2021059"/>
+                <a:ext cx="1155600" cy="57959"/>
+              </a:xfrm>
+              <a:prstGeom prst="rect">
+                <a:avLst/>
+              </a:prstGeom>
+            </p:spPr>
+          </p:pic>
+        </mc:Fallback>
+      </mc:AlternateContent>
+      <p:sp>
+        <p:nvSpPr>
+          <p:cNvPr id="9" name="Connecteur droit 8">
+            <a:extLst>
+              <a:ext uri="{FF2B5EF4-FFF2-40B4-BE49-F238E27FC236}">
+                <a16:creationId xmlns:a16="http://schemas.microsoft.com/office/drawing/2014/main" id="{467D8409-C5B4-476F-84A3-FB3289B82CC6}"/>
+              </a:ext>
+            </a:extLst>
+          </p:cNvPr>
+          <p:cNvSpPr/>
+          <p:nvPr/>
+        </p:nvSpPr>
+        <p:spPr>
+          <a:xfrm rot="3094106">
+            <a:off x="7031698" y="2905920"/>
+            <a:ext cx="2194560" cy="0"/>
+          </a:xfrm>
+          <a:prstGeom prst="line">
+            <a:avLst/>
+          </a:prstGeom>
+          <a:solidFill>
+            <a:srgbClr val="000000">
+              <a:alpha val="5000"/>
+            </a:srgbClr>
+          </a:solidFill>
+          <a:ln w="12600">
+            <a:solidFill>
+              <a:srgbClr val="000000"/>
+            </a:solidFill>
+          </a:ln>
+        </p:spPr>
+        <p:style>
+          <a:lnRef idx="1">
+            <a:schemeClr val="accent1"/>
+          </a:lnRef>
+          <a:fillRef idx="0">
+            <a:schemeClr val="accent1"/>
+          </a:fillRef>
+          <a:effectRef idx="0">
+            <a:schemeClr val="accent1"/>
+          </a:effectRef>
+          <a:fontRef idx="minor">
+            <a:schemeClr val="tx1"/>
+          </a:fontRef>
+        </p:style>
+        <p:txBody>
+          <a:bodyPr wrap="none" rtlCol="0" anchor="ctr" anchorCtr="1"/>
+          <a:lstStyle/>
+          <a:p>
+            <a:endParaRPr lang="en-US">
+              <a:solidFill>
+                <a:srgbClr val="000000"/>
+              </a:solidFill>
+            </a:endParaRPr>
+          </a:p>
+        </p:txBody>
+      </p:sp>
+      <p:sp>
+        <p:nvSpPr>
+          <p:cNvPr id="10" name="Conector recto 9">
+            <a:extLst>
+              <a:ext uri="{FF2B5EF4-FFF2-40B4-BE49-F238E27FC236}">
+                <a16:creationId xmlns:a16="http://schemas.microsoft.com/office/drawing/2014/main" id="{7CE93757-4777-458B-9CD8-D00249C43048}"/>
+              </a:ext>
+            </a:extLst>
+          </p:cNvPr>
+          <p:cNvSpPr/>
+          <p:nvPr/>
+        </p:nvSpPr>
+        <p:spPr>
+          <a:xfrm>
+            <a:off x="8788320" y="3739860"/>
+            <a:ext cx="1645920" cy="0"/>
+          </a:xfrm>
+          <a:prstGeom prst="line">
+            <a:avLst/>
+          </a:prstGeom>
+          <a:solidFill>
+            <a:srgbClr val="000000">
+              <a:alpha val="5000"/>
+            </a:srgbClr>
+          </a:solidFill>
+          <a:ln w="12600">
+            <a:solidFill>
+              <a:srgbClr val="000000"/>
+            </a:solidFill>
+          </a:ln>
+        </p:spPr>
+        <p:style>
+          <a:lnRef idx="1">
+            <a:schemeClr val="accent1"/>
+          </a:lnRef>
+          <a:fillRef idx="0">
+            <a:schemeClr val="accent1"/>
+          </a:fillRef>
+          <a:effectRef idx="0">
+            <a:schemeClr val="accent1"/>
+          </a:effectRef>
+          <a:fontRef idx="minor">
+            <a:schemeClr val="tx1"/>
+          </a:fontRef>
+        </p:style>
+        <p:txBody>
+          <a:bodyPr wrap="none" rtlCol="0" anchor="ctr" anchorCtr="1"/>
+          <a:lstStyle/>
+          <a:p>
+            <a:endParaRPr lang="pt-BR">
+              <a:solidFill>
+                <a:srgbClr val="000000"/>
+              </a:solidFill>
+            </a:endParaRPr>
+          </a:p>
+        </p:txBody>
+      </p:sp>
+      <p:sp>
+        <p:nvSpPr>
+          <p:cNvPr id="25" name="TextBox 24">
+            <a:extLst>
+              <a:ext uri="{FF2B5EF4-FFF2-40B4-BE49-F238E27FC236}">
+                <a16:creationId xmlns:a16="http://schemas.microsoft.com/office/drawing/2014/main" id="{3D9148F3-D5CF-4586-81B5-56E63A4E789A}"/>
+              </a:ext>
+            </a:extLst>
+          </p:cNvPr>
+          <p:cNvSpPr txBox="1"/>
+          <p:nvPr/>
+        </p:nvSpPr>
+        <p:spPr>
+          <a:xfrm>
+            <a:off x="10446117" y="3538454"/>
+            <a:ext cx="301686" cy="369332"/>
+          </a:xfrm>
+          <a:prstGeom prst="rect">
+            <a:avLst/>
+          </a:prstGeom>
+          <a:noFill/>
+        </p:spPr>
+        <p:txBody>
+          <a:bodyPr wrap="none" rtlCol="0" anchor="ctr" anchorCtr="1">
+            <a:spAutoFit/>
+          </a:bodyPr>
+          <a:lstStyle/>
+          <a:p>
+            <a:pPr algn="ctr"/>
+            <a:r>
+              <a:rPr lang="en-US">
+                <a:solidFill>
+                  <a:srgbClr val="000000"/>
+                </a:solidFill>
+              </a:rPr>
+              <a:t>7</a:t>
+            </a:r>
+          </a:p>
+        </p:txBody>
+      </p:sp>
+      <p:sp>
+        <p:nvSpPr>
+          <p:cNvPr id="24" name="CaixaDeTexto 23">
+            <a:extLst>
+              <a:ext uri="{FF2B5EF4-FFF2-40B4-BE49-F238E27FC236}">
+                <a16:creationId xmlns:a16="http://schemas.microsoft.com/office/drawing/2014/main" id="{AAA4A957-FEC9-46BD-99F9-998252482D2F}"/>
+              </a:ext>
+            </a:extLst>
+          </p:cNvPr>
+          <p:cNvSpPr txBox="1"/>
+          <p:nvPr/>
+        </p:nvSpPr>
+        <p:spPr>
+          <a:xfrm>
+            <a:off x="8721357" y="3321194"/>
+            <a:ext cx="301686" cy="369332"/>
+          </a:xfrm>
+          <a:prstGeom prst="rect">
+            <a:avLst/>
+          </a:prstGeom>
+          <a:noFill/>
+        </p:spPr>
+        <p:txBody>
+          <a:bodyPr wrap="none" rtlCol="0" anchor="ctr" anchorCtr="1">
+            <a:spAutoFit/>
+          </a:bodyPr>
+          <a:lstStyle/>
+          <a:p>
+            <a:pPr algn="ctr"/>
+            <a:r>
+              <a:rPr lang="en-US">
+                <a:solidFill>
+                  <a:srgbClr val="000000"/>
+                </a:solidFill>
+              </a:rPr>
+              <a:t>8</a:t>
+            </a:r>
+          </a:p>
+        </p:txBody>
+      </p:sp>
+      <p:sp>
+        <p:nvSpPr>
+          <p:cNvPr id="19" name="TextBox 18">
+            <a:extLst>
+              <a:ext uri="{FF2B5EF4-FFF2-40B4-BE49-F238E27FC236}">
+                <a16:creationId xmlns:a16="http://schemas.microsoft.com/office/drawing/2014/main" id="{BEF3952C-FF55-45E0-B95F-6F638BAD9C94}"/>
+              </a:ext>
+            </a:extLst>
+          </p:cNvPr>
+          <p:cNvSpPr txBox="1"/>
+          <p:nvPr/>
+        </p:nvSpPr>
+        <p:spPr>
+          <a:xfrm>
+            <a:off x="7322285" y="1695345"/>
+            <a:ext cx="314510" cy="400110"/>
+          </a:xfrm>
+          <a:prstGeom prst="rect">
+            <a:avLst/>
+          </a:prstGeom>
+          <a:noFill/>
+        </p:spPr>
+        <p:txBody>
+          <a:bodyPr wrap="none" rtlCol="0" anchor="ctr" anchorCtr="1">
+            <a:spAutoFit/>
+          </a:bodyPr>
+          <a:lstStyle/>
+          <a:p>
+            <a:pPr algn="ctr"/>
+            <a:r>
+              <a:rPr lang="en-US" sz="2000" dirty="0">
+                <a:solidFill>
+                  <a:srgbClr val="000000"/>
+                </a:solidFill>
+              </a:rPr>
+              <a:t>9</a:t>
+            </a:r>
+          </a:p>
+        </p:txBody>
+      </p:sp>
+      <p:sp>
+        <p:nvSpPr>
+          <p:cNvPr id="29" name="TextBox 28">
+            <a:extLst>
+              <a:ext uri="{FF2B5EF4-FFF2-40B4-BE49-F238E27FC236}">
+                <a16:creationId xmlns:a16="http://schemas.microsoft.com/office/drawing/2014/main" id="{16298EA0-6FF2-4884-BFEE-D0F9BE053753}"/>
+              </a:ext>
+            </a:extLst>
+          </p:cNvPr>
+          <p:cNvSpPr txBox="1"/>
+          <p:nvPr/>
+        </p:nvSpPr>
+        <p:spPr>
+          <a:xfrm>
+            <a:off x="6133488" y="1667715"/>
+            <a:ext cx="418705" cy="369332"/>
+          </a:xfrm>
+          <a:prstGeom prst="rect">
+            <a:avLst/>
+          </a:prstGeom>
+          <a:noFill/>
+        </p:spPr>
+        <p:txBody>
+          <a:bodyPr wrap="none" rtlCol="0" anchor="ctr" anchorCtr="1">
+            <a:spAutoFit/>
+          </a:bodyPr>
+          <a:lstStyle/>
+          <a:p>
+            <a:pPr algn="ctr"/>
+            <a:r>
+              <a:rPr lang="en-US" dirty="0">
+                <a:solidFill>
+                  <a:srgbClr val="000000"/>
+                </a:solidFill>
+              </a:rPr>
+              <a:t>10</a:t>
+            </a:r>
+          </a:p>
+        </p:txBody>
+      </p:sp>
+      <p:sp>
+        <p:nvSpPr>
+          <p:cNvPr id="22" name="TextBox 21">
+            <a:extLst>
+              <a:ext uri="{FF2B5EF4-FFF2-40B4-BE49-F238E27FC236}">
+                <a16:creationId xmlns:a16="http://schemas.microsoft.com/office/drawing/2014/main" id="{A8FFB0D2-45B4-4EF4-9C75-BCE7ACDE4CF9}"/>
+              </a:ext>
+            </a:extLst>
+          </p:cNvPr>
+          <p:cNvSpPr txBox="1"/>
+          <p:nvPr/>
+        </p:nvSpPr>
+        <p:spPr>
+          <a:xfrm>
+            <a:off x="6396545" y="3095385"/>
+            <a:ext cx="314509" cy="400110"/>
+          </a:xfrm>
+          <a:prstGeom prst="rect">
+            <a:avLst/>
+          </a:prstGeom>
+          <a:noFill/>
+        </p:spPr>
+        <p:txBody>
+          <a:bodyPr wrap="none" rtlCol="0" anchor="ctr" anchorCtr="1">
+            <a:spAutoFit/>
+          </a:bodyPr>
+          <a:lstStyle/>
+          <a:p>
+            <a:pPr algn="ctr"/>
+            <a:r>
+              <a:rPr lang="en-US" sz="2000">
+                <a:solidFill>
+                  <a:srgbClr val="000000"/>
+                </a:solidFill>
+              </a:rPr>
+              <a:t>2</a:t>
+            </a:r>
+          </a:p>
+        </p:txBody>
+      </p:sp>
+      <p:sp>
+        <p:nvSpPr>
+          <p:cNvPr id="23" name="TextBox 22">
+            <a:extLst>
+              <a:ext uri="{FF2B5EF4-FFF2-40B4-BE49-F238E27FC236}">
+                <a16:creationId xmlns:a16="http://schemas.microsoft.com/office/drawing/2014/main" id="{47DA7AF7-08A6-41FA-80C3-CCD09D9BC502}"/>
+              </a:ext>
+            </a:extLst>
+          </p:cNvPr>
+          <p:cNvSpPr txBox="1"/>
+          <p:nvPr/>
+        </p:nvSpPr>
+        <p:spPr>
+          <a:xfrm>
+            <a:off x="7696865" y="2860666"/>
+            <a:ext cx="314510" cy="400110"/>
+          </a:xfrm>
+          <a:prstGeom prst="rect">
+            <a:avLst/>
+          </a:prstGeom>
+          <a:noFill/>
+        </p:spPr>
+        <p:txBody>
+          <a:bodyPr wrap="none" rtlCol="0" anchor="ctr" anchorCtr="1">
+            <a:spAutoFit/>
+          </a:bodyPr>
+          <a:lstStyle/>
+          <a:p>
+            <a:pPr algn="ctr"/>
+            <a:r>
+              <a:rPr lang="en-US" sz="2000">
+                <a:solidFill>
+                  <a:srgbClr val="000000"/>
+                </a:solidFill>
+              </a:rPr>
+              <a:t>3</a:t>
+            </a:r>
+          </a:p>
+        </p:txBody>
+      </p:sp>
+      <p:sp>
+        <p:nvSpPr>
+          <p:cNvPr id="31" name="CaixaDeTexto 30">
+            <a:extLst>
+              <a:ext uri="{FF2B5EF4-FFF2-40B4-BE49-F238E27FC236}">
+                <a16:creationId xmlns:a16="http://schemas.microsoft.com/office/drawing/2014/main" id="{92708024-DD7E-4D56-9F87-E9DDC202E54C}"/>
+              </a:ext>
+            </a:extLst>
+          </p:cNvPr>
+          <p:cNvSpPr txBox="1"/>
+          <p:nvPr/>
+        </p:nvSpPr>
+        <p:spPr>
+          <a:xfrm>
+            <a:off x="7938511" y="4422838"/>
+            <a:ext cx="314509" cy="400110"/>
+          </a:xfrm>
+          <a:prstGeom prst="rect">
+            <a:avLst/>
+          </a:prstGeom>
+          <a:noFill/>
+        </p:spPr>
+        <p:txBody>
+          <a:bodyPr wrap="none" rtlCol="0" anchor="ctr" anchorCtr="1">
+            <a:spAutoFit/>
+          </a:bodyPr>
+          <a:lstStyle/>
+          <a:p>
+            <a:pPr algn="ctr"/>
+            <a:r>
+              <a:rPr lang="en-US" sz="2000">
+                <a:solidFill>
+                  <a:srgbClr val="000000"/>
+                </a:solidFill>
+              </a:rPr>
+              <a:t>4</a:t>
+            </a:r>
+          </a:p>
+        </p:txBody>
+      </p:sp>
+      <mc:AlternateContent xmlns:mc="http://schemas.openxmlformats.org/markup-compatibility/2006">
+        <mc:Choice xmlns:p14="http://schemas.microsoft.com/office/powerpoint/2010/main" Requires="p14">
+          <p:contentPart p14:bwMode="auto" r:id="rId4">
+            <p14:nvContentPartPr>
+              <p14:cNvPr id="36" name="Ink 35">
+                <a:extLst>
+                  <a:ext uri="{FF2B5EF4-FFF2-40B4-BE49-F238E27FC236}">
+                    <a16:creationId xmlns:a16="http://schemas.microsoft.com/office/drawing/2014/main" id="{A66B11E4-C7A3-1963-C7E7-236C5D09F7B5}"/>
+                  </a:ext>
+                </a:extLst>
+              </p14:cNvPr>
+              <p14:cNvContentPartPr/>
+              <p14:nvPr/>
+            </p14:nvContentPartPr>
+            <p14:xfrm>
+              <a:off x="9588287" y="2565020"/>
+              <a:ext cx="360" cy="360"/>
+            </p14:xfrm>
+          </p:contentPart>
+        </mc:Choice>
+        <mc:Fallback>
+          <p:pic>
+            <p:nvPicPr>
+              <p:cNvPr id="36" name="Ink 35">
+                <a:extLst>
+                  <a:ext uri="{FF2B5EF4-FFF2-40B4-BE49-F238E27FC236}">
+                    <a16:creationId xmlns:a16="http://schemas.microsoft.com/office/drawing/2014/main" id="{A66B11E4-C7A3-1963-C7E7-236C5D09F7B5}"/>
+                  </a:ext>
+                </a:extLst>
+              </p:cNvPr>
+              <p:cNvPicPr/>
+              <p:nvPr/>
+            </p:nvPicPr>
+            <p:blipFill>
+              <a:blip r:embed="rId5"/>
+              <a:stretch>
+                <a:fillRect/>
+              </a:stretch>
+            </p:blipFill>
+            <p:spPr>
+              <a:xfrm>
+                <a:off x="9582167" y="2558900"/>
+                <a:ext cx="12600" cy="12600"/>
+              </a:xfrm>
+              <a:prstGeom prst="rect">
+                <a:avLst/>
+              </a:prstGeom>
+            </p:spPr>
+          </p:pic>
+        </mc:Fallback>
+      </mc:AlternateContent>
+      <mc:AlternateContent xmlns:mc="http://schemas.openxmlformats.org/markup-compatibility/2006">
+        <mc:Choice xmlns:p14="http://schemas.microsoft.com/office/powerpoint/2010/main" Requires="p14">
+          <p:contentPart p14:bwMode="auto" r:id="rId6">
+            <p14:nvContentPartPr>
+              <p14:cNvPr id="43" name="Ink 42">
+                <a:extLst>
+                  <a:ext uri="{FF2B5EF4-FFF2-40B4-BE49-F238E27FC236}">
+                    <a16:creationId xmlns:a16="http://schemas.microsoft.com/office/drawing/2014/main" id="{BC8EC500-42CC-8F5A-FB3B-C4C808741543}"/>
+                  </a:ext>
+                </a:extLst>
+              </p14:cNvPr>
+              <p14:cNvContentPartPr/>
+              <p14:nvPr/>
+            </p14:nvContentPartPr>
+            <p14:xfrm>
+              <a:off x="7945607" y="2840420"/>
+              <a:ext cx="271440" cy="1757160"/>
+            </p14:xfrm>
+          </p:contentPart>
+        </mc:Choice>
+        <mc:Fallback>
+          <p:pic>
+            <p:nvPicPr>
+              <p:cNvPr id="43" name="Ink 42">
+                <a:extLst>
+                  <a:ext uri="{FF2B5EF4-FFF2-40B4-BE49-F238E27FC236}">
+                    <a16:creationId xmlns:a16="http://schemas.microsoft.com/office/drawing/2014/main" id="{BC8EC500-42CC-8F5A-FB3B-C4C808741543}"/>
+                  </a:ext>
+                </a:extLst>
+              </p:cNvPr>
+              <p:cNvPicPr/>
+              <p:nvPr/>
+            </p:nvPicPr>
+            <p:blipFill>
+              <a:blip r:embed="rId7"/>
+              <a:stretch>
+                <a:fillRect/>
+              </a:stretch>
+            </p:blipFill>
+            <p:spPr>
+              <a:xfrm>
+                <a:off x="7939487" y="2834300"/>
+                <a:ext cx="283680" cy="1769400"/>
+              </a:xfrm>
+              <a:prstGeom prst="rect">
+                <a:avLst/>
+              </a:prstGeom>
+            </p:spPr>
+          </p:pic>
+        </mc:Fallback>
+      </mc:AlternateContent>
+      <mc:AlternateContent xmlns:mc="http://schemas.openxmlformats.org/markup-compatibility/2006">
+        <mc:Choice xmlns:p14="http://schemas.microsoft.com/office/powerpoint/2010/main" Requires="p14">
+          <p:contentPart p14:bwMode="auto" r:id="rId8">
+            <p14:nvContentPartPr>
+              <p14:cNvPr id="5" name="Ink 4">
+                <a:extLst>
+                  <a:ext uri="{FF2B5EF4-FFF2-40B4-BE49-F238E27FC236}">
+                    <a16:creationId xmlns:a16="http://schemas.microsoft.com/office/drawing/2014/main" id="{C87CBB29-8908-472A-A413-75A12E708A9A}"/>
+                  </a:ext>
+                </a:extLst>
+              </p14:cNvPr>
+              <p14:cNvContentPartPr/>
+              <p14:nvPr/>
+            </p14:nvContentPartPr>
+            <p14:xfrm>
+              <a:off x="6438647" y="2848700"/>
+              <a:ext cx="1486440" cy="245880"/>
+            </p14:xfrm>
+          </p:contentPart>
+        </mc:Choice>
+        <mc:Fallback>
+          <p:pic>
+            <p:nvPicPr>
+              <p:cNvPr id="5" name="Ink 4">
+                <a:extLst>
+                  <a:ext uri="{FF2B5EF4-FFF2-40B4-BE49-F238E27FC236}">
+                    <a16:creationId xmlns:a16="http://schemas.microsoft.com/office/drawing/2014/main" id="{C87CBB29-8908-472A-A413-75A12E708A9A}"/>
+                  </a:ext>
+                </a:extLst>
+              </p:cNvPr>
+              <p:cNvPicPr/>
+              <p:nvPr/>
+            </p:nvPicPr>
+            <p:blipFill>
+              <a:blip r:embed="rId9"/>
+              <a:stretch>
+                <a:fillRect/>
+              </a:stretch>
+            </p:blipFill>
+            <p:spPr>
+              <a:xfrm>
+                <a:off x="6432527" y="2842571"/>
+                <a:ext cx="1498680" cy="258138"/>
+              </a:xfrm>
+              <a:prstGeom prst="rect">
+                <a:avLst/>
+              </a:prstGeom>
+            </p:spPr>
+          </p:pic>
+        </mc:Fallback>
+      </mc:AlternateContent>
+    </p:spTree>
+    <p:extLst>
+      <p:ext uri="{BB962C8B-B14F-4D97-AF65-F5344CB8AC3E}">
+        <p14:creationId xmlns:p14="http://schemas.microsoft.com/office/powerpoint/2010/main" val="4171330623"/>
+      </p:ext>
+    </p:extLst>
+  </p:cSld>
+  <p:clrMapOvr>
+    <a:masterClrMapping/>
+  </p:clrMapOvr>
+</p:sld>
+</file>
+
+<file path=ppt/slides/slide38.xml><?xml version="1.0" encoding="utf-8"?>
+<p:sld xmlns:a="http://schemas.openxmlformats.org/drawingml/2006/main" xmlns:r="http://schemas.openxmlformats.org/officeDocument/2006/relationships" xmlns:p="http://schemas.openxmlformats.org/presentationml/2006/main">
+  <p:cSld>
+    <p:spTree>
+      <p:nvGrpSpPr>
+        <p:cNvPr id="1" name="">
+          <a:extLst>
+            <a:ext uri="{FF2B5EF4-FFF2-40B4-BE49-F238E27FC236}">
+              <a16:creationId xmlns:a16="http://schemas.microsoft.com/office/drawing/2014/main" id="{EC338FE8-94B9-DA61-EAC6-BA0D81653499}"/>
+            </a:ext>
+          </a:extLst>
+        </p:cNvPr>
+        <p:cNvGrpSpPr/>
+        <p:nvPr/>
+      </p:nvGrpSpPr>
+      <p:grpSpPr>
+        <a:xfrm>
+          <a:off x="0" y="0"/>
+          <a:ext cx="0" cy="0"/>
+          <a:chOff x="0" y="0"/>
+          <a:chExt cx="0" cy="0"/>
+        </a:xfrm>
+      </p:grpSpPr>
+      <p:sp>
+        <p:nvSpPr>
+          <p:cNvPr id="2" name="Title 1">
+            <a:extLst>
+              <a:ext uri="{FF2B5EF4-FFF2-40B4-BE49-F238E27FC236}">
+                <a16:creationId xmlns:a16="http://schemas.microsoft.com/office/drawing/2014/main" id="{94E4A2A4-94D6-F33A-5A95-02B7C9497369}"/>
+              </a:ext>
+            </a:extLst>
+          </p:cNvPr>
+          <p:cNvSpPr>
+            <a:spLocks noGrp="1"/>
+          </p:cNvSpPr>
+          <p:nvPr>
+            <p:ph type="title"/>
+          </p:nvPr>
+        </p:nvSpPr>
         <p:spPr/>
         <p:txBody>
           <a:bodyPr/>
           <a:lstStyle/>
           <a:p>
             <a:r>
+              <a:rPr lang="en-US" dirty="0"/>
+              <a:t>However, the vertex merging, in this case, creates two “reconnections”</a:t>
+            </a:r>
+          </a:p>
+        </p:txBody>
+      </p:sp>
+      <p:sp>
+        <p:nvSpPr>
+          <p:cNvPr id="3" name="Content Placeholder 2">
+            <a:extLst>
+              <a:ext uri="{FF2B5EF4-FFF2-40B4-BE49-F238E27FC236}">
+                <a16:creationId xmlns:a16="http://schemas.microsoft.com/office/drawing/2014/main" id="{BEE4AF37-ED7D-8DD1-6241-6B3B9D6C7972}"/>
+              </a:ext>
+            </a:extLst>
+          </p:cNvPr>
+          <p:cNvSpPr>
+            <a:spLocks noGrp="1"/>
+          </p:cNvSpPr>
+          <p:nvPr>
+            <p:ph idx="1"/>
+          </p:nvPr>
+        </p:nvSpPr>
+        <p:spPr>
+          <a:xfrm>
+            <a:off x="838200" y="1825625"/>
+            <a:ext cx="4673600" cy="4351338"/>
+          </a:xfrm>
+        </p:spPr>
+        <p:txBody>
+          <a:bodyPr>
+            <a:normAutofit fontScale="92500"/>
+          </a:bodyPr>
+          <a:lstStyle/>
+          <a:p>
+            <a:pPr marL="0" indent="0">
+              <a:buNone/>
+            </a:pPr>
+            <a:r>
+              <a:rPr lang="en-US" dirty="0"/>
+              <a:t>The first produces the sequence:</a:t>
+            </a:r>
+          </a:p>
+          <a:p>
+            <a:pPr marL="0" indent="0">
+              <a:buNone/>
+            </a:pPr>
+            <a:r>
+              <a:rPr lang="en-US" dirty="0"/>
+              <a:t>1, 2, 3, 9, 10 …</a:t>
+            </a:r>
+          </a:p>
+          <a:p>
+            <a:pPr marL="0" indent="0">
+              <a:buNone/>
+            </a:pPr>
+            <a:r>
+              <a:rPr lang="en-US" dirty="0"/>
+              <a:t>The second produces the sequence:</a:t>
+            </a:r>
+          </a:p>
+          <a:p>
+            <a:pPr marL="0" indent="0">
+              <a:buNone/>
+            </a:pPr>
+            <a:r>
+              <a:rPr lang="en-US" dirty="0"/>
+              <a:t>7, 8, 3, 4, …</a:t>
+            </a:r>
+          </a:p>
+          <a:p>
+            <a:pPr marL="0" indent="0">
+              <a:buNone/>
+            </a:pPr>
+            <a:r>
+              <a:rPr lang="en-US" dirty="0"/>
+              <a:t>These can be represented by inserting negative vertex numbers for the out-of-sequence insertion: </a:t>
+            </a:r>
+          </a:p>
+          <a:p>
+            <a:pPr marL="0" indent="0">
+              <a:buNone/>
+            </a:pPr>
+            <a:r>
+              <a:rPr lang="en-US" dirty="0"/>
+              <a:t>1, 2, </a:t>
+            </a:r>
+            <a:r>
+              <a:rPr lang="en-US" b="1" dirty="0">
+                <a:solidFill>
+                  <a:srgbClr val="FF0000"/>
+                </a:solidFill>
+              </a:rPr>
+              <a:t>3</a:t>
+            </a:r>
+            <a:r>
+              <a:rPr lang="en-US" dirty="0"/>
+              <a:t>, 4, 5, 6, 7, 8, -</a:t>
+            </a:r>
+            <a:r>
+              <a:rPr lang="en-US" b="1" dirty="0">
+                <a:solidFill>
+                  <a:srgbClr val="FF0000"/>
+                </a:solidFill>
+              </a:rPr>
+              <a:t>3</a:t>
+            </a:r>
+            <a:r>
+              <a:rPr lang="en-US" dirty="0"/>
+              <a:t>, 9, 10 …</a:t>
+            </a:r>
+          </a:p>
+          <a:p>
+            <a:pPr marL="0" indent="0">
+              <a:buNone/>
+            </a:pPr>
+            <a:endParaRPr lang="en-US" dirty="0"/>
+          </a:p>
+        </p:txBody>
+      </p:sp>
+      <mc:AlternateContent xmlns:mc="http://schemas.openxmlformats.org/markup-compatibility/2006">
+        <mc:Choice xmlns:p14="http://schemas.microsoft.com/office/powerpoint/2010/main" Requires="p14">
+          <p:contentPart p14:bwMode="auto" r:id="rId2">
+            <p14:nvContentPartPr>
+              <p14:cNvPr id="4" name="Ink 3">
+                <a:extLst>
+                  <a:ext uri="{FF2B5EF4-FFF2-40B4-BE49-F238E27FC236}">
+                    <a16:creationId xmlns:a16="http://schemas.microsoft.com/office/drawing/2014/main" id="{DF954DB7-07AF-3E28-636E-2CDFB107527E}"/>
+                  </a:ext>
+                </a:extLst>
+              </p14:cNvPr>
+              <p14:cNvContentPartPr/>
+              <p14:nvPr/>
+            </p14:nvContentPartPr>
+            <p14:xfrm>
+              <a:off x="6294647" y="2027179"/>
+              <a:ext cx="1143360" cy="45719"/>
+            </p14:xfrm>
+          </p:contentPart>
+        </mc:Choice>
+        <mc:Fallback>
+          <p:pic>
+            <p:nvPicPr>
+              <p:cNvPr id="4" name="Ink 3">
+                <a:extLst>
+                  <a:ext uri="{FF2B5EF4-FFF2-40B4-BE49-F238E27FC236}">
+                    <a16:creationId xmlns:a16="http://schemas.microsoft.com/office/drawing/2014/main" id="{DF954DB7-07AF-3E28-636E-2CDFB107527E}"/>
+                  </a:ext>
+                </a:extLst>
+              </p:cNvPr>
+              <p:cNvPicPr/>
+              <p:nvPr/>
+            </p:nvPicPr>
+            <p:blipFill>
+              <a:blip r:embed="rId3"/>
+              <a:stretch>
+                <a:fillRect/>
+              </a:stretch>
+            </p:blipFill>
+            <p:spPr>
+              <a:xfrm>
+                <a:off x="6288527" y="2021059"/>
+                <a:ext cx="1155600" cy="57959"/>
+              </a:xfrm>
+              <a:prstGeom prst="rect">
+                <a:avLst/>
+              </a:prstGeom>
+            </p:spPr>
+          </p:pic>
+        </mc:Fallback>
+      </mc:AlternateContent>
+      <p:sp>
+        <p:nvSpPr>
+          <p:cNvPr id="9" name="Connecteur droit 8">
+            <a:extLst>
+              <a:ext uri="{FF2B5EF4-FFF2-40B4-BE49-F238E27FC236}">
+                <a16:creationId xmlns:a16="http://schemas.microsoft.com/office/drawing/2014/main" id="{0E4AD7AF-9754-9387-C30A-6D783D6C074B}"/>
+              </a:ext>
+            </a:extLst>
+          </p:cNvPr>
+          <p:cNvSpPr/>
+          <p:nvPr/>
+        </p:nvSpPr>
+        <p:spPr>
+          <a:xfrm rot="3094106">
+            <a:off x="7031698" y="2905920"/>
+            <a:ext cx="2194560" cy="0"/>
+          </a:xfrm>
+          <a:prstGeom prst="line">
+            <a:avLst/>
+          </a:prstGeom>
+          <a:solidFill>
+            <a:srgbClr val="000000">
+              <a:alpha val="5000"/>
+            </a:srgbClr>
+          </a:solidFill>
+          <a:ln w="12600">
+            <a:solidFill>
+              <a:srgbClr val="000000"/>
+            </a:solidFill>
+          </a:ln>
+        </p:spPr>
+        <p:style>
+          <a:lnRef idx="1">
+            <a:schemeClr val="accent1"/>
+          </a:lnRef>
+          <a:fillRef idx="0">
+            <a:schemeClr val="accent1"/>
+          </a:fillRef>
+          <a:effectRef idx="0">
+            <a:schemeClr val="accent1"/>
+          </a:effectRef>
+          <a:fontRef idx="minor">
+            <a:schemeClr val="tx1"/>
+          </a:fontRef>
+        </p:style>
+        <p:txBody>
+          <a:bodyPr wrap="none" rtlCol="0" anchor="ctr" anchorCtr="1"/>
+          <a:lstStyle/>
+          <a:p>
+            <a:endParaRPr lang="en-US">
+              <a:solidFill>
+                <a:srgbClr val="000000"/>
+              </a:solidFill>
+            </a:endParaRPr>
+          </a:p>
+        </p:txBody>
+      </p:sp>
+      <p:sp>
+        <p:nvSpPr>
+          <p:cNvPr id="10" name="Conector recto 9">
+            <a:extLst>
+              <a:ext uri="{FF2B5EF4-FFF2-40B4-BE49-F238E27FC236}">
+                <a16:creationId xmlns:a16="http://schemas.microsoft.com/office/drawing/2014/main" id="{4B512069-6F42-E185-5ADA-9CE89E9EC149}"/>
+              </a:ext>
+            </a:extLst>
+          </p:cNvPr>
+          <p:cNvSpPr/>
+          <p:nvPr/>
+        </p:nvSpPr>
+        <p:spPr>
+          <a:xfrm>
+            <a:off x="8788320" y="3739860"/>
+            <a:ext cx="1645920" cy="0"/>
+          </a:xfrm>
+          <a:prstGeom prst="line">
+            <a:avLst/>
+          </a:prstGeom>
+          <a:solidFill>
+            <a:srgbClr val="000000">
+              <a:alpha val="5000"/>
+            </a:srgbClr>
+          </a:solidFill>
+          <a:ln w="12600">
+            <a:solidFill>
+              <a:srgbClr val="000000"/>
+            </a:solidFill>
+          </a:ln>
+        </p:spPr>
+        <p:style>
+          <a:lnRef idx="1">
+            <a:schemeClr val="accent1"/>
+          </a:lnRef>
+          <a:fillRef idx="0">
+            <a:schemeClr val="accent1"/>
+          </a:fillRef>
+          <a:effectRef idx="0">
+            <a:schemeClr val="accent1"/>
+          </a:effectRef>
+          <a:fontRef idx="minor">
+            <a:schemeClr val="tx1"/>
+          </a:fontRef>
+        </p:style>
+        <p:txBody>
+          <a:bodyPr wrap="none" rtlCol="0" anchor="ctr" anchorCtr="1"/>
+          <a:lstStyle/>
+          <a:p>
+            <a:endParaRPr lang="pt-BR">
+              <a:solidFill>
+                <a:srgbClr val="000000"/>
+              </a:solidFill>
+            </a:endParaRPr>
+          </a:p>
+        </p:txBody>
+      </p:sp>
+      <p:sp>
+        <p:nvSpPr>
+          <p:cNvPr id="25" name="TextBox 24">
+            <a:extLst>
+              <a:ext uri="{FF2B5EF4-FFF2-40B4-BE49-F238E27FC236}">
+                <a16:creationId xmlns:a16="http://schemas.microsoft.com/office/drawing/2014/main" id="{A0F4D3FE-FD7C-DE40-C0B2-4A7879BA6348}"/>
+              </a:ext>
+            </a:extLst>
+          </p:cNvPr>
+          <p:cNvSpPr txBox="1"/>
+          <p:nvPr/>
+        </p:nvSpPr>
+        <p:spPr>
+          <a:xfrm>
+            <a:off x="10446117" y="3538454"/>
+            <a:ext cx="301686" cy="369332"/>
+          </a:xfrm>
+          <a:prstGeom prst="rect">
+            <a:avLst/>
+          </a:prstGeom>
+          <a:noFill/>
+        </p:spPr>
+        <p:txBody>
+          <a:bodyPr wrap="none" rtlCol="0" anchor="ctr" anchorCtr="1">
+            <a:spAutoFit/>
+          </a:bodyPr>
+          <a:lstStyle/>
+          <a:p>
+            <a:pPr algn="ctr"/>
+            <a:r>
+              <a:rPr lang="en-US">
+                <a:solidFill>
+                  <a:srgbClr val="000000"/>
+                </a:solidFill>
+              </a:rPr>
+              <a:t>7</a:t>
+            </a:r>
+          </a:p>
+        </p:txBody>
+      </p:sp>
+      <p:sp>
+        <p:nvSpPr>
+          <p:cNvPr id="24" name="CaixaDeTexto 23">
+            <a:extLst>
+              <a:ext uri="{FF2B5EF4-FFF2-40B4-BE49-F238E27FC236}">
+                <a16:creationId xmlns:a16="http://schemas.microsoft.com/office/drawing/2014/main" id="{AC7F4E52-4F35-5F36-0969-8F3EBE755E2B}"/>
+              </a:ext>
+            </a:extLst>
+          </p:cNvPr>
+          <p:cNvSpPr txBox="1"/>
+          <p:nvPr/>
+        </p:nvSpPr>
+        <p:spPr>
+          <a:xfrm>
+            <a:off x="8721357" y="3321194"/>
+            <a:ext cx="301686" cy="369332"/>
+          </a:xfrm>
+          <a:prstGeom prst="rect">
+            <a:avLst/>
+          </a:prstGeom>
+          <a:noFill/>
+        </p:spPr>
+        <p:txBody>
+          <a:bodyPr wrap="none" rtlCol="0" anchor="ctr" anchorCtr="1">
+            <a:spAutoFit/>
+          </a:bodyPr>
+          <a:lstStyle/>
+          <a:p>
+            <a:pPr algn="ctr"/>
+            <a:r>
+              <a:rPr lang="en-US">
+                <a:solidFill>
+                  <a:srgbClr val="000000"/>
+                </a:solidFill>
+              </a:rPr>
+              <a:t>8</a:t>
+            </a:r>
+          </a:p>
+        </p:txBody>
+      </p:sp>
+      <p:sp>
+        <p:nvSpPr>
+          <p:cNvPr id="19" name="TextBox 18">
+            <a:extLst>
+              <a:ext uri="{FF2B5EF4-FFF2-40B4-BE49-F238E27FC236}">
+                <a16:creationId xmlns:a16="http://schemas.microsoft.com/office/drawing/2014/main" id="{2B0B594B-5B75-352A-C176-6E4F8771ACB4}"/>
+              </a:ext>
+            </a:extLst>
+          </p:cNvPr>
+          <p:cNvSpPr txBox="1"/>
+          <p:nvPr/>
+        </p:nvSpPr>
+        <p:spPr>
+          <a:xfrm>
+            <a:off x="7322285" y="1695345"/>
+            <a:ext cx="314510" cy="400110"/>
+          </a:xfrm>
+          <a:prstGeom prst="rect">
+            <a:avLst/>
+          </a:prstGeom>
+          <a:noFill/>
+        </p:spPr>
+        <p:txBody>
+          <a:bodyPr wrap="none" rtlCol="0" anchor="ctr" anchorCtr="1">
+            <a:spAutoFit/>
+          </a:bodyPr>
+          <a:lstStyle/>
+          <a:p>
+            <a:pPr algn="ctr"/>
+            <a:r>
+              <a:rPr lang="en-US" sz="2000" dirty="0">
+                <a:solidFill>
+                  <a:srgbClr val="000000"/>
+                </a:solidFill>
+              </a:rPr>
+              <a:t>9</a:t>
+            </a:r>
+          </a:p>
+        </p:txBody>
+      </p:sp>
+      <p:sp>
+        <p:nvSpPr>
+          <p:cNvPr id="29" name="TextBox 28">
+            <a:extLst>
+              <a:ext uri="{FF2B5EF4-FFF2-40B4-BE49-F238E27FC236}">
+                <a16:creationId xmlns:a16="http://schemas.microsoft.com/office/drawing/2014/main" id="{90B05851-1892-7043-B69E-717F86300588}"/>
+              </a:ext>
+            </a:extLst>
+          </p:cNvPr>
+          <p:cNvSpPr txBox="1"/>
+          <p:nvPr/>
+        </p:nvSpPr>
+        <p:spPr>
+          <a:xfrm>
+            <a:off x="6133488" y="1667715"/>
+            <a:ext cx="418705" cy="369332"/>
+          </a:xfrm>
+          <a:prstGeom prst="rect">
+            <a:avLst/>
+          </a:prstGeom>
+          <a:noFill/>
+        </p:spPr>
+        <p:txBody>
+          <a:bodyPr wrap="none" rtlCol="0" anchor="ctr" anchorCtr="1">
+            <a:spAutoFit/>
+          </a:bodyPr>
+          <a:lstStyle/>
+          <a:p>
+            <a:pPr algn="ctr"/>
+            <a:r>
               <a:rPr lang="en-US" dirty="0">
-                <a:hlinkClick r:id="rId2"/>
-              </a:rPr>
-              <a:t>https://www.mdpi.com/2220-9964/9/5/304</a:t>
-            </a:r>
-            <a:endParaRPr lang="en-US" dirty="0"/>
-          </a:p>
-          <a:p>
-            <a:r>
-              <a:rPr lang="en-US" dirty="0">
-                <a:hlinkClick r:id="rId3"/>
-              </a:rPr>
-              <a:t>https://stackoverflow.com/questions/69237154/how-do-you-get-the-medial-axis-of-a-multipolygon-using-cgal</a:t>
-            </a:r>
-            <a:endParaRPr lang="en-US" dirty="0"/>
-          </a:p>
-          <a:p>
-            <a:endParaRPr lang="en-US" dirty="0"/>
-          </a:p>
-          <a:p>
-            <a:r>
-              <a:rPr lang="en-US" dirty="0">
-                <a:hlinkClick r:id="rId4"/>
-              </a:rPr>
-              <a:t>https://groups.csail.mit.edu/graphics/classes/6.838/S98/meetings/m25/m25.html</a:t>
-            </a:r>
+                <a:solidFill>
+                  <a:srgbClr val="000000"/>
+                </a:solidFill>
+              </a:rPr>
+              <a:t>10</a:t>
+            </a:r>
+          </a:p>
+        </p:txBody>
+      </p:sp>
+      <p:sp>
+        <p:nvSpPr>
+          <p:cNvPr id="22" name="TextBox 21">
+            <a:extLst>
+              <a:ext uri="{FF2B5EF4-FFF2-40B4-BE49-F238E27FC236}">
+                <a16:creationId xmlns:a16="http://schemas.microsoft.com/office/drawing/2014/main" id="{9F50FE1F-0B61-1DCF-C823-87A186BCD2BE}"/>
+              </a:ext>
+            </a:extLst>
+          </p:cNvPr>
+          <p:cNvSpPr txBox="1"/>
+          <p:nvPr/>
+        </p:nvSpPr>
+        <p:spPr>
+          <a:xfrm>
+            <a:off x="6396545" y="3095385"/>
+            <a:ext cx="314509" cy="400110"/>
+          </a:xfrm>
+          <a:prstGeom prst="rect">
+            <a:avLst/>
+          </a:prstGeom>
+          <a:noFill/>
+        </p:spPr>
+        <p:txBody>
+          <a:bodyPr wrap="none" rtlCol="0" anchor="ctr" anchorCtr="1">
+            <a:spAutoFit/>
+          </a:bodyPr>
+          <a:lstStyle/>
+          <a:p>
+            <a:pPr algn="ctr"/>
+            <a:r>
+              <a:rPr lang="en-US" sz="2000">
+                <a:solidFill>
+                  <a:srgbClr val="000000"/>
+                </a:solidFill>
+              </a:rPr>
+              <a:t>2</a:t>
+            </a:r>
+          </a:p>
+        </p:txBody>
+      </p:sp>
+      <p:sp>
+        <p:nvSpPr>
+          <p:cNvPr id="23" name="TextBox 22">
+            <a:extLst>
+              <a:ext uri="{FF2B5EF4-FFF2-40B4-BE49-F238E27FC236}">
+                <a16:creationId xmlns:a16="http://schemas.microsoft.com/office/drawing/2014/main" id="{C0F5647F-2819-B037-AC1A-0EE6AEC62C06}"/>
+              </a:ext>
+            </a:extLst>
+          </p:cNvPr>
+          <p:cNvSpPr txBox="1"/>
+          <p:nvPr/>
+        </p:nvSpPr>
+        <p:spPr>
+          <a:xfrm>
+            <a:off x="7696865" y="2860666"/>
+            <a:ext cx="314510" cy="400110"/>
+          </a:xfrm>
+          <a:prstGeom prst="rect">
+            <a:avLst/>
+          </a:prstGeom>
+          <a:noFill/>
+        </p:spPr>
+        <p:txBody>
+          <a:bodyPr wrap="none" rtlCol="0" anchor="ctr" anchorCtr="1">
+            <a:spAutoFit/>
+          </a:bodyPr>
+          <a:lstStyle/>
+          <a:p>
+            <a:pPr algn="ctr"/>
+            <a:r>
+              <a:rPr lang="en-US" sz="2000">
+                <a:solidFill>
+                  <a:srgbClr val="000000"/>
+                </a:solidFill>
+              </a:rPr>
+              <a:t>3</a:t>
+            </a:r>
+          </a:p>
+        </p:txBody>
+      </p:sp>
+      <p:sp>
+        <p:nvSpPr>
+          <p:cNvPr id="31" name="CaixaDeTexto 30">
+            <a:extLst>
+              <a:ext uri="{FF2B5EF4-FFF2-40B4-BE49-F238E27FC236}">
+                <a16:creationId xmlns:a16="http://schemas.microsoft.com/office/drawing/2014/main" id="{A7C49F32-3051-1E10-BFA9-3D63474F9443}"/>
+              </a:ext>
+            </a:extLst>
+          </p:cNvPr>
+          <p:cNvSpPr txBox="1"/>
+          <p:nvPr/>
+        </p:nvSpPr>
+        <p:spPr>
+          <a:xfrm>
+            <a:off x="7938511" y="4422838"/>
+            <a:ext cx="314509" cy="400110"/>
+          </a:xfrm>
+          <a:prstGeom prst="rect">
+            <a:avLst/>
+          </a:prstGeom>
+          <a:noFill/>
+        </p:spPr>
+        <p:txBody>
+          <a:bodyPr wrap="none" rtlCol="0" anchor="ctr" anchorCtr="1">
+            <a:spAutoFit/>
+          </a:bodyPr>
+          <a:lstStyle/>
+          <a:p>
+            <a:pPr algn="ctr"/>
+            <a:r>
+              <a:rPr lang="en-US" sz="2000">
+                <a:solidFill>
+                  <a:srgbClr val="000000"/>
+                </a:solidFill>
+              </a:rPr>
+              <a:t>4</a:t>
+            </a:r>
+          </a:p>
+        </p:txBody>
+      </p:sp>
+      <mc:AlternateContent xmlns:mc="http://schemas.openxmlformats.org/markup-compatibility/2006">
+        <mc:Choice xmlns:p14="http://schemas.microsoft.com/office/powerpoint/2010/main" Requires="p14">
+          <p:contentPart p14:bwMode="auto" r:id="rId4">
+            <p14:nvContentPartPr>
+              <p14:cNvPr id="36" name="Ink 35">
+                <a:extLst>
+                  <a:ext uri="{FF2B5EF4-FFF2-40B4-BE49-F238E27FC236}">
+                    <a16:creationId xmlns:a16="http://schemas.microsoft.com/office/drawing/2014/main" id="{17220DFB-E75A-B325-766F-1F774697508F}"/>
+                  </a:ext>
+                </a:extLst>
+              </p14:cNvPr>
+              <p14:cNvContentPartPr/>
+              <p14:nvPr/>
+            </p14:nvContentPartPr>
+            <p14:xfrm>
+              <a:off x="9588287" y="2565020"/>
+              <a:ext cx="360" cy="360"/>
+            </p14:xfrm>
+          </p:contentPart>
+        </mc:Choice>
+        <mc:Fallback>
+          <p:pic>
+            <p:nvPicPr>
+              <p:cNvPr id="36" name="Ink 35">
+                <a:extLst>
+                  <a:ext uri="{FF2B5EF4-FFF2-40B4-BE49-F238E27FC236}">
+                    <a16:creationId xmlns:a16="http://schemas.microsoft.com/office/drawing/2014/main" id="{17220DFB-E75A-B325-766F-1F774697508F}"/>
+                  </a:ext>
+                </a:extLst>
+              </p:cNvPr>
+              <p:cNvPicPr/>
+              <p:nvPr/>
+            </p:nvPicPr>
+            <p:blipFill>
+              <a:blip r:embed="rId5"/>
+              <a:stretch>
+                <a:fillRect/>
+              </a:stretch>
+            </p:blipFill>
+            <p:spPr>
+              <a:xfrm>
+                <a:off x="9582167" y="2558900"/>
+                <a:ext cx="12600" cy="12600"/>
+              </a:xfrm>
+              <a:prstGeom prst="rect">
+                <a:avLst/>
+              </a:prstGeom>
+            </p:spPr>
+          </p:pic>
+        </mc:Fallback>
+      </mc:AlternateContent>
+      <mc:AlternateContent xmlns:mc="http://schemas.openxmlformats.org/markup-compatibility/2006">
+        <mc:Choice xmlns:p14="http://schemas.microsoft.com/office/powerpoint/2010/main" Requires="p14">
+          <p:contentPart p14:bwMode="auto" r:id="rId6">
+            <p14:nvContentPartPr>
+              <p14:cNvPr id="43" name="Ink 42">
+                <a:extLst>
+                  <a:ext uri="{FF2B5EF4-FFF2-40B4-BE49-F238E27FC236}">
+                    <a16:creationId xmlns:a16="http://schemas.microsoft.com/office/drawing/2014/main" id="{2F62715D-DEA1-FA7E-953F-B9C6E2846C68}"/>
+                  </a:ext>
+                </a:extLst>
+              </p14:cNvPr>
+              <p14:cNvContentPartPr/>
+              <p14:nvPr/>
+            </p14:nvContentPartPr>
+            <p14:xfrm>
+              <a:off x="7945607" y="2840420"/>
+              <a:ext cx="271440" cy="1757160"/>
+            </p14:xfrm>
+          </p:contentPart>
+        </mc:Choice>
+        <mc:Fallback>
+          <p:pic>
+            <p:nvPicPr>
+              <p:cNvPr id="43" name="Ink 42">
+                <a:extLst>
+                  <a:ext uri="{FF2B5EF4-FFF2-40B4-BE49-F238E27FC236}">
+                    <a16:creationId xmlns:a16="http://schemas.microsoft.com/office/drawing/2014/main" id="{2F62715D-DEA1-FA7E-953F-B9C6E2846C68}"/>
+                  </a:ext>
+                </a:extLst>
+              </p:cNvPr>
+              <p:cNvPicPr/>
+              <p:nvPr/>
+            </p:nvPicPr>
+            <p:blipFill>
+              <a:blip r:embed="rId7"/>
+              <a:stretch>
+                <a:fillRect/>
+              </a:stretch>
+            </p:blipFill>
+            <p:spPr>
+              <a:xfrm>
+                <a:off x="7939487" y="2834300"/>
+                <a:ext cx="283680" cy="1769400"/>
+              </a:xfrm>
+              <a:prstGeom prst="rect">
+                <a:avLst/>
+              </a:prstGeom>
+            </p:spPr>
+          </p:pic>
+        </mc:Fallback>
+      </mc:AlternateContent>
+      <mc:AlternateContent xmlns:mc="http://schemas.openxmlformats.org/markup-compatibility/2006">
+        <mc:Choice xmlns:p14="http://schemas.microsoft.com/office/powerpoint/2010/main" Requires="p14">
+          <p:contentPart p14:bwMode="auto" r:id="rId8">
+            <p14:nvContentPartPr>
+              <p14:cNvPr id="5" name="Ink 4">
+                <a:extLst>
+                  <a:ext uri="{FF2B5EF4-FFF2-40B4-BE49-F238E27FC236}">
+                    <a16:creationId xmlns:a16="http://schemas.microsoft.com/office/drawing/2014/main" id="{D33701F2-9AF1-2E00-8BB1-F37C5B79B5D7}"/>
+                  </a:ext>
+                </a:extLst>
+              </p14:cNvPr>
+              <p14:cNvContentPartPr/>
+              <p14:nvPr/>
+            </p14:nvContentPartPr>
+            <p14:xfrm>
+              <a:off x="6438647" y="2848700"/>
+              <a:ext cx="1486440" cy="245880"/>
+            </p14:xfrm>
+          </p:contentPart>
+        </mc:Choice>
+        <mc:Fallback>
+          <p:pic>
+            <p:nvPicPr>
+              <p:cNvPr id="5" name="Ink 4">
+                <a:extLst>
+                  <a:ext uri="{FF2B5EF4-FFF2-40B4-BE49-F238E27FC236}">
+                    <a16:creationId xmlns:a16="http://schemas.microsoft.com/office/drawing/2014/main" id="{D33701F2-9AF1-2E00-8BB1-F37C5B79B5D7}"/>
+                  </a:ext>
+                </a:extLst>
+              </p:cNvPr>
+              <p:cNvPicPr/>
+              <p:nvPr/>
+            </p:nvPicPr>
+            <p:blipFill>
+              <a:blip r:embed="rId9"/>
+              <a:stretch>
+                <a:fillRect/>
+              </a:stretch>
+            </p:blipFill>
+            <p:spPr>
+              <a:xfrm>
+                <a:off x="6432527" y="2842571"/>
+                <a:ext cx="1498680" cy="258138"/>
+              </a:xfrm>
+              <a:prstGeom prst="rect">
+                <a:avLst/>
+              </a:prstGeom>
+            </p:spPr>
+          </p:pic>
+        </mc:Fallback>
+      </mc:AlternateContent>
+    </p:spTree>
+    <p:extLst>
+      <p:ext uri="{BB962C8B-B14F-4D97-AF65-F5344CB8AC3E}">
+        <p14:creationId xmlns:p14="http://schemas.microsoft.com/office/powerpoint/2010/main" val="1715865649"/>
+      </p:ext>
+    </p:extLst>
+  </p:cSld>
+  <p:clrMapOvr>
+    <a:masterClrMapping/>
+  </p:clrMapOvr>
+</p:sld>
+</file>
+
+<file path=ppt/slides/slide39.xml><?xml version="1.0" encoding="utf-8"?>
+<p:sld xmlns:a="http://schemas.openxmlformats.org/drawingml/2006/main" xmlns:r="http://schemas.openxmlformats.org/officeDocument/2006/relationships" xmlns:p="http://schemas.openxmlformats.org/presentationml/2006/main">
+  <p:cSld>
+    <p:spTree>
+      <p:nvGrpSpPr>
+        <p:cNvPr id="1" name=""/>
+        <p:cNvGrpSpPr/>
+        <p:nvPr/>
+      </p:nvGrpSpPr>
+      <p:grpSpPr>
+        <a:xfrm>
+          <a:off x="0" y="0"/>
+          <a:ext cx="0" cy="0"/>
+          <a:chOff x="0" y="0"/>
+          <a:chExt cx="0" cy="0"/>
+        </a:xfrm>
+      </p:grpSpPr>
+      <p:sp>
+        <p:nvSpPr>
+          <p:cNvPr id="2" name="Title 1">
+            <a:extLst>
+              <a:ext uri="{FF2B5EF4-FFF2-40B4-BE49-F238E27FC236}">
+                <a16:creationId xmlns:a16="http://schemas.microsoft.com/office/drawing/2014/main" id="{867DEB5F-FE58-9C90-2594-7CBD2724431F}"/>
+              </a:ext>
+            </a:extLst>
+          </p:cNvPr>
+          <p:cNvSpPr>
+            <a:spLocks noGrp="1"/>
+          </p:cNvSpPr>
+          <p:nvPr>
+            <p:ph type="title"/>
+          </p:nvPr>
+        </p:nvSpPr>
+        <p:spPr/>
+        <p:txBody>
+          <a:bodyPr>
+            <a:noAutofit/>
+          </a:bodyPr>
+          <a:lstStyle/>
+          <a:p>
+            <a:r>
+              <a:rPr lang="en-US" sz="3600" dirty="0"/>
+              <a:t>Note: for a particular cut depth, more than one vertex can intersect at the same time but into different points. This can create multiple polytopes.</a:t>
+            </a:r>
+          </a:p>
+        </p:txBody>
+      </p:sp>
+      <p:sp>
+        <p:nvSpPr>
+          <p:cNvPr id="3" name="Content Placeholder 2">
+            <a:extLst>
+              <a:ext uri="{FF2B5EF4-FFF2-40B4-BE49-F238E27FC236}">
+                <a16:creationId xmlns:a16="http://schemas.microsoft.com/office/drawing/2014/main" id="{CEB9722B-7B82-5D03-21F3-742363475497}"/>
+              </a:ext>
+            </a:extLst>
+          </p:cNvPr>
+          <p:cNvSpPr>
+            <a:spLocks noGrp="1"/>
+          </p:cNvSpPr>
+          <p:nvPr>
+            <p:ph idx="1"/>
+          </p:nvPr>
+        </p:nvSpPr>
+        <p:spPr>
+          <a:xfrm>
+            <a:off x="838199" y="2154767"/>
+            <a:ext cx="3966048" cy="4022196"/>
+          </a:xfrm>
+        </p:spPr>
+        <p:txBody>
+          <a:bodyPr/>
+          <a:lstStyle/>
+          <a:p>
+            <a:pPr marL="0" indent="0">
+              <a:buNone/>
+            </a:pPr>
             <a:r>
               <a:rPr lang="en-US" dirty="0"/>
-              <a:t> </a:t>
-            </a:r>
-          </a:p>
-          <a:p>
-            <a:endParaRPr lang="en-US" dirty="0"/>
+              <a:t>In this case, the original sequence is:</a:t>
+            </a:r>
+          </a:p>
+          <a:p>
+            <a:pPr marL="0" indent="0">
+              <a:buNone/>
+            </a:pPr>
+            <a:r>
+              <a:rPr lang="en-US" sz="1800" b="0" i="0" dirty="0">
+                <a:solidFill>
+                  <a:srgbClr val="008013"/>
+                </a:solidFill>
+                <a:effectLst/>
+                <a:latin typeface="Menlo"/>
+              </a:rPr>
+              <a:t>1; 2; 3; 4; 5; 6; 7; 8; 9; 10; 11; 1</a:t>
+            </a:r>
+          </a:p>
+          <a:p>
+            <a:pPr marL="0" indent="0">
+              <a:buNone/>
+            </a:pPr>
+            <a:endParaRPr lang="en-US" sz="1800" b="0" i="0" dirty="0">
+              <a:solidFill>
+                <a:srgbClr val="008013"/>
+              </a:solidFill>
+              <a:effectLst/>
+              <a:latin typeface="Menlo"/>
+            </a:endParaRPr>
+          </a:p>
+          <a:p>
+            <a:pPr marL="0" marR="0" lvl="0" indent="0" algn="l" defTabSz="914400" rtl="0" eaLnBrk="1" fontAlgn="auto" latinLnBrk="0" hangingPunct="1">
+              <a:lnSpc>
+                <a:spcPct val="90000"/>
+              </a:lnSpc>
+              <a:spcBef>
+                <a:spcPts val="1000"/>
+              </a:spcBef>
+              <a:spcAft>
+                <a:spcPts val="0"/>
+              </a:spcAft>
+              <a:buClrTx/>
+              <a:buSzTx/>
+              <a:buFont typeface="Arial" panose="020B0604020202020204" pitchFamily="34" charset="0"/>
+              <a:buNone/>
+              <a:tabLst/>
+              <a:defRPr/>
+            </a:pPr>
+            <a:r>
+              <a:rPr kumimoji="0" lang="en-US" sz="2800" b="0" i="0" u="none" strike="noStrike" kern="1200" cap="none" spc="0" normalizeH="0" baseline="0" noProof="0" dirty="0">
+                <a:ln>
+                  <a:noFill/>
+                </a:ln>
+                <a:solidFill>
+                  <a:prstClr val="black"/>
+                </a:solidFill>
+                <a:effectLst/>
+                <a:uLnTx/>
+                <a:uFillTx/>
+                <a:latin typeface="Calibri" panose="020F0502020204030204"/>
+                <a:ea typeface="+mn-ea"/>
+                <a:cs typeface="+mn-cs"/>
+              </a:rPr>
+              <a:t>The inserted sequence is:</a:t>
+            </a:r>
+          </a:p>
+          <a:p>
+            <a:pPr marL="0" indent="0">
+              <a:buNone/>
+              <a:defRPr/>
+            </a:pPr>
+            <a:r>
+              <a:rPr lang="en-US" sz="1800" b="0" i="0" dirty="0">
+                <a:solidFill>
+                  <a:srgbClr val="008013"/>
+                </a:solidFill>
+                <a:effectLst/>
+                <a:latin typeface="Menlo"/>
+              </a:rPr>
+              <a:t>1; 2; 3; -7; 4; 5; 6; 7; 8; 9; -2; 10; 11; 1</a:t>
+            </a:r>
+            <a:endParaRPr lang="en-US" sz="1800" b="0" i="0" dirty="0">
+              <a:effectLst/>
+              <a:latin typeface="Menlo"/>
+            </a:endParaRPr>
+          </a:p>
+          <a:p>
+            <a:pPr marL="0" marR="0" lvl="0" indent="0" algn="l" defTabSz="914400" rtl="0" eaLnBrk="1" fontAlgn="auto" latinLnBrk="0" hangingPunct="1">
+              <a:lnSpc>
+                <a:spcPct val="90000"/>
+              </a:lnSpc>
+              <a:spcBef>
+                <a:spcPts val="1000"/>
+              </a:spcBef>
+              <a:spcAft>
+                <a:spcPts val="0"/>
+              </a:spcAft>
+              <a:buClrTx/>
+              <a:buSzTx/>
+              <a:buFont typeface="Arial" panose="020B0604020202020204" pitchFamily="34" charset="0"/>
+              <a:buNone/>
+              <a:tabLst/>
+              <a:defRPr/>
+            </a:pPr>
+            <a:endParaRPr kumimoji="0" lang="en-US" sz="2800" b="0" i="0" u="none" strike="noStrike" kern="1200" cap="none" spc="0" normalizeH="0" baseline="0" noProof="0" dirty="0">
+              <a:ln>
+                <a:noFill/>
+              </a:ln>
+              <a:solidFill>
+                <a:prstClr val="black"/>
+              </a:solidFill>
+              <a:effectLst/>
+              <a:uLnTx/>
+              <a:uFillTx/>
+              <a:latin typeface="Calibri" panose="020F0502020204030204"/>
+              <a:ea typeface="+mn-ea"/>
+              <a:cs typeface="+mn-cs"/>
+            </a:endParaRPr>
+          </a:p>
+          <a:p>
+            <a:pPr marL="0" indent="0">
+              <a:buNone/>
+            </a:pPr>
+            <a:endParaRPr lang="en-US" sz="1800" b="0" i="0" dirty="0">
+              <a:effectLst/>
+              <a:latin typeface="Menlo"/>
+            </a:endParaRPr>
+          </a:p>
+        </p:txBody>
+      </p:sp>
+      <mc:AlternateContent xmlns:mc="http://schemas.openxmlformats.org/markup-compatibility/2006">
+        <mc:Choice xmlns:p14="http://schemas.microsoft.com/office/powerpoint/2010/main" Requires="p14">
+          <p:contentPart p14:bwMode="auto" r:id="rId2">
+            <p14:nvContentPartPr>
+              <p14:cNvPr id="9" name="Ink 8">
+                <a:extLst>
+                  <a:ext uri="{FF2B5EF4-FFF2-40B4-BE49-F238E27FC236}">
+                    <a16:creationId xmlns:a16="http://schemas.microsoft.com/office/drawing/2014/main" id="{366964BB-3C63-5607-53F1-AFE88A7BCF73}"/>
+                  </a:ext>
+                </a:extLst>
+              </p14:cNvPr>
+              <p14:cNvContentPartPr/>
+              <p14:nvPr/>
+            </p14:nvContentPartPr>
+            <p14:xfrm>
+              <a:off x="8864835" y="2781120"/>
+              <a:ext cx="360000" cy="1384920"/>
+            </p14:xfrm>
+          </p:contentPart>
+        </mc:Choice>
+        <mc:Fallback>
+          <p:pic>
+            <p:nvPicPr>
+              <p:cNvPr id="9" name="Ink 8">
+                <a:extLst>
+                  <a:ext uri="{FF2B5EF4-FFF2-40B4-BE49-F238E27FC236}">
+                    <a16:creationId xmlns:a16="http://schemas.microsoft.com/office/drawing/2014/main" id="{366964BB-3C63-5607-53F1-AFE88A7BCF73}"/>
+                  </a:ext>
+                </a:extLst>
+              </p:cNvPr>
+              <p:cNvPicPr/>
+              <p:nvPr/>
+            </p:nvPicPr>
+            <p:blipFill>
+              <a:blip r:embed="rId3"/>
+              <a:stretch>
+                <a:fillRect/>
+              </a:stretch>
+            </p:blipFill>
+            <p:spPr>
+              <a:xfrm>
+                <a:off x="8858715" y="2775000"/>
+                <a:ext cx="372240" cy="1397160"/>
+              </a:xfrm>
+              <a:prstGeom prst="rect">
+                <a:avLst/>
+              </a:prstGeom>
+            </p:spPr>
+          </p:pic>
+        </mc:Fallback>
+      </mc:AlternateContent>
+      <mc:AlternateContent xmlns:mc="http://schemas.openxmlformats.org/markup-compatibility/2006">
+        <mc:Choice xmlns:p14="http://schemas.microsoft.com/office/powerpoint/2010/main" Requires="p14">
+          <p:contentPart p14:bwMode="auto" r:id="rId4">
+            <p14:nvContentPartPr>
+              <p14:cNvPr id="11" name="Ink 10">
+                <a:extLst>
+                  <a:ext uri="{FF2B5EF4-FFF2-40B4-BE49-F238E27FC236}">
+                    <a16:creationId xmlns:a16="http://schemas.microsoft.com/office/drawing/2014/main" id="{8B847585-C037-CE30-6A02-FACFB932968B}"/>
+                  </a:ext>
+                </a:extLst>
+              </p14:cNvPr>
+              <p14:cNvContentPartPr/>
+              <p14:nvPr/>
+            </p14:nvContentPartPr>
+            <p14:xfrm>
+              <a:off x="7713195" y="2975520"/>
+              <a:ext cx="1152000" cy="1190160"/>
+            </p14:xfrm>
+          </p:contentPart>
+        </mc:Choice>
+        <mc:Fallback>
+          <p:pic>
+            <p:nvPicPr>
+              <p:cNvPr id="11" name="Ink 10">
+                <a:extLst>
+                  <a:ext uri="{FF2B5EF4-FFF2-40B4-BE49-F238E27FC236}">
+                    <a16:creationId xmlns:a16="http://schemas.microsoft.com/office/drawing/2014/main" id="{8B847585-C037-CE30-6A02-FACFB932968B}"/>
+                  </a:ext>
+                </a:extLst>
+              </p:cNvPr>
+              <p:cNvPicPr/>
+              <p:nvPr/>
+            </p:nvPicPr>
+            <p:blipFill>
+              <a:blip r:embed="rId5"/>
+              <a:stretch>
+                <a:fillRect/>
+              </a:stretch>
+            </p:blipFill>
+            <p:spPr>
+              <a:xfrm>
+                <a:off x="7707075" y="2969400"/>
+                <a:ext cx="1164240" cy="1202400"/>
+              </a:xfrm>
+              <a:prstGeom prst="rect">
+                <a:avLst/>
+              </a:prstGeom>
+            </p:spPr>
+          </p:pic>
+        </mc:Fallback>
+      </mc:AlternateContent>
+      <mc:AlternateContent xmlns:mc="http://schemas.openxmlformats.org/markup-compatibility/2006">
+        <mc:Choice xmlns:p14="http://schemas.microsoft.com/office/powerpoint/2010/main" Requires="p14">
+          <p:contentPart p14:bwMode="auto" r:id="rId6">
+            <p14:nvContentPartPr>
+              <p14:cNvPr id="13" name="Ink 12">
+                <a:extLst>
+                  <a:ext uri="{FF2B5EF4-FFF2-40B4-BE49-F238E27FC236}">
+                    <a16:creationId xmlns:a16="http://schemas.microsoft.com/office/drawing/2014/main" id="{F89FAFE7-1356-BE87-2025-C10293FD4995}"/>
+                  </a:ext>
+                </a:extLst>
+              </p14:cNvPr>
+              <p14:cNvContentPartPr/>
+              <p14:nvPr/>
+            </p14:nvContentPartPr>
+            <p14:xfrm>
+              <a:off x="6917235" y="2975520"/>
+              <a:ext cx="796320" cy="97920"/>
+            </p14:xfrm>
+          </p:contentPart>
+        </mc:Choice>
+        <mc:Fallback>
+          <p:pic>
+            <p:nvPicPr>
+              <p:cNvPr id="13" name="Ink 12">
+                <a:extLst>
+                  <a:ext uri="{FF2B5EF4-FFF2-40B4-BE49-F238E27FC236}">
+                    <a16:creationId xmlns:a16="http://schemas.microsoft.com/office/drawing/2014/main" id="{F89FAFE7-1356-BE87-2025-C10293FD4995}"/>
+                  </a:ext>
+                </a:extLst>
+              </p:cNvPr>
+              <p:cNvPicPr/>
+              <p:nvPr/>
+            </p:nvPicPr>
+            <p:blipFill>
+              <a:blip r:embed="rId7"/>
+              <a:stretch>
+                <a:fillRect/>
+              </a:stretch>
+            </p:blipFill>
+            <p:spPr>
+              <a:xfrm>
+                <a:off x="6911115" y="2969400"/>
+                <a:ext cx="808560" cy="110160"/>
+              </a:xfrm>
+              <a:prstGeom prst="rect">
+                <a:avLst/>
+              </a:prstGeom>
+            </p:spPr>
+          </p:pic>
+        </mc:Fallback>
+      </mc:AlternateContent>
+      <mc:AlternateContent xmlns:mc="http://schemas.openxmlformats.org/markup-compatibility/2006">
+        <mc:Choice xmlns:p14="http://schemas.microsoft.com/office/powerpoint/2010/main" Requires="p14">
+          <p:contentPart p14:bwMode="auto" r:id="rId8">
+            <p14:nvContentPartPr>
+              <p14:cNvPr id="15" name="Ink 14">
+                <a:extLst>
+                  <a:ext uri="{FF2B5EF4-FFF2-40B4-BE49-F238E27FC236}">
+                    <a16:creationId xmlns:a16="http://schemas.microsoft.com/office/drawing/2014/main" id="{11C92DCD-D364-18F6-26F0-500B1582C4C5}"/>
+                  </a:ext>
+                </a:extLst>
+              </p14:cNvPr>
+              <p14:cNvContentPartPr/>
+              <p14:nvPr/>
+            </p14:nvContentPartPr>
+            <p14:xfrm>
+              <a:off x="6498555" y="3068760"/>
+              <a:ext cx="415080" cy="1981800"/>
+            </p14:xfrm>
+          </p:contentPart>
+        </mc:Choice>
+        <mc:Fallback>
+          <p:pic>
+            <p:nvPicPr>
+              <p:cNvPr id="15" name="Ink 14">
+                <a:extLst>
+                  <a:ext uri="{FF2B5EF4-FFF2-40B4-BE49-F238E27FC236}">
+                    <a16:creationId xmlns:a16="http://schemas.microsoft.com/office/drawing/2014/main" id="{11C92DCD-D364-18F6-26F0-500B1582C4C5}"/>
+                  </a:ext>
+                </a:extLst>
+              </p:cNvPr>
+              <p:cNvPicPr/>
+              <p:nvPr/>
+            </p:nvPicPr>
+            <p:blipFill>
+              <a:blip r:embed="rId9"/>
+              <a:stretch>
+                <a:fillRect/>
+              </a:stretch>
+            </p:blipFill>
+            <p:spPr>
+              <a:xfrm>
+                <a:off x="6492435" y="3062640"/>
+                <a:ext cx="427320" cy="1994040"/>
+              </a:xfrm>
+              <a:prstGeom prst="rect">
+                <a:avLst/>
+              </a:prstGeom>
+            </p:spPr>
+          </p:pic>
+        </mc:Fallback>
+      </mc:AlternateContent>
+      <mc:AlternateContent xmlns:mc="http://schemas.openxmlformats.org/markup-compatibility/2006">
+        <mc:Choice xmlns:p14="http://schemas.microsoft.com/office/powerpoint/2010/main" Requires="p14">
+          <p:contentPart p14:bwMode="auto" r:id="rId10">
+            <p14:nvContentPartPr>
+              <p14:cNvPr id="21" name="Ink 20">
+                <a:extLst>
+                  <a:ext uri="{FF2B5EF4-FFF2-40B4-BE49-F238E27FC236}">
+                    <a16:creationId xmlns:a16="http://schemas.microsoft.com/office/drawing/2014/main" id="{0DC1793F-940D-314F-2A2B-AE38491E933C}"/>
+                  </a:ext>
+                </a:extLst>
+              </p14:cNvPr>
+              <p14:cNvContentPartPr/>
+              <p14:nvPr/>
+            </p14:nvContentPartPr>
+            <p14:xfrm>
+              <a:off x="8386395" y="4186560"/>
+              <a:ext cx="1291680" cy="29880"/>
+            </p14:xfrm>
+          </p:contentPart>
+        </mc:Choice>
+        <mc:Fallback>
+          <p:pic>
+            <p:nvPicPr>
+              <p:cNvPr id="21" name="Ink 20">
+                <a:extLst>
+                  <a:ext uri="{FF2B5EF4-FFF2-40B4-BE49-F238E27FC236}">
+                    <a16:creationId xmlns:a16="http://schemas.microsoft.com/office/drawing/2014/main" id="{0DC1793F-940D-314F-2A2B-AE38491E933C}"/>
+                  </a:ext>
+                </a:extLst>
+              </p:cNvPr>
+              <p:cNvPicPr/>
+              <p:nvPr/>
+            </p:nvPicPr>
+            <p:blipFill>
+              <a:blip r:embed="rId11"/>
+              <a:stretch>
+                <a:fillRect/>
+              </a:stretch>
+            </p:blipFill>
+            <p:spPr>
+              <a:xfrm>
+                <a:off x="8380275" y="4180440"/>
+                <a:ext cx="1303920" cy="42120"/>
+              </a:xfrm>
+              <a:prstGeom prst="rect">
+                <a:avLst/>
+              </a:prstGeom>
+            </p:spPr>
+          </p:pic>
+        </mc:Fallback>
+      </mc:AlternateContent>
+      <mc:AlternateContent xmlns:mc="http://schemas.openxmlformats.org/markup-compatibility/2006">
+        <mc:Choice xmlns:p14="http://schemas.microsoft.com/office/powerpoint/2010/main" Requires="p14">
+          <p:contentPart p14:bwMode="auto" r:id="rId12">
+            <p14:nvContentPartPr>
+              <p14:cNvPr id="45" name="Ink 44">
+                <a:extLst>
+                  <a:ext uri="{FF2B5EF4-FFF2-40B4-BE49-F238E27FC236}">
+                    <a16:creationId xmlns:a16="http://schemas.microsoft.com/office/drawing/2014/main" id="{EE6C3459-481A-7197-FC90-460E4F1AA7AE}"/>
+                  </a:ext>
+                </a:extLst>
+              </p14:cNvPr>
+              <p14:cNvContentPartPr/>
+              <p14:nvPr/>
+            </p14:nvContentPartPr>
+            <p14:xfrm>
+              <a:off x="6528075" y="3555840"/>
+              <a:ext cx="859680" cy="1481760"/>
+            </p14:xfrm>
+          </p:contentPart>
+        </mc:Choice>
+        <mc:Fallback>
+          <p:pic>
+            <p:nvPicPr>
+              <p:cNvPr id="45" name="Ink 44">
+                <a:extLst>
+                  <a:ext uri="{FF2B5EF4-FFF2-40B4-BE49-F238E27FC236}">
+                    <a16:creationId xmlns:a16="http://schemas.microsoft.com/office/drawing/2014/main" id="{EE6C3459-481A-7197-FC90-460E4F1AA7AE}"/>
+                  </a:ext>
+                </a:extLst>
+              </p:cNvPr>
+              <p:cNvPicPr/>
+              <p:nvPr/>
+            </p:nvPicPr>
+            <p:blipFill>
+              <a:blip r:embed="rId13"/>
+              <a:stretch>
+                <a:fillRect/>
+              </a:stretch>
+            </p:blipFill>
+            <p:spPr>
+              <a:xfrm>
+                <a:off x="6521955" y="3549720"/>
+                <a:ext cx="871920" cy="1494000"/>
+              </a:xfrm>
+              <a:prstGeom prst="rect">
+                <a:avLst/>
+              </a:prstGeom>
+            </p:spPr>
+          </p:pic>
+        </mc:Fallback>
+      </mc:AlternateContent>
+      <mc:AlternateContent xmlns:mc="http://schemas.openxmlformats.org/markup-compatibility/2006">
+        <mc:Choice xmlns:p14="http://schemas.microsoft.com/office/powerpoint/2010/main" Requires="p14">
+          <p:contentPart p14:bwMode="auto" r:id="rId14">
+            <p14:nvContentPartPr>
+              <p14:cNvPr id="47" name="Ink 46">
+                <a:extLst>
+                  <a:ext uri="{FF2B5EF4-FFF2-40B4-BE49-F238E27FC236}">
+                    <a16:creationId xmlns:a16="http://schemas.microsoft.com/office/drawing/2014/main" id="{F97D5FB2-9A2A-3E24-29F1-CCDD5D73558F}"/>
+                  </a:ext>
+                </a:extLst>
+              </p14:cNvPr>
+              <p14:cNvContentPartPr/>
+              <p14:nvPr/>
+            </p14:nvContentPartPr>
+            <p14:xfrm>
+              <a:off x="7416915" y="3500760"/>
+              <a:ext cx="656640" cy="51120"/>
+            </p14:xfrm>
+          </p:contentPart>
+        </mc:Choice>
+        <mc:Fallback>
+          <p:pic>
+            <p:nvPicPr>
+              <p:cNvPr id="47" name="Ink 46">
+                <a:extLst>
+                  <a:ext uri="{FF2B5EF4-FFF2-40B4-BE49-F238E27FC236}">
+                    <a16:creationId xmlns:a16="http://schemas.microsoft.com/office/drawing/2014/main" id="{F97D5FB2-9A2A-3E24-29F1-CCDD5D73558F}"/>
+                  </a:ext>
+                </a:extLst>
+              </p:cNvPr>
+              <p:cNvPicPr/>
+              <p:nvPr/>
+            </p:nvPicPr>
+            <p:blipFill>
+              <a:blip r:embed="rId15"/>
+              <a:stretch>
+                <a:fillRect/>
+              </a:stretch>
+            </p:blipFill>
+            <p:spPr>
+              <a:xfrm>
+                <a:off x="7410795" y="3494640"/>
+                <a:ext cx="668880" cy="63360"/>
+              </a:xfrm>
+              <a:prstGeom prst="rect">
+                <a:avLst/>
+              </a:prstGeom>
+            </p:spPr>
+          </p:pic>
+        </mc:Fallback>
+      </mc:AlternateContent>
+      <mc:AlternateContent xmlns:mc="http://schemas.openxmlformats.org/markup-compatibility/2006">
+        <mc:Choice xmlns:p14="http://schemas.microsoft.com/office/powerpoint/2010/main" Requires="p14">
+          <p:contentPart p14:bwMode="auto" r:id="rId16">
+            <p14:nvContentPartPr>
+              <p14:cNvPr id="50" name="Ink 49">
+                <a:extLst>
+                  <a:ext uri="{FF2B5EF4-FFF2-40B4-BE49-F238E27FC236}">
+                    <a16:creationId xmlns:a16="http://schemas.microsoft.com/office/drawing/2014/main" id="{7DD99DB8-3216-9BCC-905E-B551D93D1EE2}"/>
+                  </a:ext>
+                </a:extLst>
+              </p14:cNvPr>
+              <p14:cNvContentPartPr/>
+              <p14:nvPr/>
+            </p14:nvContentPartPr>
+            <p14:xfrm>
+              <a:off x="7831995" y="3505080"/>
+              <a:ext cx="258480" cy="948600"/>
+            </p14:xfrm>
+          </p:contentPart>
+        </mc:Choice>
+        <mc:Fallback>
+          <p:pic>
+            <p:nvPicPr>
+              <p:cNvPr id="50" name="Ink 49">
+                <a:extLst>
+                  <a:ext uri="{FF2B5EF4-FFF2-40B4-BE49-F238E27FC236}">
+                    <a16:creationId xmlns:a16="http://schemas.microsoft.com/office/drawing/2014/main" id="{7DD99DB8-3216-9BCC-905E-B551D93D1EE2}"/>
+                  </a:ext>
+                </a:extLst>
+              </p:cNvPr>
+              <p:cNvPicPr/>
+              <p:nvPr/>
+            </p:nvPicPr>
+            <p:blipFill>
+              <a:blip r:embed="rId17"/>
+              <a:stretch>
+                <a:fillRect/>
+              </a:stretch>
+            </p:blipFill>
+            <p:spPr>
+              <a:xfrm>
+                <a:off x="7825875" y="3498600"/>
+                <a:ext cx="270720" cy="960840"/>
+              </a:xfrm>
+              <a:prstGeom prst="rect">
+                <a:avLst/>
+              </a:prstGeom>
+            </p:spPr>
+          </p:pic>
+        </mc:Fallback>
+      </mc:AlternateContent>
+      <mc:AlternateContent xmlns:mc="http://schemas.openxmlformats.org/markup-compatibility/2006">
+        <mc:Choice xmlns:p14="http://schemas.microsoft.com/office/powerpoint/2010/main" Requires="p14">
+          <p:contentPart p14:bwMode="auto" r:id="rId18">
+            <p14:nvContentPartPr>
+              <p14:cNvPr id="52" name="Ink 51">
+                <a:extLst>
+                  <a:ext uri="{FF2B5EF4-FFF2-40B4-BE49-F238E27FC236}">
+                    <a16:creationId xmlns:a16="http://schemas.microsoft.com/office/drawing/2014/main" id="{E4AAED97-412F-757F-1B86-74D632CB36FA}"/>
+                  </a:ext>
+                </a:extLst>
+              </p14:cNvPr>
+              <p14:cNvContentPartPr/>
+              <p14:nvPr/>
+            </p14:nvContentPartPr>
+            <p14:xfrm>
+              <a:off x="7865835" y="4186560"/>
+              <a:ext cx="487080" cy="254520"/>
+            </p14:xfrm>
+          </p:contentPart>
+        </mc:Choice>
+        <mc:Fallback>
+          <p:pic>
+            <p:nvPicPr>
+              <p:cNvPr id="52" name="Ink 51">
+                <a:extLst>
+                  <a:ext uri="{FF2B5EF4-FFF2-40B4-BE49-F238E27FC236}">
+                    <a16:creationId xmlns:a16="http://schemas.microsoft.com/office/drawing/2014/main" id="{E4AAED97-412F-757F-1B86-74D632CB36FA}"/>
+                  </a:ext>
+                </a:extLst>
+              </p:cNvPr>
+              <p:cNvPicPr/>
+              <p:nvPr/>
+            </p:nvPicPr>
+            <p:blipFill>
+              <a:blip r:embed="rId19"/>
+              <a:stretch>
+                <a:fillRect/>
+              </a:stretch>
+            </p:blipFill>
+            <p:spPr>
+              <a:xfrm>
+                <a:off x="7859715" y="4180440"/>
+                <a:ext cx="499320" cy="266760"/>
+              </a:xfrm>
+              <a:prstGeom prst="rect">
+                <a:avLst/>
+              </a:prstGeom>
+            </p:spPr>
+          </p:pic>
+        </mc:Fallback>
+      </mc:AlternateContent>
+      <mc:AlternateContent xmlns:mc="http://schemas.openxmlformats.org/markup-compatibility/2006">
+        <mc:Choice xmlns:p14="http://schemas.microsoft.com/office/powerpoint/2010/main" Requires="p14">
+          <p:contentPart p14:bwMode="auto" r:id="rId20">
+            <p14:nvContentPartPr>
+              <p14:cNvPr id="54" name="Ink 53">
+                <a:extLst>
+                  <a:ext uri="{FF2B5EF4-FFF2-40B4-BE49-F238E27FC236}">
+                    <a16:creationId xmlns:a16="http://schemas.microsoft.com/office/drawing/2014/main" id="{85CD234D-CB1D-79EB-1B1C-E631C51281F1}"/>
+                  </a:ext>
+                </a:extLst>
+              </p14:cNvPr>
+              <p14:cNvContentPartPr/>
+              <p14:nvPr/>
+            </p14:nvContentPartPr>
+            <p14:xfrm>
+              <a:off x="9241395" y="2785080"/>
+              <a:ext cx="449280" cy="1406160"/>
+            </p14:xfrm>
+          </p:contentPart>
+        </mc:Choice>
+        <mc:Fallback>
+          <p:pic>
+            <p:nvPicPr>
+              <p:cNvPr id="54" name="Ink 53">
+                <a:extLst>
+                  <a:ext uri="{FF2B5EF4-FFF2-40B4-BE49-F238E27FC236}">
+                    <a16:creationId xmlns:a16="http://schemas.microsoft.com/office/drawing/2014/main" id="{85CD234D-CB1D-79EB-1B1C-E631C51281F1}"/>
+                  </a:ext>
+                </a:extLst>
+              </p:cNvPr>
+              <p:cNvPicPr/>
+              <p:nvPr/>
+            </p:nvPicPr>
+            <p:blipFill>
+              <a:blip r:embed="rId21"/>
+              <a:stretch>
+                <a:fillRect/>
+              </a:stretch>
+            </p:blipFill>
+            <p:spPr>
+              <a:xfrm>
+                <a:off x="9235275" y="2778960"/>
+                <a:ext cx="461520" cy="1418400"/>
+              </a:xfrm>
+              <a:prstGeom prst="rect">
+                <a:avLst/>
+              </a:prstGeom>
+            </p:spPr>
+          </p:pic>
+        </mc:Fallback>
+      </mc:AlternateContent>
+      <mc:AlternateContent xmlns:mc="http://schemas.openxmlformats.org/markup-compatibility/2006">
+        <mc:Choice xmlns:p14="http://schemas.microsoft.com/office/powerpoint/2010/main" Requires="p14">
+          <p:contentPart p14:bwMode="auto" r:id="rId22">
+            <p14:nvContentPartPr>
+              <p14:cNvPr id="60" name="Ink 59">
+                <a:extLst>
+                  <a:ext uri="{FF2B5EF4-FFF2-40B4-BE49-F238E27FC236}">
+                    <a16:creationId xmlns:a16="http://schemas.microsoft.com/office/drawing/2014/main" id="{4A80FF5F-C2A1-8544-556B-0B2F81D608DF}"/>
+                  </a:ext>
+                </a:extLst>
+              </p14:cNvPr>
+              <p14:cNvContentPartPr/>
+              <p14:nvPr/>
+            </p14:nvContentPartPr>
+            <p14:xfrm>
+              <a:off x="8090115" y="3406440"/>
+              <a:ext cx="96480" cy="84240"/>
+            </p14:xfrm>
+          </p:contentPart>
+        </mc:Choice>
+        <mc:Fallback>
+          <p:pic>
+            <p:nvPicPr>
+              <p:cNvPr id="60" name="Ink 59">
+                <a:extLst>
+                  <a:ext uri="{FF2B5EF4-FFF2-40B4-BE49-F238E27FC236}">
+                    <a16:creationId xmlns:a16="http://schemas.microsoft.com/office/drawing/2014/main" id="{4A80FF5F-C2A1-8544-556B-0B2F81D608DF}"/>
+                  </a:ext>
+                </a:extLst>
+              </p:cNvPr>
+              <p:cNvPicPr/>
+              <p:nvPr/>
+            </p:nvPicPr>
+            <p:blipFill>
+              <a:blip r:embed="rId23"/>
+              <a:stretch>
+                <a:fillRect/>
+              </a:stretch>
+            </p:blipFill>
+            <p:spPr>
+              <a:xfrm>
+                <a:off x="8083995" y="3400320"/>
+                <a:ext cx="108720" cy="96480"/>
+              </a:xfrm>
+              <a:prstGeom prst="rect">
+                <a:avLst/>
+              </a:prstGeom>
+            </p:spPr>
+          </p:pic>
+        </mc:Fallback>
+      </mc:AlternateContent>
+      <mc:AlternateContent xmlns:mc="http://schemas.openxmlformats.org/markup-compatibility/2006">
+        <mc:Choice xmlns:p14="http://schemas.microsoft.com/office/powerpoint/2010/main" Requires="p14">
+          <p:contentPart p14:bwMode="auto" r:id="rId24">
+            <p14:nvContentPartPr>
+              <p14:cNvPr id="61" name="Ink 60">
+                <a:extLst>
+                  <a:ext uri="{FF2B5EF4-FFF2-40B4-BE49-F238E27FC236}">
+                    <a16:creationId xmlns:a16="http://schemas.microsoft.com/office/drawing/2014/main" id="{1B8D57E3-F56E-246F-3E5A-9097DFF852FB}"/>
+                  </a:ext>
+                </a:extLst>
+              </p14:cNvPr>
+              <p14:cNvContentPartPr/>
+              <p14:nvPr/>
+            </p14:nvContentPartPr>
+            <p14:xfrm>
+              <a:off x="8824515" y="4171080"/>
+              <a:ext cx="102960" cy="114480"/>
+            </p14:xfrm>
+          </p:contentPart>
+        </mc:Choice>
+        <mc:Fallback>
+          <p:pic>
+            <p:nvPicPr>
+              <p:cNvPr id="61" name="Ink 60">
+                <a:extLst>
+                  <a:ext uri="{FF2B5EF4-FFF2-40B4-BE49-F238E27FC236}">
+                    <a16:creationId xmlns:a16="http://schemas.microsoft.com/office/drawing/2014/main" id="{1B8D57E3-F56E-246F-3E5A-9097DFF852FB}"/>
+                  </a:ext>
+                </a:extLst>
+              </p:cNvPr>
+              <p:cNvPicPr/>
+              <p:nvPr/>
+            </p:nvPicPr>
+            <p:blipFill>
+              <a:blip r:embed="rId25"/>
+              <a:stretch>
+                <a:fillRect/>
+              </a:stretch>
+            </p:blipFill>
+            <p:spPr>
+              <a:xfrm>
+                <a:off x="8818395" y="4164960"/>
+                <a:ext cx="115200" cy="126720"/>
+              </a:xfrm>
+              <a:prstGeom prst="rect">
+                <a:avLst/>
+              </a:prstGeom>
+            </p:spPr>
+          </p:pic>
+        </mc:Fallback>
+      </mc:AlternateContent>
+      <p:sp>
+        <p:nvSpPr>
+          <p:cNvPr id="37" name="TextBox 36">
+            <a:extLst>
+              <a:ext uri="{FF2B5EF4-FFF2-40B4-BE49-F238E27FC236}">
+                <a16:creationId xmlns:a16="http://schemas.microsoft.com/office/drawing/2014/main" id="{899DB596-C612-43D8-9993-F8CBA92DF40F}"/>
+              </a:ext>
+            </a:extLst>
+          </p:cNvPr>
+          <p:cNvSpPr txBox="1"/>
+          <p:nvPr/>
+        </p:nvSpPr>
+        <p:spPr>
+          <a:xfrm>
+            <a:off x="9576664" y="4174126"/>
+            <a:ext cx="444353" cy="400110"/>
+          </a:xfrm>
+          <a:prstGeom prst="rect">
+            <a:avLst/>
+          </a:prstGeom>
+          <a:noFill/>
+        </p:spPr>
+        <p:txBody>
+          <a:bodyPr wrap="none" rtlCol="0" anchor="ctr" anchorCtr="1">
+            <a:spAutoFit/>
+          </a:bodyPr>
+          <a:lstStyle/>
+          <a:p>
+            <a:pPr algn="ctr"/>
+            <a:r>
+              <a:rPr lang="en-US" sz="2000">
+                <a:solidFill>
+                  <a:srgbClr val="004F8B"/>
+                </a:solidFill>
+              </a:rPr>
+              <a:t>10</a:t>
+            </a:r>
+          </a:p>
+        </p:txBody>
+      </p:sp>
+      <p:sp>
+        <p:nvSpPr>
+          <p:cNvPr id="20" name="TextBox 19">
+            <a:extLst>
+              <a:ext uri="{FF2B5EF4-FFF2-40B4-BE49-F238E27FC236}">
+                <a16:creationId xmlns:a16="http://schemas.microsoft.com/office/drawing/2014/main" id="{ABD90839-7A93-454F-8C7B-94EAC6DBE120}"/>
+              </a:ext>
+            </a:extLst>
+          </p:cNvPr>
+          <p:cNvSpPr txBox="1"/>
+          <p:nvPr/>
+        </p:nvSpPr>
+        <p:spPr>
+          <a:xfrm>
+            <a:off x="8280245" y="4198966"/>
+            <a:ext cx="314510" cy="400110"/>
+          </a:xfrm>
+          <a:prstGeom prst="rect">
+            <a:avLst/>
+          </a:prstGeom>
+          <a:noFill/>
+        </p:spPr>
+        <p:txBody>
+          <a:bodyPr wrap="none" rtlCol="0" anchor="ctr" anchorCtr="1">
+            <a:spAutoFit/>
+          </a:bodyPr>
+          <a:lstStyle/>
+          <a:p>
+            <a:pPr algn="ctr"/>
+            <a:r>
+              <a:rPr lang="en-US" sz="2000">
+                <a:solidFill>
+                  <a:srgbClr val="004F8B"/>
+                </a:solidFill>
+              </a:rPr>
+              <a:t>9</a:t>
+            </a:r>
+          </a:p>
+        </p:txBody>
+      </p:sp>
+      <p:sp>
+        <p:nvSpPr>
+          <p:cNvPr id="22" name="ZoneTexte 21">
+            <a:extLst>
+              <a:ext uri="{FF2B5EF4-FFF2-40B4-BE49-F238E27FC236}">
+                <a16:creationId xmlns:a16="http://schemas.microsoft.com/office/drawing/2014/main" id="{F8DCB469-1583-443D-8F77-DF6F468D7281}"/>
+              </a:ext>
+            </a:extLst>
+          </p:cNvPr>
+          <p:cNvSpPr txBox="1"/>
+          <p:nvPr/>
+        </p:nvSpPr>
+        <p:spPr>
+          <a:xfrm>
+            <a:off x="8935479" y="3831451"/>
+            <a:ext cx="320922" cy="415498"/>
+          </a:xfrm>
+          <a:prstGeom prst="rect">
+            <a:avLst/>
+          </a:prstGeom>
+          <a:noFill/>
+        </p:spPr>
+        <p:txBody>
+          <a:bodyPr wrap="none" rtlCol="0" anchor="ctr" anchorCtr="1">
+            <a:spAutoFit/>
+          </a:bodyPr>
+          <a:lstStyle/>
+          <a:p>
+            <a:pPr algn="ctr"/>
+            <a:r>
+              <a:rPr lang="en-US" sz="2000">
+                <a:solidFill>
+                  <a:srgbClr val="004F8B"/>
+                </a:solidFill>
+              </a:rPr>
+              <a:t>2</a:t>
+            </a:r>
+          </a:p>
+        </p:txBody>
+      </p:sp>
+      <p:sp>
+        <p:nvSpPr>
+          <p:cNvPr id="23" name="TextBox 22">
+            <a:extLst>
+              <a:ext uri="{FF2B5EF4-FFF2-40B4-BE49-F238E27FC236}">
+                <a16:creationId xmlns:a16="http://schemas.microsoft.com/office/drawing/2014/main" id="{DE4F4399-977E-49CE-B0AB-6F529B013F96}"/>
+              </a:ext>
+            </a:extLst>
+          </p:cNvPr>
+          <p:cNvSpPr txBox="1"/>
+          <p:nvPr/>
+        </p:nvSpPr>
+        <p:spPr>
+          <a:xfrm>
+            <a:off x="7775345" y="4409566"/>
+            <a:ext cx="314510" cy="400110"/>
+          </a:xfrm>
+          <a:prstGeom prst="rect">
+            <a:avLst/>
+          </a:prstGeom>
+          <a:noFill/>
+        </p:spPr>
+        <p:txBody>
+          <a:bodyPr wrap="none" rtlCol="0" anchor="ctr" anchorCtr="1">
+            <a:spAutoFit/>
+          </a:bodyPr>
+          <a:lstStyle/>
+          <a:p>
+            <a:pPr algn="ctr"/>
+            <a:r>
+              <a:rPr lang="en-US" sz="2000">
+                <a:solidFill>
+                  <a:srgbClr val="004F8B"/>
+                </a:solidFill>
+              </a:rPr>
+              <a:t>8</a:t>
+            </a:r>
+          </a:p>
+        </p:txBody>
+      </p:sp>
+      <p:sp>
+        <p:nvSpPr>
+          <p:cNvPr id="24" name="ZoneTexte 23">
+            <a:extLst>
+              <a:ext uri="{FF2B5EF4-FFF2-40B4-BE49-F238E27FC236}">
+                <a16:creationId xmlns:a16="http://schemas.microsoft.com/office/drawing/2014/main" id="{5C0E44A5-96A5-44C1-BEE4-DE38B63584A5}"/>
+              </a:ext>
+            </a:extLst>
+          </p:cNvPr>
+          <p:cNvSpPr txBox="1"/>
+          <p:nvPr/>
+        </p:nvSpPr>
+        <p:spPr>
+          <a:xfrm>
+            <a:off x="7206005" y="3210045"/>
+            <a:ext cx="314510" cy="400110"/>
+          </a:xfrm>
+          <a:prstGeom prst="rect">
+            <a:avLst/>
+          </a:prstGeom>
+          <a:noFill/>
+        </p:spPr>
+        <p:txBody>
+          <a:bodyPr wrap="none" rtlCol="0" anchor="ctr" anchorCtr="1">
+            <a:spAutoFit/>
+          </a:bodyPr>
+          <a:lstStyle/>
+          <a:p>
+            <a:pPr algn="ctr"/>
+            <a:r>
+              <a:rPr lang="en-US" sz="2000">
+                <a:solidFill>
+                  <a:srgbClr val="004F8B"/>
+                </a:solidFill>
+              </a:rPr>
+              <a:t>6</a:t>
+            </a:r>
+          </a:p>
+        </p:txBody>
+      </p:sp>
+      <p:sp>
+        <p:nvSpPr>
+          <p:cNvPr id="25" name="CuadroTexto 24">
+            <a:extLst>
+              <a:ext uri="{FF2B5EF4-FFF2-40B4-BE49-F238E27FC236}">
+                <a16:creationId xmlns:a16="http://schemas.microsoft.com/office/drawing/2014/main" id="{3E73E3F6-DFFD-421E-B3B5-5E3B6499CBC4}"/>
+              </a:ext>
+            </a:extLst>
+          </p:cNvPr>
+          <p:cNvSpPr txBox="1"/>
+          <p:nvPr/>
+        </p:nvSpPr>
+        <p:spPr>
+          <a:xfrm>
+            <a:off x="7782725" y="3460785"/>
+            <a:ext cx="314510" cy="400110"/>
+          </a:xfrm>
+          <a:prstGeom prst="rect">
+            <a:avLst/>
+          </a:prstGeom>
+          <a:noFill/>
+        </p:spPr>
+        <p:txBody>
+          <a:bodyPr wrap="none" rtlCol="0" anchor="ctr" anchorCtr="1">
+            <a:spAutoFit/>
+          </a:bodyPr>
+          <a:lstStyle/>
+          <a:p>
+            <a:pPr algn="ctr"/>
+            <a:r>
+              <a:rPr lang="en-US" sz="2000">
+                <a:solidFill>
+                  <a:srgbClr val="004F8B"/>
+                </a:solidFill>
+              </a:rPr>
+              <a:t>7</a:t>
+            </a:r>
+          </a:p>
+        </p:txBody>
+      </p:sp>
+      <p:sp>
+        <p:nvSpPr>
+          <p:cNvPr id="26" name="CuadroTexto 25">
+            <a:extLst>
+              <a:ext uri="{FF2B5EF4-FFF2-40B4-BE49-F238E27FC236}">
+                <a16:creationId xmlns:a16="http://schemas.microsoft.com/office/drawing/2014/main" id="{2495FA7F-6C74-49F5-A02D-258367FE2F1B}"/>
+              </a:ext>
+            </a:extLst>
+          </p:cNvPr>
+          <p:cNvSpPr txBox="1"/>
+          <p:nvPr/>
+        </p:nvSpPr>
+        <p:spPr>
+          <a:xfrm>
+            <a:off x="7588505" y="2608485"/>
+            <a:ext cx="314510" cy="400110"/>
+          </a:xfrm>
+          <a:prstGeom prst="rect">
+            <a:avLst/>
+          </a:prstGeom>
+          <a:noFill/>
+        </p:spPr>
+        <p:txBody>
+          <a:bodyPr wrap="none" rtlCol="0" anchor="ctr" anchorCtr="1">
+            <a:spAutoFit/>
+          </a:bodyPr>
+          <a:lstStyle/>
+          <a:p>
+            <a:pPr algn="ctr"/>
+            <a:r>
+              <a:rPr lang="en-US" sz="2000">
+                <a:solidFill>
+                  <a:srgbClr val="004F8B"/>
+                </a:solidFill>
+              </a:rPr>
+              <a:t>3</a:t>
+            </a:r>
+          </a:p>
+        </p:txBody>
+      </p:sp>
+      <p:sp>
+        <p:nvSpPr>
+          <p:cNvPr id="27" name="CuadroTexto 26">
+            <a:extLst>
+              <a:ext uri="{FF2B5EF4-FFF2-40B4-BE49-F238E27FC236}">
+                <a16:creationId xmlns:a16="http://schemas.microsoft.com/office/drawing/2014/main" id="{2389A8A8-C510-43E2-928E-F2FAF1346A77}"/>
+              </a:ext>
+            </a:extLst>
+          </p:cNvPr>
+          <p:cNvSpPr txBox="1"/>
+          <p:nvPr/>
+        </p:nvSpPr>
+        <p:spPr>
+          <a:xfrm>
+            <a:off x="6712085" y="2768505"/>
+            <a:ext cx="314510" cy="400110"/>
+          </a:xfrm>
+          <a:prstGeom prst="rect">
+            <a:avLst/>
+          </a:prstGeom>
+          <a:noFill/>
+        </p:spPr>
+        <p:txBody>
+          <a:bodyPr wrap="none" rtlCol="0" anchor="ctr" anchorCtr="1">
+            <a:spAutoFit/>
+          </a:bodyPr>
+          <a:lstStyle/>
+          <a:p>
+            <a:pPr algn="ctr"/>
+            <a:r>
+              <a:rPr lang="en-US" sz="2000">
+                <a:solidFill>
+                  <a:srgbClr val="004F8B"/>
+                </a:solidFill>
+              </a:rPr>
+              <a:t>4</a:t>
+            </a:r>
+          </a:p>
+        </p:txBody>
+      </p:sp>
+      <p:sp>
+        <p:nvSpPr>
+          <p:cNvPr id="36" name="CuadroTexto 35">
+            <a:extLst>
+              <a:ext uri="{FF2B5EF4-FFF2-40B4-BE49-F238E27FC236}">
+                <a16:creationId xmlns:a16="http://schemas.microsoft.com/office/drawing/2014/main" id="{E4F42A92-E916-43F7-8397-8E9CCADE0F6E}"/>
+              </a:ext>
+            </a:extLst>
+          </p:cNvPr>
+          <p:cNvSpPr txBox="1"/>
+          <p:nvPr/>
+        </p:nvSpPr>
+        <p:spPr>
+          <a:xfrm>
+            <a:off x="6285879" y="4937911"/>
+            <a:ext cx="320922" cy="415498"/>
+          </a:xfrm>
+          <a:prstGeom prst="rect">
+            <a:avLst/>
+          </a:prstGeom>
+          <a:noFill/>
+        </p:spPr>
+        <p:txBody>
+          <a:bodyPr wrap="none" rtlCol="0" anchor="ctr" anchorCtr="1">
+            <a:spAutoFit/>
+          </a:bodyPr>
+          <a:lstStyle/>
+          <a:p>
+            <a:pPr algn="ctr"/>
+            <a:r>
+              <a:rPr lang="en-US" sz="2000">
+                <a:solidFill>
+                  <a:srgbClr val="004F8B"/>
+                </a:solidFill>
+              </a:rPr>
+              <a:t>5</a:t>
+            </a:r>
+          </a:p>
+        </p:txBody>
+      </p:sp>
+      <p:sp>
+        <p:nvSpPr>
+          <p:cNvPr id="28" name="CuadroTexto 27">
+            <a:extLst>
+              <a:ext uri="{FF2B5EF4-FFF2-40B4-BE49-F238E27FC236}">
+                <a16:creationId xmlns:a16="http://schemas.microsoft.com/office/drawing/2014/main" id="{2DBEE372-C77A-4948-A532-00F066423EF2}"/>
+              </a:ext>
+            </a:extLst>
+          </p:cNvPr>
+          <p:cNvSpPr txBox="1"/>
+          <p:nvPr/>
+        </p:nvSpPr>
+        <p:spPr>
+          <a:xfrm>
+            <a:off x="9215885" y="2488245"/>
+            <a:ext cx="314510" cy="400110"/>
+          </a:xfrm>
+          <a:prstGeom prst="rect">
+            <a:avLst/>
+          </a:prstGeom>
+          <a:noFill/>
+        </p:spPr>
+        <p:txBody>
+          <a:bodyPr wrap="none" rtlCol="0" anchor="ctr" anchorCtr="1">
+            <a:spAutoFit/>
+          </a:bodyPr>
+          <a:lstStyle/>
+          <a:p>
+            <a:pPr algn="ctr"/>
+            <a:r>
+              <a:rPr lang="en-US" sz="2000" dirty="0">
+                <a:solidFill>
+                  <a:srgbClr val="004F8B"/>
+                </a:solidFill>
+              </a:rPr>
+              <a:t>1</a:t>
+            </a:r>
           </a:p>
         </p:txBody>
       </p:sp>
     </p:spTree>
     <p:extLst>
       <p:ext uri="{BB962C8B-B14F-4D97-AF65-F5344CB8AC3E}">
-        <p14:creationId xmlns:p14="http://schemas.microsoft.com/office/powerpoint/2010/main" val="4045957193"/>
+        <p14:creationId xmlns:p14="http://schemas.microsoft.com/office/powerpoint/2010/main" val="750837310"/>
       </p:ext>
     </p:extLst>
   </p:cSld>
@@ -18110,6 +24446,619 @@
     <p:extLst>
       <p:ext uri="{BB962C8B-B14F-4D97-AF65-F5344CB8AC3E}">
         <p14:creationId xmlns:p14="http://schemas.microsoft.com/office/powerpoint/2010/main" val="3684799925"/>
+      </p:ext>
+    </p:extLst>
+  </p:cSld>
+  <p:clrMapOvr>
+    <a:masterClrMapping/>
+  </p:clrMapOvr>
+</p:sld>
+</file>
+
+<file path=ppt/slides/slide40.xml><?xml version="1.0" encoding="utf-8"?>
+<p:sld xmlns:a="http://schemas.openxmlformats.org/drawingml/2006/main" xmlns:r="http://schemas.openxmlformats.org/officeDocument/2006/relationships" xmlns:p="http://schemas.openxmlformats.org/presentationml/2006/main">
+  <p:cSld>
+    <p:spTree>
+      <p:nvGrpSpPr>
+        <p:cNvPr id="1" name=""/>
+        <p:cNvGrpSpPr/>
+        <p:nvPr/>
+      </p:nvGrpSpPr>
+      <p:grpSpPr>
+        <a:xfrm>
+          <a:off x="0" y="0"/>
+          <a:ext cx="0" cy="0"/>
+          <a:chOff x="0" y="0"/>
+          <a:chExt cx="0" cy="0"/>
+        </a:xfrm>
+      </p:grpSpPr>
+      <p:sp>
+        <p:nvSpPr>
+          <p:cNvPr id="2" name="Title 1">
+            <a:extLst>
+              <a:ext uri="{FF2B5EF4-FFF2-40B4-BE49-F238E27FC236}">
+                <a16:creationId xmlns:a16="http://schemas.microsoft.com/office/drawing/2014/main" id="{900D7E25-AF46-4CAC-5A10-E14D44E4D93F}"/>
+              </a:ext>
+            </a:extLst>
+          </p:cNvPr>
+          <p:cNvSpPr>
+            <a:spLocks noGrp="1"/>
+          </p:cNvSpPr>
+          <p:nvPr>
+            <p:ph type="title"/>
+          </p:nvPr>
+        </p:nvSpPr>
+        <p:spPr/>
+        <p:txBody>
+          <a:bodyPr/>
+          <a:lstStyle/>
+          <a:p>
+            <a:r>
+              <a:rPr lang="en-US" dirty="0"/>
+              <a:t>To convert from the inserted sequence to new polytopes, we use the following rules:</a:t>
+            </a:r>
+          </a:p>
+        </p:txBody>
+      </p:sp>
+      <p:sp>
+        <p:nvSpPr>
+          <p:cNvPr id="3" name="Content Placeholder 2">
+            <a:extLst>
+              <a:ext uri="{FF2B5EF4-FFF2-40B4-BE49-F238E27FC236}">
+                <a16:creationId xmlns:a16="http://schemas.microsoft.com/office/drawing/2014/main" id="{4ED90989-CB8E-19C7-13C4-0457D6D18082}"/>
+              </a:ext>
+            </a:extLst>
+          </p:cNvPr>
+          <p:cNvSpPr>
+            <a:spLocks noGrp="1"/>
+          </p:cNvSpPr>
+          <p:nvPr>
+            <p:ph idx="1"/>
+          </p:nvPr>
+        </p:nvSpPr>
+        <p:spPr>
+          <a:xfrm>
+            <a:off x="838200" y="1825625"/>
+            <a:ext cx="4986867" cy="4351338"/>
+          </a:xfrm>
+        </p:spPr>
+        <p:txBody>
+          <a:bodyPr/>
+          <a:lstStyle/>
+          <a:p>
+            <a:pPr marL="0" indent="0">
+              <a:buNone/>
+            </a:pPr>
+            <a:r>
+              <a:rPr lang="en-US" dirty="0"/>
+              <a:t>Starting from the first </a:t>
+            </a:r>
+            <a:r>
+              <a:rPr lang="en-US" dirty="0" err="1"/>
+              <a:t>nonConvex</a:t>
+            </a:r>
+            <a:r>
+              <a:rPr lang="en-US" dirty="0"/>
+              <a:t> vertex, proceed along upward in positive values until returning back to start, jumping at any negative values to the corresponding positive value, until reaching either positive or negative valued version of the starting point. Then repeat this for the negative valued version of the vertex ID.</a:t>
+            </a:r>
+          </a:p>
+        </p:txBody>
+      </p:sp>
+      <p:sp>
+        <p:nvSpPr>
+          <p:cNvPr id="5" name="TextBox 4">
+            <a:extLst>
+              <a:ext uri="{FF2B5EF4-FFF2-40B4-BE49-F238E27FC236}">
+                <a16:creationId xmlns:a16="http://schemas.microsoft.com/office/drawing/2014/main" id="{34821F18-1A24-F416-298D-A07A51D01454}"/>
+              </a:ext>
+            </a:extLst>
+          </p:cNvPr>
+          <p:cNvSpPr txBox="1"/>
+          <p:nvPr/>
+        </p:nvSpPr>
+        <p:spPr>
+          <a:xfrm>
+            <a:off x="6565900" y="2130968"/>
+            <a:ext cx="4902200" cy="3200876"/>
+          </a:xfrm>
+          <a:prstGeom prst="rect">
+            <a:avLst/>
+          </a:prstGeom>
+          <a:noFill/>
+        </p:spPr>
+        <p:txBody>
+          <a:bodyPr wrap="square">
+            <a:spAutoFit/>
+          </a:bodyPr>
+          <a:lstStyle/>
+          <a:p>
+            <a:pPr marL="0" indent="0">
+              <a:buNone/>
+              <a:defRPr/>
+            </a:pPr>
+            <a:r>
+              <a:rPr lang="en-US" sz="1600" b="0" i="0" dirty="0">
+                <a:solidFill>
+                  <a:srgbClr val="008013"/>
+                </a:solidFill>
+                <a:effectLst/>
+                <a:latin typeface="Menlo"/>
+              </a:rPr>
+              <a:t>1; 2; 3; -7; 4; 5; 6; 7; 8; 9; -2; 10; 11; 1</a:t>
+            </a:r>
+          </a:p>
+          <a:p>
+            <a:pPr marL="0" indent="0">
+              <a:buNone/>
+              <a:defRPr/>
+            </a:pPr>
+            <a:endParaRPr lang="en-US" sz="1600" dirty="0">
+              <a:solidFill>
+                <a:srgbClr val="008013"/>
+              </a:solidFill>
+              <a:latin typeface="Menlo"/>
+            </a:endParaRPr>
+          </a:p>
+          <a:p>
+            <a:pPr>
+              <a:buNone/>
+            </a:pPr>
+            <a:r>
+              <a:rPr lang="en-US" sz="1600" b="0" i="0" dirty="0">
+                <a:solidFill>
+                  <a:srgbClr val="008013"/>
+                </a:solidFill>
+                <a:effectLst/>
+                <a:latin typeface="Menlo"/>
+              </a:rPr>
+              <a:t>Vertex 2:</a:t>
+            </a:r>
+            <a:endParaRPr lang="en-US" sz="1600" b="0" i="0" dirty="0">
+              <a:effectLst/>
+              <a:latin typeface="Menlo"/>
+            </a:endParaRPr>
+          </a:p>
+          <a:p>
+            <a:pPr>
+              <a:buNone/>
+            </a:pPr>
+            <a:r>
+              <a:rPr lang="en-US" sz="1600" b="0" i="0" dirty="0">
+                <a:solidFill>
+                  <a:srgbClr val="008013"/>
+                </a:solidFill>
+                <a:effectLst/>
+                <a:latin typeface="Menlo"/>
+              </a:rPr>
+              <a:t>(forward) [2; 3; -7; 8; 9; -2] --&gt; [2; 3; 7; 8; 9; 2]</a:t>
+            </a:r>
+            <a:endParaRPr lang="en-US" sz="1600" b="0" i="0" dirty="0">
+              <a:effectLst/>
+              <a:latin typeface="Menlo"/>
+            </a:endParaRPr>
+          </a:p>
+          <a:p>
+            <a:r>
+              <a:rPr lang="en-US" sz="1600" b="0" i="0" dirty="0">
+                <a:solidFill>
+                  <a:srgbClr val="008013"/>
+                </a:solidFill>
+                <a:effectLst/>
+                <a:latin typeface="Menlo"/>
+              </a:rPr>
+              <a:t>(reverse) [-2; 10; 11; 1; 2]; --&gt; [1; 2; 10; 11; 1]</a:t>
+            </a:r>
+          </a:p>
+          <a:p>
+            <a:endParaRPr lang="en-US" sz="1600" dirty="0">
+              <a:solidFill>
+                <a:srgbClr val="008013"/>
+              </a:solidFill>
+              <a:latin typeface="Menlo"/>
+            </a:endParaRPr>
+          </a:p>
+          <a:p>
+            <a:pPr>
+              <a:buNone/>
+            </a:pPr>
+            <a:r>
+              <a:rPr lang="en-US" sz="1600" b="0" i="0" dirty="0">
+                <a:solidFill>
+                  <a:srgbClr val="008013"/>
+                </a:solidFill>
+                <a:effectLst/>
+                <a:latin typeface="Menlo"/>
+              </a:rPr>
+              <a:t>Vertex 7:</a:t>
+            </a:r>
+            <a:endParaRPr lang="en-US" sz="1600" b="0" i="0" dirty="0">
+              <a:effectLst/>
+              <a:latin typeface="Menlo"/>
+            </a:endParaRPr>
+          </a:p>
+          <a:p>
+            <a:pPr>
+              <a:buNone/>
+            </a:pPr>
+            <a:r>
+              <a:rPr lang="en-US" sz="1600" b="0" i="0" dirty="0">
+                <a:solidFill>
+                  <a:srgbClr val="008013"/>
+                </a:solidFill>
+                <a:effectLst/>
+                <a:latin typeface="Menlo"/>
+              </a:rPr>
+              <a:t>(forward) [7; 8; 9; -2; 3; -7] --&gt; [2; 3; 7; 8; 9; 2]</a:t>
+            </a:r>
+            <a:endParaRPr lang="en-US" sz="1600" b="0" i="0" dirty="0">
+              <a:effectLst/>
+              <a:latin typeface="Menlo"/>
+            </a:endParaRPr>
+          </a:p>
+          <a:p>
+            <a:r>
+              <a:rPr lang="en-US" sz="1600" b="0" i="0" dirty="0">
+                <a:solidFill>
+                  <a:srgbClr val="008013"/>
+                </a:solidFill>
+                <a:effectLst/>
+                <a:latin typeface="Menlo"/>
+              </a:rPr>
+              <a:t>(reverse) [-7; 4; 5; 6; 7] --&gt; [4; 5; 6; 7; 4]</a:t>
+            </a:r>
+            <a:endParaRPr lang="en-US" sz="1600" b="0" i="0" dirty="0">
+              <a:effectLst/>
+              <a:latin typeface="Menlo"/>
+            </a:endParaRPr>
+          </a:p>
+          <a:p>
+            <a:endParaRPr lang="en-US" sz="1600" b="0" i="0" dirty="0">
+              <a:effectLst/>
+              <a:latin typeface="Menlo"/>
+            </a:endParaRPr>
+          </a:p>
+          <a:p>
+            <a:pPr marL="0" indent="0">
+              <a:buNone/>
+              <a:defRPr/>
+            </a:pPr>
+            <a:endParaRPr lang="en-US" sz="1800" b="0" i="0" dirty="0">
+              <a:solidFill>
+                <a:srgbClr val="008013"/>
+              </a:solidFill>
+              <a:effectLst/>
+              <a:latin typeface="Menlo"/>
+            </a:endParaRPr>
+          </a:p>
+          <a:p>
+            <a:pPr marL="0" indent="0">
+              <a:buNone/>
+              <a:defRPr/>
+            </a:pPr>
+            <a:endParaRPr lang="en-US" sz="1800" b="0" i="0" dirty="0">
+              <a:solidFill>
+                <a:srgbClr val="008013"/>
+              </a:solidFill>
+              <a:effectLst/>
+              <a:latin typeface="Menlo"/>
+            </a:endParaRPr>
+          </a:p>
+        </p:txBody>
+      </p:sp>
+    </p:spTree>
+    <p:extLst>
+      <p:ext uri="{BB962C8B-B14F-4D97-AF65-F5344CB8AC3E}">
+        <p14:creationId xmlns:p14="http://schemas.microsoft.com/office/powerpoint/2010/main" val="101029660"/>
+      </p:ext>
+    </p:extLst>
+  </p:cSld>
+  <p:clrMapOvr>
+    <a:masterClrMapping/>
+  </p:clrMapOvr>
+</p:sld>
+</file>
+
+<file path=ppt/slides/slide41.xml><?xml version="1.0" encoding="utf-8"?>
+<p:sld xmlns:a="http://schemas.openxmlformats.org/drawingml/2006/main" xmlns:r="http://schemas.openxmlformats.org/officeDocument/2006/relationships" xmlns:p="http://schemas.openxmlformats.org/presentationml/2006/main">
+  <p:cSld>
+    <p:spTree>
+      <p:nvGrpSpPr>
+        <p:cNvPr id="1" name=""/>
+        <p:cNvGrpSpPr/>
+        <p:nvPr/>
+      </p:nvGrpSpPr>
+      <p:grpSpPr>
+        <a:xfrm>
+          <a:off x="0" y="0"/>
+          <a:ext cx="0" cy="0"/>
+          <a:chOff x="0" y="0"/>
+          <a:chExt cx="0" cy="0"/>
+        </a:xfrm>
+      </p:grpSpPr>
+      <p:sp>
+        <p:nvSpPr>
+          <p:cNvPr id="2" name="Title 1">
+            <a:extLst>
+              <a:ext uri="{FF2B5EF4-FFF2-40B4-BE49-F238E27FC236}">
+                <a16:creationId xmlns:a16="http://schemas.microsoft.com/office/drawing/2014/main" id="{3120C6A5-F6CA-0244-1D65-A6D456EA5607}"/>
+              </a:ext>
+            </a:extLst>
+          </p:cNvPr>
+          <p:cNvSpPr>
+            <a:spLocks noGrp="1"/>
+          </p:cNvSpPr>
+          <p:nvPr>
+            <p:ph type="title"/>
+          </p:nvPr>
+        </p:nvSpPr>
+        <p:spPr/>
+        <p:txBody>
+          <a:bodyPr>
+            <a:normAutofit fontScale="90000"/>
+          </a:bodyPr>
+          <a:lstStyle/>
+          <a:p>
+            <a:r>
+              <a:rPr lang="en-US" dirty="0"/>
+              <a:t>The conversion of polytope sequences uses the lowest vertex number to re-order vertices to produce a unique, repeatable vertex ordering</a:t>
+            </a:r>
+          </a:p>
+        </p:txBody>
+      </p:sp>
+      <p:sp>
+        <p:nvSpPr>
+          <p:cNvPr id="3" name="Content Placeholder 2">
+            <a:extLst>
+              <a:ext uri="{FF2B5EF4-FFF2-40B4-BE49-F238E27FC236}">
+                <a16:creationId xmlns:a16="http://schemas.microsoft.com/office/drawing/2014/main" id="{A76B01AF-ED0F-973A-83E6-584A555BB432}"/>
+              </a:ext>
+            </a:extLst>
+          </p:cNvPr>
+          <p:cNvSpPr>
+            <a:spLocks noGrp="1"/>
+          </p:cNvSpPr>
+          <p:nvPr>
+            <p:ph idx="1"/>
+          </p:nvPr>
+        </p:nvSpPr>
+        <p:spPr/>
+        <p:txBody>
+          <a:bodyPr>
+            <a:normAutofit lnSpcReduction="10000"/>
+          </a:bodyPr>
+          <a:lstStyle/>
+          <a:p>
+            <a:pPr marL="0" indent="0">
+              <a:buNone/>
+            </a:pPr>
+            <a:r>
+              <a:rPr lang="en-US" dirty="0"/>
+              <a:t>For example, given the vertex ordering:</a:t>
+            </a:r>
+          </a:p>
+          <a:p>
+            <a:pPr marL="0" indent="0">
+              <a:buNone/>
+            </a:pPr>
+            <a:r>
+              <a:rPr lang="en-US" sz="2800" b="0" i="0" dirty="0">
+                <a:solidFill>
+                  <a:srgbClr val="008013"/>
+                </a:solidFill>
+                <a:effectLst/>
+                <a:latin typeface="Menlo"/>
+              </a:rPr>
+              <a:t>	[7; 8; 9; 2; 3; 7]</a:t>
+            </a:r>
+            <a:endParaRPr lang="en-US" dirty="0"/>
+          </a:p>
+          <a:p>
+            <a:pPr marL="0" indent="0">
+              <a:buNone/>
+            </a:pPr>
+            <a:r>
+              <a:rPr lang="en-US" dirty="0"/>
+              <a:t>This is the same as:</a:t>
+            </a:r>
+          </a:p>
+          <a:p>
+            <a:pPr marL="0" indent="0">
+              <a:buNone/>
+            </a:pPr>
+            <a:r>
+              <a:rPr lang="en-US" dirty="0"/>
+              <a:t>	</a:t>
+            </a:r>
+            <a:r>
+              <a:rPr lang="en-US" sz="2800" b="0" i="0" dirty="0">
+                <a:solidFill>
+                  <a:srgbClr val="008013"/>
+                </a:solidFill>
+                <a:effectLst/>
+                <a:latin typeface="Menlo"/>
+              </a:rPr>
+              <a:t>[3; 7; 8; 9; 2; 3]</a:t>
+            </a:r>
+            <a:endParaRPr lang="en-US" dirty="0"/>
+          </a:p>
+          <a:p>
+            <a:pPr marL="0" indent="0">
+              <a:buNone/>
+            </a:pPr>
+            <a:r>
+              <a:rPr lang="en-US" dirty="0"/>
+              <a:t>Or:</a:t>
+            </a:r>
+          </a:p>
+          <a:p>
+            <a:pPr marL="0" indent="0">
+              <a:buNone/>
+            </a:pPr>
+            <a:r>
+              <a:rPr lang="en-US" sz="2800" b="0" i="0" dirty="0">
+                <a:solidFill>
+                  <a:srgbClr val="008013"/>
+                </a:solidFill>
+                <a:effectLst/>
+                <a:latin typeface="Menlo"/>
+              </a:rPr>
+              <a:t>	[9; 2; 3; 7; 8; 9]</a:t>
+            </a:r>
+            <a:endParaRPr lang="en-US" dirty="0"/>
+          </a:p>
+          <a:p>
+            <a:pPr marL="0" indent="0">
+              <a:buNone/>
+            </a:pPr>
+            <a:r>
+              <a:rPr lang="en-US" dirty="0"/>
+              <a:t>The vertex ordering that starts with the lowest-indexed vertex is always used. Hence:</a:t>
+            </a:r>
+          </a:p>
+          <a:p>
+            <a:pPr marL="0" indent="0">
+              <a:buNone/>
+            </a:pPr>
+            <a:r>
+              <a:rPr lang="en-US" sz="2800" b="0" i="0" dirty="0">
+                <a:solidFill>
+                  <a:srgbClr val="008013"/>
+                </a:solidFill>
+                <a:effectLst/>
+                <a:latin typeface="Menlo"/>
+              </a:rPr>
+              <a:t>[7; 8; 9; 2; 3; 7] --&gt; [2; 3; 7; 8; 9; 2]</a:t>
+            </a:r>
+            <a:endParaRPr lang="en-US" sz="2800" b="0" i="0" dirty="0">
+              <a:effectLst/>
+              <a:latin typeface="Menlo"/>
+            </a:endParaRPr>
+          </a:p>
+          <a:p>
+            <a:pPr marL="0" indent="0">
+              <a:buNone/>
+            </a:pPr>
+            <a:endParaRPr lang="en-US" dirty="0"/>
+          </a:p>
+        </p:txBody>
+      </p:sp>
+    </p:spTree>
+    <p:extLst>
+      <p:ext uri="{BB962C8B-B14F-4D97-AF65-F5344CB8AC3E}">
+        <p14:creationId xmlns:p14="http://schemas.microsoft.com/office/powerpoint/2010/main" val="3484658785"/>
+      </p:ext>
+    </p:extLst>
+  </p:cSld>
+  <p:clrMapOvr>
+    <a:masterClrMapping/>
+  </p:clrMapOvr>
+</p:sld>
+</file>
+
+<file path=ppt/slides/slide42.xml><?xml version="1.0" encoding="utf-8"?>
+<p:sld xmlns:a="http://schemas.openxmlformats.org/drawingml/2006/main" xmlns:r="http://schemas.openxmlformats.org/officeDocument/2006/relationships" xmlns:p="http://schemas.openxmlformats.org/presentationml/2006/main">
+  <p:cSld>
+    <p:spTree>
+      <p:nvGrpSpPr>
+        <p:cNvPr id="1" name=""/>
+        <p:cNvGrpSpPr/>
+        <p:nvPr/>
+      </p:nvGrpSpPr>
+      <p:grpSpPr>
+        <a:xfrm>
+          <a:off x="0" y="0"/>
+          <a:ext cx="0" cy="0"/>
+          <a:chOff x="0" y="0"/>
+          <a:chExt cx="0" cy="0"/>
+        </a:xfrm>
+      </p:grpSpPr>
+      <p:sp>
+        <p:nvSpPr>
+          <p:cNvPr id="2" name="Title 1">
+            <a:extLst>
+              <a:ext uri="{FF2B5EF4-FFF2-40B4-BE49-F238E27FC236}">
+                <a16:creationId xmlns:a16="http://schemas.microsoft.com/office/drawing/2014/main" id="{7B57B615-DD34-9F76-3378-32A88136AB95}"/>
+              </a:ext>
+            </a:extLst>
+          </p:cNvPr>
+          <p:cNvSpPr>
+            <a:spLocks noGrp="1"/>
+          </p:cNvSpPr>
+          <p:nvPr>
+            <p:ph type="title"/>
+          </p:nvPr>
+        </p:nvSpPr>
+        <p:spPr/>
+        <p:txBody>
+          <a:bodyPr/>
+          <a:lstStyle/>
+          <a:p>
+            <a:endParaRPr lang="en-US"/>
+          </a:p>
+        </p:txBody>
+      </p:sp>
+      <p:sp>
+        <p:nvSpPr>
+          <p:cNvPr id="3" name="Content Placeholder 2">
+            <a:extLst>
+              <a:ext uri="{FF2B5EF4-FFF2-40B4-BE49-F238E27FC236}">
+                <a16:creationId xmlns:a16="http://schemas.microsoft.com/office/drawing/2014/main" id="{EAB47625-3F95-A826-39DF-D706732828AA}"/>
+              </a:ext>
+            </a:extLst>
+          </p:cNvPr>
+          <p:cNvSpPr>
+            <a:spLocks noGrp="1"/>
+          </p:cNvSpPr>
+          <p:nvPr>
+            <p:ph idx="1"/>
+          </p:nvPr>
+        </p:nvSpPr>
+        <p:spPr/>
+        <p:txBody>
+          <a:bodyPr/>
+          <a:lstStyle/>
+          <a:p>
+            <a:r>
+              <a:rPr lang="en-US" dirty="0">
+                <a:hlinkClick r:id="rId2"/>
+              </a:rPr>
+              <a:t>https://www.mdpi.com/2220-9964/9/5/304</a:t>
+            </a:r>
+            <a:endParaRPr lang="en-US" dirty="0"/>
+          </a:p>
+          <a:p>
+            <a:r>
+              <a:rPr lang="en-US" dirty="0">
+                <a:hlinkClick r:id="rId3"/>
+              </a:rPr>
+              <a:t>https://stackoverflow.com/questions/69237154/how-do-you-get-the-medial-axis-of-a-multipolygon-using-cgal</a:t>
+            </a:r>
+            <a:endParaRPr lang="en-US" dirty="0"/>
+          </a:p>
+          <a:p>
+            <a:endParaRPr lang="en-US" dirty="0"/>
+          </a:p>
+          <a:p>
+            <a:r>
+              <a:rPr lang="en-US" dirty="0">
+                <a:hlinkClick r:id="rId4"/>
+              </a:rPr>
+              <a:t>https://groups.csail.mit.edu/graphics/classes/6.838/S98/meetings/m25/m25.html</a:t>
+            </a:r>
+            <a:r>
+              <a:rPr lang="en-US" dirty="0"/>
+              <a:t> </a:t>
+            </a:r>
+          </a:p>
+          <a:p>
+            <a:endParaRPr lang="en-US" dirty="0"/>
+          </a:p>
+        </p:txBody>
+      </p:sp>
+    </p:spTree>
+    <p:extLst>
+      <p:ext uri="{BB962C8B-B14F-4D97-AF65-F5344CB8AC3E}">
+        <p14:creationId xmlns:p14="http://schemas.microsoft.com/office/powerpoint/2010/main" val="4045957193"/>
       </p:ext>
     </p:extLst>
   </p:cSld>

--- a/Documents/VertexSkeletonClassLibrary.pptx
+++ b/Documents/VertexSkeletonClassLibrary.pptx
@@ -39,14 +39,15 @@
     <p:sldId id="541" r:id="rId33"/>
     <p:sldId id="547" r:id="rId34"/>
     <p:sldId id="551" r:id="rId35"/>
-    <p:sldId id="548" r:id="rId36"/>
-    <p:sldId id="552" r:id="rId37"/>
-    <p:sldId id="553" r:id="rId38"/>
-    <p:sldId id="554" r:id="rId39"/>
-    <p:sldId id="555" r:id="rId40"/>
-    <p:sldId id="556" r:id="rId41"/>
-    <p:sldId id="557" r:id="rId42"/>
-    <p:sldId id="540" r:id="rId43"/>
+    <p:sldId id="559" r:id="rId36"/>
+    <p:sldId id="548" r:id="rId37"/>
+    <p:sldId id="552" r:id="rId38"/>
+    <p:sldId id="553" r:id="rId39"/>
+    <p:sldId id="554" r:id="rId40"/>
+    <p:sldId id="555" r:id="rId41"/>
+    <p:sldId id="556" r:id="rId42"/>
+    <p:sldId id="557" r:id="rId43"/>
+    <p:sldId id="540" r:id="rId44"/>
   </p:sldIdLst>
   <p:sldSz cx="12192000" cy="6858000"/>
   <p:notesSz cx="6858000" cy="9144000"/>
@@ -196,6 +197,7 @@
             <p14:sldId id="541"/>
             <p14:sldId id="547"/>
             <p14:sldId id="551"/>
+            <p14:sldId id="559"/>
             <p14:sldId id="548"/>
             <p14:sldId id="552"/>
             <p14:sldId id="553"/>
@@ -330,7 +332,7 @@
       <inkml:brushProperty name="color" value="#004F8B"/>
     </inkml:brush>
   </inkml:definitions>
-  <inkml:trace contextRef="#ctx0" brushRef="#br0">1152 1 24058,'-1152'5504'0</inkml:trace>
+  <inkml:trace contextRef="#ctx0" brushRef="#br0">2035 1 24058,'-2035'2264'0</inkml:trace>
 </inkml:ink>
 </file>
 
@@ -386,7 +388,7 @@
       <inkml:brushProperty name="color" value="#004F8B"/>
     </inkml:brush>
   </inkml:definitions>
-  <inkml:trace contextRef="#ctx0" brushRef="#br0">0 4116 24329,'2387'-4115'0</inkml:trace>
+  <inkml:trace contextRef="#ctx0" brushRef="#br0">0 1 24329,'2627'1917'0</inkml:trace>
 </inkml:ink>
 </file>
 
@@ -414,7 +416,7 @@
       <inkml:brushProperty name="color" value="#004F8B"/>
     </inkml:brush>
   </inkml:definitions>
-  <inkml:trace contextRef="#ctx0" brushRef="#br0">1 142 24140,'1823'-142'0</inkml:trace>
+  <inkml:trace contextRef="#ctx0" brushRef="#br0">1 4118 24140,'366'-4110'0</inkml:trace>
 </inkml:ink>
 </file>
 
@@ -442,7 +444,7 @@
       <inkml:brushProperty name="color" value="#004F8B"/>
     </inkml:brush>
   </inkml:definitions>
-  <inkml:trace contextRef="#ctx0" brushRef="#br0">718 0 24284,'-717'2634'0</inkml:trace>
+  <inkml:trace contextRef="#ctx0" brushRef="#br0">3 0 24284,'1525'3774'0</inkml:trace>
 </inkml:ink>
 </file>
 
@@ -498,7 +500,7 @@
       <inkml:brushProperty name="color" value="#004F8B"/>
     </inkml:brush>
   </inkml:definitions>
-  <inkml:trace contextRef="#ctx0" brushRef="#br0">1 1 24357,'1247'3905'0</inkml:trace>
+  <inkml:trace contextRef="#ctx0" brushRef="#br0">1 1 24357,'2151'621'0</inkml:trace>
 </inkml:ink>
 </file>
 
@@ -583,6 +585,34 @@
     </inkml:brush>
   </inkml:definitions>
   <inkml:trace contextRef="#ctx0" brushRef="#br0">219 91 24575,'-6'-1'0,"0"2"0,0-1 0,0 1 0,0-1 0,0 2 0,1-1 0,-1 1 0,-7 3 0,10-4 0,0 1 0,0 0 0,0 0 0,1 0 0,-1 0 0,1 0 0,-1 0 0,1 1 0,0-1 0,0 1 0,0 0 0,1 0 0,-1 0 0,0 0 0,1 0 0,-2 4 0,3-5 0,-1-1 0,1 0 0,-1 1 0,1-1 0,0 1 0,0-1 0,-1 1 0,1-1 0,0 0 0,0 1 0,1-1 0,-1 1 0,0-1 0,0 1 0,1-1 0,-1 0 0,1 1 0,-1-1 0,1 0 0,-1 1 0,3 1 0,-2-1 0,1 0 0,-1-1 0,1 1 0,0-1 0,0 0 0,0 1 0,0-1 0,0 0 0,0 0 0,0 0 0,0-1 0,0 1 0,3 0 0,-1 0 0,0 0 0,1 0 0,0-1 0,-1 0 0,1 0 0,-1 0 0,1 0 0,-1-1 0,1 0 0,-1 1 0,1-2 0,-1 1 0,8-4 0,-7 1 0,0 1 0,-1-2 0,0 1 0,0 0 0,0-1 0,0 0 0,-1 0 0,0 0 0,0 0 0,0 0 0,0-1 0,2-9 0,-2 8 0,-1-1 0,0 1 0,0-1 0,0 0 0,-1 0 0,-1 0 0,1 0 0,-2-15 0,0 21 0,1 0 0,-1 0 0,1 1 0,-1-1 0,1 1 0,-1-1 0,0 1 0,0-1 0,0 1 0,0-1 0,0 1 0,0-1 0,0 1 0,0 0 0,-1 0 0,1 0 0,0 0 0,-1 0 0,1 0 0,-1 0 0,1 0 0,-1 0 0,1 1 0,-1-1 0,0 1 0,1-1 0,-1 1 0,0 0 0,0-1 0,1 1 0,-1 0 0,0 0 0,1 0 0,-3 1 0,-3-1 0,1 1 0,0 0 0,-1 0 0,1 1 0,0 0 0,0 0 0,0 0 0,-7 5 0,-6 4 0,1 0 0,1 2 0,0 0 0,-22 22 0,32-28 0,1 0 0,-1 0 0,1 1 0,1 0 0,0 0 0,0 0 0,0 1 0,1 0 0,0-1 0,1 1 0,0 1 0,-2 13 0,4-20 0,1 1 0,0-1 0,0 1 0,1-1 0,-1 1 0,1-1 0,-1 1 0,1-1 0,0 0 0,0 0 0,1 1 0,-1-1 0,1 0 0,-1 0 0,1 0 0,0 0 0,0-1 0,1 1 0,-1 0 0,0-1 0,1 1 0,0-1 0,4 3 0,-4-3 0,1 0 0,-1 1 0,1-2 0,0 1 0,0 0 0,0-1 0,0 0 0,0 0 0,0 0 0,0 0 0,1-1 0,-1 1 0,0-1 0,0 0 0,0-1 0,1 1 0,-1-1 0,0 1 0,5-3 0,-7 2 0,0 0 0,0 0 0,0 0 0,-1 0 0,1-1 0,0 1 0,0-1 0,-1 0 0,1 1 0,-1-1 0,0 0 0,1 0 0,-1 0 0,0 0 0,0 0 0,0 0 0,0 0 0,0 0 0,-1 0 0,1 0 0,-1-1 0,1 1 0,-1-4 0,1-8 0,0 1 0,-3-26 0,1 21 0,-3-12 0,-2 16 0,5 14 0,1-1 0,0 1 0,0 0 0,-1-1 0,1 1 0,0 0 0,-1 0 0,1 0 0,0-1 0,-1 1 0,1 0 0,-1 0 0,1 0 0,0 0 0,-1 0 0,1 0 0,-1 0 0,1-1 0,0 1 0,-1 0 0,1 0 0,0 1 0,-1-1 0,1 0 0,-1 0 0,1 0 0,0 0 0,-1 0 0,0 0 0,0 1 0,0 0 0,0 0 0,0 0 0,-1 0 0,1 1 0,0-1 0,0 0 0,1 0 0,-1 1 0,0-1 0,0 0 0,1 1 0,-1-1 0,1 1 0,-1-1 0,1 0 0,-1 1 0,1-1 0,0 1 0,0 0 0,0-1 0,0 1 0,0 1 0,0 2 0,0-1 0,1 1 0,-1-1 0,1 1 0,0-1 0,3 8 0,-3-10 0,0 0 0,0 0 0,0 0 0,0 0 0,1 0 0,-1 0 0,1 0 0,-1-1 0,1 1 0,0 0 0,0-1 0,-1 0 0,1 1 0,0-1 0,0 0 0,1 0 0,-1 0 0,3 1 0,-3-2 0,-1 0 0,0 0 0,1 0 0,-1 0 0,0 0 0,0 0 0,1 0 0,-1 0 0,0 0 0,1 0 0,-1-1 0,0 1 0,0-1 0,0 1 0,1-1 0,-1 1 0,0-1 0,0 0 0,0 0 0,0 1 0,0-1 0,0 0 0,0 0 0,0 0 0,-1 0 0,1 0 0,0 0 0,0 0 0,-1 0 0,1-1 0,-1 1 0,1 0 0,0-2 0,0 0-68,0 0 0,0 0-1,0 0 1,0 0 0,0-1 0,-1 1-1,0 0 1,1 0 0,-1 0 0,0 0-1,-1-1 1,1 1 0,-1 0 0,1 0-1,-1 0 1,0 0 0,0 0-1,0 0 1,-2-3 0,-5-4-6758</inkml:trace>
+</inkml:ink>
+</file>
+
+<file path=ppt/ink/ink21.xml><?xml version="1.0" encoding="utf-8"?>
+<inkml:ink xmlns:inkml="http://www.w3.org/2003/InkML">
+  <inkml:definitions>
+    <inkml:context xml:id="ctx0">
+      <inkml:inkSource xml:id="inkSrc0">
+        <inkml:traceFormat>
+          <inkml:channel name="X" type="integer" min="-2.14748E9" max="2.14748E9" units="cm"/>
+          <inkml:channel name="Y" type="integer" min="-2.14748E9" max="2.14748E9" units="cm"/>
+          <inkml:channel name="F" type="integer" max="32767" units="dev"/>
+        </inkml:traceFormat>
+        <inkml:channelProperties>
+          <inkml:channelProperty channel="X" name="resolution" value="1000" units="1/cm"/>
+          <inkml:channelProperty channel="Y" name="resolution" value="1000" units="1/cm"/>
+          <inkml:channelProperty channel="F" name="resolution" value="0" units="1/dev"/>
+        </inkml:channelProperties>
+      </inkml:inkSource>
+      <inkml:timestamp xml:id="ts0" timeString="2025-05-14T20:15:45.395"/>
+    </inkml:context>
+    <inkml:brush xml:id="br0">
+      <inkml:brushProperty name="width" value="0.035" units="cm"/>
+      <inkml:brushProperty name="height" value="0.035" units="cm"/>
+      <inkml:brushProperty name="color" value="#004F8B"/>
+    </inkml:brush>
+  </inkml:definitions>
+  <inkml:trace contextRef="#ctx0" brushRef="#br0">1 3154 24357,'939'-3152'0</inkml:trace>
 </inkml:ink>
 </file>
 
@@ -928,7 +958,7 @@
           <a:p>
             <a:fld id="{ADCEBF8C-22C0-4323-9BBB-9413232198F8}" type="datetimeFigureOut">
               <a:rPr lang="en-US" smtClean="0"/>
-              <a:t>5/13/2025</a:t>
+              <a:t>5/14/2025</a:t>
             </a:fld>
             <a:endParaRPr lang="en-US"/>
           </a:p>
@@ -1126,7 +1156,7 @@
           <a:p>
             <a:fld id="{ADCEBF8C-22C0-4323-9BBB-9413232198F8}" type="datetimeFigureOut">
               <a:rPr lang="en-US" smtClean="0"/>
-              <a:t>5/13/2025</a:t>
+              <a:t>5/14/2025</a:t>
             </a:fld>
             <a:endParaRPr lang="en-US"/>
           </a:p>
@@ -1334,7 +1364,7 @@
           <a:p>
             <a:fld id="{ADCEBF8C-22C0-4323-9BBB-9413232198F8}" type="datetimeFigureOut">
               <a:rPr lang="en-US" smtClean="0"/>
-              <a:t>5/13/2025</a:t>
+              <a:t>5/14/2025</a:t>
             </a:fld>
             <a:endParaRPr lang="en-US"/>
           </a:p>
@@ -1532,7 +1562,7 @@
           <a:p>
             <a:fld id="{ADCEBF8C-22C0-4323-9BBB-9413232198F8}" type="datetimeFigureOut">
               <a:rPr lang="en-US" smtClean="0"/>
-              <a:t>5/13/2025</a:t>
+              <a:t>5/14/2025</a:t>
             </a:fld>
             <a:endParaRPr lang="en-US"/>
           </a:p>
@@ -1807,7 +1837,7 @@
           <a:p>
             <a:fld id="{ADCEBF8C-22C0-4323-9BBB-9413232198F8}" type="datetimeFigureOut">
               <a:rPr lang="en-US" smtClean="0"/>
-              <a:t>5/13/2025</a:t>
+              <a:t>5/14/2025</a:t>
             </a:fld>
             <a:endParaRPr lang="en-US"/>
           </a:p>
@@ -2072,7 +2102,7 @@
           <a:p>
             <a:fld id="{ADCEBF8C-22C0-4323-9BBB-9413232198F8}" type="datetimeFigureOut">
               <a:rPr lang="en-US" smtClean="0"/>
-              <a:t>5/13/2025</a:t>
+              <a:t>5/14/2025</a:t>
             </a:fld>
             <a:endParaRPr lang="en-US"/>
           </a:p>
@@ -2484,7 +2514,7 @@
           <a:p>
             <a:fld id="{ADCEBF8C-22C0-4323-9BBB-9413232198F8}" type="datetimeFigureOut">
               <a:rPr lang="en-US" smtClean="0"/>
-              <a:t>5/13/2025</a:t>
+              <a:t>5/14/2025</a:t>
             </a:fld>
             <a:endParaRPr lang="en-US"/>
           </a:p>
@@ -2625,7 +2655,7 @@
           <a:p>
             <a:fld id="{ADCEBF8C-22C0-4323-9BBB-9413232198F8}" type="datetimeFigureOut">
               <a:rPr lang="en-US" smtClean="0"/>
-              <a:t>5/13/2025</a:t>
+              <a:t>5/14/2025</a:t>
             </a:fld>
             <a:endParaRPr lang="en-US"/>
           </a:p>
@@ -2738,7 +2768,7 @@
           <a:p>
             <a:fld id="{ADCEBF8C-22C0-4323-9BBB-9413232198F8}" type="datetimeFigureOut">
               <a:rPr lang="en-US" smtClean="0"/>
-              <a:t>5/13/2025</a:t>
+              <a:t>5/14/2025</a:t>
             </a:fld>
             <a:endParaRPr lang="en-US"/>
           </a:p>
@@ -3049,7 +3079,7 @@
           <a:p>
             <a:fld id="{ADCEBF8C-22C0-4323-9BBB-9413232198F8}" type="datetimeFigureOut">
               <a:rPr lang="en-US" smtClean="0"/>
-              <a:t>5/13/2025</a:t>
+              <a:t>5/14/2025</a:t>
             </a:fld>
             <a:endParaRPr lang="en-US"/>
           </a:p>
@@ -3337,7 +3367,7 @@
           <a:p>
             <a:fld id="{ADCEBF8C-22C0-4323-9BBB-9413232198F8}" type="datetimeFigureOut">
               <a:rPr lang="en-US" smtClean="0"/>
-              <a:t>5/13/2025</a:t>
+              <a:t>5/14/2025</a:t>
             </a:fld>
             <a:endParaRPr lang="en-US"/>
           </a:p>
@@ -3578,7 +3608,7 @@
           <a:p>
             <a:fld id="{ADCEBF8C-22C0-4323-9BBB-9413232198F8}" type="datetimeFigureOut">
               <a:rPr lang="en-US" smtClean="0"/>
-              <a:t>5/13/2025</a:t>
+              <a:t>5/14/2025</a:t>
             </a:fld>
             <a:endParaRPr lang="en-US"/>
           </a:p>
@@ -15522,8 +15552,8 @@
           </p:style>
         </p:cxnSp>
       </p:grpSp>
-      <mc:AlternateContent xmlns:mc="http://schemas.openxmlformats.org/markup-compatibility/2006">
-        <mc:Choice xmlns:a14="http://schemas.microsoft.com/office/drawing/2010/main" Requires="a14">
+      <mc:AlternateContent xmlns:mc="http://schemas.openxmlformats.org/markup-compatibility/2006" xmlns:a14="http://schemas.microsoft.com/office/drawing/2010/main">
+        <mc:Choice Requires="a14">
           <p:sp>
             <p:nvSpPr>
               <p:cNvPr id="16" name="TextBox 15">
@@ -15604,7 +15634,7 @@
             </p:txBody>
           </p:sp>
         </mc:Choice>
-        <mc:Fallback>
+        <mc:Fallback xmlns="">
           <p:sp>
             <p:nvSpPr>
               <p:cNvPr id="16" name="TextBox 15">
@@ -15649,8 +15679,8 @@
           </p:sp>
         </mc:Fallback>
       </mc:AlternateContent>
-      <mc:AlternateContent xmlns:mc="http://schemas.openxmlformats.org/markup-compatibility/2006">
-        <mc:Choice xmlns:a14="http://schemas.microsoft.com/office/drawing/2010/main" Requires="a14">
+      <mc:AlternateContent xmlns:mc="http://schemas.openxmlformats.org/markup-compatibility/2006" xmlns:a14="http://schemas.microsoft.com/office/drawing/2010/main">
+        <mc:Choice Requires="a14">
           <p:sp>
             <p:nvSpPr>
               <p:cNvPr id="17" name="TextBox 16">
@@ -15719,7 +15749,7 @@
             </p:txBody>
           </p:sp>
         </mc:Choice>
-        <mc:Fallback>
+        <mc:Fallback xmlns="">
           <p:sp>
             <p:nvSpPr>
               <p:cNvPr id="17" name="TextBox 16">
@@ -15846,8 +15876,8 @@
           </a:fontRef>
         </p:style>
       </p:cxnSp>
-      <mc:AlternateContent xmlns:mc="http://schemas.openxmlformats.org/markup-compatibility/2006">
-        <mc:Choice xmlns:a14="http://schemas.microsoft.com/office/drawing/2010/main" Requires="a14">
+      <mc:AlternateContent xmlns:mc="http://schemas.openxmlformats.org/markup-compatibility/2006" xmlns:a14="http://schemas.microsoft.com/office/drawing/2010/main">
+        <mc:Choice Requires="a14">
           <p:sp>
             <p:nvSpPr>
               <p:cNvPr id="22" name="TextBox 21">
@@ -16292,6 +16322,7 @@
                 </a:endParaRPr>
               </a:p>
               <a:p>
+                <a:pPr/>
                 <a14:m>
                   <m:oMathPara xmlns:m="http://schemas.openxmlformats.org/officeDocument/2006/math">
                     <m:oMathParaPr>
@@ -16434,13 +16465,7 @@
                                 <a:rPr lang="en-US" b="0" i="1" smtClean="0">
                                   <a:latin typeface="Cambria Math" panose="02040503050406030204" pitchFamily="18" charset="0"/>
                                 </a:rPr>
-                                <m:t>𝑖</m:t>
-                              </m:r>
-                              <m:r>
-                                <a:rPr lang="en-US" b="0" i="1" smtClean="0">
-                                  <a:latin typeface="Cambria Math" panose="02040503050406030204" pitchFamily="18" charset="0"/>
-                                </a:rPr>
-                                <m:t>𝑥</m:t>
+                                <m:t>𝑖𝑥</m:t>
                               </m:r>
                             </m:sub>
                           </m:sSub>
@@ -16546,13 +16571,12 @@
                 </a:endParaRPr>
               </a:p>
               <a:p>
-                <a:pPr/>
                 <a:endParaRPr lang="en-US" dirty="0"/>
               </a:p>
             </p:txBody>
           </p:sp>
         </mc:Choice>
-        <mc:Fallback>
+        <mc:Fallback xmlns="">
           <p:sp>
             <p:nvSpPr>
               <p:cNvPr id="22" name="TextBox 21">
@@ -16597,8 +16621,8 @@
           </p:sp>
         </mc:Fallback>
       </mc:AlternateContent>
-      <mc:AlternateContent xmlns:mc="http://schemas.openxmlformats.org/markup-compatibility/2006">
-        <mc:Choice xmlns:a14="http://schemas.microsoft.com/office/drawing/2010/main" Requires="a14">
+      <mc:AlternateContent xmlns:mc="http://schemas.openxmlformats.org/markup-compatibility/2006" xmlns:a14="http://schemas.microsoft.com/office/drawing/2010/main">
+        <mc:Choice Requires="a14">
           <p:sp>
             <p:nvSpPr>
               <p:cNvPr id="23" name="TextBox 22">
@@ -16672,7 +16696,7 @@
             </p:txBody>
           </p:sp>
         </mc:Choice>
-        <mc:Fallback>
+        <mc:Fallback xmlns="">
           <p:sp>
             <p:nvSpPr>
               <p:cNvPr id="23" name="TextBox 22">
@@ -16758,8 +16782,8 @@
           </a:fontRef>
         </p:style>
       </p:cxnSp>
-      <mc:AlternateContent xmlns:mc="http://schemas.openxmlformats.org/markup-compatibility/2006">
-        <mc:Choice xmlns:a14="http://schemas.microsoft.com/office/drawing/2010/main" Requires="a14">
+      <mc:AlternateContent xmlns:mc="http://schemas.openxmlformats.org/markup-compatibility/2006" xmlns:a14="http://schemas.microsoft.com/office/drawing/2010/main">
+        <mc:Choice Requires="a14">
           <p:sp>
             <p:nvSpPr>
               <p:cNvPr id="26" name="TextBox 25">
@@ -16834,7 +16858,7 @@
             </p:txBody>
           </p:sp>
         </mc:Choice>
-        <mc:Fallback>
+        <mc:Fallback xmlns="">
           <p:sp>
             <p:nvSpPr>
               <p:cNvPr id="26" name="TextBox 25">
@@ -16920,8 +16944,8 @@
           </a:fontRef>
         </p:style>
       </p:cxnSp>
-      <mc:AlternateContent xmlns:mc="http://schemas.openxmlformats.org/markup-compatibility/2006">
-        <mc:Choice xmlns:a14="http://schemas.microsoft.com/office/drawing/2010/main" Requires="a14">
+      <mc:AlternateContent xmlns:mc="http://schemas.openxmlformats.org/markup-compatibility/2006" xmlns:a14="http://schemas.microsoft.com/office/drawing/2010/main">
+        <mc:Choice Requires="a14">
           <p:sp>
             <p:nvSpPr>
               <p:cNvPr id="28" name="TextBox 27">
@@ -17008,7 +17032,7 @@
             </p:txBody>
           </p:sp>
         </mc:Choice>
-        <mc:Fallback>
+        <mc:Fallback xmlns="">
           <p:sp>
             <p:nvSpPr>
               <p:cNvPr id="28" name="TextBox 27">
@@ -17142,8 +17166,8 @@
           </a:fontRef>
         </p:style>
       </p:cxnSp>
-      <mc:AlternateContent xmlns:mc="http://schemas.openxmlformats.org/markup-compatibility/2006">
-        <mc:Choice xmlns:a14="http://schemas.microsoft.com/office/drawing/2010/main" Requires="a14">
+      <mc:AlternateContent xmlns:mc="http://schemas.openxmlformats.org/markup-compatibility/2006" xmlns:a14="http://schemas.microsoft.com/office/drawing/2010/main">
+        <mc:Choice Requires="a14">
           <p:sp>
             <p:nvSpPr>
               <p:cNvPr id="33" name="TextBox 32">
@@ -17193,7 +17217,7 @@
             </p:txBody>
           </p:sp>
         </mc:Choice>
-        <mc:Fallback>
+        <mc:Fallback xmlns="">
           <p:sp>
             <p:nvSpPr>
               <p:cNvPr id="33" name="TextBox 32">
@@ -17238,8 +17262,8 @@
           </p:sp>
         </mc:Fallback>
       </mc:AlternateContent>
-      <mc:AlternateContent xmlns:mc="http://schemas.openxmlformats.org/markup-compatibility/2006">
-        <mc:Choice xmlns:a14="http://schemas.microsoft.com/office/drawing/2010/main" Requires="a14">
+      <mc:AlternateContent xmlns:mc="http://schemas.openxmlformats.org/markup-compatibility/2006" xmlns:a14="http://schemas.microsoft.com/office/drawing/2010/main">
+        <mc:Choice Requires="a14">
           <p:sp>
             <p:nvSpPr>
               <p:cNvPr id="34" name="TextBox 33">
@@ -17320,7 +17344,7 @@
             </p:txBody>
           </p:sp>
         </mc:Choice>
-        <mc:Fallback>
+        <mc:Fallback xmlns="">
           <p:sp>
             <p:nvSpPr>
               <p:cNvPr id="34" name="TextBox 33">
@@ -17365,8 +17389,8 @@
           </p:sp>
         </mc:Fallback>
       </mc:AlternateContent>
-      <mc:AlternateContent xmlns:mc="http://schemas.openxmlformats.org/markup-compatibility/2006">
-        <mc:Choice xmlns:a14="http://schemas.microsoft.com/office/drawing/2010/main" Requires="a14">
+      <mc:AlternateContent xmlns:mc="http://schemas.openxmlformats.org/markup-compatibility/2006" xmlns:a14="http://schemas.microsoft.com/office/drawing/2010/main">
+        <mc:Choice Requires="a14">
           <p:sp>
             <p:nvSpPr>
               <p:cNvPr id="35" name="TextBox 34">
@@ -17435,7 +17459,7 @@
             </p:txBody>
           </p:sp>
         </mc:Choice>
-        <mc:Fallback>
+        <mc:Fallback xmlns="">
           <p:sp>
             <p:nvSpPr>
               <p:cNvPr id="35" name="TextBox 34">
@@ -17480,8 +17504,8 @@
           </p:sp>
         </mc:Fallback>
       </mc:AlternateContent>
-      <mc:AlternateContent xmlns:mc="http://schemas.openxmlformats.org/markup-compatibility/2006">
-        <mc:Choice xmlns:a14="http://schemas.microsoft.com/office/drawing/2010/main" Requires="a14">
+      <mc:AlternateContent xmlns:mc="http://schemas.openxmlformats.org/markup-compatibility/2006" xmlns:a14="http://schemas.microsoft.com/office/drawing/2010/main">
+        <mc:Choice Requires="a14">
           <p:sp>
             <p:nvSpPr>
               <p:cNvPr id="37" name="TextBox 36">
@@ -18216,7 +18240,6 @@
                 </a:endParaRPr>
               </a:p>
               <a:p>
-                <a:pPr/>
                 <a:endParaRPr lang="en-US" i="1" dirty="0">
                   <a:latin typeface="Cambria Math" panose="02040503050406030204" pitchFamily="18" charset="0"/>
                 </a:endParaRPr>
@@ -18224,7 +18247,7 @@
             </p:txBody>
           </p:sp>
         </mc:Choice>
-        <mc:Fallback>
+        <mc:Fallback xmlns="">
           <p:sp>
             <p:nvSpPr>
               <p:cNvPr id="37" name="TextBox 36">
@@ -19532,7 +19555,12 @@
             <p:ph type="title"/>
           </p:nvPr>
         </p:nvSpPr>
-        <p:spPr/>
+        <p:spPr>
+          <a:xfrm>
+            <a:off x="444500" y="0"/>
+            <a:ext cx="10515600" cy="1325563"/>
+          </a:xfrm>
+        </p:spPr>
         <p:txBody>
           <a:bodyPr/>
           <a:lstStyle/>
@@ -19566,8 +19594,8 @@
         </p:blipFill>
         <p:spPr>
           <a:xfrm>
-            <a:off x="644540" y="1214303"/>
-            <a:ext cx="11071754" cy="5459451"/>
+            <a:off x="-502234" y="884259"/>
+            <a:ext cx="13196467" cy="6507141"/>
           </a:xfrm>
           <a:prstGeom prst="rect">
             <a:avLst/>
@@ -19588,6 +19616,415 @@
 </file>
 
 <file path=ppt/slides/slide35.xml><?xml version="1.0" encoding="utf-8"?>
+<p:sld xmlns:a="http://schemas.openxmlformats.org/drawingml/2006/main" xmlns:r="http://schemas.openxmlformats.org/officeDocument/2006/relationships" xmlns:p="http://schemas.openxmlformats.org/presentationml/2006/main">
+  <p:cSld>
+    <p:spTree>
+      <p:nvGrpSpPr>
+        <p:cNvPr id="1" name=""/>
+        <p:cNvGrpSpPr/>
+        <p:nvPr/>
+      </p:nvGrpSpPr>
+      <p:grpSpPr>
+        <a:xfrm>
+          <a:off x="0" y="0"/>
+          <a:ext cx="0" cy="0"/>
+          <a:chOff x="0" y="0"/>
+          <a:chExt cx="0" cy="0"/>
+        </a:xfrm>
+      </p:grpSpPr>
+      <p:sp>
+        <p:nvSpPr>
+          <p:cNvPr id="2" name="Title 1">
+            <a:extLst>
+              <a:ext uri="{FF2B5EF4-FFF2-40B4-BE49-F238E27FC236}">
+                <a16:creationId xmlns:a16="http://schemas.microsoft.com/office/drawing/2014/main" id="{06F67BFE-40DE-4D4D-AC0F-8369B963C5F6}"/>
+              </a:ext>
+            </a:extLst>
+          </p:cNvPr>
+          <p:cNvSpPr>
+            <a:spLocks noGrp="1"/>
+          </p:cNvSpPr>
+          <p:nvPr>
+            <p:ph type="title"/>
+          </p:nvPr>
+        </p:nvSpPr>
+        <p:spPr>
+          <a:xfrm>
+            <a:off x="838200" y="365125"/>
+            <a:ext cx="10515600" cy="1325563"/>
+          </a:xfrm>
+        </p:spPr>
+        <p:txBody>
+          <a:bodyPr/>
+          <a:lstStyle/>
+          <a:p>
+            <a:r>
+              <a:rPr lang="en-US" dirty="0"/>
+              <a:t>There may be situations where polytopes are nested INSIDE other polytopes</a:t>
+            </a:r>
+          </a:p>
+        </p:txBody>
+      </p:sp>
+      <p:sp>
+        <p:nvSpPr>
+          <p:cNvPr id="3" name="Content Placeholder 2">
+            <a:extLst>
+              <a:ext uri="{FF2B5EF4-FFF2-40B4-BE49-F238E27FC236}">
+                <a16:creationId xmlns:a16="http://schemas.microsoft.com/office/drawing/2014/main" id="{3A1B4974-FA5B-41D6-8216-B0927E7ED20E}"/>
+              </a:ext>
+            </a:extLst>
+          </p:cNvPr>
+          <p:cNvSpPr>
+            <a:spLocks noGrp="1"/>
+          </p:cNvSpPr>
+          <p:nvPr>
+            <p:ph idx="1"/>
+          </p:nvPr>
+        </p:nvSpPr>
+        <p:spPr>
+          <a:xfrm>
+            <a:off x="838200" y="1838425"/>
+            <a:ext cx="7401025" cy="4338538"/>
+          </a:xfrm>
+        </p:spPr>
+        <p:txBody>
+          <a:bodyPr/>
+          <a:lstStyle/>
+          <a:p>
+            <a:pPr marL="0" indent="0">
+              <a:buNone/>
+            </a:pPr>
+            <a:r>
+              <a:rPr lang="en-US" dirty="0"/>
+              <a:t>In this case, the main change is to allow searching of edges that are both on and within the current polytope</a:t>
+            </a:r>
+          </a:p>
+        </p:txBody>
+      </p:sp>
+      <p:cxnSp>
+        <p:nvCxnSpPr>
+          <p:cNvPr id="5" name="Straight Connector 4">
+            <a:extLst>
+              <a:ext uri="{FF2B5EF4-FFF2-40B4-BE49-F238E27FC236}">
+                <a16:creationId xmlns:a16="http://schemas.microsoft.com/office/drawing/2014/main" id="{99204A3B-CAAB-4FA0-8F17-F80A618857BE}"/>
+              </a:ext>
+            </a:extLst>
+          </p:cNvPr>
+          <p:cNvCxnSpPr/>
+          <p:nvPr/>
+        </p:nvCxnSpPr>
+        <p:spPr>
+          <a:xfrm flipV="1">
+            <a:off x="7355841" y="3334618"/>
+            <a:ext cx="981777" cy="1934678"/>
+          </a:xfrm>
+          <a:prstGeom prst="line">
+            <a:avLst/>
+          </a:prstGeom>
+          <a:ln w="47625"/>
+        </p:spPr>
+        <p:style>
+          <a:lnRef idx="1">
+            <a:schemeClr val="accent1"/>
+          </a:lnRef>
+          <a:fillRef idx="0">
+            <a:schemeClr val="accent1"/>
+          </a:fillRef>
+          <a:effectRef idx="0">
+            <a:schemeClr val="accent1"/>
+          </a:effectRef>
+          <a:fontRef idx="minor">
+            <a:schemeClr val="tx1"/>
+          </a:fontRef>
+        </p:style>
+      </p:cxnSp>
+      <p:cxnSp>
+        <p:nvCxnSpPr>
+          <p:cNvPr id="6" name="Straight Connector 5">
+            <a:extLst>
+              <a:ext uri="{FF2B5EF4-FFF2-40B4-BE49-F238E27FC236}">
+                <a16:creationId xmlns:a16="http://schemas.microsoft.com/office/drawing/2014/main" id="{807BE726-0E47-4875-8968-EF31E83DBCFA}"/>
+              </a:ext>
+            </a:extLst>
+          </p:cNvPr>
+          <p:cNvCxnSpPr>
+            <a:cxnSpLocks/>
+          </p:cNvCxnSpPr>
+          <p:nvPr/>
+        </p:nvCxnSpPr>
+        <p:spPr>
+          <a:xfrm flipH="1" flipV="1">
+            <a:off x="8337618" y="3334618"/>
+            <a:ext cx="2521819" cy="269508"/>
+          </a:xfrm>
+          <a:prstGeom prst="line">
+            <a:avLst/>
+          </a:prstGeom>
+          <a:ln w="47625"/>
+        </p:spPr>
+        <p:style>
+          <a:lnRef idx="1">
+            <a:schemeClr val="accent1"/>
+          </a:lnRef>
+          <a:fillRef idx="0">
+            <a:schemeClr val="accent1"/>
+          </a:fillRef>
+          <a:effectRef idx="0">
+            <a:schemeClr val="accent1"/>
+          </a:effectRef>
+          <a:fontRef idx="minor">
+            <a:schemeClr val="tx1"/>
+          </a:fontRef>
+        </p:style>
+      </p:cxnSp>
+      <p:cxnSp>
+        <p:nvCxnSpPr>
+          <p:cNvPr id="9" name="Straight Connector 8">
+            <a:extLst>
+              <a:ext uri="{FF2B5EF4-FFF2-40B4-BE49-F238E27FC236}">
+                <a16:creationId xmlns:a16="http://schemas.microsoft.com/office/drawing/2014/main" id="{517B5938-4E96-4F2D-9CCA-EF8E135CDDF6}"/>
+              </a:ext>
+            </a:extLst>
+          </p:cNvPr>
+          <p:cNvCxnSpPr>
+            <a:cxnSpLocks/>
+          </p:cNvCxnSpPr>
+          <p:nvPr/>
+        </p:nvCxnSpPr>
+        <p:spPr>
+          <a:xfrm>
+            <a:off x="10859437" y="3604126"/>
+            <a:ext cx="683393" cy="1953928"/>
+          </a:xfrm>
+          <a:prstGeom prst="line">
+            <a:avLst/>
+          </a:prstGeom>
+          <a:ln w="47625"/>
+        </p:spPr>
+        <p:style>
+          <a:lnRef idx="1">
+            <a:schemeClr val="accent1"/>
+          </a:lnRef>
+          <a:fillRef idx="0">
+            <a:schemeClr val="accent1"/>
+          </a:fillRef>
+          <a:effectRef idx="0">
+            <a:schemeClr val="accent1"/>
+          </a:effectRef>
+          <a:fontRef idx="minor">
+            <a:schemeClr val="tx1"/>
+          </a:fontRef>
+        </p:style>
+      </p:cxnSp>
+      <p:cxnSp>
+        <p:nvCxnSpPr>
+          <p:cNvPr id="12" name="Straight Connector 11">
+            <a:extLst>
+              <a:ext uri="{FF2B5EF4-FFF2-40B4-BE49-F238E27FC236}">
+                <a16:creationId xmlns:a16="http://schemas.microsoft.com/office/drawing/2014/main" id="{6D3D0135-D28A-41F5-AC2B-8C5E121425C6}"/>
+              </a:ext>
+            </a:extLst>
+          </p:cNvPr>
+          <p:cNvCxnSpPr>
+            <a:cxnSpLocks/>
+          </p:cNvCxnSpPr>
+          <p:nvPr/>
+        </p:nvCxnSpPr>
+        <p:spPr>
+          <a:xfrm>
+            <a:off x="7355841" y="5269296"/>
+            <a:ext cx="4186989" cy="288758"/>
+          </a:xfrm>
+          <a:prstGeom prst="line">
+            <a:avLst/>
+          </a:prstGeom>
+          <a:ln w="47625"/>
+        </p:spPr>
+        <p:style>
+          <a:lnRef idx="1">
+            <a:schemeClr val="accent1"/>
+          </a:lnRef>
+          <a:fillRef idx="0">
+            <a:schemeClr val="accent1"/>
+          </a:fillRef>
+          <a:effectRef idx="0">
+            <a:schemeClr val="accent1"/>
+          </a:effectRef>
+          <a:fontRef idx="minor">
+            <a:schemeClr val="tx1"/>
+          </a:fontRef>
+        </p:style>
+      </p:cxnSp>
+      <p:cxnSp>
+        <p:nvCxnSpPr>
+          <p:cNvPr id="15" name="Straight Connector 14">
+            <a:extLst>
+              <a:ext uri="{FF2B5EF4-FFF2-40B4-BE49-F238E27FC236}">
+                <a16:creationId xmlns:a16="http://schemas.microsoft.com/office/drawing/2014/main" id="{06BACBB1-A0AB-42E4-B501-2577BBE3AC8F}"/>
+              </a:ext>
+            </a:extLst>
+          </p:cNvPr>
+          <p:cNvCxnSpPr>
+            <a:cxnSpLocks/>
+          </p:cNvCxnSpPr>
+          <p:nvPr/>
+        </p:nvCxnSpPr>
+        <p:spPr>
+          <a:xfrm flipH="1">
+            <a:off x="8409272" y="4018012"/>
+            <a:ext cx="467363" cy="632375"/>
+          </a:xfrm>
+          <a:prstGeom prst="line">
+            <a:avLst/>
+          </a:prstGeom>
+          <a:ln w="47625"/>
+        </p:spPr>
+        <p:style>
+          <a:lnRef idx="1">
+            <a:schemeClr val="accent1"/>
+          </a:lnRef>
+          <a:fillRef idx="0">
+            <a:schemeClr val="accent1"/>
+          </a:fillRef>
+          <a:effectRef idx="0">
+            <a:schemeClr val="accent1"/>
+          </a:effectRef>
+          <a:fontRef idx="minor">
+            <a:schemeClr val="tx1"/>
+          </a:fontRef>
+        </p:style>
+      </p:cxnSp>
+      <p:cxnSp>
+        <p:nvCxnSpPr>
+          <p:cNvPr id="18" name="Straight Connector 17">
+            <a:extLst>
+              <a:ext uri="{FF2B5EF4-FFF2-40B4-BE49-F238E27FC236}">
+                <a16:creationId xmlns:a16="http://schemas.microsoft.com/office/drawing/2014/main" id="{9D8F997B-40F5-4D78-84F5-FC9FF773D0A4}"/>
+              </a:ext>
+            </a:extLst>
+          </p:cNvPr>
+          <p:cNvCxnSpPr>
+            <a:cxnSpLocks/>
+          </p:cNvCxnSpPr>
+          <p:nvPr/>
+        </p:nvCxnSpPr>
+        <p:spPr>
+          <a:xfrm flipH="1" flipV="1">
+            <a:off x="8337618" y="4720656"/>
+            <a:ext cx="2117558" cy="163630"/>
+          </a:xfrm>
+          <a:prstGeom prst="line">
+            <a:avLst/>
+          </a:prstGeom>
+          <a:ln w="47625"/>
+        </p:spPr>
+        <p:style>
+          <a:lnRef idx="1">
+            <a:schemeClr val="accent1"/>
+          </a:lnRef>
+          <a:fillRef idx="0">
+            <a:schemeClr val="accent1"/>
+          </a:fillRef>
+          <a:effectRef idx="0">
+            <a:schemeClr val="accent1"/>
+          </a:effectRef>
+          <a:fontRef idx="minor">
+            <a:schemeClr val="tx1"/>
+          </a:fontRef>
+        </p:style>
+      </p:cxnSp>
+      <p:cxnSp>
+        <p:nvCxnSpPr>
+          <p:cNvPr id="21" name="Straight Connector 20">
+            <a:extLst>
+              <a:ext uri="{FF2B5EF4-FFF2-40B4-BE49-F238E27FC236}">
+                <a16:creationId xmlns:a16="http://schemas.microsoft.com/office/drawing/2014/main" id="{BDD8294A-87C9-4F67-86D8-F91BDA4482F7}"/>
+              </a:ext>
+            </a:extLst>
+          </p:cNvPr>
+          <p:cNvCxnSpPr>
+            <a:cxnSpLocks/>
+          </p:cNvCxnSpPr>
+          <p:nvPr/>
+        </p:nvCxnSpPr>
+        <p:spPr>
+          <a:xfrm flipH="1" flipV="1">
+            <a:off x="9964287" y="3806256"/>
+            <a:ext cx="490889" cy="1078030"/>
+          </a:xfrm>
+          <a:prstGeom prst="line">
+            <a:avLst/>
+          </a:prstGeom>
+          <a:ln w="47625"/>
+        </p:spPr>
+        <p:style>
+          <a:lnRef idx="1">
+            <a:schemeClr val="accent1"/>
+          </a:lnRef>
+          <a:fillRef idx="0">
+            <a:schemeClr val="accent1"/>
+          </a:fillRef>
+          <a:effectRef idx="0">
+            <a:schemeClr val="accent1"/>
+          </a:effectRef>
+          <a:fontRef idx="minor">
+            <a:schemeClr val="tx1"/>
+          </a:fontRef>
+        </p:style>
+      </p:cxnSp>
+      <p:cxnSp>
+        <p:nvCxnSpPr>
+          <p:cNvPr id="24" name="Straight Connector 23">
+            <a:extLst>
+              <a:ext uri="{FF2B5EF4-FFF2-40B4-BE49-F238E27FC236}">
+                <a16:creationId xmlns:a16="http://schemas.microsoft.com/office/drawing/2014/main" id="{88A243F0-C029-49F9-80D0-123E1D0F1485}"/>
+              </a:ext>
+            </a:extLst>
+          </p:cNvPr>
+          <p:cNvCxnSpPr>
+            <a:cxnSpLocks/>
+          </p:cNvCxnSpPr>
+          <p:nvPr/>
+        </p:nvCxnSpPr>
+        <p:spPr>
+          <a:xfrm flipV="1">
+            <a:off x="8876633" y="3806256"/>
+            <a:ext cx="1087654" cy="211756"/>
+          </a:xfrm>
+          <a:prstGeom prst="line">
+            <a:avLst/>
+          </a:prstGeom>
+          <a:ln w="47625"/>
+        </p:spPr>
+        <p:style>
+          <a:lnRef idx="1">
+            <a:schemeClr val="accent1"/>
+          </a:lnRef>
+          <a:fillRef idx="0">
+            <a:schemeClr val="accent1"/>
+          </a:fillRef>
+          <a:effectRef idx="0">
+            <a:schemeClr val="accent1"/>
+          </a:effectRef>
+          <a:fontRef idx="minor">
+            <a:schemeClr val="tx1"/>
+          </a:fontRef>
+        </p:style>
+      </p:cxnSp>
+    </p:spTree>
+    <p:extLst>
+      <p:ext uri="{BB962C8B-B14F-4D97-AF65-F5344CB8AC3E}">
+        <p14:creationId xmlns:p14="http://schemas.microsoft.com/office/powerpoint/2010/main" val="3078877824"/>
+      </p:ext>
+    </p:extLst>
+  </p:cSld>
+  <p:clrMapOvr>
+    <a:masterClrMapping/>
+  </p:clrMapOvr>
+</p:sld>
+</file>
+
+<file path=ppt/slides/slide36.xml><?xml version="1.0" encoding="utf-8"?>
 <p:sld xmlns:a="http://schemas.openxmlformats.org/drawingml/2006/main" xmlns:r="http://schemas.openxmlformats.org/officeDocument/2006/relationships" xmlns:p="http://schemas.openxmlformats.org/presentationml/2006/main">
   <p:cSld>
     <p:spTree>
@@ -20372,7 +20809,7 @@
 </p:sld>
 </file>
 
-<file path=ppt/slides/slide36.xml><?xml version="1.0" encoding="utf-8"?>
+<file path=ppt/slides/slide37.xml><?xml version="1.0" encoding="utf-8"?>
 <p:sld xmlns:a="http://schemas.openxmlformats.org/drawingml/2006/main" xmlns:r="http://schemas.openxmlformats.org/officeDocument/2006/relationships" xmlns:p="http://schemas.openxmlformats.org/presentationml/2006/main">
   <p:cSld>
     <p:spTree>
@@ -21157,7 +21594,7 @@
 </p:sld>
 </file>
 
-<file path=ppt/slides/slide37.xml><?xml version="1.0" encoding="utf-8"?>
+<file path=ppt/slides/slide38.xml><?xml version="1.0" encoding="utf-8"?>
 <p:sld xmlns:a="http://schemas.openxmlformats.org/drawingml/2006/main" xmlns:r="http://schemas.openxmlformats.org/officeDocument/2006/relationships" xmlns:p="http://schemas.openxmlformats.org/presentationml/2006/main">
   <p:cSld>
     <p:spTree>
@@ -21267,8 +21704,8 @@
           </a:p>
         </p:txBody>
       </p:sp>
-      <mc:AlternateContent xmlns:mc="http://schemas.openxmlformats.org/markup-compatibility/2006">
-        <mc:Choice xmlns:p14="http://schemas.microsoft.com/office/powerpoint/2010/main" Requires="p14">
+      <mc:AlternateContent xmlns:mc="http://schemas.openxmlformats.org/markup-compatibility/2006" xmlns:p14="http://schemas.microsoft.com/office/powerpoint/2010/main">
+        <mc:Choice Requires="p14">
           <p:contentPart p14:bwMode="auto" r:id="rId2">
             <p14:nvContentPartPr>
               <p14:cNvPr id="4" name="Ink 3">
@@ -21287,7 +21724,7 @@
             </p14:xfrm>
           </p:contentPart>
         </mc:Choice>
-        <mc:Fallback>
+        <mc:Fallback xmlns="">
           <p:pic>
             <p:nvPicPr>
               <p:cNvPr id="4" name="Ink 3">
@@ -21712,8 +22149,8 @@
           </a:p>
         </p:txBody>
       </p:sp>
-      <mc:AlternateContent xmlns:mc="http://schemas.openxmlformats.org/markup-compatibility/2006">
-        <mc:Choice xmlns:p14="http://schemas.microsoft.com/office/powerpoint/2010/main" Requires="p14">
+      <mc:AlternateContent xmlns:mc="http://schemas.openxmlformats.org/markup-compatibility/2006" xmlns:p14="http://schemas.microsoft.com/office/powerpoint/2010/main">
+        <mc:Choice Requires="p14">
           <p:contentPart p14:bwMode="auto" r:id="rId4">
             <p14:nvContentPartPr>
               <p14:cNvPr id="36" name="Ink 35">
@@ -21732,7 +22169,7 @@
             </p14:xfrm>
           </p:contentPart>
         </mc:Choice>
-        <mc:Fallback>
+        <mc:Fallback xmlns="">
           <p:pic>
             <p:nvPicPr>
               <p:cNvPr id="36" name="Ink 35">
@@ -21763,8 +22200,8 @@
           </p:pic>
         </mc:Fallback>
       </mc:AlternateContent>
-      <mc:AlternateContent xmlns:mc="http://schemas.openxmlformats.org/markup-compatibility/2006">
-        <mc:Choice xmlns:p14="http://schemas.microsoft.com/office/powerpoint/2010/main" Requires="p14">
+      <mc:AlternateContent xmlns:mc="http://schemas.openxmlformats.org/markup-compatibility/2006" xmlns:p14="http://schemas.microsoft.com/office/powerpoint/2010/main">
+        <mc:Choice Requires="p14">
           <p:contentPart p14:bwMode="auto" r:id="rId6">
             <p14:nvContentPartPr>
               <p14:cNvPr id="43" name="Ink 42">
@@ -21783,7 +22220,7 @@
             </p14:xfrm>
           </p:contentPart>
         </mc:Choice>
-        <mc:Fallback>
+        <mc:Fallback xmlns="">
           <p:pic>
             <p:nvPicPr>
               <p:cNvPr id="43" name="Ink 42">
@@ -21814,8 +22251,8 @@
           </p:pic>
         </mc:Fallback>
       </mc:AlternateContent>
-      <mc:AlternateContent xmlns:mc="http://schemas.openxmlformats.org/markup-compatibility/2006">
-        <mc:Choice xmlns:p14="http://schemas.microsoft.com/office/powerpoint/2010/main" Requires="p14">
+      <mc:AlternateContent xmlns:mc="http://schemas.openxmlformats.org/markup-compatibility/2006" xmlns:p14="http://schemas.microsoft.com/office/powerpoint/2010/main">
+        <mc:Choice Requires="p14">
           <p:contentPart p14:bwMode="auto" r:id="rId8">
             <p14:nvContentPartPr>
               <p14:cNvPr id="5" name="Ink 4">
@@ -21834,7 +22271,7 @@
             </p14:xfrm>
           </p:contentPart>
         </mc:Choice>
-        <mc:Fallback>
+        <mc:Fallback xmlns="">
           <p:pic>
             <p:nvPicPr>
               <p:cNvPr id="5" name="Ink 4">
@@ -21878,7 +22315,7 @@
 </p:sld>
 </file>
 
-<file path=ppt/slides/slide38.xml><?xml version="1.0" encoding="utf-8"?>
+<file path=ppt/slides/slide39.xml><?xml version="1.0" encoding="utf-8"?>
 <p:sld xmlns:a="http://schemas.openxmlformats.org/drawingml/2006/main" xmlns:r="http://schemas.openxmlformats.org/officeDocument/2006/relationships" xmlns:p="http://schemas.openxmlformats.org/presentationml/2006/main">
   <p:cSld>
     <p:spTree>
@@ -22042,8 +22479,8 @@
           </a:p>
         </p:txBody>
       </p:sp>
-      <mc:AlternateContent xmlns:mc="http://schemas.openxmlformats.org/markup-compatibility/2006">
-        <mc:Choice xmlns:p14="http://schemas.microsoft.com/office/powerpoint/2010/main" Requires="p14">
+      <mc:AlternateContent xmlns:mc="http://schemas.openxmlformats.org/markup-compatibility/2006" xmlns:p14="http://schemas.microsoft.com/office/powerpoint/2010/main">
+        <mc:Choice Requires="p14">
           <p:contentPart p14:bwMode="auto" r:id="rId2">
             <p14:nvContentPartPr>
               <p14:cNvPr id="4" name="Ink 3">
@@ -22062,7 +22499,7 @@
             </p14:xfrm>
           </p:contentPart>
         </mc:Choice>
-        <mc:Fallback>
+        <mc:Fallback xmlns="">
           <p:pic>
             <p:nvPicPr>
               <p:cNvPr id="4" name="Ink 3">
@@ -22487,8 +22924,8 @@
           </a:p>
         </p:txBody>
       </p:sp>
-      <mc:AlternateContent xmlns:mc="http://schemas.openxmlformats.org/markup-compatibility/2006">
-        <mc:Choice xmlns:p14="http://schemas.microsoft.com/office/powerpoint/2010/main" Requires="p14">
+      <mc:AlternateContent xmlns:mc="http://schemas.openxmlformats.org/markup-compatibility/2006" xmlns:p14="http://schemas.microsoft.com/office/powerpoint/2010/main">
+        <mc:Choice Requires="p14">
           <p:contentPart p14:bwMode="auto" r:id="rId4">
             <p14:nvContentPartPr>
               <p14:cNvPr id="36" name="Ink 35">
@@ -22507,7 +22944,7 @@
             </p14:xfrm>
           </p:contentPart>
         </mc:Choice>
-        <mc:Fallback>
+        <mc:Fallback xmlns="">
           <p:pic>
             <p:nvPicPr>
               <p:cNvPr id="36" name="Ink 35">
@@ -22538,8 +22975,8 @@
           </p:pic>
         </mc:Fallback>
       </mc:AlternateContent>
-      <mc:AlternateContent xmlns:mc="http://schemas.openxmlformats.org/markup-compatibility/2006">
-        <mc:Choice xmlns:p14="http://schemas.microsoft.com/office/powerpoint/2010/main" Requires="p14">
+      <mc:AlternateContent xmlns:mc="http://schemas.openxmlformats.org/markup-compatibility/2006" xmlns:p14="http://schemas.microsoft.com/office/powerpoint/2010/main">
+        <mc:Choice Requires="p14">
           <p:contentPart p14:bwMode="auto" r:id="rId6">
             <p14:nvContentPartPr>
               <p14:cNvPr id="43" name="Ink 42">
@@ -22558,7 +22995,7 @@
             </p14:xfrm>
           </p:contentPart>
         </mc:Choice>
-        <mc:Fallback>
+        <mc:Fallback xmlns="">
           <p:pic>
             <p:nvPicPr>
               <p:cNvPr id="43" name="Ink 42">
@@ -22589,8 +23026,8 @@
           </p:pic>
         </mc:Fallback>
       </mc:AlternateContent>
-      <mc:AlternateContent xmlns:mc="http://schemas.openxmlformats.org/markup-compatibility/2006">
-        <mc:Choice xmlns:p14="http://schemas.microsoft.com/office/powerpoint/2010/main" Requires="p14">
+      <mc:AlternateContent xmlns:mc="http://schemas.openxmlformats.org/markup-compatibility/2006" xmlns:p14="http://schemas.microsoft.com/office/powerpoint/2010/main">
+        <mc:Choice Requires="p14">
           <p:contentPart p14:bwMode="auto" r:id="rId8">
             <p14:nvContentPartPr>
               <p14:cNvPr id="5" name="Ink 4">
@@ -22609,7 +23046,7 @@
             </p14:xfrm>
           </p:contentPart>
         </mc:Choice>
-        <mc:Fallback>
+        <mc:Fallback xmlns="">
           <p:pic>
             <p:nvPicPr>
               <p:cNvPr id="5" name="Ink 4">
@@ -22653,7 +23090,576 @@
 </p:sld>
 </file>
 
-<file path=ppt/slides/slide39.xml><?xml version="1.0" encoding="utf-8"?>
+<file path=ppt/slides/slide4.xml><?xml version="1.0" encoding="utf-8"?>
+<p:sld xmlns:a="http://schemas.openxmlformats.org/drawingml/2006/main" xmlns:r="http://schemas.openxmlformats.org/officeDocument/2006/relationships" xmlns:p="http://schemas.openxmlformats.org/presentationml/2006/main">
+  <p:cSld>
+    <p:spTree>
+      <p:nvGrpSpPr>
+        <p:cNvPr id="1" name=""/>
+        <p:cNvGrpSpPr/>
+        <p:nvPr/>
+      </p:nvGrpSpPr>
+      <p:grpSpPr>
+        <a:xfrm>
+          <a:off x="0" y="0"/>
+          <a:ext cx="0" cy="0"/>
+          <a:chOff x="0" y="0"/>
+          <a:chExt cx="0" cy="0"/>
+        </a:xfrm>
+      </p:grpSpPr>
+      <p:sp>
+        <p:nvSpPr>
+          <p:cNvPr id="2" name="Title 1">
+            <a:extLst>
+              <a:ext uri="{FF2B5EF4-FFF2-40B4-BE49-F238E27FC236}">
+                <a16:creationId xmlns:a16="http://schemas.microsoft.com/office/drawing/2014/main" id="{8C7DDBE8-36CC-4927-9870-E0F8CEA9D030}"/>
+              </a:ext>
+            </a:extLst>
+          </p:cNvPr>
+          <p:cNvSpPr>
+            <a:spLocks noGrp="1"/>
+          </p:cNvSpPr>
+          <p:nvPr>
+            <p:ph type="title"/>
+          </p:nvPr>
+        </p:nvSpPr>
+        <p:spPr>
+          <a:xfrm>
+            <a:off x="838200" y="618266"/>
+            <a:ext cx="10515600" cy="1325563"/>
+          </a:xfrm>
+        </p:spPr>
+        <p:txBody>
+          <a:bodyPr>
+            <a:normAutofit fontScale="90000"/>
+          </a:bodyPr>
+          <a:lstStyle/>
+          <a:p>
+            <a:r>
+              <a:rPr lang="en-US" dirty="0"/>
+              <a:t>A demonstration script exists that shows most of the functionality in this document:</a:t>
+            </a:r>
+            <a:br>
+              <a:rPr lang="en-US" dirty="0"/>
+            </a:br>
+            <a:r>
+              <a:rPr lang="en-US" dirty="0" err="1">
+                <a:solidFill>
+                  <a:srgbClr val="028009"/>
+                </a:solidFill>
+                <a:latin typeface="Courier New" panose="02070309020205020404" pitchFamily="49" charset="0"/>
+              </a:rPr>
+              <a:t>script_demo_MapGenLibrary</a:t>
+            </a:r>
+            <a:br>
+              <a:rPr lang="en-US" dirty="0">
+                <a:solidFill>
+                  <a:srgbClr val="028009"/>
+                </a:solidFill>
+                <a:latin typeface="Courier New" panose="02070309020205020404" pitchFamily="49" charset="0"/>
+              </a:rPr>
+            </a:br>
+            <a:endParaRPr lang="en-US" dirty="0"/>
+          </a:p>
+        </p:txBody>
+      </p:sp>
+      <p:sp>
+        <p:nvSpPr>
+          <p:cNvPr id="4" name="Rectangle 3">
+            <a:extLst>
+              <a:ext uri="{FF2B5EF4-FFF2-40B4-BE49-F238E27FC236}">
+                <a16:creationId xmlns:a16="http://schemas.microsoft.com/office/drawing/2014/main" id="{ED6B6C78-C512-4D1D-90D5-01BF838E0A27}"/>
+              </a:ext>
+            </a:extLst>
+          </p:cNvPr>
+          <p:cNvSpPr/>
+          <p:nvPr/>
+        </p:nvSpPr>
+        <p:spPr>
+          <a:xfrm>
+            <a:off x="374433" y="2022133"/>
+            <a:ext cx="5909136" cy="2446824"/>
+          </a:xfrm>
+          <a:prstGeom prst="rect">
+            <a:avLst/>
+          </a:prstGeom>
+          <a:solidFill>
+            <a:schemeClr val="accent4">
+              <a:lumMod val="20000"/>
+              <a:lumOff val="80000"/>
+            </a:schemeClr>
+          </a:solidFill>
+        </p:spPr>
+        <p:txBody>
+          <a:bodyPr wrap="square">
+            <a:spAutoFit/>
+          </a:bodyPr>
+          <a:lstStyle/>
+          <a:p>
+            <a:r>
+              <a:rPr lang="en-US" sz="900" dirty="0">
+                <a:solidFill>
+                  <a:srgbClr val="028009"/>
+                </a:solidFill>
+                <a:latin typeface="Courier New" panose="02070309020205020404" pitchFamily="49" charset="0"/>
+              </a:rPr>
+              <a:t>%% Show how inputs are checked</a:t>
+            </a:r>
+          </a:p>
+          <a:p>
+            <a:r>
+              <a:rPr lang="en-US" sz="900" dirty="0" err="1">
+                <a:solidFill>
+                  <a:srgbClr val="000000"/>
+                </a:solidFill>
+                <a:latin typeface="Courier New" panose="02070309020205020404" pitchFamily="49" charset="0"/>
+              </a:rPr>
+              <a:t>Twocolumn_of_numbers_test</a:t>
+            </a:r>
+            <a:r>
+              <a:rPr lang="en-US" sz="900" dirty="0">
+                <a:solidFill>
+                  <a:srgbClr val="000000"/>
+                </a:solidFill>
+                <a:latin typeface="Courier New" panose="02070309020205020404" pitchFamily="49" charset="0"/>
+              </a:rPr>
+              <a:t> = [4 1; 3 0; 2 5];</a:t>
+            </a:r>
+          </a:p>
+          <a:p>
+            <a:r>
+              <a:rPr lang="en-US" sz="900" dirty="0" err="1">
+                <a:solidFill>
+                  <a:srgbClr val="000000"/>
+                </a:solidFill>
+                <a:latin typeface="Courier New" panose="02070309020205020404" pitchFamily="49" charset="0"/>
+              </a:rPr>
+              <a:t>fcn_MapGen_checkInputsToFunctions</a:t>
+            </a:r>
+            <a:r>
+              <a:rPr lang="en-US" sz="900" dirty="0">
+                <a:solidFill>
+                  <a:srgbClr val="000000"/>
+                </a:solidFill>
+                <a:latin typeface="Courier New" panose="02070309020205020404" pitchFamily="49" charset="0"/>
+              </a:rPr>
+              <a:t>(</a:t>
+            </a:r>
+            <a:r>
+              <a:rPr lang="en-US" sz="900" dirty="0" err="1">
+                <a:solidFill>
+                  <a:srgbClr val="000000"/>
+                </a:solidFill>
+                <a:latin typeface="Courier New" panose="02070309020205020404" pitchFamily="49" charset="0"/>
+              </a:rPr>
+              <a:t>Twocolumn_of_numbers_test</a:t>
+            </a:r>
+            <a:r>
+              <a:rPr lang="en-US" sz="900" dirty="0">
+                <a:solidFill>
+                  <a:srgbClr val="000000"/>
+                </a:solidFill>
+                <a:latin typeface="Courier New" panose="02070309020205020404" pitchFamily="49" charset="0"/>
+              </a:rPr>
+              <a:t>, </a:t>
+            </a:r>
+            <a:r>
+              <a:rPr lang="en-US" sz="900" dirty="0">
+                <a:solidFill>
+                  <a:srgbClr val="AA04F9"/>
+                </a:solidFill>
+                <a:latin typeface="Courier New" panose="02070309020205020404" pitchFamily="49" charset="0"/>
+              </a:rPr>
+              <a:t>'2column_of_numbers'</a:t>
+            </a:r>
+            <a:r>
+              <a:rPr lang="en-US" sz="900" dirty="0">
+                <a:solidFill>
+                  <a:srgbClr val="000000"/>
+                </a:solidFill>
+                <a:latin typeface="Courier New" panose="02070309020205020404" pitchFamily="49" charset="0"/>
+              </a:rPr>
+              <a:t>);</a:t>
+            </a:r>
+          </a:p>
+          <a:p>
+            <a:r>
+              <a:rPr lang="en-US" sz="900" dirty="0">
+                <a:solidFill>
+                  <a:srgbClr val="000000"/>
+                </a:solidFill>
+                <a:latin typeface="Courier New" panose="02070309020205020404" pitchFamily="49" charset="0"/>
+              </a:rPr>
+              <a:t> </a:t>
+            </a:r>
+          </a:p>
+          <a:p>
+            <a:r>
+              <a:rPr lang="en-US" sz="900" dirty="0">
+                <a:solidFill>
+                  <a:srgbClr val="000000"/>
+                </a:solidFill>
+                <a:latin typeface="Courier New" panose="02070309020205020404" pitchFamily="49" charset="0"/>
+              </a:rPr>
+              <a:t> </a:t>
+            </a:r>
+          </a:p>
+          <a:p>
+            <a:r>
+              <a:rPr lang="en-US" sz="900" dirty="0">
+                <a:solidFill>
+                  <a:srgbClr val="028009"/>
+                </a:solidFill>
+                <a:latin typeface="Courier New" panose="02070309020205020404" pitchFamily="49" charset="0"/>
+              </a:rPr>
+              <a:t>%% Generate a set of polytopes from various pseudo-random sources</a:t>
+            </a:r>
+          </a:p>
+          <a:p>
+            <a:r>
+              <a:rPr lang="en-US" sz="900" dirty="0">
+                <a:solidFill>
+                  <a:srgbClr val="028009"/>
+                </a:solidFill>
+                <a:latin typeface="Courier New" panose="02070309020205020404" pitchFamily="49" charset="0"/>
+              </a:rPr>
+              <a:t>% Generate a set of polytopes from the </a:t>
+            </a:r>
+            <a:r>
+              <a:rPr lang="en-US" sz="900" dirty="0" err="1">
+                <a:solidFill>
+                  <a:srgbClr val="028009"/>
+                </a:solidFill>
+                <a:latin typeface="Courier New" panose="02070309020205020404" pitchFamily="49" charset="0"/>
+              </a:rPr>
+              <a:t>Sobol</a:t>
+            </a:r>
+            <a:r>
+              <a:rPr lang="en-US" sz="900" dirty="0">
+                <a:solidFill>
+                  <a:srgbClr val="028009"/>
+                </a:solidFill>
+                <a:latin typeface="Courier New" panose="02070309020205020404" pitchFamily="49" charset="0"/>
+              </a:rPr>
+              <a:t> set</a:t>
+            </a:r>
+          </a:p>
+          <a:p>
+            <a:r>
+              <a:rPr lang="en-US" sz="900" dirty="0" err="1">
+                <a:solidFill>
+                  <a:srgbClr val="000000"/>
+                </a:solidFill>
+                <a:latin typeface="Courier New" panose="02070309020205020404" pitchFamily="49" charset="0"/>
+              </a:rPr>
+              <a:t>fig_num</a:t>
+            </a:r>
+            <a:r>
+              <a:rPr lang="en-US" sz="900" dirty="0">
+                <a:solidFill>
+                  <a:srgbClr val="000000"/>
+                </a:solidFill>
+                <a:latin typeface="Courier New" panose="02070309020205020404" pitchFamily="49" charset="0"/>
+              </a:rPr>
+              <a:t> = 11;</a:t>
+            </a:r>
+          </a:p>
+          <a:p>
+            <a:r>
+              <a:rPr lang="en-US" sz="900" dirty="0" err="1">
+                <a:solidFill>
+                  <a:srgbClr val="000000"/>
+                </a:solidFill>
+                <a:latin typeface="Courier New" panose="02070309020205020404" pitchFamily="49" charset="0"/>
+              </a:rPr>
+              <a:t>Sobol_range</a:t>
+            </a:r>
+            <a:r>
+              <a:rPr lang="en-US" sz="900" dirty="0">
+                <a:solidFill>
+                  <a:srgbClr val="000000"/>
+                </a:solidFill>
+                <a:latin typeface="Courier New" panose="02070309020205020404" pitchFamily="49" charset="0"/>
+              </a:rPr>
+              <a:t> = [1 1000]; </a:t>
+            </a:r>
+            <a:r>
+              <a:rPr lang="en-US" sz="900" dirty="0">
+                <a:solidFill>
+                  <a:srgbClr val="028009"/>
+                </a:solidFill>
+                <a:latin typeface="Courier New" panose="02070309020205020404" pitchFamily="49" charset="0"/>
+              </a:rPr>
+              <a:t>% range of </a:t>
+            </a:r>
+            <a:r>
+              <a:rPr lang="en-US" sz="900" dirty="0" err="1">
+                <a:solidFill>
+                  <a:srgbClr val="028009"/>
+                </a:solidFill>
+                <a:latin typeface="Courier New" panose="02070309020205020404" pitchFamily="49" charset="0"/>
+              </a:rPr>
+              <a:t>Sobol</a:t>
+            </a:r>
+            <a:r>
+              <a:rPr lang="en-US" sz="900" dirty="0">
+                <a:solidFill>
+                  <a:srgbClr val="028009"/>
+                </a:solidFill>
+                <a:latin typeface="Courier New" panose="02070309020205020404" pitchFamily="49" charset="0"/>
+              </a:rPr>
+              <a:t> points to use to generate the tiling</a:t>
+            </a:r>
+          </a:p>
+          <a:p>
+            <a:r>
+              <a:rPr lang="en-US" sz="900" dirty="0" err="1">
+                <a:solidFill>
+                  <a:srgbClr val="000000"/>
+                </a:solidFill>
+                <a:latin typeface="Courier New" panose="02070309020205020404" pitchFamily="49" charset="0"/>
+              </a:rPr>
+              <a:t>tiled_polytopes</a:t>
+            </a:r>
+            <a:r>
+              <a:rPr lang="en-US" sz="900" dirty="0">
+                <a:solidFill>
+                  <a:srgbClr val="000000"/>
+                </a:solidFill>
+                <a:latin typeface="Courier New" panose="02070309020205020404" pitchFamily="49" charset="0"/>
+              </a:rPr>
+              <a:t> = </a:t>
+            </a:r>
+            <a:r>
+              <a:rPr lang="en-US" sz="900" dirty="0" err="1">
+                <a:solidFill>
+                  <a:srgbClr val="000000"/>
+                </a:solidFill>
+                <a:latin typeface="Courier New" panose="02070309020205020404" pitchFamily="49" charset="0"/>
+              </a:rPr>
+              <a:t>fcn_MapGen_sobolVoronoiTiling</a:t>
+            </a:r>
+            <a:r>
+              <a:rPr lang="en-US" sz="900" dirty="0">
+                <a:solidFill>
+                  <a:srgbClr val="000000"/>
+                </a:solidFill>
+                <a:latin typeface="Courier New" panose="02070309020205020404" pitchFamily="49" charset="0"/>
+              </a:rPr>
+              <a:t>(</a:t>
+            </a:r>
+            <a:r>
+              <a:rPr lang="en-US" sz="900" dirty="0" err="1">
+                <a:solidFill>
+                  <a:srgbClr val="000000"/>
+                </a:solidFill>
+                <a:latin typeface="Courier New" panose="02070309020205020404" pitchFamily="49" charset="0"/>
+              </a:rPr>
+              <a:t>Sobol_range</a:t>
+            </a:r>
+            <a:r>
+              <a:rPr lang="en-US" sz="900" dirty="0">
+                <a:solidFill>
+                  <a:srgbClr val="000000"/>
+                </a:solidFill>
+                <a:latin typeface="Courier New" panose="02070309020205020404" pitchFamily="49" charset="0"/>
+              </a:rPr>
+              <a:t>,[1 1],</a:t>
+            </a:r>
+            <a:r>
+              <a:rPr lang="en-US" sz="900" dirty="0" err="1">
+                <a:solidFill>
+                  <a:srgbClr val="000000"/>
+                </a:solidFill>
+                <a:latin typeface="Courier New" panose="02070309020205020404" pitchFamily="49" charset="0"/>
+              </a:rPr>
+              <a:t>fig_num</a:t>
+            </a:r>
+            <a:r>
+              <a:rPr lang="en-US" sz="900" dirty="0">
+                <a:solidFill>
+                  <a:srgbClr val="000000"/>
+                </a:solidFill>
+                <a:latin typeface="Courier New" panose="02070309020205020404" pitchFamily="49" charset="0"/>
+              </a:rPr>
+              <a:t>);</a:t>
+            </a:r>
+          </a:p>
+          <a:p>
+            <a:r>
+              <a:rPr lang="en-US" sz="900" dirty="0">
+                <a:solidFill>
+                  <a:srgbClr val="000000"/>
+                </a:solidFill>
+                <a:latin typeface="Courier New" panose="02070309020205020404" pitchFamily="49" charset="0"/>
+              </a:rPr>
+              <a:t> </a:t>
+            </a:r>
+          </a:p>
+          <a:p>
+            <a:r>
+              <a:rPr lang="en-US" sz="900" dirty="0">
+                <a:solidFill>
+                  <a:srgbClr val="000000"/>
+                </a:solidFill>
+                <a:latin typeface="Courier New" panose="02070309020205020404" pitchFamily="49" charset="0"/>
+              </a:rPr>
+              <a:t> </a:t>
+            </a:r>
+          </a:p>
+          <a:p>
+            <a:r>
+              <a:rPr lang="en-US" sz="900" dirty="0">
+                <a:solidFill>
+                  <a:srgbClr val="028009"/>
+                </a:solidFill>
+                <a:latin typeface="Courier New" panose="02070309020205020404" pitchFamily="49" charset="0"/>
+              </a:rPr>
+              <a:t>% Generate a set of polytopes from the Halton set</a:t>
+            </a:r>
+          </a:p>
+          <a:p>
+            <a:r>
+              <a:rPr lang="en-US" sz="900" dirty="0" err="1">
+                <a:solidFill>
+                  <a:srgbClr val="000000"/>
+                </a:solidFill>
+                <a:latin typeface="Courier New" panose="02070309020205020404" pitchFamily="49" charset="0"/>
+              </a:rPr>
+              <a:t>fig_num</a:t>
+            </a:r>
+            <a:r>
+              <a:rPr lang="en-US" sz="900" dirty="0">
+                <a:solidFill>
+                  <a:srgbClr val="000000"/>
+                </a:solidFill>
+                <a:latin typeface="Courier New" panose="02070309020205020404" pitchFamily="49" charset="0"/>
+              </a:rPr>
+              <a:t> = 12;</a:t>
+            </a:r>
+          </a:p>
+          <a:p>
+            <a:r>
+              <a:rPr lang="en-US" sz="900" dirty="0" err="1">
+                <a:solidFill>
+                  <a:srgbClr val="000000"/>
+                </a:solidFill>
+                <a:latin typeface="Courier New" panose="02070309020205020404" pitchFamily="49" charset="0"/>
+              </a:rPr>
+              <a:t>Halton_range</a:t>
+            </a:r>
+            <a:r>
+              <a:rPr lang="en-US" sz="900" dirty="0">
+                <a:solidFill>
+                  <a:srgbClr val="000000"/>
+                </a:solidFill>
+                <a:latin typeface="Courier New" panose="02070309020205020404" pitchFamily="49" charset="0"/>
+              </a:rPr>
+              <a:t> = [1 1000]; </a:t>
+            </a:r>
+            <a:r>
+              <a:rPr lang="en-US" sz="900" dirty="0">
+                <a:solidFill>
+                  <a:srgbClr val="028009"/>
+                </a:solidFill>
+                <a:latin typeface="Courier New" panose="02070309020205020404" pitchFamily="49" charset="0"/>
+              </a:rPr>
+              <a:t>% range of Halton points to use to generate the tiling</a:t>
+            </a:r>
+          </a:p>
+          <a:p>
+            <a:r>
+              <a:rPr lang="en-US" sz="900" dirty="0" err="1">
+                <a:solidFill>
+                  <a:srgbClr val="000000"/>
+                </a:solidFill>
+                <a:latin typeface="Courier New" panose="02070309020205020404" pitchFamily="49" charset="0"/>
+              </a:rPr>
+              <a:t>tiled_polytopes</a:t>
+            </a:r>
+            <a:r>
+              <a:rPr lang="en-US" sz="900" dirty="0">
+                <a:solidFill>
+                  <a:srgbClr val="000000"/>
+                </a:solidFill>
+                <a:latin typeface="Courier New" panose="02070309020205020404" pitchFamily="49" charset="0"/>
+              </a:rPr>
+              <a:t> = </a:t>
+            </a:r>
+            <a:r>
+              <a:rPr lang="en-US" sz="900" dirty="0" err="1">
+                <a:solidFill>
+                  <a:srgbClr val="000000"/>
+                </a:solidFill>
+                <a:latin typeface="Courier New" panose="02070309020205020404" pitchFamily="49" charset="0"/>
+              </a:rPr>
+              <a:t>fcn_MapGen_haltonVoronoiTiling</a:t>
+            </a:r>
+            <a:r>
+              <a:rPr lang="en-US" sz="900" dirty="0">
+                <a:solidFill>
+                  <a:srgbClr val="000000"/>
+                </a:solidFill>
+                <a:latin typeface="Courier New" panose="02070309020205020404" pitchFamily="49" charset="0"/>
+              </a:rPr>
+              <a:t>(</a:t>
+            </a:r>
+            <a:r>
+              <a:rPr lang="en-US" sz="900" dirty="0" err="1">
+                <a:solidFill>
+                  <a:srgbClr val="000000"/>
+                </a:solidFill>
+                <a:latin typeface="Courier New" panose="02070309020205020404" pitchFamily="49" charset="0"/>
+              </a:rPr>
+              <a:t>Halton_range</a:t>
+            </a:r>
+            <a:r>
+              <a:rPr lang="en-US" sz="900" dirty="0">
+                <a:solidFill>
+                  <a:srgbClr val="000000"/>
+                </a:solidFill>
+                <a:latin typeface="Courier New" panose="02070309020205020404" pitchFamily="49" charset="0"/>
+              </a:rPr>
+              <a:t>,[1 1],</a:t>
+            </a:r>
+            <a:r>
+              <a:rPr lang="en-US" sz="900" dirty="0" err="1">
+                <a:solidFill>
+                  <a:srgbClr val="000000"/>
+                </a:solidFill>
+                <a:latin typeface="Courier New" panose="02070309020205020404" pitchFamily="49" charset="0"/>
+              </a:rPr>
+              <a:t>fig_num</a:t>
+            </a:r>
+            <a:r>
+              <a:rPr lang="en-US" sz="900" dirty="0">
+                <a:solidFill>
+                  <a:srgbClr val="000000"/>
+                </a:solidFill>
+                <a:latin typeface="Courier New" panose="02070309020205020404" pitchFamily="49" charset="0"/>
+              </a:rPr>
+              <a:t>);</a:t>
+            </a:r>
+          </a:p>
+          <a:p>
+            <a:endParaRPr lang="en-US" sz="900" dirty="0"/>
+          </a:p>
+        </p:txBody>
+      </p:sp>
+    </p:spTree>
+    <p:extLst>
+      <p:ext uri="{BB962C8B-B14F-4D97-AF65-F5344CB8AC3E}">
+        <p14:creationId xmlns:p14="http://schemas.microsoft.com/office/powerpoint/2010/main" val="3684799925"/>
+      </p:ext>
+    </p:extLst>
+  </p:cSld>
+  <p:clrMapOvr>
+    <a:masterClrMapping/>
+  </p:clrMapOvr>
+</p:sld>
+</file>
+
+<file path=ppt/slides/slide40.xml><?xml version="1.0" encoding="utf-8"?>
 <p:sld xmlns:a="http://schemas.openxmlformats.org/drawingml/2006/main" xmlns:r="http://schemas.openxmlformats.org/officeDocument/2006/relationships" xmlns:p="http://schemas.openxmlformats.org/presentationml/2006/main">
   <p:cSld>
     <p:spTree>
@@ -22794,7 +23800,7 @@
                 <a:ea typeface="+mn-ea"/>
                 <a:cs typeface="+mn-cs"/>
               </a:rPr>
-              <a:t>The inserted sequence is:</a:t>
+              <a:t>The sequence after insertions is:</a:t>
             </a:r>
           </a:p>
           <a:p>
@@ -22861,8 +23867,8 @@
           </a:p>
         </p:txBody>
       </p:sp>
-      <mc:AlternateContent xmlns:mc="http://schemas.openxmlformats.org/markup-compatibility/2006">
-        <mc:Choice xmlns:p14="http://schemas.microsoft.com/office/powerpoint/2010/main" Requires="p14">
+      <mc:AlternateContent xmlns:mc="http://schemas.openxmlformats.org/markup-compatibility/2006" xmlns:p14="http://schemas.microsoft.com/office/powerpoint/2010/main">
+        <mc:Choice Requires="p14">
           <p:contentPart p14:bwMode="auto" r:id="rId2">
             <p14:nvContentPartPr>
               <p14:cNvPr id="9" name="Ink 8">
@@ -22881,7 +23887,7 @@
             </p14:xfrm>
           </p:contentPart>
         </mc:Choice>
-        <mc:Fallback>
+        <mc:Fallback xmlns="">
           <p:pic>
             <p:nvPicPr>
               <p:cNvPr id="9" name="Ink 8">
@@ -22963,8 +23969,8 @@
           </p:pic>
         </mc:Fallback>
       </mc:AlternateContent>
-      <mc:AlternateContent xmlns:mc="http://schemas.openxmlformats.org/markup-compatibility/2006">
-        <mc:Choice xmlns:p14="http://schemas.microsoft.com/office/powerpoint/2010/main" Requires="p14">
+      <mc:AlternateContent xmlns:mc="http://schemas.openxmlformats.org/markup-compatibility/2006" xmlns:p14="http://schemas.microsoft.com/office/powerpoint/2010/main">
+        <mc:Choice Requires="p14">
           <p:contentPart p14:bwMode="auto" r:id="rId6">
             <p14:nvContentPartPr>
               <p14:cNvPr id="13" name="Ink 12">
@@ -22983,7 +23989,7 @@
             </p14:xfrm>
           </p:contentPart>
         </mc:Choice>
-        <mc:Fallback>
+        <mc:Fallback xmlns="">
           <p:pic>
             <p:nvPicPr>
               <p:cNvPr id="13" name="Ink 12">
@@ -23029,8 +24035,8 @@
               <p14:nvPr/>
             </p14:nvContentPartPr>
             <p14:xfrm>
-              <a:off x="6498555" y="3068760"/>
-              <a:ext cx="415080" cy="1981800"/>
+              <a:off x="6180360" y="3068760"/>
+              <a:ext cx="733275" cy="815183"/>
             </p14:xfrm>
           </p:contentPart>
         </mc:Choice>
@@ -23055,8 +24061,8 @@
             </p:blipFill>
             <p:spPr>
               <a:xfrm>
-                <a:off x="6492435" y="3062640"/>
-                <a:ext cx="427320" cy="1994040"/>
+                <a:off x="6174237" y="3062642"/>
+                <a:ext cx="745520" cy="827420"/>
               </a:xfrm>
               <a:prstGeom prst="rect">
                 <a:avLst/>
@@ -23065,8 +24071,8 @@
           </p:pic>
         </mc:Fallback>
       </mc:AlternateContent>
-      <mc:AlternateContent xmlns:mc="http://schemas.openxmlformats.org/markup-compatibility/2006">
-        <mc:Choice xmlns:p14="http://schemas.microsoft.com/office/powerpoint/2010/main" Requires="p14">
+      <mc:AlternateContent xmlns:mc="http://schemas.openxmlformats.org/markup-compatibility/2006" xmlns:p14="http://schemas.microsoft.com/office/powerpoint/2010/main">
+        <mc:Choice Requires="p14">
           <p:contentPart p14:bwMode="auto" r:id="rId10">
             <p14:nvContentPartPr>
               <p14:cNvPr id="21" name="Ink 20">
@@ -23085,7 +24091,7 @@
             </p14:xfrm>
           </p:contentPart>
         </mc:Choice>
-        <mc:Fallback>
+        <mc:Fallback xmlns="">
           <p:pic>
             <p:nvPicPr>
               <p:cNvPr id="21" name="Ink 20">
@@ -23130,9 +24136,9 @@
               <p14:cNvContentPartPr/>
               <p14:nvPr/>
             </p14:nvContentPartPr>
-            <p14:xfrm>
-              <a:off x="6528075" y="3555840"/>
-              <a:ext cx="859680" cy="1481760"/>
+            <p14:xfrm flipV="1">
+              <a:off x="6180360" y="3883943"/>
+              <a:ext cx="945951" cy="690293"/>
             </p14:xfrm>
           </p:contentPart>
         </mc:Choice>
@@ -23156,9 +24162,9 @@
               </a:stretch>
             </p:blipFill>
             <p:spPr>
-              <a:xfrm>
-                <a:off x="6521955" y="3549720"/>
-                <a:ext cx="871920" cy="1494000"/>
+              <a:xfrm flipV="1">
+                <a:off x="6174241" y="3877825"/>
+                <a:ext cx="958189" cy="702530"/>
               </a:xfrm>
               <a:prstGeom prst="rect">
                 <a:avLst/>
@@ -23182,8 +24188,8 @@
               <p14:nvPr/>
             </p14:nvContentPartPr>
             <p14:xfrm>
-              <a:off x="7416915" y="3500760"/>
-              <a:ext cx="656640" cy="51120"/>
+              <a:off x="7142419" y="3094613"/>
+              <a:ext cx="131660" cy="1479623"/>
             </p14:xfrm>
           </p:contentPart>
         </mc:Choice>
@@ -23208,8 +24214,8 @@
             </p:blipFill>
             <p:spPr>
               <a:xfrm>
-                <a:off x="7410795" y="3494640"/>
-                <a:ext cx="668880" cy="63360"/>
+                <a:off x="7136320" y="3088494"/>
+                <a:ext cx="143857" cy="1491860"/>
               </a:xfrm>
               <a:prstGeom prst="rect">
                 <a:avLst/>
@@ -23232,9 +24238,9 @@
               <p14:cNvContentPartPr/>
               <p14:nvPr/>
             </p14:nvContentPartPr>
-            <p14:xfrm>
-              <a:off x="7831995" y="3505080"/>
-              <a:ext cx="258480" cy="948600"/>
+            <p14:xfrm flipH="1">
+              <a:off x="7282083" y="3094613"/>
+              <a:ext cx="549912" cy="1359067"/>
             </p14:xfrm>
           </p:contentPart>
         </mc:Choice>
@@ -23258,9 +24264,9 @@
               </a:stretch>
             </p:blipFill>
             <p:spPr>
-              <a:xfrm>
-                <a:off x="7825875" y="3498600"/>
-                <a:ext cx="270720" cy="960840"/>
+              <a:xfrm flipH="1">
+                <a:off x="7275957" y="3088493"/>
+                <a:ext cx="562164" cy="1371308"/>
               </a:xfrm>
               <a:prstGeom prst="rect">
                 <a:avLst/>
@@ -23269,8 +24275,8 @@
           </p:pic>
         </mc:Fallback>
       </mc:AlternateContent>
-      <mc:AlternateContent xmlns:mc="http://schemas.openxmlformats.org/markup-compatibility/2006">
-        <mc:Choice xmlns:p14="http://schemas.microsoft.com/office/powerpoint/2010/main" Requires="p14">
+      <mc:AlternateContent xmlns:mc="http://schemas.openxmlformats.org/markup-compatibility/2006" xmlns:p14="http://schemas.microsoft.com/office/powerpoint/2010/main">
+        <mc:Choice Requires="p14">
           <p:contentPart p14:bwMode="auto" r:id="rId18">
             <p14:nvContentPartPr>
               <p14:cNvPr id="52" name="Ink 51">
@@ -23289,7 +24295,7 @@
             </p14:xfrm>
           </p:contentPart>
         </mc:Choice>
-        <mc:Fallback>
+        <mc:Fallback xmlns="">
           <p:pic>
             <p:nvPicPr>
               <p:cNvPr id="52" name="Ink 51">
@@ -23336,7 +24342,7 @@
             </p14:nvContentPartPr>
             <p14:xfrm>
               <a:off x="9241395" y="2785080"/>
-              <a:ext cx="449280" cy="1406160"/>
+              <a:ext cx="775080" cy="223515"/>
             </p14:xfrm>
           </p:contentPart>
         </mc:Choice>
@@ -23361,8 +24367,8 @@
             </p:blipFill>
             <p:spPr>
               <a:xfrm>
-                <a:off x="9235275" y="2778960"/>
-                <a:ext cx="461520" cy="1418400"/>
+                <a:off x="9235272" y="2778971"/>
+                <a:ext cx="787326" cy="235733"/>
               </a:xfrm>
               <a:prstGeom prst="rect">
                 <a:avLst/>
@@ -23386,7 +24392,7 @@
               <p14:nvPr/>
             </p14:nvContentPartPr>
             <p14:xfrm>
-              <a:off x="8090115" y="3406440"/>
+              <a:off x="7217605" y="2940240"/>
               <a:ext cx="96480" cy="84240"/>
             </p14:xfrm>
           </p:contentPart>
@@ -23412,7 +24418,7 @@
             </p:blipFill>
             <p:spPr>
               <a:xfrm>
-                <a:off x="8083995" y="3400320"/>
+                <a:off x="7211485" y="2934120"/>
                 <a:ext cx="108720" cy="96480"/>
               </a:xfrm>
               <a:prstGeom prst="rect">
@@ -23422,8 +24428,8 @@
           </p:pic>
         </mc:Fallback>
       </mc:AlternateContent>
-      <mc:AlternateContent xmlns:mc="http://schemas.openxmlformats.org/markup-compatibility/2006">
-        <mc:Choice xmlns:p14="http://schemas.microsoft.com/office/powerpoint/2010/main" Requires="p14">
+      <mc:AlternateContent xmlns:mc="http://schemas.openxmlformats.org/markup-compatibility/2006" xmlns:p14="http://schemas.microsoft.com/office/powerpoint/2010/main">
+        <mc:Choice Requires="p14">
           <p:contentPart p14:bwMode="auto" r:id="rId24">
             <p14:nvContentPartPr>
               <p14:cNvPr id="61" name="Ink 60">
@@ -23442,7 +24448,7 @@
             </p14:xfrm>
           </p:contentPart>
         </mc:Choice>
-        <mc:Fallback>
+        <mc:Fallback xmlns="">
           <p:pic>
             <p:nvPicPr>
               <p:cNvPr id="61" name="Ink 60">
@@ -23503,7 +24509,7 @@
           <a:p>
             <a:pPr algn="ctr"/>
             <a:r>
-              <a:rPr lang="en-US" sz="2000">
+              <a:rPr lang="en-US" sz="2000" dirty="0">
                 <a:solidFill>
                   <a:srgbClr val="004F8B"/>
                 </a:solidFill>
@@ -23647,7 +24653,7 @@
         </p:nvSpPr>
         <p:spPr>
           <a:xfrm>
-            <a:off x="7206005" y="3210045"/>
+            <a:off x="6926681" y="4543635"/>
             <a:ext cx="314510" cy="400110"/>
           </a:xfrm>
           <a:prstGeom prst="rect">
@@ -23663,7 +24669,7 @@
           <a:p>
             <a:pPr algn="ctr"/>
             <a:r>
-              <a:rPr lang="en-US" sz="2000">
+              <a:rPr lang="en-US" sz="2000" dirty="0">
                 <a:solidFill>
                   <a:srgbClr val="004F8B"/>
                 </a:solidFill>
@@ -23687,7 +24693,7 @@
         </p:nvSpPr>
         <p:spPr>
           <a:xfrm>
-            <a:off x="7782725" y="3460785"/>
+            <a:off x="7142384" y="3288105"/>
             <a:ext cx="314510" cy="400110"/>
           </a:xfrm>
           <a:prstGeom prst="rect">
@@ -23703,7 +24709,7 @@
           <a:p>
             <a:pPr algn="ctr"/>
             <a:r>
-              <a:rPr lang="en-US" sz="2000">
+              <a:rPr lang="en-US" sz="2000" dirty="0">
                 <a:solidFill>
                   <a:srgbClr val="004F8B"/>
                 </a:solidFill>
@@ -23807,7 +24813,7 @@
         </p:nvSpPr>
         <p:spPr>
           <a:xfrm>
-            <a:off x="6285879" y="4937911"/>
+            <a:off x="5802788" y="3468445"/>
             <a:ext cx="320922" cy="415498"/>
           </a:xfrm>
           <a:prstGeom prst="rect">
@@ -23873,6 +24879,97 @@
           </a:p>
         </p:txBody>
       </p:sp>
+      <mc:AlternateContent xmlns:mc="http://schemas.openxmlformats.org/markup-compatibility/2006">
+        <mc:Choice xmlns:p14="http://schemas.microsoft.com/office/powerpoint/2010/main" Requires="p14">
+          <p:contentPart p14:bwMode="auto" r:id="rId26">
+            <p14:nvContentPartPr>
+              <p14:cNvPr id="29" name="Ink 28">
+                <a:extLst>
+                  <a:ext uri="{FF2B5EF4-FFF2-40B4-BE49-F238E27FC236}">
+                    <a16:creationId xmlns:a16="http://schemas.microsoft.com/office/drawing/2014/main" id="{7374774C-C654-4B6F-8F5A-C3A8A74E2F0D}"/>
+                  </a:ext>
+                </a:extLst>
+              </p14:cNvPr>
+              <p14:cNvContentPartPr/>
+              <p14:nvPr/>
+            </p14:nvContentPartPr>
+            <p14:xfrm flipV="1">
+              <a:off x="9678075" y="3008595"/>
+              <a:ext cx="338400" cy="1135022"/>
+            </p14:xfrm>
+          </p:contentPart>
+        </mc:Choice>
+        <mc:Fallback>
+          <p:pic>
+            <p:nvPicPr>
+              <p:cNvPr id="29" name="Ink 28">
+                <a:extLst>
+                  <a:ext uri="{FF2B5EF4-FFF2-40B4-BE49-F238E27FC236}">
+                    <a16:creationId xmlns:a16="http://schemas.microsoft.com/office/drawing/2014/main" id="{7374774C-C654-4B6F-8F5A-C3A8A74E2F0D}"/>
+                  </a:ext>
+                </a:extLst>
+              </p:cNvPr>
+              <p:cNvPicPr/>
+              <p:nvPr/>
+            </p:nvPicPr>
+            <p:blipFill>
+              <a:blip r:embed="rId27"/>
+              <a:stretch>
+                <a:fillRect/>
+              </a:stretch>
+            </p:blipFill>
+            <p:spPr>
+              <a:xfrm flipV="1">
+                <a:off x="9671955" y="3002475"/>
+                <a:ext cx="350640" cy="1147261"/>
+              </a:xfrm>
+              <a:prstGeom prst="rect">
+                <a:avLst/>
+              </a:prstGeom>
+            </p:spPr>
+          </p:pic>
+        </mc:Fallback>
+      </mc:AlternateContent>
+      <p:sp>
+        <p:nvSpPr>
+          <p:cNvPr id="31" name="TextBox 30">
+            <a:extLst>
+              <a:ext uri="{FF2B5EF4-FFF2-40B4-BE49-F238E27FC236}">
+                <a16:creationId xmlns:a16="http://schemas.microsoft.com/office/drawing/2014/main" id="{D5B46122-80E5-4721-8A46-7CABAA9F85AA}"/>
+              </a:ext>
+            </a:extLst>
+          </p:cNvPr>
+          <p:cNvSpPr txBox="1"/>
+          <p:nvPr/>
+        </p:nvSpPr>
+        <p:spPr>
+          <a:xfrm>
+            <a:off x="9923844" y="2793286"/>
+            <a:ext cx="444352" cy="400110"/>
+          </a:xfrm>
+          <a:prstGeom prst="rect">
+            <a:avLst/>
+          </a:prstGeom>
+          <a:noFill/>
+        </p:spPr>
+        <p:txBody>
+          <a:bodyPr wrap="none" rtlCol="0" anchor="ctr" anchorCtr="1">
+            <a:spAutoFit/>
+          </a:bodyPr>
+          <a:lstStyle/>
+          <a:p>
+            <a:pPr algn="ctr"/>
+            <a:r>
+              <a:rPr lang="en-US" sz="2000" dirty="0">
+                <a:solidFill>
+                  <a:srgbClr val="004F8B"/>
+                </a:solidFill>
+              </a:rPr>
+              <a:t>11</a:t>
+            </a:r>
+          </a:p>
+        </p:txBody>
+      </p:sp>
     </p:spTree>
     <p:extLst>
       <p:ext uri="{BB962C8B-B14F-4D97-AF65-F5344CB8AC3E}">
@@ -23886,576 +24983,7 @@
 </p:sld>
 </file>
 
-<file path=ppt/slides/slide4.xml><?xml version="1.0" encoding="utf-8"?>
-<p:sld xmlns:a="http://schemas.openxmlformats.org/drawingml/2006/main" xmlns:r="http://schemas.openxmlformats.org/officeDocument/2006/relationships" xmlns:p="http://schemas.openxmlformats.org/presentationml/2006/main">
-  <p:cSld>
-    <p:spTree>
-      <p:nvGrpSpPr>
-        <p:cNvPr id="1" name=""/>
-        <p:cNvGrpSpPr/>
-        <p:nvPr/>
-      </p:nvGrpSpPr>
-      <p:grpSpPr>
-        <a:xfrm>
-          <a:off x="0" y="0"/>
-          <a:ext cx="0" cy="0"/>
-          <a:chOff x="0" y="0"/>
-          <a:chExt cx="0" cy="0"/>
-        </a:xfrm>
-      </p:grpSpPr>
-      <p:sp>
-        <p:nvSpPr>
-          <p:cNvPr id="2" name="Title 1">
-            <a:extLst>
-              <a:ext uri="{FF2B5EF4-FFF2-40B4-BE49-F238E27FC236}">
-                <a16:creationId xmlns:a16="http://schemas.microsoft.com/office/drawing/2014/main" id="{8C7DDBE8-36CC-4927-9870-E0F8CEA9D030}"/>
-              </a:ext>
-            </a:extLst>
-          </p:cNvPr>
-          <p:cNvSpPr>
-            <a:spLocks noGrp="1"/>
-          </p:cNvSpPr>
-          <p:nvPr>
-            <p:ph type="title"/>
-          </p:nvPr>
-        </p:nvSpPr>
-        <p:spPr>
-          <a:xfrm>
-            <a:off x="838200" y="618266"/>
-            <a:ext cx="10515600" cy="1325563"/>
-          </a:xfrm>
-        </p:spPr>
-        <p:txBody>
-          <a:bodyPr>
-            <a:normAutofit fontScale="90000"/>
-          </a:bodyPr>
-          <a:lstStyle/>
-          <a:p>
-            <a:r>
-              <a:rPr lang="en-US" dirty="0"/>
-              <a:t>A demonstration script exists that shows most of the functionality in this document:</a:t>
-            </a:r>
-            <a:br>
-              <a:rPr lang="en-US" dirty="0"/>
-            </a:br>
-            <a:r>
-              <a:rPr lang="en-US" dirty="0" err="1">
-                <a:solidFill>
-                  <a:srgbClr val="028009"/>
-                </a:solidFill>
-                <a:latin typeface="Courier New" panose="02070309020205020404" pitchFamily="49" charset="0"/>
-              </a:rPr>
-              <a:t>script_demo_MapGenLibrary</a:t>
-            </a:r>
-            <a:br>
-              <a:rPr lang="en-US" dirty="0">
-                <a:solidFill>
-                  <a:srgbClr val="028009"/>
-                </a:solidFill>
-                <a:latin typeface="Courier New" panose="02070309020205020404" pitchFamily="49" charset="0"/>
-              </a:rPr>
-            </a:br>
-            <a:endParaRPr lang="en-US" dirty="0"/>
-          </a:p>
-        </p:txBody>
-      </p:sp>
-      <p:sp>
-        <p:nvSpPr>
-          <p:cNvPr id="4" name="Rectangle 3">
-            <a:extLst>
-              <a:ext uri="{FF2B5EF4-FFF2-40B4-BE49-F238E27FC236}">
-                <a16:creationId xmlns:a16="http://schemas.microsoft.com/office/drawing/2014/main" id="{ED6B6C78-C512-4D1D-90D5-01BF838E0A27}"/>
-              </a:ext>
-            </a:extLst>
-          </p:cNvPr>
-          <p:cNvSpPr/>
-          <p:nvPr/>
-        </p:nvSpPr>
-        <p:spPr>
-          <a:xfrm>
-            <a:off x="374433" y="2022133"/>
-            <a:ext cx="5909136" cy="2446824"/>
-          </a:xfrm>
-          <a:prstGeom prst="rect">
-            <a:avLst/>
-          </a:prstGeom>
-          <a:solidFill>
-            <a:schemeClr val="accent4">
-              <a:lumMod val="20000"/>
-              <a:lumOff val="80000"/>
-            </a:schemeClr>
-          </a:solidFill>
-        </p:spPr>
-        <p:txBody>
-          <a:bodyPr wrap="square">
-            <a:spAutoFit/>
-          </a:bodyPr>
-          <a:lstStyle/>
-          <a:p>
-            <a:r>
-              <a:rPr lang="en-US" sz="900" dirty="0">
-                <a:solidFill>
-                  <a:srgbClr val="028009"/>
-                </a:solidFill>
-                <a:latin typeface="Courier New" panose="02070309020205020404" pitchFamily="49" charset="0"/>
-              </a:rPr>
-              <a:t>%% Show how inputs are checked</a:t>
-            </a:r>
-          </a:p>
-          <a:p>
-            <a:r>
-              <a:rPr lang="en-US" sz="900" dirty="0" err="1">
-                <a:solidFill>
-                  <a:srgbClr val="000000"/>
-                </a:solidFill>
-                <a:latin typeface="Courier New" panose="02070309020205020404" pitchFamily="49" charset="0"/>
-              </a:rPr>
-              <a:t>Twocolumn_of_numbers_test</a:t>
-            </a:r>
-            <a:r>
-              <a:rPr lang="en-US" sz="900" dirty="0">
-                <a:solidFill>
-                  <a:srgbClr val="000000"/>
-                </a:solidFill>
-                <a:latin typeface="Courier New" panose="02070309020205020404" pitchFamily="49" charset="0"/>
-              </a:rPr>
-              <a:t> = [4 1; 3 0; 2 5];</a:t>
-            </a:r>
-          </a:p>
-          <a:p>
-            <a:r>
-              <a:rPr lang="en-US" sz="900" dirty="0" err="1">
-                <a:solidFill>
-                  <a:srgbClr val="000000"/>
-                </a:solidFill>
-                <a:latin typeface="Courier New" panose="02070309020205020404" pitchFamily="49" charset="0"/>
-              </a:rPr>
-              <a:t>fcn_MapGen_checkInputsToFunctions</a:t>
-            </a:r>
-            <a:r>
-              <a:rPr lang="en-US" sz="900" dirty="0">
-                <a:solidFill>
-                  <a:srgbClr val="000000"/>
-                </a:solidFill>
-                <a:latin typeface="Courier New" panose="02070309020205020404" pitchFamily="49" charset="0"/>
-              </a:rPr>
-              <a:t>(</a:t>
-            </a:r>
-            <a:r>
-              <a:rPr lang="en-US" sz="900" dirty="0" err="1">
-                <a:solidFill>
-                  <a:srgbClr val="000000"/>
-                </a:solidFill>
-                <a:latin typeface="Courier New" panose="02070309020205020404" pitchFamily="49" charset="0"/>
-              </a:rPr>
-              <a:t>Twocolumn_of_numbers_test</a:t>
-            </a:r>
-            <a:r>
-              <a:rPr lang="en-US" sz="900" dirty="0">
-                <a:solidFill>
-                  <a:srgbClr val="000000"/>
-                </a:solidFill>
-                <a:latin typeface="Courier New" panose="02070309020205020404" pitchFamily="49" charset="0"/>
-              </a:rPr>
-              <a:t>, </a:t>
-            </a:r>
-            <a:r>
-              <a:rPr lang="en-US" sz="900" dirty="0">
-                <a:solidFill>
-                  <a:srgbClr val="AA04F9"/>
-                </a:solidFill>
-                <a:latin typeface="Courier New" panose="02070309020205020404" pitchFamily="49" charset="0"/>
-              </a:rPr>
-              <a:t>'2column_of_numbers'</a:t>
-            </a:r>
-            <a:r>
-              <a:rPr lang="en-US" sz="900" dirty="0">
-                <a:solidFill>
-                  <a:srgbClr val="000000"/>
-                </a:solidFill>
-                <a:latin typeface="Courier New" panose="02070309020205020404" pitchFamily="49" charset="0"/>
-              </a:rPr>
-              <a:t>);</a:t>
-            </a:r>
-          </a:p>
-          <a:p>
-            <a:r>
-              <a:rPr lang="en-US" sz="900" dirty="0">
-                <a:solidFill>
-                  <a:srgbClr val="000000"/>
-                </a:solidFill>
-                <a:latin typeface="Courier New" panose="02070309020205020404" pitchFamily="49" charset="0"/>
-              </a:rPr>
-              <a:t> </a:t>
-            </a:r>
-          </a:p>
-          <a:p>
-            <a:r>
-              <a:rPr lang="en-US" sz="900" dirty="0">
-                <a:solidFill>
-                  <a:srgbClr val="000000"/>
-                </a:solidFill>
-                <a:latin typeface="Courier New" panose="02070309020205020404" pitchFamily="49" charset="0"/>
-              </a:rPr>
-              <a:t> </a:t>
-            </a:r>
-          </a:p>
-          <a:p>
-            <a:r>
-              <a:rPr lang="en-US" sz="900" dirty="0">
-                <a:solidFill>
-                  <a:srgbClr val="028009"/>
-                </a:solidFill>
-                <a:latin typeface="Courier New" panose="02070309020205020404" pitchFamily="49" charset="0"/>
-              </a:rPr>
-              <a:t>%% Generate a set of polytopes from various pseudo-random sources</a:t>
-            </a:r>
-          </a:p>
-          <a:p>
-            <a:r>
-              <a:rPr lang="en-US" sz="900" dirty="0">
-                <a:solidFill>
-                  <a:srgbClr val="028009"/>
-                </a:solidFill>
-                <a:latin typeface="Courier New" panose="02070309020205020404" pitchFamily="49" charset="0"/>
-              </a:rPr>
-              <a:t>% Generate a set of polytopes from the </a:t>
-            </a:r>
-            <a:r>
-              <a:rPr lang="en-US" sz="900" dirty="0" err="1">
-                <a:solidFill>
-                  <a:srgbClr val="028009"/>
-                </a:solidFill>
-                <a:latin typeface="Courier New" panose="02070309020205020404" pitchFamily="49" charset="0"/>
-              </a:rPr>
-              <a:t>Sobol</a:t>
-            </a:r>
-            <a:r>
-              <a:rPr lang="en-US" sz="900" dirty="0">
-                <a:solidFill>
-                  <a:srgbClr val="028009"/>
-                </a:solidFill>
-                <a:latin typeface="Courier New" panose="02070309020205020404" pitchFamily="49" charset="0"/>
-              </a:rPr>
-              <a:t> set</a:t>
-            </a:r>
-          </a:p>
-          <a:p>
-            <a:r>
-              <a:rPr lang="en-US" sz="900" dirty="0" err="1">
-                <a:solidFill>
-                  <a:srgbClr val="000000"/>
-                </a:solidFill>
-                <a:latin typeface="Courier New" panose="02070309020205020404" pitchFamily="49" charset="0"/>
-              </a:rPr>
-              <a:t>fig_num</a:t>
-            </a:r>
-            <a:r>
-              <a:rPr lang="en-US" sz="900" dirty="0">
-                <a:solidFill>
-                  <a:srgbClr val="000000"/>
-                </a:solidFill>
-                <a:latin typeface="Courier New" panose="02070309020205020404" pitchFamily="49" charset="0"/>
-              </a:rPr>
-              <a:t> = 11;</a:t>
-            </a:r>
-          </a:p>
-          <a:p>
-            <a:r>
-              <a:rPr lang="en-US" sz="900" dirty="0" err="1">
-                <a:solidFill>
-                  <a:srgbClr val="000000"/>
-                </a:solidFill>
-                <a:latin typeface="Courier New" panose="02070309020205020404" pitchFamily="49" charset="0"/>
-              </a:rPr>
-              <a:t>Sobol_range</a:t>
-            </a:r>
-            <a:r>
-              <a:rPr lang="en-US" sz="900" dirty="0">
-                <a:solidFill>
-                  <a:srgbClr val="000000"/>
-                </a:solidFill>
-                <a:latin typeface="Courier New" panose="02070309020205020404" pitchFamily="49" charset="0"/>
-              </a:rPr>
-              <a:t> = [1 1000]; </a:t>
-            </a:r>
-            <a:r>
-              <a:rPr lang="en-US" sz="900" dirty="0">
-                <a:solidFill>
-                  <a:srgbClr val="028009"/>
-                </a:solidFill>
-                <a:latin typeface="Courier New" panose="02070309020205020404" pitchFamily="49" charset="0"/>
-              </a:rPr>
-              <a:t>% range of </a:t>
-            </a:r>
-            <a:r>
-              <a:rPr lang="en-US" sz="900" dirty="0" err="1">
-                <a:solidFill>
-                  <a:srgbClr val="028009"/>
-                </a:solidFill>
-                <a:latin typeface="Courier New" panose="02070309020205020404" pitchFamily="49" charset="0"/>
-              </a:rPr>
-              <a:t>Sobol</a:t>
-            </a:r>
-            <a:r>
-              <a:rPr lang="en-US" sz="900" dirty="0">
-                <a:solidFill>
-                  <a:srgbClr val="028009"/>
-                </a:solidFill>
-                <a:latin typeface="Courier New" panose="02070309020205020404" pitchFamily="49" charset="0"/>
-              </a:rPr>
-              <a:t> points to use to generate the tiling</a:t>
-            </a:r>
-          </a:p>
-          <a:p>
-            <a:r>
-              <a:rPr lang="en-US" sz="900" dirty="0" err="1">
-                <a:solidFill>
-                  <a:srgbClr val="000000"/>
-                </a:solidFill>
-                <a:latin typeface="Courier New" panose="02070309020205020404" pitchFamily="49" charset="0"/>
-              </a:rPr>
-              <a:t>tiled_polytopes</a:t>
-            </a:r>
-            <a:r>
-              <a:rPr lang="en-US" sz="900" dirty="0">
-                <a:solidFill>
-                  <a:srgbClr val="000000"/>
-                </a:solidFill>
-                <a:latin typeface="Courier New" panose="02070309020205020404" pitchFamily="49" charset="0"/>
-              </a:rPr>
-              <a:t> = </a:t>
-            </a:r>
-            <a:r>
-              <a:rPr lang="en-US" sz="900" dirty="0" err="1">
-                <a:solidFill>
-                  <a:srgbClr val="000000"/>
-                </a:solidFill>
-                <a:latin typeface="Courier New" panose="02070309020205020404" pitchFamily="49" charset="0"/>
-              </a:rPr>
-              <a:t>fcn_MapGen_sobolVoronoiTiling</a:t>
-            </a:r>
-            <a:r>
-              <a:rPr lang="en-US" sz="900" dirty="0">
-                <a:solidFill>
-                  <a:srgbClr val="000000"/>
-                </a:solidFill>
-                <a:latin typeface="Courier New" panose="02070309020205020404" pitchFamily="49" charset="0"/>
-              </a:rPr>
-              <a:t>(</a:t>
-            </a:r>
-            <a:r>
-              <a:rPr lang="en-US" sz="900" dirty="0" err="1">
-                <a:solidFill>
-                  <a:srgbClr val="000000"/>
-                </a:solidFill>
-                <a:latin typeface="Courier New" panose="02070309020205020404" pitchFamily="49" charset="0"/>
-              </a:rPr>
-              <a:t>Sobol_range</a:t>
-            </a:r>
-            <a:r>
-              <a:rPr lang="en-US" sz="900" dirty="0">
-                <a:solidFill>
-                  <a:srgbClr val="000000"/>
-                </a:solidFill>
-                <a:latin typeface="Courier New" panose="02070309020205020404" pitchFamily="49" charset="0"/>
-              </a:rPr>
-              <a:t>,[1 1],</a:t>
-            </a:r>
-            <a:r>
-              <a:rPr lang="en-US" sz="900" dirty="0" err="1">
-                <a:solidFill>
-                  <a:srgbClr val="000000"/>
-                </a:solidFill>
-                <a:latin typeface="Courier New" panose="02070309020205020404" pitchFamily="49" charset="0"/>
-              </a:rPr>
-              <a:t>fig_num</a:t>
-            </a:r>
-            <a:r>
-              <a:rPr lang="en-US" sz="900" dirty="0">
-                <a:solidFill>
-                  <a:srgbClr val="000000"/>
-                </a:solidFill>
-                <a:latin typeface="Courier New" panose="02070309020205020404" pitchFamily="49" charset="0"/>
-              </a:rPr>
-              <a:t>);</a:t>
-            </a:r>
-          </a:p>
-          <a:p>
-            <a:r>
-              <a:rPr lang="en-US" sz="900" dirty="0">
-                <a:solidFill>
-                  <a:srgbClr val="000000"/>
-                </a:solidFill>
-                <a:latin typeface="Courier New" panose="02070309020205020404" pitchFamily="49" charset="0"/>
-              </a:rPr>
-              <a:t> </a:t>
-            </a:r>
-          </a:p>
-          <a:p>
-            <a:r>
-              <a:rPr lang="en-US" sz="900" dirty="0">
-                <a:solidFill>
-                  <a:srgbClr val="000000"/>
-                </a:solidFill>
-                <a:latin typeface="Courier New" panose="02070309020205020404" pitchFamily="49" charset="0"/>
-              </a:rPr>
-              <a:t> </a:t>
-            </a:r>
-          </a:p>
-          <a:p>
-            <a:r>
-              <a:rPr lang="en-US" sz="900" dirty="0">
-                <a:solidFill>
-                  <a:srgbClr val="028009"/>
-                </a:solidFill>
-                <a:latin typeface="Courier New" panose="02070309020205020404" pitchFamily="49" charset="0"/>
-              </a:rPr>
-              <a:t>% Generate a set of polytopes from the Halton set</a:t>
-            </a:r>
-          </a:p>
-          <a:p>
-            <a:r>
-              <a:rPr lang="en-US" sz="900" dirty="0" err="1">
-                <a:solidFill>
-                  <a:srgbClr val="000000"/>
-                </a:solidFill>
-                <a:latin typeface="Courier New" panose="02070309020205020404" pitchFamily="49" charset="0"/>
-              </a:rPr>
-              <a:t>fig_num</a:t>
-            </a:r>
-            <a:r>
-              <a:rPr lang="en-US" sz="900" dirty="0">
-                <a:solidFill>
-                  <a:srgbClr val="000000"/>
-                </a:solidFill>
-                <a:latin typeface="Courier New" panose="02070309020205020404" pitchFamily="49" charset="0"/>
-              </a:rPr>
-              <a:t> = 12;</a:t>
-            </a:r>
-          </a:p>
-          <a:p>
-            <a:r>
-              <a:rPr lang="en-US" sz="900" dirty="0" err="1">
-                <a:solidFill>
-                  <a:srgbClr val="000000"/>
-                </a:solidFill>
-                <a:latin typeface="Courier New" panose="02070309020205020404" pitchFamily="49" charset="0"/>
-              </a:rPr>
-              <a:t>Halton_range</a:t>
-            </a:r>
-            <a:r>
-              <a:rPr lang="en-US" sz="900" dirty="0">
-                <a:solidFill>
-                  <a:srgbClr val="000000"/>
-                </a:solidFill>
-                <a:latin typeface="Courier New" panose="02070309020205020404" pitchFamily="49" charset="0"/>
-              </a:rPr>
-              <a:t> = [1 1000]; </a:t>
-            </a:r>
-            <a:r>
-              <a:rPr lang="en-US" sz="900" dirty="0">
-                <a:solidFill>
-                  <a:srgbClr val="028009"/>
-                </a:solidFill>
-                <a:latin typeface="Courier New" panose="02070309020205020404" pitchFamily="49" charset="0"/>
-              </a:rPr>
-              <a:t>% range of Halton points to use to generate the tiling</a:t>
-            </a:r>
-          </a:p>
-          <a:p>
-            <a:r>
-              <a:rPr lang="en-US" sz="900" dirty="0" err="1">
-                <a:solidFill>
-                  <a:srgbClr val="000000"/>
-                </a:solidFill>
-                <a:latin typeface="Courier New" panose="02070309020205020404" pitchFamily="49" charset="0"/>
-              </a:rPr>
-              <a:t>tiled_polytopes</a:t>
-            </a:r>
-            <a:r>
-              <a:rPr lang="en-US" sz="900" dirty="0">
-                <a:solidFill>
-                  <a:srgbClr val="000000"/>
-                </a:solidFill>
-                <a:latin typeface="Courier New" panose="02070309020205020404" pitchFamily="49" charset="0"/>
-              </a:rPr>
-              <a:t> = </a:t>
-            </a:r>
-            <a:r>
-              <a:rPr lang="en-US" sz="900" dirty="0" err="1">
-                <a:solidFill>
-                  <a:srgbClr val="000000"/>
-                </a:solidFill>
-                <a:latin typeface="Courier New" panose="02070309020205020404" pitchFamily="49" charset="0"/>
-              </a:rPr>
-              <a:t>fcn_MapGen_haltonVoronoiTiling</a:t>
-            </a:r>
-            <a:r>
-              <a:rPr lang="en-US" sz="900" dirty="0">
-                <a:solidFill>
-                  <a:srgbClr val="000000"/>
-                </a:solidFill>
-                <a:latin typeface="Courier New" panose="02070309020205020404" pitchFamily="49" charset="0"/>
-              </a:rPr>
-              <a:t>(</a:t>
-            </a:r>
-            <a:r>
-              <a:rPr lang="en-US" sz="900" dirty="0" err="1">
-                <a:solidFill>
-                  <a:srgbClr val="000000"/>
-                </a:solidFill>
-                <a:latin typeface="Courier New" panose="02070309020205020404" pitchFamily="49" charset="0"/>
-              </a:rPr>
-              <a:t>Halton_range</a:t>
-            </a:r>
-            <a:r>
-              <a:rPr lang="en-US" sz="900" dirty="0">
-                <a:solidFill>
-                  <a:srgbClr val="000000"/>
-                </a:solidFill>
-                <a:latin typeface="Courier New" panose="02070309020205020404" pitchFamily="49" charset="0"/>
-              </a:rPr>
-              <a:t>,[1 1],</a:t>
-            </a:r>
-            <a:r>
-              <a:rPr lang="en-US" sz="900" dirty="0" err="1">
-                <a:solidFill>
-                  <a:srgbClr val="000000"/>
-                </a:solidFill>
-                <a:latin typeface="Courier New" panose="02070309020205020404" pitchFamily="49" charset="0"/>
-              </a:rPr>
-              <a:t>fig_num</a:t>
-            </a:r>
-            <a:r>
-              <a:rPr lang="en-US" sz="900" dirty="0">
-                <a:solidFill>
-                  <a:srgbClr val="000000"/>
-                </a:solidFill>
-                <a:latin typeface="Courier New" panose="02070309020205020404" pitchFamily="49" charset="0"/>
-              </a:rPr>
-              <a:t>);</a:t>
-            </a:r>
-          </a:p>
-          <a:p>
-            <a:endParaRPr lang="en-US" sz="900" dirty="0"/>
-          </a:p>
-        </p:txBody>
-      </p:sp>
-    </p:spTree>
-    <p:extLst>
-      <p:ext uri="{BB962C8B-B14F-4D97-AF65-F5344CB8AC3E}">
-        <p14:creationId xmlns:p14="http://schemas.microsoft.com/office/powerpoint/2010/main" val="3684799925"/>
-      </p:ext>
-    </p:extLst>
-  </p:cSld>
-  <p:clrMapOvr>
-    <a:masterClrMapping/>
-  </p:clrMapOvr>
-</p:sld>
-</file>
-
-<file path=ppt/slides/slide40.xml><?xml version="1.0" encoding="utf-8"?>
+<file path=ppt/slides/slide41.xml><?xml version="1.0" encoding="utf-8"?>
 <p:sld xmlns:a="http://schemas.openxmlformats.org/drawingml/2006/main" xmlns:r="http://schemas.openxmlformats.org/officeDocument/2006/relationships" xmlns:p="http://schemas.openxmlformats.org/presentationml/2006/main">
   <p:cSld>
     <p:spTree>
@@ -24559,7 +25087,7 @@
         <p:spPr>
           <a:xfrm>
             <a:off x="6565900" y="2130968"/>
-            <a:ext cx="4902200" cy="3200876"/>
+            <a:ext cx="4902200" cy="3600986"/>
           </a:xfrm>
           <a:prstGeom prst="rect">
             <a:avLst/>
@@ -24611,7 +25139,26 @@
                 <a:effectLst/>
                 <a:latin typeface="Menlo"/>
               </a:rPr>
-              <a:t>Vertex 2:</a:t>
+              <a:t>Vertex 2: </a:t>
+            </a:r>
+            <a:br>
+              <a:rPr lang="en-US" sz="1600" b="0" i="0" dirty="0">
+                <a:solidFill>
+                  <a:srgbClr val="008013"/>
+                </a:solidFill>
+                <a:effectLst/>
+                <a:latin typeface="Menlo"/>
+              </a:rPr>
+            </a:br>
+            <a:r>
+              <a:rPr lang="en-US" sz="1600" b="0" i="0" dirty="0">
+                <a:solidFill>
+                  <a:srgbClr val="008013"/>
+                </a:solidFill>
+                <a:effectLst/>
+                <a:latin typeface="Menlo"/>
+              </a:rPr>
+              <a:t>(start at 2 in forward direction, -2 in negative direction)</a:t>
             </a:r>
             <a:endParaRPr lang="en-US" sz="1600" b="0" i="0" dirty="0">
               <a:effectLst/>
@@ -24670,6 +25217,17 @@
                 <a:latin typeface="Menlo"/>
               </a:rPr>
               <a:t>Vertex 7:</a:t>
+            </a:r>
+          </a:p>
+          <a:p>
+            <a:r>
+              <a:rPr lang="en-US" sz="1600" dirty="0">
+                <a:solidFill>
+                  <a:srgbClr val="008013"/>
+                </a:solidFill>
+                <a:latin typeface="Menlo"/>
+              </a:rPr>
+              <a:t>(start at 7 in forward direction, -7 in negative direction)</a:t>
             </a:r>
             <a:endParaRPr lang="en-US" sz="1600" b="0" i="0" dirty="0">
               <a:effectLst/>
@@ -24758,7 +25316,7 @@
 </p:sld>
 </file>
 
-<file path=ppt/slides/slide41.xml><?xml version="1.0" encoding="utf-8"?>
+<file path=ppt/slides/slide42.xml><?xml version="1.0" encoding="utf-8"?>
 <p:sld xmlns:a="http://schemas.openxmlformats.org/drawingml/2006/main" xmlns:r="http://schemas.openxmlformats.org/officeDocument/2006/relationships" xmlns:p="http://schemas.openxmlformats.org/presentationml/2006/main">
   <p:cSld>
     <p:spTree>
@@ -24955,7 +25513,7 @@
 </p:sld>
 </file>
 
-<file path=ppt/slides/slide42.xml><?xml version="1.0" encoding="utf-8"?>
+<file path=ppt/slides/slide43.xml><?xml version="1.0" encoding="utf-8"?>
 <p:sld xmlns:a="http://schemas.openxmlformats.org/drawingml/2006/main" xmlns:r="http://schemas.openxmlformats.org/officeDocument/2006/relationships" xmlns:p="http://schemas.openxmlformats.org/presentationml/2006/main">
   <p:cSld>
     <p:spTree>

--- a/Documents/VertexSkeletonClassLibrary.pptx
+++ b/Documents/VertexSkeletonClassLibrary.pptx
@@ -31,23 +31,24 @@
     <p:sldId id="523" r:id="rId25"/>
     <p:sldId id="545" r:id="rId26"/>
     <p:sldId id="546" r:id="rId27"/>
-    <p:sldId id="550" r:id="rId28"/>
-    <p:sldId id="538" r:id="rId29"/>
-    <p:sldId id="544" r:id="rId30"/>
-    <p:sldId id="558" r:id="rId31"/>
-    <p:sldId id="549" r:id="rId32"/>
-    <p:sldId id="541" r:id="rId33"/>
-    <p:sldId id="547" r:id="rId34"/>
-    <p:sldId id="551" r:id="rId35"/>
-    <p:sldId id="559" r:id="rId36"/>
-    <p:sldId id="548" r:id="rId37"/>
-    <p:sldId id="552" r:id="rId38"/>
-    <p:sldId id="553" r:id="rId39"/>
-    <p:sldId id="554" r:id="rId40"/>
-    <p:sldId id="555" r:id="rId41"/>
-    <p:sldId id="556" r:id="rId42"/>
-    <p:sldId id="557" r:id="rId43"/>
-    <p:sldId id="540" r:id="rId44"/>
+    <p:sldId id="560" r:id="rId28"/>
+    <p:sldId id="550" r:id="rId29"/>
+    <p:sldId id="538" r:id="rId30"/>
+    <p:sldId id="544" r:id="rId31"/>
+    <p:sldId id="558" r:id="rId32"/>
+    <p:sldId id="549" r:id="rId33"/>
+    <p:sldId id="541" r:id="rId34"/>
+    <p:sldId id="547" r:id="rId35"/>
+    <p:sldId id="551" r:id="rId36"/>
+    <p:sldId id="559" r:id="rId37"/>
+    <p:sldId id="548" r:id="rId38"/>
+    <p:sldId id="552" r:id="rId39"/>
+    <p:sldId id="553" r:id="rId40"/>
+    <p:sldId id="554" r:id="rId41"/>
+    <p:sldId id="555" r:id="rId42"/>
+    <p:sldId id="556" r:id="rId43"/>
+    <p:sldId id="557" r:id="rId44"/>
+    <p:sldId id="540" r:id="rId45"/>
   </p:sldIdLst>
   <p:sldSz cx="12192000" cy="6858000"/>
   <p:notesSz cx="6858000" cy="9144000"/>
@@ -189,6 +190,7 @@
             <p14:sldId id="523"/>
             <p14:sldId id="545"/>
             <p14:sldId id="546"/>
+            <p14:sldId id="560"/>
             <p14:sldId id="550"/>
             <p14:sldId id="538"/>
             <p14:sldId id="544"/>
@@ -958,7 +960,7 @@
           <a:p>
             <a:fld id="{ADCEBF8C-22C0-4323-9BBB-9413232198F8}" type="datetimeFigureOut">
               <a:rPr lang="en-US" smtClean="0"/>
-              <a:t>5/14/2025</a:t>
+              <a:t>5/25/2025</a:t>
             </a:fld>
             <a:endParaRPr lang="en-US"/>
           </a:p>
@@ -1156,7 +1158,7 @@
           <a:p>
             <a:fld id="{ADCEBF8C-22C0-4323-9BBB-9413232198F8}" type="datetimeFigureOut">
               <a:rPr lang="en-US" smtClean="0"/>
-              <a:t>5/14/2025</a:t>
+              <a:t>5/25/2025</a:t>
             </a:fld>
             <a:endParaRPr lang="en-US"/>
           </a:p>
@@ -1364,7 +1366,7 @@
           <a:p>
             <a:fld id="{ADCEBF8C-22C0-4323-9BBB-9413232198F8}" type="datetimeFigureOut">
               <a:rPr lang="en-US" smtClean="0"/>
-              <a:t>5/14/2025</a:t>
+              <a:t>5/25/2025</a:t>
             </a:fld>
             <a:endParaRPr lang="en-US"/>
           </a:p>
@@ -1562,7 +1564,7 @@
           <a:p>
             <a:fld id="{ADCEBF8C-22C0-4323-9BBB-9413232198F8}" type="datetimeFigureOut">
               <a:rPr lang="en-US" smtClean="0"/>
-              <a:t>5/14/2025</a:t>
+              <a:t>5/25/2025</a:t>
             </a:fld>
             <a:endParaRPr lang="en-US"/>
           </a:p>
@@ -1837,7 +1839,7 @@
           <a:p>
             <a:fld id="{ADCEBF8C-22C0-4323-9BBB-9413232198F8}" type="datetimeFigureOut">
               <a:rPr lang="en-US" smtClean="0"/>
-              <a:t>5/14/2025</a:t>
+              <a:t>5/25/2025</a:t>
             </a:fld>
             <a:endParaRPr lang="en-US"/>
           </a:p>
@@ -2102,7 +2104,7 @@
           <a:p>
             <a:fld id="{ADCEBF8C-22C0-4323-9BBB-9413232198F8}" type="datetimeFigureOut">
               <a:rPr lang="en-US" smtClean="0"/>
-              <a:t>5/14/2025</a:t>
+              <a:t>5/25/2025</a:t>
             </a:fld>
             <a:endParaRPr lang="en-US"/>
           </a:p>
@@ -2514,7 +2516,7 @@
           <a:p>
             <a:fld id="{ADCEBF8C-22C0-4323-9BBB-9413232198F8}" type="datetimeFigureOut">
               <a:rPr lang="en-US" smtClean="0"/>
-              <a:t>5/14/2025</a:t>
+              <a:t>5/25/2025</a:t>
             </a:fld>
             <a:endParaRPr lang="en-US"/>
           </a:p>
@@ -2655,7 +2657,7 @@
           <a:p>
             <a:fld id="{ADCEBF8C-22C0-4323-9BBB-9413232198F8}" type="datetimeFigureOut">
               <a:rPr lang="en-US" smtClean="0"/>
-              <a:t>5/14/2025</a:t>
+              <a:t>5/25/2025</a:t>
             </a:fld>
             <a:endParaRPr lang="en-US"/>
           </a:p>
@@ -2768,7 +2770,7 @@
           <a:p>
             <a:fld id="{ADCEBF8C-22C0-4323-9BBB-9413232198F8}" type="datetimeFigureOut">
               <a:rPr lang="en-US" smtClean="0"/>
-              <a:t>5/14/2025</a:t>
+              <a:t>5/25/2025</a:t>
             </a:fld>
             <a:endParaRPr lang="en-US"/>
           </a:p>
@@ -3079,7 +3081,7 @@
           <a:p>
             <a:fld id="{ADCEBF8C-22C0-4323-9BBB-9413232198F8}" type="datetimeFigureOut">
               <a:rPr lang="en-US" smtClean="0"/>
-              <a:t>5/14/2025</a:t>
+              <a:t>5/25/2025</a:t>
             </a:fld>
             <a:endParaRPr lang="en-US"/>
           </a:p>
@@ -3367,7 +3369,7 @@
           <a:p>
             <a:fld id="{ADCEBF8C-22C0-4323-9BBB-9413232198F8}" type="datetimeFigureOut">
               <a:rPr lang="en-US" smtClean="0"/>
-              <a:t>5/14/2025</a:t>
+              <a:t>5/25/2025</a:t>
             </a:fld>
             <a:endParaRPr lang="en-US"/>
           </a:p>
@@ -3608,7 +3610,7 @@
           <a:p>
             <a:fld id="{ADCEBF8C-22C0-4323-9BBB-9413232198F8}" type="datetimeFigureOut">
               <a:rPr lang="en-US" smtClean="0"/>
-              <a:t>5/14/2025</a:t>
+              <a:t>5/25/2025</a:t>
             </a:fld>
             <a:endParaRPr lang="en-US"/>
           </a:p>
@@ -10329,6 +10331,1949 @@
   <p:cSld>
     <p:spTree>
       <p:nvGrpSpPr>
+        <p:cNvPr id="1" name="">
+          <a:extLst>
+            <a:ext uri="{FF2B5EF4-FFF2-40B4-BE49-F238E27FC236}">
+              <a16:creationId xmlns:a16="http://schemas.microsoft.com/office/drawing/2014/main" id="{1FDD3B11-7694-A4B9-1CE5-E6371002A50B}"/>
+            </a:ext>
+          </a:extLst>
+        </p:cNvPr>
+        <p:cNvGrpSpPr/>
+        <p:nvPr/>
+      </p:nvGrpSpPr>
+      <p:grpSpPr>
+        <a:xfrm>
+          <a:off x="0" y="0"/>
+          <a:ext cx="0" cy="0"/>
+          <a:chOff x="0" y="0"/>
+          <a:chExt cx="0" cy="0"/>
+        </a:xfrm>
+      </p:grpSpPr>
+      <p:sp>
+        <p:nvSpPr>
+          <p:cNvPr id="2" name="Title 1">
+            <a:extLst>
+              <a:ext uri="{FF2B5EF4-FFF2-40B4-BE49-F238E27FC236}">
+                <a16:creationId xmlns:a16="http://schemas.microsoft.com/office/drawing/2014/main" id="{D4CB09AC-296B-B7D5-4B15-A0A478C8ACFD}"/>
+              </a:ext>
+            </a:extLst>
+          </p:cNvPr>
+          <p:cNvSpPr>
+            <a:spLocks noGrp="1"/>
+          </p:cNvSpPr>
+          <p:nvPr>
+            <p:ph type="title"/>
+          </p:nvPr>
+        </p:nvSpPr>
+        <p:spPr/>
+        <p:txBody>
+          <a:bodyPr>
+            <a:normAutofit fontScale="90000"/>
+          </a:bodyPr>
+          <a:lstStyle/>
+          <a:p>
+            <a:r>
+              <a:rPr lang="en-US" dirty="0"/>
+              <a:t>This can be generalized into higher dimensions by noting that the vector projection is a process of solving linear equations</a:t>
+            </a:r>
+          </a:p>
+        </p:txBody>
+      </p:sp>
+      <p:sp>
+        <p:nvSpPr>
+          <p:cNvPr id="20" name="Content Placeholder 19">
+            <a:extLst>
+              <a:ext uri="{FF2B5EF4-FFF2-40B4-BE49-F238E27FC236}">
+                <a16:creationId xmlns:a16="http://schemas.microsoft.com/office/drawing/2014/main" id="{BDFCC5CE-C49F-FD82-1123-E2D83C2856CD}"/>
+              </a:ext>
+            </a:extLst>
+          </p:cNvPr>
+          <p:cNvSpPr>
+            <a:spLocks noGrp="1"/>
+          </p:cNvSpPr>
+          <p:nvPr>
+            <p:ph idx="1"/>
+          </p:nvPr>
+        </p:nvSpPr>
+        <p:spPr>
+          <a:xfrm>
+            <a:off x="838199" y="1825625"/>
+            <a:ext cx="6529639" cy="4351338"/>
+          </a:xfrm>
+        </p:spPr>
+        <p:txBody>
+          <a:bodyPr/>
+          <a:lstStyle/>
+          <a:p>
+            <a:pPr marL="0" indent="0">
+              <a:buNone/>
+            </a:pPr>
+            <a:r>
+              <a:rPr lang="en-US" dirty="0"/>
+              <a:t>The </a:t>
+            </a:r>
+            <a:r>
+              <a:rPr lang="en-US" dirty="0" err="1"/>
+              <a:t>ith</a:t>
+            </a:r>
+            <a:r>
+              <a:rPr lang="en-US" dirty="0"/>
+              <a:t> vertex  projection from vi to the center, P, has length given by:</a:t>
+            </a:r>
+          </a:p>
+          <a:p>
+            <a:pPr marL="0" indent="0">
+              <a:buNone/>
+            </a:pPr>
+            <a:endParaRPr lang="en-US" dirty="0"/>
+          </a:p>
+          <a:p>
+            <a:pPr marL="0" indent="0">
+              <a:buNone/>
+            </a:pPr>
+            <a:r>
+              <a:rPr lang="en-US" dirty="0"/>
+              <a:t>For a unit radius:</a:t>
+            </a:r>
+          </a:p>
+          <a:p>
+            <a:pPr marL="0" indent="0">
+              <a:buNone/>
+            </a:pPr>
+            <a:endParaRPr lang="en-US" dirty="0"/>
+          </a:p>
+          <a:p>
+            <a:pPr marL="0" indent="0">
+              <a:buNone/>
+            </a:pPr>
+            <a:r>
+              <a:rPr lang="en-US" dirty="0"/>
+              <a:t>In vector form, this is not solvable unless there are N questions, where N is the dimension. </a:t>
+            </a:r>
+          </a:p>
+        </p:txBody>
+      </p:sp>
+      <p:sp>
+        <p:nvSpPr>
+          <p:cNvPr id="4" name="Oval 3">
+            <a:extLst>
+              <a:ext uri="{FF2B5EF4-FFF2-40B4-BE49-F238E27FC236}">
+                <a16:creationId xmlns:a16="http://schemas.microsoft.com/office/drawing/2014/main" id="{D9DB24A3-1101-28A7-25D2-2D8E174FB5A1}"/>
+              </a:ext>
+            </a:extLst>
+          </p:cNvPr>
+          <p:cNvSpPr/>
+          <p:nvPr/>
+        </p:nvSpPr>
+        <p:spPr>
+          <a:xfrm>
+            <a:off x="8324791" y="1729004"/>
+            <a:ext cx="2219234" cy="2302570"/>
+          </a:xfrm>
+          <a:prstGeom prst="ellipse">
+            <a:avLst/>
+          </a:prstGeom>
+          <a:solidFill>
+            <a:schemeClr val="accent4">
+              <a:lumMod val="20000"/>
+              <a:lumOff val="80000"/>
+            </a:schemeClr>
+          </a:solidFill>
+        </p:spPr>
+        <p:txBody>
+          <a:bodyPr wrap="square" lIns="91440" tIns="45720" rIns="91440" bIns="45720" rtlCol="0" anchor="t">
+            <a:spAutoFit/>
+          </a:bodyPr>
+          <a:lstStyle/>
+          <a:p>
+            <a:pPr algn="l"/>
+            <a:endParaRPr lang="en-US" sz="1200" dirty="0">
+              <a:solidFill>
+                <a:schemeClr val="accent6">
+                  <a:lumMod val="75000"/>
+                </a:schemeClr>
+              </a:solidFill>
+              <a:latin typeface="Courier New"/>
+              <a:cs typeface="Calibri"/>
+            </a:endParaRPr>
+          </a:p>
+        </p:txBody>
+      </p:sp>
+      <p:cxnSp>
+        <p:nvCxnSpPr>
+          <p:cNvPr id="5" name="Straight Connector 4">
+            <a:extLst>
+              <a:ext uri="{FF2B5EF4-FFF2-40B4-BE49-F238E27FC236}">
+                <a16:creationId xmlns:a16="http://schemas.microsoft.com/office/drawing/2014/main" id="{CFBF7C63-BBAC-F4A7-711D-5C16CED0E082}"/>
+              </a:ext>
+            </a:extLst>
+          </p:cNvPr>
+          <p:cNvCxnSpPr>
+            <a:cxnSpLocks/>
+          </p:cNvCxnSpPr>
+          <p:nvPr/>
+        </p:nvCxnSpPr>
+        <p:spPr>
+          <a:xfrm flipV="1">
+            <a:off x="7995804" y="4458111"/>
+            <a:ext cx="1426321" cy="1458135"/>
+          </a:xfrm>
+          <a:prstGeom prst="line">
+            <a:avLst/>
+          </a:prstGeom>
+          <a:ln w="38100"/>
+        </p:spPr>
+        <p:style>
+          <a:lnRef idx="1">
+            <a:schemeClr val="accent1"/>
+          </a:lnRef>
+          <a:fillRef idx="0">
+            <a:schemeClr val="accent1"/>
+          </a:fillRef>
+          <a:effectRef idx="0">
+            <a:schemeClr val="accent1"/>
+          </a:effectRef>
+          <a:fontRef idx="minor">
+            <a:schemeClr val="tx1"/>
+          </a:fontRef>
+        </p:style>
+      </p:cxnSp>
+      <p:cxnSp>
+        <p:nvCxnSpPr>
+          <p:cNvPr id="6" name="Straight Connector 5">
+            <a:extLst>
+              <a:ext uri="{FF2B5EF4-FFF2-40B4-BE49-F238E27FC236}">
+                <a16:creationId xmlns:a16="http://schemas.microsoft.com/office/drawing/2014/main" id="{D4A791DC-C128-6C92-98CD-008D28DED87C}"/>
+              </a:ext>
+            </a:extLst>
+          </p:cNvPr>
+          <p:cNvCxnSpPr>
+            <a:cxnSpLocks/>
+          </p:cNvCxnSpPr>
+          <p:nvPr/>
+        </p:nvCxnSpPr>
+        <p:spPr>
+          <a:xfrm flipH="1" flipV="1">
+            <a:off x="9422125" y="4458111"/>
+            <a:ext cx="1309163" cy="1325275"/>
+          </a:xfrm>
+          <a:prstGeom prst="line">
+            <a:avLst/>
+          </a:prstGeom>
+          <a:ln w="38100"/>
+        </p:spPr>
+        <p:style>
+          <a:lnRef idx="1">
+            <a:schemeClr val="accent1"/>
+          </a:lnRef>
+          <a:fillRef idx="0">
+            <a:schemeClr val="accent1"/>
+          </a:fillRef>
+          <a:effectRef idx="0">
+            <a:schemeClr val="accent1"/>
+          </a:effectRef>
+          <a:fontRef idx="minor">
+            <a:schemeClr val="tx1"/>
+          </a:fontRef>
+        </p:style>
+      </p:cxnSp>
+      <p:cxnSp>
+        <p:nvCxnSpPr>
+          <p:cNvPr id="11" name="Straight Connector 10">
+            <a:extLst>
+              <a:ext uri="{FF2B5EF4-FFF2-40B4-BE49-F238E27FC236}">
+                <a16:creationId xmlns:a16="http://schemas.microsoft.com/office/drawing/2014/main" id="{7EC75209-2E19-5D34-B466-F95B416B903A}"/>
+              </a:ext>
+            </a:extLst>
+          </p:cNvPr>
+          <p:cNvCxnSpPr>
+            <a:cxnSpLocks/>
+          </p:cNvCxnSpPr>
+          <p:nvPr/>
+        </p:nvCxnSpPr>
+        <p:spPr>
+          <a:xfrm flipV="1">
+            <a:off x="10146657" y="4875600"/>
+            <a:ext cx="223857" cy="288446"/>
+          </a:xfrm>
+          <a:prstGeom prst="line">
+            <a:avLst/>
+          </a:prstGeom>
+          <a:ln w="31750">
+            <a:tailEnd type="triangle"/>
+          </a:ln>
+        </p:spPr>
+        <p:style>
+          <a:lnRef idx="1">
+            <a:schemeClr val="accent1"/>
+          </a:lnRef>
+          <a:fillRef idx="0">
+            <a:schemeClr val="accent1"/>
+          </a:fillRef>
+          <a:effectRef idx="0">
+            <a:schemeClr val="accent1"/>
+          </a:effectRef>
+          <a:fontRef idx="minor">
+            <a:schemeClr val="tx1"/>
+          </a:fontRef>
+        </p:style>
+      </p:cxnSp>
+      <p:cxnSp>
+        <p:nvCxnSpPr>
+          <p:cNvPr id="15" name="Straight Connector 14">
+            <a:extLst>
+              <a:ext uri="{FF2B5EF4-FFF2-40B4-BE49-F238E27FC236}">
+                <a16:creationId xmlns:a16="http://schemas.microsoft.com/office/drawing/2014/main" id="{03207EB0-3F87-421A-5283-77CC4550E402}"/>
+              </a:ext>
+            </a:extLst>
+          </p:cNvPr>
+          <p:cNvCxnSpPr>
+            <a:cxnSpLocks/>
+          </p:cNvCxnSpPr>
+          <p:nvPr/>
+        </p:nvCxnSpPr>
+        <p:spPr>
+          <a:xfrm flipV="1">
+            <a:off x="9421308" y="3044636"/>
+            <a:ext cx="47017" cy="1402877"/>
+          </a:xfrm>
+          <a:prstGeom prst="line">
+            <a:avLst/>
+          </a:prstGeom>
+          <a:ln w="38100">
+            <a:tailEnd type="triangle"/>
+          </a:ln>
+        </p:spPr>
+        <p:style>
+          <a:lnRef idx="1">
+            <a:schemeClr val="accent1"/>
+          </a:lnRef>
+          <a:fillRef idx="0">
+            <a:schemeClr val="accent1"/>
+          </a:fillRef>
+          <a:effectRef idx="0">
+            <a:schemeClr val="accent1"/>
+          </a:effectRef>
+          <a:fontRef idx="minor">
+            <a:schemeClr val="tx1"/>
+          </a:fontRef>
+        </p:style>
+      </p:cxnSp>
+      <p:cxnSp>
+        <p:nvCxnSpPr>
+          <p:cNvPr id="18" name="Straight Connector 17">
+            <a:extLst>
+              <a:ext uri="{FF2B5EF4-FFF2-40B4-BE49-F238E27FC236}">
+                <a16:creationId xmlns:a16="http://schemas.microsoft.com/office/drawing/2014/main" id="{DD606015-A225-8ED2-E210-EF5272A1AFCF}"/>
+              </a:ext>
+            </a:extLst>
+          </p:cNvPr>
+          <p:cNvCxnSpPr>
+            <a:cxnSpLocks/>
+          </p:cNvCxnSpPr>
+          <p:nvPr/>
+        </p:nvCxnSpPr>
+        <p:spPr>
+          <a:xfrm flipH="1" flipV="1">
+            <a:off x="8095003" y="3177496"/>
+            <a:ext cx="1309163" cy="1325275"/>
+          </a:xfrm>
+          <a:prstGeom prst="line">
+            <a:avLst/>
+          </a:prstGeom>
+          <a:ln>
+            <a:prstDash val="sysDot"/>
+          </a:ln>
+        </p:spPr>
+        <p:style>
+          <a:lnRef idx="1">
+            <a:schemeClr val="accent1"/>
+          </a:lnRef>
+          <a:fillRef idx="0">
+            <a:schemeClr val="accent1"/>
+          </a:fillRef>
+          <a:effectRef idx="0">
+            <a:schemeClr val="accent1"/>
+          </a:effectRef>
+          <a:fontRef idx="minor">
+            <a:schemeClr val="tx1"/>
+          </a:fontRef>
+        </p:style>
+      </p:cxnSp>
+      <p:cxnSp>
+        <p:nvCxnSpPr>
+          <p:cNvPr id="19" name="Straight Connector 18">
+            <a:extLst>
+              <a:ext uri="{FF2B5EF4-FFF2-40B4-BE49-F238E27FC236}">
+                <a16:creationId xmlns:a16="http://schemas.microsoft.com/office/drawing/2014/main" id="{EC7F775D-F49C-BD25-BEDD-D2844BFCC14A}"/>
+              </a:ext>
+            </a:extLst>
+          </p:cNvPr>
+          <p:cNvCxnSpPr>
+            <a:cxnSpLocks/>
+          </p:cNvCxnSpPr>
+          <p:nvPr/>
+        </p:nvCxnSpPr>
+        <p:spPr>
+          <a:xfrm flipV="1">
+            <a:off x="9425481" y="3176247"/>
+            <a:ext cx="1305807" cy="1271265"/>
+          </a:xfrm>
+          <a:prstGeom prst="line">
+            <a:avLst/>
+          </a:prstGeom>
+          <a:ln>
+            <a:prstDash val="sysDot"/>
+          </a:ln>
+        </p:spPr>
+        <p:style>
+          <a:lnRef idx="1">
+            <a:schemeClr val="accent1"/>
+          </a:lnRef>
+          <a:fillRef idx="0">
+            <a:schemeClr val="accent1"/>
+          </a:fillRef>
+          <a:effectRef idx="0">
+            <a:schemeClr val="accent1"/>
+          </a:effectRef>
+          <a:fontRef idx="minor">
+            <a:schemeClr val="tx1"/>
+          </a:fontRef>
+        </p:style>
+      </p:cxnSp>
+      <mc:AlternateContent xmlns:mc="http://schemas.openxmlformats.org/markup-compatibility/2006">
+        <mc:Choice xmlns:a14="http://schemas.microsoft.com/office/drawing/2010/main" Requires="a14">
+          <p:sp>
+            <p:nvSpPr>
+              <p:cNvPr id="22" name="TextBox 21">
+                <a:extLst>
+                  <a:ext uri="{FF2B5EF4-FFF2-40B4-BE49-F238E27FC236}">
+                    <a16:creationId xmlns:a16="http://schemas.microsoft.com/office/drawing/2014/main" id="{773E11E3-1853-D748-94F3-A0EF3B00636F}"/>
+                  </a:ext>
+                </a:extLst>
+              </p:cNvPr>
+              <p:cNvSpPr txBox="1"/>
+              <p:nvPr/>
+            </p:nvSpPr>
+            <p:spPr>
+              <a:xfrm>
+                <a:off x="755430" y="2679371"/>
+                <a:ext cx="6096000" cy="402931"/>
+              </a:xfrm>
+              <a:prstGeom prst="rect">
+                <a:avLst/>
+              </a:prstGeom>
+              <a:noFill/>
+            </p:spPr>
+            <p:txBody>
+              <a:bodyPr wrap="square">
+                <a:spAutoFit/>
+              </a:bodyPr>
+              <a:lstStyle/>
+              <a:p>
+                <a:pPr/>
+                <a14:m>
+                  <m:oMathPara xmlns:m="http://schemas.openxmlformats.org/officeDocument/2006/math">
+                    <m:oMathParaPr>
+                      <m:jc m:val="center"/>
+                    </m:oMathParaPr>
+                    <m:oMath xmlns:m="http://schemas.openxmlformats.org/officeDocument/2006/math">
+                      <m:r>
+                        <a:rPr lang="en-US" b="0" i="1" smtClean="0">
+                          <a:latin typeface="Cambria Math" panose="02040503050406030204" pitchFamily="18" charset="0"/>
+                        </a:rPr>
+                        <m:t>𝑟</m:t>
+                      </m:r>
+                      <m:r>
+                        <a:rPr lang="en-US" b="0" i="1" smtClean="0">
+                          <a:latin typeface="Cambria Math" panose="02040503050406030204" pitchFamily="18" charset="0"/>
+                        </a:rPr>
+                        <m:t>=</m:t>
+                      </m:r>
+                      <m:acc>
+                        <m:accPr>
+                          <m:chr m:val="⃑"/>
+                          <m:ctrlPr>
+                            <a:rPr lang="en-US" b="0" i="1" smtClean="0">
+                              <a:latin typeface="Cambria Math" panose="02040503050406030204" pitchFamily="18" charset="0"/>
+                            </a:rPr>
+                          </m:ctrlPr>
+                        </m:accPr>
+                        <m:e>
+                          <m:r>
+                            <a:rPr lang="en-US" b="0" i="1" smtClean="0">
+                              <a:latin typeface="Cambria Math" panose="02040503050406030204" pitchFamily="18" charset="0"/>
+                            </a:rPr>
+                            <m:t>𝑃</m:t>
+                          </m:r>
+                        </m:e>
+                      </m:acc>
+                      <m:r>
+                        <a:rPr lang="en-US" b="0" i="1" smtClean="0">
+                          <a:latin typeface="Cambria Math" panose="02040503050406030204" pitchFamily="18" charset="0"/>
+                        </a:rPr>
+                        <m:t>⋅</m:t>
+                      </m:r>
+                      <m:acc>
+                        <m:accPr>
+                          <m:chr m:val="̂"/>
+                          <m:ctrlPr>
+                            <a:rPr lang="en-US" i="1">
+                              <a:latin typeface="Cambria Math" panose="02040503050406030204" pitchFamily="18" charset="0"/>
+                            </a:rPr>
+                          </m:ctrlPr>
+                        </m:accPr>
+                        <m:e>
+                          <m:sSub>
+                            <m:sSubPr>
+                              <m:ctrlPr>
+                                <a:rPr lang="en-US" i="1">
+                                  <a:latin typeface="Cambria Math" panose="02040503050406030204" pitchFamily="18" charset="0"/>
+                                </a:rPr>
+                              </m:ctrlPr>
+                            </m:sSubPr>
+                            <m:e>
+                              <m:r>
+                                <a:rPr lang="en-US" i="1">
+                                  <a:latin typeface="Cambria Math" panose="02040503050406030204" pitchFamily="18" charset="0"/>
+                                </a:rPr>
+                                <m:t>𝑛</m:t>
+                              </m:r>
+                            </m:e>
+                            <m:sub>
+                              <m:r>
+                                <a:rPr lang="en-US" b="0" i="1" smtClean="0">
+                                  <a:latin typeface="Cambria Math" panose="02040503050406030204" pitchFamily="18" charset="0"/>
+                                </a:rPr>
+                                <m:t>𝑖</m:t>
+                              </m:r>
+                            </m:sub>
+                          </m:sSub>
+                        </m:e>
+                      </m:acc>
+                    </m:oMath>
+                  </m:oMathPara>
+                </a14:m>
+                <a:endParaRPr lang="en-US" b="0" dirty="0"/>
+              </a:p>
+            </p:txBody>
+          </p:sp>
+        </mc:Choice>
+        <mc:Fallback>
+          <p:sp>
+            <p:nvSpPr>
+              <p:cNvPr id="22" name="TextBox 21">
+                <a:extLst>
+                  <a:ext uri="{FF2B5EF4-FFF2-40B4-BE49-F238E27FC236}">
+                    <a16:creationId xmlns:a16="http://schemas.microsoft.com/office/drawing/2014/main" id="{773E11E3-1853-D748-94F3-A0EF3B00636F}"/>
+                  </a:ext>
+                </a:extLst>
+              </p:cNvPr>
+              <p:cNvSpPr txBox="1">
+                <a:spLocks noRot="1" noChangeAspect="1" noMove="1" noResize="1" noEditPoints="1" noAdjustHandles="1" noChangeArrowheads="1" noChangeShapeType="1" noTextEdit="1"/>
+              </p:cNvSpPr>
+              <p:nvPr/>
+            </p:nvSpPr>
+            <p:spPr>
+              <a:xfrm>
+                <a:off x="755430" y="2679371"/>
+                <a:ext cx="6096000" cy="402931"/>
+              </a:xfrm>
+              <a:prstGeom prst="rect">
+                <a:avLst/>
+              </a:prstGeom>
+              <a:blipFill>
+                <a:blip r:embed="rId2"/>
+                <a:stretch>
+                  <a:fillRect b="-1515"/>
+                </a:stretch>
+              </a:blipFill>
+            </p:spPr>
+            <p:txBody>
+              <a:bodyPr/>
+              <a:lstStyle/>
+              <a:p>
+                <a:r>
+                  <a:rPr lang="en-US">
+                    <a:noFill/>
+                  </a:rPr>
+                  <a:t> </a:t>
+                </a:r>
+              </a:p>
+            </p:txBody>
+          </p:sp>
+        </mc:Fallback>
+      </mc:AlternateContent>
+      <mc:AlternateContent xmlns:mc="http://schemas.openxmlformats.org/markup-compatibility/2006" xmlns:a14="http://schemas.microsoft.com/office/drawing/2010/main">
+        <mc:Choice Requires="a14">
+          <p:sp>
+            <p:nvSpPr>
+              <p:cNvPr id="23" name="TextBox 22">
+                <a:extLst>
+                  <a:ext uri="{FF2B5EF4-FFF2-40B4-BE49-F238E27FC236}">
+                    <a16:creationId xmlns:a16="http://schemas.microsoft.com/office/drawing/2014/main" id="{59C71E91-958A-7041-22AF-68E30286FF83}"/>
+                  </a:ext>
+                </a:extLst>
+              </p:cNvPr>
+              <p:cNvSpPr txBox="1"/>
+              <p:nvPr/>
+            </p:nvSpPr>
+            <p:spPr>
+              <a:xfrm>
+                <a:off x="9143713" y="2601302"/>
+                <a:ext cx="248465" cy="276999"/>
+              </a:xfrm>
+              <a:prstGeom prst="rect">
+                <a:avLst/>
+              </a:prstGeom>
+              <a:noFill/>
+            </p:spPr>
+            <p:txBody>
+              <a:bodyPr wrap="square" lIns="0" tIns="0" rIns="0" bIns="0" rtlCol="0">
+                <a:spAutoFit/>
+              </a:bodyPr>
+              <a:lstStyle/>
+              <a:p>
+                <a:pPr/>
+                <a14:m>
+                  <m:oMathPara xmlns:m="http://schemas.openxmlformats.org/officeDocument/2006/math">
+                    <m:oMathParaPr>
+                      <m:jc m:val="centerGroup"/>
+                    </m:oMathParaPr>
+                    <m:oMath xmlns:m="http://schemas.openxmlformats.org/officeDocument/2006/math">
+                      <m:r>
+                        <a:rPr lang="en-US" b="0" i="1" smtClean="0">
+                          <a:latin typeface="Cambria Math" panose="02040503050406030204" pitchFamily="18" charset="0"/>
+                        </a:rPr>
+                        <m:t>(</m:t>
+                      </m:r>
+                      <m:r>
+                        <a:rPr lang="en-US" b="0" i="1" smtClean="0">
+                          <a:latin typeface="Cambria Math" panose="02040503050406030204" pitchFamily="18" charset="0"/>
+                        </a:rPr>
+                        <m:t>𝐶𝑥</m:t>
+                      </m:r>
+                      <m:r>
+                        <a:rPr lang="en-US" b="0" i="1" smtClean="0">
+                          <a:latin typeface="Cambria Math" panose="02040503050406030204" pitchFamily="18" charset="0"/>
+                        </a:rPr>
+                        <m:t>, </m:t>
+                      </m:r>
+                      <m:r>
+                        <a:rPr lang="en-US" b="0" i="1" smtClean="0">
+                          <a:latin typeface="Cambria Math" panose="02040503050406030204" pitchFamily="18" charset="0"/>
+                        </a:rPr>
+                        <m:t>𝐶𝑦</m:t>
+                      </m:r>
+                      <m:r>
+                        <a:rPr lang="en-US" b="0" i="1" smtClean="0">
+                          <a:latin typeface="Cambria Math" panose="02040503050406030204" pitchFamily="18" charset="0"/>
+                        </a:rPr>
+                        <m:t>)</m:t>
+                      </m:r>
+                    </m:oMath>
+                  </m:oMathPara>
+                </a14:m>
+                <a:endParaRPr lang="en-US" dirty="0"/>
+              </a:p>
+            </p:txBody>
+          </p:sp>
+        </mc:Choice>
+        <mc:Fallback xmlns="">
+          <p:sp>
+            <p:nvSpPr>
+              <p:cNvPr id="23" name="TextBox 22">
+                <a:extLst>
+                  <a:ext uri="{FF2B5EF4-FFF2-40B4-BE49-F238E27FC236}">
+                    <a16:creationId xmlns:a16="http://schemas.microsoft.com/office/drawing/2014/main" id="{C269AD5C-D53B-0705-4BFC-F6542823E55B}"/>
+                  </a:ext>
+                </a:extLst>
+              </p:cNvPr>
+              <p:cNvSpPr txBox="1">
+                <a:spLocks noRot="1" noChangeAspect="1" noMove="1" noResize="1" noEditPoints="1" noAdjustHandles="1" noChangeArrowheads="1" noChangeShapeType="1" noTextEdit="1"/>
+              </p:cNvSpPr>
+              <p:nvPr/>
+            </p:nvSpPr>
+            <p:spPr>
+              <a:xfrm>
+                <a:off x="9143713" y="2601302"/>
+                <a:ext cx="248465" cy="276999"/>
+              </a:xfrm>
+              <a:prstGeom prst="rect">
+                <a:avLst/>
+              </a:prstGeom>
+              <a:blipFill>
+                <a:blip r:embed="rId5"/>
+                <a:stretch>
+                  <a:fillRect l="-43902" t="-4444" r="-268293" b="-35556"/>
+                </a:stretch>
+              </a:blipFill>
+            </p:spPr>
+            <p:txBody>
+              <a:bodyPr/>
+              <a:lstStyle/>
+              <a:p>
+                <a:r>
+                  <a:rPr lang="en-US">
+                    <a:noFill/>
+                  </a:rPr>
+                  <a:t> </a:t>
+                </a:r>
+              </a:p>
+            </p:txBody>
+          </p:sp>
+        </mc:Fallback>
+      </mc:AlternateContent>
+      <p:cxnSp>
+        <p:nvCxnSpPr>
+          <p:cNvPr id="25" name="Straight Connector 24">
+            <a:extLst>
+              <a:ext uri="{FF2B5EF4-FFF2-40B4-BE49-F238E27FC236}">
+                <a16:creationId xmlns:a16="http://schemas.microsoft.com/office/drawing/2014/main" id="{EA854F5B-0A7B-4713-1489-85184589318D}"/>
+              </a:ext>
+            </a:extLst>
+          </p:cNvPr>
+          <p:cNvCxnSpPr>
+            <a:cxnSpLocks/>
+          </p:cNvCxnSpPr>
+          <p:nvPr/>
+        </p:nvCxnSpPr>
+        <p:spPr>
+          <a:xfrm flipH="1" flipV="1">
+            <a:off x="8376148" y="4929308"/>
+            <a:ext cx="291962" cy="281685"/>
+          </a:xfrm>
+          <a:prstGeom prst="line">
+            <a:avLst/>
+          </a:prstGeom>
+          <a:ln w="31750">
+            <a:tailEnd type="triangle"/>
+          </a:ln>
+        </p:spPr>
+        <p:style>
+          <a:lnRef idx="1">
+            <a:schemeClr val="accent1"/>
+          </a:lnRef>
+          <a:fillRef idx="0">
+            <a:schemeClr val="accent1"/>
+          </a:fillRef>
+          <a:effectRef idx="0">
+            <a:schemeClr val="accent1"/>
+          </a:effectRef>
+          <a:fontRef idx="minor">
+            <a:schemeClr val="tx1"/>
+          </a:fontRef>
+        </p:style>
+      </p:cxnSp>
+      <mc:AlternateContent xmlns:mc="http://schemas.openxmlformats.org/markup-compatibility/2006" xmlns:a14="http://schemas.microsoft.com/office/drawing/2010/main">
+        <mc:Choice Requires="a14">
+          <p:sp>
+            <p:nvSpPr>
+              <p:cNvPr id="26" name="TextBox 25">
+                <a:extLst>
+                  <a:ext uri="{FF2B5EF4-FFF2-40B4-BE49-F238E27FC236}">
+                    <a16:creationId xmlns:a16="http://schemas.microsoft.com/office/drawing/2014/main" id="{32AC285B-E97A-6132-D4F4-4F0F912D0888}"/>
+                  </a:ext>
+                </a:extLst>
+              </p:cNvPr>
+              <p:cNvSpPr txBox="1"/>
+              <p:nvPr/>
+            </p:nvSpPr>
+            <p:spPr>
+              <a:xfrm>
+                <a:off x="7513531" y="5649846"/>
+                <a:ext cx="469937" cy="276999"/>
+              </a:xfrm>
+              <a:prstGeom prst="rect">
+                <a:avLst/>
+              </a:prstGeom>
+              <a:noFill/>
+            </p:spPr>
+            <p:txBody>
+              <a:bodyPr wrap="none" lIns="0" tIns="0" rIns="0" bIns="0" rtlCol="0">
+                <a:spAutoFit/>
+              </a:bodyPr>
+              <a:lstStyle/>
+              <a:p>
+                <a:pPr/>
+                <a14:m>
+                  <m:oMathPara xmlns:m="http://schemas.openxmlformats.org/officeDocument/2006/math">
+                    <m:oMathParaPr>
+                      <m:jc m:val="centerGroup"/>
+                    </m:oMathParaPr>
+                    <m:oMath xmlns:m="http://schemas.openxmlformats.org/officeDocument/2006/math">
+                      <m:sSub>
+                        <m:sSubPr>
+                          <m:ctrlPr>
+                            <a:rPr lang="en-US" b="0" i="1" smtClean="0">
+                              <a:latin typeface="Cambria Math" panose="02040503050406030204" pitchFamily="18" charset="0"/>
+                            </a:rPr>
+                          </m:ctrlPr>
+                        </m:sSubPr>
+                        <m:e>
+                          <m:r>
+                            <a:rPr lang="en-US" b="0" i="1" smtClean="0">
+                              <a:latin typeface="Cambria Math" panose="02040503050406030204" pitchFamily="18" charset="0"/>
+                            </a:rPr>
+                            <m:t>𝑣</m:t>
+                          </m:r>
+                        </m:e>
+                        <m:sub>
+                          <m:r>
+                            <a:rPr lang="en-US" b="0" i="1" smtClean="0">
+                              <a:latin typeface="Cambria Math" panose="02040503050406030204" pitchFamily="18" charset="0"/>
+                            </a:rPr>
+                            <m:t>𝑖</m:t>
+                          </m:r>
+                          <m:r>
+                            <a:rPr lang="en-US" b="0" i="1" smtClean="0">
+                              <a:latin typeface="Cambria Math" panose="02040503050406030204" pitchFamily="18" charset="0"/>
+                            </a:rPr>
+                            <m:t>−1</m:t>
+                          </m:r>
+                        </m:sub>
+                      </m:sSub>
+                    </m:oMath>
+                  </m:oMathPara>
+                </a14:m>
+                <a:endParaRPr lang="en-US" b="0" dirty="0"/>
+              </a:p>
+            </p:txBody>
+          </p:sp>
+        </mc:Choice>
+        <mc:Fallback xmlns="">
+          <p:sp>
+            <p:nvSpPr>
+              <p:cNvPr id="26" name="TextBox 25">
+                <a:extLst>
+                  <a:ext uri="{FF2B5EF4-FFF2-40B4-BE49-F238E27FC236}">
+                    <a16:creationId xmlns:a16="http://schemas.microsoft.com/office/drawing/2014/main" id="{7C9CE853-BEA9-0610-9D25-217ECD478C16}"/>
+                  </a:ext>
+                </a:extLst>
+              </p:cNvPr>
+              <p:cNvSpPr txBox="1">
+                <a:spLocks noRot="1" noChangeAspect="1" noMove="1" noResize="1" noEditPoints="1" noAdjustHandles="1" noChangeArrowheads="1" noChangeShapeType="1" noTextEdit="1"/>
+              </p:cNvSpPr>
+              <p:nvPr/>
+            </p:nvSpPr>
+            <p:spPr>
+              <a:xfrm>
+                <a:off x="7513531" y="5649846"/>
+                <a:ext cx="469937" cy="276999"/>
+              </a:xfrm>
+              <a:prstGeom prst="rect">
+                <a:avLst/>
+              </a:prstGeom>
+              <a:blipFill>
+                <a:blip r:embed="rId6"/>
+                <a:stretch>
+                  <a:fillRect l="-6494" r="-3896" b="-17778"/>
+                </a:stretch>
+              </a:blipFill>
+            </p:spPr>
+            <p:txBody>
+              <a:bodyPr/>
+              <a:lstStyle/>
+              <a:p>
+                <a:r>
+                  <a:rPr lang="en-US">
+                    <a:noFill/>
+                  </a:rPr>
+                  <a:t> </a:t>
+                </a:r>
+              </a:p>
+            </p:txBody>
+          </p:sp>
+        </mc:Fallback>
+      </mc:AlternateContent>
+      <mc:AlternateContent xmlns:mc="http://schemas.openxmlformats.org/markup-compatibility/2006" xmlns:a14="http://schemas.microsoft.com/office/drawing/2010/main">
+        <mc:Choice Requires="a14">
+          <p:sp>
+            <p:nvSpPr>
+              <p:cNvPr id="28" name="TextBox 27">
+                <a:extLst>
+                  <a:ext uri="{FF2B5EF4-FFF2-40B4-BE49-F238E27FC236}">
+                    <a16:creationId xmlns:a16="http://schemas.microsoft.com/office/drawing/2014/main" id="{7F92374F-21B1-DDFC-0D0F-E2006356AF7E}"/>
+                  </a:ext>
+                </a:extLst>
+              </p:cNvPr>
+              <p:cNvSpPr txBox="1"/>
+              <p:nvPr/>
+            </p:nvSpPr>
+            <p:spPr>
+              <a:xfrm>
+                <a:off x="8283402" y="4652309"/>
+                <a:ext cx="480196" cy="276999"/>
+              </a:xfrm>
+              <a:prstGeom prst="rect">
+                <a:avLst/>
+              </a:prstGeom>
+              <a:noFill/>
+            </p:spPr>
+            <p:txBody>
+              <a:bodyPr wrap="none" lIns="0" tIns="0" rIns="0" bIns="0" rtlCol="0">
+                <a:spAutoFit/>
+              </a:bodyPr>
+              <a:lstStyle/>
+              <a:p>
+                <a:pPr/>
+                <a14:m>
+                  <m:oMathPara xmlns:m="http://schemas.openxmlformats.org/officeDocument/2006/math">
+                    <m:oMathParaPr>
+                      <m:jc m:val="centerGroup"/>
+                    </m:oMathParaPr>
+                    <m:oMath xmlns:m="http://schemas.openxmlformats.org/officeDocument/2006/math">
+                      <m:acc>
+                        <m:accPr>
+                          <m:chr m:val="̂"/>
+                          <m:ctrlPr>
+                            <a:rPr lang="en-US" b="0" i="1" smtClean="0">
+                              <a:latin typeface="Cambria Math" panose="02040503050406030204" pitchFamily="18" charset="0"/>
+                            </a:rPr>
+                          </m:ctrlPr>
+                        </m:accPr>
+                        <m:e>
+                          <m:sSub>
+                            <m:sSubPr>
+                              <m:ctrlPr>
+                                <a:rPr lang="en-US" b="0" i="1" smtClean="0">
+                                  <a:latin typeface="Cambria Math" panose="02040503050406030204" pitchFamily="18" charset="0"/>
+                                </a:rPr>
+                              </m:ctrlPr>
+                            </m:sSubPr>
+                            <m:e>
+                              <m:r>
+                                <a:rPr lang="en-US" b="0" i="1" smtClean="0">
+                                  <a:latin typeface="Cambria Math" panose="02040503050406030204" pitchFamily="18" charset="0"/>
+                                </a:rPr>
+                                <m:t>𝑛</m:t>
+                              </m:r>
+                            </m:e>
+                            <m:sub>
+                              <m:r>
+                                <a:rPr lang="en-US" b="0" i="1" smtClean="0">
+                                  <a:latin typeface="Cambria Math" panose="02040503050406030204" pitchFamily="18" charset="0"/>
+                                </a:rPr>
+                                <m:t>𝑖</m:t>
+                              </m:r>
+                              <m:r>
+                                <a:rPr lang="en-US" b="0" i="1" smtClean="0">
+                                  <a:latin typeface="Cambria Math" panose="02040503050406030204" pitchFamily="18" charset="0"/>
+                                </a:rPr>
+                                <m:t>−1</m:t>
+                              </m:r>
+                            </m:sub>
+                          </m:sSub>
+                        </m:e>
+                      </m:acc>
+                    </m:oMath>
+                  </m:oMathPara>
+                </a14:m>
+                <a:endParaRPr lang="en-US" b="0" dirty="0"/>
+              </a:p>
+            </p:txBody>
+          </p:sp>
+        </mc:Choice>
+        <mc:Fallback xmlns="">
+          <p:sp>
+            <p:nvSpPr>
+              <p:cNvPr id="28" name="TextBox 27">
+                <a:extLst>
+                  <a:ext uri="{FF2B5EF4-FFF2-40B4-BE49-F238E27FC236}">
+                    <a16:creationId xmlns:a16="http://schemas.microsoft.com/office/drawing/2014/main" id="{94AE3574-34D2-6B66-0AAF-4FDF13B721A6}"/>
+                  </a:ext>
+                </a:extLst>
+              </p:cNvPr>
+              <p:cNvSpPr txBox="1">
+                <a:spLocks noRot="1" noChangeAspect="1" noMove="1" noResize="1" noEditPoints="1" noAdjustHandles="1" noChangeArrowheads="1" noChangeShapeType="1" noTextEdit="1"/>
+              </p:cNvSpPr>
+              <p:nvPr/>
+            </p:nvSpPr>
+            <p:spPr>
+              <a:xfrm>
+                <a:off x="8283402" y="4652309"/>
+                <a:ext cx="480196" cy="276999"/>
+              </a:xfrm>
+              <a:prstGeom prst="rect">
+                <a:avLst/>
+              </a:prstGeom>
+              <a:blipFill>
+                <a:blip r:embed="rId7"/>
+                <a:stretch>
+                  <a:fillRect l="-11392" t="-23913" r="-25316" b="-17391"/>
+                </a:stretch>
+              </a:blipFill>
+            </p:spPr>
+            <p:txBody>
+              <a:bodyPr/>
+              <a:lstStyle/>
+              <a:p>
+                <a:r>
+                  <a:rPr lang="en-US">
+                    <a:noFill/>
+                  </a:rPr>
+                  <a:t> </a:t>
+                </a:r>
+              </a:p>
+            </p:txBody>
+          </p:sp>
+        </mc:Fallback>
+      </mc:AlternateContent>
+      <p:sp>
+        <p:nvSpPr>
+          <p:cNvPr id="30" name="Oval 29">
+            <a:extLst>
+              <a:ext uri="{FF2B5EF4-FFF2-40B4-BE49-F238E27FC236}">
+                <a16:creationId xmlns:a16="http://schemas.microsoft.com/office/drawing/2014/main" id="{5CD3FF73-A559-0F19-64E7-A46667CAC8AC}"/>
+              </a:ext>
+            </a:extLst>
+          </p:cNvPr>
+          <p:cNvSpPr/>
+          <p:nvPr/>
+        </p:nvSpPr>
+        <p:spPr>
+          <a:xfrm>
+            <a:off x="9468325" y="2915928"/>
+            <a:ext cx="55825" cy="67392"/>
+          </a:xfrm>
+          <a:prstGeom prst="ellipse">
+            <a:avLst/>
+          </a:prstGeom>
+          <a:solidFill>
+            <a:schemeClr val="tx1"/>
+          </a:solidFill>
+          <a:ln>
+            <a:solidFill>
+              <a:schemeClr val="tx1"/>
+            </a:solidFill>
+          </a:ln>
+        </p:spPr>
+        <p:txBody>
+          <a:bodyPr wrap="square" lIns="91440" tIns="45720" rIns="91440" bIns="45720" rtlCol="0" anchor="t">
+            <a:spAutoFit/>
+          </a:bodyPr>
+          <a:lstStyle/>
+          <a:p>
+            <a:pPr algn="l"/>
+            <a:endParaRPr lang="en-US" sz="1200" dirty="0">
+              <a:solidFill>
+                <a:schemeClr val="accent6">
+                  <a:lumMod val="75000"/>
+                </a:schemeClr>
+              </a:solidFill>
+              <a:latin typeface="Courier New"/>
+              <a:cs typeface="Calibri"/>
+            </a:endParaRPr>
+          </a:p>
+        </p:txBody>
+      </p:sp>
+      <p:cxnSp>
+        <p:nvCxnSpPr>
+          <p:cNvPr id="32" name="Straight Arrow Connector 31">
+            <a:extLst>
+              <a:ext uri="{FF2B5EF4-FFF2-40B4-BE49-F238E27FC236}">
+                <a16:creationId xmlns:a16="http://schemas.microsoft.com/office/drawing/2014/main" id="{6679E334-EE1F-9D2C-5861-3CFF23013FA1}"/>
+              </a:ext>
+            </a:extLst>
+          </p:cNvPr>
+          <p:cNvCxnSpPr>
+            <a:stCxn id="4" idx="3"/>
+          </p:cNvCxnSpPr>
+          <p:nvPr/>
+        </p:nvCxnSpPr>
+        <p:spPr>
+          <a:xfrm flipV="1">
+            <a:off x="8649790" y="3037747"/>
+            <a:ext cx="784618" cy="656623"/>
+          </a:xfrm>
+          <a:prstGeom prst="straightConnector1">
+            <a:avLst/>
+          </a:prstGeom>
+          <a:ln>
+            <a:tailEnd type="triangle"/>
+          </a:ln>
+        </p:spPr>
+        <p:style>
+          <a:lnRef idx="1">
+            <a:schemeClr val="accent1"/>
+          </a:lnRef>
+          <a:fillRef idx="0">
+            <a:schemeClr val="accent1"/>
+          </a:fillRef>
+          <a:effectRef idx="0">
+            <a:schemeClr val="accent1"/>
+          </a:effectRef>
+          <a:fontRef idx="minor">
+            <a:schemeClr val="tx1"/>
+          </a:fontRef>
+        </p:style>
+      </p:cxnSp>
+      <mc:AlternateContent xmlns:mc="http://schemas.openxmlformats.org/markup-compatibility/2006" xmlns:a14="http://schemas.microsoft.com/office/drawing/2010/main">
+        <mc:Choice Requires="a14">
+          <p:sp>
+            <p:nvSpPr>
+              <p:cNvPr id="33" name="TextBox 32">
+                <a:extLst>
+                  <a:ext uri="{FF2B5EF4-FFF2-40B4-BE49-F238E27FC236}">
+                    <a16:creationId xmlns:a16="http://schemas.microsoft.com/office/drawing/2014/main" id="{B960FB03-9ACC-445C-024B-7A8EBA0C5DB2}"/>
+                  </a:ext>
+                </a:extLst>
+              </p:cNvPr>
+              <p:cNvSpPr txBox="1"/>
+              <p:nvPr/>
+            </p:nvSpPr>
+            <p:spPr>
+              <a:xfrm>
+                <a:off x="8851695" y="3089059"/>
+                <a:ext cx="166969" cy="276999"/>
+              </a:xfrm>
+              <a:prstGeom prst="rect">
+                <a:avLst/>
+              </a:prstGeom>
+              <a:noFill/>
+            </p:spPr>
+            <p:txBody>
+              <a:bodyPr wrap="none" lIns="0" tIns="0" rIns="0" bIns="0" rtlCol="0">
+                <a:spAutoFit/>
+              </a:bodyPr>
+              <a:lstStyle/>
+              <a:p>
+                <a:pPr/>
+                <a14:m>
+                  <m:oMathPara xmlns:m="http://schemas.openxmlformats.org/officeDocument/2006/math">
+                    <m:oMathParaPr>
+                      <m:jc m:val="centerGroup"/>
+                    </m:oMathParaPr>
+                    <m:oMath xmlns:m="http://schemas.openxmlformats.org/officeDocument/2006/math">
+                      <m:r>
+                        <a:rPr lang="en-US" b="0" i="1" smtClean="0">
+                          <a:latin typeface="Cambria Math" panose="02040503050406030204" pitchFamily="18" charset="0"/>
+                        </a:rPr>
+                        <m:t>𝑟</m:t>
+                      </m:r>
+                    </m:oMath>
+                  </m:oMathPara>
+                </a14:m>
+                <a:endParaRPr lang="en-US" b="0" dirty="0"/>
+              </a:p>
+            </p:txBody>
+          </p:sp>
+        </mc:Choice>
+        <mc:Fallback xmlns="">
+          <p:sp>
+            <p:nvSpPr>
+              <p:cNvPr id="33" name="TextBox 32">
+                <a:extLst>
+                  <a:ext uri="{FF2B5EF4-FFF2-40B4-BE49-F238E27FC236}">
+                    <a16:creationId xmlns:a16="http://schemas.microsoft.com/office/drawing/2014/main" id="{C28817DC-6FFE-1ABB-2D9B-3E1897DA3E59}"/>
+                  </a:ext>
+                </a:extLst>
+              </p:cNvPr>
+              <p:cNvSpPr txBox="1">
+                <a:spLocks noRot="1" noChangeAspect="1" noMove="1" noResize="1" noEditPoints="1" noAdjustHandles="1" noChangeArrowheads="1" noChangeShapeType="1" noTextEdit="1"/>
+              </p:cNvSpPr>
+              <p:nvPr/>
+            </p:nvSpPr>
+            <p:spPr>
+              <a:xfrm>
+                <a:off x="8851695" y="3089059"/>
+                <a:ext cx="166969" cy="276999"/>
+              </a:xfrm>
+              <a:prstGeom prst="rect">
+                <a:avLst/>
+              </a:prstGeom>
+              <a:blipFill>
+                <a:blip r:embed="rId8"/>
+                <a:stretch>
+                  <a:fillRect l="-22222" r="-18519"/>
+                </a:stretch>
+              </a:blipFill>
+            </p:spPr>
+            <p:txBody>
+              <a:bodyPr/>
+              <a:lstStyle/>
+              <a:p>
+                <a:r>
+                  <a:rPr lang="en-US">
+                    <a:noFill/>
+                  </a:rPr>
+                  <a:t> </a:t>
+                </a:r>
+              </a:p>
+            </p:txBody>
+          </p:sp>
+        </mc:Fallback>
+      </mc:AlternateContent>
+      <mc:AlternateContent xmlns:mc="http://schemas.openxmlformats.org/markup-compatibility/2006" xmlns:a14="http://schemas.microsoft.com/office/drawing/2010/main">
+        <mc:Choice Requires="a14">
+          <p:sp>
+            <p:nvSpPr>
+              <p:cNvPr id="34" name="TextBox 33">
+                <a:extLst>
+                  <a:ext uri="{FF2B5EF4-FFF2-40B4-BE49-F238E27FC236}">
+                    <a16:creationId xmlns:a16="http://schemas.microsoft.com/office/drawing/2014/main" id="{095C7B19-B6DC-F95B-AA97-45B248A5FF9D}"/>
+                  </a:ext>
+                </a:extLst>
+              </p:cNvPr>
+              <p:cNvSpPr txBox="1"/>
+              <p:nvPr/>
+            </p:nvSpPr>
+            <p:spPr>
+              <a:xfrm>
+                <a:off x="10191853" y="4472011"/>
+                <a:ext cx="260584" cy="276999"/>
+              </a:xfrm>
+              <a:prstGeom prst="rect">
+                <a:avLst/>
+              </a:prstGeom>
+              <a:noFill/>
+            </p:spPr>
+            <p:txBody>
+              <a:bodyPr wrap="none" lIns="0" tIns="0" rIns="0" bIns="0" rtlCol="0">
+                <a:spAutoFit/>
+              </a:bodyPr>
+              <a:lstStyle/>
+              <a:p>
+                <a:pPr/>
+                <a14:m>
+                  <m:oMathPara xmlns:m="http://schemas.openxmlformats.org/officeDocument/2006/math">
+                    <m:oMathParaPr>
+                      <m:jc m:val="centerGroup"/>
+                    </m:oMathParaPr>
+                    <m:oMath xmlns:m="http://schemas.openxmlformats.org/officeDocument/2006/math">
+                      <m:acc>
+                        <m:accPr>
+                          <m:chr m:val="̂"/>
+                          <m:ctrlPr>
+                            <a:rPr lang="en-US" b="0" i="1" smtClean="0">
+                              <a:latin typeface="Cambria Math" panose="02040503050406030204" pitchFamily="18" charset="0"/>
+                            </a:rPr>
+                          </m:ctrlPr>
+                        </m:accPr>
+                        <m:e>
+                          <m:sSub>
+                            <m:sSubPr>
+                              <m:ctrlPr>
+                                <a:rPr lang="en-US" b="0" i="1" smtClean="0">
+                                  <a:latin typeface="Cambria Math" panose="02040503050406030204" pitchFamily="18" charset="0"/>
+                                </a:rPr>
+                              </m:ctrlPr>
+                            </m:sSubPr>
+                            <m:e>
+                              <m:r>
+                                <a:rPr lang="en-US" b="0" i="1" smtClean="0">
+                                  <a:latin typeface="Cambria Math" panose="02040503050406030204" pitchFamily="18" charset="0"/>
+                                </a:rPr>
+                                <m:t>𝑛</m:t>
+                              </m:r>
+                            </m:e>
+                            <m:sub>
+                              <m:r>
+                                <a:rPr lang="en-US" b="0" i="1" smtClean="0">
+                                  <a:latin typeface="Cambria Math" panose="02040503050406030204" pitchFamily="18" charset="0"/>
+                                </a:rPr>
+                                <m:t>𝑖</m:t>
+                              </m:r>
+                            </m:sub>
+                          </m:sSub>
+                        </m:e>
+                      </m:acc>
+                    </m:oMath>
+                  </m:oMathPara>
+                </a14:m>
+                <a:endParaRPr lang="en-US" b="0" dirty="0"/>
+              </a:p>
+            </p:txBody>
+          </p:sp>
+        </mc:Choice>
+        <mc:Fallback xmlns="">
+          <p:sp>
+            <p:nvSpPr>
+              <p:cNvPr id="34" name="TextBox 33">
+                <a:extLst>
+                  <a:ext uri="{FF2B5EF4-FFF2-40B4-BE49-F238E27FC236}">
+                    <a16:creationId xmlns:a16="http://schemas.microsoft.com/office/drawing/2014/main" id="{22B3F735-3AF2-A7B8-FD3A-94D96D9276EC}"/>
+                  </a:ext>
+                </a:extLst>
+              </p:cNvPr>
+              <p:cNvSpPr txBox="1">
+                <a:spLocks noRot="1" noChangeAspect="1" noMove="1" noResize="1" noEditPoints="1" noAdjustHandles="1" noChangeArrowheads="1" noChangeShapeType="1" noTextEdit="1"/>
+              </p:cNvSpPr>
+              <p:nvPr/>
+            </p:nvSpPr>
+            <p:spPr>
+              <a:xfrm>
+                <a:off x="10191853" y="4472011"/>
+                <a:ext cx="260584" cy="276999"/>
+              </a:xfrm>
+              <a:prstGeom prst="rect">
+                <a:avLst/>
+              </a:prstGeom>
+              <a:blipFill>
+                <a:blip r:embed="rId9"/>
+                <a:stretch>
+                  <a:fillRect l="-13953" t="-26667" r="-55814" b="-17778"/>
+                </a:stretch>
+              </a:blipFill>
+            </p:spPr>
+            <p:txBody>
+              <a:bodyPr/>
+              <a:lstStyle/>
+              <a:p>
+                <a:r>
+                  <a:rPr lang="en-US">
+                    <a:noFill/>
+                  </a:rPr>
+                  <a:t> </a:t>
+                </a:r>
+              </a:p>
+            </p:txBody>
+          </p:sp>
+        </mc:Fallback>
+      </mc:AlternateContent>
+      <mc:AlternateContent xmlns:mc="http://schemas.openxmlformats.org/markup-compatibility/2006" xmlns:a14="http://schemas.microsoft.com/office/drawing/2010/main">
+        <mc:Choice Requires="a14">
+          <p:sp>
+            <p:nvSpPr>
+              <p:cNvPr id="35" name="TextBox 34">
+                <a:extLst>
+                  <a:ext uri="{FF2B5EF4-FFF2-40B4-BE49-F238E27FC236}">
+                    <a16:creationId xmlns:a16="http://schemas.microsoft.com/office/drawing/2014/main" id="{0F546606-4585-8D04-5E37-4C5867A3743A}"/>
+                  </a:ext>
+                </a:extLst>
+              </p:cNvPr>
+              <p:cNvSpPr txBox="1"/>
+              <p:nvPr/>
+            </p:nvSpPr>
+            <p:spPr>
+              <a:xfrm>
+                <a:off x="9243724" y="4583819"/>
+                <a:ext cx="250325" cy="276999"/>
+              </a:xfrm>
+              <a:prstGeom prst="rect">
+                <a:avLst/>
+              </a:prstGeom>
+              <a:noFill/>
+            </p:spPr>
+            <p:txBody>
+              <a:bodyPr wrap="none" lIns="0" tIns="0" rIns="0" bIns="0" rtlCol="0">
+                <a:spAutoFit/>
+              </a:bodyPr>
+              <a:lstStyle/>
+              <a:p>
+                <a:pPr/>
+                <a14:m>
+                  <m:oMathPara xmlns:m="http://schemas.openxmlformats.org/officeDocument/2006/math">
+                    <m:oMathParaPr>
+                      <m:jc m:val="centerGroup"/>
+                    </m:oMathParaPr>
+                    <m:oMath xmlns:m="http://schemas.openxmlformats.org/officeDocument/2006/math">
+                      <m:sSub>
+                        <m:sSubPr>
+                          <m:ctrlPr>
+                            <a:rPr lang="en-US" b="0" i="1" smtClean="0">
+                              <a:latin typeface="Cambria Math" panose="02040503050406030204" pitchFamily="18" charset="0"/>
+                            </a:rPr>
+                          </m:ctrlPr>
+                        </m:sSubPr>
+                        <m:e>
+                          <m:r>
+                            <a:rPr lang="en-US" b="0" i="1" smtClean="0">
+                              <a:latin typeface="Cambria Math" panose="02040503050406030204" pitchFamily="18" charset="0"/>
+                            </a:rPr>
+                            <m:t>𝑣</m:t>
+                          </m:r>
+                        </m:e>
+                        <m:sub>
+                          <m:r>
+                            <a:rPr lang="en-US" b="0" i="1" smtClean="0">
+                              <a:latin typeface="Cambria Math" panose="02040503050406030204" pitchFamily="18" charset="0"/>
+                            </a:rPr>
+                            <m:t>𝑖</m:t>
+                          </m:r>
+                        </m:sub>
+                      </m:sSub>
+                    </m:oMath>
+                  </m:oMathPara>
+                </a14:m>
+                <a:endParaRPr lang="en-US" b="0" dirty="0"/>
+              </a:p>
+            </p:txBody>
+          </p:sp>
+        </mc:Choice>
+        <mc:Fallback xmlns="">
+          <p:sp>
+            <p:nvSpPr>
+              <p:cNvPr id="35" name="TextBox 34">
+                <a:extLst>
+                  <a:ext uri="{FF2B5EF4-FFF2-40B4-BE49-F238E27FC236}">
+                    <a16:creationId xmlns:a16="http://schemas.microsoft.com/office/drawing/2014/main" id="{B4D617CE-B3B9-778B-70AE-8DD8634EE405}"/>
+                  </a:ext>
+                </a:extLst>
+              </p:cNvPr>
+              <p:cNvSpPr txBox="1">
+                <a:spLocks noRot="1" noChangeAspect="1" noMove="1" noResize="1" noEditPoints="1" noAdjustHandles="1" noChangeArrowheads="1" noChangeShapeType="1" noTextEdit="1"/>
+              </p:cNvSpPr>
+              <p:nvPr/>
+            </p:nvSpPr>
+            <p:spPr>
+              <a:xfrm>
+                <a:off x="9243724" y="4583819"/>
+                <a:ext cx="250325" cy="276999"/>
+              </a:xfrm>
+              <a:prstGeom prst="rect">
+                <a:avLst/>
+              </a:prstGeom>
+              <a:blipFill>
+                <a:blip r:embed="rId10"/>
+                <a:stretch>
+                  <a:fillRect l="-14634" r="-12195" b="-17778"/>
+                </a:stretch>
+              </a:blipFill>
+            </p:spPr>
+            <p:txBody>
+              <a:bodyPr/>
+              <a:lstStyle/>
+              <a:p>
+                <a:r>
+                  <a:rPr lang="en-US">
+                    <a:noFill/>
+                  </a:rPr>
+                  <a:t> </a:t>
+                </a:r>
+              </a:p>
+            </p:txBody>
+          </p:sp>
+        </mc:Fallback>
+      </mc:AlternateContent>
+      <mc:AlternateContent xmlns:mc="http://schemas.openxmlformats.org/markup-compatibility/2006">
+        <mc:Choice xmlns:a14="http://schemas.microsoft.com/office/drawing/2010/main" Requires="a14">
+          <p:sp>
+            <p:nvSpPr>
+              <p:cNvPr id="7" name="TextBox 6">
+                <a:extLst>
+                  <a:ext uri="{FF2B5EF4-FFF2-40B4-BE49-F238E27FC236}">
+                    <a16:creationId xmlns:a16="http://schemas.microsoft.com/office/drawing/2014/main" id="{F59C84F8-689F-E729-313B-F8F6B694AB63}"/>
+                  </a:ext>
+                </a:extLst>
+              </p:cNvPr>
+              <p:cNvSpPr txBox="1"/>
+              <p:nvPr/>
+            </p:nvSpPr>
+            <p:spPr>
+              <a:xfrm>
+                <a:off x="816884" y="3651976"/>
+                <a:ext cx="6096000" cy="402931"/>
+              </a:xfrm>
+              <a:prstGeom prst="rect">
+                <a:avLst/>
+              </a:prstGeom>
+              <a:noFill/>
+            </p:spPr>
+            <p:txBody>
+              <a:bodyPr wrap="square">
+                <a:spAutoFit/>
+              </a:bodyPr>
+              <a:lstStyle/>
+              <a:p>
+                <a:pPr/>
+                <a14:m>
+                  <m:oMathPara xmlns:m="http://schemas.openxmlformats.org/officeDocument/2006/math">
+                    <m:oMathParaPr>
+                      <m:jc m:val="center"/>
+                    </m:oMathParaPr>
+                    <m:oMath xmlns:m="http://schemas.openxmlformats.org/officeDocument/2006/math">
+                      <m:r>
+                        <a:rPr lang="en-US" b="0" i="1" smtClean="0">
+                          <a:latin typeface="Cambria Math" panose="02040503050406030204" pitchFamily="18" charset="0"/>
+                        </a:rPr>
+                        <m:t>1</m:t>
+                      </m:r>
+                      <m:r>
+                        <a:rPr lang="en-US" b="0" i="1" smtClean="0">
+                          <a:latin typeface="Cambria Math" panose="02040503050406030204" pitchFamily="18" charset="0"/>
+                        </a:rPr>
+                        <m:t>=</m:t>
+                      </m:r>
+                      <m:acc>
+                        <m:accPr>
+                          <m:chr m:val="⃑"/>
+                          <m:ctrlPr>
+                            <a:rPr lang="en-US" i="1">
+                              <a:latin typeface="Cambria Math" panose="02040503050406030204" pitchFamily="18" charset="0"/>
+                            </a:rPr>
+                          </m:ctrlPr>
+                        </m:accPr>
+                        <m:e>
+                          <m:r>
+                            <a:rPr lang="en-US" i="1">
+                              <a:latin typeface="Cambria Math" panose="02040503050406030204" pitchFamily="18" charset="0"/>
+                            </a:rPr>
+                            <m:t>𝑃</m:t>
+                          </m:r>
+                        </m:e>
+                      </m:acc>
+                      <m:r>
+                        <a:rPr lang="en-US" i="1">
+                          <a:latin typeface="Cambria Math" panose="02040503050406030204" pitchFamily="18" charset="0"/>
+                        </a:rPr>
+                        <m:t>⋅</m:t>
+                      </m:r>
+                      <m:acc>
+                        <m:accPr>
+                          <m:chr m:val="̂"/>
+                          <m:ctrlPr>
+                            <a:rPr lang="en-US" i="1">
+                              <a:latin typeface="Cambria Math" panose="02040503050406030204" pitchFamily="18" charset="0"/>
+                            </a:rPr>
+                          </m:ctrlPr>
+                        </m:accPr>
+                        <m:e>
+                          <m:sSub>
+                            <m:sSubPr>
+                              <m:ctrlPr>
+                                <a:rPr lang="en-US" i="1">
+                                  <a:latin typeface="Cambria Math" panose="02040503050406030204" pitchFamily="18" charset="0"/>
+                                </a:rPr>
+                              </m:ctrlPr>
+                            </m:sSubPr>
+                            <m:e>
+                              <m:r>
+                                <a:rPr lang="en-US" i="1">
+                                  <a:latin typeface="Cambria Math" panose="02040503050406030204" pitchFamily="18" charset="0"/>
+                                </a:rPr>
+                                <m:t>𝑛</m:t>
+                              </m:r>
+                            </m:e>
+                            <m:sub>
+                              <m:r>
+                                <a:rPr lang="en-US" i="1">
+                                  <a:latin typeface="Cambria Math" panose="02040503050406030204" pitchFamily="18" charset="0"/>
+                                </a:rPr>
+                                <m:t>𝑖</m:t>
+                              </m:r>
+                            </m:sub>
+                          </m:sSub>
+                        </m:e>
+                      </m:acc>
+                    </m:oMath>
+                  </m:oMathPara>
+                </a14:m>
+                <a:endParaRPr lang="en-US" i="1" dirty="0">
+                  <a:latin typeface="Cambria Math" panose="02040503050406030204" pitchFamily="18" charset="0"/>
+                </a:endParaRPr>
+              </a:p>
+            </p:txBody>
+          </p:sp>
+        </mc:Choice>
+        <mc:Fallback>
+          <p:sp>
+            <p:nvSpPr>
+              <p:cNvPr id="7" name="TextBox 6">
+                <a:extLst>
+                  <a:ext uri="{FF2B5EF4-FFF2-40B4-BE49-F238E27FC236}">
+                    <a16:creationId xmlns:a16="http://schemas.microsoft.com/office/drawing/2014/main" id="{F59C84F8-689F-E729-313B-F8F6B694AB63}"/>
+                  </a:ext>
+                </a:extLst>
+              </p:cNvPr>
+              <p:cNvSpPr txBox="1">
+                <a:spLocks noRot="1" noChangeAspect="1" noMove="1" noResize="1" noEditPoints="1" noAdjustHandles="1" noChangeArrowheads="1" noChangeShapeType="1" noTextEdit="1"/>
+              </p:cNvSpPr>
+              <p:nvPr/>
+            </p:nvSpPr>
+            <p:spPr>
+              <a:xfrm>
+                <a:off x="816884" y="3651976"/>
+                <a:ext cx="6096000" cy="402931"/>
+              </a:xfrm>
+              <a:prstGeom prst="rect">
+                <a:avLst/>
+              </a:prstGeom>
+              <a:blipFill>
+                <a:blip r:embed="rId11"/>
+                <a:stretch>
+                  <a:fillRect b="-3030"/>
+                </a:stretch>
+              </a:blipFill>
+            </p:spPr>
+            <p:txBody>
+              <a:bodyPr/>
+              <a:lstStyle/>
+              <a:p>
+                <a:r>
+                  <a:rPr lang="en-US">
+                    <a:noFill/>
+                  </a:rPr>
+                  <a:t> </a:t>
+                </a:r>
+              </a:p>
+            </p:txBody>
+          </p:sp>
+        </mc:Fallback>
+      </mc:AlternateContent>
+      <mc:AlternateContent xmlns:mc="http://schemas.openxmlformats.org/markup-compatibility/2006">
+        <mc:Choice xmlns:a14="http://schemas.microsoft.com/office/drawing/2010/main" Requires="a14">
+          <p:sp>
+            <p:nvSpPr>
+              <p:cNvPr id="9" name="TextBox 8">
+                <a:extLst>
+                  <a:ext uri="{FF2B5EF4-FFF2-40B4-BE49-F238E27FC236}">
+                    <a16:creationId xmlns:a16="http://schemas.microsoft.com/office/drawing/2014/main" id="{DB4F4050-7982-0EBD-2B42-698B31022073}"/>
+                  </a:ext>
+                </a:extLst>
+              </p:cNvPr>
+              <p:cNvSpPr txBox="1"/>
+              <p:nvPr/>
+            </p:nvSpPr>
+            <p:spPr>
+              <a:xfrm>
+                <a:off x="1416791" y="4929308"/>
+                <a:ext cx="6096740" cy="1579728"/>
+              </a:xfrm>
+              <a:prstGeom prst="rect">
+                <a:avLst/>
+              </a:prstGeom>
+              <a:noFill/>
+            </p:spPr>
+            <p:txBody>
+              <a:bodyPr wrap="square">
+                <a:spAutoFit/>
+              </a:bodyPr>
+              <a:lstStyle/>
+              <a:p>
+                <a:pPr/>
+                <a:br>
+                  <a:rPr lang="en-US" b="0" i="1" dirty="0">
+                    <a:latin typeface="Cambria Math" panose="02040503050406030204" pitchFamily="18" charset="0"/>
+                  </a:rPr>
+                </a:br>
+                <a14:m>
+                  <m:oMathPara xmlns:m="http://schemas.openxmlformats.org/officeDocument/2006/math">
+                    <m:oMathParaPr>
+                      <m:jc m:val="centerGroup"/>
+                    </m:oMathParaPr>
+                    <m:oMath xmlns:m="http://schemas.openxmlformats.org/officeDocument/2006/math">
+                      <m:d>
+                        <m:dPr>
+                          <m:begChr m:val="["/>
+                          <m:endChr m:val="]"/>
+                          <m:ctrlPr>
+                            <a:rPr lang="en-US" b="0" i="1" smtClean="0">
+                              <a:latin typeface="Cambria Math" panose="02040503050406030204" pitchFamily="18" charset="0"/>
+                            </a:rPr>
+                          </m:ctrlPr>
+                        </m:dPr>
+                        <m:e>
+                          <m:m>
+                            <m:mPr>
+                              <m:mcs>
+                                <m:mc>
+                                  <m:mcPr>
+                                    <m:count m:val="1"/>
+                                    <m:mcJc m:val="center"/>
+                                  </m:mcPr>
+                                </m:mc>
+                              </m:mcs>
+                              <m:ctrlPr>
+                                <a:rPr lang="en-US" b="0" i="1" smtClean="0">
+                                  <a:latin typeface="Cambria Math" panose="02040503050406030204" pitchFamily="18" charset="0"/>
+                                </a:rPr>
+                              </m:ctrlPr>
+                            </m:mPr>
+                            <m:mr>
+                              <m:e>
+                                <m:acc>
+                                  <m:accPr>
+                                    <m:chr m:val="̂"/>
+                                    <m:ctrlPr>
+                                      <a:rPr lang="en-US" i="1" smtClean="0">
+                                        <a:latin typeface="Cambria Math" panose="02040503050406030204" pitchFamily="18" charset="0"/>
+                                      </a:rPr>
+                                    </m:ctrlPr>
+                                  </m:accPr>
+                                  <m:e>
+                                    <m:sSub>
+                                      <m:sSubPr>
+                                        <m:ctrlPr>
+                                          <a:rPr lang="en-US" i="1">
+                                            <a:latin typeface="Cambria Math" panose="02040503050406030204" pitchFamily="18" charset="0"/>
+                                          </a:rPr>
+                                        </m:ctrlPr>
+                                      </m:sSubPr>
+                                      <m:e>
+                                        <m:r>
+                                          <a:rPr lang="en-US" i="1">
+                                            <a:latin typeface="Cambria Math" panose="02040503050406030204" pitchFamily="18" charset="0"/>
+                                          </a:rPr>
+                                          <m:t>𝑛</m:t>
+                                        </m:r>
+                                      </m:e>
+                                      <m:sub>
+                                        <m:r>
+                                          <a:rPr lang="en-US" i="1">
+                                            <a:latin typeface="Cambria Math" panose="02040503050406030204" pitchFamily="18" charset="0"/>
+                                          </a:rPr>
+                                          <m:t>𝑖</m:t>
+                                        </m:r>
+                                      </m:sub>
+                                    </m:sSub>
+                                  </m:e>
+                                </m:acc>
+                              </m:e>
+                            </m:mr>
+                            <m:mr>
+                              <m:e>
+                                <m:acc>
+                                  <m:accPr>
+                                    <m:chr m:val="̂"/>
+                                    <m:ctrlPr>
+                                      <a:rPr lang="en-US" i="1">
+                                        <a:latin typeface="Cambria Math" panose="02040503050406030204" pitchFamily="18" charset="0"/>
+                                      </a:rPr>
+                                    </m:ctrlPr>
+                                  </m:accPr>
+                                  <m:e>
+                                    <m:sSub>
+                                      <m:sSubPr>
+                                        <m:ctrlPr>
+                                          <a:rPr lang="en-US" i="1">
+                                            <a:latin typeface="Cambria Math" panose="02040503050406030204" pitchFamily="18" charset="0"/>
+                                          </a:rPr>
+                                        </m:ctrlPr>
+                                      </m:sSubPr>
+                                      <m:e>
+                                        <m:r>
+                                          <a:rPr lang="en-US" i="1">
+                                            <a:latin typeface="Cambria Math" panose="02040503050406030204" pitchFamily="18" charset="0"/>
+                                          </a:rPr>
+                                          <m:t>𝑛</m:t>
+                                        </m:r>
+                                      </m:e>
+                                      <m:sub>
+                                        <m:r>
+                                          <a:rPr lang="en-US" b="0" i="1" smtClean="0">
+                                            <a:latin typeface="Cambria Math" panose="02040503050406030204" pitchFamily="18" charset="0"/>
+                                          </a:rPr>
+                                          <m:t>𝑗</m:t>
+                                        </m:r>
+                                      </m:sub>
+                                    </m:sSub>
+                                  </m:e>
+                                </m:acc>
+                              </m:e>
+                            </m:mr>
+                            <m:mr>
+                              <m:e>
+                                <m:acc>
+                                  <m:accPr>
+                                    <m:chr m:val="̂"/>
+                                    <m:ctrlPr>
+                                      <a:rPr lang="en-US" i="1">
+                                        <a:latin typeface="Cambria Math" panose="02040503050406030204" pitchFamily="18" charset="0"/>
+                                      </a:rPr>
+                                    </m:ctrlPr>
+                                  </m:accPr>
+                                  <m:e>
+                                    <m:sSub>
+                                      <m:sSubPr>
+                                        <m:ctrlPr>
+                                          <a:rPr lang="en-US" i="1">
+                                            <a:latin typeface="Cambria Math" panose="02040503050406030204" pitchFamily="18" charset="0"/>
+                                          </a:rPr>
+                                        </m:ctrlPr>
+                                      </m:sSubPr>
+                                      <m:e>
+                                        <m:r>
+                                          <a:rPr lang="en-US" i="1">
+                                            <a:latin typeface="Cambria Math" panose="02040503050406030204" pitchFamily="18" charset="0"/>
+                                          </a:rPr>
+                                          <m:t>𝑛</m:t>
+                                        </m:r>
+                                      </m:e>
+                                      <m:sub>
+                                        <m:r>
+                                          <a:rPr lang="en-US" b="0" i="1" smtClean="0">
+                                            <a:latin typeface="Cambria Math" panose="02040503050406030204" pitchFamily="18" charset="0"/>
+                                          </a:rPr>
+                                          <m:t>𝑘</m:t>
+                                        </m:r>
+                                      </m:sub>
+                                    </m:sSub>
+                                  </m:e>
+                                </m:acc>
+                              </m:e>
+                            </m:mr>
+                          </m:m>
+                        </m:e>
+                      </m:d>
+                      <m:r>
+                        <a:rPr lang="en-US" b="0" i="1" smtClean="0">
+                          <a:latin typeface="Cambria Math" panose="02040503050406030204" pitchFamily="18" charset="0"/>
+                        </a:rPr>
+                        <m:t>⋅</m:t>
+                      </m:r>
+                      <m:acc>
+                        <m:accPr>
+                          <m:chr m:val="⃑"/>
+                          <m:ctrlPr>
+                            <a:rPr lang="en-US" i="1">
+                              <a:latin typeface="Cambria Math" panose="02040503050406030204" pitchFamily="18" charset="0"/>
+                            </a:rPr>
+                          </m:ctrlPr>
+                        </m:accPr>
+                        <m:e>
+                          <m:r>
+                            <a:rPr lang="en-US" i="1">
+                              <a:latin typeface="Cambria Math" panose="02040503050406030204" pitchFamily="18" charset="0"/>
+                            </a:rPr>
+                            <m:t>𝑃</m:t>
+                          </m:r>
+                        </m:e>
+                      </m:acc>
+                      <m:r>
+                        <a:rPr lang="en-US" b="0" i="1" smtClean="0">
+                          <a:latin typeface="Cambria Math" panose="02040503050406030204" pitchFamily="18" charset="0"/>
+                        </a:rPr>
+                        <m:t>=</m:t>
+                      </m:r>
+                      <m:d>
+                        <m:dPr>
+                          <m:begChr m:val="["/>
+                          <m:endChr m:val="]"/>
+                          <m:ctrlPr>
+                            <a:rPr lang="en-US" b="0" i="1" smtClean="0">
+                              <a:latin typeface="Cambria Math" panose="02040503050406030204" pitchFamily="18" charset="0"/>
+                            </a:rPr>
+                          </m:ctrlPr>
+                        </m:dPr>
+                        <m:e>
+                          <m:m>
+                            <m:mPr>
+                              <m:mcs>
+                                <m:mc>
+                                  <m:mcPr>
+                                    <m:count m:val="1"/>
+                                    <m:mcJc m:val="center"/>
+                                  </m:mcPr>
+                                </m:mc>
+                              </m:mcs>
+                              <m:ctrlPr>
+                                <a:rPr lang="en-US" b="0" i="1" smtClean="0">
+                                  <a:latin typeface="Cambria Math" panose="02040503050406030204" pitchFamily="18" charset="0"/>
+                                </a:rPr>
+                              </m:ctrlPr>
+                            </m:mPr>
+                            <m:mr>
+                              <m:e>
+                                <m:r>
+                                  <a:rPr lang="en-US" b="0" i="1" smtClean="0">
+                                    <a:latin typeface="Cambria Math" panose="02040503050406030204" pitchFamily="18" charset="0"/>
+                                  </a:rPr>
+                                  <m:t>1</m:t>
+                                </m:r>
+                              </m:e>
+                            </m:mr>
+                            <m:mr>
+                              <m:e>
+                                <m:r>
+                                  <a:rPr lang="en-US" b="0" i="1" smtClean="0">
+                                    <a:latin typeface="Cambria Math" panose="02040503050406030204" pitchFamily="18" charset="0"/>
+                                  </a:rPr>
+                                  <m:t>1</m:t>
+                                </m:r>
+                              </m:e>
+                            </m:mr>
+                            <m:mr>
+                              <m:e>
+                                <m:r>
+                                  <a:rPr lang="en-US" b="0" i="1" smtClean="0">
+                                    <a:latin typeface="Cambria Math" panose="02040503050406030204" pitchFamily="18" charset="0"/>
+                                  </a:rPr>
+                                  <m:t>1</m:t>
+                                </m:r>
+                              </m:e>
+                            </m:mr>
+                          </m:m>
+                        </m:e>
+                      </m:d>
+                    </m:oMath>
+                  </m:oMathPara>
+                </a14:m>
+                <a:endParaRPr lang="en-US" b="0" i="1" dirty="0">
+                  <a:latin typeface="Cambria Math" panose="02040503050406030204" pitchFamily="18" charset="0"/>
+                </a:endParaRPr>
+              </a:p>
+              <a:p>
+                <a:endParaRPr lang="en-US" i="1" dirty="0">
+                  <a:latin typeface="Cambria Math" panose="02040503050406030204" pitchFamily="18" charset="0"/>
+                </a:endParaRPr>
+              </a:p>
+            </p:txBody>
+          </p:sp>
+        </mc:Choice>
+        <mc:Fallback>
+          <p:sp>
+            <p:nvSpPr>
+              <p:cNvPr id="9" name="TextBox 8">
+                <a:extLst>
+                  <a:ext uri="{FF2B5EF4-FFF2-40B4-BE49-F238E27FC236}">
+                    <a16:creationId xmlns:a16="http://schemas.microsoft.com/office/drawing/2014/main" id="{DB4F4050-7982-0EBD-2B42-698B31022073}"/>
+                  </a:ext>
+                </a:extLst>
+              </p:cNvPr>
+              <p:cNvSpPr txBox="1">
+                <a:spLocks noRot="1" noChangeAspect="1" noMove="1" noResize="1" noEditPoints="1" noAdjustHandles="1" noChangeArrowheads="1" noChangeShapeType="1" noTextEdit="1"/>
+              </p:cNvSpPr>
+              <p:nvPr/>
+            </p:nvSpPr>
+            <p:spPr>
+              <a:xfrm>
+                <a:off x="1416791" y="4929308"/>
+                <a:ext cx="6096740" cy="1579728"/>
+              </a:xfrm>
+              <a:prstGeom prst="rect">
+                <a:avLst/>
+              </a:prstGeom>
+              <a:blipFill>
+                <a:blip r:embed="rId12"/>
+                <a:stretch>
+                  <a:fillRect/>
+                </a:stretch>
+              </a:blipFill>
+            </p:spPr>
+            <p:txBody>
+              <a:bodyPr/>
+              <a:lstStyle/>
+              <a:p>
+                <a:r>
+                  <a:rPr lang="en-US">
+                    <a:noFill/>
+                  </a:rPr>
+                  <a:t> </a:t>
+                </a:r>
+              </a:p>
+            </p:txBody>
+          </p:sp>
+        </mc:Fallback>
+      </mc:AlternateContent>
+    </p:spTree>
+    <p:extLst>
+      <p:ext uri="{BB962C8B-B14F-4D97-AF65-F5344CB8AC3E}">
+        <p14:creationId xmlns:p14="http://schemas.microsoft.com/office/powerpoint/2010/main" val="3310379915"/>
+      </p:ext>
+    </p:extLst>
+  </p:cSld>
+  <p:clrMapOvr>
+    <a:masterClrMapping/>
+  </p:clrMapOvr>
+</p:sld>
+</file>
+
+<file path=ppt/slides/slide28.xml><?xml version="1.0" encoding="utf-8"?>
+<p:sld xmlns:a="http://schemas.openxmlformats.org/drawingml/2006/main" xmlns:r="http://schemas.openxmlformats.org/officeDocument/2006/relationships" xmlns:p="http://schemas.openxmlformats.org/presentationml/2006/main">
+  <p:cSld>
+    <p:spTree>
+      <p:nvGrpSpPr>
         <p:cNvPr id="1" name=""/>
         <p:cNvGrpSpPr/>
         <p:nvPr/>
@@ -10757,7 +12702,7 @@
 </p:sld>
 </file>
 
-<file path=ppt/slides/slide28.xml><?xml version="1.0" encoding="utf-8"?>
+<file path=ppt/slides/slide29.xml><?xml version="1.0" encoding="utf-8"?>
 <p:sld xmlns:a="http://schemas.openxmlformats.org/drawingml/2006/main" xmlns:r="http://schemas.openxmlformats.org/officeDocument/2006/relationships" xmlns:p="http://schemas.openxmlformats.org/presentationml/2006/main">
   <p:cSld>
     <p:spTree>
@@ -12282,7 +14227,649 @@
 </p:sld>
 </file>
 
-<file path=ppt/slides/slide29.xml><?xml version="1.0" encoding="utf-8"?>
+<file path=ppt/slides/slide3.xml><?xml version="1.0" encoding="utf-8"?>
+<p:sld xmlns:a="http://schemas.openxmlformats.org/drawingml/2006/main" xmlns:r="http://schemas.openxmlformats.org/officeDocument/2006/relationships" xmlns:p="http://schemas.openxmlformats.org/presentationml/2006/main">
+  <p:cSld>
+    <p:spTree>
+      <p:nvGrpSpPr>
+        <p:cNvPr id="1" name=""/>
+        <p:cNvGrpSpPr/>
+        <p:nvPr/>
+      </p:nvGrpSpPr>
+      <p:grpSpPr>
+        <a:xfrm>
+          <a:off x="0" y="0"/>
+          <a:ext cx="0" cy="0"/>
+          <a:chOff x="0" y="0"/>
+          <a:chExt cx="0" cy="0"/>
+        </a:xfrm>
+      </p:grpSpPr>
+      <p:sp>
+        <p:nvSpPr>
+          <p:cNvPr id="2" name="Title 1">
+            <a:extLst>
+              <a:ext uri="{FF2B5EF4-FFF2-40B4-BE49-F238E27FC236}">
+                <a16:creationId xmlns:a16="http://schemas.microsoft.com/office/drawing/2014/main" id="{F61BB289-6F7D-4E26-9549-A418B0B98DBB}"/>
+              </a:ext>
+            </a:extLst>
+          </p:cNvPr>
+          <p:cNvSpPr>
+            <a:spLocks noGrp="1"/>
+          </p:cNvSpPr>
+          <p:nvPr>
+            <p:ph type="title"/>
+          </p:nvPr>
+        </p:nvSpPr>
+        <p:spPr/>
+        <p:txBody>
+          <a:bodyPr>
+            <a:normAutofit/>
+          </a:bodyPr>
+          <a:lstStyle/>
+          <a:p>
+            <a:r>
+              <a:rPr lang="en-US" dirty="0"/>
+              <a:t>Each function uses a class-specific argument check function</a:t>
+            </a:r>
+          </a:p>
+        </p:txBody>
+      </p:sp>
+      <p:sp>
+        <p:nvSpPr>
+          <p:cNvPr id="5" name="Rectangle 4">
+            <a:extLst>
+              <a:ext uri="{FF2B5EF4-FFF2-40B4-BE49-F238E27FC236}">
+                <a16:creationId xmlns:a16="http://schemas.microsoft.com/office/drawing/2014/main" id="{F0CB9B29-E4C5-4A4F-9118-99BC76FA2AD9}"/>
+              </a:ext>
+            </a:extLst>
+          </p:cNvPr>
+          <p:cNvSpPr/>
+          <p:nvPr/>
+        </p:nvSpPr>
+        <p:spPr>
+          <a:xfrm>
+            <a:off x="374433" y="2022133"/>
+            <a:ext cx="5909136" cy="3554819"/>
+          </a:xfrm>
+          <a:prstGeom prst="rect">
+            <a:avLst/>
+          </a:prstGeom>
+          <a:solidFill>
+            <a:schemeClr val="accent4">
+              <a:lumMod val="20000"/>
+              <a:lumOff val="80000"/>
+            </a:schemeClr>
+          </a:solidFill>
+        </p:spPr>
+        <p:txBody>
+          <a:bodyPr wrap="square">
+            <a:spAutoFit/>
+          </a:bodyPr>
+          <a:lstStyle/>
+          <a:p>
+            <a:r>
+              <a:rPr lang="en-US" sz="900" dirty="0">
+                <a:solidFill>
+                  <a:srgbClr val="0E00FF"/>
+                </a:solidFill>
+                <a:latin typeface="Courier New" panose="02070309020205020404" pitchFamily="49" charset="0"/>
+              </a:rPr>
+              <a:t>function</a:t>
+            </a:r>
+            <a:r>
+              <a:rPr lang="en-US" sz="900" dirty="0">
+                <a:solidFill>
+                  <a:srgbClr val="000000"/>
+                </a:solidFill>
+                <a:latin typeface="Courier New" panose="02070309020205020404" pitchFamily="49" charset="0"/>
+              </a:rPr>
+              <a:t> </a:t>
+            </a:r>
+            <a:r>
+              <a:rPr lang="en-US" sz="900" dirty="0" err="1">
+                <a:solidFill>
+                  <a:srgbClr val="000000"/>
+                </a:solidFill>
+                <a:latin typeface="Courier New" panose="02070309020205020404" pitchFamily="49" charset="0"/>
+              </a:rPr>
+              <a:t>fcn_MapGen_checkInputsToFunctions</a:t>
+            </a:r>
+            <a:r>
+              <a:rPr lang="en-US" sz="900" dirty="0">
+                <a:solidFill>
+                  <a:srgbClr val="000000"/>
+                </a:solidFill>
+                <a:latin typeface="Courier New" panose="02070309020205020404" pitchFamily="49" charset="0"/>
+              </a:rPr>
+              <a:t>(</a:t>
+            </a:r>
+            <a:r>
+              <a:rPr lang="en-US" sz="900" dirty="0">
+                <a:solidFill>
+                  <a:srgbClr val="0E00FF"/>
+                </a:solidFill>
+                <a:latin typeface="Courier New" panose="02070309020205020404" pitchFamily="49" charset="0"/>
+              </a:rPr>
+              <a:t>...</a:t>
+            </a:r>
+          </a:p>
+          <a:p>
+            <a:r>
+              <a:rPr lang="en-US" sz="900" dirty="0">
+                <a:solidFill>
+                  <a:srgbClr val="000000"/>
+                </a:solidFill>
+                <a:latin typeface="Courier New" panose="02070309020205020404" pitchFamily="49" charset="0"/>
+              </a:rPr>
+              <a:t>    </a:t>
+            </a:r>
+            <a:r>
+              <a:rPr lang="en-US" sz="900" dirty="0" err="1">
+                <a:solidFill>
+                  <a:srgbClr val="000000"/>
+                </a:solidFill>
+                <a:latin typeface="Courier New" panose="02070309020205020404" pitchFamily="49" charset="0"/>
+              </a:rPr>
+              <a:t>variable,variable_type_string,varargin</a:t>
+            </a:r>
+            <a:r>
+              <a:rPr lang="en-US" sz="900" dirty="0">
+                <a:solidFill>
+                  <a:srgbClr val="000000"/>
+                </a:solidFill>
+                <a:latin typeface="Courier New" panose="02070309020205020404" pitchFamily="49" charset="0"/>
+              </a:rPr>
+              <a:t>)</a:t>
+            </a:r>
+          </a:p>
+          <a:p>
+            <a:r>
+              <a:rPr lang="en-US" sz="900" dirty="0">
+                <a:solidFill>
+                  <a:srgbClr val="000000"/>
+                </a:solidFill>
+                <a:latin typeface="Courier New" panose="02070309020205020404" pitchFamily="49" charset="0"/>
+              </a:rPr>
+              <a:t> </a:t>
+            </a:r>
+          </a:p>
+          <a:p>
+            <a:r>
+              <a:rPr lang="en-US" sz="900" dirty="0">
+                <a:solidFill>
+                  <a:srgbClr val="028009"/>
+                </a:solidFill>
+                <a:latin typeface="Courier New" panose="02070309020205020404" pitchFamily="49" charset="0"/>
+              </a:rPr>
+              <a:t>% </a:t>
+            </a:r>
+            <a:r>
+              <a:rPr lang="en-US" sz="900" dirty="0" err="1">
+                <a:solidFill>
+                  <a:srgbClr val="028009"/>
+                </a:solidFill>
+                <a:latin typeface="Courier New" panose="02070309020205020404" pitchFamily="49" charset="0"/>
+              </a:rPr>
+              <a:t>fcn_MapGen_checkInputsToFunctions</a:t>
+            </a:r>
+            <a:endParaRPr lang="en-US" sz="900" dirty="0">
+              <a:solidFill>
+                <a:srgbClr val="028009"/>
+              </a:solidFill>
+              <a:latin typeface="Courier New" panose="02070309020205020404" pitchFamily="49" charset="0"/>
+            </a:endParaRPr>
+          </a:p>
+          <a:p>
+            <a:r>
+              <a:rPr lang="en-US" sz="900" dirty="0">
+                <a:solidFill>
+                  <a:srgbClr val="028009"/>
+                </a:solidFill>
+                <a:latin typeface="Courier New" panose="02070309020205020404" pitchFamily="49" charset="0"/>
+              </a:rPr>
+              <a:t>% Checks the variable types commonly used in the </a:t>
+            </a:r>
+            <a:r>
+              <a:rPr lang="en-US" sz="900" dirty="0" err="1">
+                <a:solidFill>
+                  <a:srgbClr val="028009"/>
+                </a:solidFill>
+                <a:latin typeface="Courier New" panose="02070309020205020404" pitchFamily="49" charset="0"/>
+              </a:rPr>
+              <a:t>MapGen</a:t>
+            </a:r>
+            <a:r>
+              <a:rPr lang="en-US" sz="900" dirty="0">
+                <a:solidFill>
+                  <a:srgbClr val="028009"/>
+                </a:solidFill>
+                <a:latin typeface="Courier New" panose="02070309020205020404" pitchFamily="49" charset="0"/>
+              </a:rPr>
+              <a:t> codes to</a:t>
+            </a:r>
+          </a:p>
+          <a:p>
+            <a:r>
+              <a:rPr lang="en-US" sz="900" dirty="0">
+                <a:solidFill>
+                  <a:srgbClr val="028009"/>
+                </a:solidFill>
+                <a:latin typeface="Courier New" panose="02070309020205020404" pitchFamily="49" charset="0"/>
+              </a:rPr>
+              <a:t>% ensure they are correctly formed.</a:t>
+            </a:r>
+          </a:p>
+          <a:p>
+            <a:r>
+              <a:rPr lang="en-US" sz="900" dirty="0">
+                <a:solidFill>
+                  <a:srgbClr val="028009"/>
+                </a:solidFill>
+                <a:latin typeface="Courier New" panose="02070309020205020404" pitchFamily="49" charset="0"/>
+              </a:rPr>
+              <a:t>%</a:t>
+            </a:r>
+          </a:p>
+          <a:p>
+            <a:r>
+              <a:rPr lang="en-US" sz="900" dirty="0">
+                <a:solidFill>
+                  <a:srgbClr val="028009"/>
+                </a:solidFill>
+                <a:latin typeface="Courier New" panose="02070309020205020404" pitchFamily="49" charset="0"/>
+              </a:rPr>
+              <a:t>% This function is typically called at the top of most functions. The input</a:t>
+            </a:r>
+          </a:p>
+          <a:p>
+            <a:r>
+              <a:rPr lang="en-US" sz="900" dirty="0">
+                <a:solidFill>
+                  <a:srgbClr val="028009"/>
+                </a:solidFill>
+                <a:latin typeface="Courier New" panose="02070309020205020404" pitchFamily="49" charset="0"/>
+              </a:rPr>
+              <a:t>% is a variable and a string defining the "type" of the variable. This</a:t>
+            </a:r>
+          </a:p>
+          <a:p>
+            <a:r>
+              <a:rPr lang="en-US" sz="900" dirty="0">
+                <a:solidFill>
+                  <a:srgbClr val="028009"/>
+                </a:solidFill>
+                <a:latin typeface="Courier New" panose="02070309020205020404" pitchFamily="49" charset="0"/>
+              </a:rPr>
+              <a:t>% function checks to see that they are compatible. For example, say there</a:t>
+            </a:r>
+          </a:p>
+          <a:p>
+            <a:r>
+              <a:rPr lang="en-US" sz="900" dirty="0">
+                <a:solidFill>
+                  <a:srgbClr val="028009"/>
+                </a:solidFill>
+                <a:latin typeface="Courier New" panose="02070309020205020404" pitchFamily="49" charset="0"/>
+              </a:rPr>
+              <a:t>% '</a:t>
+            </a:r>
+            <a:r>
+              <a:rPr lang="en-US" sz="900" dirty="0" err="1">
+                <a:solidFill>
+                  <a:srgbClr val="028009"/>
+                </a:solidFill>
+                <a:latin typeface="Courier New" panose="02070309020205020404" pitchFamily="49" charset="0"/>
+              </a:rPr>
+              <a:t>column_vector</a:t>
+            </a:r>
+            <a:r>
+              <a:rPr lang="en-US" sz="900" dirty="0">
+                <a:solidFill>
+                  <a:srgbClr val="028009"/>
+                </a:solidFill>
+                <a:latin typeface="Courier New" panose="02070309020205020404" pitchFamily="49" charset="0"/>
+              </a:rPr>
+              <a:t>' type of variables used in the function that is always a N</a:t>
+            </a:r>
+          </a:p>
+          <a:p>
+            <a:r>
+              <a:rPr lang="en-US" sz="900" dirty="0">
+                <a:solidFill>
+                  <a:srgbClr val="028009"/>
+                </a:solidFill>
+                <a:latin typeface="Courier New" panose="02070309020205020404" pitchFamily="49" charset="0"/>
+              </a:rPr>
+              <a:t>% x 1 array; if someone had a variable called "</a:t>
+            </a:r>
+            <a:r>
+              <a:rPr lang="en-US" sz="900" dirty="0" err="1">
+                <a:solidFill>
+                  <a:srgbClr val="028009"/>
+                </a:solidFill>
+                <a:latin typeface="Courier New" panose="02070309020205020404" pitchFamily="49" charset="0"/>
+              </a:rPr>
+              <a:t>test_example</a:t>
+            </a:r>
+            <a:r>
+              <a:rPr lang="en-US" sz="900" dirty="0">
+                <a:solidFill>
+                  <a:srgbClr val="028009"/>
+                </a:solidFill>
+                <a:latin typeface="Courier New" panose="02070309020205020404" pitchFamily="49" charset="0"/>
+              </a:rPr>
+              <a:t>", they could</a:t>
+            </a:r>
+          </a:p>
+          <a:p>
+            <a:r>
+              <a:rPr lang="en-US" sz="900" dirty="0">
+                <a:solidFill>
+                  <a:srgbClr val="028009"/>
+                </a:solidFill>
+                <a:latin typeface="Courier New" panose="02070309020205020404" pitchFamily="49" charset="0"/>
+              </a:rPr>
+              <a:t>% check that this fit the '</a:t>
+            </a:r>
+            <a:r>
+              <a:rPr lang="en-US" sz="900" dirty="0" err="1">
+                <a:solidFill>
+                  <a:srgbClr val="028009"/>
+                </a:solidFill>
+                <a:latin typeface="Courier New" panose="02070309020205020404" pitchFamily="49" charset="0"/>
+              </a:rPr>
+              <a:t>column_vector</a:t>
+            </a:r>
+            <a:r>
+              <a:rPr lang="en-US" sz="900" dirty="0">
+                <a:solidFill>
+                  <a:srgbClr val="028009"/>
+                </a:solidFill>
+                <a:latin typeface="Courier New" panose="02070309020205020404" pitchFamily="49" charset="0"/>
+              </a:rPr>
+              <a:t>' type by calling</a:t>
+            </a:r>
+          </a:p>
+          <a:p>
+            <a:r>
+              <a:rPr lang="en-US" sz="900" dirty="0">
+                <a:solidFill>
+                  <a:srgbClr val="028009"/>
+                </a:solidFill>
+                <a:latin typeface="Courier New" panose="02070309020205020404" pitchFamily="49" charset="0"/>
+              </a:rPr>
+              <a:t>% </a:t>
+            </a:r>
+            <a:r>
+              <a:rPr lang="en-US" sz="900" dirty="0" err="1">
+                <a:solidFill>
+                  <a:srgbClr val="028009"/>
+                </a:solidFill>
+                <a:latin typeface="Courier New" panose="02070309020205020404" pitchFamily="49" charset="0"/>
+              </a:rPr>
+              <a:t>fcn_MapGen_checkInputsToFunctions</a:t>
+            </a:r>
+            <a:r>
+              <a:rPr lang="en-US" sz="900" dirty="0">
+                <a:solidFill>
+                  <a:srgbClr val="028009"/>
+                </a:solidFill>
+                <a:latin typeface="Courier New" panose="02070309020205020404" pitchFamily="49" charset="0"/>
+              </a:rPr>
+              <a:t>(test_example,'</a:t>
+            </a:r>
+            <a:r>
+              <a:rPr lang="en-US" sz="900" dirty="0" err="1">
+                <a:solidFill>
+                  <a:srgbClr val="028009"/>
+                </a:solidFill>
+                <a:latin typeface="Courier New" panose="02070309020205020404" pitchFamily="49" charset="0"/>
+              </a:rPr>
+              <a:t>column_vector</a:t>
+            </a:r>
+            <a:r>
+              <a:rPr lang="en-US" sz="900" dirty="0">
+                <a:solidFill>
+                  <a:srgbClr val="028009"/>
+                </a:solidFill>
+                <a:latin typeface="Courier New" panose="02070309020205020404" pitchFamily="49" charset="0"/>
+              </a:rPr>
+              <a:t>').</a:t>
+            </a:r>
+          </a:p>
+          <a:p>
+            <a:r>
+              <a:rPr lang="en-US" sz="900" dirty="0">
+                <a:solidFill>
+                  <a:srgbClr val="028009"/>
+                </a:solidFill>
+                <a:latin typeface="Courier New" panose="02070309020205020404" pitchFamily="49" charset="0"/>
+              </a:rPr>
+              <a:t>% This function would then check that the array was N x 1, and if it was</a:t>
+            </a:r>
+          </a:p>
+          <a:p>
+            <a:r>
+              <a:rPr lang="en-US" sz="900" dirty="0">
+                <a:solidFill>
+                  <a:srgbClr val="028009"/>
+                </a:solidFill>
+                <a:latin typeface="Courier New" panose="02070309020205020404" pitchFamily="49" charset="0"/>
+              </a:rPr>
+              <a:t>% not, it would send out an error warning.</a:t>
+            </a:r>
+          </a:p>
+          <a:p>
+            <a:r>
+              <a:rPr lang="en-US" sz="900" dirty="0">
+                <a:solidFill>
+                  <a:srgbClr val="028009"/>
+                </a:solidFill>
+                <a:latin typeface="Courier New" panose="02070309020205020404" pitchFamily="49" charset="0"/>
+              </a:rPr>
+              <a:t>%</a:t>
+            </a:r>
+          </a:p>
+          <a:p>
+            <a:r>
+              <a:rPr lang="en-US" sz="900" dirty="0">
+                <a:solidFill>
+                  <a:srgbClr val="028009"/>
+                </a:solidFill>
+                <a:latin typeface="Courier New" panose="02070309020205020404" pitchFamily="49" charset="0"/>
+              </a:rPr>
+              <a:t>% FORMAT:</a:t>
+            </a:r>
+          </a:p>
+          <a:p>
+            <a:r>
+              <a:rPr lang="en-US" sz="900" dirty="0">
+                <a:solidFill>
+                  <a:srgbClr val="028009"/>
+                </a:solidFill>
+                <a:latin typeface="Courier New" panose="02070309020205020404" pitchFamily="49" charset="0"/>
+              </a:rPr>
+              <a:t>%</a:t>
+            </a:r>
+          </a:p>
+          <a:p>
+            <a:r>
+              <a:rPr lang="en-US" sz="900" dirty="0">
+                <a:solidFill>
+                  <a:srgbClr val="028009"/>
+                </a:solidFill>
+                <a:latin typeface="Courier New" panose="02070309020205020404" pitchFamily="49" charset="0"/>
+              </a:rPr>
+              <a:t>%      </a:t>
+            </a:r>
+            <a:r>
+              <a:rPr lang="en-US" sz="900" dirty="0" err="1">
+                <a:solidFill>
+                  <a:srgbClr val="028009"/>
+                </a:solidFill>
+                <a:latin typeface="Courier New" panose="02070309020205020404" pitchFamily="49" charset="0"/>
+              </a:rPr>
+              <a:t>fcn_MapGen_checkInputsToFunctions</a:t>
+            </a:r>
+            <a:r>
+              <a:rPr lang="en-US" sz="900" dirty="0">
+                <a:solidFill>
+                  <a:srgbClr val="028009"/>
+                </a:solidFill>
+                <a:latin typeface="Courier New" panose="02070309020205020404" pitchFamily="49" charset="0"/>
+              </a:rPr>
+              <a:t>(...</a:t>
+            </a:r>
+          </a:p>
+          <a:p>
+            <a:r>
+              <a:rPr lang="en-US" sz="900" dirty="0">
+                <a:solidFill>
+                  <a:srgbClr val="028009"/>
+                </a:solidFill>
+                <a:latin typeface="Courier New" panose="02070309020205020404" pitchFamily="49" charset="0"/>
+              </a:rPr>
+              <a:t>%      </a:t>
+            </a:r>
+            <a:r>
+              <a:rPr lang="en-US" sz="900" dirty="0" err="1">
+                <a:solidFill>
+                  <a:srgbClr val="028009"/>
+                </a:solidFill>
+                <a:latin typeface="Courier New" panose="02070309020205020404" pitchFamily="49" charset="0"/>
+              </a:rPr>
+              <a:t>variable,variable_type_string</a:t>
+            </a:r>
+            <a:r>
+              <a:rPr lang="en-US" sz="900" dirty="0">
+                <a:solidFill>
+                  <a:srgbClr val="028009"/>
+                </a:solidFill>
+                <a:latin typeface="Courier New" panose="02070309020205020404" pitchFamily="49" charset="0"/>
+              </a:rPr>
+              <a:t>,(</a:t>
+            </a:r>
+            <a:r>
+              <a:rPr lang="en-US" sz="900" dirty="0" err="1">
+                <a:solidFill>
+                  <a:srgbClr val="028009"/>
+                </a:solidFill>
+                <a:latin typeface="Courier New" panose="02070309020205020404" pitchFamily="49" charset="0"/>
+              </a:rPr>
+              <a:t>optional_arguments</a:t>
+            </a:r>
+            <a:r>
+              <a:rPr lang="en-US" sz="900" dirty="0">
+                <a:solidFill>
+                  <a:srgbClr val="028009"/>
+                </a:solidFill>
+                <a:latin typeface="Courier New" panose="02070309020205020404" pitchFamily="49" charset="0"/>
+              </a:rPr>
+              <a:t>))</a:t>
+            </a:r>
+          </a:p>
+          <a:p>
+            <a:r>
+              <a:rPr lang="en-US" sz="900" dirty="0">
+                <a:solidFill>
+                  <a:srgbClr val="028009"/>
+                </a:solidFill>
+                <a:latin typeface="Courier New" panose="02070309020205020404" pitchFamily="49" charset="0"/>
+              </a:rPr>
+              <a:t>%</a:t>
+            </a:r>
+          </a:p>
+          <a:p>
+            <a:r>
+              <a:rPr lang="en-US" sz="900" dirty="0">
+                <a:solidFill>
+                  <a:srgbClr val="028009"/>
+                </a:solidFill>
+                <a:latin typeface="Courier New" panose="02070309020205020404" pitchFamily="49" charset="0"/>
+              </a:rPr>
+              <a:t>% INPUTS:</a:t>
+            </a:r>
+          </a:p>
+          <a:p>
+            <a:r>
+              <a:rPr lang="en-US" sz="900" dirty="0">
+                <a:solidFill>
+                  <a:srgbClr val="028009"/>
+                </a:solidFill>
+                <a:latin typeface="Courier New" panose="02070309020205020404" pitchFamily="49" charset="0"/>
+              </a:rPr>
+              <a:t>%</a:t>
+            </a:r>
+          </a:p>
+          <a:p>
+            <a:r>
+              <a:rPr lang="en-US" sz="900" dirty="0">
+                <a:solidFill>
+                  <a:srgbClr val="028009"/>
+                </a:solidFill>
+                <a:latin typeface="Courier New" panose="02070309020205020404" pitchFamily="49" charset="0"/>
+              </a:rPr>
+              <a:t>%      variable: the variable to check</a:t>
+            </a:r>
+          </a:p>
+        </p:txBody>
+      </p:sp>
+      <p:sp>
+        <p:nvSpPr>
+          <p:cNvPr id="3" name="Rectangle 2">
+            <a:extLst>
+              <a:ext uri="{FF2B5EF4-FFF2-40B4-BE49-F238E27FC236}">
+                <a16:creationId xmlns:a16="http://schemas.microsoft.com/office/drawing/2014/main" id="{75616B01-3EEF-43F9-B062-A030413183B5}"/>
+              </a:ext>
+            </a:extLst>
+          </p:cNvPr>
+          <p:cNvSpPr/>
+          <p:nvPr/>
+        </p:nvSpPr>
+        <p:spPr>
+          <a:xfrm>
+            <a:off x="3692063" y="6308209"/>
+            <a:ext cx="7414594" cy="369332"/>
+          </a:xfrm>
+          <a:prstGeom prst="rect">
+            <a:avLst/>
+          </a:prstGeom>
+        </p:spPr>
+        <p:txBody>
+          <a:bodyPr wrap="none">
+            <a:spAutoFit/>
+          </a:bodyPr>
+          <a:lstStyle/>
+          <a:p>
+            <a:r>
+              <a:rPr lang="en-US" dirty="0"/>
+              <a:t>See: </a:t>
+            </a:r>
+            <a:r>
+              <a:rPr lang="en-US" dirty="0" err="1"/>
+              <a:t>script_test_fcn_MapGen_checkInputsToFunctions.m</a:t>
+            </a:r>
+            <a:r>
+              <a:rPr lang="en-US" dirty="0"/>
+              <a:t> for example usages</a:t>
+            </a:r>
+          </a:p>
+        </p:txBody>
+      </p:sp>
+    </p:spTree>
+    <p:extLst>
+      <p:ext uri="{BB962C8B-B14F-4D97-AF65-F5344CB8AC3E}">
+        <p14:creationId xmlns:p14="http://schemas.microsoft.com/office/powerpoint/2010/main" val="3283178281"/>
+      </p:ext>
+    </p:extLst>
+  </p:cSld>
+  <p:clrMapOvr>
+    <a:masterClrMapping/>
+  </p:clrMapOvr>
+</p:sld>
+</file>
+
+<file path=ppt/slides/slide30.xml><?xml version="1.0" encoding="utf-8"?>
 <p:sld xmlns:a="http://schemas.openxmlformats.org/drawingml/2006/main" xmlns:r="http://schemas.openxmlformats.org/officeDocument/2006/relationships" xmlns:p="http://schemas.openxmlformats.org/presentationml/2006/main">
   <p:cSld>
     <p:spTree>
@@ -14520,649 +17107,7 @@
 </p:sld>
 </file>
 
-<file path=ppt/slides/slide3.xml><?xml version="1.0" encoding="utf-8"?>
-<p:sld xmlns:a="http://schemas.openxmlformats.org/drawingml/2006/main" xmlns:r="http://schemas.openxmlformats.org/officeDocument/2006/relationships" xmlns:p="http://schemas.openxmlformats.org/presentationml/2006/main">
-  <p:cSld>
-    <p:spTree>
-      <p:nvGrpSpPr>
-        <p:cNvPr id="1" name=""/>
-        <p:cNvGrpSpPr/>
-        <p:nvPr/>
-      </p:nvGrpSpPr>
-      <p:grpSpPr>
-        <a:xfrm>
-          <a:off x="0" y="0"/>
-          <a:ext cx="0" cy="0"/>
-          <a:chOff x="0" y="0"/>
-          <a:chExt cx="0" cy="0"/>
-        </a:xfrm>
-      </p:grpSpPr>
-      <p:sp>
-        <p:nvSpPr>
-          <p:cNvPr id="2" name="Title 1">
-            <a:extLst>
-              <a:ext uri="{FF2B5EF4-FFF2-40B4-BE49-F238E27FC236}">
-                <a16:creationId xmlns:a16="http://schemas.microsoft.com/office/drawing/2014/main" id="{F61BB289-6F7D-4E26-9549-A418B0B98DBB}"/>
-              </a:ext>
-            </a:extLst>
-          </p:cNvPr>
-          <p:cNvSpPr>
-            <a:spLocks noGrp="1"/>
-          </p:cNvSpPr>
-          <p:nvPr>
-            <p:ph type="title"/>
-          </p:nvPr>
-        </p:nvSpPr>
-        <p:spPr/>
-        <p:txBody>
-          <a:bodyPr>
-            <a:normAutofit/>
-          </a:bodyPr>
-          <a:lstStyle/>
-          <a:p>
-            <a:r>
-              <a:rPr lang="en-US" dirty="0"/>
-              <a:t>Each function uses a class-specific argument check function</a:t>
-            </a:r>
-          </a:p>
-        </p:txBody>
-      </p:sp>
-      <p:sp>
-        <p:nvSpPr>
-          <p:cNvPr id="5" name="Rectangle 4">
-            <a:extLst>
-              <a:ext uri="{FF2B5EF4-FFF2-40B4-BE49-F238E27FC236}">
-                <a16:creationId xmlns:a16="http://schemas.microsoft.com/office/drawing/2014/main" id="{F0CB9B29-E4C5-4A4F-9118-99BC76FA2AD9}"/>
-              </a:ext>
-            </a:extLst>
-          </p:cNvPr>
-          <p:cNvSpPr/>
-          <p:nvPr/>
-        </p:nvSpPr>
-        <p:spPr>
-          <a:xfrm>
-            <a:off x="374433" y="2022133"/>
-            <a:ext cx="5909136" cy="3554819"/>
-          </a:xfrm>
-          <a:prstGeom prst="rect">
-            <a:avLst/>
-          </a:prstGeom>
-          <a:solidFill>
-            <a:schemeClr val="accent4">
-              <a:lumMod val="20000"/>
-              <a:lumOff val="80000"/>
-            </a:schemeClr>
-          </a:solidFill>
-        </p:spPr>
-        <p:txBody>
-          <a:bodyPr wrap="square">
-            <a:spAutoFit/>
-          </a:bodyPr>
-          <a:lstStyle/>
-          <a:p>
-            <a:r>
-              <a:rPr lang="en-US" sz="900" dirty="0">
-                <a:solidFill>
-                  <a:srgbClr val="0E00FF"/>
-                </a:solidFill>
-                <a:latin typeface="Courier New" panose="02070309020205020404" pitchFamily="49" charset="0"/>
-              </a:rPr>
-              <a:t>function</a:t>
-            </a:r>
-            <a:r>
-              <a:rPr lang="en-US" sz="900" dirty="0">
-                <a:solidFill>
-                  <a:srgbClr val="000000"/>
-                </a:solidFill>
-                <a:latin typeface="Courier New" panose="02070309020205020404" pitchFamily="49" charset="0"/>
-              </a:rPr>
-              <a:t> </a:t>
-            </a:r>
-            <a:r>
-              <a:rPr lang="en-US" sz="900" dirty="0" err="1">
-                <a:solidFill>
-                  <a:srgbClr val="000000"/>
-                </a:solidFill>
-                <a:latin typeface="Courier New" panose="02070309020205020404" pitchFamily="49" charset="0"/>
-              </a:rPr>
-              <a:t>fcn_MapGen_checkInputsToFunctions</a:t>
-            </a:r>
-            <a:r>
-              <a:rPr lang="en-US" sz="900" dirty="0">
-                <a:solidFill>
-                  <a:srgbClr val="000000"/>
-                </a:solidFill>
-                <a:latin typeface="Courier New" panose="02070309020205020404" pitchFamily="49" charset="0"/>
-              </a:rPr>
-              <a:t>(</a:t>
-            </a:r>
-            <a:r>
-              <a:rPr lang="en-US" sz="900" dirty="0">
-                <a:solidFill>
-                  <a:srgbClr val="0E00FF"/>
-                </a:solidFill>
-                <a:latin typeface="Courier New" panose="02070309020205020404" pitchFamily="49" charset="0"/>
-              </a:rPr>
-              <a:t>...</a:t>
-            </a:r>
-          </a:p>
-          <a:p>
-            <a:r>
-              <a:rPr lang="en-US" sz="900" dirty="0">
-                <a:solidFill>
-                  <a:srgbClr val="000000"/>
-                </a:solidFill>
-                <a:latin typeface="Courier New" panose="02070309020205020404" pitchFamily="49" charset="0"/>
-              </a:rPr>
-              <a:t>    </a:t>
-            </a:r>
-            <a:r>
-              <a:rPr lang="en-US" sz="900" dirty="0" err="1">
-                <a:solidFill>
-                  <a:srgbClr val="000000"/>
-                </a:solidFill>
-                <a:latin typeface="Courier New" panose="02070309020205020404" pitchFamily="49" charset="0"/>
-              </a:rPr>
-              <a:t>variable,variable_type_string,varargin</a:t>
-            </a:r>
-            <a:r>
-              <a:rPr lang="en-US" sz="900" dirty="0">
-                <a:solidFill>
-                  <a:srgbClr val="000000"/>
-                </a:solidFill>
-                <a:latin typeface="Courier New" panose="02070309020205020404" pitchFamily="49" charset="0"/>
-              </a:rPr>
-              <a:t>)</a:t>
-            </a:r>
-          </a:p>
-          <a:p>
-            <a:r>
-              <a:rPr lang="en-US" sz="900" dirty="0">
-                <a:solidFill>
-                  <a:srgbClr val="000000"/>
-                </a:solidFill>
-                <a:latin typeface="Courier New" panose="02070309020205020404" pitchFamily="49" charset="0"/>
-              </a:rPr>
-              <a:t> </a:t>
-            </a:r>
-          </a:p>
-          <a:p>
-            <a:r>
-              <a:rPr lang="en-US" sz="900" dirty="0">
-                <a:solidFill>
-                  <a:srgbClr val="028009"/>
-                </a:solidFill>
-                <a:latin typeface="Courier New" panose="02070309020205020404" pitchFamily="49" charset="0"/>
-              </a:rPr>
-              <a:t>% </a:t>
-            </a:r>
-            <a:r>
-              <a:rPr lang="en-US" sz="900" dirty="0" err="1">
-                <a:solidFill>
-                  <a:srgbClr val="028009"/>
-                </a:solidFill>
-                <a:latin typeface="Courier New" panose="02070309020205020404" pitchFamily="49" charset="0"/>
-              </a:rPr>
-              <a:t>fcn_MapGen_checkInputsToFunctions</a:t>
-            </a:r>
-            <a:endParaRPr lang="en-US" sz="900" dirty="0">
-              <a:solidFill>
-                <a:srgbClr val="028009"/>
-              </a:solidFill>
-              <a:latin typeface="Courier New" panose="02070309020205020404" pitchFamily="49" charset="0"/>
-            </a:endParaRPr>
-          </a:p>
-          <a:p>
-            <a:r>
-              <a:rPr lang="en-US" sz="900" dirty="0">
-                <a:solidFill>
-                  <a:srgbClr val="028009"/>
-                </a:solidFill>
-                <a:latin typeface="Courier New" panose="02070309020205020404" pitchFamily="49" charset="0"/>
-              </a:rPr>
-              <a:t>% Checks the variable types commonly used in the </a:t>
-            </a:r>
-            <a:r>
-              <a:rPr lang="en-US" sz="900" dirty="0" err="1">
-                <a:solidFill>
-                  <a:srgbClr val="028009"/>
-                </a:solidFill>
-                <a:latin typeface="Courier New" panose="02070309020205020404" pitchFamily="49" charset="0"/>
-              </a:rPr>
-              <a:t>MapGen</a:t>
-            </a:r>
-            <a:r>
-              <a:rPr lang="en-US" sz="900" dirty="0">
-                <a:solidFill>
-                  <a:srgbClr val="028009"/>
-                </a:solidFill>
-                <a:latin typeface="Courier New" panose="02070309020205020404" pitchFamily="49" charset="0"/>
-              </a:rPr>
-              <a:t> codes to</a:t>
-            </a:r>
-          </a:p>
-          <a:p>
-            <a:r>
-              <a:rPr lang="en-US" sz="900" dirty="0">
-                <a:solidFill>
-                  <a:srgbClr val="028009"/>
-                </a:solidFill>
-                <a:latin typeface="Courier New" panose="02070309020205020404" pitchFamily="49" charset="0"/>
-              </a:rPr>
-              <a:t>% ensure they are correctly formed.</a:t>
-            </a:r>
-          </a:p>
-          <a:p>
-            <a:r>
-              <a:rPr lang="en-US" sz="900" dirty="0">
-                <a:solidFill>
-                  <a:srgbClr val="028009"/>
-                </a:solidFill>
-                <a:latin typeface="Courier New" panose="02070309020205020404" pitchFamily="49" charset="0"/>
-              </a:rPr>
-              <a:t>%</a:t>
-            </a:r>
-          </a:p>
-          <a:p>
-            <a:r>
-              <a:rPr lang="en-US" sz="900" dirty="0">
-                <a:solidFill>
-                  <a:srgbClr val="028009"/>
-                </a:solidFill>
-                <a:latin typeface="Courier New" panose="02070309020205020404" pitchFamily="49" charset="0"/>
-              </a:rPr>
-              <a:t>% This function is typically called at the top of most functions. The input</a:t>
-            </a:r>
-          </a:p>
-          <a:p>
-            <a:r>
-              <a:rPr lang="en-US" sz="900" dirty="0">
-                <a:solidFill>
-                  <a:srgbClr val="028009"/>
-                </a:solidFill>
-                <a:latin typeface="Courier New" panose="02070309020205020404" pitchFamily="49" charset="0"/>
-              </a:rPr>
-              <a:t>% is a variable and a string defining the "type" of the variable. This</a:t>
-            </a:r>
-          </a:p>
-          <a:p>
-            <a:r>
-              <a:rPr lang="en-US" sz="900" dirty="0">
-                <a:solidFill>
-                  <a:srgbClr val="028009"/>
-                </a:solidFill>
-                <a:latin typeface="Courier New" panose="02070309020205020404" pitchFamily="49" charset="0"/>
-              </a:rPr>
-              <a:t>% function checks to see that they are compatible. For example, say there</a:t>
-            </a:r>
-          </a:p>
-          <a:p>
-            <a:r>
-              <a:rPr lang="en-US" sz="900" dirty="0">
-                <a:solidFill>
-                  <a:srgbClr val="028009"/>
-                </a:solidFill>
-                <a:latin typeface="Courier New" panose="02070309020205020404" pitchFamily="49" charset="0"/>
-              </a:rPr>
-              <a:t>% '</a:t>
-            </a:r>
-            <a:r>
-              <a:rPr lang="en-US" sz="900" dirty="0" err="1">
-                <a:solidFill>
-                  <a:srgbClr val="028009"/>
-                </a:solidFill>
-                <a:latin typeface="Courier New" panose="02070309020205020404" pitchFamily="49" charset="0"/>
-              </a:rPr>
-              <a:t>column_vector</a:t>
-            </a:r>
-            <a:r>
-              <a:rPr lang="en-US" sz="900" dirty="0">
-                <a:solidFill>
-                  <a:srgbClr val="028009"/>
-                </a:solidFill>
-                <a:latin typeface="Courier New" panose="02070309020205020404" pitchFamily="49" charset="0"/>
-              </a:rPr>
-              <a:t>' type of variables used in the function that is always a N</a:t>
-            </a:r>
-          </a:p>
-          <a:p>
-            <a:r>
-              <a:rPr lang="en-US" sz="900" dirty="0">
-                <a:solidFill>
-                  <a:srgbClr val="028009"/>
-                </a:solidFill>
-                <a:latin typeface="Courier New" panose="02070309020205020404" pitchFamily="49" charset="0"/>
-              </a:rPr>
-              <a:t>% x 1 array; if someone had a variable called "</a:t>
-            </a:r>
-            <a:r>
-              <a:rPr lang="en-US" sz="900" dirty="0" err="1">
-                <a:solidFill>
-                  <a:srgbClr val="028009"/>
-                </a:solidFill>
-                <a:latin typeface="Courier New" panose="02070309020205020404" pitchFamily="49" charset="0"/>
-              </a:rPr>
-              <a:t>test_example</a:t>
-            </a:r>
-            <a:r>
-              <a:rPr lang="en-US" sz="900" dirty="0">
-                <a:solidFill>
-                  <a:srgbClr val="028009"/>
-                </a:solidFill>
-                <a:latin typeface="Courier New" panose="02070309020205020404" pitchFamily="49" charset="0"/>
-              </a:rPr>
-              <a:t>", they could</a:t>
-            </a:r>
-          </a:p>
-          <a:p>
-            <a:r>
-              <a:rPr lang="en-US" sz="900" dirty="0">
-                <a:solidFill>
-                  <a:srgbClr val="028009"/>
-                </a:solidFill>
-                <a:latin typeface="Courier New" panose="02070309020205020404" pitchFamily="49" charset="0"/>
-              </a:rPr>
-              <a:t>% check that this fit the '</a:t>
-            </a:r>
-            <a:r>
-              <a:rPr lang="en-US" sz="900" dirty="0" err="1">
-                <a:solidFill>
-                  <a:srgbClr val="028009"/>
-                </a:solidFill>
-                <a:latin typeface="Courier New" panose="02070309020205020404" pitchFamily="49" charset="0"/>
-              </a:rPr>
-              <a:t>column_vector</a:t>
-            </a:r>
-            <a:r>
-              <a:rPr lang="en-US" sz="900" dirty="0">
-                <a:solidFill>
-                  <a:srgbClr val="028009"/>
-                </a:solidFill>
-                <a:latin typeface="Courier New" panose="02070309020205020404" pitchFamily="49" charset="0"/>
-              </a:rPr>
-              <a:t>' type by calling</a:t>
-            </a:r>
-          </a:p>
-          <a:p>
-            <a:r>
-              <a:rPr lang="en-US" sz="900" dirty="0">
-                <a:solidFill>
-                  <a:srgbClr val="028009"/>
-                </a:solidFill>
-                <a:latin typeface="Courier New" panose="02070309020205020404" pitchFamily="49" charset="0"/>
-              </a:rPr>
-              <a:t>% </a:t>
-            </a:r>
-            <a:r>
-              <a:rPr lang="en-US" sz="900" dirty="0" err="1">
-                <a:solidFill>
-                  <a:srgbClr val="028009"/>
-                </a:solidFill>
-                <a:latin typeface="Courier New" panose="02070309020205020404" pitchFamily="49" charset="0"/>
-              </a:rPr>
-              <a:t>fcn_MapGen_checkInputsToFunctions</a:t>
-            </a:r>
-            <a:r>
-              <a:rPr lang="en-US" sz="900" dirty="0">
-                <a:solidFill>
-                  <a:srgbClr val="028009"/>
-                </a:solidFill>
-                <a:latin typeface="Courier New" panose="02070309020205020404" pitchFamily="49" charset="0"/>
-              </a:rPr>
-              <a:t>(test_example,'</a:t>
-            </a:r>
-            <a:r>
-              <a:rPr lang="en-US" sz="900" dirty="0" err="1">
-                <a:solidFill>
-                  <a:srgbClr val="028009"/>
-                </a:solidFill>
-                <a:latin typeface="Courier New" panose="02070309020205020404" pitchFamily="49" charset="0"/>
-              </a:rPr>
-              <a:t>column_vector</a:t>
-            </a:r>
-            <a:r>
-              <a:rPr lang="en-US" sz="900" dirty="0">
-                <a:solidFill>
-                  <a:srgbClr val="028009"/>
-                </a:solidFill>
-                <a:latin typeface="Courier New" panose="02070309020205020404" pitchFamily="49" charset="0"/>
-              </a:rPr>
-              <a:t>').</a:t>
-            </a:r>
-          </a:p>
-          <a:p>
-            <a:r>
-              <a:rPr lang="en-US" sz="900" dirty="0">
-                <a:solidFill>
-                  <a:srgbClr val="028009"/>
-                </a:solidFill>
-                <a:latin typeface="Courier New" panose="02070309020205020404" pitchFamily="49" charset="0"/>
-              </a:rPr>
-              <a:t>% This function would then check that the array was N x 1, and if it was</a:t>
-            </a:r>
-          </a:p>
-          <a:p>
-            <a:r>
-              <a:rPr lang="en-US" sz="900" dirty="0">
-                <a:solidFill>
-                  <a:srgbClr val="028009"/>
-                </a:solidFill>
-                <a:latin typeface="Courier New" panose="02070309020205020404" pitchFamily="49" charset="0"/>
-              </a:rPr>
-              <a:t>% not, it would send out an error warning.</a:t>
-            </a:r>
-          </a:p>
-          <a:p>
-            <a:r>
-              <a:rPr lang="en-US" sz="900" dirty="0">
-                <a:solidFill>
-                  <a:srgbClr val="028009"/>
-                </a:solidFill>
-                <a:latin typeface="Courier New" panose="02070309020205020404" pitchFamily="49" charset="0"/>
-              </a:rPr>
-              <a:t>%</a:t>
-            </a:r>
-          </a:p>
-          <a:p>
-            <a:r>
-              <a:rPr lang="en-US" sz="900" dirty="0">
-                <a:solidFill>
-                  <a:srgbClr val="028009"/>
-                </a:solidFill>
-                <a:latin typeface="Courier New" panose="02070309020205020404" pitchFamily="49" charset="0"/>
-              </a:rPr>
-              <a:t>% FORMAT:</a:t>
-            </a:r>
-          </a:p>
-          <a:p>
-            <a:r>
-              <a:rPr lang="en-US" sz="900" dirty="0">
-                <a:solidFill>
-                  <a:srgbClr val="028009"/>
-                </a:solidFill>
-                <a:latin typeface="Courier New" panose="02070309020205020404" pitchFamily="49" charset="0"/>
-              </a:rPr>
-              <a:t>%</a:t>
-            </a:r>
-          </a:p>
-          <a:p>
-            <a:r>
-              <a:rPr lang="en-US" sz="900" dirty="0">
-                <a:solidFill>
-                  <a:srgbClr val="028009"/>
-                </a:solidFill>
-                <a:latin typeface="Courier New" panose="02070309020205020404" pitchFamily="49" charset="0"/>
-              </a:rPr>
-              <a:t>%      </a:t>
-            </a:r>
-            <a:r>
-              <a:rPr lang="en-US" sz="900" dirty="0" err="1">
-                <a:solidFill>
-                  <a:srgbClr val="028009"/>
-                </a:solidFill>
-                <a:latin typeface="Courier New" panose="02070309020205020404" pitchFamily="49" charset="0"/>
-              </a:rPr>
-              <a:t>fcn_MapGen_checkInputsToFunctions</a:t>
-            </a:r>
-            <a:r>
-              <a:rPr lang="en-US" sz="900" dirty="0">
-                <a:solidFill>
-                  <a:srgbClr val="028009"/>
-                </a:solidFill>
-                <a:latin typeface="Courier New" panose="02070309020205020404" pitchFamily="49" charset="0"/>
-              </a:rPr>
-              <a:t>(...</a:t>
-            </a:r>
-          </a:p>
-          <a:p>
-            <a:r>
-              <a:rPr lang="en-US" sz="900" dirty="0">
-                <a:solidFill>
-                  <a:srgbClr val="028009"/>
-                </a:solidFill>
-                <a:latin typeface="Courier New" panose="02070309020205020404" pitchFamily="49" charset="0"/>
-              </a:rPr>
-              <a:t>%      </a:t>
-            </a:r>
-            <a:r>
-              <a:rPr lang="en-US" sz="900" dirty="0" err="1">
-                <a:solidFill>
-                  <a:srgbClr val="028009"/>
-                </a:solidFill>
-                <a:latin typeface="Courier New" panose="02070309020205020404" pitchFamily="49" charset="0"/>
-              </a:rPr>
-              <a:t>variable,variable_type_string</a:t>
-            </a:r>
-            <a:r>
-              <a:rPr lang="en-US" sz="900" dirty="0">
-                <a:solidFill>
-                  <a:srgbClr val="028009"/>
-                </a:solidFill>
-                <a:latin typeface="Courier New" panose="02070309020205020404" pitchFamily="49" charset="0"/>
-              </a:rPr>
-              <a:t>,(</a:t>
-            </a:r>
-            <a:r>
-              <a:rPr lang="en-US" sz="900" dirty="0" err="1">
-                <a:solidFill>
-                  <a:srgbClr val="028009"/>
-                </a:solidFill>
-                <a:latin typeface="Courier New" panose="02070309020205020404" pitchFamily="49" charset="0"/>
-              </a:rPr>
-              <a:t>optional_arguments</a:t>
-            </a:r>
-            <a:r>
-              <a:rPr lang="en-US" sz="900" dirty="0">
-                <a:solidFill>
-                  <a:srgbClr val="028009"/>
-                </a:solidFill>
-                <a:latin typeface="Courier New" panose="02070309020205020404" pitchFamily="49" charset="0"/>
-              </a:rPr>
-              <a:t>))</a:t>
-            </a:r>
-          </a:p>
-          <a:p>
-            <a:r>
-              <a:rPr lang="en-US" sz="900" dirty="0">
-                <a:solidFill>
-                  <a:srgbClr val="028009"/>
-                </a:solidFill>
-                <a:latin typeface="Courier New" panose="02070309020205020404" pitchFamily="49" charset="0"/>
-              </a:rPr>
-              <a:t>%</a:t>
-            </a:r>
-          </a:p>
-          <a:p>
-            <a:r>
-              <a:rPr lang="en-US" sz="900" dirty="0">
-                <a:solidFill>
-                  <a:srgbClr val="028009"/>
-                </a:solidFill>
-                <a:latin typeface="Courier New" panose="02070309020205020404" pitchFamily="49" charset="0"/>
-              </a:rPr>
-              <a:t>% INPUTS:</a:t>
-            </a:r>
-          </a:p>
-          <a:p>
-            <a:r>
-              <a:rPr lang="en-US" sz="900" dirty="0">
-                <a:solidFill>
-                  <a:srgbClr val="028009"/>
-                </a:solidFill>
-                <a:latin typeface="Courier New" panose="02070309020205020404" pitchFamily="49" charset="0"/>
-              </a:rPr>
-              <a:t>%</a:t>
-            </a:r>
-          </a:p>
-          <a:p>
-            <a:r>
-              <a:rPr lang="en-US" sz="900" dirty="0">
-                <a:solidFill>
-                  <a:srgbClr val="028009"/>
-                </a:solidFill>
-                <a:latin typeface="Courier New" panose="02070309020205020404" pitchFamily="49" charset="0"/>
-              </a:rPr>
-              <a:t>%      variable: the variable to check</a:t>
-            </a:r>
-          </a:p>
-        </p:txBody>
-      </p:sp>
-      <p:sp>
-        <p:nvSpPr>
-          <p:cNvPr id="3" name="Rectangle 2">
-            <a:extLst>
-              <a:ext uri="{FF2B5EF4-FFF2-40B4-BE49-F238E27FC236}">
-                <a16:creationId xmlns:a16="http://schemas.microsoft.com/office/drawing/2014/main" id="{75616B01-3EEF-43F9-B062-A030413183B5}"/>
-              </a:ext>
-            </a:extLst>
-          </p:cNvPr>
-          <p:cNvSpPr/>
-          <p:nvPr/>
-        </p:nvSpPr>
-        <p:spPr>
-          <a:xfrm>
-            <a:off x="3692063" y="6308209"/>
-            <a:ext cx="7414594" cy="369332"/>
-          </a:xfrm>
-          <a:prstGeom prst="rect">
-            <a:avLst/>
-          </a:prstGeom>
-        </p:spPr>
-        <p:txBody>
-          <a:bodyPr wrap="none">
-            <a:spAutoFit/>
-          </a:bodyPr>
-          <a:lstStyle/>
-          <a:p>
-            <a:r>
-              <a:rPr lang="en-US" dirty="0"/>
-              <a:t>See: </a:t>
-            </a:r>
-            <a:r>
-              <a:rPr lang="en-US" dirty="0" err="1"/>
-              <a:t>script_test_fcn_MapGen_checkInputsToFunctions.m</a:t>
-            </a:r>
-            <a:r>
-              <a:rPr lang="en-US" dirty="0"/>
-              <a:t> for example usages</a:t>
-            </a:r>
-          </a:p>
-        </p:txBody>
-      </p:sp>
-    </p:spTree>
-    <p:extLst>
-      <p:ext uri="{BB962C8B-B14F-4D97-AF65-F5344CB8AC3E}">
-        <p14:creationId xmlns:p14="http://schemas.microsoft.com/office/powerpoint/2010/main" val="3283178281"/>
-      </p:ext>
-    </p:extLst>
-  </p:cSld>
-  <p:clrMapOvr>
-    <a:masterClrMapping/>
-  </p:clrMapOvr>
-</p:sld>
-</file>
-
-<file path=ppt/slides/slide30.xml><?xml version="1.0" encoding="utf-8"?>
+<file path=ppt/slides/slide31.xml><?xml version="1.0" encoding="utf-8"?>
 <p:sld xmlns:a="http://schemas.openxmlformats.org/drawingml/2006/main" xmlns:r="http://schemas.openxmlformats.org/officeDocument/2006/relationships" xmlns:p="http://schemas.openxmlformats.org/presentationml/2006/main">
   <p:cSld>
     <p:spTree>
@@ -18305,7 +20250,7 @@
 </p:sld>
 </file>
 
-<file path=ppt/slides/slide31.xml><?xml version="1.0" encoding="utf-8"?>
+<file path=ppt/slides/slide32.xml><?xml version="1.0" encoding="utf-8"?>
 <p:sld xmlns:a="http://schemas.openxmlformats.org/drawingml/2006/main" xmlns:r="http://schemas.openxmlformats.org/officeDocument/2006/relationships" xmlns:p="http://schemas.openxmlformats.org/presentationml/2006/main">
   <p:cSld>
     <p:spTree>
@@ -18400,7 +20345,7 @@
 </p:sld>
 </file>
 
-<file path=ppt/slides/slide32.xml><?xml version="1.0" encoding="utf-8"?>
+<file path=ppt/slides/slide33.xml><?xml version="1.0" encoding="utf-8"?>
 <p:sld xmlns:a="http://schemas.openxmlformats.org/drawingml/2006/main" xmlns:r="http://schemas.openxmlformats.org/officeDocument/2006/relationships" xmlns:p="http://schemas.openxmlformats.org/presentationml/2006/main">
   <p:cSld>
     <p:spTree>
@@ -19434,7 +21379,7 @@
 </p:sld>
 </file>
 
-<file path=ppt/slides/slide33.xml><?xml version="1.0" encoding="utf-8"?>
+<file path=ppt/slides/slide34.xml><?xml version="1.0" encoding="utf-8"?>
 <p:sld xmlns:a="http://schemas.openxmlformats.org/drawingml/2006/main" xmlns:r="http://schemas.openxmlformats.org/officeDocument/2006/relationships" xmlns:p="http://schemas.openxmlformats.org/presentationml/2006/main">
   <p:cSld>
     <p:spTree>
@@ -19522,7 +21467,7 @@
 </p:sld>
 </file>
 
-<file path=ppt/slides/slide34.xml><?xml version="1.0" encoding="utf-8"?>
+<file path=ppt/slides/slide35.xml><?xml version="1.0" encoding="utf-8"?>
 <p:sld xmlns:a="http://schemas.openxmlformats.org/drawingml/2006/main" xmlns:r="http://schemas.openxmlformats.org/officeDocument/2006/relationships" xmlns:p="http://schemas.openxmlformats.org/presentationml/2006/main">
   <p:cSld>
     <p:spTree>
@@ -19615,7 +21560,7 @@
 </p:sld>
 </file>
 
-<file path=ppt/slides/slide35.xml><?xml version="1.0" encoding="utf-8"?>
+<file path=ppt/slides/slide36.xml><?xml version="1.0" encoding="utf-8"?>
 <p:sld xmlns:a="http://schemas.openxmlformats.org/drawingml/2006/main" xmlns:r="http://schemas.openxmlformats.org/officeDocument/2006/relationships" xmlns:p="http://schemas.openxmlformats.org/presentationml/2006/main">
   <p:cSld>
     <p:spTree>
@@ -20024,7 +21969,7 @@
 </p:sld>
 </file>
 
-<file path=ppt/slides/slide36.xml><?xml version="1.0" encoding="utf-8"?>
+<file path=ppt/slides/slide37.xml><?xml version="1.0" encoding="utf-8"?>
 <p:sld xmlns:a="http://schemas.openxmlformats.org/drawingml/2006/main" xmlns:r="http://schemas.openxmlformats.org/officeDocument/2006/relationships" xmlns:p="http://schemas.openxmlformats.org/presentationml/2006/main">
   <p:cSld>
     <p:spTree>
@@ -20809,7 +22754,7 @@
 </p:sld>
 </file>
 
-<file path=ppt/slides/slide37.xml><?xml version="1.0" encoding="utf-8"?>
+<file path=ppt/slides/slide38.xml><?xml version="1.0" encoding="utf-8"?>
 <p:sld xmlns:a="http://schemas.openxmlformats.org/drawingml/2006/main" xmlns:r="http://schemas.openxmlformats.org/officeDocument/2006/relationships" xmlns:p="http://schemas.openxmlformats.org/presentationml/2006/main">
   <p:cSld>
     <p:spTree>
@@ -21594,7 +23539,7 @@
 </p:sld>
 </file>
 
-<file path=ppt/slides/slide38.xml><?xml version="1.0" encoding="utf-8"?>
+<file path=ppt/slides/slide39.xml><?xml version="1.0" encoding="utf-8"?>
 <p:sld xmlns:a="http://schemas.openxmlformats.org/drawingml/2006/main" xmlns:r="http://schemas.openxmlformats.org/officeDocument/2006/relationships" xmlns:p="http://schemas.openxmlformats.org/presentationml/2006/main">
   <p:cSld>
     <p:spTree>
@@ -22315,7 +24260,576 @@
 </p:sld>
 </file>
 
-<file path=ppt/slides/slide39.xml><?xml version="1.0" encoding="utf-8"?>
+<file path=ppt/slides/slide4.xml><?xml version="1.0" encoding="utf-8"?>
+<p:sld xmlns:a="http://schemas.openxmlformats.org/drawingml/2006/main" xmlns:r="http://schemas.openxmlformats.org/officeDocument/2006/relationships" xmlns:p="http://schemas.openxmlformats.org/presentationml/2006/main">
+  <p:cSld>
+    <p:spTree>
+      <p:nvGrpSpPr>
+        <p:cNvPr id="1" name=""/>
+        <p:cNvGrpSpPr/>
+        <p:nvPr/>
+      </p:nvGrpSpPr>
+      <p:grpSpPr>
+        <a:xfrm>
+          <a:off x="0" y="0"/>
+          <a:ext cx="0" cy="0"/>
+          <a:chOff x="0" y="0"/>
+          <a:chExt cx="0" cy="0"/>
+        </a:xfrm>
+      </p:grpSpPr>
+      <p:sp>
+        <p:nvSpPr>
+          <p:cNvPr id="2" name="Title 1">
+            <a:extLst>
+              <a:ext uri="{FF2B5EF4-FFF2-40B4-BE49-F238E27FC236}">
+                <a16:creationId xmlns:a16="http://schemas.microsoft.com/office/drawing/2014/main" id="{8C7DDBE8-36CC-4927-9870-E0F8CEA9D030}"/>
+              </a:ext>
+            </a:extLst>
+          </p:cNvPr>
+          <p:cNvSpPr>
+            <a:spLocks noGrp="1"/>
+          </p:cNvSpPr>
+          <p:nvPr>
+            <p:ph type="title"/>
+          </p:nvPr>
+        </p:nvSpPr>
+        <p:spPr>
+          <a:xfrm>
+            <a:off x="838200" y="618266"/>
+            <a:ext cx="10515600" cy="1325563"/>
+          </a:xfrm>
+        </p:spPr>
+        <p:txBody>
+          <a:bodyPr>
+            <a:normAutofit fontScale="90000"/>
+          </a:bodyPr>
+          <a:lstStyle/>
+          <a:p>
+            <a:r>
+              <a:rPr lang="en-US" dirty="0"/>
+              <a:t>A demonstration script exists that shows most of the functionality in this document:</a:t>
+            </a:r>
+            <a:br>
+              <a:rPr lang="en-US" dirty="0"/>
+            </a:br>
+            <a:r>
+              <a:rPr lang="en-US" dirty="0" err="1">
+                <a:solidFill>
+                  <a:srgbClr val="028009"/>
+                </a:solidFill>
+                <a:latin typeface="Courier New" panose="02070309020205020404" pitchFamily="49" charset="0"/>
+              </a:rPr>
+              <a:t>script_demo_MapGenLibrary</a:t>
+            </a:r>
+            <a:br>
+              <a:rPr lang="en-US" dirty="0">
+                <a:solidFill>
+                  <a:srgbClr val="028009"/>
+                </a:solidFill>
+                <a:latin typeface="Courier New" panose="02070309020205020404" pitchFamily="49" charset="0"/>
+              </a:rPr>
+            </a:br>
+            <a:endParaRPr lang="en-US" dirty="0"/>
+          </a:p>
+        </p:txBody>
+      </p:sp>
+      <p:sp>
+        <p:nvSpPr>
+          <p:cNvPr id="4" name="Rectangle 3">
+            <a:extLst>
+              <a:ext uri="{FF2B5EF4-FFF2-40B4-BE49-F238E27FC236}">
+                <a16:creationId xmlns:a16="http://schemas.microsoft.com/office/drawing/2014/main" id="{ED6B6C78-C512-4D1D-90D5-01BF838E0A27}"/>
+              </a:ext>
+            </a:extLst>
+          </p:cNvPr>
+          <p:cNvSpPr/>
+          <p:nvPr/>
+        </p:nvSpPr>
+        <p:spPr>
+          <a:xfrm>
+            <a:off x="374433" y="2022133"/>
+            <a:ext cx="5909136" cy="2446824"/>
+          </a:xfrm>
+          <a:prstGeom prst="rect">
+            <a:avLst/>
+          </a:prstGeom>
+          <a:solidFill>
+            <a:schemeClr val="accent4">
+              <a:lumMod val="20000"/>
+              <a:lumOff val="80000"/>
+            </a:schemeClr>
+          </a:solidFill>
+        </p:spPr>
+        <p:txBody>
+          <a:bodyPr wrap="square">
+            <a:spAutoFit/>
+          </a:bodyPr>
+          <a:lstStyle/>
+          <a:p>
+            <a:r>
+              <a:rPr lang="en-US" sz="900" dirty="0">
+                <a:solidFill>
+                  <a:srgbClr val="028009"/>
+                </a:solidFill>
+                <a:latin typeface="Courier New" panose="02070309020205020404" pitchFamily="49" charset="0"/>
+              </a:rPr>
+              <a:t>%% Show how inputs are checked</a:t>
+            </a:r>
+          </a:p>
+          <a:p>
+            <a:r>
+              <a:rPr lang="en-US" sz="900" dirty="0" err="1">
+                <a:solidFill>
+                  <a:srgbClr val="000000"/>
+                </a:solidFill>
+                <a:latin typeface="Courier New" panose="02070309020205020404" pitchFamily="49" charset="0"/>
+              </a:rPr>
+              <a:t>Twocolumn_of_numbers_test</a:t>
+            </a:r>
+            <a:r>
+              <a:rPr lang="en-US" sz="900" dirty="0">
+                <a:solidFill>
+                  <a:srgbClr val="000000"/>
+                </a:solidFill>
+                <a:latin typeface="Courier New" panose="02070309020205020404" pitchFamily="49" charset="0"/>
+              </a:rPr>
+              <a:t> = [4 1; 3 0; 2 5];</a:t>
+            </a:r>
+          </a:p>
+          <a:p>
+            <a:r>
+              <a:rPr lang="en-US" sz="900" dirty="0" err="1">
+                <a:solidFill>
+                  <a:srgbClr val="000000"/>
+                </a:solidFill>
+                <a:latin typeface="Courier New" panose="02070309020205020404" pitchFamily="49" charset="0"/>
+              </a:rPr>
+              <a:t>fcn_MapGen_checkInputsToFunctions</a:t>
+            </a:r>
+            <a:r>
+              <a:rPr lang="en-US" sz="900" dirty="0">
+                <a:solidFill>
+                  <a:srgbClr val="000000"/>
+                </a:solidFill>
+                <a:latin typeface="Courier New" panose="02070309020205020404" pitchFamily="49" charset="0"/>
+              </a:rPr>
+              <a:t>(</a:t>
+            </a:r>
+            <a:r>
+              <a:rPr lang="en-US" sz="900" dirty="0" err="1">
+                <a:solidFill>
+                  <a:srgbClr val="000000"/>
+                </a:solidFill>
+                <a:latin typeface="Courier New" panose="02070309020205020404" pitchFamily="49" charset="0"/>
+              </a:rPr>
+              <a:t>Twocolumn_of_numbers_test</a:t>
+            </a:r>
+            <a:r>
+              <a:rPr lang="en-US" sz="900" dirty="0">
+                <a:solidFill>
+                  <a:srgbClr val="000000"/>
+                </a:solidFill>
+                <a:latin typeface="Courier New" panose="02070309020205020404" pitchFamily="49" charset="0"/>
+              </a:rPr>
+              <a:t>, </a:t>
+            </a:r>
+            <a:r>
+              <a:rPr lang="en-US" sz="900" dirty="0">
+                <a:solidFill>
+                  <a:srgbClr val="AA04F9"/>
+                </a:solidFill>
+                <a:latin typeface="Courier New" panose="02070309020205020404" pitchFamily="49" charset="0"/>
+              </a:rPr>
+              <a:t>'2column_of_numbers'</a:t>
+            </a:r>
+            <a:r>
+              <a:rPr lang="en-US" sz="900" dirty="0">
+                <a:solidFill>
+                  <a:srgbClr val="000000"/>
+                </a:solidFill>
+                <a:latin typeface="Courier New" panose="02070309020205020404" pitchFamily="49" charset="0"/>
+              </a:rPr>
+              <a:t>);</a:t>
+            </a:r>
+          </a:p>
+          <a:p>
+            <a:r>
+              <a:rPr lang="en-US" sz="900" dirty="0">
+                <a:solidFill>
+                  <a:srgbClr val="000000"/>
+                </a:solidFill>
+                <a:latin typeface="Courier New" panose="02070309020205020404" pitchFamily="49" charset="0"/>
+              </a:rPr>
+              <a:t> </a:t>
+            </a:r>
+          </a:p>
+          <a:p>
+            <a:r>
+              <a:rPr lang="en-US" sz="900" dirty="0">
+                <a:solidFill>
+                  <a:srgbClr val="000000"/>
+                </a:solidFill>
+                <a:latin typeface="Courier New" panose="02070309020205020404" pitchFamily="49" charset="0"/>
+              </a:rPr>
+              <a:t> </a:t>
+            </a:r>
+          </a:p>
+          <a:p>
+            <a:r>
+              <a:rPr lang="en-US" sz="900" dirty="0">
+                <a:solidFill>
+                  <a:srgbClr val="028009"/>
+                </a:solidFill>
+                <a:latin typeface="Courier New" panose="02070309020205020404" pitchFamily="49" charset="0"/>
+              </a:rPr>
+              <a:t>%% Generate a set of polytopes from various pseudo-random sources</a:t>
+            </a:r>
+          </a:p>
+          <a:p>
+            <a:r>
+              <a:rPr lang="en-US" sz="900" dirty="0">
+                <a:solidFill>
+                  <a:srgbClr val="028009"/>
+                </a:solidFill>
+                <a:latin typeface="Courier New" panose="02070309020205020404" pitchFamily="49" charset="0"/>
+              </a:rPr>
+              <a:t>% Generate a set of polytopes from the </a:t>
+            </a:r>
+            <a:r>
+              <a:rPr lang="en-US" sz="900" dirty="0" err="1">
+                <a:solidFill>
+                  <a:srgbClr val="028009"/>
+                </a:solidFill>
+                <a:latin typeface="Courier New" panose="02070309020205020404" pitchFamily="49" charset="0"/>
+              </a:rPr>
+              <a:t>Sobol</a:t>
+            </a:r>
+            <a:r>
+              <a:rPr lang="en-US" sz="900" dirty="0">
+                <a:solidFill>
+                  <a:srgbClr val="028009"/>
+                </a:solidFill>
+                <a:latin typeface="Courier New" panose="02070309020205020404" pitchFamily="49" charset="0"/>
+              </a:rPr>
+              <a:t> set</a:t>
+            </a:r>
+          </a:p>
+          <a:p>
+            <a:r>
+              <a:rPr lang="en-US" sz="900" dirty="0" err="1">
+                <a:solidFill>
+                  <a:srgbClr val="000000"/>
+                </a:solidFill>
+                <a:latin typeface="Courier New" panose="02070309020205020404" pitchFamily="49" charset="0"/>
+              </a:rPr>
+              <a:t>fig_num</a:t>
+            </a:r>
+            <a:r>
+              <a:rPr lang="en-US" sz="900" dirty="0">
+                <a:solidFill>
+                  <a:srgbClr val="000000"/>
+                </a:solidFill>
+                <a:latin typeface="Courier New" panose="02070309020205020404" pitchFamily="49" charset="0"/>
+              </a:rPr>
+              <a:t> = 11;</a:t>
+            </a:r>
+          </a:p>
+          <a:p>
+            <a:r>
+              <a:rPr lang="en-US" sz="900" dirty="0" err="1">
+                <a:solidFill>
+                  <a:srgbClr val="000000"/>
+                </a:solidFill>
+                <a:latin typeface="Courier New" panose="02070309020205020404" pitchFamily="49" charset="0"/>
+              </a:rPr>
+              <a:t>Sobol_range</a:t>
+            </a:r>
+            <a:r>
+              <a:rPr lang="en-US" sz="900" dirty="0">
+                <a:solidFill>
+                  <a:srgbClr val="000000"/>
+                </a:solidFill>
+                <a:latin typeface="Courier New" panose="02070309020205020404" pitchFamily="49" charset="0"/>
+              </a:rPr>
+              <a:t> = [1 1000]; </a:t>
+            </a:r>
+            <a:r>
+              <a:rPr lang="en-US" sz="900" dirty="0">
+                <a:solidFill>
+                  <a:srgbClr val="028009"/>
+                </a:solidFill>
+                <a:latin typeface="Courier New" panose="02070309020205020404" pitchFamily="49" charset="0"/>
+              </a:rPr>
+              <a:t>% range of </a:t>
+            </a:r>
+            <a:r>
+              <a:rPr lang="en-US" sz="900" dirty="0" err="1">
+                <a:solidFill>
+                  <a:srgbClr val="028009"/>
+                </a:solidFill>
+                <a:latin typeface="Courier New" panose="02070309020205020404" pitchFamily="49" charset="0"/>
+              </a:rPr>
+              <a:t>Sobol</a:t>
+            </a:r>
+            <a:r>
+              <a:rPr lang="en-US" sz="900" dirty="0">
+                <a:solidFill>
+                  <a:srgbClr val="028009"/>
+                </a:solidFill>
+                <a:latin typeface="Courier New" panose="02070309020205020404" pitchFamily="49" charset="0"/>
+              </a:rPr>
+              <a:t> points to use to generate the tiling</a:t>
+            </a:r>
+          </a:p>
+          <a:p>
+            <a:r>
+              <a:rPr lang="en-US" sz="900" dirty="0" err="1">
+                <a:solidFill>
+                  <a:srgbClr val="000000"/>
+                </a:solidFill>
+                <a:latin typeface="Courier New" panose="02070309020205020404" pitchFamily="49" charset="0"/>
+              </a:rPr>
+              <a:t>tiled_polytopes</a:t>
+            </a:r>
+            <a:r>
+              <a:rPr lang="en-US" sz="900" dirty="0">
+                <a:solidFill>
+                  <a:srgbClr val="000000"/>
+                </a:solidFill>
+                <a:latin typeface="Courier New" panose="02070309020205020404" pitchFamily="49" charset="0"/>
+              </a:rPr>
+              <a:t> = </a:t>
+            </a:r>
+            <a:r>
+              <a:rPr lang="en-US" sz="900" dirty="0" err="1">
+                <a:solidFill>
+                  <a:srgbClr val="000000"/>
+                </a:solidFill>
+                <a:latin typeface="Courier New" panose="02070309020205020404" pitchFamily="49" charset="0"/>
+              </a:rPr>
+              <a:t>fcn_MapGen_sobolVoronoiTiling</a:t>
+            </a:r>
+            <a:r>
+              <a:rPr lang="en-US" sz="900" dirty="0">
+                <a:solidFill>
+                  <a:srgbClr val="000000"/>
+                </a:solidFill>
+                <a:latin typeface="Courier New" panose="02070309020205020404" pitchFamily="49" charset="0"/>
+              </a:rPr>
+              <a:t>(</a:t>
+            </a:r>
+            <a:r>
+              <a:rPr lang="en-US" sz="900" dirty="0" err="1">
+                <a:solidFill>
+                  <a:srgbClr val="000000"/>
+                </a:solidFill>
+                <a:latin typeface="Courier New" panose="02070309020205020404" pitchFamily="49" charset="0"/>
+              </a:rPr>
+              <a:t>Sobol_range</a:t>
+            </a:r>
+            <a:r>
+              <a:rPr lang="en-US" sz="900" dirty="0">
+                <a:solidFill>
+                  <a:srgbClr val="000000"/>
+                </a:solidFill>
+                <a:latin typeface="Courier New" panose="02070309020205020404" pitchFamily="49" charset="0"/>
+              </a:rPr>
+              <a:t>,[1 1],</a:t>
+            </a:r>
+            <a:r>
+              <a:rPr lang="en-US" sz="900" dirty="0" err="1">
+                <a:solidFill>
+                  <a:srgbClr val="000000"/>
+                </a:solidFill>
+                <a:latin typeface="Courier New" panose="02070309020205020404" pitchFamily="49" charset="0"/>
+              </a:rPr>
+              <a:t>fig_num</a:t>
+            </a:r>
+            <a:r>
+              <a:rPr lang="en-US" sz="900" dirty="0">
+                <a:solidFill>
+                  <a:srgbClr val="000000"/>
+                </a:solidFill>
+                <a:latin typeface="Courier New" panose="02070309020205020404" pitchFamily="49" charset="0"/>
+              </a:rPr>
+              <a:t>);</a:t>
+            </a:r>
+          </a:p>
+          <a:p>
+            <a:r>
+              <a:rPr lang="en-US" sz="900" dirty="0">
+                <a:solidFill>
+                  <a:srgbClr val="000000"/>
+                </a:solidFill>
+                <a:latin typeface="Courier New" panose="02070309020205020404" pitchFamily="49" charset="0"/>
+              </a:rPr>
+              <a:t> </a:t>
+            </a:r>
+          </a:p>
+          <a:p>
+            <a:r>
+              <a:rPr lang="en-US" sz="900" dirty="0">
+                <a:solidFill>
+                  <a:srgbClr val="000000"/>
+                </a:solidFill>
+                <a:latin typeface="Courier New" panose="02070309020205020404" pitchFamily="49" charset="0"/>
+              </a:rPr>
+              <a:t> </a:t>
+            </a:r>
+          </a:p>
+          <a:p>
+            <a:r>
+              <a:rPr lang="en-US" sz="900" dirty="0">
+                <a:solidFill>
+                  <a:srgbClr val="028009"/>
+                </a:solidFill>
+                <a:latin typeface="Courier New" panose="02070309020205020404" pitchFamily="49" charset="0"/>
+              </a:rPr>
+              <a:t>% Generate a set of polytopes from the Halton set</a:t>
+            </a:r>
+          </a:p>
+          <a:p>
+            <a:r>
+              <a:rPr lang="en-US" sz="900" dirty="0" err="1">
+                <a:solidFill>
+                  <a:srgbClr val="000000"/>
+                </a:solidFill>
+                <a:latin typeface="Courier New" panose="02070309020205020404" pitchFamily="49" charset="0"/>
+              </a:rPr>
+              <a:t>fig_num</a:t>
+            </a:r>
+            <a:r>
+              <a:rPr lang="en-US" sz="900" dirty="0">
+                <a:solidFill>
+                  <a:srgbClr val="000000"/>
+                </a:solidFill>
+                <a:latin typeface="Courier New" panose="02070309020205020404" pitchFamily="49" charset="0"/>
+              </a:rPr>
+              <a:t> = 12;</a:t>
+            </a:r>
+          </a:p>
+          <a:p>
+            <a:r>
+              <a:rPr lang="en-US" sz="900" dirty="0" err="1">
+                <a:solidFill>
+                  <a:srgbClr val="000000"/>
+                </a:solidFill>
+                <a:latin typeface="Courier New" panose="02070309020205020404" pitchFamily="49" charset="0"/>
+              </a:rPr>
+              <a:t>Halton_range</a:t>
+            </a:r>
+            <a:r>
+              <a:rPr lang="en-US" sz="900" dirty="0">
+                <a:solidFill>
+                  <a:srgbClr val="000000"/>
+                </a:solidFill>
+                <a:latin typeface="Courier New" panose="02070309020205020404" pitchFamily="49" charset="0"/>
+              </a:rPr>
+              <a:t> = [1 1000]; </a:t>
+            </a:r>
+            <a:r>
+              <a:rPr lang="en-US" sz="900" dirty="0">
+                <a:solidFill>
+                  <a:srgbClr val="028009"/>
+                </a:solidFill>
+                <a:latin typeface="Courier New" panose="02070309020205020404" pitchFamily="49" charset="0"/>
+              </a:rPr>
+              <a:t>% range of Halton points to use to generate the tiling</a:t>
+            </a:r>
+          </a:p>
+          <a:p>
+            <a:r>
+              <a:rPr lang="en-US" sz="900" dirty="0" err="1">
+                <a:solidFill>
+                  <a:srgbClr val="000000"/>
+                </a:solidFill>
+                <a:latin typeface="Courier New" panose="02070309020205020404" pitchFamily="49" charset="0"/>
+              </a:rPr>
+              <a:t>tiled_polytopes</a:t>
+            </a:r>
+            <a:r>
+              <a:rPr lang="en-US" sz="900" dirty="0">
+                <a:solidFill>
+                  <a:srgbClr val="000000"/>
+                </a:solidFill>
+                <a:latin typeface="Courier New" panose="02070309020205020404" pitchFamily="49" charset="0"/>
+              </a:rPr>
+              <a:t> = </a:t>
+            </a:r>
+            <a:r>
+              <a:rPr lang="en-US" sz="900" dirty="0" err="1">
+                <a:solidFill>
+                  <a:srgbClr val="000000"/>
+                </a:solidFill>
+                <a:latin typeface="Courier New" panose="02070309020205020404" pitchFamily="49" charset="0"/>
+              </a:rPr>
+              <a:t>fcn_MapGen_haltonVoronoiTiling</a:t>
+            </a:r>
+            <a:r>
+              <a:rPr lang="en-US" sz="900" dirty="0">
+                <a:solidFill>
+                  <a:srgbClr val="000000"/>
+                </a:solidFill>
+                <a:latin typeface="Courier New" panose="02070309020205020404" pitchFamily="49" charset="0"/>
+              </a:rPr>
+              <a:t>(</a:t>
+            </a:r>
+            <a:r>
+              <a:rPr lang="en-US" sz="900" dirty="0" err="1">
+                <a:solidFill>
+                  <a:srgbClr val="000000"/>
+                </a:solidFill>
+                <a:latin typeface="Courier New" panose="02070309020205020404" pitchFamily="49" charset="0"/>
+              </a:rPr>
+              <a:t>Halton_range</a:t>
+            </a:r>
+            <a:r>
+              <a:rPr lang="en-US" sz="900" dirty="0">
+                <a:solidFill>
+                  <a:srgbClr val="000000"/>
+                </a:solidFill>
+                <a:latin typeface="Courier New" panose="02070309020205020404" pitchFamily="49" charset="0"/>
+              </a:rPr>
+              <a:t>,[1 1],</a:t>
+            </a:r>
+            <a:r>
+              <a:rPr lang="en-US" sz="900" dirty="0" err="1">
+                <a:solidFill>
+                  <a:srgbClr val="000000"/>
+                </a:solidFill>
+                <a:latin typeface="Courier New" panose="02070309020205020404" pitchFamily="49" charset="0"/>
+              </a:rPr>
+              <a:t>fig_num</a:t>
+            </a:r>
+            <a:r>
+              <a:rPr lang="en-US" sz="900" dirty="0">
+                <a:solidFill>
+                  <a:srgbClr val="000000"/>
+                </a:solidFill>
+                <a:latin typeface="Courier New" panose="02070309020205020404" pitchFamily="49" charset="0"/>
+              </a:rPr>
+              <a:t>);</a:t>
+            </a:r>
+          </a:p>
+          <a:p>
+            <a:endParaRPr lang="en-US" sz="900" dirty="0"/>
+          </a:p>
+        </p:txBody>
+      </p:sp>
+    </p:spTree>
+    <p:extLst>
+      <p:ext uri="{BB962C8B-B14F-4D97-AF65-F5344CB8AC3E}">
+        <p14:creationId xmlns:p14="http://schemas.microsoft.com/office/powerpoint/2010/main" val="3684799925"/>
+      </p:ext>
+    </p:extLst>
+  </p:cSld>
+  <p:clrMapOvr>
+    <a:masterClrMapping/>
+  </p:clrMapOvr>
+</p:sld>
+</file>
+
+<file path=ppt/slides/slide40.xml><?xml version="1.0" encoding="utf-8"?>
 <p:sld xmlns:a="http://schemas.openxmlformats.org/drawingml/2006/main" xmlns:r="http://schemas.openxmlformats.org/officeDocument/2006/relationships" xmlns:p="http://schemas.openxmlformats.org/presentationml/2006/main">
   <p:cSld>
     <p:spTree>
@@ -23090,576 +25604,7 @@
 </p:sld>
 </file>
 
-<file path=ppt/slides/slide4.xml><?xml version="1.0" encoding="utf-8"?>
-<p:sld xmlns:a="http://schemas.openxmlformats.org/drawingml/2006/main" xmlns:r="http://schemas.openxmlformats.org/officeDocument/2006/relationships" xmlns:p="http://schemas.openxmlformats.org/presentationml/2006/main">
-  <p:cSld>
-    <p:spTree>
-      <p:nvGrpSpPr>
-        <p:cNvPr id="1" name=""/>
-        <p:cNvGrpSpPr/>
-        <p:nvPr/>
-      </p:nvGrpSpPr>
-      <p:grpSpPr>
-        <a:xfrm>
-          <a:off x="0" y="0"/>
-          <a:ext cx="0" cy="0"/>
-          <a:chOff x="0" y="0"/>
-          <a:chExt cx="0" cy="0"/>
-        </a:xfrm>
-      </p:grpSpPr>
-      <p:sp>
-        <p:nvSpPr>
-          <p:cNvPr id="2" name="Title 1">
-            <a:extLst>
-              <a:ext uri="{FF2B5EF4-FFF2-40B4-BE49-F238E27FC236}">
-                <a16:creationId xmlns:a16="http://schemas.microsoft.com/office/drawing/2014/main" id="{8C7DDBE8-36CC-4927-9870-E0F8CEA9D030}"/>
-              </a:ext>
-            </a:extLst>
-          </p:cNvPr>
-          <p:cNvSpPr>
-            <a:spLocks noGrp="1"/>
-          </p:cNvSpPr>
-          <p:nvPr>
-            <p:ph type="title"/>
-          </p:nvPr>
-        </p:nvSpPr>
-        <p:spPr>
-          <a:xfrm>
-            <a:off x="838200" y="618266"/>
-            <a:ext cx="10515600" cy="1325563"/>
-          </a:xfrm>
-        </p:spPr>
-        <p:txBody>
-          <a:bodyPr>
-            <a:normAutofit fontScale="90000"/>
-          </a:bodyPr>
-          <a:lstStyle/>
-          <a:p>
-            <a:r>
-              <a:rPr lang="en-US" dirty="0"/>
-              <a:t>A demonstration script exists that shows most of the functionality in this document:</a:t>
-            </a:r>
-            <a:br>
-              <a:rPr lang="en-US" dirty="0"/>
-            </a:br>
-            <a:r>
-              <a:rPr lang="en-US" dirty="0" err="1">
-                <a:solidFill>
-                  <a:srgbClr val="028009"/>
-                </a:solidFill>
-                <a:latin typeface="Courier New" panose="02070309020205020404" pitchFamily="49" charset="0"/>
-              </a:rPr>
-              <a:t>script_demo_MapGenLibrary</a:t>
-            </a:r>
-            <a:br>
-              <a:rPr lang="en-US" dirty="0">
-                <a:solidFill>
-                  <a:srgbClr val="028009"/>
-                </a:solidFill>
-                <a:latin typeface="Courier New" panose="02070309020205020404" pitchFamily="49" charset="0"/>
-              </a:rPr>
-            </a:br>
-            <a:endParaRPr lang="en-US" dirty="0"/>
-          </a:p>
-        </p:txBody>
-      </p:sp>
-      <p:sp>
-        <p:nvSpPr>
-          <p:cNvPr id="4" name="Rectangle 3">
-            <a:extLst>
-              <a:ext uri="{FF2B5EF4-FFF2-40B4-BE49-F238E27FC236}">
-                <a16:creationId xmlns:a16="http://schemas.microsoft.com/office/drawing/2014/main" id="{ED6B6C78-C512-4D1D-90D5-01BF838E0A27}"/>
-              </a:ext>
-            </a:extLst>
-          </p:cNvPr>
-          <p:cNvSpPr/>
-          <p:nvPr/>
-        </p:nvSpPr>
-        <p:spPr>
-          <a:xfrm>
-            <a:off x="374433" y="2022133"/>
-            <a:ext cx="5909136" cy="2446824"/>
-          </a:xfrm>
-          <a:prstGeom prst="rect">
-            <a:avLst/>
-          </a:prstGeom>
-          <a:solidFill>
-            <a:schemeClr val="accent4">
-              <a:lumMod val="20000"/>
-              <a:lumOff val="80000"/>
-            </a:schemeClr>
-          </a:solidFill>
-        </p:spPr>
-        <p:txBody>
-          <a:bodyPr wrap="square">
-            <a:spAutoFit/>
-          </a:bodyPr>
-          <a:lstStyle/>
-          <a:p>
-            <a:r>
-              <a:rPr lang="en-US" sz="900" dirty="0">
-                <a:solidFill>
-                  <a:srgbClr val="028009"/>
-                </a:solidFill>
-                <a:latin typeface="Courier New" panose="02070309020205020404" pitchFamily="49" charset="0"/>
-              </a:rPr>
-              <a:t>%% Show how inputs are checked</a:t>
-            </a:r>
-          </a:p>
-          <a:p>
-            <a:r>
-              <a:rPr lang="en-US" sz="900" dirty="0" err="1">
-                <a:solidFill>
-                  <a:srgbClr val="000000"/>
-                </a:solidFill>
-                <a:latin typeface="Courier New" panose="02070309020205020404" pitchFamily="49" charset="0"/>
-              </a:rPr>
-              <a:t>Twocolumn_of_numbers_test</a:t>
-            </a:r>
-            <a:r>
-              <a:rPr lang="en-US" sz="900" dirty="0">
-                <a:solidFill>
-                  <a:srgbClr val="000000"/>
-                </a:solidFill>
-                <a:latin typeface="Courier New" panose="02070309020205020404" pitchFamily="49" charset="0"/>
-              </a:rPr>
-              <a:t> = [4 1; 3 0; 2 5];</a:t>
-            </a:r>
-          </a:p>
-          <a:p>
-            <a:r>
-              <a:rPr lang="en-US" sz="900" dirty="0" err="1">
-                <a:solidFill>
-                  <a:srgbClr val="000000"/>
-                </a:solidFill>
-                <a:latin typeface="Courier New" panose="02070309020205020404" pitchFamily="49" charset="0"/>
-              </a:rPr>
-              <a:t>fcn_MapGen_checkInputsToFunctions</a:t>
-            </a:r>
-            <a:r>
-              <a:rPr lang="en-US" sz="900" dirty="0">
-                <a:solidFill>
-                  <a:srgbClr val="000000"/>
-                </a:solidFill>
-                <a:latin typeface="Courier New" panose="02070309020205020404" pitchFamily="49" charset="0"/>
-              </a:rPr>
-              <a:t>(</a:t>
-            </a:r>
-            <a:r>
-              <a:rPr lang="en-US" sz="900" dirty="0" err="1">
-                <a:solidFill>
-                  <a:srgbClr val="000000"/>
-                </a:solidFill>
-                <a:latin typeface="Courier New" panose="02070309020205020404" pitchFamily="49" charset="0"/>
-              </a:rPr>
-              <a:t>Twocolumn_of_numbers_test</a:t>
-            </a:r>
-            <a:r>
-              <a:rPr lang="en-US" sz="900" dirty="0">
-                <a:solidFill>
-                  <a:srgbClr val="000000"/>
-                </a:solidFill>
-                <a:latin typeface="Courier New" panose="02070309020205020404" pitchFamily="49" charset="0"/>
-              </a:rPr>
-              <a:t>, </a:t>
-            </a:r>
-            <a:r>
-              <a:rPr lang="en-US" sz="900" dirty="0">
-                <a:solidFill>
-                  <a:srgbClr val="AA04F9"/>
-                </a:solidFill>
-                <a:latin typeface="Courier New" panose="02070309020205020404" pitchFamily="49" charset="0"/>
-              </a:rPr>
-              <a:t>'2column_of_numbers'</a:t>
-            </a:r>
-            <a:r>
-              <a:rPr lang="en-US" sz="900" dirty="0">
-                <a:solidFill>
-                  <a:srgbClr val="000000"/>
-                </a:solidFill>
-                <a:latin typeface="Courier New" panose="02070309020205020404" pitchFamily="49" charset="0"/>
-              </a:rPr>
-              <a:t>);</a:t>
-            </a:r>
-          </a:p>
-          <a:p>
-            <a:r>
-              <a:rPr lang="en-US" sz="900" dirty="0">
-                <a:solidFill>
-                  <a:srgbClr val="000000"/>
-                </a:solidFill>
-                <a:latin typeface="Courier New" panose="02070309020205020404" pitchFamily="49" charset="0"/>
-              </a:rPr>
-              <a:t> </a:t>
-            </a:r>
-          </a:p>
-          <a:p>
-            <a:r>
-              <a:rPr lang="en-US" sz="900" dirty="0">
-                <a:solidFill>
-                  <a:srgbClr val="000000"/>
-                </a:solidFill>
-                <a:latin typeface="Courier New" panose="02070309020205020404" pitchFamily="49" charset="0"/>
-              </a:rPr>
-              <a:t> </a:t>
-            </a:r>
-          </a:p>
-          <a:p>
-            <a:r>
-              <a:rPr lang="en-US" sz="900" dirty="0">
-                <a:solidFill>
-                  <a:srgbClr val="028009"/>
-                </a:solidFill>
-                <a:latin typeface="Courier New" panose="02070309020205020404" pitchFamily="49" charset="0"/>
-              </a:rPr>
-              <a:t>%% Generate a set of polytopes from various pseudo-random sources</a:t>
-            </a:r>
-          </a:p>
-          <a:p>
-            <a:r>
-              <a:rPr lang="en-US" sz="900" dirty="0">
-                <a:solidFill>
-                  <a:srgbClr val="028009"/>
-                </a:solidFill>
-                <a:latin typeface="Courier New" panose="02070309020205020404" pitchFamily="49" charset="0"/>
-              </a:rPr>
-              <a:t>% Generate a set of polytopes from the </a:t>
-            </a:r>
-            <a:r>
-              <a:rPr lang="en-US" sz="900" dirty="0" err="1">
-                <a:solidFill>
-                  <a:srgbClr val="028009"/>
-                </a:solidFill>
-                <a:latin typeface="Courier New" panose="02070309020205020404" pitchFamily="49" charset="0"/>
-              </a:rPr>
-              <a:t>Sobol</a:t>
-            </a:r>
-            <a:r>
-              <a:rPr lang="en-US" sz="900" dirty="0">
-                <a:solidFill>
-                  <a:srgbClr val="028009"/>
-                </a:solidFill>
-                <a:latin typeface="Courier New" panose="02070309020205020404" pitchFamily="49" charset="0"/>
-              </a:rPr>
-              <a:t> set</a:t>
-            </a:r>
-          </a:p>
-          <a:p>
-            <a:r>
-              <a:rPr lang="en-US" sz="900" dirty="0" err="1">
-                <a:solidFill>
-                  <a:srgbClr val="000000"/>
-                </a:solidFill>
-                <a:latin typeface="Courier New" panose="02070309020205020404" pitchFamily="49" charset="0"/>
-              </a:rPr>
-              <a:t>fig_num</a:t>
-            </a:r>
-            <a:r>
-              <a:rPr lang="en-US" sz="900" dirty="0">
-                <a:solidFill>
-                  <a:srgbClr val="000000"/>
-                </a:solidFill>
-                <a:latin typeface="Courier New" panose="02070309020205020404" pitchFamily="49" charset="0"/>
-              </a:rPr>
-              <a:t> = 11;</a:t>
-            </a:r>
-          </a:p>
-          <a:p>
-            <a:r>
-              <a:rPr lang="en-US" sz="900" dirty="0" err="1">
-                <a:solidFill>
-                  <a:srgbClr val="000000"/>
-                </a:solidFill>
-                <a:latin typeface="Courier New" panose="02070309020205020404" pitchFamily="49" charset="0"/>
-              </a:rPr>
-              <a:t>Sobol_range</a:t>
-            </a:r>
-            <a:r>
-              <a:rPr lang="en-US" sz="900" dirty="0">
-                <a:solidFill>
-                  <a:srgbClr val="000000"/>
-                </a:solidFill>
-                <a:latin typeface="Courier New" panose="02070309020205020404" pitchFamily="49" charset="0"/>
-              </a:rPr>
-              <a:t> = [1 1000]; </a:t>
-            </a:r>
-            <a:r>
-              <a:rPr lang="en-US" sz="900" dirty="0">
-                <a:solidFill>
-                  <a:srgbClr val="028009"/>
-                </a:solidFill>
-                <a:latin typeface="Courier New" panose="02070309020205020404" pitchFamily="49" charset="0"/>
-              </a:rPr>
-              <a:t>% range of </a:t>
-            </a:r>
-            <a:r>
-              <a:rPr lang="en-US" sz="900" dirty="0" err="1">
-                <a:solidFill>
-                  <a:srgbClr val="028009"/>
-                </a:solidFill>
-                <a:latin typeface="Courier New" panose="02070309020205020404" pitchFamily="49" charset="0"/>
-              </a:rPr>
-              <a:t>Sobol</a:t>
-            </a:r>
-            <a:r>
-              <a:rPr lang="en-US" sz="900" dirty="0">
-                <a:solidFill>
-                  <a:srgbClr val="028009"/>
-                </a:solidFill>
-                <a:latin typeface="Courier New" panose="02070309020205020404" pitchFamily="49" charset="0"/>
-              </a:rPr>
-              <a:t> points to use to generate the tiling</a:t>
-            </a:r>
-          </a:p>
-          <a:p>
-            <a:r>
-              <a:rPr lang="en-US" sz="900" dirty="0" err="1">
-                <a:solidFill>
-                  <a:srgbClr val="000000"/>
-                </a:solidFill>
-                <a:latin typeface="Courier New" panose="02070309020205020404" pitchFamily="49" charset="0"/>
-              </a:rPr>
-              <a:t>tiled_polytopes</a:t>
-            </a:r>
-            <a:r>
-              <a:rPr lang="en-US" sz="900" dirty="0">
-                <a:solidFill>
-                  <a:srgbClr val="000000"/>
-                </a:solidFill>
-                <a:latin typeface="Courier New" panose="02070309020205020404" pitchFamily="49" charset="0"/>
-              </a:rPr>
-              <a:t> = </a:t>
-            </a:r>
-            <a:r>
-              <a:rPr lang="en-US" sz="900" dirty="0" err="1">
-                <a:solidFill>
-                  <a:srgbClr val="000000"/>
-                </a:solidFill>
-                <a:latin typeface="Courier New" panose="02070309020205020404" pitchFamily="49" charset="0"/>
-              </a:rPr>
-              <a:t>fcn_MapGen_sobolVoronoiTiling</a:t>
-            </a:r>
-            <a:r>
-              <a:rPr lang="en-US" sz="900" dirty="0">
-                <a:solidFill>
-                  <a:srgbClr val="000000"/>
-                </a:solidFill>
-                <a:latin typeface="Courier New" panose="02070309020205020404" pitchFamily="49" charset="0"/>
-              </a:rPr>
-              <a:t>(</a:t>
-            </a:r>
-            <a:r>
-              <a:rPr lang="en-US" sz="900" dirty="0" err="1">
-                <a:solidFill>
-                  <a:srgbClr val="000000"/>
-                </a:solidFill>
-                <a:latin typeface="Courier New" panose="02070309020205020404" pitchFamily="49" charset="0"/>
-              </a:rPr>
-              <a:t>Sobol_range</a:t>
-            </a:r>
-            <a:r>
-              <a:rPr lang="en-US" sz="900" dirty="0">
-                <a:solidFill>
-                  <a:srgbClr val="000000"/>
-                </a:solidFill>
-                <a:latin typeface="Courier New" panose="02070309020205020404" pitchFamily="49" charset="0"/>
-              </a:rPr>
-              <a:t>,[1 1],</a:t>
-            </a:r>
-            <a:r>
-              <a:rPr lang="en-US" sz="900" dirty="0" err="1">
-                <a:solidFill>
-                  <a:srgbClr val="000000"/>
-                </a:solidFill>
-                <a:latin typeface="Courier New" panose="02070309020205020404" pitchFamily="49" charset="0"/>
-              </a:rPr>
-              <a:t>fig_num</a:t>
-            </a:r>
-            <a:r>
-              <a:rPr lang="en-US" sz="900" dirty="0">
-                <a:solidFill>
-                  <a:srgbClr val="000000"/>
-                </a:solidFill>
-                <a:latin typeface="Courier New" panose="02070309020205020404" pitchFamily="49" charset="0"/>
-              </a:rPr>
-              <a:t>);</a:t>
-            </a:r>
-          </a:p>
-          <a:p>
-            <a:r>
-              <a:rPr lang="en-US" sz="900" dirty="0">
-                <a:solidFill>
-                  <a:srgbClr val="000000"/>
-                </a:solidFill>
-                <a:latin typeface="Courier New" panose="02070309020205020404" pitchFamily="49" charset="0"/>
-              </a:rPr>
-              <a:t> </a:t>
-            </a:r>
-          </a:p>
-          <a:p>
-            <a:r>
-              <a:rPr lang="en-US" sz="900" dirty="0">
-                <a:solidFill>
-                  <a:srgbClr val="000000"/>
-                </a:solidFill>
-                <a:latin typeface="Courier New" panose="02070309020205020404" pitchFamily="49" charset="0"/>
-              </a:rPr>
-              <a:t> </a:t>
-            </a:r>
-          </a:p>
-          <a:p>
-            <a:r>
-              <a:rPr lang="en-US" sz="900" dirty="0">
-                <a:solidFill>
-                  <a:srgbClr val="028009"/>
-                </a:solidFill>
-                <a:latin typeface="Courier New" panose="02070309020205020404" pitchFamily="49" charset="0"/>
-              </a:rPr>
-              <a:t>% Generate a set of polytopes from the Halton set</a:t>
-            </a:r>
-          </a:p>
-          <a:p>
-            <a:r>
-              <a:rPr lang="en-US" sz="900" dirty="0" err="1">
-                <a:solidFill>
-                  <a:srgbClr val="000000"/>
-                </a:solidFill>
-                <a:latin typeface="Courier New" panose="02070309020205020404" pitchFamily="49" charset="0"/>
-              </a:rPr>
-              <a:t>fig_num</a:t>
-            </a:r>
-            <a:r>
-              <a:rPr lang="en-US" sz="900" dirty="0">
-                <a:solidFill>
-                  <a:srgbClr val="000000"/>
-                </a:solidFill>
-                <a:latin typeface="Courier New" panose="02070309020205020404" pitchFamily="49" charset="0"/>
-              </a:rPr>
-              <a:t> = 12;</a:t>
-            </a:r>
-          </a:p>
-          <a:p>
-            <a:r>
-              <a:rPr lang="en-US" sz="900" dirty="0" err="1">
-                <a:solidFill>
-                  <a:srgbClr val="000000"/>
-                </a:solidFill>
-                <a:latin typeface="Courier New" panose="02070309020205020404" pitchFamily="49" charset="0"/>
-              </a:rPr>
-              <a:t>Halton_range</a:t>
-            </a:r>
-            <a:r>
-              <a:rPr lang="en-US" sz="900" dirty="0">
-                <a:solidFill>
-                  <a:srgbClr val="000000"/>
-                </a:solidFill>
-                <a:latin typeface="Courier New" panose="02070309020205020404" pitchFamily="49" charset="0"/>
-              </a:rPr>
-              <a:t> = [1 1000]; </a:t>
-            </a:r>
-            <a:r>
-              <a:rPr lang="en-US" sz="900" dirty="0">
-                <a:solidFill>
-                  <a:srgbClr val="028009"/>
-                </a:solidFill>
-                <a:latin typeface="Courier New" panose="02070309020205020404" pitchFamily="49" charset="0"/>
-              </a:rPr>
-              <a:t>% range of Halton points to use to generate the tiling</a:t>
-            </a:r>
-          </a:p>
-          <a:p>
-            <a:r>
-              <a:rPr lang="en-US" sz="900" dirty="0" err="1">
-                <a:solidFill>
-                  <a:srgbClr val="000000"/>
-                </a:solidFill>
-                <a:latin typeface="Courier New" panose="02070309020205020404" pitchFamily="49" charset="0"/>
-              </a:rPr>
-              <a:t>tiled_polytopes</a:t>
-            </a:r>
-            <a:r>
-              <a:rPr lang="en-US" sz="900" dirty="0">
-                <a:solidFill>
-                  <a:srgbClr val="000000"/>
-                </a:solidFill>
-                <a:latin typeface="Courier New" panose="02070309020205020404" pitchFamily="49" charset="0"/>
-              </a:rPr>
-              <a:t> = </a:t>
-            </a:r>
-            <a:r>
-              <a:rPr lang="en-US" sz="900" dirty="0" err="1">
-                <a:solidFill>
-                  <a:srgbClr val="000000"/>
-                </a:solidFill>
-                <a:latin typeface="Courier New" panose="02070309020205020404" pitchFamily="49" charset="0"/>
-              </a:rPr>
-              <a:t>fcn_MapGen_haltonVoronoiTiling</a:t>
-            </a:r>
-            <a:r>
-              <a:rPr lang="en-US" sz="900" dirty="0">
-                <a:solidFill>
-                  <a:srgbClr val="000000"/>
-                </a:solidFill>
-                <a:latin typeface="Courier New" panose="02070309020205020404" pitchFamily="49" charset="0"/>
-              </a:rPr>
-              <a:t>(</a:t>
-            </a:r>
-            <a:r>
-              <a:rPr lang="en-US" sz="900" dirty="0" err="1">
-                <a:solidFill>
-                  <a:srgbClr val="000000"/>
-                </a:solidFill>
-                <a:latin typeface="Courier New" panose="02070309020205020404" pitchFamily="49" charset="0"/>
-              </a:rPr>
-              <a:t>Halton_range</a:t>
-            </a:r>
-            <a:r>
-              <a:rPr lang="en-US" sz="900" dirty="0">
-                <a:solidFill>
-                  <a:srgbClr val="000000"/>
-                </a:solidFill>
-                <a:latin typeface="Courier New" panose="02070309020205020404" pitchFamily="49" charset="0"/>
-              </a:rPr>
-              <a:t>,[1 1],</a:t>
-            </a:r>
-            <a:r>
-              <a:rPr lang="en-US" sz="900" dirty="0" err="1">
-                <a:solidFill>
-                  <a:srgbClr val="000000"/>
-                </a:solidFill>
-                <a:latin typeface="Courier New" panose="02070309020205020404" pitchFamily="49" charset="0"/>
-              </a:rPr>
-              <a:t>fig_num</a:t>
-            </a:r>
-            <a:r>
-              <a:rPr lang="en-US" sz="900" dirty="0">
-                <a:solidFill>
-                  <a:srgbClr val="000000"/>
-                </a:solidFill>
-                <a:latin typeface="Courier New" panose="02070309020205020404" pitchFamily="49" charset="0"/>
-              </a:rPr>
-              <a:t>);</a:t>
-            </a:r>
-          </a:p>
-          <a:p>
-            <a:endParaRPr lang="en-US" sz="900" dirty="0"/>
-          </a:p>
-        </p:txBody>
-      </p:sp>
-    </p:spTree>
-    <p:extLst>
-      <p:ext uri="{BB962C8B-B14F-4D97-AF65-F5344CB8AC3E}">
-        <p14:creationId xmlns:p14="http://schemas.microsoft.com/office/powerpoint/2010/main" val="3684799925"/>
-      </p:ext>
-    </p:extLst>
-  </p:cSld>
-  <p:clrMapOvr>
-    <a:masterClrMapping/>
-  </p:clrMapOvr>
-</p:sld>
-</file>
-
-<file path=ppt/slides/slide40.xml><?xml version="1.0" encoding="utf-8"?>
+<file path=ppt/slides/slide41.xml><?xml version="1.0" encoding="utf-8"?>
 <p:sld xmlns:a="http://schemas.openxmlformats.org/drawingml/2006/main" xmlns:r="http://schemas.openxmlformats.org/officeDocument/2006/relationships" xmlns:p="http://schemas.openxmlformats.org/presentationml/2006/main">
   <p:cSld>
     <p:spTree>
@@ -23918,8 +25863,8 @@
           </p:pic>
         </mc:Fallback>
       </mc:AlternateContent>
-      <mc:AlternateContent xmlns:mc="http://schemas.openxmlformats.org/markup-compatibility/2006">
-        <mc:Choice xmlns:p14="http://schemas.microsoft.com/office/powerpoint/2010/main" Requires="p14">
+      <mc:AlternateContent xmlns:mc="http://schemas.openxmlformats.org/markup-compatibility/2006" xmlns:p14="http://schemas.microsoft.com/office/powerpoint/2010/main">
+        <mc:Choice Requires="p14">
           <p:contentPart p14:bwMode="auto" r:id="rId4">
             <p14:nvContentPartPr>
               <p14:cNvPr id="11" name="Ink 10">
@@ -23938,7 +25883,7 @@
             </p14:xfrm>
           </p:contentPart>
         </mc:Choice>
-        <mc:Fallback>
+        <mc:Fallback xmlns="">
           <p:pic>
             <p:nvPicPr>
               <p:cNvPr id="11" name="Ink 10">
@@ -24020,8 +25965,8 @@
           </p:pic>
         </mc:Fallback>
       </mc:AlternateContent>
-      <mc:AlternateContent xmlns:mc="http://schemas.openxmlformats.org/markup-compatibility/2006">
-        <mc:Choice xmlns:p14="http://schemas.microsoft.com/office/powerpoint/2010/main" Requires="p14">
+      <mc:AlternateContent xmlns:mc="http://schemas.openxmlformats.org/markup-compatibility/2006" xmlns:p14="http://schemas.microsoft.com/office/powerpoint/2010/main">
+        <mc:Choice Requires="p14">
           <p:contentPart p14:bwMode="auto" r:id="rId8">
             <p14:nvContentPartPr>
               <p14:cNvPr id="15" name="Ink 14">
@@ -24040,7 +25985,7 @@
             </p14:xfrm>
           </p:contentPart>
         </mc:Choice>
-        <mc:Fallback>
+        <mc:Fallback xmlns="">
           <p:pic>
             <p:nvPicPr>
               <p:cNvPr id="15" name="Ink 14">
@@ -24122,8 +26067,8 @@
           </p:pic>
         </mc:Fallback>
       </mc:AlternateContent>
-      <mc:AlternateContent xmlns:mc="http://schemas.openxmlformats.org/markup-compatibility/2006">
-        <mc:Choice xmlns:p14="http://schemas.microsoft.com/office/powerpoint/2010/main" Requires="p14">
+      <mc:AlternateContent xmlns:mc="http://schemas.openxmlformats.org/markup-compatibility/2006" xmlns:p14="http://schemas.microsoft.com/office/powerpoint/2010/main">
+        <mc:Choice Requires="p14">
           <p:contentPart p14:bwMode="auto" r:id="rId12">
             <p14:nvContentPartPr>
               <p14:cNvPr id="45" name="Ink 44">
@@ -24142,7 +26087,7 @@
             </p14:xfrm>
           </p:contentPart>
         </mc:Choice>
-        <mc:Fallback>
+        <mc:Fallback xmlns="">
           <p:pic>
             <p:nvPicPr>
               <p:cNvPr id="45" name="Ink 44">
@@ -24173,8 +26118,8 @@
           </p:pic>
         </mc:Fallback>
       </mc:AlternateContent>
-      <mc:AlternateContent xmlns:mc="http://schemas.openxmlformats.org/markup-compatibility/2006">
-        <mc:Choice xmlns:p14="http://schemas.microsoft.com/office/powerpoint/2010/main" Requires="p14">
+      <mc:AlternateContent xmlns:mc="http://schemas.openxmlformats.org/markup-compatibility/2006" xmlns:p14="http://schemas.microsoft.com/office/powerpoint/2010/main">
+        <mc:Choice Requires="p14">
           <p:contentPart p14:bwMode="auto" r:id="rId14">
             <p14:nvContentPartPr>
               <p14:cNvPr id="47" name="Ink 46">
@@ -24193,7 +26138,7 @@
             </p14:xfrm>
           </p:contentPart>
         </mc:Choice>
-        <mc:Fallback>
+        <mc:Fallback xmlns="">
           <p:pic>
             <p:nvPicPr>
               <p:cNvPr id="47" name="Ink 46">
@@ -24224,8 +26169,8 @@
           </p:pic>
         </mc:Fallback>
       </mc:AlternateContent>
-      <mc:AlternateContent xmlns:mc="http://schemas.openxmlformats.org/markup-compatibility/2006">
-        <mc:Choice xmlns:p14="http://schemas.microsoft.com/office/powerpoint/2010/main" Requires="p14">
+      <mc:AlternateContent xmlns:mc="http://schemas.openxmlformats.org/markup-compatibility/2006" xmlns:p14="http://schemas.microsoft.com/office/powerpoint/2010/main">
+        <mc:Choice Requires="p14">
           <p:contentPart p14:bwMode="auto" r:id="rId16">
             <p14:nvContentPartPr>
               <p14:cNvPr id="50" name="Ink 49">
@@ -24244,7 +26189,7 @@
             </p14:xfrm>
           </p:contentPart>
         </mc:Choice>
-        <mc:Fallback>
+        <mc:Fallback xmlns="">
           <p:pic>
             <p:nvPicPr>
               <p:cNvPr id="50" name="Ink 49">
@@ -24326,8 +26271,8 @@
           </p:pic>
         </mc:Fallback>
       </mc:AlternateContent>
-      <mc:AlternateContent xmlns:mc="http://schemas.openxmlformats.org/markup-compatibility/2006">
-        <mc:Choice xmlns:p14="http://schemas.microsoft.com/office/powerpoint/2010/main" Requires="p14">
+      <mc:AlternateContent xmlns:mc="http://schemas.openxmlformats.org/markup-compatibility/2006" xmlns:p14="http://schemas.microsoft.com/office/powerpoint/2010/main">
+        <mc:Choice Requires="p14">
           <p:contentPart p14:bwMode="auto" r:id="rId20">
             <p14:nvContentPartPr>
               <p14:cNvPr id="54" name="Ink 53">
@@ -24346,7 +26291,7 @@
             </p14:xfrm>
           </p:contentPart>
         </mc:Choice>
-        <mc:Fallback>
+        <mc:Fallback xmlns="">
           <p:pic>
             <p:nvPicPr>
               <p:cNvPr id="54" name="Ink 53">
@@ -24377,8 +26322,8 @@
           </p:pic>
         </mc:Fallback>
       </mc:AlternateContent>
-      <mc:AlternateContent xmlns:mc="http://schemas.openxmlformats.org/markup-compatibility/2006">
-        <mc:Choice xmlns:p14="http://schemas.microsoft.com/office/powerpoint/2010/main" Requires="p14">
+      <mc:AlternateContent xmlns:mc="http://schemas.openxmlformats.org/markup-compatibility/2006" xmlns:p14="http://schemas.microsoft.com/office/powerpoint/2010/main">
+        <mc:Choice Requires="p14">
           <p:contentPart p14:bwMode="auto" r:id="rId22">
             <p14:nvContentPartPr>
               <p14:cNvPr id="60" name="Ink 59">
@@ -24397,7 +26342,7 @@
             </p14:xfrm>
           </p:contentPart>
         </mc:Choice>
-        <mc:Fallback>
+        <mc:Fallback xmlns="">
           <p:pic>
             <p:nvPicPr>
               <p:cNvPr id="60" name="Ink 59">
@@ -24879,8 +26824,8 @@
           </a:p>
         </p:txBody>
       </p:sp>
-      <mc:AlternateContent xmlns:mc="http://schemas.openxmlformats.org/markup-compatibility/2006">
-        <mc:Choice xmlns:p14="http://schemas.microsoft.com/office/powerpoint/2010/main" Requires="p14">
+      <mc:AlternateContent xmlns:mc="http://schemas.openxmlformats.org/markup-compatibility/2006" xmlns:p14="http://schemas.microsoft.com/office/powerpoint/2010/main">
+        <mc:Choice Requires="p14">
           <p:contentPart p14:bwMode="auto" r:id="rId26">
             <p14:nvContentPartPr>
               <p14:cNvPr id="29" name="Ink 28">
@@ -24899,7 +26844,7 @@
             </p14:xfrm>
           </p:contentPart>
         </mc:Choice>
-        <mc:Fallback>
+        <mc:Fallback xmlns="">
           <p:pic>
             <p:nvPicPr>
               <p:cNvPr id="29" name="Ink 28">
@@ -24983,7 +26928,7 @@
 </p:sld>
 </file>
 
-<file path=ppt/slides/slide41.xml><?xml version="1.0" encoding="utf-8"?>
+<file path=ppt/slides/slide42.xml><?xml version="1.0" encoding="utf-8"?>
 <p:sld xmlns:a="http://schemas.openxmlformats.org/drawingml/2006/main" xmlns:r="http://schemas.openxmlformats.org/officeDocument/2006/relationships" xmlns:p="http://schemas.openxmlformats.org/presentationml/2006/main">
   <p:cSld>
     <p:spTree>
@@ -25316,7 +27261,7 @@
 </p:sld>
 </file>
 
-<file path=ppt/slides/slide42.xml><?xml version="1.0" encoding="utf-8"?>
+<file path=ppt/slides/slide43.xml><?xml version="1.0" encoding="utf-8"?>
 <p:sld xmlns:a="http://schemas.openxmlformats.org/drawingml/2006/main" xmlns:r="http://schemas.openxmlformats.org/officeDocument/2006/relationships" xmlns:p="http://schemas.openxmlformats.org/presentationml/2006/main">
   <p:cSld>
     <p:spTree>
@@ -25513,7 +27458,7 @@
 </p:sld>
 </file>
 
-<file path=ppt/slides/slide43.xml><?xml version="1.0" encoding="utf-8"?>
+<file path=ppt/slides/slide44.xml><?xml version="1.0" encoding="utf-8"?>
 <p:sld xmlns:a="http://schemas.openxmlformats.org/drawingml/2006/main" xmlns:r="http://schemas.openxmlformats.org/officeDocument/2006/relationships" xmlns:p="http://schemas.openxmlformats.org/presentationml/2006/main">
   <p:cSld>
     <p:spTree>
